--- a/images/簡報1.pptx
+++ b/images/簡報1.pptx
@@ -2498,26 +2498,6 @@
         </dgm:presLayoutVars>
       </dgm:prSet>
       <dgm:spPr/>
-    </dgm:pt>
-    <dgm:pt modelId="{DC2F0688-9A1F-274C-A504-2B5B0B0C35DA}" type="pres">
-      <dgm:prSet presAssocID="{C60D2FA4-79FE-DF45-BEC1-635FE70633B5}" presName="hierRoot1" presStyleCnt="0">
-        <dgm:presLayoutVars>
-          <dgm:hierBranch val="init"/>
-        </dgm:presLayoutVars>
-      </dgm:prSet>
-      <dgm:spPr/>
-    </dgm:pt>
-    <dgm:pt modelId="{76C0B4C3-DDB6-5B4F-9FD9-9006C81FE25D}" type="pres">
-      <dgm:prSet presAssocID="{C60D2FA4-79FE-DF45-BEC1-635FE70633B5}" presName="rootComposite1" presStyleCnt="0"/>
-      <dgm:spPr/>
-    </dgm:pt>
-    <dgm:pt modelId="{BC1EC2A5-2309-5A4D-9A31-E99B784E6633}" type="pres">
-      <dgm:prSet presAssocID="{C60D2FA4-79FE-DF45-BEC1-635FE70633B5}" presName="rootText1" presStyleLbl="node0" presStyleIdx="0" presStyleCnt="1" custLinFactNeighborX="7468" custLinFactNeighborY="1867">
-        <dgm:presLayoutVars>
-          <dgm:chPref val="3"/>
-        </dgm:presLayoutVars>
-      </dgm:prSet>
-      <dgm:spPr/>
       <dgm:t>
         <a:bodyPr/>
         <a:lstStyle/>
@@ -2526,32 +2506,20 @@
         </a:p>
       </dgm:t>
     </dgm:pt>
-    <dgm:pt modelId="{253567B2-A80A-6942-B1D6-F84B71704219}" type="pres">
-      <dgm:prSet presAssocID="{C60D2FA4-79FE-DF45-BEC1-635FE70633B5}" presName="rootConnector1" presStyleLbl="node1" presStyleIdx="0" presStyleCnt="0"/>
-      <dgm:spPr/>
-    </dgm:pt>
-    <dgm:pt modelId="{B978BB2F-31D5-8241-980A-7A3476BBB1C8}" type="pres">
-      <dgm:prSet presAssocID="{C60D2FA4-79FE-DF45-BEC1-635FE70633B5}" presName="hierChild2" presStyleCnt="0"/>
-      <dgm:spPr/>
-    </dgm:pt>
-    <dgm:pt modelId="{BBCAD55C-D40B-344F-B4B4-6D5707046754}" type="pres">
-      <dgm:prSet presAssocID="{97101485-E447-9B4B-8A8E-01352DF5CF59}" presName="Name37" presStyleLbl="parChTrans1D2" presStyleIdx="0" presStyleCnt="1"/>
-      <dgm:spPr/>
-    </dgm:pt>
-    <dgm:pt modelId="{1EF42B4B-6705-7F48-B9C1-490D13A17617}" type="pres">
-      <dgm:prSet presAssocID="{F1A51C33-8AEC-E548-97B7-CFA21F4073D8}" presName="hierRoot2" presStyleCnt="0">
+    <dgm:pt modelId="{DC2F0688-9A1F-274C-A504-2B5B0B0C35DA}" type="pres">
+      <dgm:prSet presAssocID="{C60D2FA4-79FE-DF45-BEC1-635FE70633B5}" presName="hierRoot1" presStyleCnt="0">
         <dgm:presLayoutVars>
           <dgm:hierBranch val="init"/>
         </dgm:presLayoutVars>
       </dgm:prSet>
       <dgm:spPr/>
     </dgm:pt>
-    <dgm:pt modelId="{95F43FAA-F392-0549-B2AD-597A1A1D0164}" type="pres">
-      <dgm:prSet presAssocID="{F1A51C33-8AEC-E548-97B7-CFA21F4073D8}" presName="rootComposite" presStyleCnt="0"/>
-      <dgm:spPr/>
-    </dgm:pt>
-    <dgm:pt modelId="{04F4CD26-EA1A-6D4B-AD31-11FB8035AA91}" type="pres">
-      <dgm:prSet presAssocID="{F1A51C33-8AEC-E548-97B7-CFA21F4073D8}" presName="rootText" presStyleLbl="node2" presStyleIdx="0" presStyleCnt="1">
+    <dgm:pt modelId="{76C0B4C3-DDB6-5B4F-9FD9-9006C81FE25D}" type="pres">
+      <dgm:prSet presAssocID="{C60D2FA4-79FE-DF45-BEC1-635FE70633B5}" presName="rootComposite1" presStyleCnt="0"/>
+      <dgm:spPr/>
+    </dgm:pt>
+    <dgm:pt modelId="{BC1EC2A5-2309-5A4D-9A31-E99B784E6633}" type="pres">
+      <dgm:prSet presAssocID="{C60D2FA4-79FE-DF45-BEC1-635FE70633B5}" presName="rootText1" presStyleLbl="node0" presStyleIdx="0" presStyleCnt="1" custLinFactNeighborX="7468" custLinFactNeighborY="1867">
         <dgm:presLayoutVars>
           <dgm:chPref val="3"/>
         </dgm:presLayoutVars>
@@ -2565,36 +2533,8 @@
         </a:p>
       </dgm:t>
     </dgm:pt>
-    <dgm:pt modelId="{4EBDFB12-148E-D44C-AF11-507E5CF87571}" type="pres">
-      <dgm:prSet presAssocID="{F1A51C33-8AEC-E548-97B7-CFA21F4073D8}" presName="rootConnector" presStyleLbl="node2" presStyleIdx="0" presStyleCnt="1"/>
-      <dgm:spPr/>
-    </dgm:pt>
-    <dgm:pt modelId="{901940E5-2880-5F4C-B2A2-1C3352E49815}" type="pres">
-      <dgm:prSet presAssocID="{F1A51C33-8AEC-E548-97B7-CFA21F4073D8}" presName="hierChild4" presStyleCnt="0"/>
-      <dgm:spPr/>
-    </dgm:pt>
-    <dgm:pt modelId="{ED397C4D-F026-BD41-8C97-13217E214847}" type="pres">
-      <dgm:prSet presAssocID="{F741227A-CDFD-CA43-8F14-A4D8F8995638}" presName="Name37" presStyleLbl="parChTrans1D3" presStyleIdx="0" presStyleCnt="1"/>
-      <dgm:spPr/>
-    </dgm:pt>
-    <dgm:pt modelId="{D454AD83-9669-4745-85B2-5EC8E733F634}" type="pres">
-      <dgm:prSet presAssocID="{9E633833-45BC-FA4D-89A1-C8ED2E9D812C}" presName="hierRoot2" presStyleCnt="0">
-        <dgm:presLayoutVars>
-          <dgm:hierBranch val="init"/>
-        </dgm:presLayoutVars>
-      </dgm:prSet>
-      <dgm:spPr/>
-    </dgm:pt>
-    <dgm:pt modelId="{FDABCE1A-3802-074C-8299-FEF74D33BC07}" type="pres">
-      <dgm:prSet presAssocID="{9E633833-45BC-FA4D-89A1-C8ED2E9D812C}" presName="rootComposite" presStyleCnt="0"/>
-      <dgm:spPr/>
-    </dgm:pt>
-    <dgm:pt modelId="{F6E3CB7C-AF1F-A444-8715-0801DA698BD7}" type="pres">
-      <dgm:prSet presAssocID="{9E633833-45BC-FA4D-89A1-C8ED2E9D812C}" presName="rootText" presStyleLbl="node3" presStyleIdx="0" presStyleCnt="1">
-        <dgm:presLayoutVars>
-          <dgm:chPref val="3"/>
-        </dgm:presLayoutVars>
-      </dgm:prSet>
+    <dgm:pt modelId="{253567B2-A80A-6942-B1D6-F84B71704219}" type="pres">
+      <dgm:prSet presAssocID="{C60D2FA4-79FE-DF45-BEC1-635FE70633B5}" presName="rootConnector1" presStyleLbl="node1" presStyleIdx="0" presStyleCnt="0"/>
       <dgm:spPr/>
       <dgm:t>
         <a:bodyPr/>
@@ -2604,9 +2544,111 @@
         </a:p>
       </dgm:t>
     </dgm:pt>
+    <dgm:pt modelId="{B978BB2F-31D5-8241-980A-7A3476BBB1C8}" type="pres">
+      <dgm:prSet presAssocID="{C60D2FA4-79FE-DF45-BEC1-635FE70633B5}" presName="hierChild2" presStyleCnt="0"/>
+      <dgm:spPr/>
+    </dgm:pt>
+    <dgm:pt modelId="{BBCAD55C-D40B-344F-B4B4-6D5707046754}" type="pres">
+      <dgm:prSet presAssocID="{97101485-E447-9B4B-8A8E-01352DF5CF59}" presName="Name37" presStyleLbl="parChTrans1D2" presStyleIdx="0" presStyleCnt="1"/>
+      <dgm:spPr/>
+      <dgm:t>
+        <a:bodyPr/>
+        <a:lstStyle/>
+        <a:p>
+          <a:endParaRPr lang="zh-TW" altLang="en-US"/>
+        </a:p>
+      </dgm:t>
+    </dgm:pt>
+    <dgm:pt modelId="{1EF42B4B-6705-7F48-B9C1-490D13A17617}" type="pres">
+      <dgm:prSet presAssocID="{F1A51C33-8AEC-E548-97B7-CFA21F4073D8}" presName="hierRoot2" presStyleCnt="0">
+        <dgm:presLayoutVars>
+          <dgm:hierBranch val="init"/>
+        </dgm:presLayoutVars>
+      </dgm:prSet>
+      <dgm:spPr/>
+    </dgm:pt>
+    <dgm:pt modelId="{95F43FAA-F392-0549-B2AD-597A1A1D0164}" type="pres">
+      <dgm:prSet presAssocID="{F1A51C33-8AEC-E548-97B7-CFA21F4073D8}" presName="rootComposite" presStyleCnt="0"/>
+      <dgm:spPr/>
+    </dgm:pt>
+    <dgm:pt modelId="{04F4CD26-EA1A-6D4B-AD31-11FB8035AA91}" type="pres">
+      <dgm:prSet presAssocID="{F1A51C33-8AEC-E548-97B7-CFA21F4073D8}" presName="rootText" presStyleLbl="node2" presStyleIdx="0" presStyleCnt="1">
+        <dgm:presLayoutVars>
+          <dgm:chPref val="3"/>
+        </dgm:presLayoutVars>
+      </dgm:prSet>
+      <dgm:spPr/>
+      <dgm:t>
+        <a:bodyPr/>
+        <a:lstStyle/>
+        <a:p>
+          <a:endParaRPr lang="zh-TW" altLang="en-US"/>
+        </a:p>
+      </dgm:t>
+    </dgm:pt>
+    <dgm:pt modelId="{4EBDFB12-148E-D44C-AF11-507E5CF87571}" type="pres">
+      <dgm:prSet presAssocID="{F1A51C33-8AEC-E548-97B7-CFA21F4073D8}" presName="rootConnector" presStyleLbl="node2" presStyleIdx="0" presStyleCnt="1"/>
+      <dgm:spPr/>
+      <dgm:t>
+        <a:bodyPr/>
+        <a:lstStyle/>
+        <a:p>
+          <a:endParaRPr lang="zh-TW" altLang="en-US"/>
+        </a:p>
+      </dgm:t>
+    </dgm:pt>
+    <dgm:pt modelId="{901940E5-2880-5F4C-B2A2-1C3352E49815}" type="pres">
+      <dgm:prSet presAssocID="{F1A51C33-8AEC-E548-97B7-CFA21F4073D8}" presName="hierChild4" presStyleCnt="0"/>
+      <dgm:spPr/>
+    </dgm:pt>
+    <dgm:pt modelId="{ED397C4D-F026-BD41-8C97-13217E214847}" type="pres">
+      <dgm:prSet presAssocID="{F741227A-CDFD-CA43-8F14-A4D8F8995638}" presName="Name37" presStyleLbl="parChTrans1D3" presStyleIdx="0" presStyleCnt="1"/>
+      <dgm:spPr/>
+      <dgm:t>
+        <a:bodyPr/>
+        <a:lstStyle/>
+        <a:p>
+          <a:endParaRPr lang="zh-TW" altLang="en-US"/>
+        </a:p>
+      </dgm:t>
+    </dgm:pt>
+    <dgm:pt modelId="{D454AD83-9669-4745-85B2-5EC8E733F634}" type="pres">
+      <dgm:prSet presAssocID="{9E633833-45BC-FA4D-89A1-C8ED2E9D812C}" presName="hierRoot2" presStyleCnt="0">
+        <dgm:presLayoutVars>
+          <dgm:hierBranch val="init"/>
+        </dgm:presLayoutVars>
+      </dgm:prSet>
+      <dgm:spPr/>
+    </dgm:pt>
+    <dgm:pt modelId="{FDABCE1A-3802-074C-8299-FEF74D33BC07}" type="pres">
+      <dgm:prSet presAssocID="{9E633833-45BC-FA4D-89A1-C8ED2E9D812C}" presName="rootComposite" presStyleCnt="0"/>
+      <dgm:spPr/>
+    </dgm:pt>
+    <dgm:pt modelId="{F6E3CB7C-AF1F-A444-8715-0801DA698BD7}" type="pres">
+      <dgm:prSet presAssocID="{9E633833-45BC-FA4D-89A1-C8ED2E9D812C}" presName="rootText" presStyleLbl="node3" presStyleIdx="0" presStyleCnt="1">
+        <dgm:presLayoutVars>
+          <dgm:chPref val="3"/>
+        </dgm:presLayoutVars>
+      </dgm:prSet>
+      <dgm:spPr/>
+      <dgm:t>
+        <a:bodyPr/>
+        <a:lstStyle/>
+        <a:p>
+          <a:endParaRPr lang="zh-TW" altLang="en-US"/>
+        </a:p>
+      </dgm:t>
+    </dgm:pt>
     <dgm:pt modelId="{DB974076-8946-A04B-A4FB-96F46F414610}" type="pres">
       <dgm:prSet presAssocID="{9E633833-45BC-FA4D-89A1-C8ED2E9D812C}" presName="rootConnector" presStyleLbl="node3" presStyleIdx="0" presStyleCnt="1"/>
       <dgm:spPr/>
+      <dgm:t>
+        <a:bodyPr/>
+        <a:lstStyle/>
+        <a:p>
+          <a:endParaRPr lang="zh-TW" altLang="en-US"/>
+        </a:p>
+      </dgm:t>
     </dgm:pt>
     <dgm:pt modelId="{8D066471-B4C8-6347-9DB8-46819D876039}" type="pres">
       <dgm:prSet presAssocID="{9E633833-45BC-FA4D-89A1-C8ED2E9D812C}" presName="hierChild4" presStyleCnt="0"/>
@@ -2626,18 +2668,18 @@
     </dgm:pt>
   </dgm:ptLst>
   <dgm:cxnLst>
-    <dgm:cxn modelId="{EA78F5AE-AE13-674F-8471-A6C77E549F55}" srcId="{6C2963A9-6D37-B34C-A33B-8170001BC95A}" destId="{C60D2FA4-79FE-DF45-BEC1-635FE70633B5}" srcOrd="0" destOrd="0" parTransId="{80BE9503-18C1-3647-A620-978B0F936179}" sibTransId="{4C79A202-D4B5-EE45-9B54-AC2596A1DBB5}"/>
-    <dgm:cxn modelId="{6E20851C-C039-C74B-B2EE-8465316BB3B7}" type="presOf" srcId="{9E633833-45BC-FA4D-89A1-C8ED2E9D812C}" destId="{DB974076-8946-A04B-A4FB-96F46F414610}" srcOrd="1" destOrd="0" presId="urn:microsoft.com/office/officeart/2005/8/layout/orgChart1"/>
-    <dgm:cxn modelId="{16800796-1724-4341-9BE2-63AD2857D1F5}" type="presOf" srcId="{6C2963A9-6D37-B34C-A33B-8170001BC95A}" destId="{6BE4A84B-0547-CE4C-91EE-C9155EE950C4}" srcOrd="0" destOrd="0" presId="urn:microsoft.com/office/officeart/2005/8/layout/orgChart1"/>
-    <dgm:cxn modelId="{73B87E4E-C76E-1D4F-A53E-0D1BB29887E3}" srcId="{F1A51C33-8AEC-E548-97B7-CFA21F4073D8}" destId="{9E633833-45BC-FA4D-89A1-C8ED2E9D812C}" srcOrd="0" destOrd="0" parTransId="{F741227A-CDFD-CA43-8F14-A4D8F8995638}" sibTransId="{4D747DF0-DF53-1F45-A487-EE10A350969A}"/>
-    <dgm:cxn modelId="{0967A98A-3A1D-E74D-8E47-8820190A828B}" type="presOf" srcId="{97101485-E447-9B4B-8A8E-01352DF5CF59}" destId="{BBCAD55C-D40B-344F-B4B4-6D5707046754}" srcOrd="0" destOrd="0" presId="urn:microsoft.com/office/officeart/2005/8/layout/orgChart1"/>
-    <dgm:cxn modelId="{70C4A160-9538-654E-B654-2024AD0E3D94}" type="presOf" srcId="{C60D2FA4-79FE-DF45-BEC1-635FE70633B5}" destId="{253567B2-A80A-6942-B1D6-F84B71704219}" srcOrd="1" destOrd="0" presId="urn:microsoft.com/office/officeart/2005/8/layout/orgChart1"/>
-    <dgm:cxn modelId="{9EC08F1C-BF45-B947-9B10-512B5E3581A1}" type="presOf" srcId="{F1A51C33-8AEC-E548-97B7-CFA21F4073D8}" destId="{04F4CD26-EA1A-6D4B-AD31-11FB8035AA91}" srcOrd="0" destOrd="0" presId="urn:microsoft.com/office/officeart/2005/8/layout/orgChart1"/>
-    <dgm:cxn modelId="{38127CE8-9195-C346-B1F7-702475F82022}" srcId="{C60D2FA4-79FE-DF45-BEC1-635FE70633B5}" destId="{F1A51C33-8AEC-E548-97B7-CFA21F4073D8}" srcOrd="0" destOrd="0" parTransId="{97101485-E447-9B4B-8A8E-01352DF5CF59}" sibTransId="{9374ACB3-A1D8-A240-A375-5C4F5893A7C7}"/>
-    <dgm:cxn modelId="{873E47E4-BC02-474A-A512-6BAD8C30BB3B}" type="presOf" srcId="{9E633833-45BC-FA4D-89A1-C8ED2E9D812C}" destId="{F6E3CB7C-AF1F-A444-8715-0801DA698BD7}" srcOrd="0" destOrd="0" presId="urn:microsoft.com/office/officeart/2005/8/layout/orgChart1"/>
     <dgm:cxn modelId="{A6D4AB5D-7D16-F145-95D9-C43D1928A008}" type="presOf" srcId="{C60D2FA4-79FE-DF45-BEC1-635FE70633B5}" destId="{BC1EC2A5-2309-5A4D-9A31-E99B784E6633}" srcOrd="0" destOrd="0" presId="urn:microsoft.com/office/officeart/2005/8/layout/orgChart1"/>
     <dgm:cxn modelId="{A1AA86EA-C0A7-C448-B897-F75D5F966323}" type="presOf" srcId="{F741227A-CDFD-CA43-8F14-A4D8F8995638}" destId="{ED397C4D-F026-BD41-8C97-13217E214847}" srcOrd="0" destOrd="0" presId="urn:microsoft.com/office/officeart/2005/8/layout/orgChart1"/>
     <dgm:cxn modelId="{56F1C378-747D-5046-93DC-4E41C83FFDC3}" type="presOf" srcId="{F1A51C33-8AEC-E548-97B7-CFA21F4073D8}" destId="{4EBDFB12-148E-D44C-AF11-507E5CF87571}" srcOrd="1" destOrd="0" presId="urn:microsoft.com/office/officeart/2005/8/layout/orgChart1"/>
+    <dgm:cxn modelId="{70C4A160-9538-654E-B654-2024AD0E3D94}" type="presOf" srcId="{C60D2FA4-79FE-DF45-BEC1-635FE70633B5}" destId="{253567B2-A80A-6942-B1D6-F84B71704219}" srcOrd="1" destOrd="0" presId="urn:microsoft.com/office/officeart/2005/8/layout/orgChart1"/>
+    <dgm:cxn modelId="{0967A98A-3A1D-E74D-8E47-8820190A828B}" type="presOf" srcId="{97101485-E447-9B4B-8A8E-01352DF5CF59}" destId="{BBCAD55C-D40B-344F-B4B4-6D5707046754}" srcOrd="0" destOrd="0" presId="urn:microsoft.com/office/officeart/2005/8/layout/orgChart1"/>
+    <dgm:cxn modelId="{EA78F5AE-AE13-674F-8471-A6C77E549F55}" srcId="{6C2963A9-6D37-B34C-A33B-8170001BC95A}" destId="{C60D2FA4-79FE-DF45-BEC1-635FE70633B5}" srcOrd="0" destOrd="0" parTransId="{80BE9503-18C1-3647-A620-978B0F936179}" sibTransId="{4C79A202-D4B5-EE45-9B54-AC2596A1DBB5}"/>
+    <dgm:cxn modelId="{9EC08F1C-BF45-B947-9B10-512B5E3581A1}" type="presOf" srcId="{F1A51C33-8AEC-E548-97B7-CFA21F4073D8}" destId="{04F4CD26-EA1A-6D4B-AD31-11FB8035AA91}" srcOrd="0" destOrd="0" presId="urn:microsoft.com/office/officeart/2005/8/layout/orgChart1"/>
+    <dgm:cxn modelId="{873E47E4-BC02-474A-A512-6BAD8C30BB3B}" type="presOf" srcId="{9E633833-45BC-FA4D-89A1-C8ED2E9D812C}" destId="{F6E3CB7C-AF1F-A444-8715-0801DA698BD7}" srcOrd="0" destOrd="0" presId="urn:microsoft.com/office/officeart/2005/8/layout/orgChart1"/>
+    <dgm:cxn modelId="{73B87E4E-C76E-1D4F-A53E-0D1BB29887E3}" srcId="{F1A51C33-8AEC-E548-97B7-CFA21F4073D8}" destId="{9E633833-45BC-FA4D-89A1-C8ED2E9D812C}" srcOrd="0" destOrd="0" parTransId="{F741227A-CDFD-CA43-8F14-A4D8F8995638}" sibTransId="{4D747DF0-DF53-1F45-A487-EE10A350969A}"/>
+    <dgm:cxn modelId="{38127CE8-9195-C346-B1F7-702475F82022}" srcId="{C60D2FA4-79FE-DF45-BEC1-635FE70633B5}" destId="{F1A51C33-8AEC-E548-97B7-CFA21F4073D8}" srcOrd="0" destOrd="0" parTransId="{97101485-E447-9B4B-8A8E-01352DF5CF59}" sibTransId="{9374ACB3-A1D8-A240-A375-5C4F5893A7C7}"/>
+    <dgm:cxn modelId="{16800796-1724-4341-9BE2-63AD2857D1F5}" type="presOf" srcId="{6C2963A9-6D37-B34C-A33B-8170001BC95A}" destId="{6BE4A84B-0547-CE4C-91EE-C9155EE950C4}" srcOrd="0" destOrd="0" presId="urn:microsoft.com/office/officeart/2005/8/layout/orgChart1"/>
+    <dgm:cxn modelId="{6E20851C-C039-C74B-B2EE-8465316BB3B7}" type="presOf" srcId="{9E633833-45BC-FA4D-89A1-C8ED2E9D812C}" destId="{DB974076-8946-A04B-A4FB-96F46F414610}" srcOrd="1" destOrd="0" presId="urn:microsoft.com/office/officeart/2005/8/layout/orgChart1"/>
     <dgm:cxn modelId="{24DD49B9-FF3C-734C-A4F1-06044D0D0F65}" type="presParOf" srcId="{6BE4A84B-0547-CE4C-91EE-C9155EE950C4}" destId="{DC2F0688-9A1F-274C-A504-2B5B0B0C35DA}" srcOrd="0" destOrd="0" presId="urn:microsoft.com/office/officeart/2005/8/layout/orgChart1"/>
     <dgm:cxn modelId="{0345AF74-AFC8-5948-847A-3237B0A0986E}" type="presParOf" srcId="{DC2F0688-9A1F-274C-A504-2B5B0B0C35DA}" destId="{76C0B4C3-DDB6-5B4F-9FD9-9006C81FE25D}" srcOrd="0" destOrd="0" presId="urn:microsoft.com/office/officeart/2005/8/layout/orgChart1"/>
     <dgm:cxn modelId="{9C7DC9AB-E490-1C4D-80FA-A5509AF15811}" type="presParOf" srcId="{76C0B4C3-DDB6-5B4F-9FD9-9006C81FE25D}" destId="{BC1EC2A5-2309-5A4D-9A31-E99B784E6633}" srcOrd="0" destOrd="0" presId="urn:microsoft.com/office/officeart/2005/8/layout/orgChart1"/>
@@ -2951,26 +2993,6 @@
         </dgm:presLayoutVars>
       </dgm:prSet>
       <dgm:spPr/>
-    </dgm:pt>
-    <dgm:pt modelId="{DC2F0688-9A1F-274C-A504-2B5B0B0C35DA}" type="pres">
-      <dgm:prSet presAssocID="{C60D2FA4-79FE-DF45-BEC1-635FE70633B5}" presName="hierRoot1" presStyleCnt="0">
-        <dgm:presLayoutVars>
-          <dgm:hierBranch val="init"/>
-        </dgm:presLayoutVars>
-      </dgm:prSet>
-      <dgm:spPr/>
-    </dgm:pt>
-    <dgm:pt modelId="{76C0B4C3-DDB6-5B4F-9FD9-9006C81FE25D}" type="pres">
-      <dgm:prSet presAssocID="{C60D2FA4-79FE-DF45-BEC1-635FE70633B5}" presName="rootComposite1" presStyleCnt="0"/>
-      <dgm:spPr/>
-    </dgm:pt>
-    <dgm:pt modelId="{BC1EC2A5-2309-5A4D-9A31-E99B784E6633}" type="pres">
-      <dgm:prSet presAssocID="{C60D2FA4-79FE-DF45-BEC1-635FE70633B5}" presName="rootText1" presStyleLbl="node0" presStyleIdx="0" presStyleCnt="1" custLinFactNeighborX="7468" custLinFactNeighborY="1867">
-        <dgm:presLayoutVars>
-          <dgm:chPref val="3"/>
-        </dgm:presLayoutVars>
-      </dgm:prSet>
-      <dgm:spPr/>
       <dgm:t>
         <a:bodyPr/>
         <a:lstStyle/>
@@ -2979,32 +3001,20 @@
         </a:p>
       </dgm:t>
     </dgm:pt>
-    <dgm:pt modelId="{253567B2-A80A-6942-B1D6-F84B71704219}" type="pres">
-      <dgm:prSet presAssocID="{C60D2FA4-79FE-DF45-BEC1-635FE70633B5}" presName="rootConnector1" presStyleLbl="node1" presStyleIdx="0" presStyleCnt="0"/>
-      <dgm:spPr/>
-    </dgm:pt>
-    <dgm:pt modelId="{B978BB2F-31D5-8241-980A-7A3476BBB1C8}" type="pres">
-      <dgm:prSet presAssocID="{C60D2FA4-79FE-DF45-BEC1-635FE70633B5}" presName="hierChild2" presStyleCnt="0"/>
-      <dgm:spPr/>
-    </dgm:pt>
-    <dgm:pt modelId="{BBCAD55C-D40B-344F-B4B4-6D5707046754}" type="pres">
-      <dgm:prSet presAssocID="{97101485-E447-9B4B-8A8E-01352DF5CF59}" presName="Name37" presStyleLbl="parChTrans1D2" presStyleIdx="0" presStyleCnt="4"/>
-      <dgm:spPr/>
-    </dgm:pt>
-    <dgm:pt modelId="{1EF42B4B-6705-7F48-B9C1-490D13A17617}" type="pres">
-      <dgm:prSet presAssocID="{F1A51C33-8AEC-E548-97B7-CFA21F4073D8}" presName="hierRoot2" presStyleCnt="0">
+    <dgm:pt modelId="{DC2F0688-9A1F-274C-A504-2B5B0B0C35DA}" type="pres">
+      <dgm:prSet presAssocID="{C60D2FA4-79FE-DF45-BEC1-635FE70633B5}" presName="hierRoot1" presStyleCnt="0">
         <dgm:presLayoutVars>
           <dgm:hierBranch val="init"/>
         </dgm:presLayoutVars>
       </dgm:prSet>
       <dgm:spPr/>
     </dgm:pt>
-    <dgm:pt modelId="{95F43FAA-F392-0549-B2AD-597A1A1D0164}" type="pres">
-      <dgm:prSet presAssocID="{F1A51C33-8AEC-E548-97B7-CFA21F4073D8}" presName="rootComposite" presStyleCnt="0"/>
-      <dgm:spPr/>
-    </dgm:pt>
-    <dgm:pt modelId="{04F4CD26-EA1A-6D4B-AD31-11FB8035AA91}" type="pres">
-      <dgm:prSet presAssocID="{F1A51C33-8AEC-E548-97B7-CFA21F4073D8}" presName="rootText" presStyleLbl="node2" presStyleIdx="0" presStyleCnt="4">
+    <dgm:pt modelId="{76C0B4C3-DDB6-5B4F-9FD9-9006C81FE25D}" type="pres">
+      <dgm:prSet presAssocID="{C60D2FA4-79FE-DF45-BEC1-635FE70633B5}" presName="rootComposite1" presStyleCnt="0"/>
+      <dgm:spPr/>
+    </dgm:pt>
+    <dgm:pt modelId="{BC1EC2A5-2309-5A4D-9A31-E99B784E6633}" type="pres">
+      <dgm:prSet presAssocID="{C60D2FA4-79FE-DF45-BEC1-635FE70633B5}" presName="rootText1" presStyleLbl="node0" presStyleIdx="0" presStyleCnt="1" custLinFactNeighborX="7468" custLinFactNeighborY="1867">
         <dgm:presLayoutVars>
           <dgm:chPref val="3"/>
         </dgm:presLayoutVars>
@@ -3018,76 +3028,8 @@
         </a:p>
       </dgm:t>
     </dgm:pt>
-    <dgm:pt modelId="{4EBDFB12-148E-D44C-AF11-507E5CF87571}" type="pres">
-      <dgm:prSet presAssocID="{F1A51C33-8AEC-E548-97B7-CFA21F4073D8}" presName="rootConnector" presStyleLbl="node2" presStyleIdx="0" presStyleCnt="4"/>
-      <dgm:spPr/>
-    </dgm:pt>
-    <dgm:pt modelId="{901940E5-2880-5F4C-B2A2-1C3352E49815}" type="pres">
-      <dgm:prSet presAssocID="{F1A51C33-8AEC-E548-97B7-CFA21F4073D8}" presName="hierChild4" presStyleCnt="0"/>
-      <dgm:spPr/>
-    </dgm:pt>
-    <dgm:pt modelId="{3D5456FD-4529-7740-96FE-5F993239A3C3}" type="pres">
-      <dgm:prSet presAssocID="{F1A51C33-8AEC-E548-97B7-CFA21F4073D8}" presName="hierChild5" presStyleCnt="0"/>
-      <dgm:spPr/>
-    </dgm:pt>
-    <dgm:pt modelId="{31B6305E-FEB1-F341-A35A-44B76D624ADE}" type="pres">
-      <dgm:prSet presAssocID="{1AD1F458-87E4-5646-BF16-B6A7C9803437}" presName="Name37" presStyleLbl="parChTrans1D2" presStyleIdx="1" presStyleCnt="4"/>
-      <dgm:spPr/>
-    </dgm:pt>
-    <dgm:pt modelId="{D88DF4C6-9524-3040-9FFD-A6F681709A4A}" type="pres">
-      <dgm:prSet presAssocID="{94EEF94F-FAC4-2946-8746-9D596AD312DA}" presName="hierRoot2" presStyleCnt="0">
-        <dgm:presLayoutVars>
-          <dgm:hierBranch val="init"/>
-        </dgm:presLayoutVars>
-      </dgm:prSet>
-      <dgm:spPr/>
-    </dgm:pt>
-    <dgm:pt modelId="{0F952A37-1104-6E40-AB31-3CE3105B45BA}" type="pres">
-      <dgm:prSet presAssocID="{94EEF94F-FAC4-2946-8746-9D596AD312DA}" presName="rootComposite" presStyleCnt="0"/>
-      <dgm:spPr/>
-    </dgm:pt>
-    <dgm:pt modelId="{476D21E6-1D48-8742-AC57-26975BDAD67E}" type="pres">
-      <dgm:prSet presAssocID="{94EEF94F-FAC4-2946-8746-9D596AD312DA}" presName="rootText" presStyleLbl="node2" presStyleIdx="1" presStyleCnt="4">
-        <dgm:presLayoutVars>
-          <dgm:chPref val="3"/>
-        </dgm:presLayoutVars>
-      </dgm:prSet>
-      <dgm:spPr/>
-    </dgm:pt>
-    <dgm:pt modelId="{190EE650-73D9-9643-A09A-BE76E54D74B2}" type="pres">
-      <dgm:prSet presAssocID="{94EEF94F-FAC4-2946-8746-9D596AD312DA}" presName="rootConnector" presStyleLbl="node2" presStyleIdx="1" presStyleCnt="4"/>
-      <dgm:spPr/>
-    </dgm:pt>
-    <dgm:pt modelId="{F8D35BEA-6E36-894D-82CB-C2DFC8F9EFC5}" type="pres">
-      <dgm:prSet presAssocID="{94EEF94F-FAC4-2946-8746-9D596AD312DA}" presName="hierChild4" presStyleCnt="0"/>
-      <dgm:spPr/>
-    </dgm:pt>
-    <dgm:pt modelId="{6FF46CDD-63FD-7149-96F7-C864088A6310}" type="pres">
-      <dgm:prSet presAssocID="{94EEF94F-FAC4-2946-8746-9D596AD312DA}" presName="hierChild5" presStyleCnt="0"/>
-      <dgm:spPr/>
-    </dgm:pt>
-    <dgm:pt modelId="{819F684A-B93B-4343-98C2-11C1B1553918}" type="pres">
-      <dgm:prSet presAssocID="{C77E8EAF-B062-DE48-A5F3-E8B0F8825E4D}" presName="Name37" presStyleLbl="parChTrans1D2" presStyleIdx="2" presStyleCnt="4"/>
-      <dgm:spPr/>
-    </dgm:pt>
-    <dgm:pt modelId="{2678D225-4F54-E84F-83C8-E34BB6E461B9}" type="pres">
-      <dgm:prSet presAssocID="{8D41D944-254A-8841-B4C2-5D4895B95594}" presName="hierRoot2" presStyleCnt="0">
-        <dgm:presLayoutVars>
-          <dgm:hierBranch val="init"/>
-        </dgm:presLayoutVars>
-      </dgm:prSet>
-      <dgm:spPr/>
-    </dgm:pt>
-    <dgm:pt modelId="{8F57E579-3B27-1B4F-A603-DD136585F98B}" type="pres">
-      <dgm:prSet presAssocID="{8D41D944-254A-8841-B4C2-5D4895B95594}" presName="rootComposite" presStyleCnt="0"/>
-      <dgm:spPr/>
-    </dgm:pt>
-    <dgm:pt modelId="{1F854A4F-2D97-C045-B4C7-7AB89716ADDF}" type="pres">
-      <dgm:prSet presAssocID="{8D41D944-254A-8841-B4C2-5D4895B95594}" presName="rootText" presStyleLbl="node2" presStyleIdx="2" presStyleCnt="4">
-        <dgm:presLayoutVars>
-          <dgm:chPref val="3"/>
-        </dgm:presLayoutVars>
-      </dgm:prSet>
+    <dgm:pt modelId="{253567B2-A80A-6942-B1D6-F84B71704219}" type="pres">
+      <dgm:prSet presAssocID="{C60D2FA4-79FE-DF45-BEC1-635FE70633B5}" presName="rootConnector1" presStyleLbl="node1" presStyleIdx="0" presStyleCnt="0"/>
       <dgm:spPr/>
       <dgm:t>
         <a:bodyPr/>
@@ -3097,72 +3039,12 @@
         </a:p>
       </dgm:t>
     </dgm:pt>
-    <dgm:pt modelId="{A4636B4A-A6E0-8E4B-ADFD-5D65517452D3}" type="pres">
-      <dgm:prSet presAssocID="{8D41D944-254A-8841-B4C2-5D4895B95594}" presName="rootConnector" presStyleLbl="node2" presStyleIdx="2" presStyleCnt="4"/>
-      <dgm:spPr/>
-    </dgm:pt>
-    <dgm:pt modelId="{2795C6B4-F6E6-914D-9A87-D79030EE73AD}" type="pres">
-      <dgm:prSet presAssocID="{8D41D944-254A-8841-B4C2-5D4895B95594}" presName="hierChild4" presStyleCnt="0"/>
-      <dgm:spPr/>
-    </dgm:pt>
-    <dgm:pt modelId="{E9BE3545-6BDF-8843-AC1F-89F86E8B1569}" type="pres">
-      <dgm:prSet presAssocID="{8D41D944-254A-8841-B4C2-5D4895B95594}" presName="hierChild5" presStyleCnt="0"/>
-      <dgm:spPr/>
-    </dgm:pt>
-    <dgm:pt modelId="{A916325B-CAB2-FC42-8D0C-60B1A55C41AB}" type="pres">
-      <dgm:prSet presAssocID="{1F3F8688-E059-594E-8751-BEDDD2B39640}" presName="Name37" presStyleLbl="parChTrans1D2" presStyleIdx="3" presStyleCnt="4"/>
-      <dgm:spPr/>
-    </dgm:pt>
-    <dgm:pt modelId="{2EF0E22A-F854-4F4E-95FD-E5A190F92586}" type="pres">
-      <dgm:prSet presAssocID="{77DE18FE-DC07-CA4B-80FD-447CFB4DD2C3}" presName="hierRoot2" presStyleCnt="0">
-        <dgm:presLayoutVars>
-          <dgm:hierBranch val="init"/>
-        </dgm:presLayoutVars>
-      </dgm:prSet>
-      <dgm:spPr/>
-    </dgm:pt>
-    <dgm:pt modelId="{EF695A2C-322F-3846-A331-F276A183A075}" type="pres">
-      <dgm:prSet presAssocID="{77DE18FE-DC07-CA4B-80FD-447CFB4DD2C3}" presName="rootComposite" presStyleCnt="0"/>
-      <dgm:spPr/>
-    </dgm:pt>
-    <dgm:pt modelId="{B9A4CFA2-8871-DB47-85D7-D3A596F87B4A}" type="pres">
-      <dgm:prSet presAssocID="{77DE18FE-DC07-CA4B-80FD-447CFB4DD2C3}" presName="rootText" presStyleLbl="node2" presStyleIdx="3" presStyleCnt="4">
-        <dgm:presLayoutVars>
-          <dgm:chPref val="3"/>
-        </dgm:presLayoutVars>
-      </dgm:prSet>
-      <dgm:spPr/>
-    </dgm:pt>
-    <dgm:pt modelId="{358BB06D-A6D0-E34F-9FB2-5D7286BD13F3}" type="pres">
-      <dgm:prSet presAssocID="{77DE18FE-DC07-CA4B-80FD-447CFB4DD2C3}" presName="rootConnector" presStyleLbl="node2" presStyleIdx="3" presStyleCnt="4"/>
-      <dgm:spPr/>
-    </dgm:pt>
-    <dgm:pt modelId="{21260777-E7CD-E34F-B566-5D51DFC9D94A}" type="pres">
-      <dgm:prSet presAssocID="{77DE18FE-DC07-CA4B-80FD-447CFB4DD2C3}" presName="hierChild4" presStyleCnt="0"/>
-      <dgm:spPr/>
-    </dgm:pt>
-    <dgm:pt modelId="{BCBD19D8-2D3D-8C4B-AD51-5FE9333239B7}" type="pres">
-      <dgm:prSet presAssocID="{D5D9497D-AD17-3144-8454-A3B959A7B9FA}" presName="Name37" presStyleLbl="parChTrans1D3" presStyleIdx="0" presStyleCnt="2"/>
-      <dgm:spPr/>
-    </dgm:pt>
-    <dgm:pt modelId="{B663399D-8DBE-4248-9D4F-7F869507716E}" type="pres">
-      <dgm:prSet presAssocID="{35D0F273-4E86-4B45-8071-577BDB0ECB06}" presName="hierRoot2" presStyleCnt="0">
-        <dgm:presLayoutVars>
-          <dgm:hierBranch val="init"/>
-        </dgm:presLayoutVars>
-      </dgm:prSet>
-      <dgm:spPr/>
-    </dgm:pt>
-    <dgm:pt modelId="{44CEA94F-447B-B444-8972-4F1893379146}" type="pres">
-      <dgm:prSet presAssocID="{35D0F273-4E86-4B45-8071-577BDB0ECB06}" presName="rootComposite" presStyleCnt="0"/>
-      <dgm:spPr/>
-    </dgm:pt>
-    <dgm:pt modelId="{4F9EE9DE-BD4A-A841-B8D0-3BB9E3029BD3}" type="pres">
-      <dgm:prSet presAssocID="{35D0F273-4E86-4B45-8071-577BDB0ECB06}" presName="rootText" presStyleLbl="node3" presStyleIdx="0" presStyleCnt="2">
-        <dgm:presLayoutVars>
-          <dgm:chPref val="3"/>
-        </dgm:presLayoutVars>
-      </dgm:prSet>
+    <dgm:pt modelId="{B978BB2F-31D5-8241-980A-7A3476BBB1C8}" type="pres">
+      <dgm:prSet presAssocID="{C60D2FA4-79FE-DF45-BEC1-635FE70633B5}" presName="hierChild2" presStyleCnt="0"/>
+      <dgm:spPr/>
+    </dgm:pt>
+    <dgm:pt modelId="{BBCAD55C-D40B-344F-B4B4-6D5707046754}" type="pres">
+      <dgm:prSet presAssocID="{97101485-E447-9B4B-8A8E-01352DF5CF59}" presName="Name37" presStyleLbl="parChTrans1D2" presStyleIdx="0" presStyleCnt="4"/>
       <dgm:spPr/>
       <dgm:t>
         <a:bodyPr/>
@@ -3172,9 +3054,267 @@
         </a:p>
       </dgm:t>
     </dgm:pt>
+    <dgm:pt modelId="{1EF42B4B-6705-7F48-B9C1-490D13A17617}" type="pres">
+      <dgm:prSet presAssocID="{F1A51C33-8AEC-E548-97B7-CFA21F4073D8}" presName="hierRoot2" presStyleCnt="0">
+        <dgm:presLayoutVars>
+          <dgm:hierBranch val="init"/>
+        </dgm:presLayoutVars>
+      </dgm:prSet>
+      <dgm:spPr/>
+    </dgm:pt>
+    <dgm:pt modelId="{95F43FAA-F392-0549-B2AD-597A1A1D0164}" type="pres">
+      <dgm:prSet presAssocID="{F1A51C33-8AEC-E548-97B7-CFA21F4073D8}" presName="rootComposite" presStyleCnt="0"/>
+      <dgm:spPr/>
+    </dgm:pt>
+    <dgm:pt modelId="{04F4CD26-EA1A-6D4B-AD31-11FB8035AA91}" type="pres">
+      <dgm:prSet presAssocID="{F1A51C33-8AEC-E548-97B7-CFA21F4073D8}" presName="rootText" presStyleLbl="node2" presStyleIdx="0" presStyleCnt="4">
+        <dgm:presLayoutVars>
+          <dgm:chPref val="3"/>
+        </dgm:presLayoutVars>
+      </dgm:prSet>
+      <dgm:spPr/>
+      <dgm:t>
+        <a:bodyPr/>
+        <a:lstStyle/>
+        <a:p>
+          <a:endParaRPr lang="zh-TW" altLang="en-US"/>
+        </a:p>
+      </dgm:t>
+    </dgm:pt>
+    <dgm:pt modelId="{4EBDFB12-148E-D44C-AF11-507E5CF87571}" type="pres">
+      <dgm:prSet presAssocID="{F1A51C33-8AEC-E548-97B7-CFA21F4073D8}" presName="rootConnector" presStyleLbl="node2" presStyleIdx="0" presStyleCnt="4"/>
+      <dgm:spPr/>
+      <dgm:t>
+        <a:bodyPr/>
+        <a:lstStyle/>
+        <a:p>
+          <a:endParaRPr lang="zh-TW" altLang="en-US"/>
+        </a:p>
+      </dgm:t>
+    </dgm:pt>
+    <dgm:pt modelId="{901940E5-2880-5F4C-B2A2-1C3352E49815}" type="pres">
+      <dgm:prSet presAssocID="{F1A51C33-8AEC-E548-97B7-CFA21F4073D8}" presName="hierChild4" presStyleCnt="0"/>
+      <dgm:spPr/>
+    </dgm:pt>
+    <dgm:pt modelId="{3D5456FD-4529-7740-96FE-5F993239A3C3}" type="pres">
+      <dgm:prSet presAssocID="{F1A51C33-8AEC-E548-97B7-CFA21F4073D8}" presName="hierChild5" presStyleCnt="0"/>
+      <dgm:spPr/>
+    </dgm:pt>
+    <dgm:pt modelId="{31B6305E-FEB1-F341-A35A-44B76D624ADE}" type="pres">
+      <dgm:prSet presAssocID="{1AD1F458-87E4-5646-BF16-B6A7C9803437}" presName="Name37" presStyleLbl="parChTrans1D2" presStyleIdx="1" presStyleCnt="4"/>
+      <dgm:spPr/>
+      <dgm:t>
+        <a:bodyPr/>
+        <a:lstStyle/>
+        <a:p>
+          <a:endParaRPr lang="zh-TW" altLang="en-US"/>
+        </a:p>
+      </dgm:t>
+    </dgm:pt>
+    <dgm:pt modelId="{D88DF4C6-9524-3040-9FFD-A6F681709A4A}" type="pres">
+      <dgm:prSet presAssocID="{94EEF94F-FAC4-2946-8746-9D596AD312DA}" presName="hierRoot2" presStyleCnt="0">
+        <dgm:presLayoutVars>
+          <dgm:hierBranch val="init"/>
+        </dgm:presLayoutVars>
+      </dgm:prSet>
+      <dgm:spPr/>
+    </dgm:pt>
+    <dgm:pt modelId="{0F952A37-1104-6E40-AB31-3CE3105B45BA}" type="pres">
+      <dgm:prSet presAssocID="{94EEF94F-FAC4-2946-8746-9D596AD312DA}" presName="rootComposite" presStyleCnt="0"/>
+      <dgm:spPr/>
+    </dgm:pt>
+    <dgm:pt modelId="{476D21E6-1D48-8742-AC57-26975BDAD67E}" type="pres">
+      <dgm:prSet presAssocID="{94EEF94F-FAC4-2946-8746-9D596AD312DA}" presName="rootText" presStyleLbl="node2" presStyleIdx="1" presStyleCnt="4">
+        <dgm:presLayoutVars>
+          <dgm:chPref val="3"/>
+        </dgm:presLayoutVars>
+      </dgm:prSet>
+      <dgm:spPr/>
+      <dgm:t>
+        <a:bodyPr/>
+        <a:lstStyle/>
+        <a:p>
+          <a:endParaRPr lang="zh-TW" altLang="en-US"/>
+        </a:p>
+      </dgm:t>
+    </dgm:pt>
+    <dgm:pt modelId="{190EE650-73D9-9643-A09A-BE76E54D74B2}" type="pres">
+      <dgm:prSet presAssocID="{94EEF94F-FAC4-2946-8746-9D596AD312DA}" presName="rootConnector" presStyleLbl="node2" presStyleIdx="1" presStyleCnt="4"/>
+      <dgm:spPr/>
+      <dgm:t>
+        <a:bodyPr/>
+        <a:lstStyle/>
+        <a:p>
+          <a:endParaRPr lang="zh-TW" altLang="en-US"/>
+        </a:p>
+      </dgm:t>
+    </dgm:pt>
+    <dgm:pt modelId="{F8D35BEA-6E36-894D-82CB-C2DFC8F9EFC5}" type="pres">
+      <dgm:prSet presAssocID="{94EEF94F-FAC4-2946-8746-9D596AD312DA}" presName="hierChild4" presStyleCnt="0"/>
+      <dgm:spPr/>
+    </dgm:pt>
+    <dgm:pt modelId="{6FF46CDD-63FD-7149-96F7-C864088A6310}" type="pres">
+      <dgm:prSet presAssocID="{94EEF94F-FAC4-2946-8746-9D596AD312DA}" presName="hierChild5" presStyleCnt="0"/>
+      <dgm:spPr/>
+    </dgm:pt>
+    <dgm:pt modelId="{819F684A-B93B-4343-98C2-11C1B1553918}" type="pres">
+      <dgm:prSet presAssocID="{C77E8EAF-B062-DE48-A5F3-E8B0F8825E4D}" presName="Name37" presStyleLbl="parChTrans1D2" presStyleIdx="2" presStyleCnt="4"/>
+      <dgm:spPr/>
+      <dgm:t>
+        <a:bodyPr/>
+        <a:lstStyle/>
+        <a:p>
+          <a:endParaRPr lang="zh-TW" altLang="en-US"/>
+        </a:p>
+      </dgm:t>
+    </dgm:pt>
+    <dgm:pt modelId="{2678D225-4F54-E84F-83C8-E34BB6E461B9}" type="pres">
+      <dgm:prSet presAssocID="{8D41D944-254A-8841-B4C2-5D4895B95594}" presName="hierRoot2" presStyleCnt="0">
+        <dgm:presLayoutVars>
+          <dgm:hierBranch val="init"/>
+        </dgm:presLayoutVars>
+      </dgm:prSet>
+      <dgm:spPr/>
+    </dgm:pt>
+    <dgm:pt modelId="{8F57E579-3B27-1B4F-A603-DD136585F98B}" type="pres">
+      <dgm:prSet presAssocID="{8D41D944-254A-8841-B4C2-5D4895B95594}" presName="rootComposite" presStyleCnt="0"/>
+      <dgm:spPr/>
+    </dgm:pt>
+    <dgm:pt modelId="{1F854A4F-2D97-C045-B4C7-7AB89716ADDF}" type="pres">
+      <dgm:prSet presAssocID="{8D41D944-254A-8841-B4C2-5D4895B95594}" presName="rootText" presStyleLbl="node2" presStyleIdx="2" presStyleCnt="4">
+        <dgm:presLayoutVars>
+          <dgm:chPref val="3"/>
+        </dgm:presLayoutVars>
+      </dgm:prSet>
+      <dgm:spPr/>
+      <dgm:t>
+        <a:bodyPr/>
+        <a:lstStyle/>
+        <a:p>
+          <a:endParaRPr lang="zh-TW" altLang="en-US"/>
+        </a:p>
+      </dgm:t>
+    </dgm:pt>
+    <dgm:pt modelId="{A4636B4A-A6E0-8E4B-ADFD-5D65517452D3}" type="pres">
+      <dgm:prSet presAssocID="{8D41D944-254A-8841-B4C2-5D4895B95594}" presName="rootConnector" presStyleLbl="node2" presStyleIdx="2" presStyleCnt="4"/>
+      <dgm:spPr/>
+      <dgm:t>
+        <a:bodyPr/>
+        <a:lstStyle/>
+        <a:p>
+          <a:endParaRPr lang="zh-TW" altLang="en-US"/>
+        </a:p>
+      </dgm:t>
+    </dgm:pt>
+    <dgm:pt modelId="{2795C6B4-F6E6-914D-9A87-D79030EE73AD}" type="pres">
+      <dgm:prSet presAssocID="{8D41D944-254A-8841-B4C2-5D4895B95594}" presName="hierChild4" presStyleCnt="0"/>
+      <dgm:spPr/>
+    </dgm:pt>
+    <dgm:pt modelId="{E9BE3545-6BDF-8843-AC1F-89F86E8B1569}" type="pres">
+      <dgm:prSet presAssocID="{8D41D944-254A-8841-B4C2-5D4895B95594}" presName="hierChild5" presStyleCnt="0"/>
+      <dgm:spPr/>
+    </dgm:pt>
+    <dgm:pt modelId="{A916325B-CAB2-FC42-8D0C-60B1A55C41AB}" type="pres">
+      <dgm:prSet presAssocID="{1F3F8688-E059-594E-8751-BEDDD2B39640}" presName="Name37" presStyleLbl="parChTrans1D2" presStyleIdx="3" presStyleCnt="4"/>
+      <dgm:spPr/>
+      <dgm:t>
+        <a:bodyPr/>
+        <a:lstStyle/>
+        <a:p>
+          <a:endParaRPr lang="zh-TW" altLang="en-US"/>
+        </a:p>
+      </dgm:t>
+    </dgm:pt>
+    <dgm:pt modelId="{2EF0E22A-F854-4F4E-95FD-E5A190F92586}" type="pres">
+      <dgm:prSet presAssocID="{77DE18FE-DC07-CA4B-80FD-447CFB4DD2C3}" presName="hierRoot2" presStyleCnt="0">
+        <dgm:presLayoutVars>
+          <dgm:hierBranch val="init"/>
+        </dgm:presLayoutVars>
+      </dgm:prSet>
+      <dgm:spPr/>
+    </dgm:pt>
+    <dgm:pt modelId="{EF695A2C-322F-3846-A331-F276A183A075}" type="pres">
+      <dgm:prSet presAssocID="{77DE18FE-DC07-CA4B-80FD-447CFB4DD2C3}" presName="rootComposite" presStyleCnt="0"/>
+      <dgm:spPr/>
+    </dgm:pt>
+    <dgm:pt modelId="{B9A4CFA2-8871-DB47-85D7-D3A596F87B4A}" type="pres">
+      <dgm:prSet presAssocID="{77DE18FE-DC07-CA4B-80FD-447CFB4DD2C3}" presName="rootText" presStyleLbl="node2" presStyleIdx="3" presStyleCnt="4">
+        <dgm:presLayoutVars>
+          <dgm:chPref val="3"/>
+        </dgm:presLayoutVars>
+      </dgm:prSet>
+      <dgm:spPr/>
+      <dgm:t>
+        <a:bodyPr/>
+        <a:lstStyle/>
+        <a:p>
+          <a:endParaRPr lang="zh-TW" altLang="en-US"/>
+        </a:p>
+      </dgm:t>
+    </dgm:pt>
+    <dgm:pt modelId="{358BB06D-A6D0-E34F-9FB2-5D7286BD13F3}" type="pres">
+      <dgm:prSet presAssocID="{77DE18FE-DC07-CA4B-80FD-447CFB4DD2C3}" presName="rootConnector" presStyleLbl="node2" presStyleIdx="3" presStyleCnt="4"/>
+      <dgm:spPr/>
+      <dgm:t>
+        <a:bodyPr/>
+        <a:lstStyle/>
+        <a:p>
+          <a:endParaRPr lang="zh-TW" altLang="en-US"/>
+        </a:p>
+      </dgm:t>
+    </dgm:pt>
+    <dgm:pt modelId="{21260777-E7CD-E34F-B566-5D51DFC9D94A}" type="pres">
+      <dgm:prSet presAssocID="{77DE18FE-DC07-CA4B-80FD-447CFB4DD2C3}" presName="hierChild4" presStyleCnt="0"/>
+      <dgm:spPr/>
+    </dgm:pt>
+    <dgm:pt modelId="{BCBD19D8-2D3D-8C4B-AD51-5FE9333239B7}" type="pres">
+      <dgm:prSet presAssocID="{D5D9497D-AD17-3144-8454-A3B959A7B9FA}" presName="Name37" presStyleLbl="parChTrans1D3" presStyleIdx="0" presStyleCnt="2"/>
+      <dgm:spPr/>
+      <dgm:t>
+        <a:bodyPr/>
+        <a:lstStyle/>
+        <a:p>
+          <a:endParaRPr lang="zh-TW" altLang="en-US"/>
+        </a:p>
+      </dgm:t>
+    </dgm:pt>
+    <dgm:pt modelId="{B663399D-8DBE-4248-9D4F-7F869507716E}" type="pres">
+      <dgm:prSet presAssocID="{35D0F273-4E86-4B45-8071-577BDB0ECB06}" presName="hierRoot2" presStyleCnt="0">
+        <dgm:presLayoutVars>
+          <dgm:hierBranch val="init"/>
+        </dgm:presLayoutVars>
+      </dgm:prSet>
+      <dgm:spPr/>
+    </dgm:pt>
+    <dgm:pt modelId="{44CEA94F-447B-B444-8972-4F1893379146}" type="pres">
+      <dgm:prSet presAssocID="{35D0F273-4E86-4B45-8071-577BDB0ECB06}" presName="rootComposite" presStyleCnt="0"/>
+      <dgm:spPr/>
+    </dgm:pt>
+    <dgm:pt modelId="{4F9EE9DE-BD4A-A841-B8D0-3BB9E3029BD3}" type="pres">
+      <dgm:prSet presAssocID="{35D0F273-4E86-4B45-8071-577BDB0ECB06}" presName="rootText" presStyleLbl="node3" presStyleIdx="0" presStyleCnt="2">
+        <dgm:presLayoutVars>
+          <dgm:chPref val="3"/>
+        </dgm:presLayoutVars>
+      </dgm:prSet>
+      <dgm:spPr/>
+      <dgm:t>
+        <a:bodyPr/>
+        <a:lstStyle/>
+        <a:p>
+          <a:endParaRPr lang="zh-TW" altLang="en-US"/>
+        </a:p>
+      </dgm:t>
+    </dgm:pt>
     <dgm:pt modelId="{0E3D25CB-6D84-AD4A-8F10-1A1A336E50FA}" type="pres">
       <dgm:prSet presAssocID="{35D0F273-4E86-4B45-8071-577BDB0ECB06}" presName="rootConnector" presStyleLbl="node3" presStyleIdx="0" presStyleCnt="2"/>
       <dgm:spPr/>
+      <dgm:t>
+        <a:bodyPr/>
+        <a:lstStyle/>
+        <a:p>
+          <a:endParaRPr lang="zh-TW" altLang="en-US"/>
+        </a:p>
+      </dgm:t>
     </dgm:pt>
     <dgm:pt modelId="{36CFA0AA-22FF-C640-A47C-3C945CBC3A74}" type="pres">
       <dgm:prSet presAssocID="{35D0F273-4E86-4B45-8071-577BDB0ECB06}" presName="hierChild4" presStyleCnt="0"/>
@@ -3187,6 +3327,13 @@
     <dgm:pt modelId="{B40BE3DB-9905-544D-8DB1-6AAEB700626B}" type="pres">
       <dgm:prSet presAssocID="{A1F07531-CEF8-AF4D-AC6D-BCE1F588029F}" presName="Name37" presStyleLbl="parChTrans1D3" presStyleIdx="1" presStyleCnt="2"/>
       <dgm:spPr/>
+      <dgm:t>
+        <a:bodyPr/>
+        <a:lstStyle/>
+        <a:p>
+          <a:endParaRPr lang="zh-TW" altLang="en-US"/>
+        </a:p>
+      </dgm:t>
     </dgm:pt>
     <dgm:pt modelId="{706E1D8A-3620-5C4A-9B12-190EC94FE2A1}" type="pres">
       <dgm:prSet presAssocID="{03940D56-6C93-564C-89CE-A9A88C0B2446}" presName="hierRoot2" presStyleCnt="0">
@@ -3207,10 +3354,24 @@
         </dgm:presLayoutVars>
       </dgm:prSet>
       <dgm:spPr/>
+      <dgm:t>
+        <a:bodyPr/>
+        <a:lstStyle/>
+        <a:p>
+          <a:endParaRPr lang="zh-TW" altLang="en-US"/>
+        </a:p>
+      </dgm:t>
     </dgm:pt>
     <dgm:pt modelId="{09A6E7FD-B764-3A4B-98E0-3CDA439C7E66}" type="pres">
       <dgm:prSet presAssocID="{03940D56-6C93-564C-89CE-A9A88C0B2446}" presName="rootConnector" presStyleLbl="node3" presStyleIdx="1" presStyleCnt="2"/>
       <dgm:spPr/>
+      <dgm:t>
+        <a:bodyPr/>
+        <a:lstStyle/>
+        <a:p>
+          <a:endParaRPr lang="zh-TW" altLang="en-US"/>
+        </a:p>
+      </dgm:t>
     </dgm:pt>
     <dgm:pt modelId="{B6BB6DC7-58DA-2A49-8C6A-B41FCFA870E1}" type="pres">
       <dgm:prSet presAssocID="{03940D56-6C93-564C-89CE-A9A88C0B2446}" presName="hierChild4" presStyleCnt="0"/>
@@ -3230,34 +3391,34 @@
     </dgm:pt>
   </dgm:ptLst>
   <dgm:cxnLst>
+    <dgm:cxn modelId="{1D13995D-7EB3-2D4D-8D41-8BBA584984C6}" type="presOf" srcId="{35D0F273-4E86-4B45-8071-577BDB0ECB06}" destId="{4F9EE9DE-BD4A-A841-B8D0-3BB9E3029BD3}" srcOrd="0" destOrd="0" presId="urn:microsoft.com/office/officeart/2005/8/layout/orgChart1"/>
+    <dgm:cxn modelId="{5FF9D027-A8D2-CB49-A500-D353CC9360C7}" type="presOf" srcId="{94EEF94F-FAC4-2946-8746-9D596AD312DA}" destId="{190EE650-73D9-9643-A09A-BE76E54D74B2}" srcOrd="1" destOrd="0" presId="urn:microsoft.com/office/officeart/2005/8/layout/orgChart1"/>
+    <dgm:cxn modelId="{560F1370-6CB4-CE48-915B-4B853A981D72}" type="presOf" srcId="{77DE18FE-DC07-CA4B-80FD-447CFB4DD2C3}" destId="{B9A4CFA2-8871-DB47-85D7-D3A596F87B4A}" srcOrd="0" destOrd="0" presId="urn:microsoft.com/office/officeart/2005/8/layout/orgChart1"/>
+    <dgm:cxn modelId="{C346E073-2E10-B547-B4A2-D28F9141ACDD}" type="presOf" srcId="{77DE18FE-DC07-CA4B-80FD-447CFB4DD2C3}" destId="{358BB06D-A6D0-E34F-9FB2-5D7286BD13F3}" srcOrd="1" destOrd="0" presId="urn:microsoft.com/office/officeart/2005/8/layout/orgChart1"/>
     <dgm:cxn modelId="{182EF8B2-AD3C-2347-B1A8-651D84D501AE}" type="presOf" srcId="{F1A51C33-8AEC-E548-97B7-CFA21F4073D8}" destId="{04F4CD26-EA1A-6D4B-AD31-11FB8035AA91}" srcOrd="0" destOrd="0" presId="urn:microsoft.com/office/officeart/2005/8/layout/orgChart1"/>
-    <dgm:cxn modelId="{1D13995D-7EB3-2D4D-8D41-8BBA584984C6}" type="presOf" srcId="{35D0F273-4E86-4B45-8071-577BDB0ECB06}" destId="{4F9EE9DE-BD4A-A841-B8D0-3BB9E3029BD3}" srcOrd="0" destOrd="0" presId="urn:microsoft.com/office/officeart/2005/8/layout/orgChart1"/>
+    <dgm:cxn modelId="{2DBA4586-551D-F54A-B80C-BD2B6789E29B}" type="presOf" srcId="{8D41D944-254A-8841-B4C2-5D4895B95594}" destId="{A4636B4A-A6E0-8E4B-ADFD-5D65517452D3}" srcOrd="1" destOrd="0" presId="urn:microsoft.com/office/officeart/2005/8/layout/orgChart1"/>
+    <dgm:cxn modelId="{21167647-EB62-C846-B5F6-9B8A38AFD258}" type="presOf" srcId="{8D41D944-254A-8841-B4C2-5D4895B95594}" destId="{1F854A4F-2D97-C045-B4C7-7AB89716ADDF}" srcOrd="0" destOrd="0" presId="urn:microsoft.com/office/officeart/2005/8/layout/orgChart1"/>
+    <dgm:cxn modelId="{E265EE59-53BD-C440-9290-89385A8CA0B0}" srcId="{77DE18FE-DC07-CA4B-80FD-447CFB4DD2C3}" destId="{35D0F273-4E86-4B45-8071-577BDB0ECB06}" srcOrd="0" destOrd="0" parTransId="{D5D9497D-AD17-3144-8454-A3B959A7B9FA}" sibTransId="{8343F7BA-7122-1C44-993E-78A07907B721}"/>
+    <dgm:cxn modelId="{BAEA0D68-5174-3E48-9A90-F8F677E15314}" type="presOf" srcId="{C77E8EAF-B062-DE48-A5F3-E8B0F8825E4D}" destId="{819F684A-B93B-4343-98C2-11C1B1553918}" srcOrd="0" destOrd="0" presId="urn:microsoft.com/office/officeart/2005/8/layout/orgChart1"/>
+    <dgm:cxn modelId="{4134AFAD-78B1-8E4D-ABFD-0EB726B83C5C}" type="presOf" srcId="{1F3F8688-E059-594E-8751-BEDDD2B39640}" destId="{A916325B-CAB2-FC42-8D0C-60B1A55C41AB}" srcOrd="0" destOrd="0" presId="urn:microsoft.com/office/officeart/2005/8/layout/orgChart1"/>
+    <dgm:cxn modelId="{EA78F5AE-AE13-674F-8471-A6C77E549F55}" srcId="{6C2963A9-6D37-B34C-A33B-8170001BC95A}" destId="{C60D2FA4-79FE-DF45-BEC1-635FE70633B5}" srcOrd="0" destOrd="0" parTransId="{80BE9503-18C1-3647-A620-978B0F936179}" sibTransId="{4C79A202-D4B5-EE45-9B54-AC2596A1DBB5}"/>
+    <dgm:cxn modelId="{1A121837-F4AF-1E48-A2ED-3D743E90D8C5}" type="presOf" srcId="{97101485-E447-9B4B-8A8E-01352DF5CF59}" destId="{BBCAD55C-D40B-344F-B4B4-6D5707046754}" srcOrd="0" destOrd="0" presId="urn:microsoft.com/office/officeart/2005/8/layout/orgChart1"/>
     <dgm:cxn modelId="{2FA56808-D6B8-2349-8472-ED077F40F8BF}" type="presOf" srcId="{D5D9497D-AD17-3144-8454-A3B959A7B9FA}" destId="{BCBD19D8-2D3D-8C4B-AD51-5FE9333239B7}" srcOrd="0" destOrd="0" presId="urn:microsoft.com/office/officeart/2005/8/layout/orgChart1"/>
-    <dgm:cxn modelId="{FED815CE-9935-5947-93DD-A31A053C78FE}" type="presOf" srcId="{A1F07531-CEF8-AF4D-AC6D-BCE1F588029F}" destId="{B40BE3DB-9905-544D-8DB1-6AAEB700626B}" srcOrd="0" destOrd="0" presId="urn:microsoft.com/office/officeart/2005/8/layout/orgChart1"/>
-    <dgm:cxn modelId="{56DDF1AB-A040-BC4E-946E-4A35741477F8}" type="presOf" srcId="{03940D56-6C93-564C-89CE-A9A88C0B2446}" destId="{09A6E7FD-B764-3A4B-98E0-3CDA439C7E66}" srcOrd="1" destOrd="0" presId="urn:microsoft.com/office/officeart/2005/8/layout/orgChart1"/>
-    <dgm:cxn modelId="{EA78F5AE-AE13-674F-8471-A6C77E549F55}" srcId="{6C2963A9-6D37-B34C-A33B-8170001BC95A}" destId="{C60D2FA4-79FE-DF45-BEC1-635FE70633B5}" srcOrd="0" destOrd="0" parTransId="{80BE9503-18C1-3647-A620-978B0F936179}" sibTransId="{4C79A202-D4B5-EE45-9B54-AC2596A1DBB5}"/>
-    <dgm:cxn modelId="{560F1370-6CB4-CE48-915B-4B853A981D72}" type="presOf" srcId="{77DE18FE-DC07-CA4B-80FD-447CFB4DD2C3}" destId="{B9A4CFA2-8871-DB47-85D7-D3A596F87B4A}" srcOrd="0" destOrd="0" presId="urn:microsoft.com/office/officeart/2005/8/layout/orgChart1"/>
-    <dgm:cxn modelId="{AF87C2D7-C4E7-4942-880F-A74FCFEFE097}" type="presOf" srcId="{94EEF94F-FAC4-2946-8746-9D596AD312DA}" destId="{476D21E6-1D48-8742-AC57-26975BDAD67E}" srcOrd="0" destOrd="0" presId="urn:microsoft.com/office/officeart/2005/8/layout/orgChart1"/>
-    <dgm:cxn modelId="{C346E073-2E10-B547-B4A2-D28F9141ACDD}" type="presOf" srcId="{77DE18FE-DC07-CA4B-80FD-447CFB4DD2C3}" destId="{358BB06D-A6D0-E34F-9FB2-5D7286BD13F3}" srcOrd="1" destOrd="0" presId="urn:microsoft.com/office/officeart/2005/8/layout/orgChart1"/>
-    <dgm:cxn modelId="{52F663C2-5944-EC47-BF86-D5BB5D19BC9E}" type="presOf" srcId="{C60D2FA4-79FE-DF45-BEC1-635FE70633B5}" destId="{253567B2-A80A-6942-B1D6-F84B71704219}" srcOrd="1" destOrd="0" presId="urn:microsoft.com/office/officeart/2005/8/layout/orgChart1"/>
-    <dgm:cxn modelId="{278E2947-A582-9843-BC3A-6988FA527B70}" type="presOf" srcId="{6C2963A9-6D37-B34C-A33B-8170001BC95A}" destId="{6BE4A84B-0547-CE4C-91EE-C9155EE950C4}" srcOrd="0" destOrd="0" presId="urn:microsoft.com/office/officeart/2005/8/layout/orgChart1"/>
-    <dgm:cxn modelId="{1A121837-F4AF-1E48-A2ED-3D743E90D8C5}" type="presOf" srcId="{97101485-E447-9B4B-8A8E-01352DF5CF59}" destId="{BBCAD55C-D40B-344F-B4B4-6D5707046754}" srcOrd="0" destOrd="0" presId="urn:microsoft.com/office/officeart/2005/8/layout/orgChart1"/>
-    <dgm:cxn modelId="{4134AFAD-78B1-8E4D-ABFD-0EB726B83C5C}" type="presOf" srcId="{1F3F8688-E059-594E-8751-BEDDD2B39640}" destId="{A916325B-CAB2-FC42-8D0C-60B1A55C41AB}" srcOrd="0" destOrd="0" presId="urn:microsoft.com/office/officeart/2005/8/layout/orgChart1"/>
-    <dgm:cxn modelId="{518776A8-2A71-B34B-8A25-964E0EE0B35D}" type="presOf" srcId="{F1A51C33-8AEC-E548-97B7-CFA21F4073D8}" destId="{4EBDFB12-148E-D44C-AF11-507E5CF87571}" srcOrd="1" destOrd="0" presId="urn:microsoft.com/office/officeart/2005/8/layout/orgChart1"/>
-    <dgm:cxn modelId="{FB8FA651-7524-7C42-988B-476605892623}" srcId="{C60D2FA4-79FE-DF45-BEC1-635FE70633B5}" destId="{8D41D944-254A-8841-B4C2-5D4895B95594}" srcOrd="2" destOrd="0" parTransId="{C77E8EAF-B062-DE48-A5F3-E8B0F8825E4D}" sibTransId="{CF69BD20-F557-314E-B22B-C6D7D9EA8128}"/>
-    <dgm:cxn modelId="{5442D239-085A-3F43-AD37-1291804CBC6B}" srcId="{C60D2FA4-79FE-DF45-BEC1-635FE70633B5}" destId="{77DE18FE-DC07-CA4B-80FD-447CFB4DD2C3}" srcOrd="3" destOrd="0" parTransId="{1F3F8688-E059-594E-8751-BEDDD2B39640}" sibTransId="{022C44CB-16A0-C341-A1B6-AED32EF43E01}"/>
-    <dgm:cxn modelId="{5FF9D027-A8D2-CB49-A500-D353CC9360C7}" type="presOf" srcId="{94EEF94F-FAC4-2946-8746-9D596AD312DA}" destId="{190EE650-73D9-9643-A09A-BE76E54D74B2}" srcOrd="1" destOrd="0" presId="urn:microsoft.com/office/officeart/2005/8/layout/orgChart1"/>
-    <dgm:cxn modelId="{38127CE8-9195-C346-B1F7-702475F82022}" srcId="{C60D2FA4-79FE-DF45-BEC1-635FE70633B5}" destId="{F1A51C33-8AEC-E548-97B7-CFA21F4073D8}" srcOrd="0" destOrd="0" parTransId="{97101485-E447-9B4B-8A8E-01352DF5CF59}" sibTransId="{9374ACB3-A1D8-A240-A375-5C4F5893A7C7}"/>
     <dgm:cxn modelId="{FBEA0E77-9245-D44D-82B4-7374332AD592}" type="presOf" srcId="{1AD1F458-87E4-5646-BF16-B6A7C9803437}" destId="{31B6305E-FEB1-F341-A35A-44B76D624ADE}" srcOrd="0" destOrd="0" presId="urn:microsoft.com/office/officeart/2005/8/layout/orgChart1"/>
     <dgm:cxn modelId="{D4F099B5-9914-6B4E-A3FB-AF93FEDD3447}" srcId="{C60D2FA4-79FE-DF45-BEC1-635FE70633B5}" destId="{94EEF94F-FAC4-2946-8746-9D596AD312DA}" srcOrd="1" destOrd="0" parTransId="{1AD1F458-87E4-5646-BF16-B6A7C9803437}" sibTransId="{56638693-61B1-3E49-9DE8-4B483A0B2F32}"/>
-    <dgm:cxn modelId="{21167647-EB62-C846-B5F6-9B8A38AFD258}" type="presOf" srcId="{8D41D944-254A-8841-B4C2-5D4895B95594}" destId="{1F854A4F-2D97-C045-B4C7-7AB89716ADDF}" srcOrd="0" destOrd="0" presId="urn:microsoft.com/office/officeart/2005/8/layout/orgChart1"/>
-    <dgm:cxn modelId="{2DBA4586-551D-F54A-B80C-BD2B6789E29B}" type="presOf" srcId="{8D41D944-254A-8841-B4C2-5D4895B95594}" destId="{A4636B4A-A6E0-8E4B-ADFD-5D65517452D3}" srcOrd="1" destOrd="0" presId="urn:microsoft.com/office/officeart/2005/8/layout/orgChart1"/>
+    <dgm:cxn modelId="{5442D239-085A-3F43-AD37-1291804CBC6B}" srcId="{C60D2FA4-79FE-DF45-BEC1-635FE70633B5}" destId="{77DE18FE-DC07-CA4B-80FD-447CFB4DD2C3}" srcOrd="3" destOrd="0" parTransId="{1F3F8688-E059-594E-8751-BEDDD2B39640}" sibTransId="{022C44CB-16A0-C341-A1B6-AED32EF43E01}"/>
+    <dgm:cxn modelId="{FED815CE-9935-5947-93DD-A31A053C78FE}" type="presOf" srcId="{A1F07531-CEF8-AF4D-AC6D-BCE1F588029F}" destId="{B40BE3DB-9905-544D-8DB1-6AAEB700626B}" srcOrd="0" destOrd="0" presId="urn:microsoft.com/office/officeart/2005/8/layout/orgChart1"/>
+    <dgm:cxn modelId="{10CF0243-02C0-6F4C-B943-2A08A96E0F74}" srcId="{77DE18FE-DC07-CA4B-80FD-447CFB4DD2C3}" destId="{03940D56-6C93-564C-89CE-A9A88C0B2446}" srcOrd="1" destOrd="0" parTransId="{A1F07531-CEF8-AF4D-AC6D-BCE1F588029F}" sibTransId="{C4C4DC16-D8D3-B942-8240-49BFED7458E0}"/>
+    <dgm:cxn modelId="{38127CE8-9195-C346-B1F7-702475F82022}" srcId="{C60D2FA4-79FE-DF45-BEC1-635FE70633B5}" destId="{F1A51C33-8AEC-E548-97B7-CFA21F4073D8}" srcOrd="0" destOrd="0" parTransId="{97101485-E447-9B4B-8A8E-01352DF5CF59}" sibTransId="{9374ACB3-A1D8-A240-A375-5C4F5893A7C7}"/>
+    <dgm:cxn modelId="{FB8FA651-7524-7C42-988B-476605892623}" srcId="{C60D2FA4-79FE-DF45-BEC1-635FE70633B5}" destId="{8D41D944-254A-8841-B4C2-5D4895B95594}" srcOrd="2" destOrd="0" parTransId="{C77E8EAF-B062-DE48-A5F3-E8B0F8825E4D}" sibTransId="{CF69BD20-F557-314E-B22B-C6D7D9EA8128}"/>
     <dgm:cxn modelId="{69DC9007-795D-2042-99E7-1BFC8CE39797}" type="presOf" srcId="{C60D2FA4-79FE-DF45-BEC1-635FE70633B5}" destId="{BC1EC2A5-2309-5A4D-9A31-E99B784E6633}" srcOrd="0" destOrd="0" presId="urn:microsoft.com/office/officeart/2005/8/layout/orgChart1"/>
-    <dgm:cxn modelId="{BAEA0D68-5174-3E48-9A90-F8F677E15314}" type="presOf" srcId="{C77E8EAF-B062-DE48-A5F3-E8B0F8825E4D}" destId="{819F684A-B93B-4343-98C2-11C1B1553918}" srcOrd="0" destOrd="0" presId="urn:microsoft.com/office/officeart/2005/8/layout/orgChart1"/>
+    <dgm:cxn modelId="{AF87C2D7-C4E7-4942-880F-A74FCFEFE097}" type="presOf" srcId="{94EEF94F-FAC4-2946-8746-9D596AD312DA}" destId="{476D21E6-1D48-8742-AC57-26975BDAD67E}" srcOrd="0" destOrd="0" presId="urn:microsoft.com/office/officeart/2005/8/layout/orgChart1"/>
     <dgm:cxn modelId="{7F9D5BA4-77EC-8E41-8896-541E2DD9A2DD}" type="presOf" srcId="{03940D56-6C93-564C-89CE-A9A88C0B2446}" destId="{07E86504-07EA-4D4A-A709-BB5C4E8F6ADE}" srcOrd="0" destOrd="0" presId="urn:microsoft.com/office/officeart/2005/8/layout/orgChart1"/>
-    <dgm:cxn modelId="{E265EE59-53BD-C440-9290-89385A8CA0B0}" srcId="{77DE18FE-DC07-CA4B-80FD-447CFB4DD2C3}" destId="{35D0F273-4E86-4B45-8071-577BDB0ECB06}" srcOrd="0" destOrd="0" parTransId="{D5D9497D-AD17-3144-8454-A3B959A7B9FA}" sibTransId="{8343F7BA-7122-1C44-993E-78A07907B721}"/>
-    <dgm:cxn modelId="{10CF0243-02C0-6F4C-B943-2A08A96E0F74}" srcId="{77DE18FE-DC07-CA4B-80FD-447CFB4DD2C3}" destId="{03940D56-6C93-564C-89CE-A9A88C0B2446}" srcOrd="1" destOrd="0" parTransId="{A1F07531-CEF8-AF4D-AC6D-BCE1F588029F}" sibTransId="{C4C4DC16-D8D3-B942-8240-49BFED7458E0}"/>
+    <dgm:cxn modelId="{518776A8-2A71-B34B-8A25-964E0EE0B35D}" type="presOf" srcId="{F1A51C33-8AEC-E548-97B7-CFA21F4073D8}" destId="{4EBDFB12-148E-D44C-AF11-507E5CF87571}" srcOrd="1" destOrd="0" presId="urn:microsoft.com/office/officeart/2005/8/layout/orgChart1"/>
+    <dgm:cxn modelId="{278E2947-A582-9843-BC3A-6988FA527B70}" type="presOf" srcId="{6C2963A9-6D37-B34C-A33B-8170001BC95A}" destId="{6BE4A84B-0547-CE4C-91EE-C9155EE950C4}" srcOrd="0" destOrd="0" presId="urn:microsoft.com/office/officeart/2005/8/layout/orgChart1"/>
     <dgm:cxn modelId="{73C6B01A-70C5-FC44-9191-C2F4934519C7}" type="presOf" srcId="{35D0F273-4E86-4B45-8071-577BDB0ECB06}" destId="{0E3D25CB-6D84-AD4A-8F10-1A1A336E50FA}" srcOrd="1" destOrd="0" presId="urn:microsoft.com/office/officeart/2005/8/layout/orgChart1"/>
+    <dgm:cxn modelId="{52F663C2-5944-EC47-BF86-D5BB5D19BC9E}" type="presOf" srcId="{C60D2FA4-79FE-DF45-BEC1-635FE70633B5}" destId="{253567B2-A80A-6942-B1D6-F84B71704219}" srcOrd="1" destOrd="0" presId="urn:microsoft.com/office/officeart/2005/8/layout/orgChart1"/>
+    <dgm:cxn modelId="{56DDF1AB-A040-BC4E-946E-4A35741477F8}" type="presOf" srcId="{03940D56-6C93-564C-89CE-A9A88C0B2446}" destId="{09A6E7FD-B764-3A4B-98E0-3CDA439C7E66}" srcOrd="1" destOrd="0" presId="urn:microsoft.com/office/officeart/2005/8/layout/orgChart1"/>
     <dgm:cxn modelId="{E8964314-F86D-A240-8690-A1E8B15888AB}" type="presParOf" srcId="{6BE4A84B-0547-CE4C-91EE-C9155EE950C4}" destId="{DC2F0688-9A1F-274C-A504-2B5B0B0C35DA}" srcOrd="0" destOrd="0" presId="urn:microsoft.com/office/officeart/2005/8/layout/orgChart1"/>
     <dgm:cxn modelId="{AB5B63F4-E64B-E14E-90D8-9C17134EC560}" type="presParOf" srcId="{DC2F0688-9A1F-274C-A504-2B5B0B0C35DA}" destId="{76C0B4C3-DDB6-5B4F-9FD9-9006C81FE25D}" srcOrd="0" destOrd="0" presId="urn:microsoft.com/office/officeart/2005/8/layout/orgChart1"/>
     <dgm:cxn modelId="{23B80CEE-7CC9-A043-BC9E-1404E7C50B34}" type="presParOf" srcId="{76C0B4C3-DDB6-5B4F-9FD9-9006C81FE25D}" destId="{BC1EC2A5-2309-5A4D-9A31-E99B784E6633}" srcOrd="0" destOrd="0" presId="urn:microsoft.com/office/officeart/2005/8/layout/orgChart1"/>
@@ -3889,58 +4050,6 @@
         </dgm:presLayoutVars>
       </dgm:prSet>
       <dgm:spPr/>
-    </dgm:pt>
-    <dgm:pt modelId="{978B9AA7-B086-144F-B08F-C544A11231A4}" type="pres">
-      <dgm:prSet presAssocID="{89314E86-60EE-5045-899C-E7417C09B90D}" presName="hierRoot1" presStyleCnt="0">
-        <dgm:presLayoutVars>
-          <dgm:hierBranch val="init"/>
-        </dgm:presLayoutVars>
-      </dgm:prSet>
-      <dgm:spPr/>
-    </dgm:pt>
-    <dgm:pt modelId="{C78C0631-9A2C-1A4C-90AF-96F3A7B69B61}" type="pres">
-      <dgm:prSet presAssocID="{89314E86-60EE-5045-899C-E7417C09B90D}" presName="rootComposite1" presStyleCnt="0"/>
-      <dgm:spPr/>
-    </dgm:pt>
-    <dgm:pt modelId="{128C9672-596B-C947-97FA-F938099189E1}" type="pres">
-      <dgm:prSet presAssocID="{89314E86-60EE-5045-899C-E7417C09B90D}" presName="rootText1" presStyleLbl="node0" presStyleIdx="0" presStyleCnt="1">
-        <dgm:presLayoutVars>
-          <dgm:chPref val="3"/>
-        </dgm:presLayoutVars>
-      </dgm:prSet>
-      <dgm:spPr/>
-    </dgm:pt>
-    <dgm:pt modelId="{7609B86B-45C5-724B-9A55-D21D4F7EA93F}" type="pres">
-      <dgm:prSet presAssocID="{89314E86-60EE-5045-899C-E7417C09B90D}" presName="rootConnector1" presStyleLbl="node1" presStyleIdx="0" presStyleCnt="0"/>
-      <dgm:spPr/>
-    </dgm:pt>
-    <dgm:pt modelId="{05636165-87A0-0E42-AC74-3D05474555F7}" type="pres">
-      <dgm:prSet presAssocID="{89314E86-60EE-5045-899C-E7417C09B90D}" presName="hierChild2" presStyleCnt="0"/>
-      <dgm:spPr/>
-    </dgm:pt>
-    <dgm:pt modelId="{D1ADB443-DC5D-7A4D-9FC2-F94CD67C1EAE}" type="pres">
-      <dgm:prSet presAssocID="{B749F862-2D6B-B745-B049-A2997DD78459}" presName="Name37" presStyleLbl="parChTrans1D2" presStyleIdx="0" presStyleCnt="5"/>
-      <dgm:spPr/>
-    </dgm:pt>
-    <dgm:pt modelId="{C4CAC12C-F61F-1749-9453-65047AEB73DD}" type="pres">
-      <dgm:prSet presAssocID="{5A77C950-58ED-E548-A254-D4EA97B8DB15}" presName="hierRoot2" presStyleCnt="0">
-        <dgm:presLayoutVars>
-          <dgm:hierBranch val="init"/>
-        </dgm:presLayoutVars>
-      </dgm:prSet>
-      <dgm:spPr/>
-    </dgm:pt>
-    <dgm:pt modelId="{A26B1393-4C9C-0046-9775-6D3AC120B159}" type="pres">
-      <dgm:prSet presAssocID="{5A77C950-58ED-E548-A254-D4EA97B8DB15}" presName="rootComposite" presStyleCnt="0"/>
-      <dgm:spPr/>
-    </dgm:pt>
-    <dgm:pt modelId="{83000BA2-0869-A64A-985B-FD0145E6032E}" type="pres">
-      <dgm:prSet presAssocID="{5A77C950-58ED-E548-A254-D4EA97B8DB15}" presName="rootText" presStyleLbl="node2" presStyleIdx="0" presStyleCnt="5">
-        <dgm:presLayoutVars>
-          <dgm:chPref val="3"/>
-        </dgm:presLayoutVars>
-      </dgm:prSet>
-      <dgm:spPr/>
       <dgm:t>
         <a:bodyPr/>
         <a:lstStyle/>
@@ -3949,32 +4058,20 @@
         </a:p>
       </dgm:t>
     </dgm:pt>
-    <dgm:pt modelId="{65B1000F-16D1-7642-A8B7-9272DD88B9B1}" type="pres">
-      <dgm:prSet presAssocID="{5A77C950-58ED-E548-A254-D4EA97B8DB15}" presName="rootConnector" presStyleLbl="node2" presStyleIdx="0" presStyleCnt="5"/>
-      <dgm:spPr/>
-    </dgm:pt>
-    <dgm:pt modelId="{46441450-ABD0-CF43-A8F5-79709C682E19}" type="pres">
-      <dgm:prSet presAssocID="{5A77C950-58ED-E548-A254-D4EA97B8DB15}" presName="hierChild4" presStyleCnt="0"/>
-      <dgm:spPr/>
-    </dgm:pt>
-    <dgm:pt modelId="{0C9F4A48-45F6-AA4D-96BF-688E71308A31}" type="pres">
-      <dgm:prSet presAssocID="{380FE599-D771-7347-837E-5040B6D7859B}" presName="Name37" presStyleLbl="parChTrans1D3" presStyleIdx="0" presStyleCnt="9"/>
-      <dgm:spPr/>
-    </dgm:pt>
-    <dgm:pt modelId="{4FB3FD7A-7873-A147-8CAA-E050F8BF9FA6}" type="pres">
-      <dgm:prSet presAssocID="{B7DE1BDB-6633-A442-9076-6077D2DB73F9}" presName="hierRoot2" presStyleCnt="0">
+    <dgm:pt modelId="{978B9AA7-B086-144F-B08F-C544A11231A4}" type="pres">
+      <dgm:prSet presAssocID="{89314E86-60EE-5045-899C-E7417C09B90D}" presName="hierRoot1" presStyleCnt="0">
         <dgm:presLayoutVars>
           <dgm:hierBranch val="init"/>
         </dgm:presLayoutVars>
       </dgm:prSet>
       <dgm:spPr/>
     </dgm:pt>
-    <dgm:pt modelId="{91D3692F-468C-D74D-817C-E8B7276D73B2}" type="pres">
-      <dgm:prSet presAssocID="{B7DE1BDB-6633-A442-9076-6077D2DB73F9}" presName="rootComposite" presStyleCnt="0"/>
-      <dgm:spPr/>
-    </dgm:pt>
-    <dgm:pt modelId="{7BE81116-1A67-F947-B03E-A96F3A736855}" type="pres">
-      <dgm:prSet presAssocID="{B7DE1BDB-6633-A442-9076-6077D2DB73F9}" presName="rootText" presStyleLbl="node3" presStyleIdx="0" presStyleCnt="9">
+    <dgm:pt modelId="{C78C0631-9A2C-1A4C-90AF-96F3A7B69B61}" type="pres">
+      <dgm:prSet presAssocID="{89314E86-60EE-5045-899C-E7417C09B90D}" presName="rootComposite1" presStyleCnt="0"/>
+      <dgm:spPr/>
+    </dgm:pt>
+    <dgm:pt modelId="{128C9672-596B-C947-97FA-F938099189E1}" type="pres">
+      <dgm:prSet presAssocID="{89314E86-60EE-5045-899C-E7417C09B90D}" presName="rootText1" presStyleLbl="node0" presStyleIdx="0" presStyleCnt="1">
         <dgm:presLayoutVars>
           <dgm:chPref val="3"/>
         </dgm:presLayoutVars>
@@ -3988,112 +4085,8 @@
         </a:p>
       </dgm:t>
     </dgm:pt>
-    <dgm:pt modelId="{EB26B174-9B20-834F-8856-9BB58900F541}" type="pres">
-      <dgm:prSet presAssocID="{B7DE1BDB-6633-A442-9076-6077D2DB73F9}" presName="rootConnector" presStyleLbl="node3" presStyleIdx="0" presStyleCnt="9"/>
-      <dgm:spPr/>
-    </dgm:pt>
-    <dgm:pt modelId="{781B749A-2AD3-B148-BC31-A4A47D5A30C1}" type="pres">
-      <dgm:prSet presAssocID="{B7DE1BDB-6633-A442-9076-6077D2DB73F9}" presName="hierChild4" presStyleCnt="0"/>
-      <dgm:spPr/>
-    </dgm:pt>
-    <dgm:pt modelId="{A064E946-BF4F-3A46-83C6-E247FD164459}" type="pres">
-      <dgm:prSet presAssocID="{B7DE1BDB-6633-A442-9076-6077D2DB73F9}" presName="hierChild5" presStyleCnt="0"/>
-      <dgm:spPr/>
-    </dgm:pt>
-    <dgm:pt modelId="{53E79E27-8301-6D41-B26D-17F46A72DE7D}" type="pres">
-      <dgm:prSet presAssocID="{6839F260-6BA1-4346-B3A0-03DA9D6E30F9}" presName="Name37" presStyleLbl="parChTrans1D3" presStyleIdx="1" presStyleCnt="9"/>
-      <dgm:spPr/>
-    </dgm:pt>
-    <dgm:pt modelId="{B72FD5A8-2FB6-9A49-996D-20740CAC5398}" type="pres">
-      <dgm:prSet presAssocID="{6155CF2C-7977-D14D-99D6-F5A1262B6548}" presName="hierRoot2" presStyleCnt="0">
-        <dgm:presLayoutVars>
-          <dgm:hierBranch val="init"/>
-        </dgm:presLayoutVars>
-      </dgm:prSet>
-      <dgm:spPr/>
-    </dgm:pt>
-    <dgm:pt modelId="{6369201B-6B0A-684B-BD7D-B639265609B8}" type="pres">
-      <dgm:prSet presAssocID="{6155CF2C-7977-D14D-99D6-F5A1262B6548}" presName="rootComposite" presStyleCnt="0"/>
-      <dgm:spPr/>
-    </dgm:pt>
-    <dgm:pt modelId="{C16F8266-96DA-4348-827B-FB5031B737D0}" type="pres">
-      <dgm:prSet presAssocID="{6155CF2C-7977-D14D-99D6-F5A1262B6548}" presName="rootText" presStyleLbl="node3" presStyleIdx="1" presStyleCnt="9">
-        <dgm:presLayoutVars>
-          <dgm:chPref val="3"/>
-        </dgm:presLayoutVars>
-      </dgm:prSet>
-      <dgm:spPr/>
-    </dgm:pt>
-    <dgm:pt modelId="{CD77DF7A-9D93-7741-BECC-8DB44EFD3EF3}" type="pres">
-      <dgm:prSet presAssocID="{6155CF2C-7977-D14D-99D6-F5A1262B6548}" presName="rootConnector" presStyleLbl="node3" presStyleIdx="1" presStyleCnt="9"/>
-      <dgm:spPr/>
-    </dgm:pt>
-    <dgm:pt modelId="{927DDFE0-EA26-CB4C-8DC9-3B31C552F0DF}" type="pres">
-      <dgm:prSet presAssocID="{6155CF2C-7977-D14D-99D6-F5A1262B6548}" presName="hierChild4" presStyleCnt="0"/>
-      <dgm:spPr/>
-    </dgm:pt>
-    <dgm:pt modelId="{2CC10ECB-B848-3242-A6EC-CEB035C54DA3}" type="pres">
-      <dgm:prSet presAssocID="{6155CF2C-7977-D14D-99D6-F5A1262B6548}" presName="hierChild5" presStyleCnt="0"/>
-      <dgm:spPr/>
-    </dgm:pt>
-    <dgm:pt modelId="{44596B05-93D3-7146-88F3-77AD5CF63CD4}" type="pres">
-      <dgm:prSet presAssocID="{24818FBC-AEF6-9448-82AE-EAE149309BFC}" presName="Name37" presStyleLbl="parChTrans1D3" presStyleIdx="2" presStyleCnt="9"/>
-      <dgm:spPr/>
-    </dgm:pt>
-    <dgm:pt modelId="{74C80CBC-118B-0642-B4E8-9A45669DD1B5}" type="pres">
-      <dgm:prSet presAssocID="{11BE08E0-8BD3-8241-AA31-5D3C8BAE883E}" presName="hierRoot2" presStyleCnt="0">
-        <dgm:presLayoutVars>
-          <dgm:hierBranch val="init"/>
-        </dgm:presLayoutVars>
-      </dgm:prSet>
-      <dgm:spPr/>
-    </dgm:pt>
-    <dgm:pt modelId="{A631488B-BD4A-2E4A-B207-2A4542085458}" type="pres">
-      <dgm:prSet presAssocID="{11BE08E0-8BD3-8241-AA31-5D3C8BAE883E}" presName="rootComposite" presStyleCnt="0"/>
-      <dgm:spPr/>
-    </dgm:pt>
-    <dgm:pt modelId="{EDE66430-21B6-8D4B-8624-309DA73F0538}" type="pres">
-      <dgm:prSet presAssocID="{11BE08E0-8BD3-8241-AA31-5D3C8BAE883E}" presName="rootText" presStyleLbl="node3" presStyleIdx="2" presStyleCnt="9">
-        <dgm:presLayoutVars>
-          <dgm:chPref val="3"/>
-        </dgm:presLayoutVars>
-      </dgm:prSet>
-      <dgm:spPr/>
-    </dgm:pt>
-    <dgm:pt modelId="{EC42C478-3B14-3A43-AD41-CD4F28BC5D3D}" type="pres">
-      <dgm:prSet presAssocID="{11BE08E0-8BD3-8241-AA31-5D3C8BAE883E}" presName="rootConnector" presStyleLbl="node3" presStyleIdx="2" presStyleCnt="9"/>
-      <dgm:spPr/>
-    </dgm:pt>
-    <dgm:pt modelId="{C22436BC-FBB6-4F4B-B45C-D8307501950F}" type="pres">
-      <dgm:prSet presAssocID="{11BE08E0-8BD3-8241-AA31-5D3C8BAE883E}" presName="hierChild4" presStyleCnt="0"/>
-      <dgm:spPr/>
-    </dgm:pt>
-    <dgm:pt modelId="{A0968C2A-7E31-6147-A758-5B82D7DC360D}" type="pres">
-      <dgm:prSet presAssocID="{11BE08E0-8BD3-8241-AA31-5D3C8BAE883E}" presName="hierChild5" presStyleCnt="0"/>
-      <dgm:spPr/>
-    </dgm:pt>
-    <dgm:pt modelId="{6A262A8B-7DC7-7246-A71C-744ED839A856}" type="pres">
-      <dgm:prSet presAssocID="{DB470F67-F9F6-C04F-A5A8-D006899BBC48}" presName="Name37" presStyleLbl="parChTrans1D3" presStyleIdx="3" presStyleCnt="9"/>
-      <dgm:spPr/>
-    </dgm:pt>
-    <dgm:pt modelId="{0A6D4713-64F6-4847-BB1D-8F6811ED8E4C}" type="pres">
-      <dgm:prSet presAssocID="{FF11A2BF-9380-DC4E-A16D-B170C89A5F01}" presName="hierRoot2" presStyleCnt="0">
-        <dgm:presLayoutVars>
-          <dgm:hierBranch val="init"/>
-        </dgm:presLayoutVars>
-      </dgm:prSet>
-      <dgm:spPr/>
-    </dgm:pt>
-    <dgm:pt modelId="{04FA09B8-83BC-7944-9811-999D5403D7CD}" type="pres">
-      <dgm:prSet presAssocID="{FF11A2BF-9380-DC4E-A16D-B170C89A5F01}" presName="rootComposite" presStyleCnt="0"/>
-      <dgm:spPr/>
-    </dgm:pt>
-    <dgm:pt modelId="{8F5D0854-A50A-2A4B-B05F-04FE902D5672}" type="pres">
-      <dgm:prSet presAssocID="{FF11A2BF-9380-DC4E-A16D-B170C89A5F01}" presName="rootText" presStyleLbl="node3" presStyleIdx="3" presStyleCnt="9">
-        <dgm:presLayoutVars>
-          <dgm:chPref val="3"/>
-        </dgm:presLayoutVars>
-      </dgm:prSet>
+    <dgm:pt modelId="{7609B86B-45C5-724B-9A55-D21D4F7EA93F}" type="pres">
+      <dgm:prSet presAssocID="{89314E86-60EE-5045-899C-E7417C09B90D}" presName="rootConnector1" presStyleLbl="node1" presStyleIdx="0" presStyleCnt="0"/>
       <dgm:spPr/>
       <dgm:t>
         <a:bodyPr/>
@@ -4103,40 +4096,12 @@
         </a:p>
       </dgm:t>
     </dgm:pt>
-    <dgm:pt modelId="{81E158C6-78CE-C349-82EF-C1864BF10A73}" type="pres">
-      <dgm:prSet presAssocID="{FF11A2BF-9380-DC4E-A16D-B170C89A5F01}" presName="rootConnector" presStyleLbl="node3" presStyleIdx="3" presStyleCnt="9"/>
-      <dgm:spPr/>
-    </dgm:pt>
-    <dgm:pt modelId="{F1F35F00-2570-9D4F-8837-99EB0C27E28F}" type="pres">
-      <dgm:prSet presAssocID="{FF11A2BF-9380-DC4E-A16D-B170C89A5F01}" presName="hierChild4" presStyleCnt="0"/>
-      <dgm:spPr/>
-    </dgm:pt>
-    <dgm:pt modelId="{D8B444E0-A432-F74B-9D86-4B066C36CBDB}" type="pres">
-      <dgm:prSet presAssocID="{FF11A2BF-9380-DC4E-A16D-B170C89A5F01}" presName="hierChild5" presStyleCnt="0"/>
-      <dgm:spPr/>
-    </dgm:pt>
-    <dgm:pt modelId="{7401CD6B-2EC8-8B49-B706-725F8DBDACBF}" type="pres">
-      <dgm:prSet presAssocID="{3B092136-6835-304E-AC51-D9BC322545E9}" presName="Name37" presStyleLbl="parChTrans1D3" presStyleIdx="4" presStyleCnt="9"/>
-      <dgm:spPr/>
-    </dgm:pt>
-    <dgm:pt modelId="{59F1190B-A883-394B-A00B-2C837A55ED55}" type="pres">
-      <dgm:prSet presAssocID="{005A96A6-7D03-F048-AE18-D87857054C9B}" presName="hierRoot2" presStyleCnt="0">
-        <dgm:presLayoutVars>
-          <dgm:hierBranch val="init"/>
-        </dgm:presLayoutVars>
-      </dgm:prSet>
-      <dgm:spPr/>
-    </dgm:pt>
-    <dgm:pt modelId="{B57129D3-80A4-AE4A-AC70-22ED18D5E760}" type="pres">
-      <dgm:prSet presAssocID="{005A96A6-7D03-F048-AE18-D87857054C9B}" presName="rootComposite" presStyleCnt="0"/>
-      <dgm:spPr/>
-    </dgm:pt>
-    <dgm:pt modelId="{706ABE28-3B9D-004B-A68F-FA1089A611C6}" type="pres">
-      <dgm:prSet presAssocID="{005A96A6-7D03-F048-AE18-D87857054C9B}" presName="rootText" presStyleLbl="node3" presStyleIdx="4" presStyleCnt="9">
-        <dgm:presLayoutVars>
-          <dgm:chPref val="3"/>
-        </dgm:presLayoutVars>
-      </dgm:prSet>
+    <dgm:pt modelId="{05636165-87A0-0E42-AC74-3D05474555F7}" type="pres">
+      <dgm:prSet presAssocID="{89314E86-60EE-5045-899C-E7417C09B90D}" presName="hierChild2" presStyleCnt="0"/>
+      <dgm:spPr/>
+    </dgm:pt>
+    <dgm:pt modelId="{D1ADB443-DC5D-7A4D-9FC2-F94CD67C1EAE}" type="pres">
+      <dgm:prSet presAssocID="{B749F862-2D6B-B745-B049-A2997DD78459}" presName="Name37" presStyleLbl="parChTrans1D2" presStyleIdx="0" presStyleCnt="5"/>
       <dgm:spPr/>
       <dgm:t>
         <a:bodyPr/>
@@ -4146,40 +4111,20 @@
         </a:p>
       </dgm:t>
     </dgm:pt>
-    <dgm:pt modelId="{AA84DF84-70A7-324A-84C2-0E440BA96E4E}" type="pres">
-      <dgm:prSet presAssocID="{005A96A6-7D03-F048-AE18-D87857054C9B}" presName="rootConnector" presStyleLbl="node3" presStyleIdx="4" presStyleCnt="9"/>
-      <dgm:spPr/>
-    </dgm:pt>
-    <dgm:pt modelId="{010D1575-9343-8B4C-9B50-1C7A14D37F93}" type="pres">
-      <dgm:prSet presAssocID="{005A96A6-7D03-F048-AE18-D87857054C9B}" presName="hierChild4" presStyleCnt="0"/>
-      <dgm:spPr/>
-    </dgm:pt>
-    <dgm:pt modelId="{755278C6-C3AD-A646-BB85-B52CE8DF03DE}" type="pres">
-      <dgm:prSet presAssocID="{005A96A6-7D03-F048-AE18-D87857054C9B}" presName="hierChild5" presStyleCnt="0"/>
-      <dgm:spPr/>
-    </dgm:pt>
-    <dgm:pt modelId="{ED900703-6880-3B4F-82BD-19DAB2FBB4F0}" type="pres">
-      <dgm:prSet presAssocID="{5A77C950-58ED-E548-A254-D4EA97B8DB15}" presName="hierChild5" presStyleCnt="0"/>
-      <dgm:spPr/>
-    </dgm:pt>
-    <dgm:pt modelId="{F492C2A0-D535-5A49-B715-B16C213DFE91}" type="pres">
-      <dgm:prSet presAssocID="{0856A3C7-E4A8-5141-A50D-3168D91ED601}" presName="Name37" presStyleLbl="parChTrans1D2" presStyleIdx="1" presStyleCnt="5"/>
-      <dgm:spPr/>
-    </dgm:pt>
-    <dgm:pt modelId="{CAEA2BE3-CE4A-7346-BF17-31B0A5758F47}" type="pres">
-      <dgm:prSet presAssocID="{050449A4-EB5B-644F-ACCE-25A388C40F65}" presName="hierRoot2" presStyleCnt="0">
+    <dgm:pt modelId="{C4CAC12C-F61F-1749-9453-65047AEB73DD}" type="pres">
+      <dgm:prSet presAssocID="{5A77C950-58ED-E548-A254-D4EA97B8DB15}" presName="hierRoot2" presStyleCnt="0">
         <dgm:presLayoutVars>
           <dgm:hierBranch val="init"/>
         </dgm:presLayoutVars>
       </dgm:prSet>
       <dgm:spPr/>
     </dgm:pt>
-    <dgm:pt modelId="{40EB8482-E8A5-CF43-83D5-959473904F8D}" type="pres">
-      <dgm:prSet presAssocID="{050449A4-EB5B-644F-ACCE-25A388C40F65}" presName="rootComposite" presStyleCnt="0"/>
-      <dgm:spPr/>
-    </dgm:pt>
-    <dgm:pt modelId="{CB6DDF3B-79E1-6743-80EC-104FB86CFD6A}" type="pres">
-      <dgm:prSet presAssocID="{050449A4-EB5B-644F-ACCE-25A388C40F65}" presName="rootText" presStyleLbl="node2" presStyleIdx="1" presStyleCnt="5">
+    <dgm:pt modelId="{A26B1393-4C9C-0046-9775-6D3AC120B159}" type="pres">
+      <dgm:prSet presAssocID="{5A77C950-58ED-E548-A254-D4EA97B8DB15}" presName="rootComposite" presStyleCnt="0"/>
+      <dgm:spPr/>
+    </dgm:pt>
+    <dgm:pt modelId="{83000BA2-0869-A64A-985B-FD0145E6032E}" type="pres">
+      <dgm:prSet presAssocID="{5A77C950-58ED-E548-A254-D4EA97B8DB15}" presName="rootText" presStyleLbl="node2" presStyleIdx="0" presStyleCnt="5">
         <dgm:presLayoutVars>
           <dgm:chPref val="3"/>
         </dgm:presLayoutVars>
@@ -4193,36 +4138,8 @@
         </a:p>
       </dgm:t>
     </dgm:pt>
-    <dgm:pt modelId="{7D5AA04B-9F18-654E-AEF4-9063D72014D0}" type="pres">
-      <dgm:prSet presAssocID="{050449A4-EB5B-644F-ACCE-25A388C40F65}" presName="rootConnector" presStyleLbl="node2" presStyleIdx="1" presStyleCnt="5"/>
-      <dgm:spPr/>
-    </dgm:pt>
-    <dgm:pt modelId="{1D877D85-5B87-B846-A727-9C2B1A2C3043}" type="pres">
-      <dgm:prSet presAssocID="{050449A4-EB5B-644F-ACCE-25A388C40F65}" presName="hierChild4" presStyleCnt="0"/>
-      <dgm:spPr/>
-    </dgm:pt>
-    <dgm:pt modelId="{388624FC-1E86-734B-B8C6-A10CB975BDC3}" type="pres">
-      <dgm:prSet presAssocID="{9E28A5D1-B308-D544-A128-464446C84491}" presName="Name37" presStyleLbl="parChTrans1D3" presStyleIdx="5" presStyleCnt="9"/>
-      <dgm:spPr/>
-    </dgm:pt>
-    <dgm:pt modelId="{7AF4DA5B-9FFB-9342-9C17-A1CCEBFE4C30}" type="pres">
-      <dgm:prSet presAssocID="{48AA78DC-6E73-1946-8BE8-6F2203654B7C}" presName="hierRoot2" presStyleCnt="0">
-        <dgm:presLayoutVars>
-          <dgm:hierBranch val="init"/>
-        </dgm:presLayoutVars>
-      </dgm:prSet>
-      <dgm:spPr/>
-    </dgm:pt>
-    <dgm:pt modelId="{C1B00688-C7B4-1D44-A527-B57CA7BBDDA2}" type="pres">
-      <dgm:prSet presAssocID="{48AA78DC-6E73-1946-8BE8-6F2203654B7C}" presName="rootComposite" presStyleCnt="0"/>
-      <dgm:spPr/>
-    </dgm:pt>
-    <dgm:pt modelId="{55101633-7750-6248-B6C0-5F8DCCD35719}" type="pres">
-      <dgm:prSet presAssocID="{48AA78DC-6E73-1946-8BE8-6F2203654B7C}" presName="rootText" presStyleLbl="node3" presStyleIdx="5" presStyleCnt="9">
-        <dgm:presLayoutVars>
-          <dgm:chPref val="3"/>
-        </dgm:presLayoutVars>
-      </dgm:prSet>
+    <dgm:pt modelId="{65B1000F-16D1-7642-A8B7-9272DD88B9B1}" type="pres">
+      <dgm:prSet presAssocID="{5A77C950-58ED-E548-A254-D4EA97B8DB15}" presName="rootConnector" presStyleLbl="node2" presStyleIdx="0" presStyleCnt="5"/>
       <dgm:spPr/>
       <dgm:t>
         <a:bodyPr/>
@@ -4232,76 +4149,12 @@
         </a:p>
       </dgm:t>
     </dgm:pt>
-    <dgm:pt modelId="{5733AAED-D4F4-DA44-9984-54986C9D5363}" type="pres">
-      <dgm:prSet presAssocID="{48AA78DC-6E73-1946-8BE8-6F2203654B7C}" presName="rootConnector" presStyleLbl="node3" presStyleIdx="5" presStyleCnt="9"/>
-      <dgm:spPr/>
-    </dgm:pt>
-    <dgm:pt modelId="{839286B8-AC1F-9845-9C00-D4537BB3A0B4}" type="pres">
-      <dgm:prSet presAssocID="{48AA78DC-6E73-1946-8BE8-6F2203654B7C}" presName="hierChild4" presStyleCnt="0"/>
-      <dgm:spPr/>
-    </dgm:pt>
-    <dgm:pt modelId="{EEA85F27-95E8-554C-BAFF-E52C6C881F6E}" type="pres">
-      <dgm:prSet presAssocID="{48AA78DC-6E73-1946-8BE8-6F2203654B7C}" presName="hierChild5" presStyleCnt="0"/>
-      <dgm:spPr/>
-    </dgm:pt>
-    <dgm:pt modelId="{D9B1CFCD-3F74-004F-BE67-4835C51C0A37}" type="pres">
-      <dgm:prSet presAssocID="{050449A4-EB5B-644F-ACCE-25A388C40F65}" presName="hierChild5" presStyleCnt="0"/>
-      <dgm:spPr/>
-    </dgm:pt>
-    <dgm:pt modelId="{07EF9321-D2E9-A943-9556-8A863B7941ED}" type="pres">
-      <dgm:prSet presAssocID="{D7FF67C8-1A43-E240-9F32-8CC5AF65C090}" presName="Name37" presStyleLbl="parChTrans1D2" presStyleIdx="2" presStyleCnt="5"/>
-      <dgm:spPr/>
-    </dgm:pt>
-    <dgm:pt modelId="{9A721CA0-90E1-C349-9792-F0F145DE520A}" type="pres">
-      <dgm:prSet presAssocID="{1E4E5730-1D62-424B-88DC-A598FAA90032}" presName="hierRoot2" presStyleCnt="0">
-        <dgm:presLayoutVars>
-          <dgm:hierBranch val="init"/>
-        </dgm:presLayoutVars>
-      </dgm:prSet>
-      <dgm:spPr/>
-    </dgm:pt>
-    <dgm:pt modelId="{0768AAC1-642D-7C45-ACB3-6879AA9EFEBF}" type="pres">
-      <dgm:prSet presAssocID="{1E4E5730-1D62-424B-88DC-A598FAA90032}" presName="rootComposite" presStyleCnt="0"/>
-      <dgm:spPr/>
-    </dgm:pt>
-    <dgm:pt modelId="{7CC73BFE-A525-1841-9C46-B24530BAED35}" type="pres">
-      <dgm:prSet presAssocID="{1E4E5730-1D62-424B-88DC-A598FAA90032}" presName="rootText" presStyleLbl="node2" presStyleIdx="2" presStyleCnt="5">
-        <dgm:presLayoutVars>
-          <dgm:chPref val="3"/>
-        </dgm:presLayoutVars>
-      </dgm:prSet>
-      <dgm:spPr/>
-    </dgm:pt>
-    <dgm:pt modelId="{0DFBCC65-40E4-B340-B677-A3DBC0B288DB}" type="pres">
-      <dgm:prSet presAssocID="{1E4E5730-1D62-424B-88DC-A598FAA90032}" presName="rootConnector" presStyleLbl="node2" presStyleIdx="2" presStyleCnt="5"/>
-      <dgm:spPr/>
-    </dgm:pt>
-    <dgm:pt modelId="{764A68A2-CD94-5B4A-907A-1E95E96F9AFE}" type="pres">
-      <dgm:prSet presAssocID="{1E4E5730-1D62-424B-88DC-A598FAA90032}" presName="hierChild4" presStyleCnt="0"/>
-      <dgm:spPr/>
-    </dgm:pt>
-    <dgm:pt modelId="{06EFD6FF-1C9C-E245-952A-796D107C5434}" type="pres">
-      <dgm:prSet presAssocID="{BAF56933-C328-BA4B-9221-814B34620281}" presName="Name37" presStyleLbl="parChTrans1D3" presStyleIdx="6" presStyleCnt="9"/>
-      <dgm:spPr/>
-    </dgm:pt>
-    <dgm:pt modelId="{C13F96E5-4EB5-3E41-A6B3-E77D5B01E63B}" type="pres">
-      <dgm:prSet presAssocID="{CBC573EF-E90D-6347-809E-E401648278E2}" presName="hierRoot2" presStyleCnt="0">
-        <dgm:presLayoutVars>
-          <dgm:hierBranch val="init"/>
-        </dgm:presLayoutVars>
-      </dgm:prSet>
-      <dgm:spPr/>
-    </dgm:pt>
-    <dgm:pt modelId="{DA7D9896-46CB-364E-AD47-8C5D2AC82D8A}" type="pres">
-      <dgm:prSet presAssocID="{CBC573EF-E90D-6347-809E-E401648278E2}" presName="rootComposite" presStyleCnt="0"/>
-      <dgm:spPr/>
-    </dgm:pt>
-    <dgm:pt modelId="{7FE06AB2-EA71-9641-A603-15234D0AE5DE}" type="pres">
-      <dgm:prSet presAssocID="{CBC573EF-E90D-6347-809E-E401648278E2}" presName="rootText" presStyleLbl="node3" presStyleIdx="6" presStyleCnt="9">
-        <dgm:presLayoutVars>
-          <dgm:chPref val="3"/>
-        </dgm:presLayoutVars>
-      </dgm:prSet>
+    <dgm:pt modelId="{46441450-ABD0-CF43-A8F5-79709C682E19}" type="pres">
+      <dgm:prSet presAssocID="{5A77C950-58ED-E548-A254-D4EA97B8DB15}" presName="hierChild4" presStyleCnt="0"/>
+      <dgm:spPr/>
+    </dgm:pt>
+    <dgm:pt modelId="{0C9F4A48-45F6-AA4D-96BF-688E71308A31}" type="pres">
+      <dgm:prSet presAssocID="{380FE599-D771-7347-837E-5040B6D7859B}" presName="Name37" presStyleLbl="parChTrans1D3" presStyleIdx="0" presStyleCnt="9"/>
       <dgm:spPr/>
       <dgm:t>
         <a:bodyPr/>
@@ -4311,76 +4164,20 @@
         </a:p>
       </dgm:t>
     </dgm:pt>
-    <dgm:pt modelId="{65799993-F98E-F941-9623-93A3736C5ECC}" type="pres">
-      <dgm:prSet presAssocID="{CBC573EF-E90D-6347-809E-E401648278E2}" presName="rootConnector" presStyleLbl="node3" presStyleIdx="6" presStyleCnt="9"/>
-      <dgm:spPr/>
-    </dgm:pt>
-    <dgm:pt modelId="{80125913-DB8C-1A46-833B-DF435C4D3DED}" type="pres">
-      <dgm:prSet presAssocID="{CBC573EF-E90D-6347-809E-E401648278E2}" presName="hierChild4" presStyleCnt="0"/>
-      <dgm:spPr/>
-    </dgm:pt>
-    <dgm:pt modelId="{E2A13E4D-F3EB-2349-86B9-23C9A0D5C792}" type="pres">
-      <dgm:prSet presAssocID="{CBC573EF-E90D-6347-809E-E401648278E2}" presName="hierChild5" presStyleCnt="0"/>
-      <dgm:spPr/>
-    </dgm:pt>
-    <dgm:pt modelId="{15FFE189-9009-F643-878C-0386AFB1963B}" type="pres">
-      <dgm:prSet presAssocID="{D58907CA-3CBD-F14B-BADB-F5DBAF578C77}" presName="Name37" presStyleLbl="parChTrans1D3" presStyleIdx="7" presStyleCnt="9"/>
-      <dgm:spPr/>
-    </dgm:pt>
-    <dgm:pt modelId="{881BDF25-BEB8-E748-AC8B-D39075E2C978}" type="pres">
-      <dgm:prSet presAssocID="{F9CD00FE-3567-AE46-85C7-48884CD17D00}" presName="hierRoot2" presStyleCnt="0">
+    <dgm:pt modelId="{4FB3FD7A-7873-A147-8CAA-E050F8BF9FA6}" type="pres">
+      <dgm:prSet presAssocID="{B7DE1BDB-6633-A442-9076-6077D2DB73F9}" presName="hierRoot2" presStyleCnt="0">
         <dgm:presLayoutVars>
           <dgm:hierBranch val="init"/>
         </dgm:presLayoutVars>
       </dgm:prSet>
       <dgm:spPr/>
     </dgm:pt>
-    <dgm:pt modelId="{B0FAC84B-AE86-3D4E-B528-C6EE0B45033B}" type="pres">
-      <dgm:prSet presAssocID="{F9CD00FE-3567-AE46-85C7-48884CD17D00}" presName="rootComposite" presStyleCnt="0"/>
-      <dgm:spPr/>
-    </dgm:pt>
-    <dgm:pt modelId="{A842BD50-3E72-5C41-816A-55632D43A99D}" type="pres">
-      <dgm:prSet presAssocID="{F9CD00FE-3567-AE46-85C7-48884CD17D00}" presName="rootText" presStyleLbl="node3" presStyleIdx="7" presStyleCnt="9">
-        <dgm:presLayoutVars>
-          <dgm:chPref val="3"/>
-        </dgm:presLayoutVars>
-      </dgm:prSet>
-      <dgm:spPr/>
-    </dgm:pt>
-    <dgm:pt modelId="{68290C39-F1B2-7A42-8EE8-6922B493C2EB}" type="pres">
-      <dgm:prSet presAssocID="{F9CD00FE-3567-AE46-85C7-48884CD17D00}" presName="rootConnector" presStyleLbl="node3" presStyleIdx="7" presStyleCnt="9"/>
-      <dgm:spPr/>
-    </dgm:pt>
-    <dgm:pt modelId="{1336ADF1-397A-B843-B40A-C693561D634D}" type="pres">
-      <dgm:prSet presAssocID="{F9CD00FE-3567-AE46-85C7-48884CD17D00}" presName="hierChild4" presStyleCnt="0"/>
-      <dgm:spPr/>
-    </dgm:pt>
-    <dgm:pt modelId="{453AEB33-0E0B-E94F-9FB9-B86523F19D62}" type="pres">
-      <dgm:prSet presAssocID="{F9CD00FE-3567-AE46-85C7-48884CD17D00}" presName="hierChild5" presStyleCnt="0"/>
-      <dgm:spPr/>
-    </dgm:pt>
-    <dgm:pt modelId="{D2D35FE1-F2AA-9347-9CF9-4D48CD796B7B}" type="pres">
-      <dgm:prSet presAssocID="{1E4E5730-1D62-424B-88DC-A598FAA90032}" presName="hierChild5" presStyleCnt="0"/>
-      <dgm:spPr/>
-    </dgm:pt>
-    <dgm:pt modelId="{A0022CAE-76FC-8A49-96C0-2437950F7D9A}" type="pres">
-      <dgm:prSet presAssocID="{71B89020-FC18-8440-984C-03FD01C87E6A}" presName="Name37" presStyleLbl="parChTrans1D2" presStyleIdx="3" presStyleCnt="5"/>
-      <dgm:spPr/>
-    </dgm:pt>
-    <dgm:pt modelId="{49BF9E0C-BF18-394A-BA4A-541E06139AA3}" type="pres">
-      <dgm:prSet presAssocID="{71163973-4991-8548-A614-1741D0E7A526}" presName="hierRoot2" presStyleCnt="0">
-        <dgm:presLayoutVars>
-          <dgm:hierBranch val="init"/>
-        </dgm:presLayoutVars>
-      </dgm:prSet>
-      <dgm:spPr/>
-    </dgm:pt>
-    <dgm:pt modelId="{34EBE180-6C81-BF49-A986-AE651A3BDD95}" type="pres">
-      <dgm:prSet presAssocID="{71163973-4991-8548-A614-1741D0E7A526}" presName="rootComposite" presStyleCnt="0"/>
-      <dgm:spPr/>
-    </dgm:pt>
-    <dgm:pt modelId="{B4E24BE5-47F4-B24C-9630-08523CC43C14}" type="pres">
-      <dgm:prSet presAssocID="{71163973-4991-8548-A614-1741D0E7A526}" presName="rootText" presStyleLbl="node2" presStyleIdx="3" presStyleCnt="5">
+    <dgm:pt modelId="{91D3692F-468C-D74D-817C-E8B7276D73B2}" type="pres">
+      <dgm:prSet presAssocID="{B7DE1BDB-6633-A442-9076-6077D2DB73F9}" presName="rootComposite" presStyleCnt="0"/>
+      <dgm:spPr/>
+    </dgm:pt>
+    <dgm:pt modelId="{7BE81116-1A67-F947-B03E-A96F3A736855}" type="pres">
+      <dgm:prSet presAssocID="{B7DE1BDB-6633-A442-9076-6077D2DB73F9}" presName="rootText" presStyleLbl="node3" presStyleIdx="0" presStyleCnt="9">
         <dgm:presLayoutVars>
           <dgm:chPref val="3"/>
         </dgm:presLayoutVars>
@@ -4394,36 +4191,8 @@
         </a:p>
       </dgm:t>
     </dgm:pt>
-    <dgm:pt modelId="{CEFBC386-D7DB-A64B-AE2B-1E2E225A5FA2}" type="pres">
-      <dgm:prSet presAssocID="{71163973-4991-8548-A614-1741D0E7A526}" presName="rootConnector" presStyleLbl="node2" presStyleIdx="3" presStyleCnt="5"/>
-      <dgm:spPr/>
-    </dgm:pt>
-    <dgm:pt modelId="{15A1E6B1-67CA-CC4C-8FBC-E4BA4F2CABA7}" type="pres">
-      <dgm:prSet presAssocID="{71163973-4991-8548-A614-1741D0E7A526}" presName="hierChild4" presStyleCnt="0"/>
-      <dgm:spPr/>
-    </dgm:pt>
-    <dgm:pt modelId="{08E95A04-6C00-AD46-BA0D-93623E8A7438}" type="pres">
-      <dgm:prSet presAssocID="{B89227FD-4289-6947-B555-D133AAFB6088}" presName="Name37" presStyleLbl="parChTrans1D3" presStyleIdx="8" presStyleCnt="9"/>
-      <dgm:spPr/>
-    </dgm:pt>
-    <dgm:pt modelId="{7B873D88-0D90-8B41-8436-C3E80CFA31CD}" type="pres">
-      <dgm:prSet presAssocID="{A73FFB69-14B0-804E-97F0-BB38C83B0F5A}" presName="hierRoot2" presStyleCnt="0">
-        <dgm:presLayoutVars>
-          <dgm:hierBranch val="init"/>
-        </dgm:presLayoutVars>
-      </dgm:prSet>
-      <dgm:spPr/>
-    </dgm:pt>
-    <dgm:pt modelId="{578A4481-6120-6D4C-ADE2-703DED5D4166}" type="pres">
-      <dgm:prSet presAssocID="{A73FFB69-14B0-804E-97F0-BB38C83B0F5A}" presName="rootComposite" presStyleCnt="0"/>
-      <dgm:spPr/>
-    </dgm:pt>
-    <dgm:pt modelId="{7791F5FA-0C0E-0A4F-8160-FC27C2C4D6AD}" type="pres">
-      <dgm:prSet presAssocID="{A73FFB69-14B0-804E-97F0-BB38C83B0F5A}" presName="rootText" presStyleLbl="node3" presStyleIdx="8" presStyleCnt="9">
-        <dgm:presLayoutVars>
-          <dgm:chPref val="3"/>
-        </dgm:presLayoutVars>
-      </dgm:prSet>
+    <dgm:pt modelId="{EB26B174-9B20-834F-8856-9BB58900F541}" type="pres">
+      <dgm:prSet presAssocID="{B7DE1BDB-6633-A442-9076-6077D2DB73F9}" presName="rootConnector" presStyleLbl="node3" presStyleIdx="0" presStyleCnt="9"/>
       <dgm:spPr/>
       <dgm:t>
         <a:bodyPr/>
@@ -4433,44 +4202,16 @@
         </a:p>
       </dgm:t>
     </dgm:pt>
-    <dgm:pt modelId="{624BD0AB-AD37-A640-921B-C26138EEAC16}" type="pres">
-      <dgm:prSet presAssocID="{A73FFB69-14B0-804E-97F0-BB38C83B0F5A}" presName="rootConnector" presStyleLbl="node3" presStyleIdx="8" presStyleCnt="9"/>
-      <dgm:spPr/>
-    </dgm:pt>
-    <dgm:pt modelId="{84C85835-AD34-7148-BF59-6345CCAAC3F8}" type="pres">
-      <dgm:prSet presAssocID="{A73FFB69-14B0-804E-97F0-BB38C83B0F5A}" presName="hierChild4" presStyleCnt="0"/>
-      <dgm:spPr/>
-    </dgm:pt>
-    <dgm:pt modelId="{7BF02DF9-3650-024A-BE9D-26BC876C9072}" type="pres">
-      <dgm:prSet presAssocID="{A73FFB69-14B0-804E-97F0-BB38C83B0F5A}" presName="hierChild5" presStyleCnt="0"/>
-      <dgm:spPr/>
-    </dgm:pt>
-    <dgm:pt modelId="{83A5766A-54C4-3046-A2D0-88F303B46822}" type="pres">
-      <dgm:prSet presAssocID="{71163973-4991-8548-A614-1741D0E7A526}" presName="hierChild5" presStyleCnt="0"/>
-      <dgm:spPr/>
-    </dgm:pt>
-    <dgm:pt modelId="{7E4A15C2-BADE-FD4F-955B-C7C3148A56CF}" type="pres">
-      <dgm:prSet presAssocID="{BDB10FF1-16F5-B943-AD2A-7BE14FB1775D}" presName="Name37" presStyleLbl="parChTrans1D2" presStyleIdx="4" presStyleCnt="5"/>
-      <dgm:spPr/>
-    </dgm:pt>
-    <dgm:pt modelId="{CF1278C8-3FA8-C242-AB82-1A38DF2DCCA1}" type="pres">
-      <dgm:prSet presAssocID="{DA7A2C20-F115-3946-8138-BF6A2E13B90A}" presName="hierRoot2" presStyleCnt="0">
-        <dgm:presLayoutVars>
-          <dgm:hierBranch val="init"/>
-        </dgm:presLayoutVars>
-      </dgm:prSet>
-      <dgm:spPr/>
-    </dgm:pt>
-    <dgm:pt modelId="{EE6B1D0A-A74C-9545-AECE-E4F982601EA7}" type="pres">
-      <dgm:prSet presAssocID="{DA7A2C20-F115-3946-8138-BF6A2E13B90A}" presName="rootComposite" presStyleCnt="0"/>
-      <dgm:spPr/>
-    </dgm:pt>
-    <dgm:pt modelId="{A99EF92C-53D6-FD40-B2DC-FD21D32A0E3A}" type="pres">
-      <dgm:prSet presAssocID="{DA7A2C20-F115-3946-8138-BF6A2E13B90A}" presName="rootText" presStyleLbl="node2" presStyleIdx="4" presStyleCnt="5">
-        <dgm:presLayoutVars>
-          <dgm:chPref val="3"/>
-        </dgm:presLayoutVars>
-      </dgm:prSet>
+    <dgm:pt modelId="{781B749A-2AD3-B148-BC31-A4A47D5A30C1}" type="pres">
+      <dgm:prSet presAssocID="{B7DE1BDB-6633-A442-9076-6077D2DB73F9}" presName="hierChild4" presStyleCnt="0"/>
+      <dgm:spPr/>
+    </dgm:pt>
+    <dgm:pt modelId="{A064E946-BF4F-3A46-83C6-E247FD164459}" type="pres">
+      <dgm:prSet presAssocID="{B7DE1BDB-6633-A442-9076-6077D2DB73F9}" presName="hierChild5" presStyleCnt="0"/>
+      <dgm:spPr/>
+    </dgm:pt>
+    <dgm:pt modelId="{53E79E27-8301-6D41-B26D-17F46A72DE7D}" type="pres">
+      <dgm:prSet presAssocID="{6839F260-6BA1-4346-B3A0-03DA9D6E30F9}" presName="Name37" presStyleLbl="parChTrans1D3" presStyleIdx="1" presStyleCnt="9"/>
       <dgm:spPr/>
       <dgm:t>
         <a:bodyPr/>
@@ -4480,9 +4221,674 @@
         </a:p>
       </dgm:t>
     </dgm:pt>
+    <dgm:pt modelId="{B72FD5A8-2FB6-9A49-996D-20740CAC5398}" type="pres">
+      <dgm:prSet presAssocID="{6155CF2C-7977-D14D-99D6-F5A1262B6548}" presName="hierRoot2" presStyleCnt="0">
+        <dgm:presLayoutVars>
+          <dgm:hierBranch val="init"/>
+        </dgm:presLayoutVars>
+      </dgm:prSet>
+      <dgm:spPr/>
+    </dgm:pt>
+    <dgm:pt modelId="{6369201B-6B0A-684B-BD7D-B639265609B8}" type="pres">
+      <dgm:prSet presAssocID="{6155CF2C-7977-D14D-99D6-F5A1262B6548}" presName="rootComposite" presStyleCnt="0"/>
+      <dgm:spPr/>
+    </dgm:pt>
+    <dgm:pt modelId="{C16F8266-96DA-4348-827B-FB5031B737D0}" type="pres">
+      <dgm:prSet presAssocID="{6155CF2C-7977-D14D-99D6-F5A1262B6548}" presName="rootText" presStyleLbl="node3" presStyleIdx="1" presStyleCnt="9">
+        <dgm:presLayoutVars>
+          <dgm:chPref val="3"/>
+        </dgm:presLayoutVars>
+      </dgm:prSet>
+      <dgm:spPr/>
+      <dgm:t>
+        <a:bodyPr/>
+        <a:lstStyle/>
+        <a:p>
+          <a:endParaRPr lang="zh-TW" altLang="en-US"/>
+        </a:p>
+      </dgm:t>
+    </dgm:pt>
+    <dgm:pt modelId="{CD77DF7A-9D93-7741-BECC-8DB44EFD3EF3}" type="pres">
+      <dgm:prSet presAssocID="{6155CF2C-7977-D14D-99D6-F5A1262B6548}" presName="rootConnector" presStyleLbl="node3" presStyleIdx="1" presStyleCnt="9"/>
+      <dgm:spPr/>
+      <dgm:t>
+        <a:bodyPr/>
+        <a:lstStyle/>
+        <a:p>
+          <a:endParaRPr lang="zh-TW" altLang="en-US"/>
+        </a:p>
+      </dgm:t>
+    </dgm:pt>
+    <dgm:pt modelId="{927DDFE0-EA26-CB4C-8DC9-3B31C552F0DF}" type="pres">
+      <dgm:prSet presAssocID="{6155CF2C-7977-D14D-99D6-F5A1262B6548}" presName="hierChild4" presStyleCnt="0"/>
+      <dgm:spPr/>
+    </dgm:pt>
+    <dgm:pt modelId="{2CC10ECB-B848-3242-A6EC-CEB035C54DA3}" type="pres">
+      <dgm:prSet presAssocID="{6155CF2C-7977-D14D-99D6-F5A1262B6548}" presName="hierChild5" presStyleCnt="0"/>
+      <dgm:spPr/>
+    </dgm:pt>
+    <dgm:pt modelId="{44596B05-93D3-7146-88F3-77AD5CF63CD4}" type="pres">
+      <dgm:prSet presAssocID="{24818FBC-AEF6-9448-82AE-EAE149309BFC}" presName="Name37" presStyleLbl="parChTrans1D3" presStyleIdx="2" presStyleCnt="9"/>
+      <dgm:spPr/>
+      <dgm:t>
+        <a:bodyPr/>
+        <a:lstStyle/>
+        <a:p>
+          <a:endParaRPr lang="zh-TW" altLang="en-US"/>
+        </a:p>
+      </dgm:t>
+    </dgm:pt>
+    <dgm:pt modelId="{74C80CBC-118B-0642-B4E8-9A45669DD1B5}" type="pres">
+      <dgm:prSet presAssocID="{11BE08E0-8BD3-8241-AA31-5D3C8BAE883E}" presName="hierRoot2" presStyleCnt="0">
+        <dgm:presLayoutVars>
+          <dgm:hierBranch val="init"/>
+        </dgm:presLayoutVars>
+      </dgm:prSet>
+      <dgm:spPr/>
+    </dgm:pt>
+    <dgm:pt modelId="{A631488B-BD4A-2E4A-B207-2A4542085458}" type="pres">
+      <dgm:prSet presAssocID="{11BE08E0-8BD3-8241-AA31-5D3C8BAE883E}" presName="rootComposite" presStyleCnt="0"/>
+      <dgm:spPr/>
+    </dgm:pt>
+    <dgm:pt modelId="{EDE66430-21B6-8D4B-8624-309DA73F0538}" type="pres">
+      <dgm:prSet presAssocID="{11BE08E0-8BD3-8241-AA31-5D3C8BAE883E}" presName="rootText" presStyleLbl="node3" presStyleIdx="2" presStyleCnt="9">
+        <dgm:presLayoutVars>
+          <dgm:chPref val="3"/>
+        </dgm:presLayoutVars>
+      </dgm:prSet>
+      <dgm:spPr/>
+      <dgm:t>
+        <a:bodyPr/>
+        <a:lstStyle/>
+        <a:p>
+          <a:endParaRPr lang="zh-TW" altLang="en-US"/>
+        </a:p>
+      </dgm:t>
+    </dgm:pt>
+    <dgm:pt modelId="{EC42C478-3B14-3A43-AD41-CD4F28BC5D3D}" type="pres">
+      <dgm:prSet presAssocID="{11BE08E0-8BD3-8241-AA31-5D3C8BAE883E}" presName="rootConnector" presStyleLbl="node3" presStyleIdx="2" presStyleCnt="9"/>
+      <dgm:spPr/>
+      <dgm:t>
+        <a:bodyPr/>
+        <a:lstStyle/>
+        <a:p>
+          <a:endParaRPr lang="zh-TW" altLang="en-US"/>
+        </a:p>
+      </dgm:t>
+    </dgm:pt>
+    <dgm:pt modelId="{C22436BC-FBB6-4F4B-B45C-D8307501950F}" type="pres">
+      <dgm:prSet presAssocID="{11BE08E0-8BD3-8241-AA31-5D3C8BAE883E}" presName="hierChild4" presStyleCnt="0"/>
+      <dgm:spPr/>
+    </dgm:pt>
+    <dgm:pt modelId="{A0968C2A-7E31-6147-A758-5B82D7DC360D}" type="pres">
+      <dgm:prSet presAssocID="{11BE08E0-8BD3-8241-AA31-5D3C8BAE883E}" presName="hierChild5" presStyleCnt="0"/>
+      <dgm:spPr/>
+    </dgm:pt>
+    <dgm:pt modelId="{6A262A8B-7DC7-7246-A71C-744ED839A856}" type="pres">
+      <dgm:prSet presAssocID="{DB470F67-F9F6-C04F-A5A8-D006899BBC48}" presName="Name37" presStyleLbl="parChTrans1D3" presStyleIdx="3" presStyleCnt="9"/>
+      <dgm:spPr/>
+      <dgm:t>
+        <a:bodyPr/>
+        <a:lstStyle/>
+        <a:p>
+          <a:endParaRPr lang="zh-TW" altLang="en-US"/>
+        </a:p>
+      </dgm:t>
+    </dgm:pt>
+    <dgm:pt modelId="{0A6D4713-64F6-4847-BB1D-8F6811ED8E4C}" type="pres">
+      <dgm:prSet presAssocID="{FF11A2BF-9380-DC4E-A16D-B170C89A5F01}" presName="hierRoot2" presStyleCnt="0">
+        <dgm:presLayoutVars>
+          <dgm:hierBranch val="init"/>
+        </dgm:presLayoutVars>
+      </dgm:prSet>
+      <dgm:spPr/>
+    </dgm:pt>
+    <dgm:pt modelId="{04FA09B8-83BC-7944-9811-999D5403D7CD}" type="pres">
+      <dgm:prSet presAssocID="{FF11A2BF-9380-DC4E-A16D-B170C89A5F01}" presName="rootComposite" presStyleCnt="0"/>
+      <dgm:spPr/>
+    </dgm:pt>
+    <dgm:pt modelId="{8F5D0854-A50A-2A4B-B05F-04FE902D5672}" type="pres">
+      <dgm:prSet presAssocID="{FF11A2BF-9380-DC4E-A16D-B170C89A5F01}" presName="rootText" presStyleLbl="node3" presStyleIdx="3" presStyleCnt="9">
+        <dgm:presLayoutVars>
+          <dgm:chPref val="3"/>
+        </dgm:presLayoutVars>
+      </dgm:prSet>
+      <dgm:spPr/>
+      <dgm:t>
+        <a:bodyPr/>
+        <a:lstStyle/>
+        <a:p>
+          <a:endParaRPr lang="zh-TW" altLang="en-US"/>
+        </a:p>
+      </dgm:t>
+    </dgm:pt>
+    <dgm:pt modelId="{81E158C6-78CE-C349-82EF-C1864BF10A73}" type="pres">
+      <dgm:prSet presAssocID="{FF11A2BF-9380-DC4E-A16D-B170C89A5F01}" presName="rootConnector" presStyleLbl="node3" presStyleIdx="3" presStyleCnt="9"/>
+      <dgm:spPr/>
+      <dgm:t>
+        <a:bodyPr/>
+        <a:lstStyle/>
+        <a:p>
+          <a:endParaRPr lang="zh-TW" altLang="en-US"/>
+        </a:p>
+      </dgm:t>
+    </dgm:pt>
+    <dgm:pt modelId="{F1F35F00-2570-9D4F-8837-99EB0C27E28F}" type="pres">
+      <dgm:prSet presAssocID="{FF11A2BF-9380-DC4E-A16D-B170C89A5F01}" presName="hierChild4" presStyleCnt="0"/>
+      <dgm:spPr/>
+    </dgm:pt>
+    <dgm:pt modelId="{D8B444E0-A432-F74B-9D86-4B066C36CBDB}" type="pres">
+      <dgm:prSet presAssocID="{FF11A2BF-9380-DC4E-A16D-B170C89A5F01}" presName="hierChild5" presStyleCnt="0"/>
+      <dgm:spPr/>
+    </dgm:pt>
+    <dgm:pt modelId="{7401CD6B-2EC8-8B49-B706-725F8DBDACBF}" type="pres">
+      <dgm:prSet presAssocID="{3B092136-6835-304E-AC51-D9BC322545E9}" presName="Name37" presStyleLbl="parChTrans1D3" presStyleIdx="4" presStyleCnt="9"/>
+      <dgm:spPr/>
+      <dgm:t>
+        <a:bodyPr/>
+        <a:lstStyle/>
+        <a:p>
+          <a:endParaRPr lang="zh-TW" altLang="en-US"/>
+        </a:p>
+      </dgm:t>
+    </dgm:pt>
+    <dgm:pt modelId="{59F1190B-A883-394B-A00B-2C837A55ED55}" type="pres">
+      <dgm:prSet presAssocID="{005A96A6-7D03-F048-AE18-D87857054C9B}" presName="hierRoot2" presStyleCnt="0">
+        <dgm:presLayoutVars>
+          <dgm:hierBranch val="init"/>
+        </dgm:presLayoutVars>
+      </dgm:prSet>
+      <dgm:spPr/>
+    </dgm:pt>
+    <dgm:pt modelId="{B57129D3-80A4-AE4A-AC70-22ED18D5E760}" type="pres">
+      <dgm:prSet presAssocID="{005A96A6-7D03-F048-AE18-D87857054C9B}" presName="rootComposite" presStyleCnt="0"/>
+      <dgm:spPr/>
+    </dgm:pt>
+    <dgm:pt modelId="{706ABE28-3B9D-004B-A68F-FA1089A611C6}" type="pres">
+      <dgm:prSet presAssocID="{005A96A6-7D03-F048-AE18-D87857054C9B}" presName="rootText" presStyleLbl="node3" presStyleIdx="4" presStyleCnt="9">
+        <dgm:presLayoutVars>
+          <dgm:chPref val="3"/>
+        </dgm:presLayoutVars>
+      </dgm:prSet>
+      <dgm:spPr/>
+      <dgm:t>
+        <a:bodyPr/>
+        <a:lstStyle/>
+        <a:p>
+          <a:endParaRPr lang="zh-TW" altLang="en-US"/>
+        </a:p>
+      </dgm:t>
+    </dgm:pt>
+    <dgm:pt modelId="{AA84DF84-70A7-324A-84C2-0E440BA96E4E}" type="pres">
+      <dgm:prSet presAssocID="{005A96A6-7D03-F048-AE18-D87857054C9B}" presName="rootConnector" presStyleLbl="node3" presStyleIdx="4" presStyleCnt="9"/>
+      <dgm:spPr/>
+      <dgm:t>
+        <a:bodyPr/>
+        <a:lstStyle/>
+        <a:p>
+          <a:endParaRPr lang="zh-TW" altLang="en-US"/>
+        </a:p>
+      </dgm:t>
+    </dgm:pt>
+    <dgm:pt modelId="{010D1575-9343-8B4C-9B50-1C7A14D37F93}" type="pres">
+      <dgm:prSet presAssocID="{005A96A6-7D03-F048-AE18-D87857054C9B}" presName="hierChild4" presStyleCnt="0"/>
+      <dgm:spPr/>
+    </dgm:pt>
+    <dgm:pt modelId="{755278C6-C3AD-A646-BB85-B52CE8DF03DE}" type="pres">
+      <dgm:prSet presAssocID="{005A96A6-7D03-F048-AE18-D87857054C9B}" presName="hierChild5" presStyleCnt="0"/>
+      <dgm:spPr/>
+    </dgm:pt>
+    <dgm:pt modelId="{ED900703-6880-3B4F-82BD-19DAB2FBB4F0}" type="pres">
+      <dgm:prSet presAssocID="{5A77C950-58ED-E548-A254-D4EA97B8DB15}" presName="hierChild5" presStyleCnt="0"/>
+      <dgm:spPr/>
+    </dgm:pt>
+    <dgm:pt modelId="{F492C2A0-D535-5A49-B715-B16C213DFE91}" type="pres">
+      <dgm:prSet presAssocID="{0856A3C7-E4A8-5141-A50D-3168D91ED601}" presName="Name37" presStyleLbl="parChTrans1D2" presStyleIdx="1" presStyleCnt="5"/>
+      <dgm:spPr/>
+      <dgm:t>
+        <a:bodyPr/>
+        <a:lstStyle/>
+        <a:p>
+          <a:endParaRPr lang="zh-TW" altLang="en-US"/>
+        </a:p>
+      </dgm:t>
+    </dgm:pt>
+    <dgm:pt modelId="{CAEA2BE3-CE4A-7346-BF17-31B0A5758F47}" type="pres">
+      <dgm:prSet presAssocID="{050449A4-EB5B-644F-ACCE-25A388C40F65}" presName="hierRoot2" presStyleCnt="0">
+        <dgm:presLayoutVars>
+          <dgm:hierBranch val="init"/>
+        </dgm:presLayoutVars>
+      </dgm:prSet>
+      <dgm:spPr/>
+    </dgm:pt>
+    <dgm:pt modelId="{40EB8482-E8A5-CF43-83D5-959473904F8D}" type="pres">
+      <dgm:prSet presAssocID="{050449A4-EB5B-644F-ACCE-25A388C40F65}" presName="rootComposite" presStyleCnt="0"/>
+      <dgm:spPr/>
+    </dgm:pt>
+    <dgm:pt modelId="{CB6DDF3B-79E1-6743-80EC-104FB86CFD6A}" type="pres">
+      <dgm:prSet presAssocID="{050449A4-EB5B-644F-ACCE-25A388C40F65}" presName="rootText" presStyleLbl="node2" presStyleIdx="1" presStyleCnt="5">
+        <dgm:presLayoutVars>
+          <dgm:chPref val="3"/>
+        </dgm:presLayoutVars>
+      </dgm:prSet>
+      <dgm:spPr/>
+      <dgm:t>
+        <a:bodyPr/>
+        <a:lstStyle/>
+        <a:p>
+          <a:endParaRPr lang="zh-TW" altLang="en-US"/>
+        </a:p>
+      </dgm:t>
+    </dgm:pt>
+    <dgm:pt modelId="{7D5AA04B-9F18-654E-AEF4-9063D72014D0}" type="pres">
+      <dgm:prSet presAssocID="{050449A4-EB5B-644F-ACCE-25A388C40F65}" presName="rootConnector" presStyleLbl="node2" presStyleIdx="1" presStyleCnt="5"/>
+      <dgm:spPr/>
+      <dgm:t>
+        <a:bodyPr/>
+        <a:lstStyle/>
+        <a:p>
+          <a:endParaRPr lang="zh-TW" altLang="en-US"/>
+        </a:p>
+      </dgm:t>
+    </dgm:pt>
+    <dgm:pt modelId="{1D877D85-5B87-B846-A727-9C2B1A2C3043}" type="pres">
+      <dgm:prSet presAssocID="{050449A4-EB5B-644F-ACCE-25A388C40F65}" presName="hierChild4" presStyleCnt="0"/>
+      <dgm:spPr/>
+    </dgm:pt>
+    <dgm:pt modelId="{388624FC-1E86-734B-B8C6-A10CB975BDC3}" type="pres">
+      <dgm:prSet presAssocID="{9E28A5D1-B308-D544-A128-464446C84491}" presName="Name37" presStyleLbl="parChTrans1D3" presStyleIdx="5" presStyleCnt="9"/>
+      <dgm:spPr/>
+      <dgm:t>
+        <a:bodyPr/>
+        <a:lstStyle/>
+        <a:p>
+          <a:endParaRPr lang="zh-TW" altLang="en-US"/>
+        </a:p>
+      </dgm:t>
+    </dgm:pt>
+    <dgm:pt modelId="{7AF4DA5B-9FFB-9342-9C17-A1CCEBFE4C30}" type="pres">
+      <dgm:prSet presAssocID="{48AA78DC-6E73-1946-8BE8-6F2203654B7C}" presName="hierRoot2" presStyleCnt="0">
+        <dgm:presLayoutVars>
+          <dgm:hierBranch val="init"/>
+        </dgm:presLayoutVars>
+      </dgm:prSet>
+      <dgm:spPr/>
+    </dgm:pt>
+    <dgm:pt modelId="{C1B00688-C7B4-1D44-A527-B57CA7BBDDA2}" type="pres">
+      <dgm:prSet presAssocID="{48AA78DC-6E73-1946-8BE8-6F2203654B7C}" presName="rootComposite" presStyleCnt="0"/>
+      <dgm:spPr/>
+    </dgm:pt>
+    <dgm:pt modelId="{55101633-7750-6248-B6C0-5F8DCCD35719}" type="pres">
+      <dgm:prSet presAssocID="{48AA78DC-6E73-1946-8BE8-6F2203654B7C}" presName="rootText" presStyleLbl="node3" presStyleIdx="5" presStyleCnt="9">
+        <dgm:presLayoutVars>
+          <dgm:chPref val="3"/>
+        </dgm:presLayoutVars>
+      </dgm:prSet>
+      <dgm:spPr/>
+      <dgm:t>
+        <a:bodyPr/>
+        <a:lstStyle/>
+        <a:p>
+          <a:endParaRPr lang="zh-TW" altLang="en-US"/>
+        </a:p>
+      </dgm:t>
+    </dgm:pt>
+    <dgm:pt modelId="{5733AAED-D4F4-DA44-9984-54986C9D5363}" type="pres">
+      <dgm:prSet presAssocID="{48AA78DC-6E73-1946-8BE8-6F2203654B7C}" presName="rootConnector" presStyleLbl="node3" presStyleIdx="5" presStyleCnt="9"/>
+      <dgm:spPr/>
+      <dgm:t>
+        <a:bodyPr/>
+        <a:lstStyle/>
+        <a:p>
+          <a:endParaRPr lang="zh-TW" altLang="en-US"/>
+        </a:p>
+      </dgm:t>
+    </dgm:pt>
+    <dgm:pt modelId="{839286B8-AC1F-9845-9C00-D4537BB3A0B4}" type="pres">
+      <dgm:prSet presAssocID="{48AA78DC-6E73-1946-8BE8-6F2203654B7C}" presName="hierChild4" presStyleCnt="0"/>
+      <dgm:spPr/>
+    </dgm:pt>
+    <dgm:pt modelId="{EEA85F27-95E8-554C-BAFF-E52C6C881F6E}" type="pres">
+      <dgm:prSet presAssocID="{48AA78DC-6E73-1946-8BE8-6F2203654B7C}" presName="hierChild5" presStyleCnt="0"/>
+      <dgm:spPr/>
+    </dgm:pt>
+    <dgm:pt modelId="{D9B1CFCD-3F74-004F-BE67-4835C51C0A37}" type="pres">
+      <dgm:prSet presAssocID="{050449A4-EB5B-644F-ACCE-25A388C40F65}" presName="hierChild5" presStyleCnt="0"/>
+      <dgm:spPr/>
+    </dgm:pt>
+    <dgm:pt modelId="{07EF9321-D2E9-A943-9556-8A863B7941ED}" type="pres">
+      <dgm:prSet presAssocID="{D7FF67C8-1A43-E240-9F32-8CC5AF65C090}" presName="Name37" presStyleLbl="parChTrans1D2" presStyleIdx="2" presStyleCnt="5"/>
+      <dgm:spPr/>
+      <dgm:t>
+        <a:bodyPr/>
+        <a:lstStyle/>
+        <a:p>
+          <a:endParaRPr lang="zh-TW" altLang="en-US"/>
+        </a:p>
+      </dgm:t>
+    </dgm:pt>
+    <dgm:pt modelId="{9A721CA0-90E1-C349-9792-F0F145DE520A}" type="pres">
+      <dgm:prSet presAssocID="{1E4E5730-1D62-424B-88DC-A598FAA90032}" presName="hierRoot2" presStyleCnt="0">
+        <dgm:presLayoutVars>
+          <dgm:hierBranch val="init"/>
+        </dgm:presLayoutVars>
+      </dgm:prSet>
+      <dgm:spPr/>
+    </dgm:pt>
+    <dgm:pt modelId="{0768AAC1-642D-7C45-ACB3-6879AA9EFEBF}" type="pres">
+      <dgm:prSet presAssocID="{1E4E5730-1D62-424B-88DC-A598FAA90032}" presName="rootComposite" presStyleCnt="0"/>
+      <dgm:spPr/>
+    </dgm:pt>
+    <dgm:pt modelId="{7CC73BFE-A525-1841-9C46-B24530BAED35}" type="pres">
+      <dgm:prSet presAssocID="{1E4E5730-1D62-424B-88DC-A598FAA90032}" presName="rootText" presStyleLbl="node2" presStyleIdx="2" presStyleCnt="5">
+        <dgm:presLayoutVars>
+          <dgm:chPref val="3"/>
+        </dgm:presLayoutVars>
+      </dgm:prSet>
+      <dgm:spPr/>
+      <dgm:t>
+        <a:bodyPr/>
+        <a:lstStyle/>
+        <a:p>
+          <a:endParaRPr lang="zh-TW" altLang="en-US"/>
+        </a:p>
+      </dgm:t>
+    </dgm:pt>
+    <dgm:pt modelId="{0DFBCC65-40E4-B340-B677-A3DBC0B288DB}" type="pres">
+      <dgm:prSet presAssocID="{1E4E5730-1D62-424B-88DC-A598FAA90032}" presName="rootConnector" presStyleLbl="node2" presStyleIdx="2" presStyleCnt="5"/>
+      <dgm:spPr/>
+      <dgm:t>
+        <a:bodyPr/>
+        <a:lstStyle/>
+        <a:p>
+          <a:endParaRPr lang="zh-TW" altLang="en-US"/>
+        </a:p>
+      </dgm:t>
+    </dgm:pt>
+    <dgm:pt modelId="{764A68A2-CD94-5B4A-907A-1E95E96F9AFE}" type="pres">
+      <dgm:prSet presAssocID="{1E4E5730-1D62-424B-88DC-A598FAA90032}" presName="hierChild4" presStyleCnt="0"/>
+      <dgm:spPr/>
+    </dgm:pt>
+    <dgm:pt modelId="{06EFD6FF-1C9C-E245-952A-796D107C5434}" type="pres">
+      <dgm:prSet presAssocID="{BAF56933-C328-BA4B-9221-814B34620281}" presName="Name37" presStyleLbl="parChTrans1D3" presStyleIdx="6" presStyleCnt="9"/>
+      <dgm:spPr/>
+      <dgm:t>
+        <a:bodyPr/>
+        <a:lstStyle/>
+        <a:p>
+          <a:endParaRPr lang="zh-TW" altLang="en-US"/>
+        </a:p>
+      </dgm:t>
+    </dgm:pt>
+    <dgm:pt modelId="{C13F96E5-4EB5-3E41-A6B3-E77D5B01E63B}" type="pres">
+      <dgm:prSet presAssocID="{CBC573EF-E90D-6347-809E-E401648278E2}" presName="hierRoot2" presStyleCnt="0">
+        <dgm:presLayoutVars>
+          <dgm:hierBranch val="init"/>
+        </dgm:presLayoutVars>
+      </dgm:prSet>
+      <dgm:spPr/>
+    </dgm:pt>
+    <dgm:pt modelId="{DA7D9896-46CB-364E-AD47-8C5D2AC82D8A}" type="pres">
+      <dgm:prSet presAssocID="{CBC573EF-E90D-6347-809E-E401648278E2}" presName="rootComposite" presStyleCnt="0"/>
+      <dgm:spPr/>
+    </dgm:pt>
+    <dgm:pt modelId="{7FE06AB2-EA71-9641-A603-15234D0AE5DE}" type="pres">
+      <dgm:prSet presAssocID="{CBC573EF-E90D-6347-809E-E401648278E2}" presName="rootText" presStyleLbl="node3" presStyleIdx="6" presStyleCnt="9">
+        <dgm:presLayoutVars>
+          <dgm:chPref val="3"/>
+        </dgm:presLayoutVars>
+      </dgm:prSet>
+      <dgm:spPr/>
+      <dgm:t>
+        <a:bodyPr/>
+        <a:lstStyle/>
+        <a:p>
+          <a:endParaRPr lang="zh-TW" altLang="en-US"/>
+        </a:p>
+      </dgm:t>
+    </dgm:pt>
+    <dgm:pt modelId="{65799993-F98E-F941-9623-93A3736C5ECC}" type="pres">
+      <dgm:prSet presAssocID="{CBC573EF-E90D-6347-809E-E401648278E2}" presName="rootConnector" presStyleLbl="node3" presStyleIdx="6" presStyleCnt="9"/>
+      <dgm:spPr/>
+      <dgm:t>
+        <a:bodyPr/>
+        <a:lstStyle/>
+        <a:p>
+          <a:endParaRPr lang="zh-TW" altLang="en-US"/>
+        </a:p>
+      </dgm:t>
+    </dgm:pt>
+    <dgm:pt modelId="{80125913-DB8C-1A46-833B-DF435C4D3DED}" type="pres">
+      <dgm:prSet presAssocID="{CBC573EF-E90D-6347-809E-E401648278E2}" presName="hierChild4" presStyleCnt="0"/>
+      <dgm:spPr/>
+    </dgm:pt>
+    <dgm:pt modelId="{E2A13E4D-F3EB-2349-86B9-23C9A0D5C792}" type="pres">
+      <dgm:prSet presAssocID="{CBC573EF-E90D-6347-809E-E401648278E2}" presName="hierChild5" presStyleCnt="0"/>
+      <dgm:spPr/>
+    </dgm:pt>
+    <dgm:pt modelId="{15FFE189-9009-F643-878C-0386AFB1963B}" type="pres">
+      <dgm:prSet presAssocID="{D58907CA-3CBD-F14B-BADB-F5DBAF578C77}" presName="Name37" presStyleLbl="parChTrans1D3" presStyleIdx="7" presStyleCnt="9"/>
+      <dgm:spPr/>
+      <dgm:t>
+        <a:bodyPr/>
+        <a:lstStyle/>
+        <a:p>
+          <a:endParaRPr lang="zh-TW" altLang="en-US"/>
+        </a:p>
+      </dgm:t>
+    </dgm:pt>
+    <dgm:pt modelId="{881BDF25-BEB8-E748-AC8B-D39075E2C978}" type="pres">
+      <dgm:prSet presAssocID="{F9CD00FE-3567-AE46-85C7-48884CD17D00}" presName="hierRoot2" presStyleCnt="0">
+        <dgm:presLayoutVars>
+          <dgm:hierBranch val="init"/>
+        </dgm:presLayoutVars>
+      </dgm:prSet>
+      <dgm:spPr/>
+    </dgm:pt>
+    <dgm:pt modelId="{B0FAC84B-AE86-3D4E-B528-C6EE0B45033B}" type="pres">
+      <dgm:prSet presAssocID="{F9CD00FE-3567-AE46-85C7-48884CD17D00}" presName="rootComposite" presStyleCnt="0"/>
+      <dgm:spPr/>
+    </dgm:pt>
+    <dgm:pt modelId="{A842BD50-3E72-5C41-816A-55632D43A99D}" type="pres">
+      <dgm:prSet presAssocID="{F9CD00FE-3567-AE46-85C7-48884CD17D00}" presName="rootText" presStyleLbl="node3" presStyleIdx="7" presStyleCnt="9">
+        <dgm:presLayoutVars>
+          <dgm:chPref val="3"/>
+        </dgm:presLayoutVars>
+      </dgm:prSet>
+      <dgm:spPr/>
+      <dgm:t>
+        <a:bodyPr/>
+        <a:lstStyle/>
+        <a:p>
+          <a:endParaRPr lang="zh-TW" altLang="en-US"/>
+        </a:p>
+      </dgm:t>
+    </dgm:pt>
+    <dgm:pt modelId="{68290C39-F1B2-7A42-8EE8-6922B493C2EB}" type="pres">
+      <dgm:prSet presAssocID="{F9CD00FE-3567-AE46-85C7-48884CD17D00}" presName="rootConnector" presStyleLbl="node3" presStyleIdx="7" presStyleCnt="9"/>
+      <dgm:spPr/>
+      <dgm:t>
+        <a:bodyPr/>
+        <a:lstStyle/>
+        <a:p>
+          <a:endParaRPr lang="zh-TW" altLang="en-US"/>
+        </a:p>
+      </dgm:t>
+    </dgm:pt>
+    <dgm:pt modelId="{1336ADF1-397A-B843-B40A-C693561D634D}" type="pres">
+      <dgm:prSet presAssocID="{F9CD00FE-3567-AE46-85C7-48884CD17D00}" presName="hierChild4" presStyleCnt="0"/>
+      <dgm:spPr/>
+    </dgm:pt>
+    <dgm:pt modelId="{453AEB33-0E0B-E94F-9FB9-B86523F19D62}" type="pres">
+      <dgm:prSet presAssocID="{F9CD00FE-3567-AE46-85C7-48884CD17D00}" presName="hierChild5" presStyleCnt="0"/>
+      <dgm:spPr/>
+    </dgm:pt>
+    <dgm:pt modelId="{D2D35FE1-F2AA-9347-9CF9-4D48CD796B7B}" type="pres">
+      <dgm:prSet presAssocID="{1E4E5730-1D62-424B-88DC-A598FAA90032}" presName="hierChild5" presStyleCnt="0"/>
+      <dgm:spPr/>
+    </dgm:pt>
+    <dgm:pt modelId="{A0022CAE-76FC-8A49-96C0-2437950F7D9A}" type="pres">
+      <dgm:prSet presAssocID="{71B89020-FC18-8440-984C-03FD01C87E6A}" presName="Name37" presStyleLbl="parChTrans1D2" presStyleIdx="3" presStyleCnt="5"/>
+      <dgm:spPr/>
+      <dgm:t>
+        <a:bodyPr/>
+        <a:lstStyle/>
+        <a:p>
+          <a:endParaRPr lang="zh-TW" altLang="en-US"/>
+        </a:p>
+      </dgm:t>
+    </dgm:pt>
+    <dgm:pt modelId="{49BF9E0C-BF18-394A-BA4A-541E06139AA3}" type="pres">
+      <dgm:prSet presAssocID="{71163973-4991-8548-A614-1741D0E7A526}" presName="hierRoot2" presStyleCnt="0">
+        <dgm:presLayoutVars>
+          <dgm:hierBranch val="init"/>
+        </dgm:presLayoutVars>
+      </dgm:prSet>
+      <dgm:spPr/>
+    </dgm:pt>
+    <dgm:pt modelId="{34EBE180-6C81-BF49-A986-AE651A3BDD95}" type="pres">
+      <dgm:prSet presAssocID="{71163973-4991-8548-A614-1741D0E7A526}" presName="rootComposite" presStyleCnt="0"/>
+      <dgm:spPr/>
+    </dgm:pt>
+    <dgm:pt modelId="{B4E24BE5-47F4-B24C-9630-08523CC43C14}" type="pres">
+      <dgm:prSet presAssocID="{71163973-4991-8548-A614-1741D0E7A526}" presName="rootText" presStyleLbl="node2" presStyleIdx="3" presStyleCnt="5">
+        <dgm:presLayoutVars>
+          <dgm:chPref val="3"/>
+        </dgm:presLayoutVars>
+      </dgm:prSet>
+      <dgm:spPr/>
+      <dgm:t>
+        <a:bodyPr/>
+        <a:lstStyle/>
+        <a:p>
+          <a:endParaRPr lang="zh-TW" altLang="en-US"/>
+        </a:p>
+      </dgm:t>
+    </dgm:pt>
+    <dgm:pt modelId="{CEFBC386-D7DB-A64B-AE2B-1E2E225A5FA2}" type="pres">
+      <dgm:prSet presAssocID="{71163973-4991-8548-A614-1741D0E7A526}" presName="rootConnector" presStyleLbl="node2" presStyleIdx="3" presStyleCnt="5"/>
+      <dgm:spPr/>
+      <dgm:t>
+        <a:bodyPr/>
+        <a:lstStyle/>
+        <a:p>
+          <a:endParaRPr lang="zh-TW" altLang="en-US"/>
+        </a:p>
+      </dgm:t>
+    </dgm:pt>
+    <dgm:pt modelId="{15A1E6B1-67CA-CC4C-8FBC-E4BA4F2CABA7}" type="pres">
+      <dgm:prSet presAssocID="{71163973-4991-8548-A614-1741D0E7A526}" presName="hierChild4" presStyleCnt="0"/>
+      <dgm:spPr/>
+    </dgm:pt>
+    <dgm:pt modelId="{08E95A04-6C00-AD46-BA0D-93623E8A7438}" type="pres">
+      <dgm:prSet presAssocID="{B89227FD-4289-6947-B555-D133AAFB6088}" presName="Name37" presStyleLbl="parChTrans1D3" presStyleIdx="8" presStyleCnt="9"/>
+      <dgm:spPr/>
+      <dgm:t>
+        <a:bodyPr/>
+        <a:lstStyle/>
+        <a:p>
+          <a:endParaRPr lang="zh-TW" altLang="en-US"/>
+        </a:p>
+      </dgm:t>
+    </dgm:pt>
+    <dgm:pt modelId="{7B873D88-0D90-8B41-8436-C3E80CFA31CD}" type="pres">
+      <dgm:prSet presAssocID="{A73FFB69-14B0-804E-97F0-BB38C83B0F5A}" presName="hierRoot2" presStyleCnt="0">
+        <dgm:presLayoutVars>
+          <dgm:hierBranch val="init"/>
+        </dgm:presLayoutVars>
+      </dgm:prSet>
+      <dgm:spPr/>
+    </dgm:pt>
+    <dgm:pt modelId="{578A4481-6120-6D4C-ADE2-703DED5D4166}" type="pres">
+      <dgm:prSet presAssocID="{A73FFB69-14B0-804E-97F0-BB38C83B0F5A}" presName="rootComposite" presStyleCnt="0"/>
+      <dgm:spPr/>
+    </dgm:pt>
+    <dgm:pt modelId="{7791F5FA-0C0E-0A4F-8160-FC27C2C4D6AD}" type="pres">
+      <dgm:prSet presAssocID="{A73FFB69-14B0-804E-97F0-BB38C83B0F5A}" presName="rootText" presStyleLbl="node3" presStyleIdx="8" presStyleCnt="9">
+        <dgm:presLayoutVars>
+          <dgm:chPref val="3"/>
+        </dgm:presLayoutVars>
+      </dgm:prSet>
+      <dgm:spPr/>
+      <dgm:t>
+        <a:bodyPr/>
+        <a:lstStyle/>
+        <a:p>
+          <a:endParaRPr lang="zh-TW" altLang="en-US"/>
+        </a:p>
+      </dgm:t>
+    </dgm:pt>
+    <dgm:pt modelId="{624BD0AB-AD37-A640-921B-C26138EEAC16}" type="pres">
+      <dgm:prSet presAssocID="{A73FFB69-14B0-804E-97F0-BB38C83B0F5A}" presName="rootConnector" presStyleLbl="node3" presStyleIdx="8" presStyleCnt="9"/>
+      <dgm:spPr/>
+      <dgm:t>
+        <a:bodyPr/>
+        <a:lstStyle/>
+        <a:p>
+          <a:endParaRPr lang="zh-TW" altLang="en-US"/>
+        </a:p>
+      </dgm:t>
+    </dgm:pt>
+    <dgm:pt modelId="{84C85835-AD34-7148-BF59-6345CCAAC3F8}" type="pres">
+      <dgm:prSet presAssocID="{A73FFB69-14B0-804E-97F0-BB38C83B0F5A}" presName="hierChild4" presStyleCnt="0"/>
+      <dgm:spPr/>
+    </dgm:pt>
+    <dgm:pt modelId="{7BF02DF9-3650-024A-BE9D-26BC876C9072}" type="pres">
+      <dgm:prSet presAssocID="{A73FFB69-14B0-804E-97F0-BB38C83B0F5A}" presName="hierChild5" presStyleCnt="0"/>
+      <dgm:spPr/>
+    </dgm:pt>
+    <dgm:pt modelId="{83A5766A-54C4-3046-A2D0-88F303B46822}" type="pres">
+      <dgm:prSet presAssocID="{71163973-4991-8548-A614-1741D0E7A526}" presName="hierChild5" presStyleCnt="0"/>
+      <dgm:spPr/>
+    </dgm:pt>
+    <dgm:pt modelId="{7E4A15C2-BADE-FD4F-955B-C7C3148A56CF}" type="pres">
+      <dgm:prSet presAssocID="{BDB10FF1-16F5-B943-AD2A-7BE14FB1775D}" presName="Name37" presStyleLbl="parChTrans1D2" presStyleIdx="4" presStyleCnt="5"/>
+      <dgm:spPr/>
+      <dgm:t>
+        <a:bodyPr/>
+        <a:lstStyle/>
+        <a:p>
+          <a:endParaRPr lang="zh-TW" altLang="en-US"/>
+        </a:p>
+      </dgm:t>
+    </dgm:pt>
+    <dgm:pt modelId="{CF1278C8-3FA8-C242-AB82-1A38DF2DCCA1}" type="pres">
+      <dgm:prSet presAssocID="{DA7A2C20-F115-3946-8138-BF6A2E13B90A}" presName="hierRoot2" presStyleCnt="0">
+        <dgm:presLayoutVars>
+          <dgm:hierBranch val="init"/>
+        </dgm:presLayoutVars>
+      </dgm:prSet>
+      <dgm:spPr/>
+    </dgm:pt>
+    <dgm:pt modelId="{EE6B1D0A-A74C-9545-AECE-E4F982601EA7}" type="pres">
+      <dgm:prSet presAssocID="{DA7A2C20-F115-3946-8138-BF6A2E13B90A}" presName="rootComposite" presStyleCnt="0"/>
+      <dgm:spPr/>
+    </dgm:pt>
+    <dgm:pt modelId="{A99EF92C-53D6-FD40-B2DC-FD21D32A0E3A}" type="pres">
+      <dgm:prSet presAssocID="{DA7A2C20-F115-3946-8138-BF6A2E13B90A}" presName="rootText" presStyleLbl="node2" presStyleIdx="4" presStyleCnt="5">
+        <dgm:presLayoutVars>
+          <dgm:chPref val="3"/>
+        </dgm:presLayoutVars>
+      </dgm:prSet>
+      <dgm:spPr/>
+      <dgm:t>
+        <a:bodyPr/>
+        <a:lstStyle/>
+        <a:p>
+          <a:endParaRPr lang="zh-TW" altLang="en-US"/>
+        </a:p>
+      </dgm:t>
+    </dgm:pt>
     <dgm:pt modelId="{8213B168-DF4E-F043-9D3B-6DC5B1000FCA}" type="pres">
       <dgm:prSet presAssocID="{DA7A2C20-F115-3946-8138-BF6A2E13B90A}" presName="rootConnector" presStyleLbl="node2" presStyleIdx="4" presStyleCnt="5"/>
       <dgm:spPr/>
+      <dgm:t>
+        <a:bodyPr/>
+        <a:lstStyle/>
+        <a:p>
+          <a:endParaRPr lang="zh-TW" altLang="en-US"/>
+        </a:p>
+      </dgm:t>
     </dgm:pt>
     <dgm:pt modelId="{0C75C056-C9E2-4D49-B838-774F2A2BB03E}" type="pres">
       <dgm:prSet presAssocID="{DA7A2C20-F115-3946-8138-BF6A2E13B90A}" presName="hierChild4" presStyleCnt="0"/>
@@ -4498,66 +4904,66 @@
     </dgm:pt>
   </dgm:ptLst>
   <dgm:cxnLst>
-    <dgm:cxn modelId="{E6287AE7-1D3C-E947-A758-7F29C4F35EED}" type="presOf" srcId="{89314E86-60EE-5045-899C-E7417C09B90D}" destId="{7609B86B-45C5-724B-9A55-D21D4F7EA93F}" srcOrd="1" destOrd="0" presId="urn:microsoft.com/office/officeart/2005/8/layout/orgChart1"/>
-    <dgm:cxn modelId="{3AD2D59A-2CA6-2140-B09F-07ED2D050449}" type="presOf" srcId="{11BE08E0-8BD3-8241-AA31-5D3C8BAE883E}" destId="{EC42C478-3B14-3A43-AD41-CD4F28BC5D3D}" srcOrd="1" destOrd="0" presId="urn:microsoft.com/office/officeart/2005/8/layout/orgChart1"/>
-    <dgm:cxn modelId="{C484AEE4-E429-CD4C-A54C-1612195107B3}" type="presOf" srcId="{1E4E5730-1D62-424B-88DC-A598FAA90032}" destId="{0DFBCC65-40E4-B340-B677-A3DBC0B288DB}" srcOrd="1" destOrd="0" presId="urn:microsoft.com/office/officeart/2005/8/layout/orgChart1"/>
-    <dgm:cxn modelId="{AB98B083-7CF6-564B-A729-D7771E8907FC}" type="presOf" srcId="{F9CD00FE-3567-AE46-85C7-48884CD17D00}" destId="{A842BD50-3E72-5C41-816A-55632D43A99D}" srcOrd="0" destOrd="0" presId="urn:microsoft.com/office/officeart/2005/8/layout/orgChart1"/>
-    <dgm:cxn modelId="{F40CAC78-D80E-BA4E-9308-B94F02B928BA}" type="presOf" srcId="{DB470F67-F9F6-C04F-A5A8-D006899BBC48}" destId="{6A262A8B-7DC7-7246-A71C-744ED839A856}" srcOrd="0" destOrd="0" presId="urn:microsoft.com/office/officeart/2005/8/layout/orgChart1"/>
+    <dgm:cxn modelId="{2AB6984F-8346-5941-8AF6-F57DFF00D21D}" type="presOf" srcId="{1E4E5730-1D62-424B-88DC-A598FAA90032}" destId="{7CC73BFE-A525-1841-9C46-B24530BAED35}" srcOrd="0" destOrd="0" presId="urn:microsoft.com/office/officeart/2005/8/layout/orgChart1"/>
+    <dgm:cxn modelId="{9EF51639-3A77-524B-98C4-5F8564558747}" type="presOf" srcId="{89314E86-60EE-5045-899C-E7417C09B90D}" destId="{128C9672-596B-C947-97FA-F938099189E1}" srcOrd="0" destOrd="0" presId="urn:microsoft.com/office/officeart/2005/8/layout/orgChart1"/>
+    <dgm:cxn modelId="{A2158EAE-AE31-4A42-A1B8-FCD131DA59BB}" type="presOf" srcId="{B7DE1BDB-6633-A442-9076-6077D2DB73F9}" destId="{EB26B174-9B20-834F-8856-9BB58900F541}" srcOrd="1" destOrd="0" presId="urn:microsoft.com/office/officeart/2005/8/layout/orgChart1"/>
     <dgm:cxn modelId="{C28C2704-3596-DA47-8583-178BFF3EAC08}" type="presOf" srcId="{D58907CA-3CBD-F14B-BADB-F5DBAF578C77}" destId="{15FFE189-9009-F643-878C-0386AFB1963B}" srcOrd="0" destOrd="0" presId="urn:microsoft.com/office/officeart/2005/8/layout/orgChart1"/>
-    <dgm:cxn modelId="{D9B9CB26-4B30-974A-903D-1590319DDC6F}" type="presOf" srcId="{71163973-4991-8548-A614-1741D0E7A526}" destId="{B4E24BE5-47F4-B24C-9630-08523CC43C14}" srcOrd="0" destOrd="0" presId="urn:microsoft.com/office/officeart/2005/8/layout/orgChart1"/>
-    <dgm:cxn modelId="{6B6B2669-FC45-6740-ACDD-E2808395DFF5}" type="presOf" srcId="{9E28A5D1-B308-D544-A128-464446C84491}" destId="{388624FC-1E86-734B-B8C6-A10CB975BDC3}" srcOrd="0" destOrd="0" presId="urn:microsoft.com/office/officeart/2005/8/layout/orgChart1"/>
-    <dgm:cxn modelId="{DFAA279C-A2DE-A94A-A9C5-3C325FA0F705}" type="presOf" srcId="{FF11A2BF-9380-DC4E-A16D-B170C89A5F01}" destId="{8F5D0854-A50A-2A4B-B05F-04FE902D5672}" srcOrd="0" destOrd="0" presId="urn:microsoft.com/office/officeart/2005/8/layout/orgChart1"/>
-    <dgm:cxn modelId="{CFD32C9A-F2D0-124E-B713-45378EAFB799}" type="presOf" srcId="{D7FF67C8-1A43-E240-9F32-8CC5AF65C090}" destId="{07EF9321-D2E9-A943-9556-8A863B7941ED}" srcOrd="0" destOrd="0" presId="urn:microsoft.com/office/officeart/2005/8/layout/orgChart1"/>
-    <dgm:cxn modelId="{6E35AF57-B407-C84E-B45F-6C89A7305214}" type="presOf" srcId="{B89227FD-4289-6947-B555-D133AAFB6088}" destId="{08E95A04-6C00-AD46-BA0D-93623E8A7438}" srcOrd="0" destOrd="0" presId="urn:microsoft.com/office/officeart/2005/8/layout/orgChart1"/>
-    <dgm:cxn modelId="{394BCA51-E9B2-1D4F-870C-32609B34323F}" type="presOf" srcId="{A73FFB69-14B0-804E-97F0-BB38C83B0F5A}" destId="{624BD0AB-AD37-A640-921B-C26138EEAC16}" srcOrd="1" destOrd="0" presId="urn:microsoft.com/office/officeart/2005/8/layout/orgChart1"/>
-    <dgm:cxn modelId="{0F08C517-F8E1-A440-9CFE-889924E408F4}" type="presOf" srcId="{CBC573EF-E90D-6347-809E-E401648278E2}" destId="{7FE06AB2-EA71-9641-A603-15234D0AE5DE}" srcOrd="0" destOrd="0" presId="urn:microsoft.com/office/officeart/2005/8/layout/orgChart1"/>
-    <dgm:cxn modelId="{2B122204-117C-9C4A-BA3B-41FDC37B137C}" type="presOf" srcId="{005A96A6-7D03-F048-AE18-D87857054C9B}" destId="{AA84DF84-70A7-324A-84C2-0E440BA96E4E}" srcOrd="1" destOrd="0" presId="urn:microsoft.com/office/officeart/2005/8/layout/orgChart1"/>
-    <dgm:cxn modelId="{993D77C6-FB7B-4B40-9D15-1BDC7B5462B0}" srcId="{5A77C950-58ED-E548-A254-D4EA97B8DB15}" destId="{005A96A6-7D03-F048-AE18-D87857054C9B}" srcOrd="4" destOrd="0" parTransId="{3B092136-6835-304E-AC51-D9BC322545E9}" sibTransId="{3CCE1415-DA2F-BF4D-9D68-F2B470E71518}"/>
-    <dgm:cxn modelId="{2FF3FB59-79B0-7F4B-8A48-7E0A60516525}" type="presOf" srcId="{050449A4-EB5B-644F-ACCE-25A388C40F65}" destId="{CB6DDF3B-79E1-6743-80EC-104FB86CFD6A}" srcOrd="0" destOrd="0" presId="urn:microsoft.com/office/officeart/2005/8/layout/orgChart1"/>
-    <dgm:cxn modelId="{6C1BAB4F-1F68-F442-9582-BCD3D464CC8B}" type="presOf" srcId="{48AA78DC-6E73-1946-8BE8-6F2203654B7C}" destId="{55101633-7750-6248-B6C0-5F8DCCD35719}" srcOrd="0" destOrd="0" presId="urn:microsoft.com/office/officeart/2005/8/layout/orgChart1"/>
-    <dgm:cxn modelId="{3AF43ABE-6F58-2F4E-9BA4-2BED33B2EFAD}" type="presOf" srcId="{050449A4-EB5B-644F-ACCE-25A388C40F65}" destId="{7D5AA04B-9F18-654E-AEF4-9063D72014D0}" srcOrd="1" destOrd="0" presId="urn:microsoft.com/office/officeart/2005/8/layout/orgChart1"/>
-    <dgm:cxn modelId="{69E1AC7A-D514-A94A-8DE9-9C6DD9735311}" srcId="{1E4E5730-1D62-424B-88DC-A598FAA90032}" destId="{F9CD00FE-3567-AE46-85C7-48884CD17D00}" srcOrd="1" destOrd="0" parTransId="{D58907CA-3CBD-F14B-BADB-F5DBAF578C77}" sibTransId="{454D586C-2CFE-9F47-B0C4-E971D79F7C80}"/>
-    <dgm:cxn modelId="{FA992485-F5DD-3246-BC1B-2A25B157D81D}" srcId="{89314E86-60EE-5045-899C-E7417C09B90D}" destId="{71163973-4991-8548-A614-1741D0E7A526}" srcOrd="3" destOrd="0" parTransId="{71B89020-FC18-8440-984C-03FD01C87E6A}" sibTransId="{91987DF1-43A3-3647-A8EC-A2A0B84551E4}"/>
-    <dgm:cxn modelId="{2AD14E94-FD63-9944-86B2-015FB068BFAD}" srcId="{1E4E5730-1D62-424B-88DC-A598FAA90032}" destId="{CBC573EF-E90D-6347-809E-E401648278E2}" srcOrd="0" destOrd="0" parTransId="{BAF56933-C328-BA4B-9221-814B34620281}" sibTransId="{75CC5AD2-2569-7640-B749-106D40BA14D4}"/>
+    <dgm:cxn modelId="{1FDBBCEA-D110-8F4A-88BA-B81D02BD0D1A}" type="presOf" srcId="{6155CF2C-7977-D14D-99D6-F5A1262B6548}" destId="{C16F8266-96DA-4348-827B-FB5031B737D0}" srcOrd="0" destOrd="0" presId="urn:microsoft.com/office/officeart/2005/8/layout/orgChart1"/>
+    <dgm:cxn modelId="{F64E0F6E-D58E-9645-9536-F40DE2128E9F}" type="presOf" srcId="{CBC573EF-E90D-6347-809E-E401648278E2}" destId="{65799993-F98E-F941-9623-93A3736C5ECC}" srcOrd="1" destOrd="0" presId="urn:microsoft.com/office/officeart/2005/8/layout/orgChart1"/>
+    <dgm:cxn modelId="{F5E2EECA-1F45-974C-AB77-46FD6D659C61}" srcId="{89314E86-60EE-5045-899C-E7417C09B90D}" destId="{DA7A2C20-F115-3946-8138-BF6A2E13B90A}" srcOrd="4" destOrd="0" parTransId="{BDB10FF1-16F5-B943-AD2A-7BE14FB1775D}" sibTransId="{3CF6DEA3-9EFC-2741-8815-AEBD149F37E0}"/>
     <dgm:cxn modelId="{4B405B9F-4843-694F-919C-C9DCF13D73FD}" type="presOf" srcId="{BAF56933-C328-BA4B-9221-814B34620281}" destId="{06EFD6FF-1C9C-E245-952A-796D107C5434}" srcOrd="0" destOrd="0" presId="urn:microsoft.com/office/officeart/2005/8/layout/orgChart1"/>
     <dgm:cxn modelId="{9FA280BF-A210-9A4F-BFFA-889D5ECCBE97}" type="presOf" srcId="{0856A3C7-E4A8-5141-A50D-3168D91ED601}" destId="{F492C2A0-D535-5A49-B715-B16C213DFE91}" srcOrd="0" destOrd="0" presId="urn:microsoft.com/office/officeart/2005/8/layout/orgChart1"/>
-    <dgm:cxn modelId="{3A41FA98-02B3-804B-B5D6-99000F96F8DF}" srcId="{050449A4-EB5B-644F-ACCE-25A388C40F65}" destId="{48AA78DC-6E73-1946-8BE8-6F2203654B7C}" srcOrd="0" destOrd="0" parTransId="{9E28A5D1-B308-D544-A128-464446C84491}" sibTransId="{0B17B36B-7FBF-DE47-8513-555429420C1F}"/>
-    <dgm:cxn modelId="{856FD226-A739-094F-8A7E-859E6FFDE5EC}" type="presOf" srcId="{B749F862-2D6B-B745-B049-A2997DD78459}" destId="{D1ADB443-DC5D-7A4D-9FC2-F94CD67C1EAE}" srcOrd="0" destOrd="0" presId="urn:microsoft.com/office/officeart/2005/8/layout/orgChart1"/>
-    <dgm:cxn modelId="{A2158EAE-AE31-4A42-A1B8-FCD131DA59BB}" type="presOf" srcId="{B7DE1BDB-6633-A442-9076-6077D2DB73F9}" destId="{EB26B174-9B20-834F-8856-9BB58900F541}" srcOrd="1" destOrd="0" presId="urn:microsoft.com/office/officeart/2005/8/layout/orgChart1"/>
-    <dgm:cxn modelId="{F5E2EECA-1F45-974C-AB77-46FD6D659C61}" srcId="{89314E86-60EE-5045-899C-E7417C09B90D}" destId="{DA7A2C20-F115-3946-8138-BF6A2E13B90A}" srcOrd="4" destOrd="0" parTransId="{BDB10FF1-16F5-B943-AD2A-7BE14FB1775D}" sibTransId="{3CF6DEA3-9EFC-2741-8815-AEBD149F37E0}"/>
-    <dgm:cxn modelId="{DDE3EFDC-CAA2-6948-97AC-EE589DA05485}" type="presOf" srcId="{A73FFB69-14B0-804E-97F0-BB38C83B0F5A}" destId="{7791F5FA-0C0E-0A4F-8160-FC27C2C4D6AD}" srcOrd="0" destOrd="0" presId="urn:microsoft.com/office/officeart/2005/8/layout/orgChart1"/>
+    <dgm:cxn modelId="{CFD32C9A-F2D0-124E-B713-45378EAFB799}" type="presOf" srcId="{D7FF67C8-1A43-E240-9F32-8CC5AF65C090}" destId="{07EF9321-D2E9-A943-9556-8A863B7941ED}" srcOrd="0" destOrd="0" presId="urn:microsoft.com/office/officeart/2005/8/layout/orgChart1"/>
+    <dgm:cxn modelId="{9A0D6A79-FAB9-B14C-AA2A-50DFEAF4F582}" type="presOf" srcId="{005A96A6-7D03-F048-AE18-D87857054C9B}" destId="{706ABE28-3B9D-004B-A68F-FA1089A611C6}" srcOrd="0" destOrd="0" presId="urn:microsoft.com/office/officeart/2005/8/layout/orgChart1"/>
+    <dgm:cxn modelId="{394BCA51-E9B2-1D4F-870C-32609B34323F}" type="presOf" srcId="{A73FFB69-14B0-804E-97F0-BB38C83B0F5A}" destId="{624BD0AB-AD37-A640-921B-C26138EEAC16}" srcOrd="1" destOrd="0" presId="urn:microsoft.com/office/officeart/2005/8/layout/orgChart1"/>
+    <dgm:cxn modelId="{FA992485-F5DD-3246-BC1B-2A25B157D81D}" srcId="{89314E86-60EE-5045-899C-E7417C09B90D}" destId="{71163973-4991-8548-A614-1741D0E7A526}" srcOrd="3" destOrd="0" parTransId="{71B89020-FC18-8440-984C-03FD01C87E6A}" sibTransId="{91987DF1-43A3-3647-A8EC-A2A0B84551E4}"/>
+    <dgm:cxn modelId="{7CB14844-CB6B-A14B-AEA9-47210F3DA93B}" srcId="{89314E86-60EE-5045-899C-E7417C09B90D}" destId="{1E4E5730-1D62-424B-88DC-A598FAA90032}" srcOrd="2" destOrd="0" parTransId="{D7FF67C8-1A43-E240-9F32-8CC5AF65C090}" sibTransId="{AD44BBC5-53E7-CF4E-90A3-518B900FA1C7}"/>
+    <dgm:cxn modelId="{D86C74A1-0FE2-3448-8D16-BB96AB698C62}" type="presOf" srcId="{FF11A2BF-9380-DC4E-A16D-B170C89A5F01}" destId="{81E158C6-78CE-C349-82EF-C1864BF10A73}" srcOrd="1" destOrd="0" presId="urn:microsoft.com/office/officeart/2005/8/layout/orgChart1"/>
+    <dgm:cxn modelId="{2AD14E94-FD63-9944-86B2-015FB068BFAD}" srcId="{1E4E5730-1D62-424B-88DC-A598FAA90032}" destId="{CBC573EF-E90D-6347-809E-E401648278E2}" srcOrd="0" destOrd="0" parTransId="{BAF56933-C328-BA4B-9221-814B34620281}" sibTransId="{75CC5AD2-2569-7640-B749-106D40BA14D4}"/>
+    <dgm:cxn modelId="{C484AEE4-E429-CD4C-A54C-1612195107B3}" type="presOf" srcId="{1E4E5730-1D62-424B-88DC-A598FAA90032}" destId="{0DFBCC65-40E4-B340-B677-A3DBC0B288DB}" srcOrd="1" destOrd="0" presId="urn:microsoft.com/office/officeart/2005/8/layout/orgChart1"/>
+    <dgm:cxn modelId="{6D765F58-1097-1047-867B-93A741C46466}" type="presOf" srcId="{F9CD00FE-3567-AE46-85C7-48884CD17D00}" destId="{68290C39-F1B2-7A42-8EE8-6922B493C2EB}" srcOrd="1" destOrd="0" presId="urn:microsoft.com/office/officeart/2005/8/layout/orgChart1"/>
+    <dgm:cxn modelId="{D0AC6144-39BC-8045-ACBA-632187CD82D7}" srcId="{5A77C950-58ED-E548-A254-D4EA97B8DB15}" destId="{B7DE1BDB-6633-A442-9076-6077D2DB73F9}" srcOrd="0" destOrd="0" parTransId="{380FE599-D771-7347-837E-5040B6D7859B}" sibTransId="{15CDF2B6-A1AB-C54E-A2C7-C3EF48721D00}"/>
+    <dgm:cxn modelId="{AFC1E998-57F3-3F4B-9A38-8FD08FF468EE}" type="presOf" srcId="{71163973-4991-8548-A614-1741D0E7A526}" destId="{CEFBC386-D7DB-A64B-AE2B-1E2E225A5FA2}" srcOrd="1" destOrd="0" presId="urn:microsoft.com/office/officeart/2005/8/layout/orgChart1"/>
+    <dgm:cxn modelId="{966CFF4D-3F0E-E642-9CEE-C66F0A22A8A3}" type="presOf" srcId="{5A77C950-58ED-E548-A254-D4EA97B8DB15}" destId="{83000BA2-0869-A64A-985B-FD0145E6032E}" srcOrd="0" destOrd="0" presId="urn:microsoft.com/office/officeart/2005/8/layout/orgChart1"/>
+    <dgm:cxn modelId="{2FF3FB59-79B0-7F4B-8A48-7E0A60516525}" type="presOf" srcId="{050449A4-EB5B-644F-ACCE-25A388C40F65}" destId="{CB6DDF3B-79E1-6743-80EC-104FB86CFD6A}" srcOrd="0" destOrd="0" presId="urn:microsoft.com/office/officeart/2005/8/layout/orgChart1"/>
     <dgm:cxn modelId="{70C10195-21B8-F740-83F4-7BF30C3965F3}" type="presOf" srcId="{48AA78DC-6E73-1946-8BE8-6F2203654B7C}" destId="{5733AAED-D4F4-DA44-9984-54986C9D5363}" srcOrd="1" destOrd="0" presId="urn:microsoft.com/office/officeart/2005/8/layout/orgChart1"/>
-    <dgm:cxn modelId="{1FDBBCEA-D110-8F4A-88BA-B81D02BD0D1A}" type="presOf" srcId="{6155CF2C-7977-D14D-99D6-F5A1262B6548}" destId="{C16F8266-96DA-4348-827B-FB5031B737D0}" srcOrd="0" destOrd="0" presId="urn:microsoft.com/office/officeart/2005/8/layout/orgChart1"/>
-    <dgm:cxn modelId="{7CB14844-CB6B-A14B-AEA9-47210F3DA93B}" srcId="{89314E86-60EE-5045-899C-E7417C09B90D}" destId="{1E4E5730-1D62-424B-88DC-A598FAA90032}" srcOrd="2" destOrd="0" parTransId="{D7FF67C8-1A43-E240-9F32-8CC5AF65C090}" sibTransId="{AD44BBC5-53E7-CF4E-90A3-518B900FA1C7}"/>
-    <dgm:cxn modelId="{DF7D91D5-7A8C-B74E-91BE-A2F3C01C84BC}" srcId="{6C2963A9-6D37-B34C-A33B-8170001BC95A}" destId="{89314E86-60EE-5045-899C-E7417C09B90D}" srcOrd="0" destOrd="0" parTransId="{6552183B-C175-EF46-8F8D-A2C8D24C07F5}" sibTransId="{45C2A3D9-A4CD-A24C-BF57-B7FDB6C29B5E}"/>
+    <dgm:cxn modelId="{EF7B882C-FF2D-B745-A830-20CE4DBD0FA2}" srcId="{5A77C950-58ED-E548-A254-D4EA97B8DB15}" destId="{FF11A2BF-9380-DC4E-A16D-B170C89A5F01}" srcOrd="3" destOrd="0" parTransId="{DB470F67-F9F6-C04F-A5A8-D006899BBC48}" sibTransId="{0862A5FE-A8EA-2E4E-8EF2-8DD38674E1A6}"/>
+    <dgm:cxn modelId="{EF9E56A3-F16B-F645-BC06-D9B906E35C49}" srcId="{89314E86-60EE-5045-899C-E7417C09B90D}" destId="{050449A4-EB5B-644F-ACCE-25A388C40F65}" srcOrd="1" destOrd="0" parTransId="{0856A3C7-E4A8-5141-A50D-3168D91ED601}" sibTransId="{12E35422-6A60-5E43-96F0-C18D8EB08785}"/>
+    <dgm:cxn modelId="{7C5E6207-54AE-164B-8EA7-B5497C590C00}" srcId="{5A77C950-58ED-E548-A254-D4EA97B8DB15}" destId="{6155CF2C-7977-D14D-99D6-F5A1262B6548}" srcOrd="1" destOrd="0" parTransId="{6839F260-6BA1-4346-B3A0-03DA9D6E30F9}" sibTransId="{226B18D8-A509-9041-AC01-CC2DC39DDE8C}"/>
+    <dgm:cxn modelId="{E6287AE7-1D3C-E947-A758-7F29C4F35EED}" type="presOf" srcId="{89314E86-60EE-5045-899C-E7417C09B90D}" destId="{7609B86B-45C5-724B-9A55-D21D4F7EA93F}" srcOrd="1" destOrd="0" presId="urn:microsoft.com/office/officeart/2005/8/layout/orgChart1"/>
+    <dgm:cxn modelId="{AD28F11A-718D-E247-B1B8-8C4561CEA86B}" type="presOf" srcId="{6839F260-6BA1-4346-B3A0-03DA9D6E30F9}" destId="{53E79E27-8301-6D41-B26D-17F46A72DE7D}" srcOrd="0" destOrd="0" presId="urn:microsoft.com/office/officeart/2005/8/layout/orgChart1"/>
     <dgm:cxn modelId="{FA038F80-5A99-2B4E-BE4A-DFA2A0C25100}" srcId="{5A77C950-58ED-E548-A254-D4EA97B8DB15}" destId="{11BE08E0-8BD3-8241-AA31-5D3C8BAE883E}" srcOrd="2" destOrd="0" parTransId="{24818FBC-AEF6-9448-82AE-EAE149309BFC}" sibTransId="{74BD77DC-5D13-8140-9438-2D10771BB41C}"/>
-    <dgm:cxn modelId="{92882340-D9C4-3444-A3CB-D34C8A064CBC}" type="presOf" srcId="{5A77C950-58ED-E548-A254-D4EA97B8DB15}" destId="{65B1000F-16D1-7642-A8B7-9272DD88B9B1}" srcOrd="1" destOrd="0" presId="urn:microsoft.com/office/officeart/2005/8/layout/orgChart1"/>
-    <dgm:cxn modelId="{DDDD2EE8-155D-7F41-90EB-016EF7D4EA80}" type="presOf" srcId="{24818FBC-AEF6-9448-82AE-EAE149309BFC}" destId="{44596B05-93D3-7146-88F3-77AD5CF63CD4}" srcOrd="0" destOrd="0" presId="urn:microsoft.com/office/officeart/2005/8/layout/orgChart1"/>
-    <dgm:cxn modelId="{9A0D6A79-FAB9-B14C-AA2A-50DFEAF4F582}" type="presOf" srcId="{005A96A6-7D03-F048-AE18-D87857054C9B}" destId="{706ABE28-3B9D-004B-A68F-FA1089A611C6}" srcOrd="0" destOrd="0" presId="urn:microsoft.com/office/officeart/2005/8/layout/orgChart1"/>
-    <dgm:cxn modelId="{6D765F58-1097-1047-867B-93A741C46466}" type="presOf" srcId="{F9CD00FE-3567-AE46-85C7-48884CD17D00}" destId="{68290C39-F1B2-7A42-8EE8-6922B493C2EB}" srcOrd="1" destOrd="0" presId="urn:microsoft.com/office/officeart/2005/8/layout/orgChart1"/>
+    <dgm:cxn modelId="{EA397EB9-2820-A348-80E6-65FF17E6D57D}" type="presOf" srcId="{71B89020-FC18-8440-984C-03FD01C87E6A}" destId="{A0022CAE-76FC-8A49-96C0-2437950F7D9A}" srcOrd="0" destOrd="0" presId="urn:microsoft.com/office/officeart/2005/8/layout/orgChart1"/>
+    <dgm:cxn modelId="{2B122204-117C-9C4A-BA3B-41FDC37B137C}" type="presOf" srcId="{005A96A6-7D03-F048-AE18-D87857054C9B}" destId="{AA84DF84-70A7-324A-84C2-0E440BA96E4E}" srcOrd="1" destOrd="0" presId="urn:microsoft.com/office/officeart/2005/8/layout/orgChart1"/>
+    <dgm:cxn modelId="{BCA17466-0F2F-ED4F-AE7E-21D0895EE5D5}" type="presOf" srcId="{DA7A2C20-F115-3946-8138-BF6A2E13B90A}" destId="{8213B168-DF4E-F043-9D3B-6DC5B1000FCA}" srcOrd="1" destOrd="0" presId="urn:microsoft.com/office/officeart/2005/8/layout/orgChart1"/>
     <dgm:cxn modelId="{18DD4A98-99CA-3C4A-AF7C-AC03105468B5}" type="presOf" srcId="{BDB10FF1-16F5-B943-AD2A-7BE14FB1775D}" destId="{7E4A15C2-BADE-FD4F-955B-C7C3148A56CF}" srcOrd="0" destOrd="0" presId="urn:microsoft.com/office/officeart/2005/8/layout/orgChart1"/>
     <dgm:cxn modelId="{16AD03D0-4909-724F-9665-E7E2510B8393}" type="presOf" srcId="{380FE599-D771-7347-837E-5040B6D7859B}" destId="{0C9F4A48-45F6-AA4D-96BF-688E71308A31}" srcOrd="0" destOrd="0" presId="urn:microsoft.com/office/officeart/2005/8/layout/orgChart1"/>
-    <dgm:cxn modelId="{966CFF4D-3F0E-E642-9CEE-C66F0A22A8A3}" type="presOf" srcId="{5A77C950-58ED-E548-A254-D4EA97B8DB15}" destId="{83000BA2-0869-A64A-985B-FD0145E6032E}" srcOrd="0" destOrd="0" presId="urn:microsoft.com/office/officeart/2005/8/layout/orgChart1"/>
+    <dgm:cxn modelId="{3AD2D59A-2CA6-2140-B09F-07ED2D050449}" type="presOf" srcId="{11BE08E0-8BD3-8241-AA31-5D3C8BAE883E}" destId="{EC42C478-3B14-3A43-AD41-CD4F28BC5D3D}" srcOrd="1" destOrd="0" presId="urn:microsoft.com/office/officeart/2005/8/layout/orgChart1"/>
+    <dgm:cxn modelId="{374AF65D-2DF7-FC42-A859-EB455BB48ACE}" srcId="{89314E86-60EE-5045-899C-E7417C09B90D}" destId="{5A77C950-58ED-E548-A254-D4EA97B8DB15}" srcOrd="0" destOrd="0" parTransId="{B749F862-2D6B-B745-B049-A2997DD78459}" sibTransId="{73E67987-3BE7-BE41-945D-2BE72A56575A}"/>
+    <dgm:cxn modelId="{DDE3EFDC-CAA2-6948-97AC-EE589DA05485}" type="presOf" srcId="{A73FFB69-14B0-804E-97F0-BB38C83B0F5A}" destId="{7791F5FA-0C0E-0A4F-8160-FC27C2C4D6AD}" srcOrd="0" destOrd="0" presId="urn:microsoft.com/office/officeart/2005/8/layout/orgChart1"/>
+    <dgm:cxn modelId="{856FD226-A739-094F-8A7E-859E6FFDE5EC}" type="presOf" srcId="{B749F862-2D6B-B745-B049-A2997DD78459}" destId="{D1ADB443-DC5D-7A4D-9FC2-F94CD67C1EAE}" srcOrd="0" destOrd="0" presId="urn:microsoft.com/office/officeart/2005/8/layout/orgChart1"/>
+    <dgm:cxn modelId="{95BD88AF-2A02-B14B-9ACB-143C6ED5F21D}" type="presOf" srcId="{B7DE1BDB-6633-A442-9076-6077D2DB73F9}" destId="{7BE81116-1A67-F947-B03E-A96F3A736855}" srcOrd="0" destOrd="0" presId="urn:microsoft.com/office/officeart/2005/8/layout/orgChart1"/>
+    <dgm:cxn modelId="{0F08C517-F8E1-A440-9CFE-889924E408F4}" type="presOf" srcId="{CBC573EF-E90D-6347-809E-E401648278E2}" destId="{7FE06AB2-EA71-9641-A603-15234D0AE5DE}" srcOrd="0" destOrd="0" presId="urn:microsoft.com/office/officeart/2005/8/layout/orgChart1"/>
+    <dgm:cxn modelId="{AC3D5F69-692C-A548-B647-AA3C2BBE2EDA}" type="presOf" srcId="{6155CF2C-7977-D14D-99D6-F5A1262B6548}" destId="{CD77DF7A-9D93-7741-BECC-8DB44EFD3EF3}" srcOrd="1" destOrd="0" presId="urn:microsoft.com/office/officeart/2005/8/layout/orgChart1"/>
     <dgm:cxn modelId="{BE57780E-005F-364F-AAAC-40A6E16EFF08}" srcId="{71163973-4991-8548-A614-1741D0E7A526}" destId="{A73FFB69-14B0-804E-97F0-BB38C83B0F5A}" srcOrd="0" destOrd="0" parTransId="{B89227FD-4289-6947-B555-D133AAFB6088}" sibTransId="{63C64FD1-6A45-0243-A6DC-2B961EE6D0B7}"/>
+    <dgm:cxn modelId="{DFAA279C-A2DE-A94A-A9C5-3C325FA0F705}" type="presOf" srcId="{FF11A2BF-9380-DC4E-A16D-B170C89A5F01}" destId="{8F5D0854-A50A-2A4B-B05F-04FE902D5672}" srcOrd="0" destOrd="0" presId="urn:microsoft.com/office/officeart/2005/8/layout/orgChart1"/>
     <dgm:cxn modelId="{C152F498-E377-834E-925A-B2160F36BA81}" type="presOf" srcId="{11BE08E0-8BD3-8241-AA31-5D3C8BAE883E}" destId="{EDE66430-21B6-8D4B-8624-309DA73F0538}" srcOrd="0" destOrd="0" presId="urn:microsoft.com/office/officeart/2005/8/layout/orgChart1"/>
-    <dgm:cxn modelId="{2AB6984F-8346-5941-8AF6-F57DFF00D21D}" type="presOf" srcId="{1E4E5730-1D62-424B-88DC-A598FAA90032}" destId="{7CC73BFE-A525-1841-9C46-B24530BAED35}" srcOrd="0" destOrd="0" presId="urn:microsoft.com/office/officeart/2005/8/layout/orgChart1"/>
-    <dgm:cxn modelId="{EF7B882C-FF2D-B745-A830-20CE4DBD0FA2}" srcId="{5A77C950-58ED-E548-A254-D4EA97B8DB15}" destId="{FF11A2BF-9380-DC4E-A16D-B170C89A5F01}" srcOrd="3" destOrd="0" parTransId="{DB470F67-F9F6-C04F-A5A8-D006899BBC48}" sibTransId="{0862A5FE-A8EA-2E4E-8EF2-8DD38674E1A6}"/>
     <dgm:cxn modelId="{6321E819-770A-E141-A957-FCF974A6E00A}" type="presOf" srcId="{3B092136-6835-304E-AC51-D9BC322545E9}" destId="{7401CD6B-2EC8-8B49-B706-725F8DBDACBF}" srcOrd="0" destOrd="0" presId="urn:microsoft.com/office/officeart/2005/8/layout/orgChart1"/>
+    <dgm:cxn modelId="{993D77C6-FB7B-4B40-9D15-1BDC7B5462B0}" srcId="{5A77C950-58ED-E548-A254-D4EA97B8DB15}" destId="{005A96A6-7D03-F048-AE18-D87857054C9B}" srcOrd="4" destOrd="0" parTransId="{3B092136-6835-304E-AC51-D9BC322545E9}" sibTransId="{3CCE1415-DA2F-BF4D-9D68-F2B470E71518}"/>
+    <dgm:cxn modelId="{D9B9CB26-4B30-974A-903D-1590319DDC6F}" type="presOf" srcId="{71163973-4991-8548-A614-1741D0E7A526}" destId="{B4E24BE5-47F4-B24C-9630-08523CC43C14}" srcOrd="0" destOrd="0" presId="urn:microsoft.com/office/officeart/2005/8/layout/orgChart1"/>
+    <dgm:cxn modelId="{69E1AC7A-D514-A94A-8DE9-9C6DD9735311}" srcId="{1E4E5730-1D62-424B-88DC-A598FAA90032}" destId="{F9CD00FE-3567-AE46-85C7-48884CD17D00}" srcOrd="1" destOrd="0" parTransId="{D58907CA-3CBD-F14B-BADB-F5DBAF578C77}" sibTransId="{454D586C-2CFE-9F47-B0C4-E971D79F7C80}"/>
+    <dgm:cxn modelId="{DDDD2EE8-155D-7F41-90EB-016EF7D4EA80}" type="presOf" srcId="{24818FBC-AEF6-9448-82AE-EAE149309BFC}" destId="{44596B05-93D3-7146-88F3-77AD5CF63CD4}" srcOrd="0" destOrd="0" presId="urn:microsoft.com/office/officeart/2005/8/layout/orgChart1"/>
+    <dgm:cxn modelId="{F40CAC78-D80E-BA4E-9308-B94F02B928BA}" type="presOf" srcId="{DB470F67-F9F6-C04F-A5A8-D006899BBC48}" destId="{6A262A8B-7DC7-7246-A71C-744ED839A856}" srcOrd="0" destOrd="0" presId="urn:microsoft.com/office/officeart/2005/8/layout/orgChart1"/>
+    <dgm:cxn modelId="{3AF43ABE-6F58-2F4E-9BA4-2BED33B2EFAD}" type="presOf" srcId="{050449A4-EB5B-644F-ACCE-25A388C40F65}" destId="{7D5AA04B-9F18-654E-AEF4-9063D72014D0}" srcOrd="1" destOrd="0" presId="urn:microsoft.com/office/officeart/2005/8/layout/orgChart1"/>
+    <dgm:cxn modelId="{DF7D91D5-7A8C-B74E-91BE-A2F3C01C84BC}" srcId="{6C2963A9-6D37-B34C-A33B-8170001BC95A}" destId="{89314E86-60EE-5045-899C-E7417C09B90D}" srcOrd="0" destOrd="0" parTransId="{6552183B-C175-EF46-8F8D-A2C8D24C07F5}" sibTransId="{45C2A3D9-A4CD-A24C-BF57-B7FDB6C29B5E}"/>
+    <dgm:cxn modelId="{92882340-D9C4-3444-A3CB-D34C8A064CBC}" type="presOf" srcId="{5A77C950-58ED-E548-A254-D4EA97B8DB15}" destId="{65B1000F-16D1-7642-A8B7-9272DD88B9B1}" srcOrd="1" destOrd="0" presId="urn:microsoft.com/office/officeart/2005/8/layout/orgChart1"/>
+    <dgm:cxn modelId="{6E35AF57-B407-C84E-B45F-6C89A7305214}" type="presOf" srcId="{B89227FD-4289-6947-B555-D133AAFB6088}" destId="{08E95A04-6C00-AD46-BA0D-93623E8A7438}" srcOrd="0" destOrd="0" presId="urn:microsoft.com/office/officeart/2005/8/layout/orgChart1"/>
+    <dgm:cxn modelId="{0574C2D1-4B5E-6146-9A9C-903707C6FCA4}" type="presOf" srcId="{6C2963A9-6D37-B34C-A33B-8170001BC95A}" destId="{6BE4A84B-0547-CE4C-91EE-C9155EE950C4}" srcOrd="0" destOrd="0" presId="urn:microsoft.com/office/officeart/2005/8/layout/orgChart1"/>
+    <dgm:cxn modelId="{6B6B2669-FC45-6740-ACDD-E2808395DFF5}" type="presOf" srcId="{9E28A5D1-B308-D544-A128-464446C84491}" destId="{388624FC-1E86-734B-B8C6-A10CB975BDC3}" srcOrd="0" destOrd="0" presId="urn:microsoft.com/office/officeart/2005/8/layout/orgChart1"/>
+    <dgm:cxn modelId="{3A41FA98-02B3-804B-B5D6-99000F96F8DF}" srcId="{050449A4-EB5B-644F-ACCE-25A388C40F65}" destId="{48AA78DC-6E73-1946-8BE8-6F2203654B7C}" srcOrd="0" destOrd="0" parTransId="{9E28A5D1-B308-D544-A128-464446C84491}" sibTransId="{0B17B36B-7FBF-DE47-8513-555429420C1F}"/>
     <dgm:cxn modelId="{619C11C0-FB3F-5744-8982-5A7BC6B37F05}" type="presOf" srcId="{DA7A2C20-F115-3946-8138-BF6A2E13B90A}" destId="{A99EF92C-53D6-FD40-B2DC-FD21D32A0E3A}" srcOrd="0" destOrd="0" presId="urn:microsoft.com/office/officeart/2005/8/layout/orgChart1"/>
-    <dgm:cxn modelId="{7C5E6207-54AE-164B-8EA7-B5497C590C00}" srcId="{5A77C950-58ED-E548-A254-D4EA97B8DB15}" destId="{6155CF2C-7977-D14D-99D6-F5A1262B6548}" srcOrd="1" destOrd="0" parTransId="{6839F260-6BA1-4346-B3A0-03DA9D6E30F9}" sibTransId="{226B18D8-A509-9041-AC01-CC2DC39DDE8C}"/>
-    <dgm:cxn modelId="{AC3D5F69-692C-A548-B647-AA3C2BBE2EDA}" type="presOf" srcId="{6155CF2C-7977-D14D-99D6-F5A1262B6548}" destId="{CD77DF7A-9D93-7741-BECC-8DB44EFD3EF3}" srcOrd="1" destOrd="0" presId="urn:microsoft.com/office/officeart/2005/8/layout/orgChart1"/>
-    <dgm:cxn modelId="{D86C74A1-0FE2-3448-8D16-BB96AB698C62}" type="presOf" srcId="{FF11A2BF-9380-DC4E-A16D-B170C89A5F01}" destId="{81E158C6-78CE-C349-82EF-C1864BF10A73}" srcOrd="1" destOrd="0" presId="urn:microsoft.com/office/officeart/2005/8/layout/orgChart1"/>
-    <dgm:cxn modelId="{0574C2D1-4B5E-6146-9A9C-903707C6FCA4}" type="presOf" srcId="{6C2963A9-6D37-B34C-A33B-8170001BC95A}" destId="{6BE4A84B-0547-CE4C-91EE-C9155EE950C4}" srcOrd="0" destOrd="0" presId="urn:microsoft.com/office/officeart/2005/8/layout/orgChart1"/>
-    <dgm:cxn modelId="{F64E0F6E-D58E-9645-9536-F40DE2128E9F}" type="presOf" srcId="{CBC573EF-E90D-6347-809E-E401648278E2}" destId="{65799993-F98E-F941-9623-93A3736C5ECC}" srcOrd="1" destOrd="0" presId="urn:microsoft.com/office/officeart/2005/8/layout/orgChart1"/>
-    <dgm:cxn modelId="{EF9E56A3-F16B-F645-BC06-D9B906E35C49}" srcId="{89314E86-60EE-5045-899C-E7417C09B90D}" destId="{050449A4-EB5B-644F-ACCE-25A388C40F65}" srcOrd="1" destOrd="0" parTransId="{0856A3C7-E4A8-5141-A50D-3168D91ED601}" sibTransId="{12E35422-6A60-5E43-96F0-C18D8EB08785}"/>
-    <dgm:cxn modelId="{95BD88AF-2A02-B14B-9ACB-143C6ED5F21D}" type="presOf" srcId="{B7DE1BDB-6633-A442-9076-6077D2DB73F9}" destId="{7BE81116-1A67-F947-B03E-A96F3A736855}" srcOrd="0" destOrd="0" presId="urn:microsoft.com/office/officeart/2005/8/layout/orgChart1"/>
-    <dgm:cxn modelId="{EA397EB9-2820-A348-80E6-65FF17E6D57D}" type="presOf" srcId="{71B89020-FC18-8440-984C-03FD01C87E6A}" destId="{A0022CAE-76FC-8A49-96C0-2437950F7D9A}" srcOrd="0" destOrd="0" presId="urn:microsoft.com/office/officeart/2005/8/layout/orgChart1"/>
-    <dgm:cxn modelId="{AD28F11A-718D-E247-B1B8-8C4561CEA86B}" type="presOf" srcId="{6839F260-6BA1-4346-B3A0-03DA9D6E30F9}" destId="{53E79E27-8301-6D41-B26D-17F46A72DE7D}" srcOrd="0" destOrd="0" presId="urn:microsoft.com/office/officeart/2005/8/layout/orgChart1"/>
-    <dgm:cxn modelId="{D0AC6144-39BC-8045-ACBA-632187CD82D7}" srcId="{5A77C950-58ED-E548-A254-D4EA97B8DB15}" destId="{B7DE1BDB-6633-A442-9076-6077D2DB73F9}" srcOrd="0" destOrd="0" parTransId="{380FE599-D771-7347-837E-5040B6D7859B}" sibTransId="{15CDF2B6-A1AB-C54E-A2C7-C3EF48721D00}"/>
-    <dgm:cxn modelId="{AFC1E998-57F3-3F4B-9A38-8FD08FF468EE}" type="presOf" srcId="{71163973-4991-8548-A614-1741D0E7A526}" destId="{CEFBC386-D7DB-A64B-AE2B-1E2E225A5FA2}" srcOrd="1" destOrd="0" presId="urn:microsoft.com/office/officeart/2005/8/layout/orgChart1"/>
-    <dgm:cxn modelId="{374AF65D-2DF7-FC42-A859-EB455BB48ACE}" srcId="{89314E86-60EE-5045-899C-E7417C09B90D}" destId="{5A77C950-58ED-E548-A254-D4EA97B8DB15}" srcOrd="0" destOrd="0" parTransId="{B749F862-2D6B-B745-B049-A2997DD78459}" sibTransId="{73E67987-3BE7-BE41-945D-2BE72A56575A}"/>
-    <dgm:cxn modelId="{BCA17466-0F2F-ED4F-AE7E-21D0895EE5D5}" type="presOf" srcId="{DA7A2C20-F115-3946-8138-BF6A2E13B90A}" destId="{8213B168-DF4E-F043-9D3B-6DC5B1000FCA}" srcOrd="1" destOrd="0" presId="urn:microsoft.com/office/officeart/2005/8/layout/orgChart1"/>
-    <dgm:cxn modelId="{9EF51639-3A77-524B-98C4-5F8564558747}" type="presOf" srcId="{89314E86-60EE-5045-899C-E7417C09B90D}" destId="{128C9672-596B-C947-97FA-F938099189E1}" srcOrd="0" destOrd="0" presId="urn:microsoft.com/office/officeart/2005/8/layout/orgChart1"/>
+    <dgm:cxn modelId="{6C1BAB4F-1F68-F442-9582-BCD3D464CC8B}" type="presOf" srcId="{48AA78DC-6E73-1946-8BE8-6F2203654B7C}" destId="{55101633-7750-6248-B6C0-5F8DCCD35719}" srcOrd="0" destOrd="0" presId="urn:microsoft.com/office/officeart/2005/8/layout/orgChart1"/>
+    <dgm:cxn modelId="{AB98B083-7CF6-564B-A729-D7771E8907FC}" type="presOf" srcId="{F9CD00FE-3567-AE46-85C7-48884CD17D00}" destId="{A842BD50-3E72-5C41-816A-55632D43A99D}" srcOrd="0" destOrd="0" presId="urn:microsoft.com/office/officeart/2005/8/layout/orgChart1"/>
     <dgm:cxn modelId="{123BE9B5-2564-DE46-9348-3D89DC164D60}" type="presParOf" srcId="{6BE4A84B-0547-CE4C-91EE-C9155EE950C4}" destId="{978B9AA7-B086-144F-B08F-C544A11231A4}" srcOrd="0" destOrd="0" presId="urn:microsoft.com/office/officeart/2005/8/layout/orgChart1"/>
     <dgm:cxn modelId="{7805C1D8-4387-0044-9EC4-61A06578F50A}" type="presParOf" srcId="{978B9AA7-B086-144F-B08F-C544A11231A4}" destId="{C78C0631-9A2C-1A4C-90AF-96F3A7B69B61}" srcOrd="0" destOrd="0" presId="urn:microsoft.com/office/officeart/2005/8/layout/orgChart1"/>
     <dgm:cxn modelId="{9C9B3B25-78C5-F84E-B54F-D67479E1458F}" type="presParOf" srcId="{C78C0631-9A2C-1A4C-90AF-96F3A7B69B61}" destId="{128C9672-596B-C947-97FA-F938099189E1}" srcOrd="0" destOrd="0" presId="urn:microsoft.com/office/officeart/2005/8/layout/orgChart1"/>
@@ -15115,7 +15521,7 @@
           <a:p>
             <a:fld id="{717A0F8B-93E4-D94C-A23F-3BFE25CA288E}" type="datetimeFigureOut">
               <a:rPr kumimoji="1" lang="zh-TW" altLang="en-US" smtClean="0"/>
-              <a:t>2018/5/3</a:t>
+              <a:t>2018/5/24</a:t>
             </a:fld>
             <a:endParaRPr kumimoji="1" lang="zh-TW" altLang="en-US"/>
           </a:p>
@@ -15514,7 +15920,7 @@
           <a:p>
             <a:fld id="{C5A3AF4C-25B1-F44B-852B-3193A0C807C6}" type="datetimeFigureOut">
               <a:rPr kumimoji="1" lang="zh-TW" altLang="en-US" smtClean="0"/>
-              <a:t>2018/5/3</a:t>
+              <a:t>2018/5/24</a:t>
             </a:fld>
             <a:endParaRPr kumimoji="1" lang="zh-TW" altLang="en-US"/>
           </a:p>
@@ -15679,7 +16085,7 @@
           <a:p>
             <a:fld id="{C5A3AF4C-25B1-F44B-852B-3193A0C807C6}" type="datetimeFigureOut">
               <a:rPr kumimoji="1" lang="zh-TW" altLang="en-US" smtClean="0"/>
-              <a:t>2018/5/3</a:t>
+              <a:t>2018/5/24</a:t>
             </a:fld>
             <a:endParaRPr kumimoji="1" lang="zh-TW" altLang="en-US"/>
           </a:p>
@@ -15854,7 +16260,7 @@
           <a:p>
             <a:fld id="{C5A3AF4C-25B1-F44B-852B-3193A0C807C6}" type="datetimeFigureOut">
               <a:rPr kumimoji="1" lang="zh-TW" altLang="en-US" smtClean="0"/>
-              <a:t>2018/5/3</a:t>
+              <a:t>2018/5/24</a:t>
             </a:fld>
             <a:endParaRPr kumimoji="1" lang="zh-TW" altLang="en-US"/>
           </a:p>
@@ -16019,7 +16425,7 @@
           <a:p>
             <a:fld id="{C5A3AF4C-25B1-F44B-852B-3193A0C807C6}" type="datetimeFigureOut">
               <a:rPr kumimoji="1" lang="zh-TW" altLang="en-US" smtClean="0"/>
-              <a:t>2018/5/3</a:t>
+              <a:t>2018/5/24</a:t>
             </a:fld>
             <a:endParaRPr kumimoji="1" lang="zh-TW" altLang="en-US"/>
           </a:p>
@@ -16258,7 +16664,7 @@
           <a:p>
             <a:fld id="{C5A3AF4C-25B1-F44B-852B-3193A0C807C6}" type="datetimeFigureOut">
               <a:rPr kumimoji="1" lang="zh-TW" altLang="en-US" smtClean="0"/>
-              <a:t>2018/5/3</a:t>
+              <a:t>2018/5/24</a:t>
             </a:fld>
             <a:endParaRPr kumimoji="1" lang="zh-TW" altLang="en-US"/>
           </a:p>
@@ -16485,7 +16891,7 @@
           <a:p>
             <a:fld id="{C5A3AF4C-25B1-F44B-852B-3193A0C807C6}" type="datetimeFigureOut">
               <a:rPr kumimoji="1" lang="zh-TW" altLang="en-US" smtClean="0"/>
-              <a:t>2018/5/3</a:t>
+              <a:t>2018/5/24</a:t>
             </a:fld>
             <a:endParaRPr kumimoji="1" lang="zh-TW" altLang="en-US"/>
           </a:p>
@@ -16847,7 +17253,7 @@
           <a:p>
             <a:fld id="{C5A3AF4C-25B1-F44B-852B-3193A0C807C6}" type="datetimeFigureOut">
               <a:rPr kumimoji="1" lang="zh-TW" altLang="en-US" smtClean="0"/>
-              <a:t>2018/5/3</a:t>
+              <a:t>2018/5/24</a:t>
             </a:fld>
             <a:endParaRPr kumimoji="1" lang="zh-TW" altLang="en-US"/>
           </a:p>
@@ -16960,7 +17366,7 @@
           <a:p>
             <a:fld id="{C5A3AF4C-25B1-F44B-852B-3193A0C807C6}" type="datetimeFigureOut">
               <a:rPr kumimoji="1" lang="zh-TW" altLang="en-US" smtClean="0"/>
-              <a:t>2018/5/3</a:t>
+              <a:t>2018/5/24</a:t>
             </a:fld>
             <a:endParaRPr kumimoji="1" lang="zh-TW" altLang="en-US"/>
           </a:p>
@@ -17050,7 +17456,7 @@
           <a:p>
             <a:fld id="{C5A3AF4C-25B1-F44B-852B-3193A0C807C6}" type="datetimeFigureOut">
               <a:rPr kumimoji="1" lang="zh-TW" altLang="en-US" smtClean="0"/>
-              <a:t>2018/5/3</a:t>
+              <a:t>2018/5/24</a:t>
             </a:fld>
             <a:endParaRPr kumimoji="1" lang="zh-TW" altLang="en-US"/>
           </a:p>
@@ -17322,7 +17728,7 @@
           <a:p>
             <a:fld id="{C5A3AF4C-25B1-F44B-852B-3193A0C807C6}" type="datetimeFigureOut">
               <a:rPr kumimoji="1" lang="zh-TW" altLang="en-US" smtClean="0"/>
-              <a:t>2018/5/3</a:t>
+              <a:t>2018/5/24</a:t>
             </a:fld>
             <a:endParaRPr kumimoji="1" lang="zh-TW" altLang="en-US"/>
           </a:p>
@@ -17574,7 +17980,7 @@
           <a:p>
             <a:fld id="{C5A3AF4C-25B1-F44B-852B-3193A0C807C6}" type="datetimeFigureOut">
               <a:rPr kumimoji="1" lang="zh-TW" altLang="en-US" smtClean="0"/>
-              <a:t>2018/5/3</a:t>
+              <a:t>2018/5/24</a:t>
             </a:fld>
             <a:endParaRPr kumimoji="1" lang="zh-TW" altLang="en-US"/>
           </a:p>
@@ -17782,7 +18188,7 @@
           <a:p>
             <a:fld id="{C5A3AF4C-25B1-F44B-852B-3193A0C807C6}" type="datetimeFigureOut">
               <a:rPr kumimoji="1" lang="zh-TW" altLang="en-US" smtClean="0"/>
-              <a:t>2018/5/3</a:t>
+              <a:t>2018/5/24</a:t>
             </a:fld>
             <a:endParaRPr kumimoji="1" lang="zh-TW" altLang="en-US"/>
           </a:p>
@@ -18266,14 +18672,6 @@
               </a:rPr>
               <a:t>關於</a:t>
             </a:r>
-            <a:endParaRPr kumimoji="1" lang="zh-TW" altLang="en-US" sz="2925" b="1">
-              <a:solidFill>
-                <a:schemeClr val="tx1"/>
-              </a:solidFill>
-              <a:latin typeface="Microsoft JhengHei" charset="-120"/>
-              <a:ea typeface="Microsoft JhengHei" charset="-120"/>
-              <a:cs typeface="Microsoft JhengHei" charset="-120"/>
-            </a:endParaRPr>
           </a:p>
         </p:txBody>
       </p:sp>
@@ -18326,14 +18724,6 @@
               </a:rPr>
               <a:t>設定</a:t>
             </a:r>
-            <a:endParaRPr kumimoji="1" lang="zh-TW" altLang="en-US" sz="2925" b="1" dirty="0">
-              <a:solidFill>
-                <a:schemeClr val="tx1"/>
-              </a:solidFill>
-              <a:latin typeface="Microsoft JhengHei" charset="-120"/>
-              <a:ea typeface="Microsoft JhengHei" charset="-120"/>
-              <a:cs typeface="Microsoft JhengHei" charset="-120"/>
-            </a:endParaRPr>
           </a:p>
         </p:txBody>
       </p:sp>
@@ -18559,11 +18949,6 @@
                   </a:rPr>
                   <a:t>3</a:t>
                 </a:r>
-                <a:endParaRPr kumimoji="1" lang="en-US" altLang="zh-TW" sz="2600" dirty="0">
-                  <a:latin typeface="Xingkai TC Light" charset="-120"/>
-                  <a:ea typeface="Xingkai TC Light" charset="-120"/>
-                  <a:cs typeface="Xingkai TC Light" charset="-120"/>
-                </a:endParaRPr>
               </a:p>
             </p:txBody>
           </p:sp>
@@ -18669,11 +19054,6 @@
                   </a:rPr>
                   <a:t>5</a:t>
                 </a:r>
-                <a:endParaRPr kumimoji="1" lang="en-US" altLang="zh-TW" sz="2600" dirty="0">
-                  <a:latin typeface="Xingkai TC Light" charset="-120"/>
-                  <a:ea typeface="Xingkai TC Light" charset="-120"/>
-                  <a:cs typeface="Xingkai TC Light" charset="-120"/>
-                </a:endParaRPr>
               </a:p>
             </p:txBody>
           </p:sp>
@@ -18755,6 +19135,562 @@
                 <a:t>Please Choose Level</a:t>
               </a:r>
               <a:endParaRPr kumimoji="1" lang="zh-TW" altLang="en-US" sz="1463" dirty="0"/>
+            </a:p>
+          </p:txBody>
+        </p:sp>
+      </p:grpSp>
+      <p:grpSp>
+        <p:nvGrpSpPr>
+          <p:cNvPr id="6" name="群組 5"/>
+          <p:cNvGrpSpPr/>
+          <p:nvPr/>
+        </p:nvGrpSpPr>
+        <p:grpSpPr>
+          <a:xfrm>
+            <a:off x="2935928" y="452315"/>
+            <a:ext cx="889000" cy="889000"/>
+            <a:chOff x="4948938" y="487484"/>
+            <a:chExt cx="889000" cy="889000"/>
+          </a:xfrm>
+        </p:grpSpPr>
+        <p:pic>
+          <p:nvPicPr>
+            <p:cNvPr id="2" name="圖片 1"/>
+            <p:cNvPicPr>
+              <a:picLocks noChangeAspect="1"/>
+            </p:cNvPicPr>
+            <p:nvPr/>
+          </p:nvPicPr>
+          <p:blipFill>
+            <a:blip r:embed="rId3">
+              <a:extLst>
+                <a:ext uri="{28A0092B-C50C-407E-A947-70E740481C1C}">
+                  <a14:useLocalDpi xmlns:a14="http://schemas.microsoft.com/office/drawing/2010/main" val="0"/>
+                </a:ext>
+              </a:extLst>
+            </a:blip>
+            <a:stretch>
+              <a:fillRect/>
+            </a:stretch>
+          </p:blipFill>
+          <p:spPr>
+            <a:xfrm>
+              <a:off x="4948938" y="487484"/>
+              <a:ext cx="889000" cy="889000"/>
+            </a:xfrm>
+            <a:prstGeom prst="rect">
+              <a:avLst/>
+            </a:prstGeom>
+          </p:spPr>
+        </p:pic>
+        <p:sp>
+          <p:nvSpPr>
+            <p:cNvPr id="3" name="矩形 2"/>
+            <p:cNvSpPr/>
+            <p:nvPr/>
+          </p:nvSpPr>
+          <p:spPr>
+            <a:xfrm>
+              <a:off x="5135530" y="674076"/>
+              <a:ext cx="515816" cy="515816"/>
+            </a:xfrm>
+            <a:prstGeom prst="rect">
+              <a:avLst/>
+            </a:prstGeom>
+            <a:noFill/>
+            <a:ln>
+              <a:noFill/>
+            </a:ln>
+          </p:spPr>
+          <p:style>
+            <a:lnRef idx="2">
+              <a:schemeClr val="accent1">
+                <a:shade val="50000"/>
+              </a:schemeClr>
+            </a:lnRef>
+            <a:fillRef idx="1">
+              <a:schemeClr val="accent1"/>
+            </a:fillRef>
+            <a:effectRef idx="0">
+              <a:schemeClr val="accent1"/>
+            </a:effectRef>
+            <a:fontRef idx="minor">
+              <a:schemeClr val="lt1"/>
+            </a:fontRef>
+          </p:style>
+          <p:txBody>
+            <a:bodyPr rtlCol="0" anchor="ctr"/>
+            <a:lstStyle/>
+            <a:p>
+              <a:pPr algn="ctr"/>
+              <a:r>
+                <a:rPr kumimoji="1" lang="en-US" altLang="zh-TW" sz="4800" dirty="0" smtClean="0"/>
+                <a:t>U</a:t>
+              </a:r>
+              <a:endParaRPr kumimoji="1" lang="zh-TW" altLang="en-US" sz="4800" dirty="0"/>
+            </a:p>
+          </p:txBody>
+        </p:sp>
+      </p:grpSp>
+      <p:grpSp>
+        <p:nvGrpSpPr>
+          <p:cNvPr id="19" name="群組 18"/>
+          <p:cNvGrpSpPr/>
+          <p:nvPr/>
+        </p:nvGrpSpPr>
+        <p:grpSpPr>
+          <a:xfrm>
+            <a:off x="4182412" y="452315"/>
+            <a:ext cx="889000" cy="889000"/>
+            <a:chOff x="4948938" y="487484"/>
+            <a:chExt cx="889000" cy="889000"/>
+          </a:xfrm>
+        </p:grpSpPr>
+        <p:pic>
+          <p:nvPicPr>
+            <p:cNvPr id="20" name="圖片 19"/>
+            <p:cNvPicPr>
+              <a:picLocks noChangeAspect="1"/>
+            </p:cNvPicPr>
+            <p:nvPr/>
+          </p:nvPicPr>
+          <p:blipFill>
+            <a:blip r:embed="rId3">
+              <a:extLst>
+                <a:ext uri="{28A0092B-C50C-407E-A947-70E740481C1C}">
+                  <a14:useLocalDpi xmlns:a14="http://schemas.microsoft.com/office/drawing/2010/main" val="0"/>
+                </a:ext>
+              </a:extLst>
+            </a:blip>
+            <a:stretch>
+              <a:fillRect/>
+            </a:stretch>
+          </p:blipFill>
+          <p:spPr>
+            <a:xfrm>
+              <a:off x="4948938" y="487484"/>
+              <a:ext cx="889000" cy="889000"/>
+            </a:xfrm>
+            <a:prstGeom prst="rect">
+              <a:avLst/>
+            </a:prstGeom>
+          </p:spPr>
+        </p:pic>
+        <p:sp>
+          <p:nvSpPr>
+            <p:cNvPr id="21" name="矩形 20"/>
+            <p:cNvSpPr/>
+            <p:nvPr/>
+          </p:nvSpPr>
+          <p:spPr>
+            <a:xfrm>
+              <a:off x="5135530" y="674076"/>
+              <a:ext cx="515816" cy="515816"/>
+            </a:xfrm>
+            <a:prstGeom prst="rect">
+              <a:avLst/>
+            </a:prstGeom>
+            <a:noFill/>
+            <a:ln>
+              <a:noFill/>
+            </a:ln>
+          </p:spPr>
+          <p:style>
+            <a:lnRef idx="2">
+              <a:schemeClr val="accent1">
+                <a:shade val="50000"/>
+              </a:schemeClr>
+            </a:lnRef>
+            <a:fillRef idx="1">
+              <a:schemeClr val="accent1"/>
+            </a:fillRef>
+            <a:effectRef idx="0">
+              <a:schemeClr val="accent1"/>
+            </a:effectRef>
+            <a:fontRef idx="minor">
+              <a:schemeClr val="lt1"/>
+            </a:fontRef>
+          </p:style>
+          <p:txBody>
+            <a:bodyPr rtlCol="0" anchor="ctr"/>
+            <a:lstStyle/>
+            <a:p>
+              <a:pPr algn="ctr"/>
+              <a:r>
+                <a:rPr kumimoji="1" lang="en-US" altLang="zh-TW" sz="4800" dirty="0" smtClean="0"/>
+                <a:t>D</a:t>
+              </a:r>
+              <a:endParaRPr kumimoji="1" lang="zh-TW" altLang="en-US" sz="4800" dirty="0"/>
+            </a:p>
+          </p:txBody>
+        </p:sp>
+      </p:grpSp>
+      <p:grpSp>
+        <p:nvGrpSpPr>
+          <p:cNvPr id="22" name="群組 21"/>
+          <p:cNvGrpSpPr/>
+          <p:nvPr/>
+        </p:nvGrpSpPr>
+        <p:grpSpPr>
+          <a:xfrm>
+            <a:off x="5923066" y="483657"/>
+            <a:ext cx="889000" cy="889000"/>
+            <a:chOff x="4948938" y="487484"/>
+            <a:chExt cx="889000" cy="889000"/>
+          </a:xfrm>
+        </p:grpSpPr>
+        <p:pic>
+          <p:nvPicPr>
+            <p:cNvPr id="23" name="圖片 22"/>
+            <p:cNvPicPr>
+              <a:picLocks noChangeAspect="1"/>
+            </p:cNvPicPr>
+            <p:nvPr/>
+          </p:nvPicPr>
+          <p:blipFill>
+            <a:blip r:embed="rId3">
+              <a:extLst>
+                <a:ext uri="{28A0092B-C50C-407E-A947-70E740481C1C}">
+                  <a14:useLocalDpi xmlns:a14="http://schemas.microsoft.com/office/drawing/2010/main" val="0"/>
+                </a:ext>
+              </a:extLst>
+            </a:blip>
+            <a:stretch>
+              <a:fillRect/>
+            </a:stretch>
+          </p:blipFill>
+          <p:spPr>
+            <a:xfrm>
+              <a:off x="4948938" y="487484"/>
+              <a:ext cx="889000" cy="889000"/>
+            </a:xfrm>
+            <a:prstGeom prst="rect">
+              <a:avLst/>
+            </a:prstGeom>
+          </p:spPr>
+        </p:pic>
+        <p:sp>
+          <p:nvSpPr>
+            <p:cNvPr id="24" name="矩形 23"/>
+            <p:cNvSpPr/>
+            <p:nvPr/>
+          </p:nvSpPr>
+          <p:spPr>
+            <a:xfrm>
+              <a:off x="5135530" y="674076"/>
+              <a:ext cx="515816" cy="515816"/>
+            </a:xfrm>
+            <a:prstGeom prst="rect">
+              <a:avLst/>
+            </a:prstGeom>
+            <a:noFill/>
+            <a:ln>
+              <a:noFill/>
+            </a:ln>
+          </p:spPr>
+          <p:style>
+            <a:lnRef idx="2">
+              <a:schemeClr val="accent1">
+                <a:shade val="50000"/>
+              </a:schemeClr>
+            </a:lnRef>
+            <a:fillRef idx="1">
+              <a:schemeClr val="accent1"/>
+            </a:fillRef>
+            <a:effectRef idx="0">
+              <a:schemeClr val="accent1"/>
+            </a:effectRef>
+            <a:fontRef idx="minor">
+              <a:schemeClr val="lt1"/>
+            </a:fontRef>
+          </p:style>
+          <p:txBody>
+            <a:bodyPr rtlCol="0" anchor="ctr"/>
+            <a:lstStyle/>
+            <a:p>
+              <a:pPr algn="ctr"/>
+              <a:r>
+                <a:rPr kumimoji="1" lang="en-US" altLang="zh-TW" sz="4800" smtClean="0"/>
+                <a:t>I</a:t>
+              </a:r>
+              <a:endParaRPr kumimoji="1" lang="zh-TW" altLang="en-US" sz="4800" dirty="0"/>
+            </a:p>
+          </p:txBody>
+        </p:sp>
+      </p:grpSp>
+      <p:grpSp>
+        <p:nvGrpSpPr>
+          <p:cNvPr id="25" name="群組 24"/>
+          <p:cNvGrpSpPr/>
+          <p:nvPr/>
+        </p:nvGrpSpPr>
+        <p:grpSpPr>
+          <a:xfrm>
+            <a:off x="6758107" y="1481208"/>
+            <a:ext cx="889000" cy="889000"/>
+            <a:chOff x="4948938" y="487484"/>
+            <a:chExt cx="889000" cy="889000"/>
+          </a:xfrm>
+        </p:grpSpPr>
+        <p:pic>
+          <p:nvPicPr>
+            <p:cNvPr id="26" name="圖片 25"/>
+            <p:cNvPicPr>
+              <a:picLocks noChangeAspect="1"/>
+            </p:cNvPicPr>
+            <p:nvPr/>
+          </p:nvPicPr>
+          <p:blipFill>
+            <a:blip r:embed="rId3">
+              <a:extLst>
+                <a:ext uri="{28A0092B-C50C-407E-A947-70E740481C1C}">
+                  <a14:useLocalDpi xmlns:a14="http://schemas.microsoft.com/office/drawing/2010/main" val="0"/>
+                </a:ext>
+              </a:extLst>
+            </a:blip>
+            <a:stretch>
+              <a:fillRect/>
+            </a:stretch>
+          </p:blipFill>
+          <p:spPr>
+            <a:xfrm>
+              <a:off x="4948938" y="487484"/>
+              <a:ext cx="889000" cy="889000"/>
+            </a:xfrm>
+            <a:prstGeom prst="rect">
+              <a:avLst/>
+            </a:prstGeom>
+          </p:spPr>
+        </p:pic>
+        <p:sp>
+          <p:nvSpPr>
+            <p:cNvPr id="27" name="矩形 26"/>
+            <p:cNvSpPr/>
+            <p:nvPr/>
+          </p:nvSpPr>
+          <p:spPr>
+            <a:xfrm>
+              <a:off x="5135530" y="674076"/>
+              <a:ext cx="515816" cy="515816"/>
+            </a:xfrm>
+            <a:prstGeom prst="rect">
+              <a:avLst/>
+            </a:prstGeom>
+            <a:noFill/>
+            <a:ln>
+              <a:noFill/>
+            </a:ln>
+          </p:spPr>
+          <p:style>
+            <a:lnRef idx="2">
+              <a:schemeClr val="accent1">
+                <a:shade val="50000"/>
+              </a:schemeClr>
+            </a:lnRef>
+            <a:fillRef idx="1">
+              <a:schemeClr val="accent1"/>
+            </a:fillRef>
+            <a:effectRef idx="0">
+              <a:schemeClr val="accent1"/>
+            </a:effectRef>
+            <a:fontRef idx="minor">
+              <a:schemeClr val="lt1"/>
+            </a:fontRef>
+          </p:style>
+          <p:txBody>
+            <a:bodyPr rtlCol="0" anchor="ctr"/>
+            <a:lstStyle/>
+            <a:p>
+              <a:pPr algn="ctr"/>
+              <a:r>
+                <a:rPr kumimoji="1" lang="en-US" altLang="zh-TW" sz="4800" dirty="0" smtClean="0"/>
+                <a:t>E</a:t>
+              </a:r>
+            </a:p>
+          </p:txBody>
+        </p:sp>
+      </p:grpSp>
+      <p:grpSp>
+        <p:nvGrpSpPr>
+          <p:cNvPr id="28" name="群組 27"/>
+          <p:cNvGrpSpPr/>
+          <p:nvPr/>
+        </p:nvGrpSpPr>
+        <p:grpSpPr>
+          <a:xfrm>
+            <a:off x="1363193" y="441649"/>
+            <a:ext cx="889000" cy="889000"/>
+            <a:chOff x="4948938" y="487484"/>
+            <a:chExt cx="889000" cy="889000"/>
+          </a:xfrm>
+        </p:grpSpPr>
+        <p:pic>
+          <p:nvPicPr>
+            <p:cNvPr id="29" name="圖片 28"/>
+            <p:cNvPicPr>
+              <a:picLocks noChangeAspect="1"/>
+            </p:cNvPicPr>
+            <p:nvPr/>
+          </p:nvPicPr>
+          <p:blipFill>
+            <a:blip r:embed="rId3">
+              <a:extLst>
+                <a:ext uri="{28A0092B-C50C-407E-A947-70E740481C1C}">
+                  <a14:useLocalDpi xmlns:a14="http://schemas.microsoft.com/office/drawing/2010/main" val="0"/>
+                </a:ext>
+              </a:extLst>
+            </a:blip>
+            <a:stretch>
+              <a:fillRect/>
+            </a:stretch>
+          </p:blipFill>
+          <p:spPr>
+            <a:xfrm>
+              <a:off x="4948938" y="487484"/>
+              <a:ext cx="889000" cy="889000"/>
+            </a:xfrm>
+            <a:prstGeom prst="rect">
+              <a:avLst/>
+            </a:prstGeom>
+          </p:spPr>
+        </p:pic>
+        <p:sp>
+          <p:nvSpPr>
+            <p:cNvPr id="30" name="矩形 29"/>
+            <p:cNvSpPr/>
+            <p:nvPr/>
+          </p:nvSpPr>
+          <p:spPr>
+            <a:xfrm>
+              <a:off x="5135530" y="674076"/>
+              <a:ext cx="515816" cy="515816"/>
+            </a:xfrm>
+            <a:prstGeom prst="rect">
+              <a:avLst/>
+            </a:prstGeom>
+            <a:noFill/>
+            <a:ln>
+              <a:noFill/>
+            </a:ln>
+          </p:spPr>
+          <p:style>
+            <a:lnRef idx="2">
+              <a:schemeClr val="accent1">
+                <a:shade val="50000"/>
+              </a:schemeClr>
+            </a:lnRef>
+            <a:fillRef idx="1">
+              <a:schemeClr val="accent1"/>
+            </a:fillRef>
+            <a:effectRef idx="0">
+              <a:schemeClr val="accent1"/>
+            </a:effectRef>
+            <a:fontRef idx="minor">
+              <a:schemeClr val="lt1"/>
+            </a:fontRef>
+          </p:style>
+          <p:txBody>
+            <a:bodyPr rtlCol="0" anchor="ctr"/>
+            <a:lstStyle/>
+            <a:p>
+              <a:pPr algn="ctr"/>
+              <a:r>
+                <a:rPr kumimoji="1" lang="en-US" altLang="zh-TW" sz="4800" dirty="0" smtClean="0"/>
+                <a:t>Y</a:t>
+              </a:r>
+            </a:p>
+          </p:txBody>
+        </p:sp>
+      </p:grpSp>
+      <p:grpSp>
+        <p:nvGrpSpPr>
+          <p:cNvPr id="31" name="群組 30"/>
+          <p:cNvGrpSpPr/>
+          <p:nvPr/>
+        </p:nvGrpSpPr>
+        <p:grpSpPr>
+          <a:xfrm>
+            <a:off x="3809013" y="1628418"/>
+            <a:ext cx="889000" cy="889000"/>
+            <a:chOff x="4948938" y="487484"/>
+            <a:chExt cx="889000" cy="889000"/>
+          </a:xfrm>
+        </p:grpSpPr>
+        <p:pic>
+          <p:nvPicPr>
+            <p:cNvPr id="32" name="圖片 31"/>
+            <p:cNvPicPr>
+              <a:picLocks noChangeAspect="1"/>
+            </p:cNvPicPr>
+            <p:nvPr/>
+          </p:nvPicPr>
+          <p:blipFill>
+            <a:blip r:embed="rId3">
+              <a:extLst>
+                <a:ext uri="{28A0092B-C50C-407E-A947-70E740481C1C}">
+                  <a14:useLocalDpi xmlns:a14="http://schemas.microsoft.com/office/drawing/2010/main" val="0"/>
+                </a:ext>
+              </a:extLst>
+            </a:blip>
+            <a:stretch>
+              <a:fillRect/>
+            </a:stretch>
+          </p:blipFill>
+          <p:spPr>
+            <a:xfrm>
+              <a:off x="4948938" y="487484"/>
+              <a:ext cx="889000" cy="889000"/>
+            </a:xfrm>
+            <a:prstGeom prst="rect">
+              <a:avLst/>
+            </a:prstGeom>
+          </p:spPr>
+        </p:pic>
+        <p:sp>
+          <p:nvSpPr>
+            <p:cNvPr id="33" name="矩形 32"/>
+            <p:cNvSpPr/>
+            <p:nvPr/>
+          </p:nvSpPr>
+          <p:spPr>
+            <a:xfrm>
+              <a:off x="5135530" y="674076"/>
+              <a:ext cx="515816" cy="515816"/>
+            </a:xfrm>
+            <a:prstGeom prst="rect">
+              <a:avLst/>
+            </a:prstGeom>
+            <a:noFill/>
+            <a:ln>
+              <a:noFill/>
+            </a:ln>
+          </p:spPr>
+          <p:style>
+            <a:lnRef idx="2">
+              <a:schemeClr val="accent1">
+                <a:shade val="50000"/>
+              </a:schemeClr>
+            </a:lnRef>
+            <a:fillRef idx="1">
+              <a:schemeClr val="accent1"/>
+            </a:fillRef>
+            <a:effectRef idx="0">
+              <a:schemeClr val="accent1"/>
+            </a:effectRef>
+            <a:fontRef idx="minor">
+              <a:schemeClr val="lt1"/>
+            </a:fontRef>
+          </p:style>
+          <p:txBody>
+            <a:bodyPr rtlCol="0" anchor="ctr"/>
+            <a:lstStyle/>
+            <a:p>
+              <a:pPr algn="ctr"/>
+              <a:r>
+                <a:rPr kumimoji="1" lang="en-US" altLang="zh-TW" sz="4800" dirty="0"/>
+                <a:t>O</a:t>
+              </a:r>
+              <a:endParaRPr kumimoji="1" lang="zh-TW" altLang="en-US" sz="4800" dirty="0"/>
             </a:p>
           </p:txBody>
         </p:sp>

--- a/images/簡報1.pptx
+++ b/images/簡報1.pptx
@@ -4904,66 +4904,66 @@
     </dgm:pt>
   </dgm:ptLst>
   <dgm:cxnLst>
+    <dgm:cxn modelId="{9FA280BF-A210-9A4F-BFFA-889D5ECCBE97}" type="presOf" srcId="{0856A3C7-E4A8-5141-A50D-3168D91ED601}" destId="{F492C2A0-D535-5A49-B715-B16C213DFE91}" srcOrd="0" destOrd="0" presId="urn:microsoft.com/office/officeart/2005/8/layout/orgChart1"/>
+    <dgm:cxn modelId="{966CFF4D-3F0E-E642-9CEE-C66F0A22A8A3}" type="presOf" srcId="{5A77C950-58ED-E548-A254-D4EA97B8DB15}" destId="{83000BA2-0869-A64A-985B-FD0145E6032E}" srcOrd="0" destOrd="0" presId="urn:microsoft.com/office/officeart/2005/8/layout/orgChart1"/>
+    <dgm:cxn modelId="{9A0D6A79-FAB9-B14C-AA2A-50DFEAF4F582}" type="presOf" srcId="{005A96A6-7D03-F048-AE18-D87857054C9B}" destId="{706ABE28-3B9D-004B-A68F-FA1089A611C6}" srcOrd="0" destOrd="0" presId="urn:microsoft.com/office/officeart/2005/8/layout/orgChart1"/>
+    <dgm:cxn modelId="{69E1AC7A-D514-A94A-8DE9-9C6DD9735311}" srcId="{1E4E5730-1D62-424B-88DC-A598FAA90032}" destId="{F9CD00FE-3567-AE46-85C7-48884CD17D00}" srcOrd="1" destOrd="0" parTransId="{D58907CA-3CBD-F14B-BADB-F5DBAF578C77}" sibTransId="{454D586C-2CFE-9F47-B0C4-E971D79F7C80}"/>
+    <dgm:cxn modelId="{BE57780E-005F-364F-AAAC-40A6E16EFF08}" srcId="{71163973-4991-8548-A614-1741D0E7A526}" destId="{A73FFB69-14B0-804E-97F0-BB38C83B0F5A}" srcOrd="0" destOrd="0" parTransId="{B89227FD-4289-6947-B555-D133AAFB6088}" sibTransId="{63C64FD1-6A45-0243-A6DC-2B961EE6D0B7}"/>
+    <dgm:cxn modelId="{0F08C517-F8E1-A440-9CFE-889924E408F4}" type="presOf" srcId="{CBC573EF-E90D-6347-809E-E401648278E2}" destId="{7FE06AB2-EA71-9641-A603-15234D0AE5DE}" srcOrd="0" destOrd="0" presId="urn:microsoft.com/office/officeart/2005/8/layout/orgChart1"/>
+    <dgm:cxn modelId="{AFC1E998-57F3-3F4B-9A38-8FD08FF468EE}" type="presOf" srcId="{71163973-4991-8548-A614-1741D0E7A526}" destId="{CEFBC386-D7DB-A64B-AE2B-1E2E225A5FA2}" srcOrd="1" destOrd="0" presId="urn:microsoft.com/office/officeart/2005/8/layout/orgChart1"/>
+    <dgm:cxn modelId="{DDE3EFDC-CAA2-6948-97AC-EE589DA05485}" type="presOf" srcId="{A73FFB69-14B0-804E-97F0-BB38C83B0F5A}" destId="{7791F5FA-0C0E-0A4F-8160-FC27C2C4D6AD}" srcOrd="0" destOrd="0" presId="urn:microsoft.com/office/officeart/2005/8/layout/orgChart1"/>
+    <dgm:cxn modelId="{2AD14E94-FD63-9944-86B2-015FB068BFAD}" srcId="{1E4E5730-1D62-424B-88DC-A598FAA90032}" destId="{CBC573EF-E90D-6347-809E-E401648278E2}" srcOrd="0" destOrd="0" parTransId="{BAF56933-C328-BA4B-9221-814B34620281}" sibTransId="{75CC5AD2-2569-7640-B749-106D40BA14D4}"/>
+    <dgm:cxn modelId="{9EF51639-3A77-524B-98C4-5F8564558747}" type="presOf" srcId="{89314E86-60EE-5045-899C-E7417C09B90D}" destId="{128C9672-596B-C947-97FA-F938099189E1}" srcOrd="0" destOrd="0" presId="urn:microsoft.com/office/officeart/2005/8/layout/orgChart1"/>
+    <dgm:cxn modelId="{394BCA51-E9B2-1D4F-870C-32609B34323F}" type="presOf" srcId="{A73FFB69-14B0-804E-97F0-BB38C83B0F5A}" destId="{624BD0AB-AD37-A640-921B-C26138EEAC16}" srcOrd="1" destOrd="0" presId="urn:microsoft.com/office/officeart/2005/8/layout/orgChart1"/>
+    <dgm:cxn modelId="{C152F498-E377-834E-925A-B2160F36BA81}" type="presOf" srcId="{11BE08E0-8BD3-8241-AA31-5D3C8BAE883E}" destId="{EDE66430-21B6-8D4B-8624-309DA73F0538}" srcOrd="0" destOrd="0" presId="urn:microsoft.com/office/officeart/2005/8/layout/orgChart1"/>
+    <dgm:cxn modelId="{DF7D91D5-7A8C-B74E-91BE-A2F3C01C84BC}" srcId="{6C2963A9-6D37-B34C-A33B-8170001BC95A}" destId="{89314E86-60EE-5045-899C-E7417C09B90D}" srcOrd="0" destOrd="0" parTransId="{6552183B-C175-EF46-8F8D-A2C8D24C07F5}" sibTransId="{45C2A3D9-A4CD-A24C-BF57-B7FDB6C29B5E}"/>
+    <dgm:cxn modelId="{2B122204-117C-9C4A-BA3B-41FDC37B137C}" type="presOf" srcId="{005A96A6-7D03-F048-AE18-D87857054C9B}" destId="{AA84DF84-70A7-324A-84C2-0E440BA96E4E}" srcOrd="1" destOrd="0" presId="urn:microsoft.com/office/officeart/2005/8/layout/orgChart1"/>
+    <dgm:cxn modelId="{6C1BAB4F-1F68-F442-9582-BCD3D464CC8B}" type="presOf" srcId="{48AA78DC-6E73-1946-8BE8-6F2203654B7C}" destId="{55101633-7750-6248-B6C0-5F8DCCD35719}" srcOrd="0" destOrd="0" presId="urn:microsoft.com/office/officeart/2005/8/layout/orgChart1"/>
+    <dgm:cxn modelId="{3A41FA98-02B3-804B-B5D6-99000F96F8DF}" srcId="{050449A4-EB5B-644F-ACCE-25A388C40F65}" destId="{48AA78DC-6E73-1946-8BE8-6F2203654B7C}" srcOrd="0" destOrd="0" parTransId="{9E28A5D1-B308-D544-A128-464446C84491}" sibTransId="{0B17B36B-7FBF-DE47-8513-555429420C1F}"/>
+    <dgm:cxn modelId="{F40CAC78-D80E-BA4E-9308-B94F02B928BA}" type="presOf" srcId="{DB470F67-F9F6-C04F-A5A8-D006899BBC48}" destId="{6A262A8B-7DC7-7246-A71C-744ED839A856}" srcOrd="0" destOrd="0" presId="urn:microsoft.com/office/officeart/2005/8/layout/orgChart1"/>
+    <dgm:cxn modelId="{D0AC6144-39BC-8045-ACBA-632187CD82D7}" srcId="{5A77C950-58ED-E548-A254-D4EA97B8DB15}" destId="{B7DE1BDB-6633-A442-9076-6077D2DB73F9}" srcOrd="0" destOrd="0" parTransId="{380FE599-D771-7347-837E-5040B6D7859B}" sibTransId="{15CDF2B6-A1AB-C54E-A2C7-C3EF48721D00}"/>
+    <dgm:cxn modelId="{2FF3FB59-79B0-7F4B-8A48-7E0A60516525}" type="presOf" srcId="{050449A4-EB5B-644F-ACCE-25A388C40F65}" destId="{CB6DDF3B-79E1-6743-80EC-104FB86CFD6A}" srcOrd="0" destOrd="0" presId="urn:microsoft.com/office/officeart/2005/8/layout/orgChart1"/>
+    <dgm:cxn modelId="{7CB14844-CB6B-A14B-AEA9-47210F3DA93B}" srcId="{89314E86-60EE-5045-899C-E7417C09B90D}" destId="{1E4E5730-1D62-424B-88DC-A598FAA90032}" srcOrd="2" destOrd="0" parTransId="{D7FF67C8-1A43-E240-9F32-8CC5AF65C090}" sibTransId="{AD44BBC5-53E7-CF4E-90A3-518B900FA1C7}"/>
+    <dgm:cxn modelId="{EF7B882C-FF2D-B745-A830-20CE4DBD0FA2}" srcId="{5A77C950-58ED-E548-A254-D4EA97B8DB15}" destId="{FF11A2BF-9380-DC4E-A16D-B170C89A5F01}" srcOrd="3" destOrd="0" parTransId="{DB470F67-F9F6-C04F-A5A8-D006899BBC48}" sibTransId="{0862A5FE-A8EA-2E4E-8EF2-8DD38674E1A6}"/>
+    <dgm:cxn modelId="{95BD88AF-2A02-B14B-9ACB-143C6ED5F21D}" type="presOf" srcId="{B7DE1BDB-6633-A442-9076-6077D2DB73F9}" destId="{7BE81116-1A67-F947-B03E-A96F3A736855}" srcOrd="0" destOrd="0" presId="urn:microsoft.com/office/officeart/2005/8/layout/orgChart1"/>
+    <dgm:cxn modelId="{C484AEE4-E429-CD4C-A54C-1612195107B3}" type="presOf" srcId="{1E4E5730-1D62-424B-88DC-A598FAA90032}" destId="{0DFBCC65-40E4-B340-B677-A3DBC0B288DB}" srcOrd="1" destOrd="0" presId="urn:microsoft.com/office/officeart/2005/8/layout/orgChart1"/>
+    <dgm:cxn modelId="{92882340-D9C4-3444-A3CB-D34C8A064CBC}" type="presOf" srcId="{5A77C950-58ED-E548-A254-D4EA97B8DB15}" destId="{65B1000F-16D1-7642-A8B7-9272DD88B9B1}" srcOrd="1" destOrd="0" presId="urn:microsoft.com/office/officeart/2005/8/layout/orgChart1"/>
+    <dgm:cxn modelId="{374AF65D-2DF7-FC42-A859-EB455BB48ACE}" srcId="{89314E86-60EE-5045-899C-E7417C09B90D}" destId="{5A77C950-58ED-E548-A254-D4EA97B8DB15}" srcOrd="0" destOrd="0" parTransId="{B749F862-2D6B-B745-B049-A2997DD78459}" sibTransId="{73E67987-3BE7-BE41-945D-2BE72A56575A}"/>
+    <dgm:cxn modelId="{EF9E56A3-F16B-F645-BC06-D9B906E35C49}" srcId="{89314E86-60EE-5045-899C-E7417C09B90D}" destId="{050449A4-EB5B-644F-ACCE-25A388C40F65}" srcOrd="1" destOrd="0" parTransId="{0856A3C7-E4A8-5141-A50D-3168D91ED601}" sibTransId="{12E35422-6A60-5E43-96F0-C18D8EB08785}"/>
+    <dgm:cxn modelId="{DDDD2EE8-155D-7F41-90EB-016EF7D4EA80}" type="presOf" srcId="{24818FBC-AEF6-9448-82AE-EAE149309BFC}" destId="{44596B05-93D3-7146-88F3-77AD5CF63CD4}" srcOrd="0" destOrd="0" presId="urn:microsoft.com/office/officeart/2005/8/layout/orgChart1"/>
+    <dgm:cxn modelId="{6B6B2669-FC45-6740-ACDD-E2808395DFF5}" type="presOf" srcId="{9E28A5D1-B308-D544-A128-464446C84491}" destId="{388624FC-1E86-734B-B8C6-A10CB975BDC3}" srcOrd="0" destOrd="0" presId="urn:microsoft.com/office/officeart/2005/8/layout/orgChart1"/>
+    <dgm:cxn modelId="{6E35AF57-B407-C84E-B45F-6C89A7305214}" type="presOf" srcId="{B89227FD-4289-6947-B555-D133AAFB6088}" destId="{08E95A04-6C00-AD46-BA0D-93623E8A7438}" srcOrd="0" destOrd="0" presId="urn:microsoft.com/office/officeart/2005/8/layout/orgChart1"/>
+    <dgm:cxn modelId="{3AD2D59A-2CA6-2140-B09F-07ED2D050449}" type="presOf" srcId="{11BE08E0-8BD3-8241-AA31-5D3C8BAE883E}" destId="{EC42C478-3B14-3A43-AD41-CD4F28BC5D3D}" srcOrd="1" destOrd="0" presId="urn:microsoft.com/office/officeart/2005/8/layout/orgChart1"/>
+    <dgm:cxn modelId="{AD28F11A-718D-E247-B1B8-8C4561CEA86B}" type="presOf" srcId="{6839F260-6BA1-4346-B3A0-03DA9D6E30F9}" destId="{53E79E27-8301-6D41-B26D-17F46A72DE7D}" srcOrd="0" destOrd="0" presId="urn:microsoft.com/office/officeart/2005/8/layout/orgChart1"/>
+    <dgm:cxn modelId="{4B405B9F-4843-694F-919C-C9DCF13D73FD}" type="presOf" srcId="{BAF56933-C328-BA4B-9221-814B34620281}" destId="{06EFD6FF-1C9C-E245-952A-796D107C5434}" srcOrd="0" destOrd="0" presId="urn:microsoft.com/office/officeart/2005/8/layout/orgChart1"/>
+    <dgm:cxn modelId="{A2158EAE-AE31-4A42-A1B8-FCD131DA59BB}" type="presOf" srcId="{B7DE1BDB-6633-A442-9076-6077D2DB73F9}" destId="{EB26B174-9B20-834F-8856-9BB58900F541}" srcOrd="1" destOrd="0" presId="urn:microsoft.com/office/officeart/2005/8/layout/orgChart1"/>
+    <dgm:cxn modelId="{AC3D5F69-692C-A548-B647-AA3C2BBE2EDA}" type="presOf" srcId="{6155CF2C-7977-D14D-99D6-F5A1262B6548}" destId="{CD77DF7A-9D93-7741-BECC-8DB44EFD3EF3}" srcOrd="1" destOrd="0" presId="urn:microsoft.com/office/officeart/2005/8/layout/orgChart1"/>
+    <dgm:cxn modelId="{D9B9CB26-4B30-974A-903D-1590319DDC6F}" type="presOf" srcId="{71163973-4991-8548-A614-1741D0E7A526}" destId="{B4E24BE5-47F4-B24C-9630-08523CC43C14}" srcOrd="0" destOrd="0" presId="urn:microsoft.com/office/officeart/2005/8/layout/orgChart1"/>
+    <dgm:cxn modelId="{CFD32C9A-F2D0-124E-B713-45378EAFB799}" type="presOf" srcId="{D7FF67C8-1A43-E240-9F32-8CC5AF65C090}" destId="{07EF9321-D2E9-A943-9556-8A863B7941ED}" srcOrd="0" destOrd="0" presId="urn:microsoft.com/office/officeart/2005/8/layout/orgChart1"/>
+    <dgm:cxn modelId="{BCA17466-0F2F-ED4F-AE7E-21D0895EE5D5}" type="presOf" srcId="{DA7A2C20-F115-3946-8138-BF6A2E13B90A}" destId="{8213B168-DF4E-F043-9D3B-6DC5B1000FCA}" srcOrd="1" destOrd="0" presId="urn:microsoft.com/office/officeart/2005/8/layout/orgChart1"/>
+    <dgm:cxn modelId="{F5E2EECA-1F45-974C-AB77-46FD6D659C61}" srcId="{89314E86-60EE-5045-899C-E7417C09B90D}" destId="{DA7A2C20-F115-3946-8138-BF6A2E13B90A}" srcOrd="4" destOrd="0" parTransId="{BDB10FF1-16F5-B943-AD2A-7BE14FB1775D}" sibTransId="{3CF6DEA3-9EFC-2741-8815-AEBD149F37E0}"/>
     <dgm:cxn modelId="{2AB6984F-8346-5941-8AF6-F57DFF00D21D}" type="presOf" srcId="{1E4E5730-1D62-424B-88DC-A598FAA90032}" destId="{7CC73BFE-A525-1841-9C46-B24530BAED35}" srcOrd="0" destOrd="0" presId="urn:microsoft.com/office/officeart/2005/8/layout/orgChart1"/>
-    <dgm:cxn modelId="{9EF51639-3A77-524B-98C4-5F8564558747}" type="presOf" srcId="{89314E86-60EE-5045-899C-E7417C09B90D}" destId="{128C9672-596B-C947-97FA-F938099189E1}" srcOrd="0" destOrd="0" presId="urn:microsoft.com/office/officeart/2005/8/layout/orgChart1"/>
-    <dgm:cxn modelId="{A2158EAE-AE31-4A42-A1B8-FCD131DA59BB}" type="presOf" srcId="{B7DE1BDB-6633-A442-9076-6077D2DB73F9}" destId="{EB26B174-9B20-834F-8856-9BB58900F541}" srcOrd="1" destOrd="0" presId="urn:microsoft.com/office/officeart/2005/8/layout/orgChart1"/>
+    <dgm:cxn modelId="{3AF43ABE-6F58-2F4E-9BA4-2BED33B2EFAD}" type="presOf" srcId="{050449A4-EB5B-644F-ACCE-25A388C40F65}" destId="{7D5AA04B-9F18-654E-AEF4-9063D72014D0}" srcOrd="1" destOrd="0" presId="urn:microsoft.com/office/officeart/2005/8/layout/orgChart1"/>
+    <dgm:cxn modelId="{E6287AE7-1D3C-E947-A758-7F29C4F35EED}" type="presOf" srcId="{89314E86-60EE-5045-899C-E7417C09B90D}" destId="{7609B86B-45C5-724B-9A55-D21D4F7EA93F}" srcOrd="1" destOrd="0" presId="urn:microsoft.com/office/officeart/2005/8/layout/orgChart1"/>
+    <dgm:cxn modelId="{993D77C6-FB7B-4B40-9D15-1BDC7B5462B0}" srcId="{5A77C950-58ED-E548-A254-D4EA97B8DB15}" destId="{005A96A6-7D03-F048-AE18-D87857054C9B}" srcOrd="4" destOrd="0" parTransId="{3B092136-6835-304E-AC51-D9BC322545E9}" sibTransId="{3CCE1415-DA2F-BF4D-9D68-F2B470E71518}"/>
+    <dgm:cxn modelId="{F64E0F6E-D58E-9645-9536-F40DE2128E9F}" type="presOf" srcId="{CBC573EF-E90D-6347-809E-E401648278E2}" destId="{65799993-F98E-F941-9623-93A3736C5ECC}" srcOrd="1" destOrd="0" presId="urn:microsoft.com/office/officeart/2005/8/layout/orgChart1"/>
+    <dgm:cxn modelId="{DFAA279C-A2DE-A94A-A9C5-3C325FA0F705}" type="presOf" srcId="{FF11A2BF-9380-DC4E-A16D-B170C89A5F01}" destId="{8F5D0854-A50A-2A4B-B05F-04FE902D5672}" srcOrd="0" destOrd="0" presId="urn:microsoft.com/office/officeart/2005/8/layout/orgChart1"/>
+    <dgm:cxn modelId="{6321E819-770A-E141-A957-FCF974A6E00A}" type="presOf" srcId="{3B092136-6835-304E-AC51-D9BC322545E9}" destId="{7401CD6B-2EC8-8B49-B706-725F8DBDACBF}" srcOrd="0" destOrd="0" presId="urn:microsoft.com/office/officeart/2005/8/layout/orgChart1"/>
+    <dgm:cxn modelId="{18DD4A98-99CA-3C4A-AF7C-AC03105468B5}" type="presOf" srcId="{BDB10FF1-16F5-B943-AD2A-7BE14FB1775D}" destId="{7E4A15C2-BADE-FD4F-955B-C7C3148A56CF}" srcOrd="0" destOrd="0" presId="urn:microsoft.com/office/officeart/2005/8/layout/orgChart1"/>
+    <dgm:cxn modelId="{70C10195-21B8-F740-83F4-7BF30C3965F3}" type="presOf" srcId="{48AA78DC-6E73-1946-8BE8-6F2203654B7C}" destId="{5733AAED-D4F4-DA44-9984-54986C9D5363}" srcOrd="1" destOrd="0" presId="urn:microsoft.com/office/officeart/2005/8/layout/orgChart1"/>
+    <dgm:cxn modelId="{619C11C0-FB3F-5744-8982-5A7BC6B37F05}" type="presOf" srcId="{DA7A2C20-F115-3946-8138-BF6A2E13B90A}" destId="{A99EF92C-53D6-FD40-B2DC-FD21D32A0E3A}" srcOrd="0" destOrd="0" presId="urn:microsoft.com/office/officeart/2005/8/layout/orgChart1"/>
+    <dgm:cxn modelId="{D86C74A1-0FE2-3448-8D16-BB96AB698C62}" type="presOf" srcId="{FF11A2BF-9380-DC4E-A16D-B170C89A5F01}" destId="{81E158C6-78CE-C349-82EF-C1864BF10A73}" srcOrd="1" destOrd="0" presId="urn:microsoft.com/office/officeart/2005/8/layout/orgChart1"/>
+    <dgm:cxn modelId="{0574C2D1-4B5E-6146-9A9C-903707C6FCA4}" type="presOf" srcId="{6C2963A9-6D37-B34C-A33B-8170001BC95A}" destId="{6BE4A84B-0547-CE4C-91EE-C9155EE950C4}" srcOrd="0" destOrd="0" presId="urn:microsoft.com/office/officeart/2005/8/layout/orgChart1"/>
+    <dgm:cxn modelId="{1FDBBCEA-D110-8F4A-88BA-B81D02BD0D1A}" type="presOf" srcId="{6155CF2C-7977-D14D-99D6-F5A1262B6548}" destId="{C16F8266-96DA-4348-827B-FB5031B737D0}" srcOrd="0" destOrd="0" presId="urn:microsoft.com/office/officeart/2005/8/layout/orgChart1"/>
+    <dgm:cxn modelId="{7C5E6207-54AE-164B-8EA7-B5497C590C00}" srcId="{5A77C950-58ED-E548-A254-D4EA97B8DB15}" destId="{6155CF2C-7977-D14D-99D6-F5A1262B6548}" srcOrd="1" destOrd="0" parTransId="{6839F260-6BA1-4346-B3A0-03DA9D6E30F9}" sibTransId="{226B18D8-A509-9041-AC01-CC2DC39DDE8C}"/>
+    <dgm:cxn modelId="{FA992485-F5DD-3246-BC1B-2A25B157D81D}" srcId="{89314E86-60EE-5045-899C-E7417C09B90D}" destId="{71163973-4991-8548-A614-1741D0E7A526}" srcOrd="3" destOrd="0" parTransId="{71B89020-FC18-8440-984C-03FD01C87E6A}" sibTransId="{91987DF1-43A3-3647-A8EC-A2A0B84551E4}"/>
+    <dgm:cxn modelId="{EA397EB9-2820-A348-80E6-65FF17E6D57D}" type="presOf" srcId="{71B89020-FC18-8440-984C-03FD01C87E6A}" destId="{A0022CAE-76FC-8A49-96C0-2437950F7D9A}" srcOrd="0" destOrd="0" presId="urn:microsoft.com/office/officeart/2005/8/layout/orgChart1"/>
+    <dgm:cxn modelId="{856FD226-A739-094F-8A7E-859E6FFDE5EC}" type="presOf" srcId="{B749F862-2D6B-B745-B049-A2997DD78459}" destId="{D1ADB443-DC5D-7A4D-9FC2-F94CD67C1EAE}" srcOrd="0" destOrd="0" presId="urn:microsoft.com/office/officeart/2005/8/layout/orgChart1"/>
+    <dgm:cxn modelId="{16AD03D0-4909-724F-9665-E7E2510B8393}" type="presOf" srcId="{380FE599-D771-7347-837E-5040B6D7859B}" destId="{0C9F4A48-45F6-AA4D-96BF-688E71308A31}" srcOrd="0" destOrd="0" presId="urn:microsoft.com/office/officeart/2005/8/layout/orgChart1"/>
+    <dgm:cxn modelId="{FA038F80-5A99-2B4E-BE4A-DFA2A0C25100}" srcId="{5A77C950-58ED-E548-A254-D4EA97B8DB15}" destId="{11BE08E0-8BD3-8241-AA31-5D3C8BAE883E}" srcOrd="2" destOrd="0" parTransId="{24818FBC-AEF6-9448-82AE-EAE149309BFC}" sibTransId="{74BD77DC-5D13-8140-9438-2D10771BB41C}"/>
     <dgm:cxn modelId="{C28C2704-3596-DA47-8583-178BFF3EAC08}" type="presOf" srcId="{D58907CA-3CBD-F14B-BADB-F5DBAF578C77}" destId="{15FFE189-9009-F643-878C-0386AFB1963B}" srcOrd="0" destOrd="0" presId="urn:microsoft.com/office/officeart/2005/8/layout/orgChart1"/>
-    <dgm:cxn modelId="{1FDBBCEA-D110-8F4A-88BA-B81D02BD0D1A}" type="presOf" srcId="{6155CF2C-7977-D14D-99D6-F5A1262B6548}" destId="{C16F8266-96DA-4348-827B-FB5031B737D0}" srcOrd="0" destOrd="0" presId="urn:microsoft.com/office/officeart/2005/8/layout/orgChart1"/>
-    <dgm:cxn modelId="{F64E0F6E-D58E-9645-9536-F40DE2128E9F}" type="presOf" srcId="{CBC573EF-E90D-6347-809E-E401648278E2}" destId="{65799993-F98E-F941-9623-93A3736C5ECC}" srcOrd="1" destOrd="0" presId="urn:microsoft.com/office/officeart/2005/8/layout/orgChart1"/>
-    <dgm:cxn modelId="{F5E2EECA-1F45-974C-AB77-46FD6D659C61}" srcId="{89314E86-60EE-5045-899C-E7417C09B90D}" destId="{DA7A2C20-F115-3946-8138-BF6A2E13B90A}" srcOrd="4" destOrd="0" parTransId="{BDB10FF1-16F5-B943-AD2A-7BE14FB1775D}" sibTransId="{3CF6DEA3-9EFC-2741-8815-AEBD149F37E0}"/>
-    <dgm:cxn modelId="{4B405B9F-4843-694F-919C-C9DCF13D73FD}" type="presOf" srcId="{BAF56933-C328-BA4B-9221-814B34620281}" destId="{06EFD6FF-1C9C-E245-952A-796D107C5434}" srcOrd="0" destOrd="0" presId="urn:microsoft.com/office/officeart/2005/8/layout/orgChart1"/>
-    <dgm:cxn modelId="{9FA280BF-A210-9A4F-BFFA-889D5ECCBE97}" type="presOf" srcId="{0856A3C7-E4A8-5141-A50D-3168D91ED601}" destId="{F492C2A0-D535-5A49-B715-B16C213DFE91}" srcOrd="0" destOrd="0" presId="urn:microsoft.com/office/officeart/2005/8/layout/orgChart1"/>
-    <dgm:cxn modelId="{CFD32C9A-F2D0-124E-B713-45378EAFB799}" type="presOf" srcId="{D7FF67C8-1A43-E240-9F32-8CC5AF65C090}" destId="{07EF9321-D2E9-A943-9556-8A863B7941ED}" srcOrd="0" destOrd="0" presId="urn:microsoft.com/office/officeart/2005/8/layout/orgChart1"/>
-    <dgm:cxn modelId="{9A0D6A79-FAB9-B14C-AA2A-50DFEAF4F582}" type="presOf" srcId="{005A96A6-7D03-F048-AE18-D87857054C9B}" destId="{706ABE28-3B9D-004B-A68F-FA1089A611C6}" srcOrd="0" destOrd="0" presId="urn:microsoft.com/office/officeart/2005/8/layout/orgChart1"/>
-    <dgm:cxn modelId="{394BCA51-E9B2-1D4F-870C-32609B34323F}" type="presOf" srcId="{A73FFB69-14B0-804E-97F0-BB38C83B0F5A}" destId="{624BD0AB-AD37-A640-921B-C26138EEAC16}" srcOrd="1" destOrd="0" presId="urn:microsoft.com/office/officeart/2005/8/layout/orgChart1"/>
-    <dgm:cxn modelId="{FA992485-F5DD-3246-BC1B-2A25B157D81D}" srcId="{89314E86-60EE-5045-899C-E7417C09B90D}" destId="{71163973-4991-8548-A614-1741D0E7A526}" srcOrd="3" destOrd="0" parTransId="{71B89020-FC18-8440-984C-03FD01C87E6A}" sibTransId="{91987DF1-43A3-3647-A8EC-A2A0B84551E4}"/>
-    <dgm:cxn modelId="{7CB14844-CB6B-A14B-AEA9-47210F3DA93B}" srcId="{89314E86-60EE-5045-899C-E7417C09B90D}" destId="{1E4E5730-1D62-424B-88DC-A598FAA90032}" srcOrd="2" destOrd="0" parTransId="{D7FF67C8-1A43-E240-9F32-8CC5AF65C090}" sibTransId="{AD44BBC5-53E7-CF4E-90A3-518B900FA1C7}"/>
-    <dgm:cxn modelId="{D86C74A1-0FE2-3448-8D16-BB96AB698C62}" type="presOf" srcId="{FF11A2BF-9380-DC4E-A16D-B170C89A5F01}" destId="{81E158C6-78CE-C349-82EF-C1864BF10A73}" srcOrd="1" destOrd="0" presId="urn:microsoft.com/office/officeart/2005/8/layout/orgChart1"/>
-    <dgm:cxn modelId="{2AD14E94-FD63-9944-86B2-015FB068BFAD}" srcId="{1E4E5730-1D62-424B-88DC-A598FAA90032}" destId="{CBC573EF-E90D-6347-809E-E401648278E2}" srcOrd="0" destOrd="0" parTransId="{BAF56933-C328-BA4B-9221-814B34620281}" sibTransId="{75CC5AD2-2569-7640-B749-106D40BA14D4}"/>
-    <dgm:cxn modelId="{C484AEE4-E429-CD4C-A54C-1612195107B3}" type="presOf" srcId="{1E4E5730-1D62-424B-88DC-A598FAA90032}" destId="{0DFBCC65-40E4-B340-B677-A3DBC0B288DB}" srcOrd="1" destOrd="0" presId="urn:microsoft.com/office/officeart/2005/8/layout/orgChart1"/>
+    <dgm:cxn modelId="{AB98B083-7CF6-564B-A729-D7771E8907FC}" type="presOf" srcId="{F9CD00FE-3567-AE46-85C7-48884CD17D00}" destId="{A842BD50-3E72-5C41-816A-55632D43A99D}" srcOrd="0" destOrd="0" presId="urn:microsoft.com/office/officeart/2005/8/layout/orgChart1"/>
     <dgm:cxn modelId="{6D765F58-1097-1047-867B-93A741C46466}" type="presOf" srcId="{F9CD00FE-3567-AE46-85C7-48884CD17D00}" destId="{68290C39-F1B2-7A42-8EE8-6922B493C2EB}" srcOrd="1" destOrd="0" presId="urn:microsoft.com/office/officeart/2005/8/layout/orgChart1"/>
-    <dgm:cxn modelId="{D0AC6144-39BC-8045-ACBA-632187CD82D7}" srcId="{5A77C950-58ED-E548-A254-D4EA97B8DB15}" destId="{B7DE1BDB-6633-A442-9076-6077D2DB73F9}" srcOrd="0" destOrd="0" parTransId="{380FE599-D771-7347-837E-5040B6D7859B}" sibTransId="{15CDF2B6-A1AB-C54E-A2C7-C3EF48721D00}"/>
-    <dgm:cxn modelId="{AFC1E998-57F3-3F4B-9A38-8FD08FF468EE}" type="presOf" srcId="{71163973-4991-8548-A614-1741D0E7A526}" destId="{CEFBC386-D7DB-A64B-AE2B-1E2E225A5FA2}" srcOrd="1" destOrd="0" presId="urn:microsoft.com/office/officeart/2005/8/layout/orgChart1"/>
-    <dgm:cxn modelId="{966CFF4D-3F0E-E642-9CEE-C66F0A22A8A3}" type="presOf" srcId="{5A77C950-58ED-E548-A254-D4EA97B8DB15}" destId="{83000BA2-0869-A64A-985B-FD0145E6032E}" srcOrd="0" destOrd="0" presId="urn:microsoft.com/office/officeart/2005/8/layout/orgChart1"/>
-    <dgm:cxn modelId="{2FF3FB59-79B0-7F4B-8A48-7E0A60516525}" type="presOf" srcId="{050449A4-EB5B-644F-ACCE-25A388C40F65}" destId="{CB6DDF3B-79E1-6743-80EC-104FB86CFD6A}" srcOrd="0" destOrd="0" presId="urn:microsoft.com/office/officeart/2005/8/layout/orgChart1"/>
-    <dgm:cxn modelId="{70C10195-21B8-F740-83F4-7BF30C3965F3}" type="presOf" srcId="{48AA78DC-6E73-1946-8BE8-6F2203654B7C}" destId="{5733AAED-D4F4-DA44-9984-54986C9D5363}" srcOrd="1" destOrd="0" presId="urn:microsoft.com/office/officeart/2005/8/layout/orgChart1"/>
-    <dgm:cxn modelId="{EF7B882C-FF2D-B745-A830-20CE4DBD0FA2}" srcId="{5A77C950-58ED-E548-A254-D4EA97B8DB15}" destId="{FF11A2BF-9380-DC4E-A16D-B170C89A5F01}" srcOrd="3" destOrd="0" parTransId="{DB470F67-F9F6-C04F-A5A8-D006899BBC48}" sibTransId="{0862A5FE-A8EA-2E4E-8EF2-8DD38674E1A6}"/>
-    <dgm:cxn modelId="{EF9E56A3-F16B-F645-BC06-D9B906E35C49}" srcId="{89314E86-60EE-5045-899C-E7417C09B90D}" destId="{050449A4-EB5B-644F-ACCE-25A388C40F65}" srcOrd="1" destOrd="0" parTransId="{0856A3C7-E4A8-5141-A50D-3168D91ED601}" sibTransId="{12E35422-6A60-5E43-96F0-C18D8EB08785}"/>
-    <dgm:cxn modelId="{7C5E6207-54AE-164B-8EA7-B5497C590C00}" srcId="{5A77C950-58ED-E548-A254-D4EA97B8DB15}" destId="{6155CF2C-7977-D14D-99D6-F5A1262B6548}" srcOrd="1" destOrd="0" parTransId="{6839F260-6BA1-4346-B3A0-03DA9D6E30F9}" sibTransId="{226B18D8-A509-9041-AC01-CC2DC39DDE8C}"/>
-    <dgm:cxn modelId="{E6287AE7-1D3C-E947-A758-7F29C4F35EED}" type="presOf" srcId="{89314E86-60EE-5045-899C-E7417C09B90D}" destId="{7609B86B-45C5-724B-9A55-D21D4F7EA93F}" srcOrd="1" destOrd="0" presId="urn:microsoft.com/office/officeart/2005/8/layout/orgChart1"/>
-    <dgm:cxn modelId="{AD28F11A-718D-E247-B1B8-8C4561CEA86B}" type="presOf" srcId="{6839F260-6BA1-4346-B3A0-03DA9D6E30F9}" destId="{53E79E27-8301-6D41-B26D-17F46A72DE7D}" srcOrd="0" destOrd="0" presId="urn:microsoft.com/office/officeart/2005/8/layout/orgChart1"/>
-    <dgm:cxn modelId="{FA038F80-5A99-2B4E-BE4A-DFA2A0C25100}" srcId="{5A77C950-58ED-E548-A254-D4EA97B8DB15}" destId="{11BE08E0-8BD3-8241-AA31-5D3C8BAE883E}" srcOrd="2" destOrd="0" parTransId="{24818FBC-AEF6-9448-82AE-EAE149309BFC}" sibTransId="{74BD77DC-5D13-8140-9438-2D10771BB41C}"/>
-    <dgm:cxn modelId="{EA397EB9-2820-A348-80E6-65FF17E6D57D}" type="presOf" srcId="{71B89020-FC18-8440-984C-03FD01C87E6A}" destId="{A0022CAE-76FC-8A49-96C0-2437950F7D9A}" srcOrd="0" destOrd="0" presId="urn:microsoft.com/office/officeart/2005/8/layout/orgChart1"/>
-    <dgm:cxn modelId="{2B122204-117C-9C4A-BA3B-41FDC37B137C}" type="presOf" srcId="{005A96A6-7D03-F048-AE18-D87857054C9B}" destId="{AA84DF84-70A7-324A-84C2-0E440BA96E4E}" srcOrd="1" destOrd="0" presId="urn:microsoft.com/office/officeart/2005/8/layout/orgChart1"/>
-    <dgm:cxn modelId="{BCA17466-0F2F-ED4F-AE7E-21D0895EE5D5}" type="presOf" srcId="{DA7A2C20-F115-3946-8138-BF6A2E13B90A}" destId="{8213B168-DF4E-F043-9D3B-6DC5B1000FCA}" srcOrd="1" destOrd="0" presId="urn:microsoft.com/office/officeart/2005/8/layout/orgChart1"/>
-    <dgm:cxn modelId="{18DD4A98-99CA-3C4A-AF7C-AC03105468B5}" type="presOf" srcId="{BDB10FF1-16F5-B943-AD2A-7BE14FB1775D}" destId="{7E4A15C2-BADE-FD4F-955B-C7C3148A56CF}" srcOrd="0" destOrd="0" presId="urn:microsoft.com/office/officeart/2005/8/layout/orgChart1"/>
-    <dgm:cxn modelId="{16AD03D0-4909-724F-9665-E7E2510B8393}" type="presOf" srcId="{380FE599-D771-7347-837E-5040B6D7859B}" destId="{0C9F4A48-45F6-AA4D-96BF-688E71308A31}" srcOrd="0" destOrd="0" presId="urn:microsoft.com/office/officeart/2005/8/layout/orgChart1"/>
-    <dgm:cxn modelId="{3AD2D59A-2CA6-2140-B09F-07ED2D050449}" type="presOf" srcId="{11BE08E0-8BD3-8241-AA31-5D3C8BAE883E}" destId="{EC42C478-3B14-3A43-AD41-CD4F28BC5D3D}" srcOrd="1" destOrd="0" presId="urn:microsoft.com/office/officeart/2005/8/layout/orgChart1"/>
-    <dgm:cxn modelId="{374AF65D-2DF7-FC42-A859-EB455BB48ACE}" srcId="{89314E86-60EE-5045-899C-E7417C09B90D}" destId="{5A77C950-58ED-E548-A254-D4EA97B8DB15}" srcOrd="0" destOrd="0" parTransId="{B749F862-2D6B-B745-B049-A2997DD78459}" sibTransId="{73E67987-3BE7-BE41-945D-2BE72A56575A}"/>
-    <dgm:cxn modelId="{DDE3EFDC-CAA2-6948-97AC-EE589DA05485}" type="presOf" srcId="{A73FFB69-14B0-804E-97F0-BB38C83B0F5A}" destId="{7791F5FA-0C0E-0A4F-8160-FC27C2C4D6AD}" srcOrd="0" destOrd="0" presId="urn:microsoft.com/office/officeart/2005/8/layout/orgChart1"/>
-    <dgm:cxn modelId="{856FD226-A739-094F-8A7E-859E6FFDE5EC}" type="presOf" srcId="{B749F862-2D6B-B745-B049-A2997DD78459}" destId="{D1ADB443-DC5D-7A4D-9FC2-F94CD67C1EAE}" srcOrd="0" destOrd="0" presId="urn:microsoft.com/office/officeart/2005/8/layout/orgChart1"/>
-    <dgm:cxn modelId="{95BD88AF-2A02-B14B-9ACB-143C6ED5F21D}" type="presOf" srcId="{B7DE1BDB-6633-A442-9076-6077D2DB73F9}" destId="{7BE81116-1A67-F947-B03E-A96F3A736855}" srcOrd="0" destOrd="0" presId="urn:microsoft.com/office/officeart/2005/8/layout/orgChart1"/>
-    <dgm:cxn modelId="{0F08C517-F8E1-A440-9CFE-889924E408F4}" type="presOf" srcId="{CBC573EF-E90D-6347-809E-E401648278E2}" destId="{7FE06AB2-EA71-9641-A603-15234D0AE5DE}" srcOrd="0" destOrd="0" presId="urn:microsoft.com/office/officeart/2005/8/layout/orgChart1"/>
-    <dgm:cxn modelId="{AC3D5F69-692C-A548-B647-AA3C2BBE2EDA}" type="presOf" srcId="{6155CF2C-7977-D14D-99D6-F5A1262B6548}" destId="{CD77DF7A-9D93-7741-BECC-8DB44EFD3EF3}" srcOrd="1" destOrd="0" presId="urn:microsoft.com/office/officeart/2005/8/layout/orgChart1"/>
-    <dgm:cxn modelId="{BE57780E-005F-364F-AAAC-40A6E16EFF08}" srcId="{71163973-4991-8548-A614-1741D0E7A526}" destId="{A73FFB69-14B0-804E-97F0-BB38C83B0F5A}" srcOrd="0" destOrd="0" parTransId="{B89227FD-4289-6947-B555-D133AAFB6088}" sibTransId="{63C64FD1-6A45-0243-A6DC-2B961EE6D0B7}"/>
-    <dgm:cxn modelId="{DFAA279C-A2DE-A94A-A9C5-3C325FA0F705}" type="presOf" srcId="{FF11A2BF-9380-DC4E-A16D-B170C89A5F01}" destId="{8F5D0854-A50A-2A4B-B05F-04FE902D5672}" srcOrd="0" destOrd="0" presId="urn:microsoft.com/office/officeart/2005/8/layout/orgChart1"/>
-    <dgm:cxn modelId="{C152F498-E377-834E-925A-B2160F36BA81}" type="presOf" srcId="{11BE08E0-8BD3-8241-AA31-5D3C8BAE883E}" destId="{EDE66430-21B6-8D4B-8624-309DA73F0538}" srcOrd="0" destOrd="0" presId="urn:microsoft.com/office/officeart/2005/8/layout/orgChart1"/>
-    <dgm:cxn modelId="{6321E819-770A-E141-A957-FCF974A6E00A}" type="presOf" srcId="{3B092136-6835-304E-AC51-D9BC322545E9}" destId="{7401CD6B-2EC8-8B49-B706-725F8DBDACBF}" srcOrd="0" destOrd="0" presId="urn:microsoft.com/office/officeart/2005/8/layout/orgChart1"/>
-    <dgm:cxn modelId="{993D77C6-FB7B-4B40-9D15-1BDC7B5462B0}" srcId="{5A77C950-58ED-E548-A254-D4EA97B8DB15}" destId="{005A96A6-7D03-F048-AE18-D87857054C9B}" srcOrd="4" destOrd="0" parTransId="{3B092136-6835-304E-AC51-D9BC322545E9}" sibTransId="{3CCE1415-DA2F-BF4D-9D68-F2B470E71518}"/>
-    <dgm:cxn modelId="{D9B9CB26-4B30-974A-903D-1590319DDC6F}" type="presOf" srcId="{71163973-4991-8548-A614-1741D0E7A526}" destId="{B4E24BE5-47F4-B24C-9630-08523CC43C14}" srcOrd="0" destOrd="0" presId="urn:microsoft.com/office/officeart/2005/8/layout/orgChart1"/>
-    <dgm:cxn modelId="{69E1AC7A-D514-A94A-8DE9-9C6DD9735311}" srcId="{1E4E5730-1D62-424B-88DC-A598FAA90032}" destId="{F9CD00FE-3567-AE46-85C7-48884CD17D00}" srcOrd="1" destOrd="0" parTransId="{D58907CA-3CBD-F14B-BADB-F5DBAF578C77}" sibTransId="{454D586C-2CFE-9F47-B0C4-E971D79F7C80}"/>
-    <dgm:cxn modelId="{DDDD2EE8-155D-7F41-90EB-016EF7D4EA80}" type="presOf" srcId="{24818FBC-AEF6-9448-82AE-EAE149309BFC}" destId="{44596B05-93D3-7146-88F3-77AD5CF63CD4}" srcOrd="0" destOrd="0" presId="urn:microsoft.com/office/officeart/2005/8/layout/orgChart1"/>
-    <dgm:cxn modelId="{F40CAC78-D80E-BA4E-9308-B94F02B928BA}" type="presOf" srcId="{DB470F67-F9F6-C04F-A5A8-D006899BBC48}" destId="{6A262A8B-7DC7-7246-A71C-744ED839A856}" srcOrd="0" destOrd="0" presId="urn:microsoft.com/office/officeart/2005/8/layout/orgChart1"/>
-    <dgm:cxn modelId="{3AF43ABE-6F58-2F4E-9BA4-2BED33B2EFAD}" type="presOf" srcId="{050449A4-EB5B-644F-ACCE-25A388C40F65}" destId="{7D5AA04B-9F18-654E-AEF4-9063D72014D0}" srcOrd="1" destOrd="0" presId="urn:microsoft.com/office/officeart/2005/8/layout/orgChart1"/>
-    <dgm:cxn modelId="{DF7D91D5-7A8C-B74E-91BE-A2F3C01C84BC}" srcId="{6C2963A9-6D37-B34C-A33B-8170001BC95A}" destId="{89314E86-60EE-5045-899C-E7417C09B90D}" srcOrd="0" destOrd="0" parTransId="{6552183B-C175-EF46-8F8D-A2C8D24C07F5}" sibTransId="{45C2A3D9-A4CD-A24C-BF57-B7FDB6C29B5E}"/>
-    <dgm:cxn modelId="{92882340-D9C4-3444-A3CB-D34C8A064CBC}" type="presOf" srcId="{5A77C950-58ED-E548-A254-D4EA97B8DB15}" destId="{65B1000F-16D1-7642-A8B7-9272DD88B9B1}" srcOrd="1" destOrd="0" presId="urn:microsoft.com/office/officeart/2005/8/layout/orgChart1"/>
-    <dgm:cxn modelId="{6E35AF57-B407-C84E-B45F-6C89A7305214}" type="presOf" srcId="{B89227FD-4289-6947-B555-D133AAFB6088}" destId="{08E95A04-6C00-AD46-BA0D-93623E8A7438}" srcOrd="0" destOrd="0" presId="urn:microsoft.com/office/officeart/2005/8/layout/orgChart1"/>
-    <dgm:cxn modelId="{0574C2D1-4B5E-6146-9A9C-903707C6FCA4}" type="presOf" srcId="{6C2963A9-6D37-B34C-A33B-8170001BC95A}" destId="{6BE4A84B-0547-CE4C-91EE-C9155EE950C4}" srcOrd="0" destOrd="0" presId="urn:microsoft.com/office/officeart/2005/8/layout/orgChart1"/>
-    <dgm:cxn modelId="{6B6B2669-FC45-6740-ACDD-E2808395DFF5}" type="presOf" srcId="{9E28A5D1-B308-D544-A128-464446C84491}" destId="{388624FC-1E86-734B-B8C6-A10CB975BDC3}" srcOrd="0" destOrd="0" presId="urn:microsoft.com/office/officeart/2005/8/layout/orgChart1"/>
-    <dgm:cxn modelId="{3A41FA98-02B3-804B-B5D6-99000F96F8DF}" srcId="{050449A4-EB5B-644F-ACCE-25A388C40F65}" destId="{48AA78DC-6E73-1946-8BE8-6F2203654B7C}" srcOrd="0" destOrd="0" parTransId="{9E28A5D1-B308-D544-A128-464446C84491}" sibTransId="{0B17B36B-7FBF-DE47-8513-555429420C1F}"/>
-    <dgm:cxn modelId="{619C11C0-FB3F-5744-8982-5A7BC6B37F05}" type="presOf" srcId="{DA7A2C20-F115-3946-8138-BF6A2E13B90A}" destId="{A99EF92C-53D6-FD40-B2DC-FD21D32A0E3A}" srcOrd="0" destOrd="0" presId="urn:microsoft.com/office/officeart/2005/8/layout/orgChart1"/>
-    <dgm:cxn modelId="{6C1BAB4F-1F68-F442-9582-BCD3D464CC8B}" type="presOf" srcId="{48AA78DC-6E73-1946-8BE8-6F2203654B7C}" destId="{55101633-7750-6248-B6C0-5F8DCCD35719}" srcOrd="0" destOrd="0" presId="urn:microsoft.com/office/officeart/2005/8/layout/orgChart1"/>
-    <dgm:cxn modelId="{AB98B083-7CF6-564B-A729-D7771E8907FC}" type="presOf" srcId="{F9CD00FE-3567-AE46-85C7-48884CD17D00}" destId="{A842BD50-3E72-5C41-816A-55632D43A99D}" srcOrd="0" destOrd="0" presId="urn:microsoft.com/office/officeart/2005/8/layout/orgChart1"/>
     <dgm:cxn modelId="{123BE9B5-2564-DE46-9348-3D89DC164D60}" type="presParOf" srcId="{6BE4A84B-0547-CE4C-91EE-C9155EE950C4}" destId="{978B9AA7-B086-144F-B08F-C544A11231A4}" srcOrd="0" destOrd="0" presId="urn:microsoft.com/office/officeart/2005/8/layout/orgChart1"/>
     <dgm:cxn modelId="{7805C1D8-4387-0044-9EC4-61A06578F50A}" type="presParOf" srcId="{978B9AA7-B086-144F-B08F-C544A11231A4}" destId="{C78C0631-9A2C-1A4C-90AF-96F3A7B69B61}" srcOrd="0" destOrd="0" presId="urn:microsoft.com/office/officeart/2005/8/layout/orgChart1"/>
     <dgm:cxn modelId="{9C9B3B25-78C5-F84E-B54F-D67479E1458F}" type="presParOf" srcId="{C78C0631-9A2C-1A4C-90AF-96F3A7B69B61}" destId="{128C9672-596B-C947-97FA-F938099189E1}" srcOrd="0" destOrd="0" presId="urn:microsoft.com/office/officeart/2005/8/layout/orgChart1"/>
@@ -15521,7 +15521,7 @@
           <a:p>
             <a:fld id="{717A0F8B-93E4-D94C-A23F-3BFE25CA288E}" type="datetimeFigureOut">
               <a:rPr kumimoji="1" lang="zh-TW" altLang="en-US" smtClean="0"/>
-              <a:t>2018/5/24</a:t>
+              <a:t>2018/5/31</a:t>
             </a:fld>
             <a:endParaRPr kumimoji="1" lang="zh-TW" altLang="en-US"/>
           </a:p>
@@ -15920,7 +15920,7 @@
           <a:p>
             <a:fld id="{C5A3AF4C-25B1-F44B-852B-3193A0C807C6}" type="datetimeFigureOut">
               <a:rPr kumimoji="1" lang="zh-TW" altLang="en-US" smtClean="0"/>
-              <a:t>2018/5/24</a:t>
+              <a:t>2018/5/31</a:t>
             </a:fld>
             <a:endParaRPr kumimoji="1" lang="zh-TW" altLang="en-US"/>
           </a:p>
@@ -16085,7 +16085,7 @@
           <a:p>
             <a:fld id="{C5A3AF4C-25B1-F44B-852B-3193A0C807C6}" type="datetimeFigureOut">
               <a:rPr kumimoji="1" lang="zh-TW" altLang="en-US" smtClean="0"/>
-              <a:t>2018/5/24</a:t>
+              <a:t>2018/5/31</a:t>
             </a:fld>
             <a:endParaRPr kumimoji="1" lang="zh-TW" altLang="en-US"/>
           </a:p>
@@ -16260,7 +16260,7 @@
           <a:p>
             <a:fld id="{C5A3AF4C-25B1-F44B-852B-3193A0C807C6}" type="datetimeFigureOut">
               <a:rPr kumimoji="1" lang="zh-TW" altLang="en-US" smtClean="0"/>
-              <a:t>2018/5/24</a:t>
+              <a:t>2018/5/31</a:t>
             </a:fld>
             <a:endParaRPr kumimoji="1" lang="zh-TW" altLang="en-US"/>
           </a:p>
@@ -16425,7 +16425,7 @@
           <a:p>
             <a:fld id="{C5A3AF4C-25B1-F44B-852B-3193A0C807C6}" type="datetimeFigureOut">
               <a:rPr kumimoji="1" lang="zh-TW" altLang="en-US" smtClean="0"/>
-              <a:t>2018/5/24</a:t>
+              <a:t>2018/5/31</a:t>
             </a:fld>
             <a:endParaRPr kumimoji="1" lang="zh-TW" altLang="en-US"/>
           </a:p>
@@ -16664,7 +16664,7 @@
           <a:p>
             <a:fld id="{C5A3AF4C-25B1-F44B-852B-3193A0C807C6}" type="datetimeFigureOut">
               <a:rPr kumimoji="1" lang="zh-TW" altLang="en-US" smtClean="0"/>
-              <a:t>2018/5/24</a:t>
+              <a:t>2018/5/31</a:t>
             </a:fld>
             <a:endParaRPr kumimoji="1" lang="zh-TW" altLang="en-US"/>
           </a:p>
@@ -16891,7 +16891,7 @@
           <a:p>
             <a:fld id="{C5A3AF4C-25B1-F44B-852B-3193A0C807C6}" type="datetimeFigureOut">
               <a:rPr kumimoji="1" lang="zh-TW" altLang="en-US" smtClean="0"/>
-              <a:t>2018/5/24</a:t>
+              <a:t>2018/5/31</a:t>
             </a:fld>
             <a:endParaRPr kumimoji="1" lang="zh-TW" altLang="en-US"/>
           </a:p>
@@ -17253,7 +17253,7 @@
           <a:p>
             <a:fld id="{C5A3AF4C-25B1-F44B-852B-3193A0C807C6}" type="datetimeFigureOut">
               <a:rPr kumimoji="1" lang="zh-TW" altLang="en-US" smtClean="0"/>
-              <a:t>2018/5/24</a:t>
+              <a:t>2018/5/31</a:t>
             </a:fld>
             <a:endParaRPr kumimoji="1" lang="zh-TW" altLang="en-US"/>
           </a:p>
@@ -17366,7 +17366,7 @@
           <a:p>
             <a:fld id="{C5A3AF4C-25B1-F44B-852B-3193A0C807C6}" type="datetimeFigureOut">
               <a:rPr kumimoji="1" lang="zh-TW" altLang="en-US" smtClean="0"/>
-              <a:t>2018/5/24</a:t>
+              <a:t>2018/5/31</a:t>
             </a:fld>
             <a:endParaRPr kumimoji="1" lang="zh-TW" altLang="en-US"/>
           </a:p>
@@ -17456,7 +17456,7 @@
           <a:p>
             <a:fld id="{C5A3AF4C-25B1-F44B-852B-3193A0C807C6}" type="datetimeFigureOut">
               <a:rPr kumimoji="1" lang="zh-TW" altLang="en-US" smtClean="0"/>
-              <a:t>2018/5/24</a:t>
+              <a:t>2018/5/31</a:t>
             </a:fld>
             <a:endParaRPr kumimoji="1" lang="zh-TW" altLang="en-US"/>
           </a:p>
@@ -17728,7 +17728,7 @@
           <a:p>
             <a:fld id="{C5A3AF4C-25B1-F44B-852B-3193A0C807C6}" type="datetimeFigureOut">
               <a:rPr kumimoji="1" lang="zh-TW" altLang="en-US" smtClean="0"/>
-              <a:t>2018/5/24</a:t>
+              <a:t>2018/5/31</a:t>
             </a:fld>
             <a:endParaRPr kumimoji="1" lang="zh-TW" altLang="en-US"/>
           </a:p>
@@ -17980,7 +17980,7 @@
           <a:p>
             <a:fld id="{C5A3AF4C-25B1-F44B-852B-3193A0C807C6}" type="datetimeFigureOut">
               <a:rPr kumimoji="1" lang="zh-TW" altLang="en-US" smtClean="0"/>
-              <a:t>2018/5/24</a:t>
+              <a:t>2018/5/31</a:t>
             </a:fld>
             <a:endParaRPr kumimoji="1" lang="zh-TW" altLang="en-US"/>
           </a:p>
@@ -18188,7 +18188,7 @@
           <a:p>
             <a:fld id="{C5A3AF4C-25B1-F44B-852B-3193A0C807C6}" type="datetimeFigureOut">
               <a:rPr kumimoji="1" lang="zh-TW" altLang="en-US" smtClean="0"/>
-              <a:t>2018/5/24</a:t>
+              <a:t>2018/5/31</a:t>
             </a:fld>
             <a:endParaRPr kumimoji="1" lang="zh-TW" altLang="en-US"/>
           </a:p>
@@ -19695,6 +19695,363 @@
           </p:txBody>
         </p:sp>
       </p:grpSp>
+      <p:grpSp>
+        <p:nvGrpSpPr>
+          <p:cNvPr id="39" name="群組 38"/>
+          <p:cNvGrpSpPr/>
+          <p:nvPr/>
+        </p:nvGrpSpPr>
+        <p:grpSpPr>
+          <a:xfrm>
+            <a:off x="4707698" y="5738188"/>
+            <a:ext cx="932548" cy="1017341"/>
+            <a:chOff x="2985087" y="5247103"/>
+            <a:chExt cx="932548" cy="1017341"/>
+          </a:xfrm>
+        </p:grpSpPr>
+        <p:sp>
+          <p:nvSpPr>
+            <p:cNvPr id="8" name="橢圓 7"/>
+            <p:cNvSpPr/>
+            <p:nvPr/>
+          </p:nvSpPr>
+          <p:spPr>
+            <a:xfrm>
+              <a:off x="3215227" y="5562036"/>
+              <a:ext cx="702408" cy="702408"/>
+            </a:xfrm>
+            <a:prstGeom prst="ellipse">
+              <a:avLst/>
+            </a:prstGeom>
+            <a:solidFill>
+              <a:schemeClr val="bg1"/>
+            </a:solidFill>
+            <a:ln w="38100">
+              <a:solidFill>
+                <a:schemeClr val="tx1"/>
+              </a:solidFill>
+            </a:ln>
+          </p:spPr>
+          <p:style>
+            <a:lnRef idx="2">
+              <a:schemeClr val="accent1">
+                <a:shade val="50000"/>
+              </a:schemeClr>
+            </a:lnRef>
+            <a:fillRef idx="1">
+              <a:schemeClr val="accent1"/>
+            </a:fillRef>
+            <a:effectRef idx="0">
+              <a:schemeClr val="accent1"/>
+            </a:effectRef>
+            <a:fontRef idx="minor">
+              <a:schemeClr val="lt1"/>
+            </a:fontRef>
+          </p:style>
+          <p:txBody>
+            <a:bodyPr rtlCol="0" anchor="ctr"/>
+            <a:lstStyle/>
+            <a:p>
+              <a:pPr algn="ctr"/>
+              <a:endParaRPr kumimoji="1" lang="zh-TW" altLang="en-US">
+                <a:solidFill>
+                  <a:schemeClr val="tx1"/>
+                </a:solidFill>
+              </a:endParaRPr>
+            </a:p>
+          </p:txBody>
+        </p:sp>
+        <p:grpSp>
+          <p:nvGrpSpPr>
+            <p:cNvPr id="38" name="群組 37"/>
+            <p:cNvGrpSpPr/>
+            <p:nvPr/>
+          </p:nvGrpSpPr>
+          <p:grpSpPr>
+            <a:xfrm>
+              <a:off x="2985087" y="5247103"/>
+              <a:ext cx="372930" cy="375098"/>
+              <a:chOff x="2985087" y="5247103"/>
+              <a:chExt cx="372930" cy="375098"/>
+            </a:xfrm>
+          </p:grpSpPr>
+          <p:sp>
+            <p:nvSpPr>
+              <p:cNvPr id="34" name="橢圓 33"/>
+              <p:cNvSpPr/>
+              <p:nvPr/>
+            </p:nvSpPr>
+            <p:spPr>
+              <a:xfrm>
+                <a:off x="2985087" y="5247103"/>
+                <a:ext cx="230140" cy="230140"/>
+              </a:xfrm>
+              <a:prstGeom prst="ellipse">
+                <a:avLst/>
+              </a:prstGeom>
+              <a:solidFill>
+                <a:schemeClr val="bg1"/>
+              </a:solidFill>
+              <a:ln w="38100">
+                <a:solidFill>
+                  <a:schemeClr val="tx1"/>
+                </a:solidFill>
+              </a:ln>
+            </p:spPr>
+            <p:style>
+              <a:lnRef idx="2">
+                <a:schemeClr val="accent1">
+                  <a:shade val="50000"/>
+                </a:schemeClr>
+              </a:lnRef>
+              <a:fillRef idx="1">
+                <a:schemeClr val="accent1"/>
+              </a:fillRef>
+              <a:effectRef idx="0">
+                <a:schemeClr val="accent1"/>
+              </a:effectRef>
+              <a:fontRef idx="minor">
+                <a:schemeClr val="lt1"/>
+              </a:fontRef>
+            </p:style>
+            <p:txBody>
+              <a:bodyPr rtlCol="0" anchor="ctr"/>
+              <a:lstStyle/>
+              <a:p>
+                <a:pPr algn="ctr"/>
+                <a:endParaRPr kumimoji="1" lang="zh-TW" altLang="en-US">
+                  <a:solidFill>
+                    <a:schemeClr val="tx1"/>
+                  </a:solidFill>
+                </a:endParaRPr>
+              </a:p>
+            </p:txBody>
+          </p:sp>
+          <p:cxnSp>
+            <p:nvCxnSpPr>
+              <p:cNvPr id="36" name="直線接點 35"/>
+              <p:cNvCxnSpPr/>
+              <p:nvPr/>
+            </p:nvCxnSpPr>
+            <p:spPr>
+              <a:xfrm>
+                <a:off x="3187584" y="5451768"/>
+                <a:ext cx="170433" cy="170433"/>
+              </a:xfrm>
+              <a:prstGeom prst="line">
+                <a:avLst/>
+              </a:prstGeom>
+              <a:ln w="38100">
+                <a:solidFill>
+                  <a:schemeClr val="tx1"/>
+                </a:solidFill>
+              </a:ln>
+            </p:spPr>
+            <p:style>
+              <a:lnRef idx="1">
+                <a:schemeClr val="accent1"/>
+              </a:lnRef>
+              <a:fillRef idx="0">
+                <a:schemeClr val="accent1"/>
+              </a:fillRef>
+              <a:effectRef idx="0">
+                <a:schemeClr val="accent1"/>
+              </a:effectRef>
+              <a:fontRef idx="minor">
+                <a:schemeClr val="tx1"/>
+              </a:fontRef>
+            </p:style>
+          </p:cxnSp>
+        </p:grpSp>
+      </p:grpSp>
+      <p:pic>
+        <p:nvPicPr>
+          <p:cNvPr id="46" name="圖片 45"/>
+          <p:cNvPicPr>
+            <a:picLocks noChangeAspect="1"/>
+          </p:cNvPicPr>
+          <p:nvPr/>
+        </p:nvPicPr>
+        <p:blipFill>
+          <a:blip r:embed="rId4">
+            <a:extLst>
+              <a:ext uri="{28A0092B-C50C-407E-A947-70E740481C1C}">
+                <a14:useLocalDpi xmlns:a14="http://schemas.microsoft.com/office/drawing/2010/main" val="0"/>
+              </a:ext>
+            </a:extLst>
+          </a:blip>
+          <a:stretch>
+            <a:fillRect/>
+          </a:stretch>
+        </p:blipFill>
+        <p:spPr>
+          <a:xfrm>
+            <a:off x="4432300" y="3111500"/>
+            <a:ext cx="1036320" cy="615696"/>
+          </a:xfrm>
+          <a:prstGeom prst="rect">
+            <a:avLst/>
+          </a:prstGeom>
+        </p:spPr>
+      </p:pic>
+      <p:grpSp>
+        <p:nvGrpSpPr>
+          <p:cNvPr id="52" name="群組 51"/>
+          <p:cNvGrpSpPr/>
+          <p:nvPr/>
+        </p:nvGrpSpPr>
+        <p:grpSpPr>
+          <a:xfrm>
+            <a:off x="878561" y="5905350"/>
+            <a:ext cx="969264" cy="695098"/>
+            <a:chOff x="878561" y="5905350"/>
+            <a:chExt cx="969264" cy="695098"/>
+          </a:xfrm>
+        </p:grpSpPr>
+        <p:pic>
+          <p:nvPicPr>
+            <p:cNvPr id="47" name="圖片 46"/>
+            <p:cNvPicPr>
+              <a:picLocks noChangeAspect="1"/>
+            </p:cNvPicPr>
+            <p:nvPr/>
+          </p:nvPicPr>
+          <p:blipFill rotWithShape="1">
+            <a:blip r:embed="rId5">
+              <a:extLst>
+                <a:ext uri="{28A0092B-C50C-407E-A947-70E740481C1C}">
+                  <a14:useLocalDpi xmlns:a14="http://schemas.microsoft.com/office/drawing/2010/main" val="0"/>
+                </a:ext>
+              </a:extLst>
+            </a:blip>
+            <a:srcRect t="1" b="35234"/>
+            <a:stretch/>
+          </p:blipFill>
+          <p:spPr>
+            <a:xfrm>
+              <a:off x="878561" y="5905350"/>
+              <a:ext cx="969264" cy="683019"/>
+            </a:xfrm>
+            <a:prstGeom prst="rect">
+              <a:avLst/>
+            </a:prstGeom>
+          </p:spPr>
+        </p:pic>
+        <p:cxnSp>
+          <p:nvCxnSpPr>
+            <p:cNvPr id="49" name="直線接點 48"/>
+            <p:cNvCxnSpPr/>
+            <p:nvPr/>
+          </p:nvCxnSpPr>
+          <p:spPr>
+            <a:xfrm>
+              <a:off x="1102453" y="6600448"/>
+              <a:ext cx="745372" cy="0"/>
+            </a:xfrm>
+            <a:prstGeom prst="line">
+              <a:avLst/>
+            </a:prstGeom>
+            <a:ln w="38100">
+              <a:solidFill>
+                <a:schemeClr val="tx1"/>
+              </a:solidFill>
+            </a:ln>
+          </p:spPr>
+          <p:style>
+            <a:lnRef idx="1">
+              <a:schemeClr val="accent1"/>
+            </a:lnRef>
+            <a:fillRef idx="0">
+              <a:schemeClr val="accent1"/>
+            </a:fillRef>
+            <a:effectRef idx="0">
+              <a:schemeClr val="accent1"/>
+            </a:effectRef>
+            <a:fontRef idx="minor">
+              <a:schemeClr val="tx1"/>
+            </a:fontRef>
+          </p:style>
+        </p:cxnSp>
+      </p:grpSp>
+      <p:grpSp>
+        <p:nvGrpSpPr>
+          <p:cNvPr id="53" name="群組 52"/>
+          <p:cNvGrpSpPr/>
+          <p:nvPr/>
+        </p:nvGrpSpPr>
+        <p:grpSpPr>
+          <a:xfrm flipH="1">
+            <a:off x="1966664" y="5910556"/>
+            <a:ext cx="969264" cy="683019"/>
+            <a:chOff x="878561" y="5905350"/>
+            <a:chExt cx="969264" cy="683019"/>
+          </a:xfrm>
+        </p:grpSpPr>
+        <p:pic>
+          <p:nvPicPr>
+            <p:cNvPr id="54" name="圖片 53"/>
+            <p:cNvPicPr>
+              <a:picLocks noChangeAspect="1"/>
+            </p:cNvPicPr>
+            <p:nvPr/>
+          </p:nvPicPr>
+          <p:blipFill rotWithShape="1">
+            <a:blip r:embed="rId5">
+              <a:extLst>
+                <a:ext uri="{28A0092B-C50C-407E-A947-70E740481C1C}">
+                  <a14:useLocalDpi xmlns:a14="http://schemas.microsoft.com/office/drawing/2010/main" val="0"/>
+                </a:ext>
+              </a:extLst>
+            </a:blip>
+            <a:srcRect t="1" b="35234"/>
+            <a:stretch/>
+          </p:blipFill>
+          <p:spPr>
+            <a:xfrm>
+              <a:off x="878561" y="5905350"/>
+              <a:ext cx="969264" cy="683019"/>
+            </a:xfrm>
+            <a:prstGeom prst="rect">
+              <a:avLst/>
+            </a:prstGeom>
+          </p:spPr>
+        </p:pic>
+        <p:cxnSp>
+          <p:nvCxnSpPr>
+            <p:cNvPr id="55" name="直線接點 54"/>
+            <p:cNvCxnSpPr/>
+            <p:nvPr/>
+          </p:nvCxnSpPr>
+          <p:spPr>
+            <a:xfrm>
+              <a:off x="1127824" y="6577002"/>
+              <a:ext cx="720000" cy="0"/>
+            </a:xfrm>
+            <a:prstGeom prst="line">
+              <a:avLst/>
+            </a:prstGeom>
+            <a:ln w="38100">
+              <a:solidFill>
+                <a:schemeClr val="tx1"/>
+              </a:solidFill>
+            </a:ln>
+          </p:spPr>
+          <p:style>
+            <a:lnRef idx="1">
+              <a:schemeClr val="accent1"/>
+            </a:lnRef>
+            <a:fillRef idx="0">
+              <a:schemeClr val="accent1"/>
+            </a:fillRef>
+            <a:effectRef idx="0">
+              <a:schemeClr val="accent1"/>
+            </a:effectRef>
+            <a:fontRef idx="minor">
+              <a:schemeClr val="tx1"/>
+            </a:fontRef>
+          </p:style>
+        </p:cxnSp>
+      </p:grpSp>
     </p:spTree>
     <p:extLst>
       <p:ext uri="{BB962C8B-B14F-4D97-AF65-F5344CB8AC3E}">

--- a/images/簡報1.pptx
+++ b/images/簡報1.pptx
@@ -4904,66 +4904,66 @@
     </dgm:pt>
   </dgm:ptLst>
   <dgm:cxnLst>
+    <dgm:cxn modelId="{2AB6984F-8346-5941-8AF6-F57DFF00D21D}" type="presOf" srcId="{1E4E5730-1D62-424B-88DC-A598FAA90032}" destId="{7CC73BFE-A525-1841-9C46-B24530BAED35}" srcOrd="0" destOrd="0" presId="urn:microsoft.com/office/officeart/2005/8/layout/orgChart1"/>
+    <dgm:cxn modelId="{9EF51639-3A77-524B-98C4-5F8564558747}" type="presOf" srcId="{89314E86-60EE-5045-899C-E7417C09B90D}" destId="{128C9672-596B-C947-97FA-F938099189E1}" srcOrd="0" destOrd="0" presId="urn:microsoft.com/office/officeart/2005/8/layout/orgChart1"/>
+    <dgm:cxn modelId="{A2158EAE-AE31-4A42-A1B8-FCD131DA59BB}" type="presOf" srcId="{B7DE1BDB-6633-A442-9076-6077D2DB73F9}" destId="{EB26B174-9B20-834F-8856-9BB58900F541}" srcOrd="1" destOrd="0" presId="urn:microsoft.com/office/officeart/2005/8/layout/orgChart1"/>
+    <dgm:cxn modelId="{C28C2704-3596-DA47-8583-178BFF3EAC08}" type="presOf" srcId="{D58907CA-3CBD-F14B-BADB-F5DBAF578C77}" destId="{15FFE189-9009-F643-878C-0386AFB1963B}" srcOrd="0" destOrd="0" presId="urn:microsoft.com/office/officeart/2005/8/layout/orgChart1"/>
+    <dgm:cxn modelId="{1FDBBCEA-D110-8F4A-88BA-B81D02BD0D1A}" type="presOf" srcId="{6155CF2C-7977-D14D-99D6-F5A1262B6548}" destId="{C16F8266-96DA-4348-827B-FB5031B737D0}" srcOrd="0" destOrd="0" presId="urn:microsoft.com/office/officeart/2005/8/layout/orgChart1"/>
+    <dgm:cxn modelId="{F64E0F6E-D58E-9645-9536-F40DE2128E9F}" type="presOf" srcId="{CBC573EF-E90D-6347-809E-E401648278E2}" destId="{65799993-F98E-F941-9623-93A3736C5ECC}" srcOrd="1" destOrd="0" presId="urn:microsoft.com/office/officeart/2005/8/layout/orgChart1"/>
+    <dgm:cxn modelId="{F5E2EECA-1F45-974C-AB77-46FD6D659C61}" srcId="{89314E86-60EE-5045-899C-E7417C09B90D}" destId="{DA7A2C20-F115-3946-8138-BF6A2E13B90A}" srcOrd="4" destOrd="0" parTransId="{BDB10FF1-16F5-B943-AD2A-7BE14FB1775D}" sibTransId="{3CF6DEA3-9EFC-2741-8815-AEBD149F37E0}"/>
+    <dgm:cxn modelId="{4B405B9F-4843-694F-919C-C9DCF13D73FD}" type="presOf" srcId="{BAF56933-C328-BA4B-9221-814B34620281}" destId="{06EFD6FF-1C9C-E245-952A-796D107C5434}" srcOrd="0" destOrd="0" presId="urn:microsoft.com/office/officeart/2005/8/layout/orgChart1"/>
     <dgm:cxn modelId="{9FA280BF-A210-9A4F-BFFA-889D5ECCBE97}" type="presOf" srcId="{0856A3C7-E4A8-5141-A50D-3168D91ED601}" destId="{F492C2A0-D535-5A49-B715-B16C213DFE91}" srcOrd="0" destOrd="0" presId="urn:microsoft.com/office/officeart/2005/8/layout/orgChart1"/>
+    <dgm:cxn modelId="{CFD32C9A-F2D0-124E-B713-45378EAFB799}" type="presOf" srcId="{D7FF67C8-1A43-E240-9F32-8CC5AF65C090}" destId="{07EF9321-D2E9-A943-9556-8A863B7941ED}" srcOrd="0" destOrd="0" presId="urn:microsoft.com/office/officeart/2005/8/layout/orgChart1"/>
+    <dgm:cxn modelId="{9A0D6A79-FAB9-B14C-AA2A-50DFEAF4F582}" type="presOf" srcId="{005A96A6-7D03-F048-AE18-D87857054C9B}" destId="{706ABE28-3B9D-004B-A68F-FA1089A611C6}" srcOrd="0" destOrd="0" presId="urn:microsoft.com/office/officeart/2005/8/layout/orgChart1"/>
+    <dgm:cxn modelId="{394BCA51-E9B2-1D4F-870C-32609B34323F}" type="presOf" srcId="{A73FFB69-14B0-804E-97F0-BB38C83B0F5A}" destId="{624BD0AB-AD37-A640-921B-C26138EEAC16}" srcOrd="1" destOrd="0" presId="urn:microsoft.com/office/officeart/2005/8/layout/orgChart1"/>
+    <dgm:cxn modelId="{FA992485-F5DD-3246-BC1B-2A25B157D81D}" srcId="{89314E86-60EE-5045-899C-E7417C09B90D}" destId="{71163973-4991-8548-A614-1741D0E7A526}" srcOrd="3" destOrd="0" parTransId="{71B89020-FC18-8440-984C-03FD01C87E6A}" sibTransId="{91987DF1-43A3-3647-A8EC-A2A0B84551E4}"/>
+    <dgm:cxn modelId="{7CB14844-CB6B-A14B-AEA9-47210F3DA93B}" srcId="{89314E86-60EE-5045-899C-E7417C09B90D}" destId="{1E4E5730-1D62-424B-88DC-A598FAA90032}" srcOrd="2" destOrd="0" parTransId="{D7FF67C8-1A43-E240-9F32-8CC5AF65C090}" sibTransId="{AD44BBC5-53E7-CF4E-90A3-518B900FA1C7}"/>
+    <dgm:cxn modelId="{D86C74A1-0FE2-3448-8D16-BB96AB698C62}" type="presOf" srcId="{FF11A2BF-9380-DC4E-A16D-B170C89A5F01}" destId="{81E158C6-78CE-C349-82EF-C1864BF10A73}" srcOrd="1" destOrd="0" presId="urn:microsoft.com/office/officeart/2005/8/layout/orgChart1"/>
+    <dgm:cxn modelId="{2AD14E94-FD63-9944-86B2-015FB068BFAD}" srcId="{1E4E5730-1D62-424B-88DC-A598FAA90032}" destId="{CBC573EF-E90D-6347-809E-E401648278E2}" srcOrd="0" destOrd="0" parTransId="{BAF56933-C328-BA4B-9221-814B34620281}" sibTransId="{75CC5AD2-2569-7640-B749-106D40BA14D4}"/>
+    <dgm:cxn modelId="{C484AEE4-E429-CD4C-A54C-1612195107B3}" type="presOf" srcId="{1E4E5730-1D62-424B-88DC-A598FAA90032}" destId="{0DFBCC65-40E4-B340-B677-A3DBC0B288DB}" srcOrd="1" destOrd="0" presId="urn:microsoft.com/office/officeart/2005/8/layout/orgChart1"/>
+    <dgm:cxn modelId="{6D765F58-1097-1047-867B-93A741C46466}" type="presOf" srcId="{F9CD00FE-3567-AE46-85C7-48884CD17D00}" destId="{68290C39-F1B2-7A42-8EE8-6922B493C2EB}" srcOrd="1" destOrd="0" presId="urn:microsoft.com/office/officeart/2005/8/layout/orgChart1"/>
+    <dgm:cxn modelId="{D0AC6144-39BC-8045-ACBA-632187CD82D7}" srcId="{5A77C950-58ED-E548-A254-D4EA97B8DB15}" destId="{B7DE1BDB-6633-A442-9076-6077D2DB73F9}" srcOrd="0" destOrd="0" parTransId="{380FE599-D771-7347-837E-5040B6D7859B}" sibTransId="{15CDF2B6-A1AB-C54E-A2C7-C3EF48721D00}"/>
+    <dgm:cxn modelId="{AFC1E998-57F3-3F4B-9A38-8FD08FF468EE}" type="presOf" srcId="{71163973-4991-8548-A614-1741D0E7A526}" destId="{CEFBC386-D7DB-A64B-AE2B-1E2E225A5FA2}" srcOrd="1" destOrd="0" presId="urn:microsoft.com/office/officeart/2005/8/layout/orgChart1"/>
     <dgm:cxn modelId="{966CFF4D-3F0E-E642-9CEE-C66F0A22A8A3}" type="presOf" srcId="{5A77C950-58ED-E548-A254-D4EA97B8DB15}" destId="{83000BA2-0869-A64A-985B-FD0145E6032E}" srcOrd="0" destOrd="0" presId="urn:microsoft.com/office/officeart/2005/8/layout/orgChart1"/>
-    <dgm:cxn modelId="{9A0D6A79-FAB9-B14C-AA2A-50DFEAF4F582}" type="presOf" srcId="{005A96A6-7D03-F048-AE18-D87857054C9B}" destId="{706ABE28-3B9D-004B-A68F-FA1089A611C6}" srcOrd="0" destOrd="0" presId="urn:microsoft.com/office/officeart/2005/8/layout/orgChart1"/>
+    <dgm:cxn modelId="{2FF3FB59-79B0-7F4B-8A48-7E0A60516525}" type="presOf" srcId="{050449A4-EB5B-644F-ACCE-25A388C40F65}" destId="{CB6DDF3B-79E1-6743-80EC-104FB86CFD6A}" srcOrd="0" destOrd="0" presId="urn:microsoft.com/office/officeart/2005/8/layout/orgChart1"/>
+    <dgm:cxn modelId="{70C10195-21B8-F740-83F4-7BF30C3965F3}" type="presOf" srcId="{48AA78DC-6E73-1946-8BE8-6F2203654B7C}" destId="{5733AAED-D4F4-DA44-9984-54986C9D5363}" srcOrd="1" destOrd="0" presId="urn:microsoft.com/office/officeart/2005/8/layout/orgChart1"/>
+    <dgm:cxn modelId="{EF7B882C-FF2D-B745-A830-20CE4DBD0FA2}" srcId="{5A77C950-58ED-E548-A254-D4EA97B8DB15}" destId="{FF11A2BF-9380-DC4E-A16D-B170C89A5F01}" srcOrd="3" destOrd="0" parTransId="{DB470F67-F9F6-C04F-A5A8-D006899BBC48}" sibTransId="{0862A5FE-A8EA-2E4E-8EF2-8DD38674E1A6}"/>
+    <dgm:cxn modelId="{EF9E56A3-F16B-F645-BC06-D9B906E35C49}" srcId="{89314E86-60EE-5045-899C-E7417C09B90D}" destId="{050449A4-EB5B-644F-ACCE-25A388C40F65}" srcOrd="1" destOrd="0" parTransId="{0856A3C7-E4A8-5141-A50D-3168D91ED601}" sibTransId="{12E35422-6A60-5E43-96F0-C18D8EB08785}"/>
+    <dgm:cxn modelId="{7C5E6207-54AE-164B-8EA7-B5497C590C00}" srcId="{5A77C950-58ED-E548-A254-D4EA97B8DB15}" destId="{6155CF2C-7977-D14D-99D6-F5A1262B6548}" srcOrd="1" destOrd="0" parTransId="{6839F260-6BA1-4346-B3A0-03DA9D6E30F9}" sibTransId="{226B18D8-A509-9041-AC01-CC2DC39DDE8C}"/>
+    <dgm:cxn modelId="{E6287AE7-1D3C-E947-A758-7F29C4F35EED}" type="presOf" srcId="{89314E86-60EE-5045-899C-E7417C09B90D}" destId="{7609B86B-45C5-724B-9A55-D21D4F7EA93F}" srcOrd="1" destOrd="0" presId="urn:microsoft.com/office/officeart/2005/8/layout/orgChart1"/>
+    <dgm:cxn modelId="{AD28F11A-718D-E247-B1B8-8C4561CEA86B}" type="presOf" srcId="{6839F260-6BA1-4346-B3A0-03DA9D6E30F9}" destId="{53E79E27-8301-6D41-B26D-17F46A72DE7D}" srcOrd="0" destOrd="0" presId="urn:microsoft.com/office/officeart/2005/8/layout/orgChart1"/>
+    <dgm:cxn modelId="{FA038F80-5A99-2B4E-BE4A-DFA2A0C25100}" srcId="{5A77C950-58ED-E548-A254-D4EA97B8DB15}" destId="{11BE08E0-8BD3-8241-AA31-5D3C8BAE883E}" srcOrd="2" destOrd="0" parTransId="{24818FBC-AEF6-9448-82AE-EAE149309BFC}" sibTransId="{74BD77DC-5D13-8140-9438-2D10771BB41C}"/>
+    <dgm:cxn modelId="{EA397EB9-2820-A348-80E6-65FF17E6D57D}" type="presOf" srcId="{71B89020-FC18-8440-984C-03FD01C87E6A}" destId="{A0022CAE-76FC-8A49-96C0-2437950F7D9A}" srcOrd="0" destOrd="0" presId="urn:microsoft.com/office/officeart/2005/8/layout/orgChart1"/>
+    <dgm:cxn modelId="{2B122204-117C-9C4A-BA3B-41FDC37B137C}" type="presOf" srcId="{005A96A6-7D03-F048-AE18-D87857054C9B}" destId="{AA84DF84-70A7-324A-84C2-0E440BA96E4E}" srcOrd="1" destOrd="0" presId="urn:microsoft.com/office/officeart/2005/8/layout/orgChart1"/>
+    <dgm:cxn modelId="{BCA17466-0F2F-ED4F-AE7E-21D0895EE5D5}" type="presOf" srcId="{DA7A2C20-F115-3946-8138-BF6A2E13B90A}" destId="{8213B168-DF4E-F043-9D3B-6DC5B1000FCA}" srcOrd="1" destOrd="0" presId="urn:microsoft.com/office/officeart/2005/8/layout/orgChart1"/>
+    <dgm:cxn modelId="{18DD4A98-99CA-3C4A-AF7C-AC03105468B5}" type="presOf" srcId="{BDB10FF1-16F5-B943-AD2A-7BE14FB1775D}" destId="{7E4A15C2-BADE-FD4F-955B-C7C3148A56CF}" srcOrd="0" destOrd="0" presId="urn:microsoft.com/office/officeart/2005/8/layout/orgChart1"/>
+    <dgm:cxn modelId="{16AD03D0-4909-724F-9665-E7E2510B8393}" type="presOf" srcId="{380FE599-D771-7347-837E-5040B6D7859B}" destId="{0C9F4A48-45F6-AA4D-96BF-688E71308A31}" srcOrd="0" destOrd="0" presId="urn:microsoft.com/office/officeart/2005/8/layout/orgChart1"/>
+    <dgm:cxn modelId="{3AD2D59A-2CA6-2140-B09F-07ED2D050449}" type="presOf" srcId="{11BE08E0-8BD3-8241-AA31-5D3C8BAE883E}" destId="{EC42C478-3B14-3A43-AD41-CD4F28BC5D3D}" srcOrd="1" destOrd="0" presId="urn:microsoft.com/office/officeart/2005/8/layout/orgChart1"/>
+    <dgm:cxn modelId="{374AF65D-2DF7-FC42-A859-EB455BB48ACE}" srcId="{89314E86-60EE-5045-899C-E7417C09B90D}" destId="{5A77C950-58ED-E548-A254-D4EA97B8DB15}" srcOrd="0" destOrd="0" parTransId="{B749F862-2D6B-B745-B049-A2997DD78459}" sibTransId="{73E67987-3BE7-BE41-945D-2BE72A56575A}"/>
+    <dgm:cxn modelId="{DDE3EFDC-CAA2-6948-97AC-EE589DA05485}" type="presOf" srcId="{A73FFB69-14B0-804E-97F0-BB38C83B0F5A}" destId="{7791F5FA-0C0E-0A4F-8160-FC27C2C4D6AD}" srcOrd="0" destOrd="0" presId="urn:microsoft.com/office/officeart/2005/8/layout/orgChart1"/>
+    <dgm:cxn modelId="{856FD226-A739-094F-8A7E-859E6FFDE5EC}" type="presOf" srcId="{B749F862-2D6B-B745-B049-A2997DD78459}" destId="{D1ADB443-DC5D-7A4D-9FC2-F94CD67C1EAE}" srcOrd="0" destOrd="0" presId="urn:microsoft.com/office/officeart/2005/8/layout/orgChart1"/>
+    <dgm:cxn modelId="{95BD88AF-2A02-B14B-9ACB-143C6ED5F21D}" type="presOf" srcId="{B7DE1BDB-6633-A442-9076-6077D2DB73F9}" destId="{7BE81116-1A67-F947-B03E-A96F3A736855}" srcOrd="0" destOrd="0" presId="urn:microsoft.com/office/officeart/2005/8/layout/orgChart1"/>
+    <dgm:cxn modelId="{0F08C517-F8E1-A440-9CFE-889924E408F4}" type="presOf" srcId="{CBC573EF-E90D-6347-809E-E401648278E2}" destId="{7FE06AB2-EA71-9641-A603-15234D0AE5DE}" srcOrd="0" destOrd="0" presId="urn:microsoft.com/office/officeart/2005/8/layout/orgChart1"/>
+    <dgm:cxn modelId="{AC3D5F69-692C-A548-B647-AA3C2BBE2EDA}" type="presOf" srcId="{6155CF2C-7977-D14D-99D6-F5A1262B6548}" destId="{CD77DF7A-9D93-7741-BECC-8DB44EFD3EF3}" srcOrd="1" destOrd="0" presId="urn:microsoft.com/office/officeart/2005/8/layout/orgChart1"/>
+    <dgm:cxn modelId="{BE57780E-005F-364F-AAAC-40A6E16EFF08}" srcId="{71163973-4991-8548-A614-1741D0E7A526}" destId="{A73FFB69-14B0-804E-97F0-BB38C83B0F5A}" srcOrd="0" destOrd="0" parTransId="{B89227FD-4289-6947-B555-D133AAFB6088}" sibTransId="{63C64FD1-6A45-0243-A6DC-2B961EE6D0B7}"/>
+    <dgm:cxn modelId="{DFAA279C-A2DE-A94A-A9C5-3C325FA0F705}" type="presOf" srcId="{FF11A2BF-9380-DC4E-A16D-B170C89A5F01}" destId="{8F5D0854-A50A-2A4B-B05F-04FE902D5672}" srcOrd="0" destOrd="0" presId="urn:microsoft.com/office/officeart/2005/8/layout/orgChart1"/>
+    <dgm:cxn modelId="{C152F498-E377-834E-925A-B2160F36BA81}" type="presOf" srcId="{11BE08E0-8BD3-8241-AA31-5D3C8BAE883E}" destId="{EDE66430-21B6-8D4B-8624-309DA73F0538}" srcOrd="0" destOrd="0" presId="urn:microsoft.com/office/officeart/2005/8/layout/orgChart1"/>
+    <dgm:cxn modelId="{6321E819-770A-E141-A957-FCF974A6E00A}" type="presOf" srcId="{3B092136-6835-304E-AC51-D9BC322545E9}" destId="{7401CD6B-2EC8-8B49-B706-725F8DBDACBF}" srcOrd="0" destOrd="0" presId="urn:microsoft.com/office/officeart/2005/8/layout/orgChart1"/>
+    <dgm:cxn modelId="{993D77C6-FB7B-4B40-9D15-1BDC7B5462B0}" srcId="{5A77C950-58ED-E548-A254-D4EA97B8DB15}" destId="{005A96A6-7D03-F048-AE18-D87857054C9B}" srcOrd="4" destOrd="0" parTransId="{3B092136-6835-304E-AC51-D9BC322545E9}" sibTransId="{3CCE1415-DA2F-BF4D-9D68-F2B470E71518}"/>
+    <dgm:cxn modelId="{D9B9CB26-4B30-974A-903D-1590319DDC6F}" type="presOf" srcId="{71163973-4991-8548-A614-1741D0E7A526}" destId="{B4E24BE5-47F4-B24C-9630-08523CC43C14}" srcOrd="0" destOrd="0" presId="urn:microsoft.com/office/officeart/2005/8/layout/orgChart1"/>
     <dgm:cxn modelId="{69E1AC7A-D514-A94A-8DE9-9C6DD9735311}" srcId="{1E4E5730-1D62-424B-88DC-A598FAA90032}" destId="{F9CD00FE-3567-AE46-85C7-48884CD17D00}" srcOrd="1" destOrd="0" parTransId="{D58907CA-3CBD-F14B-BADB-F5DBAF578C77}" sibTransId="{454D586C-2CFE-9F47-B0C4-E971D79F7C80}"/>
-    <dgm:cxn modelId="{BE57780E-005F-364F-AAAC-40A6E16EFF08}" srcId="{71163973-4991-8548-A614-1741D0E7A526}" destId="{A73FFB69-14B0-804E-97F0-BB38C83B0F5A}" srcOrd="0" destOrd="0" parTransId="{B89227FD-4289-6947-B555-D133AAFB6088}" sibTransId="{63C64FD1-6A45-0243-A6DC-2B961EE6D0B7}"/>
-    <dgm:cxn modelId="{0F08C517-F8E1-A440-9CFE-889924E408F4}" type="presOf" srcId="{CBC573EF-E90D-6347-809E-E401648278E2}" destId="{7FE06AB2-EA71-9641-A603-15234D0AE5DE}" srcOrd="0" destOrd="0" presId="urn:microsoft.com/office/officeart/2005/8/layout/orgChart1"/>
-    <dgm:cxn modelId="{AFC1E998-57F3-3F4B-9A38-8FD08FF468EE}" type="presOf" srcId="{71163973-4991-8548-A614-1741D0E7A526}" destId="{CEFBC386-D7DB-A64B-AE2B-1E2E225A5FA2}" srcOrd="1" destOrd="0" presId="urn:microsoft.com/office/officeart/2005/8/layout/orgChart1"/>
-    <dgm:cxn modelId="{DDE3EFDC-CAA2-6948-97AC-EE589DA05485}" type="presOf" srcId="{A73FFB69-14B0-804E-97F0-BB38C83B0F5A}" destId="{7791F5FA-0C0E-0A4F-8160-FC27C2C4D6AD}" srcOrd="0" destOrd="0" presId="urn:microsoft.com/office/officeart/2005/8/layout/orgChart1"/>
-    <dgm:cxn modelId="{2AD14E94-FD63-9944-86B2-015FB068BFAD}" srcId="{1E4E5730-1D62-424B-88DC-A598FAA90032}" destId="{CBC573EF-E90D-6347-809E-E401648278E2}" srcOrd="0" destOrd="0" parTransId="{BAF56933-C328-BA4B-9221-814B34620281}" sibTransId="{75CC5AD2-2569-7640-B749-106D40BA14D4}"/>
-    <dgm:cxn modelId="{9EF51639-3A77-524B-98C4-5F8564558747}" type="presOf" srcId="{89314E86-60EE-5045-899C-E7417C09B90D}" destId="{128C9672-596B-C947-97FA-F938099189E1}" srcOrd="0" destOrd="0" presId="urn:microsoft.com/office/officeart/2005/8/layout/orgChart1"/>
-    <dgm:cxn modelId="{394BCA51-E9B2-1D4F-870C-32609B34323F}" type="presOf" srcId="{A73FFB69-14B0-804E-97F0-BB38C83B0F5A}" destId="{624BD0AB-AD37-A640-921B-C26138EEAC16}" srcOrd="1" destOrd="0" presId="urn:microsoft.com/office/officeart/2005/8/layout/orgChart1"/>
-    <dgm:cxn modelId="{C152F498-E377-834E-925A-B2160F36BA81}" type="presOf" srcId="{11BE08E0-8BD3-8241-AA31-5D3C8BAE883E}" destId="{EDE66430-21B6-8D4B-8624-309DA73F0538}" srcOrd="0" destOrd="0" presId="urn:microsoft.com/office/officeart/2005/8/layout/orgChart1"/>
+    <dgm:cxn modelId="{DDDD2EE8-155D-7F41-90EB-016EF7D4EA80}" type="presOf" srcId="{24818FBC-AEF6-9448-82AE-EAE149309BFC}" destId="{44596B05-93D3-7146-88F3-77AD5CF63CD4}" srcOrd="0" destOrd="0" presId="urn:microsoft.com/office/officeart/2005/8/layout/orgChart1"/>
+    <dgm:cxn modelId="{F40CAC78-D80E-BA4E-9308-B94F02B928BA}" type="presOf" srcId="{DB470F67-F9F6-C04F-A5A8-D006899BBC48}" destId="{6A262A8B-7DC7-7246-A71C-744ED839A856}" srcOrd="0" destOrd="0" presId="urn:microsoft.com/office/officeart/2005/8/layout/orgChart1"/>
+    <dgm:cxn modelId="{3AF43ABE-6F58-2F4E-9BA4-2BED33B2EFAD}" type="presOf" srcId="{050449A4-EB5B-644F-ACCE-25A388C40F65}" destId="{7D5AA04B-9F18-654E-AEF4-9063D72014D0}" srcOrd="1" destOrd="0" presId="urn:microsoft.com/office/officeart/2005/8/layout/orgChart1"/>
     <dgm:cxn modelId="{DF7D91D5-7A8C-B74E-91BE-A2F3C01C84BC}" srcId="{6C2963A9-6D37-B34C-A33B-8170001BC95A}" destId="{89314E86-60EE-5045-899C-E7417C09B90D}" srcOrd="0" destOrd="0" parTransId="{6552183B-C175-EF46-8F8D-A2C8D24C07F5}" sibTransId="{45C2A3D9-A4CD-A24C-BF57-B7FDB6C29B5E}"/>
-    <dgm:cxn modelId="{2B122204-117C-9C4A-BA3B-41FDC37B137C}" type="presOf" srcId="{005A96A6-7D03-F048-AE18-D87857054C9B}" destId="{AA84DF84-70A7-324A-84C2-0E440BA96E4E}" srcOrd="1" destOrd="0" presId="urn:microsoft.com/office/officeart/2005/8/layout/orgChart1"/>
+    <dgm:cxn modelId="{92882340-D9C4-3444-A3CB-D34C8A064CBC}" type="presOf" srcId="{5A77C950-58ED-E548-A254-D4EA97B8DB15}" destId="{65B1000F-16D1-7642-A8B7-9272DD88B9B1}" srcOrd="1" destOrd="0" presId="urn:microsoft.com/office/officeart/2005/8/layout/orgChart1"/>
+    <dgm:cxn modelId="{6E35AF57-B407-C84E-B45F-6C89A7305214}" type="presOf" srcId="{B89227FD-4289-6947-B555-D133AAFB6088}" destId="{08E95A04-6C00-AD46-BA0D-93623E8A7438}" srcOrd="0" destOrd="0" presId="urn:microsoft.com/office/officeart/2005/8/layout/orgChart1"/>
+    <dgm:cxn modelId="{0574C2D1-4B5E-6146-9A9C-903707C6FCA4}" type="presOf" srcId="{6C2963A9-6D37-B34C-A33B-8170001BC95A}" destId="{6BE4A84B-0547-CE4C-91EE-C9155EE950C4}" srcOrd="0" destOrd="0" presId="urn:microsoft.com/office/officeart/2005/8/layout/orgChart1"/>
+    <dgm:cxn modelId="{6B6B2669-FC45-6740-ACDD-E2808395DFF5}" type="presOf" srcId="{9E28A5D1-B308-D544-A128-464446C84491}" destId="{388624FC-1E86-734B-B8C6-A10CB975BDC3}" srcOrd="0" destOrd="0" presId="urn:microsoft.com/office/officeart/2005/8/layout/orgChart1"/>
+    <dgm:cxn modelId="{3A41FA98-02B3-804B-B5D6-99000F96F8DF}" srcId="{050449A4-EB5B-644F-ACCE-25A388C40F65}" destId="{48AA78DC-6E73-1946-8BE8-6F2203654B7C}" srcOrd="0" destOrd="0" parTransId="{9E28A5D1-B308-D544-A128-464446C84491}" sibTransId="{0B17B36B-7FBF-DE47-8513-555429420C1F}"/>
+    <dgm:cxn modelId="{619C11C0-FB3F-5744-8982-5A7BC6B37F05}" type="presOf" srcId="{DA7A2C20-F115-3946-8138-BF6A2E13B90A}" destId="{A99EF92C-53D6-FD40-B2DC-FD21D32A0E3A}" srcOrd="0" destOrd="0" presId="urn:microsoft.com/office/officeart/2005/8/layout/orgChart1"/>
     <dgm:cxn modelId="{6C1BAB4F-1F68-F442-9582-BCD3D464CC8B}" type="presOf" srcId="{48AA78DC-6E73-1946-8BE8-6F2203654B7C}" destId="{55101633-7750-6248-B6C0-5F8DCCD35719}" srcOrd="0" destOrd="0" presId="urn:microsoft.com/office/officeart/2005/8/layout/orgChart1"/>
-    <dgm:cxn modelId="{3A41FA98-02B3-804B-B5D6-99000F96F8DF}" srcId="{050449A4-EB5B-644F-ACCE-25A388C40F65}" destId="{48AA78DC-6E73-1946-8BE8-6F2203654B7C}" srcOrd="0" destOrd="0" parTransId="{9E28A5D1-B308-D544-A128-464446C84491}" sibTransId="{0B17B36B-7FBF-DE47-8513-555429420C1F}"/>
-    <dgm:cxn modelId="{F40CAC78-D80E-BA4E-9308-B94F02B928BA}" type="presOf" srcId="{DB470F67-F9F6-C04F-A5A8-D006899BBC48}" destId="{6A262A8B-7DC7-7246-A71C-744ED839A856}" srcOrd="0" destOrd="0" presId="urn:microsoft.com/office/officeart/2005/8/layout/orgChart1"/>
-    <dgm:cxn modelId="{D0AC6144-39BC-8045-ACBA-632187CD82D7}" srcId="{5A77C950-58ED-E548-A254-D4EA97B8DB15}" destId="{B7DE1BDB-6633-A442-9076-6077D2DB73F9}" srcOrd="0" destOrd="0" parTransId="{380FE599-D771-7347-837E-5040B6D7859B}" sibTransId="{15CDF2B6-A1AB-C54E-A2C7-C3EF48721D00}"/>
-    <dgm:cxn modelId="{2FF3FB59-79B0-7F4B-8A48-7E0A60516525}" type="presOf" srcId="{050449A4-EB5B-644F-ACCE-25A388C40F65}" destId="{CB6DDF3B-79E1-6743-80EC-104FB86CFD6A}" srcOrd="0" destOrd="0" presId="urn:microsoft.com/office/officeart/2005/8/layout/orgChart1"/>
-    <dgm:cxn modelId="{7CB14844-CB6B-A14B-AEA9-47210F3DA93B}" srcId="{89314E86-60EE-5045-899C-E7417C09B90D}" destId="{1E4E5730-1D62-424B-88DC-A598FAA90032}" srcOrd="2" destOrd="0" parTransId="{D7FF67C8-1A43-E240-9F32-8CC5AF65C090}" sibTransId="{AD44BBC5-53E7-CF4E-90A3-518B900FA1C7}"/>
-    <dgm:cxn modelId="{EF7B882C-FF2D-B745-A830-20CE4DBD0FA2}" srcId="{5A77C950-58ED-E548-A254-D4EA97B8DB15}" destId="{FF11A2BF-9380-DC4E-A16D-B170C89A5F01}" srcOrd="3" destOrd="0" parTransId="{DB470F67-F9F6-C04F-A5A8-D006899BBC48}" sibTransId="{0862A5FE-A8EA-2E4E-8EF2-8DD38674E1A6}"/>
-    <dgm:cxn modelId="{95BD88AF-2A02-B14B-9ACB-143C6ED5F21D}" type="presOf" srcId="{B7DE1BDB-6633-A442-9076-6077D2DB73F9}" destId="{7BE81116-1A67-F947-B03E-A96F3A736855}" srcOrd="0" destOrd="0" presId="urn:microsoft.com/office/officeart/2005/8/layout/orgChart1"/>
-    <dgm:cxn modelId="{C484AEE4-E429-CD4C-A54C-1612195107B3}" type="presOf" srcId="{1E4E5730-1D62-424B-88DC-A598FAA90032}" destId="{0DFBCC65-40E4-B340-B677-A3DBC0B288DB}" srcOrd="1" destOrd="0" presId="urn:microsoft.com/office/officeart/2005/8/layout/orgChart1"/>
-    <dgm:cxn modelId="{92882340-D9C4-3444-A3CB-D34C8A064CBC}" type="presOf" srcId="{5A77C950-58ED-E548-A254-D4EA97B8DB15}" destId="{65B1000F-16D1-7642-A8B7-9272DD88B9B1}" srcOrd="1" destOrd="0" presId="urn:microsoft.com/office/officeart/2005/8/layout/orgChart1"/>
-    <dgm:cxn modelId="{374AF65D-2DF7-FC42-A859-EB455BB48ACE}" srcId="{89314E86-60EE-5045-899C-E7417C09B90D}" destId="{5A77C950-58ED-E548-A254-D4EA97B8DB15}" srcOrd="0" destOrd="0" parTransId="{B749F862-2D6B-B745-B049-A2997DD78459}" sibTransId="{73E67987-3BE7-BE41-945D-2BE72A56575A}"/>
-    <dgm:cxn modelId="{EF9E56A3-F16B-F645-BC06-D9B906E35C49}" srcId="{89314E86-60EE-5045-899C-E7417C09B90D}" destId="{050449A4-EB5B-644F-ACCE-25A388C40F65}" srcOrd="1" destOrd="0" parTransId="{0856A3C7-E4A8-5141-A50D-3168D91ED601}" sibTransId="{12E35422-6A60-5E43-96F0-C18D8EB08785}"/>
-    <dgm:cxn modelId="{DDDD2EE8-155D-7F41-90EB-016EF7D4EA80}" type="presOf" srcId="{24818FBC-AEF6-9448-82AE-EAE149309BFC}" destId="{44596B05-93D3-7146-88F3-77AD5CF63CD4}" srcOrd="0" destOrd="0" presId="urn:microsoft.com/office/officeart/2005/8/layout/orgChart1"/>
-    <dgm:cxn modelId="{6B6B2669-FC45-6740-ACDD-E2808395DFF5}" type="presOf" srcId="{9E28A5D1-B308-D544-A128-464446C84491}" destId="{388624FC-1E86-734B-B8C6-A10CB975BDC3}" srcOrd="0" destOrd="0" presId="urn:microsoft.com/office/officeart/2005/8/layout/orgChart1"/>
-    <dgm:cxn modelId="{6E35AF57-B407-C84E-B45F-6C89A7305214}" type="presOf" srcId="{B89227FD-4289-6947-B555-D133AAFB6088}" destId="{08E95A04-6C00-AD46-BA0D-93623E8A7438}" srcOrd="0" destOrd="0" presId="urn:microsoft.com/office/officeart/2005/8/layout/orgChart1"/>
-    <dgm:cxn modelId="{3AD2D59A-2CA6-2140-B09F-07ED2D050449}" type="presOf" srcId="{11BE08E0-8BD3-8241-AA31-5D3C8BAE883E}" destId="{EC42C478-3B14-3A43-AD41-CD4F28BC5D3D}" srcOrd="1" destOrd="0" presId="urn:microsoft.com/office/officeart/2005/8/layout/orgChart1"/>
-    <dgm:cxn modelId="{AD28F11A-718D-E247-B1B8-8C4561CEA86B}" type="presOf" srcId="{6839F260-6BA1-4346-B3A0-03DA9D6E30F9}" destId="{53E79E27-8301-6D41-B26D-17F46A72DE7D}" srcOrd="0" destOrd="0" presId="urn:microsoft.com/office/officeart/2005/8/layout/orgChart1"/>
-    <dgm:cxn modelId="{4B405B9F-4843-694F-919C-C9DCF13D73FD}" type="presOf" srcId="{BAF56933-C328-BA4B-9221-814B34620281}" destId="{06EFD6FF-1C9C-E245-952A-796D107C5434}" srcOrd="0" destOrd="0" presId="urn:microsoft.com/office/officeart/2005/8/layout/orgChart1"/>
-    <dgm:cxn modelId="{A2158EAE-AE31-4A42-A1B8-FCD131DA59BB}" type="presOf" srcId="{B7DE1BDB-6633-A442-9076-6077D2DB73F9}" destId="{EB26B174-9B20-834F-8856-9BB58900F541}" srcOrd="1" destOrd="0" presId="urn:microsoft.com/office/officeart/2005/8/layout/orgChart1"/>
-    <dgm:cxn modelId="{AC3D5F69-692C-A548-B647-AA3C2BBE2EDA}" type="presOf" srcId="{6155CF2C-7977-D14D-99D6-F5A1262B6548}" destId="{CD77DF7A-9D93-7741-BECC-8DB44EFD3EF3}" srcOrd="1" destOrd="0" presId="urn:microsoft.com/office/officeart/2005/8/layout/orgChart1"/>
-    <dgm:cxn modelId="{D9B9CB26-4B30-974A-903D-1590319DDC6F}" type="presOf" srcId="{71163973-4991-8548-A614-1741D0E7A526}" destId="{B4E24BE5-47F4-B24C-9630-08523CC43C14}" srcOrd="0" destOrd="0" presId="urn:microsoft.com/office/officeart/2005/8/layout/orgChart1"/>
-    <dgm:cxn modelId="{CFD32C9A-F2D0-124E-B713-45378EAFB799}" type="presOf" srcId="{D7FF67C8-1A43-E240-9F32-8CC5AF65C090}" destId="{07EF9321-D2E9-A943-9556-8A863B7941ED}" srcOrd="0" destOrd="0" presId="urn:microsoft.com/office/officeart/2005/8/layout/orgChart1"/>
-    <dgm:cxn modelId="{BCA17466-0F2F-ED4F-AE7E-21D0895EE5D5}" type="presOf" srcId="{DA7A2C20-F115-3946-8138-BF6A2E13B90A}" destId="{8213B168-DF4E-F043-9D3B-6DC5B1000FCA}" srcOrd="1" destOrd="0" presId="urn:microsoft.com/office/officeart/2005/8/layout/orgChart1"/>
-    <dgm:cxn modelId="{F5E2EECA-1F45-974C-AB77-46FD6D659C61}" srcId="{89314E86-60EE-5045-899C-E7417C09B90D}" destId="{DA7A2C20-F115-3946-8138-BF6A2E13B90A}" srcOrd="4" destOrd="0" parTransId="{BDB10FF1-16F5-B943-AD2A-7BE14FB1775D}" sibTransId="{3CF6DEA3-9EFC-2741-8815-AEBD149F37E0}"/>
-    <dgm:cxn modelId="{2AB6984F-8346-5941-8AF6-F57DFF00D21D}" type="presOf" srcId="{1E4E5730-1D62-424B-88DC-A598FAA90032}" destId="{7CC73BFE-A525-1841-9C46-B24530BAED35}" srcOrd="0" destOrd="0" presId="urn:microsoft.com/office/officeart/2005/8/layout/orgChart1"/>
-    <dgm:cxn modelId="{3AF43ABE-6F58-2F4E-9BA4-2BED33B2EFAD}" type="presOf" srcId="{050449A4-EB5B-644F-ACCE-25A388C40F65}" destId="{7D5AA04B-9F18-654E-AEF4-9063D72014D0}" srcOrd="1" destOrd="0" presId="urn:microsoft.com/office/officeart/2005/8/layout/orgChart1"/>
-    <dgm:cxn modelId="{E6287AE7-1D3C-E947-A758-7F29C4F35EED}" type="presOf" srcId="{89314E86-60EE-5045-899C-E7417C09B90D}" destId="{7609B86B-45C5-724B-9A55-D21D4F7EA93F}" srcOrd="1" destOrd="0" presId="urn:microsoft.com/office/officeart/2005/8/layout/orgChart1"/>
-    <dgm:cxn modelId="{993D77C6-FB7B-4B40-9D15-1BDC7B5462B0}" srcId="{5A77C950-58ED-E548-A254-D4EA97B8DB15}" destId="{005A96A6-7D03-F048-AE18-D87857054C9B}" srcOrd="4" destOrd="0" parTransId="{3B092136-6835-304E-AC51-D9BC322545E9}" sibTransId="{3CCE1415-DA2F-BF4D-9D68-F2B470E71518}"/>
-    <dgm:cxn modelId="{F64E0F6E-D58E-9645-9536-F40DE2128E9F}" type="presOf" srcId="{CBC573EF-E90D-6347-809E-E401648278E2}" destId="{65799993-F98E-F941-9623-93A3736C5ECC}" srcOrd="1" destOrd="0" presId="urn:microsoft.com/office/officeart/2005/8/layout/orgChart1"/>
-    <dgm:cxn modelId="{DFAA279C-A2DE-A94A-A9C5-3C325FA0F705}" type="presOf" srcId="{FF11A2BF-9380-DC4E-A16D-B170C89A5F01}" destId="{8F5D0854-A50A-2A4B-B05F-04FE902D5672}" srcOrd="0" destOrd="0" presId="urn:microsoft.com/office/officeart/2005/8/layout/orgChart1"/>
-    <dgm:cxn modelId="{6321E819-770A-E141-A957-FCF974A6E00A}" type="presOf" srcId="{3B092136-6835-304E-AC51-D9BC322545E9}" destId="{7401CD6B-2EC8-8B49-B706-725F8DBDACBF}" srcOrd="0" destOrd="0" presId="urn:microsoft.com/office/officeart/2005/8/layout/orgChart1"/>
-    <dgm:cxn modelId="{18DD4A98-99CA-3C4A-AF7C-AC03105468B5}" type="presOf" srcId="{BDB10FF1-16F5-B943-AD2A-7BE14FB1775D}" destId="{7E4A15C2-BADE-FD4F-955B-C7C3148A56CF}" srcOrd="0" destOrd="0" presId="urn:microsoft.com/office/officeart/2005/8/layout/orgChart1"/>
-    <dgm:cxn modelId="{70C10195-21B8-F740-83F4-7BF30C3965F3}" type="presOf" srcId="{48AA78DC-6E73-1946-8BE8-6F2203654B7C}" destId="{5733AAED-D4F4-DA44-9984-54986C9D5363}" srcOrd="1" destOrd="0" presId="urn:microsoft.com/office/officeart/2005/8/layout/orgChart1"/>
-    <dgm:cxn modelId="{619C11C0-FB3F-5744-8982-5A7BC6B37F05}" type="presOf" srcId="{DA7A2C20-F115-3946-8138-BF6A2E13B90A}" destId="{A99EF92C-53D6-FD40-B2DC-FD21D32A0E3A}" srcOrd="0" destOrd="0" presId="urn:microsoft.com/office/officeart/2005/8/layout/orgChart1"/>
-    <dgm:cxn modelId="{D86C74A1-0FE2-3448-8D16-BB96AB698C62}" type="presOf" srcId="{FF11A2BF-9380-DC4E-A16D-B170C89A5F01}" destId="{81E158C6-78CE-C349-82EF-C1864BF10A73}" srcOrd="1" destOrd="0" presId="urn:microsoft.com/office/officeart/2005/8/layout/orgChart1"/>
-    <dgm:cxn modelId="{0574C2D1-4B5E-6146-9A9C-903707C6FCA4}" type="presOf" srcId="{6C2963A9-6D37-B34C-A33B-8170001BC95A}" destId="{6BE4A84B-0547-CE4C-91EE-C9155EE950C4}" srcOrd="0" destOrd="0" presId="urn:microsoft.com/office/officeart/2005/8/layout/orgChart1"/>
-    <dgm:cxn modelId="{1FDBBCEA-D110-8F4A-88BA-B81D02BD0D1A}" type="presOf" srcId="{6155CF2C-7977-D14D-99D6-F5A1262B6548}" destId="{C16F8266-96DA-4348-827B-FB5031B737D0}" srcOrd="0" destOrd="0" presId="urn:microsoft.com/office/officeart/2005/8/layout/orgChart1"/>
-    <dgm:cxn modelId="{7C5E6207-54AE-164B-8EA7-B5497C590C00}" srcId="{5A77C950-58ED-E548-A254-D4EA97B8DB15}" destId="{6155CF2C-7977-D14D-99D6-F5A1262B6548}" srcOrd="1" destOrd="0" parTransId="{6839F260-6BA1-4346-B3A0-03DA9D6E30F9}" sibTransId="{226B18D8-A509-9041-AC01-CC2DC39DDE8C}"/>
-    <dgm:cxn modelId="{FA992485-F5DD-3246-BC1B-2A25B157D81D}" srcId="{89314E86-60EE-5045-899C-E7417C09B90D}" destId="{71163973-4991-8548-A614-1741D0E7A526}" srcOrd="3" destOrd="0" parTransId="{71B89020-FC18-8440-984C-03FD01C87E6A}" sibTransId="{91987DF1-43A3-3647-A8EC-A2A0B84551E4}"/>
-    <dgm:cxn modelId="{EA397EB9-2820-A348-80E6-65FF17E6D57D}" type="presOf" srcId="{71B89020-FC18-8440-984C-03FD01C87E6A}" destId="{A0022CAE-76FC-8A49-96C0-2437950F7D9A}" srcOrd="0" destOrd="0" presId="urn:microsoft.com/office/officeart/2005/8/layout/orgChart1"/>
-    <dgm:cxn modelId="{856FD226-A739-094F-8A7E-859E6FFDE5EC}" type="presOf" srcId="{B749F862-2D6B-B745-B049-A2997DD78459}" destId="{D1ADB443-DC5D-7A4D-9FC2-F94CD67C1EAE}" srcOrd="0" destOrd="0" presId="urn:microsoft.com/office/officeart/2005/8/layout/orgChart1"/>
-    <dgm:cxn modelId="{16AD03D0-4909-724F-9665-E7E2510B8393}" type="presOf" srcId="{380FE599-D771-7347-837E-5040B6D7859B}" destId="{0C9F4A48-45F6-AA4D-96BF-688E71308A31}" srcOrd="0" destOrd="0" presId="urn:microsoft.com/office/officeart/2005/8/layout/orgChart1"/>
-    <dgm:cxn modelId="{FA038F80-5A99-2B4E-BE4A-DFA2A0C25100}" srcId="{5A77C950-58ED-E548-A254-D4EA97B8DB15}" destId="{11BE08E0-8BD3-8241-AA31-5D3C8BAE883E}" srcOrd="2" destOrd="0" parTransId="{24818FBC-AEF6-9448-82AE-EAE149309BFC}" sibTransId="{74BD77DC-5D13-8140-9438-2D10771BB41C}"/>
-    <dgm:cxn modelId="{C28C2704-3596-DA47-8583-178BFF3EAC08}" type="presOf" srcId="{D58907CA-3CBD-F14B-BADB-F5DBAF578C77}" destId="{15FFE189-9009-F643-878C-0386AFB1963B}" srcOrd="0" destOrd="0" presId="urn:microsoft.com/office/officeart/2005/8/layout/orgChart1"/>
     <dgm:cxn modelId="{AB98B083-7CF6-564B-A729-D7771E8907FC}" type="presOf" srcId="{F9CD00FE-3567-AE46-85C7-48884CD17D00}" destId="{A842BD50-3E72-5C41-816A-55632D43A99D}" srcOrd="0" destOrd="0" presId="urn:microsoft.com/office/officeart/2005/8/layout/orgChart1"/>
-    <dgm:cxn modelId="{6D765F58-1097-1047-867B-93A741C46466}" type="presOf" srcId="{F9CD00FE-3567-AE46-85C7-48884CD17D00}" destId="{68290C39-F1B2-7A42-8EE8-6922B493C2EB}" srcOrd="1" destOrd="0" presId="urn:microsoft.com/office/officeart/2005/8/layout/orgChart1"/>
     <dgm:cxn modelId="{123BE9B5-2564-DE46-9348-3D89DC164D60}" type="presParOf" srcId="{6BE4A84B-0547-CE4C-91EE-C9155EE950C4}" destId="{978B9AA7-B086-144F-B08F-C544A11231A4}" srcOrd="0" destOrd="0" presId="urn:microsoft.com/office/officeart/2005/8/layout/orgChart1"/>
     <dgm:cxn modelId="{7805C1D8-4387-0044-9EC4-61A06578F50A}" type="presParOf" srcId="{978B9AA7-B086-144F-B08F-C544A11231A4}" destId="{C78C0631-9A2C-1A4C-90AF-96F3A7B69B61}" srcOrd="0" destOrd="0" presId="urn:microsoft.com/office/officeart/2005/8/layout/orgChart1"/>
     <dgm:cxn modelId="{9C9B3B25-78C5-F84E-B54F-D67479E1458F}" type="presParOf" srcId="{C78C0631-9A2C-1A4C-90AF-96F3A7B69B61}" destId="{128C9672-596B-C947-97FA-F938099189E1}" srcOrd="0" destOrd="0" presId="urn:microsoft.com/office/officeart/2005/8/layout/orgChart1"/>
@@ -20052,6 +20052,35 @@
           </p:style>
         </p:cxnSp>
       </p:grpSp>
+      <p:pic>
+        <p:nvPicPr>
+          <p:cNvPr id="35" name="圖片 34"/>
+          <p:cNvPicPr>
+            <a:picLocks noChangeAspect="1"/>
+          </p:cNvPicPr>
+          <p:nvPr/>
+        </p:nvPicPr>
+        <p:blipFill rotWithShape="1">
+          <a:blip r:embed="rId6">
+            <a:extLst>
+              <a:ext uri="{28A0092B-C50C-407E-A947-70E740481C1C}">
+                <a14:useLocalDpi xmlns:a14="http://schemas.microsoft.com/office/drawing/2010/main" val="0"/>
+              </a:ext>
+            </a:extLst>
+          </a:blip>
+          <a:srcRect t="79919" r="74746"/>
+          <a:stretch/>
+        </p:blipFill>
+        <p:spPr>
+          <a:xfrm>
+            <a:off x="1876109" y="4736122"/>
+            <a:ext cx="1059820" cy="1377163"/>
+          </a:xfrm>
+          <a:prstGeom prst="rect">
+            <a:avLst/>
+          </a:prstGeom>
+        </p:spPr>
+      </p:pic>
     </p:spTree>
     <p:extLst>
       <p:ext uri="{BB962C8B-B14F-4D97-AF65-F5344CB8AC3E}">

--- a/images/簡報1.pptx
+++ b/images/簡報1.pptx
@@ -18910,7 +18910,7 @@
             </p:nvSpPr>
             <p:spPr>
               <a:xfrm>
-                <a:off x="9576942" y="4125606"/>
+                <a:off x="9576942" y="4077341"/>
                 <a:ext cx="757237" cy="757237"/>
               </a:xfrm>
               <a:prstGeom prst="roundRect">
@@ -19065,7 +19065,7 @@
             </p:nvSpPr>
             <p:spPr>
               <a:xfrm>
-                <a:off x="9576942" y="5444498"/>
+                <a:off x="9576942" y="5397910"/>
                 <a:ext cx="757237" cy="757237"/>
               </a:xfrm>
               <a:prstGeom prst="roundRect">
@@ -20303,6 +20303,629 @@
           </a:p>
         </p:txBody>
       </p:sp>
+      <p:pic>
+        <p:nvPicPr>
+          <p:cNvPr id="2" name="圖片 1"/>
+          <p:cNvPicPr>
+            <a:picLocks noChangeAspect="1"/>
+          </p:cNvPicPr>
+          <p:nvPr/>
+        </p:nvPicPr>
+        <p:blipFill rotWithShape="1">
+          <a:blip r:embed="rId2">
+            <a:extLst>
+              <a:ext uri="{BEBA8EAE-BF5A-486C-A8C5-ECC9F3942E4B}">
+                <a14:imgProps xmlns:a14="http://schemas.microsoft.com/office/drawing/2010/main">
+                  <a14:imgLayer r:embed="rId3">
+                    <a14:imgEffect>
+                      <a14:backgroundRemoval t="3556" b="89778" l="4889" r="94667">
+                        <a14:foregroundMark x1="4889" y1="28444" x2="4889" y2="28444"/>
+                        <a14:foregroundMark x1="94667" y1="58667" x2="94667" y2="58667"/>
+                        <a14:foregroundMark x1="68889" y1="3556" x2="68889" y2="3556"/>
+                        <a14:foregroundMark x1="58667" y1="18222" x2="58667" y2="18222"/>
+                        <a14:foregroundMark x1="57778" y1="26222" x2="57778" y2="26222"/>
+                        <a14:foregroundMark x1="28444" y1="80000" x2="28444" y2="80000"/>
+                        <a14:foregroundMark x1="12000" y1="37333" x2="33333" y2="87111"/>
+                        <a14:foregroundMark x1="73333" y1="86222" x2="85778" y2="65333"/>
+                      </a14:backgroundRemoval>
+                    </a14:imgEffect>
+                  </a14:imgLayer>
+                </a14:imgProps>
+              </a:ext>
+              <a:ext uri="{28A0092B-C50C-407E-A947-70E740481C1C}">
+                <a14:useLocalDpi xmlns:a14="http://schemas.microsoft.com/office/drawing/2010/main" val="0"/>
+              </a:ext>
+            </a:extLst>
+          </a:blip>
+          <a:srcRect l="3248" r="4034" b="9651"/>
+          <a:stretch/>
+        </p:blipFill>
+        <p:spPr>
+          <a:xfrm>
+            <a:off x="5419932" y="1233488"/>
+            <a:ext cx="2649416" cy="1148862"/>
+          </a:xfrm>
+          <a:prstGeom prst="rect">
+            <a:avLst/>
+          </a:prstGeom>
+        </p:spPr>
+      </p:pic>
+      <p:sp>
+        <p:nvSpPr>
+          <p:cNvPr id="3" name="三角形 2"/>
+          <p:cNvSpPr/>
+          <p:nvPr/>
+        </p:nvSpPr>
+        <p:spPr>
+          <a:xfrm>
+            <a:off x="5528722" y="3681048"/>
+            <a:ext cx="217580" cy="187569"/>
+          </a:xfrm>
+          <a:prstGeom prst="triangle">
+            <a:avLst/>
+          </a:prstGeom>
+          <a:solidFill>
+            <a:srgbClr val="FF0000"/>
+          </a:solidFill>
+          <a:ln>
+            <a:solidFill>
+              <a:srgbClr val="FF0000"/>
+            </a:solidFill>
+          </a:ln>
+        </p:spPr>
+        <p:style>
+          <a:lnRef idx="2">
+            <a:schemeClr val="accent1">
+              <a:shade val="50000"/>
+            </a:schemeClr>
+          </a:lnRef>
+          <a:fillRef idx="1">
+            <a:schemeClr val="accent1"/>
+          </a:fillRef>
+          <a:effectRef idx="0">
+            <a:schemeClr val="accent1"/>
+          </a:effectRef>
+          <a:fontRef idx="minor">
+            <a:schemeClr val="lt1"/>
+          </a:fontRef>
+        </p:style>
+        <p:txBody>
+          <a:bodyPr rtlCol="0" anchor="ctr"/>
+          <a:lstStyle/>
+          <a:p>
+            <a:pPr algn="ctr"/>
+            <a:endParaRPr kumimoji="1" lang="zh-TW" altLang="en-US"/>
+          </a:p>
+        </p:txBody>
+      </p:sp>
+      <p:sp>
+        <p:nvSpPr>
+          <p:cNvPr id="7" name="三角形 6"/>
+          <p:cNvSpPr/>
+          <p:nvPr/>
+        </p:nvSpPr>
+        <p:spPr>
+          <a:xfrm>
+            <a:off x="5746302" y="3681048"/>
+            <a:ext cx="217580" cy="187569"/>
+          </a:xfrm>
+          <a:prstGeom prst="triangle">
+            <a:avLst/>
+          </a:prstGeom>
+          <a:solidFill>
+            <a:srgbClr val="FF0000"/>
+          </a:solidFill>
+          <a:ln>
+            <a:solidFill>
+              <a:srgbClr val="FF0000"/>
+            </a:solidFill>
+          </a:ln>
+        </p:spPr>
+        <p:style>
+          <a:lnRef idx="2">
+            <a:schemeClr val="accent1">
+              <a:shade val="50000"/>
+            </a:schemeClr>
+          </a:lnRef>
+          <a:fillRef idx="1">
+            <a:schemeClr val="accent1"/>
+          </a:fillRef>
+          <a:effectRef idx="0">
+            <a:schemeClr val="accent1"/>
+          </a:effectRef>
+          <a:fontRef idx="minor">
+            <a:schemeClr val="lt1"/>
+          </a:fontRef>
+        </p:style>
+        <p:txBody>
+          <a:bodyPr rtlCol="0" anchor="ctr"/>
+          <a:lstStyle/>
+          <a:p>
+            <a:pPr algn="ctr"/>
+            <a:endParaRPr kumimoji="1" lang="zh-TW" altLang="en-US"/>
+          </a:p>
+        </p:txBody>
+      </p:sp>
+      <p:sp>
+        <p:nvSpPr>
+          <p:cNvPr id="8" name="三角形 7"/>
+          <p:cNvSpPr/>
+          <p:nvPr/>
+        </p:nvSpPr>
+        <p:spPr>
+          <a:xfrm>
+            <a:off x="5963882" y="3681048"/>
+            <a:ext cx="217580" cy="187569"/>
+          </a:xfrm>
+          <a:prstGeom prst="triangle">
+            <a:avLst/>
+          </a:prstGeom>
+          <a:solidFill>
+            <a:srgbClr val="FF0000"/>
+          </a:solidFill>
+          <a:ln>
+            <a:solidFill>
+              <a:srgbClr val="FF0000"/>
+            </a:solidFill>
+          </a:ln>
+        </p:spPr>
+        <p:style>
+          <a:lnRef idx="2">
+            <a:schemeClr val="accent1">
+              <a:shade val="50000"/>
+            </a:schemeClr>
+          </a:lnRef>
+          <a:fillRef idx="1">
+            <a:schemeClr val="accent1"/>
+          </a:fillRef>
+          <a:effectRef idx="0">
+            <a:schemeClr val="accent1"/>
+          </a:effectRef>
+          <a:fontRef idx="minor">
+            <a:schemeClr val="lt1"/>
+          </a:fontRef>
+        </p:style>
+        <p:txBody>
+          <a:bodyPr rtlCol="0" anchor="ctr"/>
+          <a:lstStyle/>
+          <a:p>
+            <a:pPr algn="ctr"/>
+            <a:endParaRPr kumimoji="1" lang="zh-TW" altLang="en-US"/>
+          </a:p>
+        </p:txBody>
+      </p:sp>
+      <p:sp>
+        <p:nvSpPr>
+          <p:cNvPr id="9" name="三角形 8"/>
+          <p:cNvSpPr/>
+          <p:nvPr/>
+        </p:nvSpPr>
+        <p:spPr>
+          <a:xfrm>
+            <a:off x="6181462" y="3681048"/>
+            <a:ext cx="217580" cy="187569"/>
+          </a:xfrm>
+          <a:prstGeom prst="triangle">
+            <a:avLst/>
+          </a:prstGeom>
+          <a:solidFill>
+            <a:srgbClr val="FF0000"/>
+          </a:solidFill>
+          <a:ln>
+            <a:solidFill>
+              <a:srgbClr val="FF0000"/>
+            </a:solidFill>
+          </a:ln>
+        </p:spPr>
+        <p:style>
+          <a:lnRef idx="2">
+            <a:schemeClr val="accent1">
+              <a:shade val="50000"/>
+            </a:schemeClr>
+          </a:lnRef>
+          <a:fillRef idx="1">
+            <a:schemeClr val="accent1"/>
+          </a:fillRef>
+          <a:effectRef idx="0">
+            <a:schemeClr val="accent1"/>
+          </a:effectRef>
+          <a:fontRef idx="minor">
+            <a:schemeClr val="lt1"/>
+          </a:fontRef>
+        </p:style>
+        <p:txBody>
+          <a:bodyPr rtlCol="0" anchor="ctr"/>
+          <a:lstStyle/>
+          <a:p>
+            <a:pPr algn="ctr"/>
+            <a:endParaRPr kumimoji="1" lang="zh-TW" altLang="en-US"/>
+          </a:p>
+        </p:txBody>
+      </p:sp>
+      <p:sp>
+        <p:nvSpPr>
+          <p:cNvPr id="10" name="三角形 9"/>
+          <p:cNvSpPr/>
+          <p:nvPr/>
+        </p:nvSpPr>
+        <p:spPr>
+          <a:xfrm>
+            <a:off x="6399042" y="3681048"/>
+            <a:ext cx="217580" cy="187569"/>
+          </a:xfrm>
+          <a:prstGeom prst="triangle">
+            <a:avLst/>
+          </a:prstGeom>
+          <a:solidFill>
+            <a:srgbClr val="FF0000"/>
+          </a:solidFill>
+          <a:ln>
+            <a:solidFill>
+              <a:srgbClr val="FF0000"/>
+            </a:solidFill>
+          </a:ln>
+        </p:spPr>
+        <p:style>
+          <a:lnRef idx="2">
+            <a:schemeClr val="accent1">
+              <a:shade val="50000"/>
+            </a:schemeClr>
+          </a:lnRef>
+          <a:fillRef idx="1">
+            <a:schemeClr val="accent1"/>
+          </a:fillRef>
+          <a:effectRef idx="0">
+            <a:schemeClr val="accent1"/>
+          </a:effectRef>
+          <a:fontRef idx="minor">
+            <a:schemeClr val="lt1"/>
+          </a:fontRef>
+        </p:style>
+        <p:txBody>
+          <a:bodyPr rtlCol="0" anchor="ctr"/>
+          <a:lstStyle/>
+          <a:p>
+            <a:pPr algn="ctr"/>
+            <a:endParaRPr kumimoji="1" lang="zh-TW" altLang="en-US"/>
+          </a:p>
+        </p:txBody>
+      </p:sp>
+      <p:sp>
+        <p:nvSpPr>
+          <p:cNvPr id="11" name="三角形 10"/>
+          <p:cNvSpPr/>
+          <p:nvPr/>
+        </p:nvSpPr>
+        <p:spPr>
+          <a:xfrm>
+            <a:off x="6635850" y="3681047"/>
+            <a:ext cx="217580" cy="187569"/>
+          </a:xfrm>
+          <a:prstGeom prst="triangle">
+            <a:avLst/>
+          </a:prstGeom>
+          <a:solidFill>
+            <a:srgbClr val="FF0000"/>
+          </a:solidFill>
+          <a:ln>
+            <a:solidFill>
+              <a:srgbClr val="FF0000"/>
+            </a:solidFill>
+          </a:ln>
+        </p:spPr>
+        <p:style>
+          <a:lnRef idx="2">
+            <a:schemeClr val="accent1">
+              <a:shade val="50000"/>
+            </a:schemeClr>
+          </a:lnRef>
+          <a:fillRef idx="1">
+            <a:schemeClr val="accent1"/>
+          </a:fillRef>
+          <a:effectRef idx="0">
+            <a:schemeClr val="accent1"/>
+          </a:effectRef>
+          <a:fontRef idx="minor">
+            <a:schemeClr val="lt1"/>
+          </a:fontRef>
+        </p:style>
+        <p:txBody>
+          <a:bodyPr rtlCol="0" anchor="ctr"/>
+          <a:lstStyle/>
+          <a:p>
+            <a:pPr algn="ctr"/>
+            <a:endParaRPr kumimoji="1" lang="zh-TW" altLang="en-US"/>
+          </a:p>
+        </p:txBody>
+      </p:sp>
+      <p:sp>
+        <p:nvSpPr>
+          <p:cNvPr id="12" name="三角形 11"/>
+          <p:cNvSpPr/>
+          <p:nvPr/>
+        </p:nvSpPr>
+        <p:spPr>
+          <a:xfrm>
+            <a:off x="6853430" y="3681047"/>
+            <a:ext cx="217580" cy="187569"/>
+          </a:xfrm>
+          <a:prstGeom prst="triangle">
+            <a:avLst/>
+          </a:prstGeom>
+          <a:solidFill>
+            <a:srgbClr val="FF0000"/>
+          </a:solidFill>
+          <a:ln>
+            <a:solidFill>
+              <a:srgbClr val="FF0000"/>
+            </a:solidFill>
+          </a:ln>
+        </p:spPr>
+        <p:style>
+          <a:lnRef idx="2">
+            <a:schemeClr val="accent1">
+              <a:shade val="50000"/>
+            </a:schemeClr>
+          </a:lnRef>
+          <a:fillRef idx="1">
+            <a:schemeClr val="accent1"/>
+          </a:fillRef>
+          <a:effectRef idx="0">
+            <a:schemeClr val="accent1"/>
+          </a:effectRef>
+          <a:fontRef idx="minor">
+            <a:schemeClr val="lt1"/>
+          </a:fontRef>
+        </p:style>
+        <p:txBody>
+          <a:bodyPr rtlCol="0" anchor="ctr"/>
+          <a:lstStyle/>
+          <a:p>
+            <a:pPr algn="ctr"/>
+            <a:endParaRPr kumimoji="1" lang="zh-TW" altLang="en-US"/>
+          </a:p>
+        </p:txBody>
+      </p:sp>
+      <p:sp>
+        <p:nvSpPr>
+          <p:cNvPr id="13" name="三角形 12"/>
+          <p:cNvSpPr/>
+          <p:nvPr/>
+        </p:nvSpPr>
+        <p:spPr>
+          <a:xfrm>
+            <a:off x="7090238" y="3681047"/>
+            <a:ext cx="217580" cy="187569"/>
+          </a:xfrm>
+          <a:prstGeom prst="triangle">
+            <a:avLst/>
+          </a:prstGeom>
+          <a:solidFill>
+            <a:srgbClr val="FF0000"/>
+          </a:solidFill>
+          <a:ln>
+            <a:solidFill>
+              <a:srgbClr val="FF0000"/>
+            </a:solidFill>
+          </a:ln>
+        </p:spPr>
+        <p:style>
+          <a:lnRef idx="2">
+            <a:schemeClr val="accent1">
+              <a:shade val="50000"/>
+            </a:schemeClr>
+          </a:lnRef>
+          <a:fillRef idx="1">
+            <a:schemeClr val="accent1"/>
+          </a:fillRef>
+          <a:effectRef idx="0">
+            <a:schemeClr val="accent1"/>
+          </a:effectRef>
+          <a:fontRef idx="minor">
+            <a:schemeClr val="lt1"/>
+          </a:fontRef>
+        </p:style>
+        <p:txBody>
+          <a:bodyPr rtlCol="0" anchor="ctr"/>
+          <a:lstStyle/>
+          <a:p>
+            <a:pPr algn="ctr"/>
+            <a:endParaRPr kumimoji="1" lang="zh-TW" altLang="en-US"/>
+          </a:p>
+        </p:txBody>
+      </p:sp>
+      <p:sp>
+        <p:nvSpPr>
+          <p:cNvPr id="14" name="三角形 13"/>
+          <p:cNvSpPr/>
+          <p:nvPr/>
+        </p:nvSpPr>
+        <p:spPr>
+          <a:xfrm>
+            <a:off x="7327046" y="3681048"/>
+            <a:ext cx="217580" cy="187569"/>
+          </a:xfrm>
+          <a:prstGeom prst="triangle">
+            <a:avLst/>
+          </a:prstGeom>
+          <a:solidFill>
+            <a:srgbClr val="FF0000"/>
+          </a:solidFill>
+          <a:ln>
+            <a:solidFill>
+              <a:srgbClr val="FF0000"/>
+            </a:solidFill>
+          </a:ln>
+        </p:spPr>
+        <p:style>
+          <a:lnRef idx="2">
+            <a:schemeClr val="accent1">
+              <a:shade val="50000"/>
+            </a:schemeClr>
+          </a:lnRef>
+          <a:fillRef idx="1">
+            <a:schemeClr val="accent1"/>
+          </a:fillRef>
+          <a:effectRef idx="0">
+            <a:schemeClr val="accent1"/>
+          </a:effectRef>
+          <a:fontRef idx="minor">
+            <a:schemeClr val="lt1"/>
+          </a:fontRef>
+        </p:style>
+        <p:txBody>
+          <a:bodyPr rtlCol="0" anchor="ctr"/>
+          <a:lstStyle/>
+          <a:p>
+            <a:pPr algn="ctr"/>
+            <a:endParaRPr kumimoji="1" lang="zh-TW" altLang="en-US"/>
+          </a:p>
+        </p:txBody>
+      </p:sp>
+      <p:sp>
+        <p:nvSpPr>
+          <p:cNvPr id="15" name="三角形 14"/>
+          <p:cNvSpPr/>
+          <p:nvPr/>
+        </p:nvSpPr>
+        <p:spPr>
+          <a:xfrm>
+            <a:off x="7553766" y="3681047"/>
+            <a:ext cx="217580" cy="187569"/>
+          </a:xfrm>
+          <a:prstGeom prst="triangle">
+            <a:avLst/>
+          </a:prstGeom>
+          <a:solidFill>
+            <a:srgbClr val="FF0000"/>
+          </a:solidFill>
+          <a:ln>
+            <a:solidFill>
+              <a:srgbClr val="FF0000"/>
+            </a:solidFill>
+          </a:ln>
+        </p:spPr>
+        <p:style>
+          <a:lnRef idx="2">
+            <a:schemeClr val="accent1">
+              <a:shade val="50000"/>
+            </a:schemeClr>
+          </a:lnRef>
+          <a:fillRef idx="1">
+            <a:schemeClr val="accent1"/>
+          </a:fillRef>
+          <a:effectRef idx="0">
+            <a:schemeClr val="accent1"/>
+          </a:effectRef>
+          <a:fontRef idx="minor">
+            <a:schemeClr val="lt1"/>
+          </a:fontRef>
+        </p:style>
+        <p:txBody>
+          <a:bodyPr rtlCol="0" anchor="ctr"/>
+          <a:lstStyle/>
+          <a:p>
+            <a:pPr algn="ctr"/>
+            <a:endParaRPr kumimoji="1" lang="zh-TW" altLang="en-US"/>
+          </a:p>
+        </p:txBody>
+      </p:sp>
+      <p:sp>
+        <p:nvSpPr>
+          <p:cNvPr id="16" name="三角形 15"/>
+          <p:cNvSpPr/>
+          <p:nvPr/>
+        </p:nvSpPr>
+        <p:spPr>
+          <a:xfrm>
+            <a:off x="7765161" y="3681046"/>
+            <a:ext cx="217580" cy="187569"/>
+          </a:xfrm>
+          <a:prstGeom prst="triangle">
+            <a:avLst/>
+          </a:prstGeom>
+          <a:solidFill>
+            <a:srgbClr val="FF0000"/>
+          </a:solidFill>
+          <a:ln>
+            <a:solidFill>
+              <a:srgbClr val="FF0000"/>
+            </a:solidFill>
+          </a:ln>
+        </p:spPr>
+        <p:style>
+          <a:lnRef idx="2">
+            <a:schemeClr val="accent1">
+              <a:shade val="50000"/>
+            </a:schemeClr>
+          </a:lnRef>
+          <a:fillRef idx="1">
+            <a:schemeClr val="accent1"/>
+          </a:fillRef>
+          <a:effectRef idx="0">
+            <a:schemeClr val="accent1"/>
+          </a:effectRef>
+          <a:fontRef idx="minor">
+            <a:schemeClr val="lt1"/>
+          </a:fontRef>
+        </p:style>
+        <p:txBody>
+          <a:bodyPr rtlCol="0" anchor="ctr"/>
+          <a:lstStyle/>
+          <a:p>
+            <a:pPr algn="ctr"/>
+            <a:endParaRPr kumimoji="1" lang="zh-TW" altLang="en-US"/>
+          </a:p>
+        </p:txBody>
+      </p:sp>
+      <p:sp>
+        <p:nvSpPr>
+          <p:cNvPr id="17" name="三角形 16"/>
+          <p:cNvSpPr/>
+          <p:nvPr/>
+        </p:nvSpPr>
+        <p:spPr>
+          <a:xfrm>
+            <a:off x="7965128" y="3681045"/>
+            <a:ext cx="217580" cy="187569"/>
+          </a:xfrm>
+          <a:prstGeom prst="triangle">
+            <a:avLst/>
+          </a:prstGeom>
+          <a:solidFill>
+            <a:srgbClr val="FF0000"/>
+          </a:solidFill>
+          <a:ln>
+            <a:solidFill>
+              <a:srgbClr val="FF0000"/>
+            </a:solidFill>
+          </a:ln>
+        </p:spPr>
+        <p:style>
+          <a:lnRef idx="2">
+            <a:schemeClr val="accent1">
+              <a:shade val="50000"/>
+            </a:schemeClr>
+          </a:lnRef>
+          <a:fillRef idx="1">
+            <a:schemeClr val="accent1"/>
+          </a:fillRef>
+          <a:effectRef idx="0">
+            <a:schemeClr val="accent1"/>
+          </a:effectRef>
+          <a:fontRef idx="minor">
+            <a:schemeClr val="lt1"/>
+          </a:fontRef>
+        </p:style>
+        <p:txBody>
+          <a:bodyPr rtlCol="0" anchor="ctr"/>
+          <a:lstStyle/>
+          <a:p>
+            <a:pPr algn="ctr"/>
+            <a:endParaRPr kumimoji="1" lang="zh-TW" altLang="en-US"/>
+          </a:p>
+        </p:txBody>
+      </p:sp>
     </p:spTree>
     <p:extLst>
       <p:ext uri="{BB962C8B-B14F-4D97-AF65-F5344CB8AC3E}">
@@ -20313,6 +20936,13 @@
   <p:clrMapOvr>
     <a:masterClrMapping/>
   </p:clrMapOvr>
+  <p:timing>
+    <p:tnLst>
+      <p:par>
+        <p:cTn id="1" dur="indefinite" restart="never" nodeType="tmRoot"/>
+      </p:par>
+    </p:tnLst>
+  </p:timing>
 </p:sld>
 </file>
 

--- a/images/簡報1.pptx
+++ b/images/簡報1.pptx
@@ -5,16 +5,24 @@
     <p:sldMasterId id="2147483660" r:id="rId1"/>
   </p:sldMasterIdLst>
   <p:notesMasterIdLst>
-    <p:notesMasterId r:id="rId9"/>
+    <p:notesMasterId r:id="rId17"/>
   </p:notesMasterIdLst>
   <p:sldIdLst>
     <p:sldId id="256" r:id="rId2"/>
-    <p:sldId id="261" r:id="rId3"/>
-    <p:sldId id="257" r:id="rId4"/>
-    <p:sldId id="263" r:id="rId5"/>
-    <p:sldId id="262" r:id="rId6"/>
-    <p:sldId id="258" r:id="rId7"/>
-    <p:sldId id="259" r:id="rId8"/>
+    <p:sldId id="270" r:id="rId3"/>
+    <p:sldId id="268" r:id="rId4"/>
+    <p:sldId id="269" r:id="rId5"/>
+    <p:sldId id="271" r:id="rId6"/>
+    <p:sldId id="266" r:id="rId7"/>
+    <p:sldId id="267" r:id="rId8"/>
+    <p:sldId id="264" r:id="rId9"/>
+    <p:sldId id="265" r:id="rId10"/>
+    <p:sldId id="261" r:id="rId11"/>
+    <p:sldId id="257" r:id="rId12"/>
+    <p:sldId id="263" r:id="rId13"/>
+    <p:sldId id="262" r:id="rId14"/>
+    <p:sldId id="258" r:id="rId15"/>
+    <p:sldId id="259" r:id="rId16"/>
   </p:sldIdLst>
   <p:sldSz cx="9906000" cy="6858000" type="A4"/>
   <p:notesSz cx="6858000" cy="9144000"/>
@@ -15521,7 +15529,7 @@
           <a:p>
             <a:fld id="{717A0F8B-93E4-D94C-A23F-3BFE25CA288E}" type="datetimeFigureOut">
               <a:rPr kumimoji="1" lang="zh-TW" altLang="en-US" smtClean="0"/>
-              <a:t>2018/5/31</a:t>
+              <a:t>2018/6/10</a:t>
             </a:fld>
             <a:endParaRPr kumimoji="1" lang="zh-TW" altLang="en-US"/>
           </a:p>
@@ -15920,7 +15928,7 @@
           <a:p>
             <a:fld id="{C5A3AF4C-25B1-F44B-852B-3193A0C807C6}" type="datetimeFigureOut">
               <a:rPr kumimoji="1" lang="zh-TW" altLang="en-US" smtClean="0"/>
-              <a:t>2018/5/31</a:t>
+              <a:t>2018/6/10</a:t>
             </a:fld>
             <a:endParaRPr kumimoji="1" lang="zh-TW" altLang="en-US"/>
           </a:p>
@@ -16085,7 +16093,7 @@
           <a:p>
             <a:fld id="{C5A3AF4C-25B1-F44B-852B-3193A0C807C6}" type="datetimeFigureOut">
               <a:rPr kumimoji="1" lang="zh-TW" altLang="en-US" smtClean="0"/>
-              <a:t>2018/5/31</a:t>
+              <a:t>2018/6/10</a:t>
             </a:fld>
             <a:endParaRPr kumimoji="1" lang="zh-TW" altLang="en-US"/>
           </a:p>
@@ -16260,7 +16268,7 @@
           <a:p>
             <a:fld id="{C5A3AF4C-25B1-F44B-852B-3193A0C807C6}" type="datetimeFigureOut">
               <a:rPr kumimoji="1" lang="zh-TW" altLang="en-US" smtClean="0"/>
-              <a:t>2018/5/31</a:t>
+              <a:t>2018/6/10</a:t>
             </a:fld>
             <a:endParaRPr kumimoji="1" lang="zh-TW" altLang="en-US"/>
           </a:p>
@@ -16425,7 +16433,7 @@
           <a:p>
             <a:fld id="{C5A3AF4C-25B1-F44B-852B-3193A0C807C6}" type="datetimeFigureOut">
               <a:rPr kumimoji="1" lang="zh-TW" altLang="en-US" smtClean="0"/>
-              <a:t>2018/5/31</a:t>
+              <a:t>2018/6/10</a:t>
             </a:fld>
             <a:endParaRPr kumimoji="1" lang="zh-TW" altLang="en-US"/>
           </a:p>
@@ -16664,7 +16672,7 @@
           <a:p>
             <a:fld id="{C5A3AF4C-25B1-F44B-852B-3193A0C807C6}" type="datetimeFigureOut">
               <a:rPr kumimoji="1" lang="zh-TW" altLang="en-US" smtClean="0"/>
-              <a:t>2018/5/31</a:t>
+              <a:t>2018/6/10</a:t>
             </a:fld>
             <a:endParaRPr kumimoji="1" lang="zh-TW" altLang="en-US"/>
           </a:p>
@@ -16891,7 +16899,7 @@
           <a:p>
             <a:fld id="{C5A3AF4C-25B1-F44B-852B-3193A0C807C6}" type="datetimeFigureOut">
               <a:rPr kumimoji="1" lang="zh-TW" altLang="en-US" smtClean="0"/>
-              <a:t>2018/5/31</a:t>
+              <a:t>2018/6/10</a:t>
             </a:fld>
             <a:endParaRPr kumimoji="1" lang="zh-TW" altLang="en-US"/>
           </a:p>
@@ -17253,7 +17261,7 @@
           <a:p>
             <a:fld id="{C5A3AF4C-25B1-F44B-852B-3193A0C807C6}" type="datetimeFigureOut">
               <a:rPr kumimoji="1" lang="zh-TW" altLang="en-US" smtClean="0"/>
-              <a:t>2018/5/31</a:t>
+              <a:t>2018/6/10</a:t>
             </a:fld>
             <a:endParaRPr kumimoji="1" lang="zh-TW" altLang="en-US"/>
           </a:p>
@@ -17366,7 +17374,7 @@
           <a:p>
             <a:fld id="{C5A3AF4C-25B1-F44B-852B-3193A0C807C6}" type="datetimeFigureOut">
               <a:rPr kumimoji="1" lang="zh-TW" altLang="en-US" smtClean="0"/>
-              <a:t>2018/5/31</a:t>
+              <a:t>2018/6/10</a:t>
             </a:fld>
             <a:endParaRPr kumimoji="1" lang="zh-TW" altLang="en-US"/>
           </a:p>
@@ -17456,7 +17464,7 @@
           <a:p>
             <a:fld id="{C5A3AF4C-25B1-F44B-852B-3193A0C807C6}" type="datetimeFigureOut">
               <a:rPr kumimoji="1" lang="zh-TW" altLang="en-US" smtClean="0"/>
-              <a:t>2018/5/31</a:t>
+              <a:t>2018/6/10</a:t>
             </a:fld>
             <a:endParaRPr kumimoji="1" lang="zh-TW" altLang="en-US"/>
           </a:p>
@@ -17728,7 +17736,7 @@
           <a:p>
             <a:fld id="{C5A3AF4C-25B1-F44B-852B-3193A0C807C6}" type="datetimeFigureOut">
               <a:rPr kumimoji="1" lang="zh-TW" altLang="en-US" smtClean="0"/>
-              <a:t>2018/5/31</a:t>
+              <a:t>2018/6/10</a:t>
             </a:fld>
             <a:endParaRPr kumimoji="1" lang="zh-TW" altLang="en-US"/>
           </a:p>
@@ -17980,7 +17988,7 @@
           <a:p>
             <a:fld id="{C5A3AF4C-25B1-F44B-852B-3193A0C807C6}" type="datetimeFigureOut">
               <a:rPr kumimoji="1" lang="zh-TW" altLang="en-US" smtClean="0"/>
-              <a:t>2018/5/31</a:t>
+              <a:t>2018/6/10</a:t>
             </a:fld>
             <a:endParaRPr kumimoji="1" lang="zh-TW" altLang="en-US"/>
           </a:p>
@@ -18188,7 +18196,7 @@
           <a:p>
             <a:fld id="{C5A3AF4C-25B1-F44B-852B-3193A0C807C6}" type="datetimeFigureOut">
               <a:rPr kumimoji="1" lang="zh-TW" altLang="en-US" smtClean="0"/>
-              <a:t>2018/5/31</a:t>
+              <a:t>2018/6/10</a:t>
             </a:fld>
             <a:endParaRPr kumimoji="1" lang="zh-TW" altLang="en-US"/>
           </a:p>
@@ -20081,6 +20089,96 @@
           </a:prstGeom>
         </p:spPr>
       </p:pic>
+      <p:pic>
+        <p:nvPicPr>
+          <p:cNvPr id="37" name="圖片 36"/>
+          <p:cNvPicPr>
+            <a:picLocks noChangeAspect="1"/>
+          </p:cNvPicPr>
+          <p:nvPr/>
+        </p:nvPicPr>
+        <p:blipFill>
+          <a:blip r:embed="rId7">
+            <a:extLst>
+              <a:ext uri="{28A0092B-C50C-407E-A947-70E740481C1C}">
+                <a14:useLocalDpi xmlns:a14="http://schemas.microsoft.com/office/drawing/2010/main" val="0"/>
+              </a:ext>
+            </a:extLst>
+          </a:blip>
+          <a:stretch>
+            <a:fillRect/>
+          </a:stretch>
+        </p:blipFill>
+        <p:spPr>
+          <a:xfrm rot="2424155">
+            <a:off x="7030886" y="572276"/>
+            <a:ext cx="2305050" cy="2305050"/>
+          </a:xfrm>
+          <a:prstGeom prst="rect">
+            <a:avLst/>
+          </a:prstGeom>
+        </p:spPr>
+      </p:pic>
+      <p:sp>
+        <p:nvSpPr>
+          <p:cNvPr id="48" name="橢圓 47"/>
+          <p:cNvSpPr/>
+          <p:nvPr/>
+        </p:nvSpPr>
+        <p:spPr>
+          <a:xfrm>
+            <a:off x="225256" y="4476925"/>
+            <a:ext cx="1483077" cy="954729"/>
+          </a:xfrm>
+          <a:prstGeom prst="ellipse">
+            <a:avLst/>
+          </a:prstGeom>
+          <a:noFill/>
+          <a:ln w="57150"/>
+        </p:spPr>
+        <p:style>
+          <a:lnRef idx="2">
+            <a:schemeClr val="accent1">
+              <a:shade val="50000"/>
+            </a:schemeClr>
+          </a:lnRef>
+          <a:fillRef idx="1">
+            <a:schemeClr val="accent1"/>
+          </a:fillRef>
+          <a:effectRef idx="0">
+            <a:schemeClr val="accent1"/>
+          </a:effectRef>
+          <a:fontRef idx="minor">
+            <a:schemeClr val="lt1"/>
+          </a:fontRef>
+        </p:style>
+        <p:txBody>
+          <a:bodyPr rtlCol="0" anchor="ctr"/>
+          <a:lstStyle/>
+          <a:p>
+            <a:pPr algn="ctr"/>
+            <a:r>
+              <a:rPr kumimoji="1" lang="zh-TW" altLang="en-US" sz="2925" b="1" dirty="0" smtClean="0">
+                <a:solidFill>
+                  <a:schemeClr val="tx1"/>
+                </a:solidFill>
+                <a:latin typeface="Microsoft JhengHei" charset="-120"/>
+                <a:ea typeface="Microsoft JhengHei" charset="-120"/>
+                <a:cs typeface="Microsoft JhengHei" charset="-120"/>
+              </a:rPr>
+              <a:t>作弊</a:t>
+            </a:r>
+            <a:endParaRPr kumimoji="1" lang="zh-TW" altLang="en-US" sz="2925" b="1" dirty="0">
+              <a:solidFill>
+                <a:schemeClr val="tx1"/>
+              </a:solidFill>
+              <a:latin typeface="Microsoft JhengHei" charset="-120"/>
+              <a:ea typeface="Microsoft JhengHei" charset="-120"/>
+              <a:cs typeface="Microsoft JhengHei" charset="-120"/>
+            </a:endParaRPr>
+          </a:p>
+        </p:txBody>
+      </p:sp>
     </p:spTree>
     <p:extLst>
       <p:ext uri="{BB962C8B-B14F-4D97-AF65-F5344CB8AC3E}">
@@ -20091,10 +20189,17 @@
   <p:clrMapOvr>
     <a:masterClrMapping/>
   </p:clrMapOvr>
+  <p:timing>
+    <p:tnLst>
+      <p:par>
+        <p:cTn id="1" dur="indefinite" restart="never" nodeType="tmRoot"/>
+      </p:par>
+    </p:tnLst>
+  </p:timing>
 </p:sld>
 </file>
 
-<file path=ppt/slides/slide2.xml><?xml version="1.0" encoding="utf-8"?>
+<file path=ppt/slides/slide10.xml><?xml version="1.0" encoding="utf-8"?>
 <p:sld xmlns:a="http://schemas.openxmlformats.org/drawingml/2006/main" xmlns:r="http://schemas.openxmlformats.org/officeDocument/2006/relationships" xmlns:p="http://schemas.openxmlformats.org/presentationml/2006/main">
   <p:cSld>
     <p:spTree>
@@ -20946,7 +21051,7 @@
 </p:sld>
 </file>
 
-<file path=ppt/slides/slide3.xml><?xml version="1.0" encoding="utf-8"?>
+<file path=ppt/slides/slide11.xml><?xml version="1.0" encoding="utf-8"?>
 <p:sld xmlns:a="http://schemas.openxmlformats.org/drawingml/2006/main" xmlns:r="http://schemas.openxmlformats.org/officeDocument/2006/relationships" xmlns:p="http://schemas.openxmlformats.org/presentationml/2006/main">
   <p:cSld>
     <p:spTree>
@@ -21065,7 +21170,7 @@
 </p:sld>
 </file>
 
-<file path=ppt/slides/slide4.xml><?xml version="1.0" encoding="utf-8"?>
+<file path=ppt/slides/slide12.xml><?xml version="1.0" encoding="utf-8"?>
 <p:sld xmlns:a="http://schemas.openxmlformats.org/drawingml/2006/main" xmlns:r="http://schemas.openxmlformats.org/officeDocument/2006/relationships" xmlns:p="http://schemas.openxmlformats.org/presentationml/2006/main">
   <p:cSld>
     <p:spTree>
@@ -21202,7 +21307,7 @@
 </p:sld>
 </file>
 
-<file path=ppt/slides/slide5.xml><?xml version="1.0" encoding="utf-8"?>
+<file path=ppt/slides/slide13.xml><?xml version="1.0" encoding="utf-8"?>
 <p:sld xmlns:a="http://schemas.openxmlformats.org/drawingml/2006/main" xmlns:r="http://schemas.openxmlformats.org/officeDocument/2006/relationships" xmlns:p="http://schemas.openxmlformats.org/presentationml/2006/main">
   <p:cSld>
     <p:spTree>
@@ -21254,7 +21359,7 @@
 </p:sld>
 </file>
 
-<file path=ppt/slides/slide6.xml><?xml version="1.0" encoding="utf-8"?>
+<file path=ppt/slides/slide14.xml><?xml version="1.0" encoding="utf-8"?>
 <p:sld xmlns:a="http://schemas.openxmlformats.org/drawingml/2006/main" xmlns:r="http://schemas.openxmlformats.org/officeDocument/2006/relationships" xmlns:p="http://schemas.openxmlformats.org/presentationml/2006/main">
   <p:cSld>
     <p:spTree>
@@ -21442,7 +21547,7 @@
 </p:sld>
 </file>
 
-<file path=ppt/slides/slide7.xml><?xml version="1.0" encoding="utf-8"?>
+<file path=ppt/slides/slide15.xml><?xml version="1.0" encoding="utf-8"?>
 <p:sld xmlns:a="http://schemas.openxmlformats.org/drawingml/2006/main" xmlns:r="http://schemas.openxmlformats.org/officeDocument/2006/relationships" xmlns:p="http://schemas.openxmlformats.org/presentationml/2006/main">
   <p:cSld>
     <p:spTree>
@@ -21543,6 +21648,5309 @@
     <p:extLst>
       <p:ext uri="{BB962C8B-B14F-4D97-AF65-F5344CB8AC3E}">
         <p14:creationId xmlns:p14="http://schemas.microsoft.com/office/powerpoint/2010/main" val="1461408837"/>
+      </p:ext>
+    </p:extLst>
+  </p:cSld>
+  <p:clrMapOvr>
+    <a:masterClrMapping/>
+  </p:clrMapOvr>
+</p:sld>
+</file>
+
+<file path=ppt/slides/slide2.xml><?xml version="1.0" encoding="utf-8"?>
+<p:sld xmlns:a="http://schemas.openxmlformats.org/drawingml/2006/main" xmlns:r="http://schemas.openxmlformats.org/officeDocument/2006/relationships" xmlns:p="http://schemas.openxmlformats.org/presentationml/2006/main">
+  <p:cSld>
+    <p:spTree>
+      <p:nvGrpSpPr>
+        <p:cNvPr id="1" name=""/>
+        <p:cNvGrpSpPr/>
+        <p:nvPr/>
+      </p:nvGrpSpPr>
+      <p:grpSpPr>
+        <a:xfrm>
+          <a:off x="0" y="0"/>
+          <a:ext cx="0" cy="0"/>
+          <a:chOff x="0" y="0"/>
+          <a:chExt cx="0" cy="0"/>
+        </a:xfrm>
+      </p:grpSpPr>
+    </p:spTree>
+    <p:extLst>
+      <p:ext uri="{BB962C8B-B14F-4D97-AF65-F5344CB8AC3E}">
+        <p14:creationId xmlns:p14="http://schemas.microsoft.com/office/powerpoint/2010/main" val="1144984272"/>
+      </p:ext>
+    </p:extLst>
+  </p:cSld>
+  <p:clrMapOvr>
+    <a:masterClrMapping/>
+  </p:clrMapOvr>
+</p:sld>
+</file>
+
+<file path=ppt/slides/slide3.xml><?xml version="1.0" encoding="utf-8"?>
+<p:sld xmlns:a="http://schemas.openxmlformats.org/drawingml/2006/main" xmlns:r="http://schemas.openxmlformats.org/officeDocument/2006/relationships" xmlns:p="http://schemas.openxmlformats.org/presentationml/2006/main">
+  <p:cSld>
+    <p:spTree>
+      <p:nvGrpSpPr>
+        <p:cNvPr id="1" name=""/>
+        <p:cNvGrpSpPr/>
+        <p:nvPr/>
+      </p:nvGrpSpPr>
+      <p:grpSpPr>
+        <a:xfrm>
+          <a:off x="0" y="0"/>
+          <a:ext cx="0" cy="0"/>
+          <a:chOff x="0" y="0"/>
+          <a:chExt cx="0" cy="0"/>
+        </a:xfrm>
+      </p:grpSpPr>
+      <p:pic>
+        <p:nvPicPr>
+          <p:cNvPr id="4" name="圖片 3"/>
+          <p:cNvPicPr>
+            <a:picLocks noChangeAspect="1"/>
+          </p:cNvPicPr>
+          <p:nvPr/>
+        </p:nvPicPr>
+        <p:blipFill>
+          <a:blip r:embed="rId2">
+            <a:extLst>
+              <a:ext uri="{28A0092B-C50C-407E-A947-70E740481C1C}">
+                <a14:useLocalDpi xmlns:a14="http://schemas.microsoft.com/office/drawing/2010/main" val="0"/>
+              </a:ext>
+            </a:extLst>
+          </a:blip>
+          <a:stretch>
+            <a:fillRect/>
+          </a:stretch>
+        </p:blipFill>
+        <p:spPr>
+          <a:xfrm>
+            <a:off x="7721948" y="2779158"/>
+            <a:ext cx="1038618" cy="675606"/>
+          </a:xfrm>
+          <a:prstGeom prst="rect">
+            <a:avLst/>
+          </a:prstGeom>
+        </p:spPr>
+      </p:pic>
+      <p:pic>
+        <p:nvPicPr>
+          <p:cNvPr id="5" name="圖片 4"/>
+          <p:cNvPicPr>
+            <a:picLocks noChangeAspect="1"/>
+          </p:cNvPicPr>
+          <p:nvPr/>
+        </p:nvPicPr>
+        <p:blipFill>
+          <a:blip r:embed="rId3">
+            <a:extLst>
+              <a:ext uri="{28A0092B-C50C-407E-A947-70E740481C1C}">
+                <a14:useLocalDpi xmlns:a14="http://schemas.microsoft.com/office/drawing/2010/main" val="0"/>
+              </a:ext>
+            </a:extLst>
+          </a:blip>
+          <a:stretch>
+            <a:fillRect/>
+          </a:stretch>
+        </p:blipFill>
+        <p:spPr>
+          <a:xfrm>
+            <a:off x="7262446" y="-91223"/>
+            <a:ext cx="3156191" cy="3636846"/>
+          </a:xfrm>
+          <a:prstGeom prst="rect">
+            <a:avLst/>
+          </a:prstGeom>
+        </p:spPr>
+      </p:pic>
+      <p:pic>
+        <p:nvPicPr>
+          <p:cNvPr id="6" name="圖片 5"/>
+          <p:cNvPicPr>
+            <a:picLocks noChangeAspect="1"/>
+          </p:cNvPicPr>
+          <p:nvPr/>
+        </p:nvPicPr>
+        <p:blipFill>
+          <a:blip r:embed="rId4">
+            <a:extLst>
+              <a:ext uri="{28A0092B-C50C-407E-A947-70E740481C1C}">
+                <a14:useLocalDpi xmlns:a14="http://schemas.microsoft.com/office/drawing/2010/main" val="0"/>
+              </a:ext>
+            </a:extLst>
+          </a:blip>
+          <a:stretch>
+            <a:fillRect/>
+          </a:stretch>
+        </p:blipFill>
+        <p:spPr>
+          <a:xfrm>
+            <a:off x="4508500" y="2984500"/>
+            <a:ext cx="813417" cy="813417"/>
+          </a:xfrm>
+          <a:prstGeom prst="rect">
+            <a:avLst/>
+          </a:prstGeom>
+        </p:spPr>
+      </p:pic>
+      <p:pic>
+        <p:nvPicPr>
+          <p:cNvPr id="7" name="圖片 6"/>
+          <p:cNvPicPr>
+            <a:picLocks noChangeAspect="1"/>
+          </p:cNvPicPr>
+          <p:nvPr/>
+        </p:nvPicPr>
+        <p:blipFill>
+          <a:blip r:embed="rId5">
+            <a:extLst>
+              <a:ext uri="{28A0092B-C50C-407E-A947-70E740481C1C}">
+                <a14:useLocalDpi xmlns:a14="http://schemas.microsoft.com/office/drawing/2010/main" val="0"/>
+              </a:ext>
+            </a:extLst>
+          </a:blip>
+          <a:stretch>
+            <a:fillRect/>
+          </a:stretch>
+        </p:blipFill>
+        <p:spPr>
+          <a:xfrm>
+            <a:off x="1219200" y="-542773"/>
+            <a:ext cx="4423767" cy="1439279"/>
+          </a:xfrm>
+          <a:prstGeom prst="rect">
+            <a:avLst/>
+          </a:prstGeom>
+        </p:spPr>
+      </p:pic>
+      <p:pic>
+        <p:nvPicPr>
+          <p:cNvPr id="8" name="圖片 7"/>
+          <p:cNvPicPr>
+            <a:picLocks noChangeAspect="1"/>
+          </p:cNvPicPr>
+          <p:nvPr/>
+        </p:nvPicPr>
+        <p:blipFill>
+          <a:blip r:embed="rId6">
+            <a:extLst>
+              <a:ext uri="{28A0092B-C50C-407E-A947-70E740481C1C}">
+                <a14:useLocalDpi xmlns:a14="http://schemas.microsoft.com/office/drawing/2010/main" val="0"/>
+              </a:ext>
+            </a:extLst>
+          </a:blip>
+          <a:stretch>
+            <a:fillRect/>
+          </a:stretch>
+        </p:blipFill>
+        <p:spPr>
+          <a:xfrm>
+            <a:off x="6683757" y="-473004"/>
+            <a:ext cx="1270963" cy="1270963"/>
+          </a:xfrm>
+          <a:prstGeom prst="rect">
+            <a:avLst/>
+          </a:prstGeom>
+        </p:spPr>
+      </p:pic>
+      <p:pic>
+        <p:nvPicPr>
+          <p:cNvPr id="9" name="圖片 8"/>
+          <p:cNvPicPr>
+            <a:picLocks noChangeAspect="1"/>
+          </p:cNvPicPr>
+          <p:nvPr/>
+        </p:nvPicPr>
+        <p:blipFill>
+          <a:blip r:embed="rId7">
+            <a:extLst>
+              <a:ext uri="{28A0092B-C50C-407E-A947-70E740481C1C}">
+                <a14:useLocalDpi xmlns:a14="http://schemas.microsoft.com/office/drawing/2010/main" val="0"/>
+              </a:ext>
+            </a:extLst>
+          </a:blip>
+          <a:stretch>
+            <a:fillRect/>
+          </a:stretch>
+        </p:blipFill>
+        <p:spPr>
+          <a:xfrm>
+            <a:off x="440372" y="1000660"/>
+            <a:ext cx="4201532" cy="2361261"/>
+          </a:xfrm>
+          <a:prstGeom prst="rect">
+            <a:avLst/>
+          </a:prstGeom>
+        </p:spPr>
+      </p:pic>
+      <p:pic>
+        <p:nvPicPr>
+          <p:cNvPr id="10" name="圖片 9"/>
+          <p:cNvPicPr>
+            <a:picLocks noChangeAspect="1"/>
+          </p:cNvPicPr>
+          <p:nvPr/>
+        </p:nvPicPr>
+        <p:blipFill>
+          <a:blip r:embed="rId8">
+            <a:extLst>
+              <a:ext uri="{28A0092B-C50C-407E-A947-70E740481C1C}">
+                <a14:useLocalDpi xmlns:a14="http://schemas.microsoft.com/office/drawing/2010/main" val="0"/>
+              </a:ext>
+            </a:extLst>
+          </a:blip>
+          <a:stretch>
+            <a:fillRect/>
+          </a:stretch>
+        </p:blipFill>
+        <p:spPr>
+          <a:xfrm>
+            <a:off x="4536199" y="85524"/>
+            <a:ext cx="1641676" cy="1641676"/>
+          </a:xfrm>
+          <a:prstGeom prst="rect">
+            <a:avLst/>
+          </a:prstGeom>
+        </p:spPr>
+      </p:pic>
+      <p:pic>
+        <p:nvPicPr>
+          <p:cNvPr id="11" name="圖片 10"/>
+          <p:cNvPicPr>
+            <a:picLocks noChangeAspect="1"/>
+          </p:cNvPicPr>
+          <p:nvPr/>
+        </p:nvPicPr>
+        <p:blipFill>
+          <a:blip r:embed="rId9">
+            <a:extLst>
+              <a:ext uri="{28A0092B-C50C-407E-A947-70E740481C1C}">
+                <a14:useLocalDpi xmlns:a14="http://schemas.microsoft.com/office/drawing/2010/main" val="0"/>
+              </a:ext>
+            </a:extLst>
+          </a:blip>
+          <a:stretch>
+            <a:fillRect/>
+          </a:stretch>
+        </p:blipFill>
+        <p:spPr>
+          <a:xfrm>
+            <a:off x="5930900" y="546100"/>
+            <a:ext cx="1254328" cy="1635191"/>
+          </a:xfrm>
+          <a:prstGeom prst="rect">
+            <a:avLst/>
+          </a:prstGeom>
+        </p:spPr>
+      </p:pic>
+      <p:pic>
+        <p:nvPicPr>
+          <p:cNvPr id="12" name="圖片 11"/>
+          <p:cNvPicPr>
+            <a:picLocks noChangeAspect="1"/>
+          </p:cNvPicPr>
+          <p:nvPr/>
+        </p:nvPicPr>
+        <p:blipFill>
+          <a:blip r:embed="rId10">
+            <a:extLst>
+              <a:ext uri="{28A0092B-C50C-407E-A947-70E740481C1C}">
+                <a14:useLocalDpi xmlns:a14="http://schemas.microsoft.com/office/drawing/2010/main" val="0"/>
+              </a:ext>
+            </a:extLst>
+          </a:blip>
+          <a:stretch>
+            <a:fillRect/>
+          </a:stretch>
+        </p:blipFill>
+        <p:spPr>
+          <a:xfrm>
+            <a:off x="668358" y="4221046"/>
+            <a:ext cx="2063814" cy="2063814"/>
+          </a:xfrm>
+          <a:prstGeom prst="rect">
+            <a:avLst/>
+          </a:prstGeom>
+        </p:spPr>
+      </p:pic>
+      <p:pic>
+        <p:nvPicPr>
+          <p:cNvPr id="13" name="圖片 12"/>
+          <p:cNvPicPr>
+            <a:picLocks noChangeAspect="1"/>
+          </p:cNvPicPr>
+          <p:nvPr/>
+        </p:nvPicPr>
+        <p:blipFill>
+          <a:blip r:embed="rId11">
+            <a:extLst>
+              <a:ext uri="{28A0092B-C50C-407E-A947-70E740481C1C}">
+                <a14:useLocalDpi xmlns:a14="http://schemas.microsoft.com/office/drawing/2010/main" val="0"/>
+              </a:ext>
+            </a:extLst>
+          </a:blip>
+          <a:stretch>
+            <a:fillRect/>
+          </a:stretch>
+        </p:blipFill>
+        <p:spPr>
+          <a:xfrm>
+            <a:off x="5930900" y="4445000"/>
+            <a:ext cx="403347" cy="359651"/>
+          </a:xfrm>
+          <a:prstGeom prst="rect">
+            <a:avLst/>
+          </a:prstGeom>
+        </p:spPr>
+      </p:pic>
+      <p:pic>
+        <p:nvPicPr>
+          <p:cNvPr id="14" name="圖片 13"/>
+          <p:cNvPicPr>
+            <a:picLocks noChangeAspect="1"/>
+          </p:cNvPicPr>
+          <p:nvPr/>
+        </p:nvPicPr>
+        <p:blipFill>
+          <a:blip r:embed="rId12">
+            <a:extLst>
+              <a:ext uri="{28A0092B-C50C-407E-A947-70E740481C1C}">
+                <a14:useLocalDpi xmlns:a14="http://schemas.microsoft.com/office/drawing/2010/main" val="0"/>
+              </a:ext>
+            </a:extLst>
+          </a:blip>
+          <a:stretch>
+            <a:fillRect/>
+          </a:stretch>
+        </p:blipFill>
+        <p:spPr>
+          <a:xfrm>
+            <a:off x="8479870" y="3391208"/>
+            <a:ext cx="1569692" cy="1996568"/>
+          </a:xfrm>
+          <a:prstGeom prst="rect">
+            <a:avLst/>
+          </a:prstGeom>
+        </p:spPr>
+      </p:pic>
+      <p:pic>
+        <p:nvPicPr>
+          <p:cNvPr id="16" name="圖片 15"/>
+          <p:cNvPicPr>
+            <a:picLocks noChangeAspect="1"/>
+          </p:cNvPicPr>
+          <p:nvPr/>
+        </p:nvPicPr>
+        <p:blipFill>
+          <a:blip r:embed="rId13">
+            <a:extLst>
+              <a:ext uri="{28A0092B-C50C-407E-A947-70E740481C1C}">
+                <a14:useLocalDpi xmlns:a14="http://schemas.microsoft.com/office/drawing/2010/main" val="0"/>
+              </a:ext>
+            </a:extLst>
+          </a:blip>
+          <a:stretch>
+            <a:fillRect/>
+          </a:stretch>
+        </p:blipFill>
+        <p:spPr>
+          <a:xfrm>
+            <a:off x="7300598" y="5765550"/>
+            <a:ext cx="1435244" cy="1038619"/>
+          </a:xfrm>
+          <a:prstGeom prst="rect">
+            <a:avLst/>
+          </a:prstGeom>
+        </p:spPr>
+      </p:pic>
+      <p:pic>
+        <p:nvPicPr>
+          <p:cNvPr id="17" name="圖片 16"/>
+          <p:cNvPicPr>
+            <a:picLocks noChangeAspect="1"/>
+          </p:cNvPicPr>
+          <p:nvPr/>
+        </p:nvPicPr>
+        <p:blipFill>
+          <a:blip r:embed="rId14">
+            <a:extLst>
+              <a:ext uri="{28A0092B-C50C-407E-A947-70E740481C1C}">
+                <a14:useLocalDpi xmlns:a14="http://schemas.microsoft.com/office/drawing/2010/main" val="0"/>
+              </a:ext>
+            </a:extLst>
+          </a:blip>
+          <a:stretch>
+            <a:fillRect/>
+          </a:stretch>
+        </p:blipFill>
+        <p:spPr>
+          <a:xfrm>
+            <a:off x="4464076" y="5139220"/>
+            <a:ext cx="497111" cy="497111"/>
+          </a:xfrm>
+          <a:prstGeom prst="rect">
+            <a:avLst/>
+          </a:prstGeom>
+        </p:spPr>
+      </p:pic>
+      <p:pic>
+        <p:nvPicPr>
+          <p:cNvPr id="19" name="圖片 18"/>
+          <p:cNvPicPr>
+            <a:picLocks noChangeAspect="1"/>
+          </p:cNvPicPr>
+          <p:nvPr/>
+        </p:nvPicPr>
+        <p:blipFill>
+          <a:blip r:embed="rId15">
+            <a:extLst>
+              <a:ext uri="{28A0092B-C50C-407E-A947-70E740481C1C}">
+                <a14:useLocalDpi xmlns:a14="http://schemas.microsoft.com/office/drawing/2010/main" val="0"/>
+              </a:ext>
+            </a:extLst>
+          </a:blip>
+          <a:stretch>
+            <a:fillRect/>
+          </a:stretch>
+        </p:blipFill>
+        <p:spPr>
+          <a:xfrm>
+            <a:off x="7593166" y="3379569"/>
+            <a:ext cx="1035257" cy="675606"/>
+          </a:xfrm>
+          <a:prstGeom prst="rect">
+            <a:avLst/>
+          </a:prstGeom>
+        </p:spPr>
+      </p:pic>
+      <p:pic>
+        <p:nvPicPr>
+          <p:cNvPr id="20" name="圖片 19"/>
+          <p:cNvPicPr>
+            <a:picLocks noChangeAspect="1"/>
+          </p:cNvPicPr>
+          <p:nvPr/>
+        </p:nvPicPr>
+        <p:blipFill>
+          <a:blip r:embed="rId16">
+            <a:extLst>
+              <a:ext uri="{28A0092B-C50C-407E-A947-70E740481C1C}">
+                <a14:useLocalDpi xmlns:a14="http://schemas.microsoft.com/office/drawing/2010/main" val="0"/>
+              </a:ext>
+            </a:extLst>
+          </a:blip>
+          <a:stretch>
+            <a:fillRect/>
+          </a:stretch>
+        </p:blipFill>
+        <p:spPr>
+          <a:xfrm>
+            <a:off x="7473161" y="4564727"/>
+            <a:ext cx="1536192" cy="1011936"/>
+          </a:xfrm>
+          <a:prstGeom prst="rect">
+            <a:avLst/>
+          </a:prstGeom>
+        </p:spPr>
+      </p:pic>
+    </p:spTree>
+    <p:extLst>
+      <p:ext uri="{BB962C8B-B14F-4D97-AF65-F5344CB8AC3E}">
+        <p14:creationId xmlns:p14="http://schemas.microsoft.com/office/powerpoint/2010/main" val="1324529974"/>
+      </p:ext>
+    </p:extLst>
+  </p:cSld>
+  <p:clrMapOvr>
+    <a:masterClrMapping/>
+  </p:clrMapOvr>
+</p:sld>
+</file>
+
+<file path=ppt/slides/slide4.xml><?xml version="1.0" encoding="utf-8"?>
+<p:sld xmlns:a="http://schemas.openxmlformats.org/drawingml/2006/main" xmlns:r="http://schemas.openxmlformats.org/officeDocument/2006/relationships" xmlns:p="http://schemas.openxmlformats.org/presentationml/2006/main">
+  <p:cSld>
+    <p:spTree>
+      <p:nvGrpSpPr>
+        <p:cNvPr id="1" name=""/>
+        <p:cNvGrpSpPr/>
+        <p:nvPr/>
+      </p:nvGrpSpPr>
+      <p:grpSpPr>
+        <a:xfrm>
+          <a:off x="0" y="0"/>
+          <a:ext cx="0" cy="0"/>
+          <a:chOff x="0" y="0"/>
+          <a:chExt cx="0" cy="0"/>
+        </a:xfrm>
+      </p:grpSpPr>
+      <p:pic>
+        <p:nvPicPr>
+          <p:cNvPr id="17" name="圖片 16"/>
+          <p:cNvPicPr>
+            <a:picLocks noChangeAspect="1"/>
+          </p:cNvPicPr>
+          <p:nvPr/>
+        </p:nvPicPr>
+        <p:blipFill>
+          <a:blip r:embed="rId2">
+            <a:extLst>
+              <a:ext uri="{28A0092B-C50C-407E-A947-70E740481C1C}">
+                <a14:useLocalDpi xmlns:a14="http://schemas.microsoft.com/office/drawing/2010/main" val="0"/>
+              </a:ext>
+            </a:extLst>
+          </a:blip>
+          <a:stretch>
+            <a:fillRect/>
+          </a:stretch>
+        </p:blipFill>
+        <p:spPr>
+          <a:xfrm>
+            <a:off x="6845300" y="5321300"/>
+            <a:ext cx="95250" cy="95250"/>
+          </a:xfrm>
+          <a:prstGeom prst="rect">
+            <a:avLst/>
+          </a:prstGeom>
+        </p:spPr>
+      </p:pic>
+      <p:pic>
+        <p:nvPicPr>
+          <p:cNvPr id="29" name="圖片 28"/>
+          <p:cNvPicPr>
+            <a:picLocks noChangeAspect="1"/>
+          </p:cNvPicPr>
+          <p:nvPr/>
+        </p:nvPicPr>
+        <p:blipFill>
+          <a:blip r:embed="rId3">
+            <a:extLst>
+              <a:ext uri="{28A0092B-C50C-407E-A947-70E740481C1C}">
+                <a14:useLocalDpi xmlns:a14="http://schemas.microsoft.com/office/drawing/2010/main" val="0"/>
+              </a:ext>
+            </a:extLst>
+          </a:blip>
+          <a:stretch>
+            <a:fillRect/>
+          </a:stretch>
+        </p:blipFill>
+        <p:spPr>
+          <a:xfrm>
+            <a:off x="3902583" y="1124122"/>
+            <a:ext cx="889000" cy="292100"/>
+          </a:xfrm>
+          <a:prstGeom prst="rect">
+            <a:avLst/>
+          </a:prstGeom>
+        </p:spPr>
+      </p:pic>
+      <p:pic>
+        <p:nvPicPr>
+          <p:cNvPr id="47" name="圖片 46"/>
+          <p:cNvPicPr>
+            <a:picLocks noChangeAspect="1"/>
+          </p:cNvPicPr>
+          <p:nvPr/>
+        </p:nvPicPr>
+        <p:blipFill>
+          <a:blip r:embed="rId4">
+            <a:extLst>
+              <a:ext uri="{28A0092B-C50C-407E-A947-70E740481C1C}">
+                <a14:useLocalDpi xmlns:a14="http://schemas.microsoft.com/office/drawing/2010/main" val="0"/>
+              </a:ext>
+            </a:extLst>
+          </a:blip>
+          <a:stretch>
+            <a:fillRect/>
+          </a:stretch>
+        </p:blipFill>
+        <p:spPr>
+          <a:xfrm>
+            <a:off x="7795846" y="1686011"/>
+            <a:ext cx="533400" cy="2133600"/>
+          </a:xfrm>
+          <a:prstGeom prst="rect">
+            <a:avLst/>
+          </a:prstGeom>
+        </p:spPr>
+      </p:pic>
+      <p:pic>
+        <p:nvPicPr>
+          <p:cNvPr id="49" name="圖片 48"/>
+          <p:cNvPicPr>
+            <a:picLocks noChangeAspect="1"/>
+          </p:cNvPicPr>
+          <p:nvPr/>
+        </p:nvPicPr>
+        <p:blipFill>
+          <a:blip r:embed="rId5">
+            <a:extLst>
+              <a:ext uri="{28A0092B-C50C-407E-A947-70E740481C1C}">
+                <a14:useLocalDpi xmlns:a14="http://schemas.microsoft.com/office/drawing/2010/main" val="0"/>
+              </a:ext>
+            </a:extLst>
+          </a:blip>
+          <a:stretch>
+            <a:fillRect/>
+          </a:stretch>
+        </p:blipFill>
+        <p:spPr>
+          <a:xfrm>
+            <a:off x="6621096" y="8084038"/>
+            <a:ext cx="3416300" cy="355600"/>
+          </a:xfrm>
+          <a:prstGeom prst="rect">
+            <a:avLst/>
+          </a:prstGeom>
+        </p:spPr>
+      </p:pic>
+      <p:pic>
+        <p:nvPicPr>
+          <p:cNvPr id="62" name="圖片 61"/>
+          <p:cNvPicPr>
+            <a:picLocks noChangeAspect="1"/>
+          </p:cNvPicPr>
+          <p:nvPr/>
+        </p:nvPicPr>
+        <p:blipFill>
+          <a:blip r:embed="rId6">
+            <a:extLst>
+              <a:ext uri="{28A0092B-C50C-407E-A947-70E740481C1C}">
+                <a14:useLocalDpi xmlns:a14="http://schemas.microsoft.com/office/drawing/2010/main" val="0"/>
+              </a:ext>
+            </a:extLst>
+          </a:blip>
+          <a:stretch>
+            <a:fillRect/>
+          </a:stretch>
+        </p:blipFill>
+        <p:spPr>
+          <a:xfrm>
+            <a:off x="12504615" y="10412046"/>
+            <a:ext cx="889000" cy="889000"/>
+          </a:xfrm>
+          <a:prstGeom prst="rect">
+            <a:avLst/>
+          </a:prstGeom>
+        </p:spPr>
+      </p:pic>
+    </p:spTree>
+    <p:extLst>
+      <p:ext uri="{BB962C8B-B14F-4D97-AF65-F5344CB8AC3E}">
+        <p14:creationId xmlns:p14="http://schemas.microsoft.com/office/powerpoint/2010/main" val="556345446"/>
+      </p:ext>
+    </p:extLst>
+  </p:cSld>
+  <p:clrMapOvr>
+    <a:masterClrMapping/>
+  </p:clrMapOvr>
+</p:sld>
+</file>
+
+<file path=ppt/slides/slide5.xml><?xml version="1.0" encoding="utf-8"?>
+<p:sld xmlns:a="http://schemas.openxmlformats.org/drawingml/2006/main" xmlns:r="http://schemas.openxmlformats.org/officeDocument/2006/relationships" xmlns:p="http://schemas.openxmlformats.org/presentationml/2006/main">
+  <p:cSld>
+    <p:spTree>
+      <p:nvGrpSpPr>
+        <p:cNvPr id="1" name=""/>
+        <p:cNvGrpSpPr/>
+        <p:nvPr/>
+      </p:nvGrpSpPr>
+      <p:grpSpPr>
+        <a:xfrm>
+          <a:off x="0" y="0"/>
+          <a:ext cx="0" cy="0"/>
+          <a:chOff x="0" y="0"/>
+          <a:chExt cx="0" cy="0"/>
+        </a:xfrm>
+      </p:grpSpPr>
+      <p:sp>
+        <p:nvSpPr>
+          <p:cNvPr id="4" name="圓角矩形 3"/>
+          <p:cNvSpPr/>
+          <p:nvPr/>
+        </p:nvSpPr>
+        <p:spPr>
+          <a:xfrm>
+            <a:off x="0" y="691661"/>
+            <a:ext cx="9905999" cy="4970584"/>
+          </a:xfrm>
+          <a:prstGeom prst="roundRect">
+            <a:avLst/>
+          </a:prstGeom>
+          <a:gradFill>
+            <a:gsLst>
+              <a:gs pos="0">
+                <a:schemeClr val="accent1">
+                  <a:lumMod val="5000"/>
+                  <a:lumOff val="95000"/>
+                </a:schemeClr>
+              </a:gs>
+              <a:gs pos="74000">
+                <a:schemeClr val="accent1">
+                  <a:lumMod val="45000"/>
+                  <a:lumOff val="55000"/>
+                </a:schemeClr>
+              </a:gs>
+              <a:gs pos="83000">
+                <a:schemeClr val="accent1">
+                  <a:lumMod val="45000"/>
+                  <a:lumOff val="55000"/>
+                </a:schemeClr>
+              </a:gs>
+              <a:gs pos="100000">
+                <a:schemeClr val="accent1">
+                  <a:lumMod val="30000"/>
+                  <a:lumOff val="70000"/>
+                </a:schemeClr>
+              </a:gs>
+            </a:gsLst>
+            <a:lin ang="5400000" scaled="1"/>
+          </a:gradFill>
+        </p:spPr>
+        <p:style>
+          <a:lnRef idx="2">
+            <a:schemeClr val="accent1">
+              <a:shade val="50000"/>
+            </a:schemeClr>
+          </a:lnRef>
+          <a:fillRef idx="1">
+            <a:schemeClr val="accent1"/>
+          </a:fillRef>
+          <a:effectRef idx="0">
+            <a:schemeClr val="accent1"/>
+          </a:effectRef>
+          <a:fontRef idx="minor">
+            <a:schemeClr val="lt1"/>
+          </a:fontRef>
+        </p:style>
+        <p:txBody>
+          <a:bodyPr rtlCol="0" anchor="ctr"/>
+          <a:lstStyle/>
+          <a:p>
+            <a:pPr algn="ctr"/>
+            <a:endParaRPr kumimoji="1" lang="zh-TW" altLang="en-US" dirty="0"/>
+          </a:p>
+        </p:txBody>
+      </p:sp>
+      <p:sp>
+        <p:nvSpPr>
+          <p:cNvPr id="5" name="橢圓 4"/>
+          <p:cNvSpPr/>
+          <p:nvPr/>
+        </p:nvSpPr>
+        <p:spPr>
+          <a:xfrm>
+            <a:off x="9050215" y="487485"/>
+            <a:ext cx="855784" cy="855784"/>
+          </a:xfrm>
+          <a:prstGeom prst="ellipse">
+            <a:avLst/>
+          </a:prstGeom>
+          <a:solidFill>
+            <a:schemeClr val="bg2">
+              <a:lumMod val="90000"/>
+            </a:schemeClr>
+          </a:solidFill>
+        </p:spPr>
+        <p:style>
+          <a:lnRef idx="2">
+            <a:schemeClr val="accent1">
+              <a:shade val="50000"/>
+            </a:schemeClr>
+          </a:lnRef>
+          <a:fillRef idx="1">
+            <a:schemeClr val="accent1"/>
+          </a:fillRef>
+          <a:effectRef idx="0">
+            <a:schemeClr val="accent1"/>
+          </a:effectRef>
+          <a:fontRef idx="minor">
+            <a:schemeClr val="lt1"/>
+          </a:fontRef>
+        </p:style>
+        <p:txBody>
+          <a:bodyPr rtlCol="0" anchor="ctr"/>
+          <a:lstStyle/>
+          <a:p>
+            <a:pPr algn="ctr"/>
+            <a:endParaRPr kumimoji="1" lang="zh-TW" altLang="en-US"/>
+          </a:p>
+        </p:txBody>
+      </p:sp>
+      <p:sp>
+        <p:nvSpPr>
+          <p:cNvPr id="6" name="十字形 5"/>
+          <p:cNvSpPr/>
+          <p:nvPr/>
+        </p:nvSpPr>
+        <p:spPr>
+          <a:xfrm rot="2688835">
+            <a:off x="9140311" y="577582"/>
+            <a:ext cx="675593" cy="675593"/>
+          </a:xfrm>
+          <a:prstGeom prst="plus">
+            <a:avLst>
+              <a:gd name="adj" fmla="val 34876"/>
+            </a:avLst>
+          </a:prstGeom>
+          <a:solidFill>
+            <a:schemeClr val="tx1">
+              <a:lumMod val="50000"/>
+              <a:lumOff val="50000"/>
+            </a:schemeClr>
+          </a:solidFill>
+        </p:spPr>
+        <p:style>
+          <a:lnRef idx="2">
+            <a:schemeClr val="accent1">
+              <a:shade val="50000"/>
+            </a:schemeClr>
+          </a:lnRef>
+          <a:fillRef idx="1">
+            <a:schemeClr val="accent1"/>
+          </a:fillRef>
+          <a:effectRef idx="0">
+            <a:schemeClr val="accent1"/>
+          </a:effectRef>
+          <a:fontRef idx="minor">
+            <a:schemeClr val="lt1"/>
+          </a:fontRef>
+        </p:style>
+        <p:txBody>
+          <a:bodyPr rtlCol="0" anchor="ctr"/>
+          <a:lstStyle/>
+          <a:p>
+            <a:pPr algn="ctr"/>
+            <a:endParaRPr kumimoji="1" lang="zh-TW" altLang="en-US"/>
+          </a:p>
+        </p:txBody>
+      </p:sp>
+      <p:sp>
+        <p:nvSpPr>
+          <p:cNvPr id="7" name="文字方塊 6"/>
+          <p:cNvSpPr txBox="1"/>
+          <p:nvPr/>
+        </p:nvSpPr>
+        <p:spPr>
+          <a:xfrm>
+            <a:off x="973015" y="1100705"/>
+            <a:ext cx="4288353" cy="584775"/>
+          </a:xfrm>
+          <a:prstGeom prst="rect">
+            <a:avLst/>
+          </a:prstGeom>
+          <a:noFill/>
+        </p:spPr>
+        <p:txBody>
+          <a:bodyPr wrap="none" rtlCol="0">
+            <a:spAutoFit/>
+          </a:bodyPr>
+          <a:lstStyle/>
+          <a:p>
+            <a:r>
+              <a:rPr kumimoji="1" lang="zh-TW" altLang="en-US" sz="3200" dirty="0" smtClean="0"/>
+              <a:t>作者：楊永健、芮嘉輝</a:t>
+            </a:r>
+            <a:endParaRPr kumimoji="1" lang="en-US" altLang="zh-TW" sz="3200" dirty="0" smtClean="0"/>
+          </a:p>
+        </p:txBody>
+      </p:sp>
+    </p:spTree>
+    <p:extLst>
+      <p:ext uri="{BB962C8B-B14F-4D97-AF65-F5344CB8AC3E}">
+        <p14:creationId xmlns:p14="http://schemas.microsoft.com/office/powerpoint/2010/main" val="2017864377"/>
+      </p:ext>
+    </p:extLst>
+  </p:cSld>
+  <p:clrMapOvr>
+    <a:masterClrMapping/>
+  </p:clrMapOvr>
+</p:sld>
+</file>
+
+<file path=ppt/slides/slide6.xml><?xml version="1.0" encoding="utf-8"?>
+<p:sld xmlns:a="http://schemas.openxmlformats.org/drawingml/2006/main" xmlns:r="http://schemas.openxmlformats.org/officeDocument/2006/relationships" xmlns:p="http://schemas.openxmlformats.org/presentationml/2006/main">
+  <p:cSld>
+    <p:spTree>
+      <p:nvGrpSpPr>
+        <p:cNvPr id="1" name=""/>
+        <p:cNvGrpSpPr/>
+        <p:nvPr/>
+      </p:nvGrpSpPr>
+      <p:grpSpPr>
+        <a:xfrm>
+          <a:off x="0" y="0"/>
+          <a:ext cx="0" cy="0"/>
+          <a:chOff x="0" y="0"/>
+          <a:chExt cx="0" cy="0"/>
+        </a:xfrm>
+      </p:grpSpPr>
+      <p:grpSp>
+        <p:nvGrpSpPr>
+          <p:cNvPr id="9" name="群組 8"/>
+          <p:cNvGrpSpPr/>
+          <p:nvPr/>
+        </p:nvGrpSpPr>
+        <p:grpSpPr>
+          <a:xfrm>
+            <a:off x="0" y="487485"/>
+            <a:ext cx="9905999" cy="5151314"/>
+            <a:chOff x="0" y="487485"/>
+            <a:chExt cx="9905999" cy="5151314"/>
+          </a:xfrm>
+        </p:grpSpPr>
+        <p:sp>
+          <p:nvSpPr>
+            <p:cNvPr id="6" name="圓角矩形 5"/>
+            <p:cNvSpPr/>
+            <p:nvPr/>
+          </p:nvSpPr>
+          <p:spPr>
+            <a:xfrm>
+              <a:off x="0" y="668215"/>
+              <a:ext cx="9905999" cy="4970584"/>
+            </a:xfrm>
+            <a:prstGeom prst="roundRect">
+              <a:avLst/>
+            </a:prstGeom>
+            <a:gradFill>
+              <a:gsLst>
+                <a:gs pos="0">
+                  <a:schemeClr val="accent1">
+                    <a:lumMod val="5000"/>
+                    <a:lumOff val="95000"/>
+                  </a:schemeClr>
+                </a:gs>
+                <a:gs pos="74000">
+                  <a:schemeClr val="accent1">
+                    <a:lumMod val="45000"/>
+                    <a:lumOff val="55000"/>
+                  </a:schemeClr>
+                </a:gs>
+                <a:gs pos="83000">
+                  <a:schemeClr val="accent1">
+                    <a:lumMod val="45000"/>
+                    <a:lumOff val="55000"/>
+                  </a:schemeClr>
+                </a:gs>
+                <a:gs pos="100000">
+                  <a:schemeClr val="accent1">
+                    <a:lumMod val="30000"/>
+                    <a:lumOff val="70000"/>
+                  </a:schemeClr>
+                </a:gs>
+              </a:gsLst>
+              <a:lin ang="5400000" scaled="1"/>
+            </a:gradFill>
+          </p:spPr>
+          <p:style>
+            <a:lnRef idx="2">
+              <a:schemeClr val="accent1">
+                <a:shade val="50000"/>
+              </a:schemeClr>
+            </a:lnRef>
+            <a:fillRef idx="1">
+              <a:schemeClr val="accent1"/>
+            </a:fillRef>
+            <a:effectRef idx="0">
+              <a:schemeClr val="accent1"/>
+            </a:effectRef>
+            <a:fontRef idx="minor">
+              <a:schemeClr val="lt1"/>
+            </a:fontRef>
+          </p:style>
+          <p:txBody>
+            <a:bodyPr rtlCol="0" anchor="ctr"/>
+            <a:lstStyle/>
+            <a:p>
+              <a:pPr algn="ctr"/>
+              <a:endParaRPr kumimoji="1" lang="zh-TW" altLang="en-US" dirty="0"/>
+            </a:p>
+          </p:txBody>
+        </p:sp>
+        <p:grpSp>
+          <p:nvGrpSpPr>
+            <p:cNvPr id="5" name="群組 4"/>
+            <p:cNvGrpSpPr/>
+            <p:nvPr/>
+          </p:nvGrpSpPr>
+          <p:grpSpPr>
+            <a:xfrm>
+              <a:off x="9050215" y="487485"/>
+              <a:ext cx="855784" cy="855784"/>
+              <a:chOff x="4689231" y="3329354"/>
+              <a:chExt cx="996461" cy="996461"/>
+            </a:xfrm>
+          </p:grpSpPr>
+          <p:sp>
+            <p:nvSpPr>
+              <p:cNvPr id="4" name="橢圓 3"/>
+              <p:cNvSpPr/>
+              <p:nvPr/>
+            </p:nvSpPr>
+            <p:spPr>
+              <a:xfrm>
+                <a:off x="4689231" y="3329354"/>
+                <a:ext cx="996461" cy="996461"/>
+              </a:xfrm>
+              <a:prstGeom prst="ellipse">
+                <a:avLst/>
+              </a:prstGeom>
+              <a:solidFill>
+                <a:schemeClr val="bg2">
+                  <a:lumMod val="90000"/>
+                </a:schemeClr>
+              </a:solidFill>
+            </p:spPr>
+            <p:style>
+              <a:lnRef idx="2">
+                <a:schemeClr val="accent1">
+                  <a:shade val="50000"/>
+                </a:schemeClr>
+              </a:lnRef>
+              <a:fillRef idx="1">
+                <a:schemeClr val="accent1"/>
+              </a:fillRef>
+              <a:effectRef idx="0">
+                <a:schemeClr val="accent1"/>
+              </a:effectRef>
+              <a:fontRef idx="minor">
+                <a:schemeClr val="lt1"/>
+              </a:fontRef>
+            </p:style>
+            <p:txBody>
+              <a:bodyPr rtlCol="0" anchor="ctr"/>
+              <a:lstStyle/>
+              <a:p>
+                <a:pPr algn="ctr"/>
+                <a:endParaRPr kumimoji="1" lang="zh-TW" altLang="en-US"/>
+              </a:p>
+            </p:txBody>
+          </p:sp>
+          <p:sp>
+            <p:nvSpPr>
+              <p:cNvPr id="3" name="十字形 2"/>
+              <p:cNvSpPr/>
+              <p:nvPr/>
+            </p:nvSpPr>
+            <p:spPr>
+              <a:xfrm rot="2688835">
+                <a:off x="4794137" y="3434261"/>
+                <a:ext cx="786649" cy="786649"/>
+              </a:xfrm>
+              <a:prstGeom prst="plus">
+                <a:avLst>
+                  <a:gd name="adj" fmla="val 34876"/>
+                </a:avLst>
+              </a:prstGeom>
+              <a:solidFill>
+                <a:schemeClr val="tx1">
+                  <a:lumMod val="50000"/>
+                  <a:lumOff val="50000"/>
+                </a:schemeClr>
+              </a:solidFill>
+            </p:spPr>
+            <p:style>
+              <a:lnRef idx="2">
+                <a:schemeClr val="accent1">
+                  <a:shade val="50000"/>
+                </a:schemeClr>
+              </a:lnRef>
+              <a:fillRef idx="1">
+                <a:schemeClr val="accent1"/>
+              </a:fillRef>
+              <a:effectRef idx="0">
+                <a:schemeClr val="accent1"/>
+              </a:effectRef>
+              <a:fontRef idx="minor">
+                <a:schemeClr val="lt1"/>
+              </a:fontRef>
+            </p:style>
+            <p:txBody>
+              <a:bodyPr rtlCol="0" anchor="ctr"/>
+              <a:lstStyle/>
+              <a:p>
+                <a:pPr algn="ctr"/>
+                <a:endParaRPr kumimoji="1" lang="zh-TW" altLang="en-US"/>
+              </a:p>
+            </p:txBody>
+          </p:sp>
+        </p:grpSp>
+        <p:sp>
+          <p:nvSpPr>
+            <p:cNvPr id="2" name="文字方塊 1"/>
+            <p:cNvSpPr txBox="1"/>
+            <p:nvPr/>
+          </p:nvSpPr>
+          <p:spPr>
+            <a:xfrm>
+              <a:off x="444187" y="1343269"/>
+              <a:ext cx="4955203" cy="3477875"/>
+            </a:xfrm>
+            <a:prstGeom prst="rect">
+              <a:avLst/>
+            </a:prstGeom>
+            <a:noFill/>
+          </p:spPr>
+          <p:txBody>
+            <a:bodyPr wrap="none" rtlCol="0">
+              <a:spAutoFit/>
+            </a:bodyPr>
+            <a:lstStyle/>
+            <a:p>
+              <a:r>
+                <a:rPr kumimoji="1" lang="zh-TW" altLang="en-US" sz="2000" dirty="0" smtClean="0"/>
+                <a:t>角色操作：</a:t>
+              </a:r>
+              <a:endParaRPr kumimoji="1" lang="en-US" altLang="zh-TW" sz="2000" dirty="0" smtClean="0"/>
+            </a:p>
+            <a:p>
+              <a:r>
+                <a:rPr kumimoji="1" lang="en-US" altLang="zh-TW" sz="2000" dirty="0"/>
+                <a:t>	</a:t>
+              </a:r>
+            </a:p>
+            <a:p>
+              <a:r>
+                <a:rPr kumimoji="1" lang="en-US" altLang="zh-TW" sz="2000" dirty="0" smtClean="0"/>
+                <a:t>	</a:t>
+              </a:r>
+              <a:r>
+                <a:rPr kumimoji="1" lang="zh-TW" altLang="en-US" sz="2000" dirty="0" smtClean="0"/>
+                <a:t>跳：</a:t>
+              </a:r>
+              <a:r>
+                <a:rPr kumimoji="1" lang="en-US" altLang="zh-TW" sz="2000" dirty="0" smtClean="0"/>
+                <a:t>W</a:t>
+              </a:r>
+              <a:endParaRPr kumimoji="1" lang="en-US" altLang="zh-TW" sz="2000" dirty="0"/>
+            </a:p>
+            <a:p>
+              <a:r>
+                <a:rPr kumimoji="1" lang="en-US" altLang="zh-TW" sz="2000" dirty="0" smtClean="0"/>
+                <a:t>	</a:t>
+              </a:r>
+              <a:r>
+                <a:rPr kumimoji="1" lang="zh-TW" altLang="en-US" sz="2000" dirty="0" smtClean="0"/>
+                <a:t>左：Ａ</a:t>
+              </a:r>
+              <a:endParaRPr kumimoji="1" lang="en-US" altLang="zh-TW" sz="2000" dirty="0"/>
+            </a:p>
+            <a:p>
+              <a:r>
+                <a:rPr kumimoji="1" lang="en-US" altLang="zh-TW" sz="2000" dirty="0" smtClean="0"/>
+                <a:t>	</a:t>
+              </a:r>
+              <a:r>
+                <a:rPr kumimoji="1" lang="zh-TW" altLang="en-US" sz="2000" dirty="0" smtClean="0"/>
+                <a:t>右：Ｄ</a:t>
+              </a:r>
+              <a:endParaRPr kumimoji="1" lang="en-US" altLang="zh-TW" sz="2000" dirty="0" smtClean="0"/>
+            </a:p>
+            <a:p>
+              <a:endParaRPr kumimoji="1" lang="en-US" altLang="zh-TW" sz="2000" dirty="0" smtClean="0"/>
+            </a:p>
+            <a:p>
+              <a:r>
+                <a:rPr kumimoji="1" lang="en-US" altLang="zh-TW" sz="2000" dirty="0" smtClean="0"/>
+                <a:t>	</a:t>
+              </a:r>
+              <a:r>
+                <a:rPr kumimoji="1" lang="zh-TW" altLang="en-US" sz="2000" dirty="0" smtClean="0"/>
+                <a:t>Ｊ：發射金刀</a:t>
+              </a:r>
+              <a:endParaRPr kumimoji="1" lang="en-US" altLang="zh-TW" sz="2000" dirty="0" smtClean="0"/>
+            </a:p>
+            <a:p>
+              <a:r>
+                <a:rPr kumimoji="1" lang="en-US" altLang="zh-TW" sz="2000" dirty="0" smtClean="0"/>
+                <a:t>	</a:t>
+              </a:r>
+              <a:r>
+                <a:rPr kumimoji="1" lang="zh-TW" altLang="en-US" sz="2000" dirty="0" smtClean="0"/>
+                <a:t>Ｋ：發射鍵盤</a:t>
+              </a:r>
+              <a:endParaRPr kumimoji="1" lang="en-US" altLang="zh-TW" sz="2000" dirty="0" smtClean="0"/>
+            </a:p>
+            <a:p>
+              <a:r>
+                <a:rPr kumimoji="1" lang="en-US" altLang="zh-TW" sz="2000" dirty="0"/>
+                <a:t>	</a:t>
+              </a:r>
+              <a:r>
+                <a:rPr kumimoji="1" lang="zh-TW" altLang="en-US" sz="2000" dirty="0" smtClean="0"/>
+                <a:t>（Ｊ、Ｋ鍵只有在第三關能使用）</a:t>
+              </a:r>
+              <a:endParaRPr kumimoji="1" lang="en-US" altLang="zh-TW" sz="2000" dirty="0" smtClean="0"/>
+            </a:p>
+            <a:p>
+              <a:endParaRPr kumimoji="1" lang="en-US" altLang="zh-TW" sz="2000" dirty="0"/>
+            </a:p>
+            <a:p>
+              <a:endParaRPr kumimoji="1" lang="en-US" altLang="zh-TW" sz="2000" dirty="0" smtClean="0"/>
+            </a:p>
+          </p:txBody>
+        </p:sp>
+        <p:sp>
+          <p:nvSpPr>
+            <p:cNvPr id="7" name="文字方塊 6"/>
+            <p:cNvSpPr txBox="1"/>
+            <p:nvPr/>
+          </p:nvSpPr>
+          <p:spPr>
+            <a:xfrm>
+              <a:off x="5292346" y="1442914"/>
+              <a:ext cx="4185761" cy="1323439"/>
+            </a:xfrm>
+            <a:prstGeom prst="rect">
+              <a:avLst/>
+            </a:prstGeom>
+            <a:noFill/>
+          </p:spPr>
+          <p:txBody>
+            <a:bodyPr wrap="none" rtlCol="0">
+              <a:spAutoFit/>
+            </a:bodyPr>
+            <a:lstStyle/>
+            <a:p>
+              <a:r>
+                <a:rPr kumimoji="1" lang="zh-TW" altLang="en-US" sz="2000" dirty="0" smtClean="0"/>
+                <a:t>過關條件：</a:t>
+              </a:r>
+              <a:endParaRPr kumimoji="1" lang="en-US" altLang="zh-TW" sz="2000" dirty="0" smtClean="0"/>
+            </a:p>
+            <a:p>
+              <a:r>
+                <a:rPr kumimoji="1" lang="en-US" altLang="zh-TW" sz="2000" dirty="0" smtClean="0"/>
+                <a:t>	</a:t>
+              </a:r>
+              <a:r>
+                <a:rPr kumimoji="1" lang="zh-TW" altLang="en-US" sz="2000" dirty="0" smtClean="0"/>
+                <a:t>第一關及第二關：營救公主</a:t>
+              </a:r>
+              <a:endParaRPr kumimoji="1" lang="en-US" altLang="zh-TW" sz="2000" dirty="0" smtClean="0"/>
+            </a:p>
+            <a:p>
+              <a:r>
+                <a:rPr kumimoji="1" lang="en-US" altLang="zh-TW" sz="2000" dirty="0"/>
+                <a:t>	</a:t>
+              </a:r>
+              <a:r>
+                <a:rPr kumimoji="1" lang="zh-TW" altLang="en-US" sz="2000" dirty="0" smtClean="0"/>
+                <a:t>第三關：打敗</a:t>
+              </a:r>
+              <a:r>
+                <a:rPr kumimoji="1" lang="en-US" altLang="zh-TW" sz="2000" dirty="0" smtClean="0"/>
+                <a:t>boss</a:t>
+              </a:r>
+              <a:endParaRPr kumimoji="1" lang="en-US" altLang="zh-TW" sz="2000" dirty="0"/>
+            </a:p>
+            <a:p>
+              <a:endParaRPr kumimoji="1" lang="en-US" altLang="zh-TW" sz="2000" dirty="0" smtClean="0"/>
+            </a:p>
+          </p:txBody>
+        </p:sp>
+        <p:sp>
+          <p:nvSpPr>
+            <p:cNvPr id="8" name="文字方塊 7"/>
+            <p:cNvSpPr txBox="1"/>
+            <p:nvPr/>
+          </p:nvSpPr>
+          <p:spPr>
+            <a:xfrm>
+              <a:off x="5292346" y="2986843"/>
+              <a:ext cx="3929281" cy="707886"/>
+            </a:xfrm>
+            <a:prstGeom prst="rect">
+              <a:avLst/>
+            </a:prstGeom>
+            <a:noFill/>
+          </p:spPr>
+          <p:txBody>
+            <a:bodyPr wrap="none" rtlCol="0">
+              <a:spAutoFit/>
+            </a:bodyPr>
+            <a:lstStyle/>
+            <a:p>
+              <a:r>
+                <a:rPr kumimoji="1" lang="zh-TW" altLang="en-US" sz="2000" dirty="0" smtClean="0"/>
+                <a:t>第三關特別說明：</a:t>
+              </a:r>
+              <a:endParaRPr kumimoji="1" lang="en-US" altLang="zh-TW" sz="2000" dirty="0" smtClean="0"/>
+            </a:p>
+            <a:p>
+              <a:r>
+                <a:rPr kumimoji="1" lang="en-US" altLang="zh-TW" sz="2000" dirty="0"/>
+                <a:t>	</a:t>
+              </a:r>
+              <a:r>
+                <a:rPr kumimoji="1" lang="zh-TW" altLang="en-US" sz="2000" dirty="0" smtClean="0"/>
+                <a:t>子彈數量有限請珍惜使用</a:t>
+              </a:r>
+              <a:endParaRPr kumimoji="1" lang="en-US" altLang="zh-TW" sz="2000" dirty="0" smtClean="0"/>
+            </a:p>
+          </p:txBody>
+        </p:sp>
+      </p:grpSp>
+    </p:spTree>
+    <p:extLst>
+      <p:ext uri="{BB962C8B-B14F-4D97-AF65-F5344CB8AC3E}">
+        <p14:creationId xmlns:p14="http://schemas.microsoft.com/office/powerpoint/2010/main" val="485367456"/>
+      </p:ext>
+    </p:extLst>
+  </p:cSld>
+  <p:clrMapOvr>
+    <a:masterClrMapping/>
+  </p:clrMapOvr>
+</p:sld>
+</file>
+
+<file path=ppt/slides/slide7.xml><?xml version="1.0" encoding="utf-8"?>
+<p:sld xmlns:a="http://schemas.openxmlformats.org/drawingml/2006/main" xmlns:r="http://schemas.openxmlformats.org/officeDocument/2006/relationships" xmlns:p="http://schemas.openxmlformats.org/presentationml/2006/main">
+  <p:cSld>
+    <p:spTree>
+      <p:nvGrpSpPr>
+        <p:cNvPr id="1" name=""/>
+        <p:cNvGrpSpPr/>
+        <p:nvPr/>
+      </p:nvGrpSpPr>
+      <p:grpSpPr>
+        <a:xfrm>
+          <a:off x="0" y="0"/>
+          <a:ext cx="0" cy="0"/>
+          <a:chOff x="0" y="0"/>
+          <a:chExt cx="0" cy="0"/>
+        </a:xfrm>
+      </p:grpSpPr>
+      <p:grpSp>
+        <p:nvGrpSpPr>
+          <p:cNvPr id="6" name="群組 5"/>
+          <p:cNvGrpSpPr/>
+          <p:nvPr/>
+        </p:nvGrpSpPr>
+        <p:grpSpPr>
+          <a:xfrm>
+            <a:off x="0" y="117247"/>
+            <a:ext cx="9906000" cy="5280437"/>
+            <a:chOff x="0" y="339985"/>
+            <a:chExt cx="9906000" cy="5280437"/>
+          </a:xfrm>
+        </p:grpSpPr>
+        <p:pic>
+          <p:nvPicPr>
+            <p:cNvPr id="2" name="圖片 1"/>
+            <p:cNvPicPr>
+              <a:picLocks noChangeAspect="1"/>
+            </p:cNvPicPr>
+            <p:nvPr/>
+          </p:nvPicPr>
+          <p:blipFill>
+            <a:blip r:embed="rId2">
+              <a:extLst>
+                <a:ext uri="{28A0092B-C50C-407E-A947-70E740481C1C}">
+                  <a14:useLocalDpi xmlns:a14="http://schemas.microsoft.com/office/drawing/2010/main" val="0"/>
+                </a:ext>
+              </a:extLst>
+            </a:blip>
+            <a:stretch>
+              <a:fillRect/>
+            </a:stretch>
+          </p:blipFill>
+          <p:spPr>
+            <a:xfrm>
+              <a:off x="0" y="339985"/>
+              <a:ext cx="9906000" cy="5280437"/>
+            </a:xfrm>
+            <a:prstGeom prst="rect">
+              <a:avLst/>
+            </a:prstGeom>
+          </p:spPr>
+        </p:pic>
+        <p:sp>
+          <p:nvSpPr>
+            <p:cNvPr id="3" name="文字方塊 2"/>
+            <p:cNvSpPr txBox="1"/>
+            <p:nvPr/>
+          </p:nvSpPr>
+          <p:spPr>
+            <a:xfrm>
+              <a:off x="574431" y="832338"/>
+              <a:ext cx="8194431" cy="4524315"/>
+            </a:xfrm>
+            <a:prstGeom prst="rect">
+              <a:avLst/>
+            </a:prstGeom>
+            <a:noFill/>
+          </p:spPr>
+          <p:txBody>
+            <a:bodyPr wrap="square" rtlCol="0">
+              <a:spAutoFit/>
+            </a:bodyPr>
+            <a:lstStyle/>
+            <a:p>
+              <a:r>
+                <a:rPr kumimoji="1" lang="en-US" altLang="zh-TW" sz="3200" dirty="0" smtClean="0"/>
+                <a:t>Level1</a:t>
+              </a:r>
+              <a:r>
+                <a:rPr kumimoji="1" lang="zh-TW" altLang="en-US" sz="3200" dirty="0" smtClean="0"/>
+                <a:t>：</a:t>
+              </a:r>
+              <a:endParaRPr kumimoji="1" lang="en-US" altLang="zh-TW" sz="3200" dirty="0" smtClean="0"/>
+            </a:p>
+            <a:p>
+              <a:r>
+                <a:rPr kumimoji="1" lang="en-US" altLang="zh-TW" sz="3200" dirty="0" smtClean="0"/>
+                <a:t>Level2</a:t>
+              </a:r>
+              <a:r>
+                <a:rPr kumimoji="1" lang="zh-TW" altLang="en-US" sz="3200" dirty="0" smtClean="0"/>
+                <a:t>：</a:t>
+              </a:r>
+              <a:endParaRPr kumimoji="1" lang="en-US" altLang="zh-TW" sz="3200" dirty="0" smtClean="0"/>
+            </a:p>
+            <a:p>
+              <a:r>
+                <a:rPr kumimoji="1" lang="en-US" altLang="zh-TW" sz="3200" dirty="0" smtClean="0"/>
+                <a:t>Level3</a:t>
+              </a:r>
+              <a:r>
+                <a:rPr kumimoji="1" lang="zh-TW" altLang="en-US" sz="3200" dirty="0" smtClean="0"/>
+                <a:t>：</a:t>
+              </a:r>
+              <a:endParaRPr kumimoji="1" lang="en-US" altLang="zh-TW" sz="3200" dirty="0" smtClean="0"/>
+            </a:p>
+            <a:p>
+              <a:endParaRPr kumimoji="1" lang="en-US" altLang="zh-TW" sz="3200" dirty="0"/>
+            </a:p>
+            <a:p>
+              <a:r>
+                <a:rPr kumimoji="1" lang="zh-TW" altLang="en-US" sz="3200" dirty="0" smtClean="0"/>
+                <a:t>金刀攻擊力：</a:t>
+              </a:r>
+              <a:endParaRPr kumimoji="1" lang="en-US" altLang="zh-TW" sz="3200" dirty="0" smtClean="0"/>
+            </a:p>
+            <a:p>
+              <a:r>
+                <a:rPr kumimoji="1" lang="zh-TW" altLang="en-US" sz="3200" dirty="0" smtClean="0"/>
+                <a:t>金刀數量：</a:t>
+              </a:r>
+              <a:endParaRPr kumimoji="1" lang="en-US" altLang="zh-TW" sz="3200" dirty="0" smtClean="0"/>
+            </a:p>
+            <a:p>
+              <a:r>
+                <a:rPr kumimoji="1" lang="zh-TW" altLang="en-US" sz="3200" dirty="0" smtClean="0"/>
+                <a:t>鍵盤攻擊力：</a:t>
+              </a:r>
+              <a:endParaRPr kumimoji="1" lang="en-US" altLang="zh-TW" sz="3200" dirty="0" smtClean="0"/>
+            </a:p>
+            <a:p>
+              <a:r>
+                <a:rPr kumimoji="1" lang="zh-TW" altLang="en-US" sz="3200" dirty="0" smtClean="0"/>
+                <a:t>鍵盤數量：</a:t>
+              </a:r>
+              <a:endParaRPr kumimoji="1" lang="en-US" altLang="zh-TW" sz="3200" dirty="0" smtClean="0"/>
+            </a:p>
+            <a:p>
+              <a:endParaRPr kumimoji="1" lang="zh-TW" altLang="en-US" sz="3200" dirty="0"/>
+            </a:p>
+          </p:txBody>
+        </p:sp>
+        <p:grpSp>
+          <p:nvGrpSpPr>
+            <p:cNvPr id="15" name="群組 14"/>
+            <p:cNvGrpSpPr/>
+            <p:nvPr/>
+          </p:nvGrpSpPr>
+          <p:grpSpPr>
+            <a:xfrm>
+              <a:off x="4798610" y="2890826"/>
+              <a:ext cx="308779" cy="308779"/>
+              <a:chOff x="1037491" y="5679631"/>
+              <a:chExt cx="621323" cy="621323"/>
+            </a:xfrm>
+          </p:grpSpPr>
+          <p:sp>
+            <p:nvSpPr>
+              <p:cNvPr id="12" name="橢圓 11"/>
+              <p:cNvSpPr/>
+              <p:nvPr/>
+            </p:nvSpPr>
+            <p:spPr>
+              <a:xfrm>
+                <a:off x="1037491" y="5679631"/>
+                <a:ext cx="621323" cy="621323"/>
+              </a:xfrm>
+              <a:prstGeom prst="ellipse">
+                <a:avLst/>
+              </a:prstGeom>
+              <a:solidFill>
+                <a:schemeClr val="accent3">
+                  <a:lumMod val="20000"/>
+                  <a:lumOff val="80000"/>
+                </a:schemeClr>
+              </a:solidFill>
+              <a:ln>
+                <a:solidFill>
+                  <a:schemeClr val="tx1"/>
+                </a:solidFill>
+              </a:ln>
+            </p:spPr>
+            <p:style>
+              <a:lnRef idx="2">
+                <a:schemeClr val="accent1">
+                  <a:shade val="50000"/>
+                </a:schemeClr>
+              </a:lnRef>
+              <a:fillRef idx="1">
+                <a:schemeClr val="accent1"/>
+              </a:fillRef>
+              <a:effectRef idx="0">
+                <a:schemeClr val="accent1"/>
+              </a:effectRef>
+              <a:fontRef idx="minor">
+                <a:schemeClr val="lt1"/>
+              </a:fontRef>
+            </p:style>
+            <p:txBody>
+              <a:bodyPr rtlCol="0" anchor="ctr"/>
+              <a:lstStyle/>
+              <a:p>
+                <a:pPr algn="ctr"/>
+                <a:endParaRPr kumimoji="1" lang="zh-TW" altLang="en-US"/>
+              </a:p>
+            </p:txBody>
+          </p:sp>
+          <p:cxnSp>
+            <p:nvCxnSpPr>
+              <p:cNvPr id="10" name="直線接點 9"/>
+              <p:cNvCxnSpPr/>
+              <p:nvPr/>
+            </p:nvCxnSpPr>
+            <p:spPr>
+              <a:xfrm>
+                <a:off x="1145931" y="6007680"/>
+                <a:ext cx="410308" cy="0"/>
+              </a:xfrm>
+              <a:prstGeom prst="line">
+                <a:avLst/>
+              </a:prstGeom>
+              <a:ln w="79375">
+                <a:solidFill>
+                  <a:schemeClr val="bg2">
+                    <a:lumMod val="25000"/>
+                  </a:schemeClr>
+                </a:solidFill>
+              </a:ln>
+            </p:spPr>
+            <p:style>
+              <a:lnRef idx="1">
+                <a:schemeClr val="accent1"/>
+              </a:lnRef>
+              <a:fillRef idx="0">
+                <a:schemeClr val="accent1"/>
+              </a:fillRef>
+              <a:effectRef idx="0">
+                <a:schemeClr val="accent1"/>
+              </a:effectRef>
+              <a:fontRef idx="minor">
+                <a:schemeClr val="tx1"/>
+              </a:fontRef>
+            </p:style>
+          </p:cxnSp>
+        </p:grpSp>
+        <p:grpSp>
+          <p:nvGrpSpPr>
+            <p:cNvPr id="14" name="群組 13"/>
+            <p:cNvGrpSpPr/>
+            <p:nvPr/>
+          </p:nvGrpSpPr>
+          <p:grpSpPr>
+            <a:xfrm>
+              <a:off x="4392247" y="2890826"/>
+              <a:ext cx="308779" cy="308779"/>
+              <a:chOff x="133350" y="5697018"/>
+              <a:chExt cx="621323" cy="621323"/>
+            </a:xfrm>
+          </p:grpSpPr>
+          <p:sp>
+            <p:nvSpPr>
+              <p:cNvPr id="13" name="橢圓 12"/>
+              <p:cNvSpPr/>
+              <p:nvPr/>
+            </p:nvSpPr>
+            <p:spPr>
+              <a:xfrm>
+                <a:off x="133350" y="5697018"/>
+                <a:ext cx="621323" cy="621323"/>
+              </a:xfrm>
+              <a:prstGeom prst="ellipse">
+                <a:avLst/>
+              </a:prstGeom>
+              <a:solidFill>
+                <a:schemeClr val="accent3">
+                  <a:lumMod val="20000"/>
+                  <a:lumOff val="80000"/>
+                </a:schemeClr>
+              </a:solidFill>
+              <a:ln>
+                <a:solidFill>
+                  <a:schemeClr val="tx1"/>
+                </a:solidFill>
+              </a:ln>
+            </p:spPr>
+            <p:style>
+              <a:lnRef idx="2">
+                <a:schemeClr val="accent1">
+                  <a:shade val="50000"/>
+                </a:schemeClr>
+              </a:lnRef>
+              <a:fillRef idx="1">
+                <a:schemeClr val="accent1"/>
+              </a:fillRef>
+              <a:effectRef idx="0">
+                <a:schemeClr val="accent1"/>
+              </a:effectRef>
+              <a:fontRef idx="minor">
+                <a:schemeClr val="lt1"/>
+              </a:fontRef>
+            </p:style>
+            <p:txBody>
+              <a:bodyPr rtlCol="0" anchor="ctr"/>
+              <a:lstStyle/>
+              <a:p>
+                <a:pPr algn="ctr"/>
+                <a:endParaRPr kumimoji="1" lang="zh-TW" altLang="en-US"/>
+              </a:p>
+            </p:txBody>
+          </p:sp>
+          <p:sp>
+            <p:nvSpPr>
+              <p:cNvPr id="7" name="十字形 6"/>
+              <p:cNvSpPr/>
+              <p:nvPr/>
+            </p:nvSpPr>
+            <p:spPr>
+              <a:xfrm>
+                <a:off x="229666" y="5819910"/>
+                <a:ext cx="422429" cy="422429"/>
+              </a:xfrm>
+              <a:prstGeom prst="plus">
+                <a:avLst>
+                  <a:gd name="adj" fmla="val 35734"/>
+                </a:avLst>
+              </a:prstGeom>
+              <a:solidFill>
+                <a:schemeClr val="tx2">
+                  <a:lumMod val="75000"/>
+                </a:schemeClr>
+              </a:solidFill>
+              <a:ln>
+                <a:noFill/>
+              </a:ln>
+            </p:spPr>
+            <p:style>
+              <a:lnRef idx="2">
+                <a:schemeClr val="accent1">
+                  <a:shade val="50000"/>
+                </a:schemeClr>
+              </a:lnRef>
+              <a:fillRef idx="1">
+                <a:schemeClr val="accent1"/>
+              </a:fillRef>
+              <a:effectRef idx="0">
+                <a:schemeClr val="accent1"/>
+              </a:effectRef>
+              <a:fontRef idx="minor">
+                <a:schemeClr val="lt1"/>
+              </a:fontRef>
+            </p:style>
+            <p:txBody>
+              <a:bodyPr rtlCol="0" anchor="ctr"/>
+              <a:lstStyle/>
+              <a:p>
+                <a:pPr algn="ctr"/>
+                <a:endParaRPr kumimoji="1" lang="zh-TW" altLang="en-US"/>
+              </a:p>
+            </p:txBody>
+          </p:sp>
+        </p:grpSp>
+        <p:grpSp>
+          <p:nvGrpSpPr>
+            <p:cNvPr id="34" name="群組 33"/>
+            <p:cNvGrpSpPr/>
+            <p:nvPr/>
+          </p:nvGrpSpPr>
+          <p:grpSpPr>
+            <a:xfrm>
+              <a:off x="4798610" y="3383179"/>
+              <a:ext cx="308779" cy="308779"/>
+              <a:chOff x="1037491" y="5679631"/>
+              <a:chExt cx="621323" cy="621323"/>
+            </a:xfrm>
+          </p:grpSpPr>
+          <p:sp>
+            <p:nvSpPr>
+              <p:cNvPr id="35" name="橢圓 34"/>
+              <p:cNvSpPr/>
+              <p:nvPr/>
+            </p:nvSpPr>
+            <p:spPr>
+              <a:xfrm>
+                <a:off x="1037491" y="5679631"/>
+                <a:ext cx="621323" cy="621323"/>
+              </a:xfrm>
+              <a:prstGeom prst="ellipse">
+                <a:avLst/>
+              </a:prstGeom>
+              <a:solidFill>
+                <a:schemeClr val="accent3">
+                  <a:lumMod val="20000"/>
+                  <a:lumOff val="80000"/>
+                </a:schemeClr>
+              </a:solidFill>
+              <a:ln>
+                <a:solidFill>
+                  <a:schemeClr val="tx1"/>
+                </a:solidFill>
+              </a:ln>
+            </p:spPr>
+            <p:style>
+              <a:lnRef idx="2">
+                <a:schemeClr val="accent1">
+                  <a:shade val="50000"/>
+                </a:schemeClr>
+              </a:lnRef>
+              <a:fillRef idx="1">
+                <a:schemeClr val="accent1"/>
+              </a:fillRef>
+              <a:effectRef idx="0">
+                <a:schemeClr val="accent1"/>
+              </a:effectRef>
+              <a:fontRef idx="minor">
+                <a:schemeClr val="lt1"/>
+              </a:fontRef>
+            </p:style>
+            <p:txBody>
+              <a:bodyPr rtlCol="0" anchor="ctr"/>
+              <a:lstStyle/>
+              <a:p>
+                <a:pPr algn="ctr"/>
+                <a:endParaRPr kumimoji="1" lang="zh-TW" altLang="en-US"/>
+              </a:p>
+            </p:txBody>
+          </p:sp>
+          <p:cxnSp>
+            <p:nvCxnSpPr>
+              <p:cNvPr id="36" name="直線接點 35"/>
+              <p:cNvCxnSpPr/>
+              <p:nvPr/>
+            </p:nvCxnSpPr>
+            <p:spPr>
+              <a:xfrm>
+                <a:off x="1145931" y="6007680"/>
+                <a:ext cx="410308" cy="0"/>
+              </a:xfrm>
+              <a:prstGeom prst="line">
+                <a:avLst/>
+              </a:prstGeom>
+              <a:ln w="79375">
+                <a:solidFill>
+                  <a:schemeClr val="bg2">
+                    <a:lumMod val="25000"/>
+                  </a:schemeClr>
+                </a:solidFill>
+              </a:ln>
+            </p:spPr>
+            <p:style>
+              <a:lnRef idx="1">
+                <a:schemeClr val="accent1"/>
+              </a:lnRef>
+              <a:fillRef idx="0">
+                <a:schemeClr val="accent1"/>
+              </a:fillRef>
+              <a:effectRef idx="0">
+                <a:schemeClr val="accent1"/>
+              </a:effectRef>
+              <a:fontRef idx="minor">
+                <a:schemeClr val="tx1"/>
+              </a:fontRef>
+            </p:style>
+          </p:cxnSp>
+        </p:grpSp>
+        <p:grpSp>
+          <p:nvGrpSpPr>
+            <p:cNvPr id="37" name="群組 36"/>
+            <p:cNvGrpSpPr/>
+            <p:nvPr/>
+          </p:nvGrpSpPr>
+          <p:grpSpPr>
+            <a:xfrm>
+              <a:off x="4392247" y="3383179"/>
+              <a:ext cx="308779" cy="308779"/>
+              <a:chOff x="133350" y="5697018"/>
+              <a:chExt cx="621323" cy="621323"/>
+            </a:xfrm>
+          </p:grpSpPr>
+          <p:sp>
+            <p:nvSpPr>
+              <p:cNvPr id="38" name="橢圓 37"/>
+              <p:cNvSpPr/>
+              <p:nvPr/>
+            </p:nvSpPr>
+            <p:spPr>
+              <a:xfrm>
+                <a:off x="133350" y="5697018"/>
+                <a:ext cx="621323" cy="621323"/>
+              </a:xfrm>
+              <a:prstGeom prst="ellipse">
+                <a:avLst/>
+              </a:prstGeom>
+              <a:solidFill>
+                <a:schemeClr val="accent3">
+                  <a:lumMod val="20000"/>
+                  <a:lumOff val="80000"/>
+                </a:schemeClr>
+              </a:solidFill>
+              <a:ln>
+                <a:solidFill>
+                  <a:schemeClr val="tx1"/>
+                </a:solidFill>
+              </a:ln>
+            </p:spPr>
+            <p:style>
+              <a:lnRef idx="2">
+                <a:schemeClr val="accent1">
+                  <a:shade val="50000"/>
+                </a:schemeClr>
+              </a:lnRef>
+              <a:fillRef idx="1">
+                <a:schemeClr val="accent1"/>
+              </a:fillRef>
+              <a:effectRef idx="0">
+                <a:schemeClr val="accent1"/>
+              </a:effectRef>
+              <a:fontRef idx="minor">
+                <a:schemeClr val="lt1"/>
+              </a:fontRef>
+            </p:style>
+            <p:txBody>
+              <a:bodyPr rtlCol="0" anchor="ctr"/>
+              <a:lstStyle/>
+              <a:p>
+                <a:pPr algn="ctr"/>
+                <a:endParaRPr kumimoji="1" lang="zh-TW" altLang="en-US"/>
+              </a:p>
+            </p:txBody>
+          </p:sp>
+          <p:sp>
+            <p:nvSpPr>
+              <p:cNvPr id="39" name="十字形 38"/>
+              <p:cNvSpPr/>
+              <p:nvPr/>
+            </p:nvSpPr>
+            <p:spPr>
+              <a:xfrm>
+                <a:off x="229666" y="5819910"/>
+                <a:ext cx="422429" cy="422429"/>
+              </a:xfrm>
+              <a:prstGeom prst="plus">
+                <a:avLst>
+                  <a:gd name="adj" fmla="val 35734"/>
+                </a:avLst>
+              </a:prstGeom>
+              <a:solidFill>
+                <a:schemeClr val="tx2">
+                  <a:lumMod val="75000"/>
+                </a:schemeClr>
+              </a:solidFill>
+              <a:ln>
+                <a:noFill/>
+              </a:ln>
+            </p:spPr>
+            <p:style>
+              <a:lnRef idx="2">
+                <a:schemeClr val="accent1">
+                  <a:shade val="50000"/>
+                </a:schemeClr>
+              </a:lnRef>
+              <a:fillRef idx="1">
+                <a:schemeClr val="accent1"/>
+              </a:fillRef>
+              <a:effectRef idx="0">
+                <a:schemeClr val="accent1"/>
+              </a:effectRef>
+              <a:fontRef idx="minor">
+                <a:schemeClr val="lt1"/>
+              </a:fontRef>
+            </p:style>
+            <p:txBody>
+              <a:bodyPr rtlCol="0" anchor="ctr"/>
+              <a:lstStyle/>
+              <a:p>
+                <a:pPr algn="ctr"/>
+                <a:endParaRPr kumimoji="1" lang="zh-TW" altLang="en-US"/>
+              </a:p>
+            </p:txBody>
+          </p:sp>
+        </p:grpSp>
+        <p:grpSp>
+          <p:nvGrpSpPr>
+            <p:cNvPr id="40" name="群組 39"/>
+            <p:cNvGrpSpPr/>
+            <p:nvPr/>
+          </p:nvGrpSpPr>
+          <p:grpSpPr>
+            <a:xfrm>
+              <a:off x="4818043" y="3875532"/>
+              <a:ext cx="308779" cy="308779"/>
+              <a:chOff x="1037491" y="5679631"/>
+              <a:chExt cx="621323" cy="621323"/>
+            </a:xfrm>
+          </p:grpSpPr>
+          <p:sp>
+            <p:nvSpPr>
+              <p:cNvPr id="41" name="橢圓 40"/>
+              <p:cNvSpPr/>
+              <p:nvPr/>
+            </p:nvSpPr>
+            <p:spPr>
+              <a:xfrm>
+                <a:off x="1037491" y="5679631"/>
+                <a:ext cx="621323" cy="621323"/>
+              </a:xfrm>
+              <a:prstGeom prst="ellipse">
+                <a:avLst/>
+              </a:prstGeom>
+              <a:solidFill>
+                <a:schemeClr val="accent3">
+                  <a:lumMod val="20000"/>
+                  <a:lumOff val="80000"/>
+                </a:schemeClr>
+              </a:solidFill>
+              <a:ln>
+                <a:solidFill>
+                  <a:schemeClr val="tx1"/>
+                </a:solidFill>
+              </a:ln>
+            </p:spPr>
+            <p:style>
+              <a:lnRef idx="2">
+                <a:schemeClr val="accent1">
+                  <a:shade val="50000"/>
+                </a:schemeClr>
+              </a:lnRef>
+              <a:fillRef idx="1">
+                <a:schemeClr val="accent1"/>
+              </a:fillRef>
+              <a:effectRef idx="0">
+                <a:schemeClr val="accent1"/>
+              </a:effectRef>
+              <a:fontRef idx="minor">
+                <a:schemeClr val="lt1"/>
+              </a:fontRef>
+            </p:style>
+            <p:txBody>
+              <a:bodyPr rtlCol="0" anchor="ctr"/>
+              <a:lstStyle/>
+              <a:p>
+                <a:pPr algn="ctr"/>
+                <a:endParaRPr kumimoji="1" lang="zh-TW" altLang="en-US"/>
+              </a:p>
+            </p:txBody>
+          </p:sp>
+          <p:cxnSp>
+            <p:nvCxnSpPr>
+              <p:cNvPr id="42" name="直線接點 41"/>
+              <p:cNvCxnSpPr/>
+              <p:nvPr/>
+            </p:nvCxnSpPr>
+            <p:spPr>
+              <a:xfrm>
+                <a:off x="1145931" y="6007680"/>
+                <a:ext cx="410308" cy="0"/>
+              </a:xfrm>
+              <a:prstGeom prst="line">
+                <a:avLst/>
+              </a:prstGeom>
+              <a:ln w="79375">
+                <a:solidFill>
+                  <a:schemeClr val="bg2">
+                    <a:lumMod val="25000"/>
+                  </a:schemeClr>
+                </a:solidFill>
+              </a:ln>
+            </p:spPr>
+            <p:style>
+              <a:lnRef idx="1">
+                <a:schemeClr val="accent1"/>
+              </a:lnRef>
+              <a:fillRef idx="0">
+                <a:schemeClr val="accent1"/>
+              </a:fillRef>
+              <a:effectRef idx="0">
+                <a:schemeClr val="accent1"/>
+              </a:effectRef>
+              <a:fontRef idx="minor">
+                <a:schemeClr val="tx1"/>
+              </a:fontRef>
+            </p:style>
+          </p:cxnSp>
+        </p:grpSp>
+        <p:grpSp>
+          <p:nvGrpSpPr>
+            <p:cNvPr id="43" name="群組 42"/>
+            <p:cNvGrpSpPr/>
+            <p:nvPr/>
+          </p:nvGrpSpPr>
+          <p:grpSpPr>
+            <a:xfrm>
+              <a:off x="4411680" y="3875532"/>
+              <a:ext cx="308779" cy="308779"/>
+              <a:chOff x="133350" y="5697018"/>
+              <a:chExt cx="621323" cy="621323"/>
+            </a:xfrm>
+          </p:grpSpPr>
+          <p:sp>
+            <p:nvSpPr>
+              <p:cNvPr id="44" name="橢圓 43"/>
+              <p:cNvSpPr/>
+              <p:nvPr/>
+            </p:nvSpPr>
+            <p:spPr>
+              <a:xfrm>
+                <a:off x="133350" y="5697018"/>
+                <a:ext cx="621323" cy="621323"/>
+              </a:xfrm>
+              <a:prstGeom prst="ellipse">
+                <a:avLst/>
+              </a:prstGeom>
+              <a:solidFill>
+                <a:schemeClr val="accent3">
+                  <a:lumMod val="20000"/>
+                  <a:lumOff val="80000"/>
+                </a:schemeClr>
+              </a:solidFill>
+              <a:ln>
+                <a:solidFill>
+                  <a:schemeClr val="tx1"/>
+                </a:solidFill>
+              </a:ln>
+            </p:spPr>
+            <p:style>
+              <a:lnRef idx="2">
+                <a:schemeClr val="accent1">
+                  <a:shade val="50000"/>
+                </a:schemeClr>
+              </a:lnRef>
+              <a:fillRef idx="1">
+                <a:schemeClr val="accent1"/>
+              </a:fillRef>
+              <a:effectRef idx="0">
+                <a:schemeClr val="accent1"/>
+              </a:effectRef>
+              <a:fontRef idx="minor">
+                <a:schemeClr val="lt1"/>
+              </a:fontRef>
+            </p:style>
+            <p:txBody>
+              <a:bodyPr rtlCol="0" anchor="ctr"/>
+              <a:lstStyle/>
+              <a:p>
+                <a:pPr algn="ctr"/>
+                <a:endParaRPr kumimoji="1" lang="zh-TW" altLang="en-US"/>
+              </a:p>
+            </p:txBody>
+          </p:sp>
+          <p:sp>
+            <p:nvSpPr>
+              <p:cNvPr id="45" name="十字形 44"/>
+              <p:cNvSpPr/>
+              <p:nvPr/>
+            </p:nvSpPr>
+            <p:spPr>
+              <a:xfrm>
+                <a:off x="229666" y="5819910"/>
+                <a:ext cx="422429" cy="422429"/>
+              </a:xfrm>
+              <a:prstGeom prst="plus">
+                <a:avLst>
+                  <a:gd name="adj" fmla="val 35734"/>
+                </a:avLst>
+              </a:prstGeom>
+              <a:solidFill>
+                <a:schemeClr val="tx2">
+                  <a:lumMod val="75000"/>
+                </a:schemeClr>
+              </a:solidFill>
+              <a:ln>
+                <a:noFill/>
+              </a:ln>
+            </p:spPr>
+            <p:style>
+              <a:lnRef idx="2">
+                <a:schemeClr val="accent1">
+                  <a:shade val="50000"/>
+                </a:schemeClr>
+              </a:lnRef>
+              <a:fillRef idx="1">
+                <a:schemeClr val="accent1"/>
+              </a:fillRef>
+              <a:effectRef idx="0">
+                <a:schemeClr val="accent1"/>
+              </a:effectRef>
+              <a:fontRef idx="minor">
+                <a:schemeClr val="lt1"/>
+              </a:fontRef>
+            </p:style>
+            <p:txBody>
+              <a:bodyPr rtlCol="0" anchor="ctr"/>
+              <a:lstStyle/>
+              <a:p>
+                <a:pPr algn="ctr"/>
+                <a:endParaRPr kumimoji="1" lang="zh-TW" altLang="en-US"/>
+              </a:p>
+            </p:txBody>
+          </p:sp>
+        </p:grpSp>
+        <p:grpSp>
+          <p:nvGrpSpPr>
+            <p:cNvPr id="46" name="群組 45"/>
+            <p:cNvGrpSpPr/>
+            <p:nvPr/>
+          </p:nvGrpSpPr>
+          <p:grpSpPr>
+            <a:xfrm>
+              <a:off x="4815003" y="4410310"/>
+              <a:ext cx="308779" cy="308779"/>
+              <a:chOff x="1037491" y="5679631"/>
+              <a:chExt cx="621323" cy="621323"/>
+            </a:xfrm>
+          </p:grpSpPr>
+          <p:sp>
+            <p:nvSpPr>
+              <p:cNvPr id="47" name="橢圓 46"/>
+              <p:cNvSpPr/>
+              <p:nvPr/>
+            </p:nvSpPr>
+            <p:spPr>
+              <a:xfrm>
+                <a:off x="1037491" y="5679631"/>
+                <a:ext cx="621323" cy="621323"/>
+              </a:xfrm>
+              <a:prstGeom prst="ellipse">
+                <a:avLst/>
+              </a:prstGeom>
+              <a:solidFill>
+                <a:schemeClr val="accent3">
+                  <a:lumMod val="20000"/>
+                  <a:lumOff val="80000"/>
+                </a:schemeClr>
+              </a:solidFill>
+              <a:ln>
+                <a:solidFill>
+                  <a:schemeClr val="tx1"/>
+                </a:solidFill>
+              </a:ln>
+            </p:spPr>
+            <p:style>
+              <a:lnRef idx="2">
+                <a:schemeClr val="accent1">
+                  <a:shade val="50000"/>
+                </a:schemeClr>
+              </a:lnRef>
+              <a:fillRef idx="1">
+                <a:schemeClr val="accent1"/>
+              </a:fillRef>
+              <a:effectRef idx="0">
+                <a:schemeClr val="accent1"/>
+              </a:effectRef>
+              <a:fontRef idx="minor">
+                <a:schemeClr val="lt1"/>
+              </a:fontRef>
+            </p:style>
+            <p:txBody>
+              <a:bodyPr rtlCol="0" anchor="ctr"/>
+              <a:lstStyle/>
+              <a:p>
+                <a:pPr algn="ctr"/>
+                <a:endParaRPr kumimoji="1" lang="zh-TW" altLang="en-US"/>
+              </a:p>
+            </p:txBody>
+          </p:sp>
+          <p:cxnSp>
+            <p:nvCxnSpPr>
+              <p:cNvPr id="48" name="直線接點 47"/>
+              <p:cNvCxnSpPr/>
+              <p:nvPr/>
+            </p:nvCxnSpPr>
+            <p:spPr>
+              <a:xfrm>
+                <a:off x="1145931" y="6007680"/>
+                <a:ext cx="410308" cy="0"/>
+              </a:xfrm>
+              <a:prstGeom prst="line">
+                <a:avLst/>
+              </a:prstGeom>
+              <a:ln w="79375">
+                <a:solidFill>
+                  <a:schemeClr val="bg2">
+                    <a:lumMod val="25000"/>
+                  </a:schemeClr>
+                </a:solidFill>
+              </a:ln>
+            </p:spPr>
+            <p:style>
+              <a:lnRef idx="1">
+                <a:schemeClr val="accent1"/>
+              </a:lnRef>
+              <a:fillRef idx="0">
+                <a:schemeClr val="accent1"/>
+              </a:fillRef>
+              <a:effectRef idx="0">
+                <a:schemeClr val="accent1"/>
+              </a:effectRef>
+              <a:fontRef idx="minor">
+                <a:schemeClr val="tx1"/>
+              </a:fontRef>
+            </p:style>
+          </p:cxnSp>
+        </p:grpSp>
+        <p:grpSp>
+          <p:nvGrpSpPr>
+            <p:cNvPr id="49" name="群組 48"/>
+            <p:cNvGrpSpPr/>
+            <p:nvPr/>
+          </p:nvGrpSpPr>
+          <p:grpSpPr>
+            <a:xfrm>
+              <a:off x="4408640" y="4410310"/>
+              <a:ext cx="308779" cy="308779"/>
+              <a:chOff x="133350" y="5697018"/>
+              <a:chExt cx="621323" cy="621323"/>
+            </a:xfrm>
+          </p:grpSpPr>
+          <p:sp>
+            <p:nvSpPr>
+              <p:cNvPr id="50" name="橢圓 49"/>
+              <p:cNvSpPr/>
+              <p:nvPr/>
+            </p:nvSpPr>
+            <p:spPr>
+              <a:xfrm>
+                <a:off x="133350" y="5697018"/>
+                <a:ext cx="621323" cy="621323"/>
+              </a:xfrm>
+              <a:prstGeom prst="ellipse">
+                <a:avLst/>
+              </a:prstGeom>
+              <a:solidFill>
+                <a:schemeClr val="accent3">
+                  <a:lumMod val="20000"/>
+                  <a:lumOff val="80000"/>
+                </a:schemeClr>
+              </a:solidFill>
+              <a:ln>
+                <a:solidFill>
+                  <a:schemeClr val="tx1"/>
+                </a:solidFill>
+              </a:ln>
+            </p:spPr>
+            <p:style>
+              <a:lnRef idx="2">
+                <a:schemeClr val="accent1">
+                  <a:shade val="50000"/>
+                </a:schemeClr>
+              </a:lnRef>
+              <a:fillRef idx="1">
+                <a:schemeClr val="accent1"/>
+              </a:fillRef>
+              <a:effectRef idx="0">
+                <a:schemeClr val="accent1"/>
+              </a:effectRef>
+              <a:fontRef idx="minor">
+                <a:schemeClr val="lt1"/>
+              </a:fontRef>
+            </p:style>
+            <p:txBody>
+              <a:bodyPr rtlCol="0" anchor="ctr"/>
+              <a:lstStyle/>
+              <a:p>
+                <a:pPr algn="ctr"/>
+                <a:endParaRPr kumimoji="1" lang="zh-TW" altLang="en-US"/>
+              </a:p>
+            </p:txBody>
+          </p:sp>
+          <p:sp>
+            <p:nvSpPr>
+              <p:cNvPr id="51" name="十字形 50"/>
+              <p:cNvSpPr/>
+              <p:nvPr/>
+            </p:nvSpPr>
+            <p:spPr>
+              <a:xfrm>
+                <a:off x="229666" y="5819910"/>
+                <a:ext cx="422429" cy="422429"/>
+              </a:xfrm>
+              <a:prstGeom prst="plus">
+                <a:avLst>
+                  <a:gd name="adj" fmla="val 35734"/>
+                </a:avLst>
+              </a:prstGeom>
+              <a:solidFill>
+                <a:schemeClr val="tx2">
+                  <a:lumMod val="75000"/>
+                </a:schemeClr>
+              </a:solidFill>
+              <a:ln>
+                <a:noFill/>
+              </a:ln>
+            </p:spPr>
+            <p:style>
+              <a:lnRef idx="2">
+                <a:schemeClr val="accent1">
+                  <a:shade val="50000"/>
+                </a:schemeClr>
+              </a:lnRef>
+              <a:fillRef idx="1">
+                <a:schemeClr val="accent1"/>
+              </a:fillRef>
+              <a:effectRef idx="0">
+                <a:schemeClr val="accent1"/>
+              </a:effectRef>
+              <a:fontRef idx="minor">
+                <a:schemeClr val="lt1"/>
+              </a:fontRef>
+            </p:style>
+            <p:txBody>
+              <a:bodyPr rtlCol="0" anchor="ctr"/>
+              <a:lstStyle/>
+              <a:p>
+                <a:pPr algn="ctr"/>
+                <a:endParaRPr kumimoji="1" lang="zh-TW" altLang="en-US"/>
+              </a:p>
+            </p:txBody>
+          </p:sp>
+        </p:grpSp>
+      </p:grpSp>
+    </p:spTree>
+    <p:extLst>
+      <p:ext uri="{BB962C8B-B14F-4D97-AF65-F5344CB8AC3E}">
+        <p14:creationId xmlns:p14="http://schemas.microsoft.com/office/powerpoint/2010/main" val="122661921"/>
+      </p:ext>
+    </p:extLst>
+  </p:cSld>
+  <p:clrMapOvr>
+    <a:masterClrMapping/>
+  </p:clrMapOvr>
+</p:sld>
+</file>
+
+<file path=ppt/slides/slide8.xml><?xml version="1.0" encoding="utf-8"?>
+<p:sld xmlns:a="http://schemas.openxmlformats.org/drawingml/2006/main" xmlns:r="http://schemas.openxmlformats.org/officeDocument/2006/relationships" xmlns:p="http://schemas.openxmlformats.org/presentationml/2006/main">
+  <p:cSld>
+    <p:spTree>
+      <p:nvGrpSpPr>
+        <p:cNvPr id="1" name=""/>
+        <p:cNvGrpSpPr/>
+        <p:nvPr/>
+      </p:nvGrpSpPr>
+      <p:grpSpPr>
+        <a:xfrm>
+          <a:off x="0" y="0"/>
+          <a:ext cx="0" cy="0"/>
+          <a:chOff x="0" y="0"/>
+          <a:chExt cx="0" cy="0"/>
+        </a:xfrm>
+      </p:grpSpPr>
+      <p:grpSp>
+        <p:nvGrpSpPr>
+          <p:cNvPr id="6" name="群組 5"/>
+          <p:cNvGrpSpPr/>
+          <p:nvPr/>
+        </p:nvGrpSpPr>
+        <p:grpSpPr>
+          <a:xfrm>
+            <a:off x="128951" y="1"/>
+            <a:ext cx="2954217" cy="1735016"/>
+            <a:chOff x="128951" y="0"/>
+            <a:chExt cx="2908503" cy="3290236"/>
+          </a:xfrm>
+        </p:grpSpPr>
+        <p:sp>
+          <p:nvSpPr>
+            <p:cNvPr id="4" name="矩形 3"/>
+            <p:cNvSpPr/>
+            <p:nvPr/>
+          </p:nvSpPr>
+          <p:spPr>
+            <a:xfrm>
+              <a:off x="128951" y="187570"/>
+              <a:ext cx="2908503" cy="3102666"/>
+            </a:xfrm>
+            <a:prstGeom prst="rect">
+              <a:avLst/>
+            </a:prstGeom>
+            <a:noFill/>
+            <a:ln w="38100"/>
+          </p:spPr>
+          <p:style>
+            <a:lnRef idx="2">
+              <a:schemeClr val="accent1">
+                <a:shade val="50000"/>
+              </a:schemeClr>
+            </a:lnRef>
+            <a:fillRef idx="1">
+              <a:schemeClr val="accent1"/>
+            </a:fillRef>
+            <a:effectRef idx="0">
+              <a:schemeClr val="accent1"/>
+            </a:effectRef>
+            <a:fontRef idx="minor">
+              <a:schemeClr val="lt1"/>
+            </a:fontRef>
+          </p:style>
+          <p:txBody>
+            <a:bodyPr rtlCol="0" anchor="ctr"/>
+            <a:lstStyle/>
+            <a:p>
+              <a:pPr algn="ctr"/>
+              <a:endParaRPr kumimoji="1" lang="zh-TW" altLang="en-US" dirty="0">
+                <a:solidFill>
+                  <a:schemeClr val="tx1"/>
+                </a:solidFill>
+              </a:endParaRPr>
+            </a:p>
+          </p:txBody>
+        </p:sp>
+        <p:sp>
+          <p:nvSpPr>
+            <p:cNvPr id="3" name="矩形 2"/>
+            <p:cNvSpPr/>
+            <p:nvPr/>
+          </p:nvSpPr>
+          <p:spPr>
+            <a:xfrm>
+              <a:off x="293075" y="0"/>
+              <a:ext cx="1090248" cy="375137"/>
+            </a:xfrm>
+            <a:prstGeom prst="rect">
+              <a:avLst/>
+            </a:prstGeom>
+            <a:solidFill>
+              <a:schemeClr val="bg1"/>
+            </a:solidFill>
+            <a:ln>
+              <a:noFill/>
+            </a:ln>
+          </p:spPr>
+          <p:style>
+            <a:lnRef idx="2">
+              <a:schemeClr val="accent1">
+                <a:shade val="50000"/>
+              </a:schemeClr>
+            </a:lnRef>
+            <a:fillRef idx="1">
+              <a:schemeClr val="accent1"/>
+            </a:fillRef>
+            <a:effectRef idx="0">
+              <a:schemeClr val="accent1"/>
+            </a:effectRef>
+            <a:fontRef idx="minor">
+              <a:schemeClr val="lt1"/>
+            </a:fontRef>
+          </p:style>
+          <p:txBody>
+            <a:bodyPr rtlCol="0" anchor="ctr"/>
+            <a:lstStyle/>
+            <a:p>
+              <a:pPr algn="ctr"/>
+              <a:r>
+                <a:rPr kumimoji="1" lang="en-US" altLang="zh-TW" dirty="0" err="1" smtClean="0">
+                  <a:solidFill>
+                    <a:sysClr val="windowText" lastClr="000000"/>
+                  </a:solidFill>
+                </a:rPr>
+                <a:t>MyMneu</a:t>
+              </a:r>
+              <a:endParaRPr kumimoji="1" lang="zh-TW" altLang="en-US" dirty="0">
+                <a:solidFill>
+                  <a:sysClr val="windowText" lastClr="000000"/>
+                </a:solidFill>
+              </a:endParaRPr>
+            </a:p>
+          </p:txBody>
+        </p:sp>
+      </p:grpSp>
+      <p:sp>
+        <p:nvSpPr>
+          <p:cNvPr id="5" name="矩形 4"/>
+          <p:cNvSpPr/>
+          <p:nvPr/>
+        </p:nvSpPr>
+        <p:spPr>
+          <a:xfrm>
+            <a:off x="269628" y="286476"/>
+            <a:ext cx="2696310" cy="1148862"/>
+          </a:xfrm>
+          <a:prstGeom prst="rect">
+            <a:avLst/>
+          </a:prstGeom>
+          <a:noFill/>
+          <a:ln>
+            <a:noFill/>
+          </a:ln>
+        </p:spPr>
+        <p:style>
+          <a:lnRef idx="2">
+            <a:schemeClr val="accent1">
+              <a:shade val="50000"/>
+            </a:schemeClr>
+          </a:lnRef>
+          <a:fillRef idx="1">
+            <a:schemeClr val="accent1"/>
+          </a:fillRef>
+          <a:effectRef idx="0">
+            <a:schemeClr val="accent1"/>
+          </a:effectRef>
+          <a:fontRef idx="minor">
+            <a:schemeClr val="lt1"/>
+          </a:fontRef>
+        </p:style>
+        <p:txBody>
+          <a:bodyPr rtlCol="0" anchor="ctr"/>
+          <a:lstStyle/>
+          <a:p>
+            <a:pPr marL="342900" indent="-342900">
+              <a:buFont typeface="+mj-lt"/>
+              <a:buAutoNum type="arabicPeriod"/>
+            </a:pPr>
+            <a:r>
+              <a:rPr kumimoji="1" lang="zh-TW" altLang="en-US" dirty="0" smtClean="0">
+                <a:solidFill>
+                  <a:sysClr val="windowText" lastClr="000000"/>
+                </a:solidFill>
+              </a:rPr>
+              <a:t>開始（</a:t>
+            </a:r>
+            <a:r>
+              <a:rPr kumimoji="1" lang="en-US" altLang="zh-TW" dirty="0" err="1">
+                <a:solidFill>
+                  <a:sysClr val="windowText" lastClr="000000"/>
+                </a:solidFill>
+              </a:rPr>
+              <a:t>C</a:t>
+            </a:r>
+            <a:r>
+              <a:rPr kumimoji="1" lang="en-US" altLang="zh-TW" dirty="0" err="1" smtClean="0">
+                <a:solidFill>
+                  <a:sysClr val="windowText" lastClr="000000"/>
+                </a:solidFill>
+              </a:rPr>
+              <a:t>hooseLevel</a:t>
+            </a:r>
+            <a:r>
+              <a:rPr kumimoji="1" lang="zh-TW" altLang="en-US" dirty="0" smtClean="0">
+                <a:solidFill>
+                  <a:sysClr val="windowText" lastClr="000000"/>
+                </a:solidFill>
+              </a:rPr>
+              <a:t>）</a:t>
+            </a:r>
+            <a:endParaRPr kumimoji="1" lang="en-US" altLang="zh-TW" dirty="0" smtClean="0">
+              <a:solidFill>
+                <a:sysClr val="windowText" lastClr="000000"/>
+              </a:solidFill>
+            </a:endParaRPr>
+          </a:p>
+          <a:p>
+            <a:pPr marL="342900" indent="-342900">
+              <a:buFont typeface="+mj-lt"/>
+              <a:buAutoNum type="arabicPeriod"/>
+            </a:pPr>
+            <a:r>
+              <a:rPr kumimoji="1" lang="zh-TW" altLang="en-US" dirty="0" smtClean="0">
+                <a:solidFill>
+                  <a:sysClr val="windowText" lastClr="000000"/>
+                </a:solidFill>
+              </a:rPr>
+              <a:t>操作</a:t>
+            </a:r>
+            <a:endParaRPr kumimoji="1" lang="en-US" altLang="zh-TW" dirty="0" smtClean="0">
+              <a:solidFill>
+                <a:sysClr val="windowText" lastClr="000000"/>
+              </a:solidFill>
+            </a:endParaRPr>
+          </a:p>
+          <a:p>
+            <a:pPr marL="342900" indent="-342900">
+              <a:buFont typeface="+mj-lt"/>
+              <a:buAutoNum type="arabicPeriod"/>
+            </a:pPr>
+            <a:r>
+              <a:rPr kumimoji="1" lang="zh-TW" altLang="en-US" dirty="0" smtClean="0">
+                <a:solidFill>
+                  <a:sysClr val="windowText" lastClr="000000"/>
+                </a:solidFill>
+              </a:rPr>
+              <a:t>作弊</a:t>
+            </a:r>
+            <a:endParaRPr kumimoji="1" lang="zh-TW" altLang="en-US" dirty="0">
+              <a:solidFill>
+                <a:sysClr val="windowText" lastClr="000000"/>
+              </a:solidFill>
+            </a:endParaRPr>
+          </a:p>
+        </p:txBody>
+      </p:sp>
+      <p:grpSp>
+        <p:nvGrpSpPr>
+          <p:cNvPr id="14" name="群組 13"/>
+          <p:cNvGrpSpPr/>
+          <p:nvPr/>
+        </p:nvGrpSpPr>
+        <p:grpSpPr>
+          <a:xfrm>
+            <a:off x="128951" y="1922582"/>
+            <a:ext cx="3727940" cy="1740143"/>
+            <a:chOff x="128952" y="1828800"/>
+            <a:chExt cx="3727940" cy="1740143"/>
+          </a:xfrm>
+        </p:grpSpPr>
+        <p:grpSp>
+          <p:nvGrpSpPr>
+            <p:cNvPr id="7" name="群組 6"/>
+            <p:cNvGrpSpPr/>
+            <p:nvPr/>
+          </p:nvGrpSpPr>
+          <p:grpSpPr>
+            <a:xfrm>
+              <a:off x="128952" y="1828800"/>
+              <a:ext cx="3727940" cy="1740143"/>
+              <a:chOff x="128952" y="-9723"/>
+              <a:chExt cx="3670253" cy="3299959"/>
+            </a:xfrm>
+          </p:grpSpPr>
+          <p:sp>
+            <p:nvSpPr>
+              <p:cNvPr id="8" name="矩形 7"/>
+              <p:cNvSpPr/>
+              <p:nvPr/>
+            </p:nvSpPr>
+            <p:spPr>
+              <a:xfrm>
+                <a:off x="128952" y="187570"/>
+                <a:ext cx="3670253" cy="3102666"/>
+              </a:xfrm>
+              <a:prstGeom prst="rect">
+                <a:avLst/>
+              </a:prstGeom>
+              <a:noFill/>
+              <a:ln w="38100"/>
+            </p:spPr>
+            <p:style>
+              <a:lnRef idx="2">
+                <a:schemeClr val="accent1">
+                  <a:shade val="50000"/>
+                </a:schemeClr>
+              </a:lnRef>
+              <a:fillRef idx="1">
+                <a:schemeClr val="accent1"/>
+              </a:fillRef>
+              <a:effectRef idx="0">
+                <a:schemeClr val="accent1"/>
+              </a:effectRef>
+              <a:fontRef idx="minor">
+                <a:schemeClr val="lt1"/>
+              </a:fontRef>
+            </p:style>
+            <p:txBody>
+              <a:bodyPr rtlCol="0" anchor="ctr"/>
+              <a:lstStyle/>
+              <a:p>
+                <a:pPr algn="ctr"/>
+                <a:endParaRPr kumimoji="1" lang="zh-TW" altLang="en-US" dirty="0">
+                  <a:solidFill>
+                    <a:schemeClr val="tx1"/>
+                  </a:solidFill>
+                </a:endParaRPr>
+              </a:p>
+            </p:txBody>
+          </p:sp>
+          <p:sp>
+            <p:nvSpPr>
+              <p:cNvPr id="9" name="矩形 8"/>
+              <p:cNvSpPr/>
+              <p:nvPr/>
+            </p:nvSpPr>
+            <p:spPr>
+              <a:xfrm>
+                <a:off x="293075" y="-9723"/>
+                <a:ext cx="1394004" cy="384859"/>
+              </a:xfrm>
+              <a:prstGeom prst="rect">
+                <a:avLst/>
+              </a:prstGeom>
+              <a:solidFill>
+                <a:schemeClr val="bg1"/>
+              </a:solidFill>
+              <a:ln>
+                <a:noFill/>
+              </a:ln>
+            </p:spPr>
+            <p:style>
+              <a:lnRef idx="2">
+                <a:schemeClr val="accent1">
+                  <a:shade val="50000"/>
+                </a:schemeClr>
+              </a:lnRef>
+              <a:fillRef idx="1">
+                <a:schemeClr val="accent1"/>
+              </a:fillRef>
+              <a:effectRef idx="0">
+                <a:schemeClr val="accent1"/>
+              </a:effectRef>
+              <a:fontRef idx="minor">
+                <a:schemeClr val="lt1"/>
+              </a:fontRef>
+            </p:style>
+            <p:txBody>
+              <a:bodyPr rtlCol="0" anchor="ctr"/>
+              <a:lstStyle/>
+              <a:p>
+                <a:pPr algn="ctr"/>
+                <a:r>
+                  <a:rPr kumimoji="1" lang="en-US" altLang="zh-TW" dirty="0" err="1" smtClean="0">
+                    <a:solidFill>
+                      <a:sysClr val="windowText" lastClr="000000"/>
+                    </a:solidFill>
+                  </a:rPr>
+                  <a:t>ChooseLevel</a:t>
+                </a:r>
+                <a:endParaRPr kumimoji="1" lang="zh-TW" altLang="en-US" dirty="0">
+                  <a:solidFill>
+                    <a:sysClr val="windowText" lastClr="000000"/>
+                  </a:solidFill>
+                </a:endParaRPr>
+              </a:p>
+            </p:txBody>
+          </p:sp>
+        </p:grpSp>
+        <p:sp>
+          <p:nvSpPr>
+            <p:cNvPr id="10" name="矩形 9"/>
+            <p:cNvSpPr/>
+            <p:nvPr/>
+          </p:nvSpPr>
+          <p:spPr>
+            <a:xfrm>
+              <a:off x="269629" y="2021494"/>
+              <a:ext cx="3176956" cy="1547448"/>
+            </a:xfrm>
+            <a:prstGeom prst="rect">
+              <a:avLst/>
+            </a:prstGeom>
+            <a:noFill/>
+            <a:ln>
+              <a:noFill/>
+            </a:ln>
+          </p:spPr>
+          <p:style>
+            <a:lnRef idx="2">
+              <a:schemeClr val="accent1">
+                <a:shade val="50000"/>
+              </a:schemeClr>
+            </a:lnRef>
+            <a:fillRef idx="1">
+              <a:schemeClr val="accent1"/>
+            </a:fillRef>
+            <a:effectRef idx="0">
+              <a:schemeClr val="accent1"/>
+            </a:effectRef>
+            <a:fontRef idx="minor">
+              <a:schemeClr val="lt1"/>
+            </a:fontRef>
+          </p:style>
+          <p:txBody>
+            <a:bodyPr rtlCol="0" anchor="ctr"/>
+            <a:lstStyle/>
+            <a:p>
+              <a:pPr marL="342900" indent="-342900">
+                <a:buFont typeface="+mj-lt"/>
+                <a:buAutoNum type="arabicPeriod"/>
+              </a:pPr>
+              <a:r>
+                <a:rPr kumimoji="1" lang="en-US" altLang="zh-TW" dirty="0" smtClean="0">
+                  <a:solidFill>
+                    <a:sysClr val="windowText" lastClr="000000"/>
+                  </a:solidFill>
+                </a:rPr>
+                <a:t>Level1_button</a:t>
+              </a:r>
+              <a:r>
+                <a:rPr kumimoji="1" lang="zh-TW" altLang="en-US" dirty="0" smtClean="0">
+                  <a:solidFill>
+                    <a:sysClr val="windowText" lastClr="000000"/>
+                  </a:solidFill>
+                </a:rPr>
+                <a:t>（</a:t>
+              </a:r>
+              <a:r>
+                <a:rPr kumimoji="1" lang="en-US" altLang="zh-TW" dirty="0" smtClean="0">
+                  <a:solidFill>
+                    <a:sysClr val="windowText" lastClr="000000"/>
+                  </a:solidFill>
+                </a:rPr>
+                <a:t>Level1</a:t>
+              </a:r>
+              <a:r>
+                <a:rPr kumimoji="1" lang="zh-TW" altLang="en-US" dirty="0" smtClean="0">
+                  <a:solidFill>
+                    <a:sysClr val="windowText" lastClr="000000"/>
+                  </a:solidFill>
+                </a:rPr>
+                <a:t>）</a:t>
+              </a:r>
+              <a:endParaRPr kumimoji="1" lang="en-US" altLang="zh-TW" dirty="0" smtClean="0">
+                <a:solidFill>
+                  <a:sysClr val="windowText" lastClr="000000"/>
+                </a:solidFill>
+              </a:endParaRPr>
+            </a:p>
+            <a:p>
+              <a:pPr marL="342900" indent="-342900">
+                <a:buFont typeface="+mj-lt"/>
+                <a:buAutoNum type="arabicPeriod"/>
+              </a:pPr>
+              <a:r>
+                <a:rPr kumimoji="1" lang="en-US" altLang="zh-TW" dirty="0" smtClean="0">
+                  <a:solidFill>
+                    <a:sysClr val="windowText" lastClr="000000"/>
+                  </a:solidFill>
+                </a:rPr>
+                <a:t>Level2_button</a:t>
+              </a:r>
+              <a:r>
+                <a:rPr kumimoji="1" lang="zh-TW" altLang="en-US" dirty="0" smtClean="0">
+                  <a:solidFill>
+                    <a:sysClr val="windowText" lastClr="000000"/>
+                  </a:solidFill>
+                </a:rPr>
+                <a:t>（</a:t>
+              </a:r>
+              <a:r>
+                <a:rPr kumimoji="1" lang="en-US" altLang="zh-TW" dirty="0" smtClean="0">
+                  <a:solidFill>
+                    <a:sysClr val="windowText" lastClr="000000"/>
+                  </a:solidFill>
+                </a:rPr>
+                <a:t>Level2</a:t>
+              </a:r>
+              <a:r>
+                <a:rPr kumimoji="1" lang="zh-TW" altLang="en-US" dirty="0" smtClean="0">
+                  <a:solidFill>
+                    <a:sysClr val="windowText" lastClr="000000"/>
+                  </a:solidFill>
+                </a:rPr>
+                <a:t>）</a:t>
+              </a:r>
+              <a:endParaRPr kumimoji="1" lang="en-US" altLang="zh-TW" dirty="0" smtClean="0">
+                <a:solidFill>
+                  <a:sysClr val="windowText" lastClr="000000"/>
+                </a:solidFill>
+              </a:endParaRPr>
+            </a:p>
+            <a:p>
+              <a:pPr marL="342900" indent="-342900">
+                <a:buFont typeface="+mj-lt"/>
+                <a:buAutoNum type="arabicPeriod"/>
+              </a:pPr>
+              <a:r>
+                <a:rPr kumimoji="1" lang="en-US" altLang="zh-TW" dirty="0" smtClean="0">
+                  <a:solidFill>
+                    <a:sysClr val="windowText" lastClr="000000"/>
+                  </a:solidFill>
+                </a:rPr>
+                <a:t>Level3_button</a:t>
+              </a:r>
+              <a:r>
+                <a:rPr kumimoji="1" lang="zh-TW" altLang="en-US" dirty="0" smtClean="0">
+                  <a:solidFill>
+                    <a:sysClr val="windowText" lastClr="000000"/>
+                  </a:solidFill>
+                </a:rPr>
+                <a:t>（</a:t>
+              </a:r>
+              <a:r>
+                <a:rPr kumimoji="1" lang="en-US" altLang="zh-TW" dirty="0" smtClean="0">
+                  <a:solidFill>
+                    <a:sysClr val="windowText" lastClr="000000"/>
+                  </a:solidFill>
+                </a:rPr>
+                <a:t>Level3</a:t>
+              </a:r>
+              <a:r>
+                <a:rPr kumimoji="1" lang="zh-TW" altLang="en-US" dirty="0" smtClean="0">
+                  <a:solidFill>
+                    <a:sysClr val="windowText" lastClr="000000"/>
+                  </a:solidFill>
+                </a:rPr>
+                <a:t>）</a:t>
+              </a:r>
+              <a:endParaRPr kumimoji="1" lang="en-US" altLang="zh-TW" dirty="0" smtClean="0">
+                <a:solidFill>
+                  <a:sysClr val="windowText" lastClr="000000"/>
+                </a:solidFill>
+              </a:endParaRPr>
+            </a:p>
+            <a:p>
+              <a:pPr marL="342900" indent="-342900">
+                <a:buFont typeface="+mj-lt"/>
+                <a:buAutoNum type="arabicPeriod"/>
+              </a:pPr>
+              <a:r>
+                <a:rPr kumimoji="1" lang="zh-TW" altLang="en-US" dirty="0" smtClean="0">
+                  <a:solidFill>
+                    <a:sysClr val="windowText" lastClr="000000"/>
+                  </a:solidFill>
+                </a:rPr>
+                <a:t>背包</a:t>
+              </a:r>
+              <a:r>
+                <a:rPr kumimoji="1" lang="en-US" altLang="zh-TW" dirty="0" smtClean="0">
+                  <a:solidFill>
+                    <a:sysClr val="windowText" lastClr="000000"/>
+                  </a:solidFill>
+                </a:rPr>
+                <a:t>_button</a:t>
+              </a:r>
+              <a:r>
+                <a:rPr kumimoji="1" lang="zh-TW" altLang="en-US" dirty="0" smtClean="0">
+                  <a:solidFill>
+                    <a:sysClr val="windowText" lastClr="000000"/>
+                  </a:solidFill>
+                </a:rPr>
+                <a:t>（</a:t>
+              </a:r>
+              <a:r>
+                <a:rPr kumimoji="1" lang="en-US" altLang="zh-TW" dirty="0" smtClean="0">
+                  <a:solidFill>
+                    <a:sysClr val="windowText" lastClr="000000"/>
+                  </a:solidFill>
+                </a:rPr>
+                <a:t>Bag</a:t>
+              </a:r>
+              <a:r>
+                <a:rPr kumimoji="1" lang="zh-TW" altLang="en-US" dirty="0" smtClean="0">
+                  <a:solidFill>
+                    <a:sysClr val="windowText" lastClr="000000"/>
+                  </a:solidFill>
+                </a:rPr>
+                <a:t>）</a:t>
+              </a:r>
+              <a:endParaRPr kumimoji="1" lang="en-US" altLang="zh-TW" dirty="0" smtClean="0">
+                <a:solidFill>
+                  <a:sysClr val="windowText" lastClr="000000"/>
+                </a:solidFill>
+              </a:endParaRPr>
+            </a:p>
+            <a:p>
+              <a:pPr marL="342900" indent="-342900">
+                <a:buFont typeface="+mj-lt"/>
+                <a:buAutoNum type="arabicPeriod"/>
+              </a:pPr>
+              <a:r>
+                <a:rPr kumimoji="1" lang="zh-TW" altLang="en-US" dirty="0" smtClean="0">
+                  <a:solidFill>
+                    <a:sysClr val="windowText" lastClr="000000"/>
+                  </a:solidFill>
+                </a:rPr>
+                <a:t>紀錄</a:t>
+              </a:r>
+              <a:r>
+                <a:rPr kumimoji="1" lang="en-US" altLang="zh-TW" dirty="0" smtClean="0">
+                  <a:solidFill>
+                    <a:sysClr val="windowText" lastClr="000000"/>
+                  </a:solidFill>
+                </a:rPr>
+                <a:t>_button</a:t>
+              </a:r>
+              <a:r>
+                <a:rPr kumimoji="1" lang="zh-TW" altLang="en-US" dirty="0" smtClean="0">
+                  <a:solidFill>
+                    <a:sysClr val="windowText" lastClr="000000"/>
+                  </a:solidFill>
+                </a:rPr>
+                <a:t>（</a:t>
+              </a:r>
+              <a:r>
+                <a:rPr kumimoji="1" lang="en-US" altLang="zh-TW" dirty="0" smtClean="0">
+                  <a:solidFill>
+                    <a:sysClr val="windowText" lastClr="000000"/>
+                  </a:solidFill>
+                </a:rPr>
+                <a:t>Record</a:t>
+              </a:r>
+              <a:r>
+                <a:rPr kumimoji="1" lang="zh-TW" altLang="en-US" dirty="0" smtClean="0">
+                  <a:solidFill>
+                    <a:sysClr val="windowText" lastClr="000000"/>
+                  </a:solidFill>
+                </a:rPr>
+                <a:t>）</a:t>
+              </a:r>
+              <a:endParaRPr kumimoji="1" lang="zh-TW" altLang="en-US" dirty="0">
+                <a:solidFill>
+                  <a:sysClr val="windowText" lastClr="000000"/>
+                </a:solidFill>
+              </a:endParaRPr>
+            </a:p>
+          </p:txBody>
+        </p:sp>
+      </p:grpSp>
+      <p:grpSp>
+        <p:nvGrpSpPr>
+          <p:cNvPr id="20" name="群組 19"/>
+          <p:cNvGrpSpPr/>
+          <p:nvPr/>
+        </p:nvGrpSpPr>
+        <p:grpSpPr>
+          <a:xfrm>
+            <a:off x="5134706" y="333364"/>
+            <a:ext cx="4056187" cy="3329360"/>
+            <a:chOff x="5345721" y="567832"/>
+            <a:chExt cx="4056187" cy="3329360"/>
+          </a:xfrm>
+        </p:grpSpPr>
+        <p:grpSp>
+          <p:nvGrpSpPr>
+            <p:cNvPr id="15" name="群組 14"/>
+            <p:cNvGrpSpPr/>
+            <p:nvPr/>
+          </p:nvGrpSpPr>
+          <p:grpSpPr>
+            <a:xfrm>
+              <a:off x="5345721" y="567832"/>
+              <a:ext cx="4056187" cy="3329360"/>
+              <a:chOff x="128951" y="127191"/>
+              <a:chExt cx="2908503" cy="1884970"/>
+            </a:xfrm>
+          </p:grpSpPr>
+          <p:sp>
+            <p:nvSpPr>
+              <p:cNvPr id="16" name="矩形 15"/>
+              <p:cNvSpPr/>
+              <p:nvPr/>
+            </p:nvSpPr>
+            <p:spPr>
+              <a:xfrm>
+                <a:off x="128951" y="187570"/>
+                <a:ext cx="2908503" cy="1824591"/>
+              </a:xfrm>
+              <a:prstGeom prst="rect">
+                <a:avLst/>
+              </a:prstGeom>
+              <a:noFill/>
+              <a:ln w="38100"/>
+            </p:spPr>
+            <p:style>
+              <a:lnRef idx="2">
+                <a:schemeClr val="accent1">
+                  <a:shade val="50000"/>
+                </a:schemeClr>
+              </a:lnRef>
+              <a:fillRef idx="1">
+                <a:schemeClr val="accent1"/>
+              </a:fillRef>
+              <a:effectRef idx="0">
+                <a:schemeClr val="accent1"/>
+              </a:effectRef>
+              <a:fontRef idx="minor">
+                <a:schemeClr val="lt1"/>
+              </a:fontRef>
+            </p:style>
+            <p:txBody>
+              <a:bodyPr rtlCol="0" anchor="ctr"/>
+              <a:lstStyle/>
+              <a:p>
+                <a:pPr algn="ctr"/>
+                <a:endParaRPr kumimoji="1" lang="zh-TW" altLang="en-US" dirty="0">
+                  <a:solidFill>
+                    <a:schemeClr val="tx1"/>
+                  </a:solidFill>
+                </a:endParaRPr>
+              </a:p>
+            </p:txBody>
+          </p:sp>
+          <p:sp>
+            <p:nvSpPr>
+              <p:cNvPr id="17" name="矩形 16"/>
+              <p:cNvSpPr/>
+              <p:nvPr/>
+            </p:nvSpPr>
+            <p:spPr>
+              <a:xfrm>
+                <a:off x="293075" y="127191"/>
+                <a:ext cx="945479" cy="133386"/>
+              </a:xfrm>
+              <a:prstGeom prst="rect">
+                <a:avLst/>
+              </a:prstGeom>
+              <a:solidFill>
+                <a:schemeClr val="bg1"/>
+              </a:solidFill>
+              <a:ln>
+                <a:noFill/>
+              </a:ln>
+            </p:spPr>
+            <p:style>
+              <a:lnRef idx="2">
+                <a:schemeClr val="accent1">
+                  <a:shade val="50000"/>
+                </a:schemeClr>
+              </a:lnRef>
+              <a:fillRef idx="1">
+                <a:schemeClr val="accent1"/>
+              </a:fillRef>
+              <a:effectRef idx="0">
+                <a:schemeClr val="accent1"/>
+              </a:effectRef>
+              <a:fontRef idx="minor">
+                <a:schemeClr val="lt1"/>
+              </a:fontRef>
+            </p:style>
+            <p:txBody>
+              <a:bodyPr rtlCol="0" anchor="ctr"/>
+              <a:lstStyle/>
+              <a:p>
+                <a:pPr algn="ctr"/>
+                <a:r>
+                  <a:rPr kumimoji="1" lang="en-US" altLang="zh-TW" dirty="0" err="1" smtClean="0">
+                    <a:solidFill>
+                      <a:sysClr val="windowText" lastClr="000000"/>
+                    </a:solidFill>
+                  </a:rPr>
+                  <a:t>MainGame</a:t>
+                </a:r>
+                <a:endParaRPr kumimoji="1" lang="zh-TW" altLang="en-US" dirty="0">
+                  <a:solidFill>
+                    <a:sysClr val="windowText" lastClr="000000"/>
+                  </a:solidFill>
+                </a:endParaRPr>
+              </a:p>
+            </p:txBody>
+          </p:sp>
+        </p:grpSp>
+        <p:sp>
+          <p:nvSpPr>
+            <p:cNvPr id="19" name="矩形 18"/>
+            <p:cNvSpPr/>
+            <p:nvPr/>
+          </p:nvSpPr>
+          <p:spPr>
+            <a:xfrm>
+              <a:off x="5491686" y="860907"/>
+              <a:ext cx="3089606" cy="2913930"/>
+            </a:xfrm>
+            <a:prstGeom prst="rect">
+              <a:avLst/>
+            </a:prstGeom>
+            <a:noFill/>
+            <a:ln>
+              <a:noFill/>
+            </a:ln>
+          </p:spPr>
+          <p:style>
+            <a:lnRef idx="2">
+              <a:schemeClr val="accent1">
+                <a:shade val="50000"/>
+              </a:schemeClr>
+            </a:lnRef>
+            <a:fillRef idx="1">
+              <a:schemeClr val="accent1"/>
+            </a:fillRef>
+            <a:effectRef idx="0">
+              <a:schemeClr val="accent1"/>
+            </a:effectRef>
+            <a:fontRef idx="minor">
+              <a:schemeClr val="lt1"/>
+            </a:fontRef>
+          </p:style>
+          <p:txBody>
+            <a:bodyPr rtlCol="0" anchor="ctr"/>
+            <a:lstStyle/>
+            <a:p>
+              <a:pPr marL="342900" indent="-342900">
+                <a:buFont typeface="+mj-lt"/>
+                <a:buAutoNum type="arabicPeriod"/>
+              </a:pPr>
+              <a:r>
+                <a:rPr kumimoji="1" lang="en-US" altLang="zh-TW" dirty="0" err="1" smtClean="0">
+                  <a:solidFill>
+                    <a:sysClr val="windowText" lastClr="000000"/>
+                  </a:solidFill>
+                </a:rPr>
+                <a:t>MyMenu</a:t>
+              </a:r>
+              <a:endParaRPr kumimoji="1" lang="en-US" altLang="zh-TW" dirty="0" smtClean="0">
+                <a:solidFill>
+                  <a:sysClr val="windowText" lastClr="000000"/>
+                </a:solidFill>
+              </a:endParaRPr>
+            </a:p>
+            <a:p>
+              <a:pPr marL="342900" indent="-342900">
+                <a:buFont typeface="+mj-lt"/>
+                <a:buAutoNum type="arabicPeriod"/>
+              </a:pPr>
+              <a:r>
+                <a:rPr kumimoji="1" lang="en-US" altLang="zh-TW" dirty="0" err="1" smtClean="0">
+                  <a:solidFill>
+                    <a:sysClr val="windowText" lastClr="000000"/>
+                  </a:solidFill>
+                </a:rPr>
+                <a:t>AboutScreen</a:t>
+              </a:r>
+              <a:endParaRPr kumimoji="1" lang="en-US" altLang="zh-TW" dirty="0" smtClean="0">
+                <a:solidFill>
+                  <a:sysClr val="windowText" lastClr="000000"/>
+                </a:solidFill>
+              </a:endParaRPr>
+            </a:p>
+            <a:p>
+              <a:pPr marL="342900" indent="-342900">
+                <a:buFont typeface="+mj-lt"/>
+                <a:buAutoNum type="arabicPeriod"/>
+              </a:pPr>
+              <a:r>
+                <a:rPr kumimoji="1" lang="en-US" altLang="zh-TW" dirty="0" err="1" smtClean="0">
+                  <a:solidFill>
+                    <a:sysClr val="windowText" lastClr="000000"/>
+                  </a:solidFill>
+                </a:rPr>
+                <a:t>ChooseLevel</a:t>
+              </a:r>
+              <a:endParaRPr kumimoji="1" lang="en-US" altLang="zh-TW" dirty="0" smtClean="0">
+                <a:solidFill>
+                  <a:sysClr val="windowText" lastClr="000000"/>
+                </a:solidFill>
+              </a:endParaRPr>
+            </a:p>
+            <a:p>
+              <a:pPr marL="342900" indent="-342900">
+                <a:buFont typeface="+mj-lt"/>
+                <a:buAutoNum type="arabicPeriod"/>
+              </a:pPr>
+              <a:r>
+                <a:rPr kumimoji="1" lang="en-US" altLang="zh-TW" dirty="0" err="1" smtClean="0">
+                  <a:solidFill>
+                    <a:sysClr val="windowText" lastClr="000000"/>
+                  </a:solidFill>
+                </a:rPr>
+                <a:t>CheatScreen</a:t>
+              </a:r>
+              <a:endParaRPr kumimoji="1" lang="en-US" altLang="zh-TW" dirty="0" smtClean="0">
+                <a:solidFill>
+                  <a:sysClr val="windowText" lastClr="000000"/>
+                </a:solidFill>
+              </a:endParaRPr>
+            </a:p>
+            <a:p>
+              <a:pPr marL="342900" indent="-342900">
+                <a:buFont typeface="+mj-lt"/>
+                <a:buAutoNum type="arabicPeriod"/>
+              </a:pPr>
+              <a:r>
+                <a:rPr kumimoji="1" lang="en-US" altLang="zh-TW" dirty="0" err="1" smtClean="0">
+                  <a:solidFill>
+                    <a:sysClr val="windowText" lastClr="000000"/>
+                  </a:solidFill>
+                </a:rPr>
+                <a:t>OperationScreen</a:t>
+              </a:r>
+              <a:endParaRPr kumimoji="1" lang="en-US" altLang="zh-TW" dirty="0" smtClean="0">
+                <a:solidFill>
+                  <a:sysClr val="windowText" lastClr="000000"/>
+                </a:solidFill>
+              </a:endParaRPr>
+            </a:p>
+            <a:p>
+              <a:pPr marL="342900" indent="-342900">
+                <a:buFont typeface="+mj-lt"/>
+                <a:buAutoNum type="arabicPeriod"/>
+              </a:pPr>
+              <a:r>
+                <a:rPr kumimoji="1" lang="en-US" altLang="zh-TW" dirty="0" smtClean="0">
+                  <a:solidFill>
+                    <a:sysClr val="windowText" lastClr="000000"/>
+                  </a:solidFill>
+                </a:rPr>
+                <a:t>Level1</a:t>
+              </a:r>
+            </a:p>
+            <a:p>
+              <a:pPr marL="342900" indent="-342900">
+                <a:buFont typeface="+mj-lt"/>
+                <a:buAutoNum type="arabicPeriod"/>
+              </a:pPr>
+              <a:r>
+                <a:rPr kumimoji="1" lang="en-US" altLang="zh-TW" dirty="0" smtClean="0">
+                  <a:solidFill>
+                    <a:sysClr val="windowText" lastClr="000000"/>
+                  </a:solidFill>
+                </a:rPr>
+                <a:t>Level2</a:t>
+              </a:r>
+            </a:p>
+            <a:p>
+              <a:pPr marL="342900" indent="-342900">
+                <a:buFont typeface="+mj-lt"/>
+                <a:buAutoNum type="arabicPeriod"/>
+              </a:pPr>
+              <a:r>
+                <a:rPr kumimoji="1" lang="en-US" altLang="zh-TW" dirty="0" smtClean="0">
+                  <a:solidFill>
+                    <a:sysClr val="windowText" lastClr="000000"/>
+                  </a:solidFill>
+                </a:rPr>
+                <a:t>Level3</a:t>
+              </a:r>
+            </a:p>
+            <a:p>
+              <a:pPr marL="342900" indent="-342900">
+                <a:buFont typeface="+mj-lt"/>
+                <a:buAutoNum type="arabicPeriod"/>
+              </a:pPr>
+              <a:r>
+                <a:rPr kumimoji="1" lang="en-US" altLang="zh-TW" dirty="0" smtClean="0">
+                  <a:solidFill>
+                    <a:sysClr val="windowText" lastClr="000000"/>
+                  </a:solidFill>
+                </a:rPr>
+                <a:t>Bag</a:t>
+              </a:r>
+            </a:p>
+            <a:p>
+              <a:pPr marL="342900" indent="-342900">
+                <a:buFont typeface="+mj-lt"/>
+                <a:buAutoNum type="arabicPeriod"/>
+              </a:pPr>
+              <a:r>
+                <a:rPr kumimoji="1" lang="en-US" altLang="zh-TW" dirty="0" err="1" smtClean="0">
+                  <a:solidFill>
+                    <a:sysClr val="windowText" lastClr="000000"/>
+                  </a:solidFill>
+                </a:rPr>
+                <a:t>RecordScreen</a:t>
+              </a:r>
+              <a:endParaRPr kumimoji="1" lang="en-US" altLang="zh-TW" dirty="0" smtClean="0">
+                <a:solidFill>
+                  <a:sysClr val="windowText" lastClr="000000"/>
+                </a:solidFill>
+              </a:endParaRPr>
+            </a:p>
+            <a:p>
+              <a:pPr marL="342900" indent="-342900">
+                <a:buFont typeface="+mj-lt"/>
+                <a:buAutoNum type="arabicPeriod"/>
+              </a:pPr>
+              <a:r>
+                <a:rPr kumimoji="1" lang="en-US" altLang="zh-TW" dirty="0" err="1" smtClean="0">
+                  <a:solidFill>
+                    <a:sysClr val="windowText" lastClr="000000"/>
+                  </a:solidFill>
+                </a:rPr>
+                <a:t>DieScreen</a:t>
+              </a:r>
+              <a:endParaRPr kumimoji="1" lang="zh-TW" altLang="en-US" dirty="0">
+                <a:solidFill>
+                  <a:sysClr val="windowText" lastClr="000000"/>
+                </a:solidFill>
+              </a:endParaRPr>
+            </a:p>
+          </p:txBody>
+        </p:sp>
+      </p:grpSp>
+      <p:grpSp>
+        <p:nvGrpSpPr>
+          <p:cNvPr id="21" name="群組 20"/>
+          <p:cNvGrpSpPr/>
+          <p:nvPr/>
+        </p:nvGrpSpPr>
+        <p:grpSpPr>
+          <a:xfrm>
+            <a:off x="128951" y="3856889"/>
+            <a:ext cx="3727940" cy="1740143"/>
+            <a:chOff x="128952" y="1828800"/>
+            <a:chExt cx="3727940" cy="1740143"/>
+          </a:xfrm>
+        </p:grpSpPr>
+        <p:grpSp>
+          <p:nvGrpSpPr>
+            <p:cNvPr id="22" name="群組 21"/>
+            <p:cNvGrpSpPr/>
+            <p:nvPr/>
+          </p:nvGrpSpPr>
+          <p:grpSpPr>
+            <a:xfrm>
+              <a:off x="128952" y="1828800"/>
+              <a:ext cx="3727940" cy="1740143"/>
+              <a:chOff x="128952" y="-9723"/>
+              <a:chExt cx="3670253" cy="3299959"/>
+            </a:xfrm>
+          </p:grpSpPr>
+          <p:sp>
+            <p:nvSpPr>
+              <p:cNvPr id="24" name="矩形 23"/>
+              <p:cNvSpPr/>
+              <p:nvPr/>
+            </p:nvSpPr>
+            <p:spPr>
+              <a:xfrm>
+                <a:off x="128952" y="187570"/>
+                <a:ext cx="3670253" cy="3102666"/>
+              </a:xfrm>
+              <a:prstGeom prst="rect">
+                <a:avLst/>
+              </a:prstGeom>
+              <a:noFill/>
+              <a:ln w="38100"/>
+            </p:spPr>
+            <p:style>
+              <a:lnRef idx="2">
+                <a:schemeClr val="accent1">
+                  <a:shade val="50000"/>
+                </a:schemeClr>
+              </a:lnRef>
+              <a:fillRef idx="1">
+                <a:schemeClr val="accent1"/>
+              </a:fillRef>
+              <a:effectRef idx="0">
+                <a:schemeClr val="accent1"/>
+              </a:effectRef>
+              <a:fontRef idx="minor">
+                <a:schemeClr val="lt1"/>
+              </a:fontRef>
+            </p:style>
+            <p:txBody>
+              <a:bodyPr rtlCol="0" anchor="ctr"/>
+              <a:lstStyle/>
+              <a:p>
+                <a:pPr algn="ctr"/>
+                <a:endParaRPr kumimoji="1" lang="zh-TW" altLang="en-US" dirty="0">
+                  <a:solidFill>
+                    <a:schemeClr val="tx1"/>
+                  </a:solidFill>
+                </a:endParaRPr>
+              </a:p>
+            </p:txBody>
+          </p:sp>
+          <p:sp>
+            <p:nvSpPr>
+              <p:cNvPr id="25" name="矩形 24"/>
+              <p:cNvSpPr/>
+              <p:nvPr/>
+            </p:nvSpPr>
+            <p:spPr>
+              <a:xfrm>
+                <a:off x="293075" y="-9723"/>
+                <a:ext cx="1394004" cy="384859"/>
+              </a:xfrm>
+              <a:prstGeom prst="rect">
+                <a:avLst/>
+              </a:prstGeom>
+              <a:solidFill>
+                <a:schemeClr val="bg1"/>
+              </a:solidFill>
+              <a:ln>
+                <a:noFill/>
+              </a:ln>
+            </p:spPr>
+            <p:style>
+              <a:lnRef idx="2">
+                <a:schemeClr val="accent1">
+                  <a:shade val="50000"/>
+                </a:schemeClr>
+              </a:lnRef>
+              <a:fillRef idx="1">
+                <a:schemeClr val="accent1"/>
+              </a:fillRef>
+              <a:effectRef idx="0">
+                <a:schemeClr val="accent1"/>
+              </a:effectRef>
+              <a:fontRef idx="minor">
+                <a:schemeClr val="lt1"/>
+              </a:fontRef>
+            </p:style>
+            <p:txBody>
+              <a:bodyPr rtlCol="0" anchor="ctr"/>
+              <a:lstStyle/>
+              <a:p>
+                <a:pPr algn="ctr"/>
+                <a:r>
+                  <a:rPr kumimoji="1" lang="en-US" altLang="zh-TW" dirty="0" err="1" smtClean="0">
+                    <a:solidFill>
+                      <a:sysClr val="windowText" lastClr="000000"/>
+                    </a:solidFill>
+                  </a:rPr>
+                  <a:t>CheatScreen</a:t>
+                </a:r>
+                <a:endParaRPr kumimoji="1" lang="zh-TW" altLang="en-US" dirty="0">
+                  <a:solidFill>
+                    <a:sysClr val="windowText" lastClr="000000"/>
+                  </a:solidFill>
+                </a:endParaRPr>
+              </a:p>
+            </p:txBody>
+          </p:sp>
+        </p:grpSp>
+        <p:sp>
+          <p:nvSpPr>
+            <p:cNvPr id="23" name="矩形 22"/>
+            <p:cNvSpPr/>
+            <p:nvPr/>
+          </p:nvSpPr>
+          <p:spPr>
+            <a:xfrm>
+              <a:off x="269629" y="2021494"/>
+              <a:ext cx="3176956" cy="1547448"/>
+            </a:xfrm>
+            <a:prstGeom prst="rect">
+              <a:avLst/>
+            </a:prstGeom>
+            <a:noFill/>
+            <a:ln>
+              <a:noFill/>
+            </a:ln>
+          </p:spPr>
+          <p:style>
+            <a:lnRef idx="2">
+              <a:schemeClr val="accent1">
+                <a:shade val="50000"/>
+              </a:schemeClr>
+            </a:lnRef>
+            <a:fillRef idx="1">
+              <a:schemeClr val="accent1"/>
+            </a:fillRef>
+            <a:effectRef idx="0">
+              <a:schemeClr val="accent1"/>
+            </a:effectRef>
+            <a:fontRef idx="minor">
+              <a:schemeClr val="lt1"/>
+            </a:fontRef>
+          </p:style>
+          <p:txBody>
+            <a:bodyPr rtlCol="0" anchor="ctr"/>
+            <a:lstStyle/>
+            <a:p>
+              <a:pPr marL="342900" indent="-342900">
+                <a:buFont typeface="+mj-lt"/>
+                <a:buAutoNum type="arabicPeriod"/>
+              </a:pPr>
+              <a:r>
+                <a:rPr kumimoji="1" lang="zh-TW" altLang="en-US" dirty="0" smtClean="0">
+                  <a:solidFill>
+                    <a:sysClr val="windowText" lastClr="000000"/>
+                  </a:solidFill>
+                </a:rPr>
+                <a:t>通過第一關</a:t>
+              </a:r>
+              <a:endParaRPr kumimoji="1" lang="en-US" altLang="zh-TW" dirty="0" smtClean="0">
+                <a:solidFill>
+                  <a:sysClr val="windowText" lastClr="000000"/>
+                </a:solidFill>
+              </a:endParaRPr>
+            </a:p>
+            <a:p>
+              <a:pPr marL="342900" indent="-342900">
+                <a:buFont typeface="+mj-lt"/>
+                <a:buAutoNum type="arabicPeriod"/>
+              </a:pPr>
+              <a:r>
+                <a:rPr kumimoji="1" lang="zh-TW" altLang="en-US" dirty="0" smtClean="0">
+                  <a:solidFill>
+                    <a:sysClr val="windowText" lastClr="000000"/>
+                  </a:solidFill>
+                </a:rPr>
+                <a:t>通過第二關</a:t>
+              </a:r>
+              <a:endParaRPr kumimoji="1" lang="en-US" altLang="zh-TW" dirty="0" smtClean="0">
+                <a:solidFill>
+                  <a:sysClr val="windowText" lastClr="000000"/>
+                </a:solidFill>
+              </a:endParaRPr>
+            </a:p>
+            <a:p>
+              <a:pPr marL="342900" indent="-342900">
+                <a:buFont typeface="+mj-lt"/>
+                <a:buAutoNum type="arabicPeriod"/>
+              </a:pPr>
+              <a:r>
+                <a:rPr kumimoji="1" lang="zh-TW" altLang="en-US" dirty="0" smtClean="0">
+                  <a:solidFill>
+                    <a:sysClr val="windowText" lastClr="000000"/>
+                  </a:solidFill>
+                </a:rPr>
+                <a:t>通過第三關</a:t>
+              </a:r>
+              <a:endParaRPr kumimoji="1" lang="en-US" altLang="zh-TW" dirty="0" smtClean="0">
+                <a:solidFill>
+                  <a:sysClr val="windowText" lastClr="000000"/>
+                </a:solidFill>
+              </a:endParaRPr>
+            </a:p>
+            <a:p>
+              <a:pPr marL="342900" indent="-342900">
+                <a:buFont typeface="+mj-lt"/>
+                <a:buAutoNum type="arabicPeriod"/>
+              </a:pPr>
+              <a:r>
+                <a:rPr kumimoji="1" lang="zh-TW" altLang="en-US" dirty="0" smtClean="0">
+                  <a:solidFill>
+                    <a:sysClr val="windowText" lastClr="000000"/>
+                  </a:solidFill>
+                </a:rPr>
+                <a:t>設定子彈數量及攻擊力</a:t>
+              </a:r>
+              <a:endParaRPr kumimoji="1" lang="zh-TW" altLang="en-US" dirty="0">
+                <a:solidFill>
+                  <a:sysClr val="windowText" lastClr="000000"/>
+                </a:solidFill>
+              </a:endParaRPr>
+            </a:p>
+          </p:txBody>
+        </p:sp>
+      </p:grpSp>
+      <p:grpSp>
+        <p:nvGrpSpPr>
+          <p:cNvPr id="31" name="群組 30"/>
+          <p:cNvGrpSpPr/>
+          <p:nvPr/>
+        </p:nvGrpSpPr>
+        <p:grpSpPr>
+          <a:xfrm>
+            <a:off x="4618890" y="3908907"/>
+            <a:ext cx="2215664" cy="979616"/>
+            <a:chOff x="128952" y="1828800"/>
+            <a:chExt cx="2215664" cy="979616"/>
+          </a:xfrm>
+        </p:grpSpPr>
+        <p:grpSp>
+          <p:nvGrpSpPr>
+            <p:cNvPr id="32" name="群組 31"/>
+            <p:cNvGrpSpPr/>
+            <p:nvPr/>
+          </p:nvGrpSpPr>
+          <p:grpSpPr>
+            <a:xfrm>
+              <a:off x="128952" y="1828800"/>
+              <a:ext cx="2215664" cy="979616"/>
+              <a:chOff x="128952" y="-9723"/>
+              <a:chExt cx="2181378" cy="1857717"/>
+            </a:xfrm>
+          </p:grpSpPr>
+          <p:sp>
+            <p:nvSpPr>
+              <p:cNvPr id="34" name="矩形 33"/>
+              <p:cNvSpPr/>
+              <p:nvPr/>
+            </p:nvSpPr>
+            <p:spPr>
+              <a:xfrm>
+                <a:off x="128952" y="187570"/>
+                <a:ext cx="2181378" cy="1660424"/>
+              </a:xfrm>
+              <a:prstGeom prst="rect">
+                <a:avLst/>
+              </a:prstGeom>
+              <a:noFill/>
+              <a:ln w="38100"/>
+            </p:spPr>
+            <p:style>
+              <a:lnRef idx="2">
+                <a:schemeClr val="accent1">
+                  <a:shade val="50000"/>
+                </a:schemeClr>
+              </a:lnRef>
+              <a:fillRef idx="1">
+                <a:schemeClr val="accent1"/>
+              </a:fillRef>
+              <a:effectRef idx="0">
+                <a:schemeClr val="accent1"/>
+              </a:effectRef>
+              <a:fontRef idx="minor">
+                <a:schemeClr val="lt1"/>
+              </a:fontRef>
+            </p:style>
+            <p:txBody>
+              <a:bodyPr rtlCol="0" anchor="ctr"/>
+              <a:lstStyle/>
+              <a:p>
+                <a:pPr algn="ctr"/>
+                <a:endParaRPr kumimoji="1" lang="zh-TW" altLang="en-US" dirty="0">
+                  <a:solidFill>
+                    <a:schemeClr val="tx1"/>
+                  </a:solidFill>
+                </a:endParaRPr>
+              </a:p>
+            </p:txBody>
+          </p:sp>
+          <p:sp>
+            <p:nvSpPr>
+              <p:cNvPr id="35" name="矩形 34"/>
+              <p:cNvSpPr/>
+              <p:nvPr/>
+            </p:nvSpPr>
+            <p:spPr>
+              <a:xfrm>
+                <a:off x="293075" y="-9723"/>
+                <a:ext cx="1394004" cy="384859"/>
+              </a:xfrm>
+              <a:prstGeom prst="rect">
+                <a:avLst/>
+              </a:prstGeom>
+              <a:solidFill>
+                <a:schemeClr val="bg1"/>
+              </a:solidFill>
+              <a:ln>
+                <a:noFill/>
+              </a:ln>
+            </p:spPr>
+            <p:style>
+              <a:lnRef idx="2">
+                <a:schemeClr val="accent1">
+                  <a:shade val="50000"/>
+                </a:schemeClr>
+              </a:lnRef>
+              <a:fillRef idx="1">
+                <a:schemeClr val="accent1"/>
+              </a:fillRef>
+              <a:effectRef idx="0">
+                <a:schemeClr val="accent1"/>
+              </a:effectRef>
+              <a:fontRef idx="minor">
+                <a:schemeClr val="lt1"/>
+              </a:fontRef>
+            </p:style>
+            <p:txBody>
+              <a:bodyPr rtlCol="0" anchor="ctr"/>
+              <a:lstStyle/>
+              <a:p>
+                <a:pPr algn="ctr"/>
+                <a:r>
+                  <a:rPr kumimoji="1" lang="en-US" altLang="zh-TW" dirty="0" err="1" smtClean="0">
+                    <a:solidFill>
+                      <a:sysClr val="windowText" lastClr="000000"/>
+                    </a:solidFill>
+                  </a:rPr>
+                  <a:t>AboutScreen</a:t>
+                </a:r>
+                <a:endParaRPr kumimoji="1" lang="zh-TW" altLang="en-US" dirty="0">
+                  <a:solidFill>
+                    <a:sysClr val="windowText" lastClr="000000"/>
+                  </a:solidFill>
+                </a:endParaRPr>
+              </a:p>
+            </p:txBody>
+          </p:sp>
+        </p:grpSp>
+        <p:sp>
+          <p:nvSpPr>
+            <p:cNvPr id="33" name="矩形 32"/>
+            <p:cNvSpPr/>
+            <p:nvPr/>
+          </p:nvSpPr>
+          <p:spPr>
+            <a:xfrm>
+              <a:off x="269629" y="2021494"/>
+              <a:ext cx="1922587" cy="657968"/>
+            </a:xfrm>
+            <a:prstGeom prst="rect">
+              <a:avLst/>
+            </a:prstGeom>
+            <a:noFill/>
+            <a:ln>
+              <a:noFill/>
+            </a:ln>
+          </p:spPr>
+          <p:style>
+            <a:lnRef idx="2">
+              <a:schemeClr val="accent1">
+                <a:shade val="50000"/>
+              </a:schemeClr>
+            </a:lnRef>
+            <a:fillRef idx="1">
+              <a:schemeClr val="accent1"/>
+            </a:fillRef>
+            <a:effectRef idx="0">
+              <a:schemeClr val="accent1"/>
+            </a:effectRef>
+            <a:fontRef idx="minor">
+              <a:schemeClr val="lt1"/>
+            </a:fontRef>
+          </p:style>
+          <p:txBody>
+            <a:bodyPr rtlCol="0" anchor="ctr"/>
+            <a:lstStyle/>
+            <a:p>
+              <a:pPr marL="342900" indent="-342900">
+                <a:buFont typeface="+mj-lt"/>
+                <a:buAutoNum type="arabicPeriod"/>
+              </a:pPr>
+              <a:r>
+                <a:rPr kumimoji="1" lang="zh-TW" altLang="en-US" smtClean="0">
+                  <a:solidFill>
+                    <a:sysClr val="windowText" lastClr="000000"/>
+                  </a:solidFill>
+                </a:rPr>
+                <a:t>開發者說明</a:t>
+              </a:r>
+              <a:endParaRPr kumimoji="1" lang="zh-TW" altLang="en-US" dirty="0">
+                <a:solidFill>
+                  <a:sysClr val="windowText" lastClr="000000"/>
+                </a:solidFill>
+              </a:endParaRPr>
+            </a:p>
+          </p:txBody>
+        </p:sp>
+      </p:grpSp>
+    </p:spTree>
+    <p:extLst>
+      <p:ext uri="{BB962C8B-B14F-4D97-AF65-F5344CB8AC3E}">
+        <p14:creationId xmlns:p14="http://schemas.microsoft.com/office/powerpoint/2010/main" val="735796595"/>
+      </p:ext>
+    </p:extLst>
+  </p:cSld>
+  <p:clrMapOvr>
+    <a:masterClrMapping/>
+  </p:clrMapOvr>
+</p:sld>
+</file>
+
+<file path=ppt/slides/slide9.xml><?xml version="1.0" encoding="utf-8"?>
+<p:sld xmlns:a="http://schemas.openxmlformats.org/drawingml/2006/main" xmlns:r="http://schemas.openxmlformats.org/officeDocument/2006/relationships" xmlns:p="http://schemas.openxmlformats.org/presentationml/2006/main">
+  <p:cSld>
+    <p:spTree>
+      <p:nvGrpSpPr>
+        <p:cNvPr id="1" name=""/>
+        <p:cNvGrpSpPr/>
+        <p:nvPr/>
+      </p:nvGrpSpPr>
+      <p:grpSpPr>
+        <a:xfrm>
+          <a:off x="0" y="0"/>
+          <a:ext cx="0" cy="0"/>
+          <a:chOff x="0" y="0"/>
+          <a:chExt cx="0" cy="0"/>
+        </a:xfrm>
+      </p:grpSpPr>
+      <p:grpSp>
+        <p:nvGrpSpPr>
+          <p:cNvPr id="2" name="群組 1"/>
+          <p:cNvGrpSpPr/>
+          <p:nvPr/>
+        </p:nvGrpSpPr>
+        <p:grpSpPr>
+          <a:xfrm>
+            <a:off x="175844" y="402192"/>
+            <a:ext cx="5169879" cy="2624907"/>
+            <a:chOff x="128951" y="-19444"/>
+            <a:chExt cx="5193754" cy="7975829"/>
+          </a:xfrm>
+        </p:grpSpPr>
+        <p:sp>
+          <p:nvSpPr>
+            <p:cNvPr id="3" name="矩形 2"/>
+            <p:cNvSpPr/>
+            <p:nvPr/>
+          </p:nvSpPr>
+          <p:spPr>
+            <a:xfrm>
+              <a:off x="128951" y="187567"/>
+              <a:ext cx="5193754" cy="7768818"/>
+            </a:xfrm>
+            <a:prstGeom prst="rect">
+              <a:avLst/>
+            </a:prstGeom>
+            <a:noFill/>
+            <a:ln w="38100"/>
+          </p:spPr>
+          <p:style>
+            <a:lnRef idx="2">
+              <a:schemeClr val="accent1">
+                <a:shade val="50000"/>
+              </a:schemeClr>
+            </a:lnRef>
+            <a:fillRef idx="1">
+              <a:schemeClr val="accent1"/>
+            </a:fillRef>
+            <a:effectRef idx="0">
+              <a:schemeClr val="accent1"/>
+            </a:effectRef>
+            <a:fontRef idx="minor">
+              <a:schemeClr val="lt1"/>
+            </a:fontRef>
+          </p:style>
+          <p:txBody>
+            <a:bodyPr rtlCol="0" anchor="ctr"/>
+            <a:lstStyle/>
+            <a:p>
+              <a:pPr algn="ctr"/>
+              <a:endParaRPr kumimoji="1" lang="zh-TW" altLang="en-US" dirty="0">
+                <a:solidFill>
+                  <a:schemeClr val="tx1"/>
+                </a:solidFill>
+              </a:endParaRPr>
+            </a:p>
+          </p:txBody>
+        </p:sp>
+        <p:sp>
+          <p:nvSpPr>
+            <p:cNvPr id="4" name="矩形 3"/>
+            <p:cNvSpPr/>
+            <p:nvPr/>
+          </p:nvSpPr>
+          <p:spPr>
+            <a:xfrm>
+              <a:off x="293074" y="-19444"/>
+              <a:ext cx="1497880" cy="394580"/>
+            </a:xfrm>
+            <a:prstGeom prst="rect">
+              <a:avLst/>
+            </a:prstGeom>
+            <a:solidFill>
+              <a:schemeClr val="bg1"/>
+            </a:solidFill>
+            <a:ln>
+              <a:noFill/>
+            </a:ln>
+          </p:spPr>
+          <p:style>
+            <a:lnRef idx="2">
+              <a:schemeClr val="accent1">
+                <a:shade val="50000"/>
+              </a:schemeClr>
+            </a:lnRef>
+            <a:fillRef idx="1">
+              <a:schemeClr val="accent1"/>
+            </a:fillRef>
+            <a:effectRef idx="0">
+              <a:schemeClr val="accent1"/>
+            </a:effectRef>
+            <a:fontRef idx="minor">
+              <a:schemeClr val="lt1"/>
+            </a:fontRef>
+          </p:style>
+          <p:txBody>
+            <a:bodyPr rtlCol="0" anchor="ctr"/>
+            <a:lstStyle/>
+            <a:p>
+              <a:pPr algn="ctr"/>
+              <a:r>
+                <a:rPr kumimoji="1" lang="en-US" altLang="zh-TW" dirty="0" err="1" smtClean="0">
+                  <a:solidFill>
+                    <a:sysClr val="windowText" lastClr="000000"/>
+                  </a:solidFill>
+                </a:rPr>
+                <a:t>Matter.js</a:t>
+              </a:r>
+              <a:endParaRPr kumimoji="1" lang="zh-TW" altLang="en-US" dirty="0">
+                <a:solidFill>
+                  <a:sysClr val="windowText" lastClr="000000"/>
+                </a:solidFill>
+              </a:endParaRPr>
+            </a:p>
+          </p:txBody>
+        </p:sp>
+      </p:grpSp>
+      <p:grpSp>
+        <p:nvGrpSpPr>
+          <p:cNvPr id="6" name="群組 5"/>
+          <p:cNvGrpSpPr/>
+          <p:nvPr/>
+        </p:nvGrpSpPr>
+        <p:grpSpPr>
+          <a:xfrm>
+            <a:off x="339967" y="592644"/>
+            <a:ext cx="4841631" cy="2311855"/>
+            <a:chOff x="128952" y="-19444"/>
+            <a:chExt cx="4766711" cy="4384138"/>
+          </a:xfrm>
+        </p:grpSpPr>
+        <p:sp>
+          <p:nvSpPr>
+            <p:cNvPr id="7" name="矩形 6"/>
+            <p:cNvSpPr/>
+            <p:nvPr/>
+          </p:nvSpPr>
+          <p:spPr>
+            <a:xfrm>
+              <a:off x="128952" y="187568"/>
+              <a:ext cx="4766711" cy="4177126"/>
+            </a:xfrm>
+            <a:prstGeom prst="rect">
+              <a:avLst/>
+            </a:prstGeom>
+            <a:noFill/>
+            <a:ln w="38100"/>
+          </p:spPr>
+          <p:style>
+            <a:lnRef idx="2">
+              <a:schemeClr val="accent1">
+                <a:shade val="50000"/>
+              </a:schemeClr>
+            </a:lnRef>
+            <a:fillRef idx="1">
+              <a:schemeClr val="accent1"/>
+            </a:fillRef>
+            <a:effectRef idx="0">
+              <a:schemeClr val="accent1"/>
+            </a:effectRef>
+            <a:fontRef idx="minor">
+              <a:schemeClr val="lt1"/>
+            </a:fontRef>
+          </p:style>
+          <p:txBody>
+            <a:bodyPr rtlCol="0" anchor="ctr"/>
+            <a:lstStyle/>
+            <a:p>
+              <a:pPr algn="ctr"/>
+              <a:endParaRPr kumimoji="1" lang="zh-TW" altLang="en-US" dirty="0">
+                <a:solidFill>
+                  <a:schemeClr val="tx1"/>
+                </a:solidFill>
+              </a:endParaRPr>
+            </a:p>
+          </p:txBody>
+        </p:sp>
+        <p:sp>
+          <p:nvSpPr>
+            <p:cNvPr id="8" name="矩形 7"/>
+            <p:cNvSpPr/>
+            <p:nvPr/>
+          </p:nvSpPr>
+          <p:spPr>
+            <a:xfrm>
+              <a:off x="293074" y="-19444"/>
+              <a:ext cx="1497880" cy="394580"/>
+            </a:xfrm>
+            <a:prstGeom prst="rect">
+              <a:avLst/>
+            </a:prstGeom>
+            <a:solidFill>
+              <a:schemeClr val="bg1"/>
+            </a:solidFill>
+            <a:ln>
+              <a:noFill/>
+            </a:ln>
+          </p:spPr>
+          <p:style>
+            <a:lnRef idx="2">
+              <a:schemeClr val="accent1">
+                <a:shade val="50000"/>
+              </a:schemeClr>
+            </a:lnRef>
+            <a:fillRef idx="1">
+              <a:schemeClr val="accent1"/>
+            </a:fillRef>
+            <a:effectRef idx="0">
+              <a:schemeClr val="accent1"/>
+            </a:effectRef>
+            <a:fontRef idx="minor">
+              <a:schemeClr val="lt1"/>
+            </a:fontRef>
+          </p:style>
+          <p:txBody>
+            <a:bodyPr rtlCol="0" anchor="ctr"/>
+            <a:lstStyle/>
+            <a:p>
+              <a:pPr algn="ctr"/>
+              <a:r>
+                <a:rPr kumimoji="1" lang="en-US" altLang="zh-TW" dirty="0" smtClean="0">
+                  <a:solidFill>
+                    <a:sysClr val="windowText" lastClr="000000"/>
+                  </a:solidFill>
+                </a:rPr>
+                <a:t>Level1</a:t>
+              </a:r>
+              <a:r>
+                <a:rPr kumimoji="1" lang="zh-TW" altLang="en-US" dirty="0" smtClean="0">
+                  <a:solidFill>
+                    <a:sysClr val="windowText" lastClr="000000"/>
+                  </a:solidFill>
+                </a:rPr>
+                <a:t>、</a:t>
+              </a:r>
+              <a:r>
+                <a:rPr kumimoji="1" lang="en-US" altLang="zh-TW" dirty="0">
+                  <a:solidFill>
+                    <a:sysClr val="windowText" lastClr="000000"/>
+                  </a:solidFill>
+                </a:rPr>
+                <a:t>2</a:t>
+              </a:r>
+              <a:r>
+                <a:rPr kumimoji="1" lang="zh-TW" altLang="en-US" dirty="0" smtClean="0">
+                  <a:solidFill>
+                    <a:sysClr val="windowText" lastClr="000000"/>
+                  </a:solidFill>
+                </a:rPr>
+                <a:t>、</a:t>
+              </a:r>
+              <a:r>
+                <a:rPr kumimoji="1" lang="en-US" altLang="zh-TW" dirty="0" smtClean="0">
+                  <a:solidFill>
+                    <a:sysClr val="windowText" lastClr="000000"/>
+                  </a:solidFill>
+                </a:rPr>
+                <a:t>3</a:t>
+              </a:r>
+              <a:endParaRPr kumimoji="1" lang="zh-TW" altLang="en-US" dirty="0">
+                <a:solidFill>
+                  <a:sysClr val="windowText" lastClr="000000"/>
+                </a:solidFill>
+              </a:endParaRPr>
+            </a:p>
+          </p:txBody>
+        </p:sp>
+      </p:grpSp>
+      <p:sp>
+        <p:nvSpPr>
+          <p:cNvPr id="14" name="文字方塊 13"/>
+          <p:cNvSpPr txBox="1"/>
+          <p:nvPr/>
+        </p:nvSpPr>
+        <p:spPr>
+          <a:xfrm>
+            <a:off x="604446" y="959269"/>
+            <a:ext cx="2398605" cy="1754326"/>
+          </a:xfrm>
+          <a:prstGeom prst="rect">
+            <a:avLst/>
+          </a:prstGeom>
+          <a:noFill/>
+        </p:spPr>
+        <p:txBody>
+          <a:bodyPr wrap="none" rtlCol="0">
+            <a:spAutoFit/>
+          </a:bodyPr>
+          <a:lstStyle/>
+          <a:p>
+            <a:pPr marL="342900" indent="-342900">
+              <a:buFont typeface="+mj-lt"/>
+              <a:buAutoNum type="arabicPeriod"/>
+            </a:pPr>
+            <a:r>
+              <a:rPr kumimoji="1" lang="zh-TW" altLang="en-US" dirty="0" smtClean="0"/>
+              <a:t>英雄</a:t>
+            </a:r>
+            <a:endParaRPr kumimoji="1" lang="en-US" altLang="zh-TW" dirty="0" smtClean="0"/>
+          </a:p>
+          <a:p>
+            <a:pPr marL="342900" indent="-342900">
+              <a:buFont typeface="+mj-lt"/>
+              <a:buAutoNum type="arabicPeriod"/>
+            </a:pPr>
+            <a:r>
+              <a:rPr kumimoji="1" lang="zh-TW" altLang="en-US" dirty="0" smtClean="0"/>
+              <a:t>公主</a:t>
+            </a:r>
+            <a:endParaRPr kumimoji="1" lang="en-US" altLang="zh-TW" dirty="0" smtClean="0"/>
+          </a:p>
+          <a:p>
+            <a:pPr marL="342900" indent="-342900">
+              <a:buFont typeface="+mj-lt"/>
+              <a:buAutoNum type="arabicPeriod"/>
+            </a:pPr>
+            <a:r>
+              <a:rPr kumimoji="1" lang="zh-TW" altLang="en-US" dirty="0" smtClean="0"/>
+              <a:t>地圖</a:t>
+            </a:r>
+            <a:endParaRPr kumimoji="1" lang="en-US" altLang="zh-TW" dirty="0" smtClean="0"/>
+          </a:p>
+          <a:p>
+            <a:pPr marL="342900" indent="-342900">
+              <a:buFont typeface="+mj-lt"/>
+              <a:buAutoNum type="arabicPeriod"/>
+            </a:pPr>
+            <a:r>
+              <a:rPr kumimoji="1" lang="zh-TW" altLang="en-US" dirty="0" smtClean="0"/>
+              <a:t>死亡（</a:t>
+            </a:r>
+            <a:r>
+              <a:rPr kumimoji="1" lang="en-US" altLang="zh-TW" dirty="0" err="1" smtClean="0"/>
+              <a:t>DieScreen</a:t>
+            </a:r>
+            <a:r>
+              <a:rPr kumimoji="1" lang="zh-TW" altLang="en-US" dirty="0" smtClean="0"/>
+              <a:t>）</a:t>
+            </a:r>
+            <a:endParaRPr kumimoji="1" lang="en-US" altLang="zh-TW" dirty="0" smtClean="0"/>
+          </a:p>
+          <a:p>
+            <a:pPr marL="342900" indent="-342900">
+              <a:buFont typeface="+mj-lt"/>
+              <a:buAutoNum type="arabicPeriod"/>
+            </a:pPr>
+            <a:r>
+              <a:rPr kumimoji="1" lang="zh-TW" altLang="en-US" dirty="0" smtClean="0"/>
+              <a:t>返回</a:t>
+            </a:r>
+            <a:r>
+              <a:rPr kumimoji="1" lang="en-US" altLang="zh-TW" dirty="0" err="1" smtClean="0"/>
+              <a:t>ChooseLevel</a:t>
+            </a:r>
+            <a:endParaRPr kumimoji="1" lang="en-US" altLang="zh-TW" dirty="0" smtClean="0"/>
+          </a:p>
+          <a:p>
+            <a:pPr marL="342900" indent="-342900">
+              <a:buFont typeface="+mj-lt"/>
+              <a:buAutoNum type="arabicPeriod"/>
+            </a:pPr>
+            <a:endParaRPr kumimoji="1" lang="en-US" altLang="zh-TW" dirty="0" smtClean="0"/>
+          </a:p>
+        </p:txBody>
+      </p:sp>
+      <p:grpSp>
+        <p:nvGrpSpPr>
+          <p:cNvPr id="15" name="群組 14"/>
+          <p:cNvGrpSpPr/>
+          <p:nvPr/>
+        </p:nvGrpSpPr>
+        <p:grpSpPr>
+          <a:xfrm>
+            <a:off x="175844" y="5536183"/>
+            <a:ext cx="2213084" cy="841172"/>
+            <a:chOff x="128952" y="1865060"/>
+            <a:chExt cx="2213084" cy="841172"/>
+          </a:xfrm>
+        </p:grpSpPr>
+        <p:grpSp>
+          <p:nvGrpSpPr>
+            <p:cNvPr id="16" name="群組 15"/>
+            <p:cNvGrpSpPr/>
+            <p:nvPr/>
+          </p:nvGrpSpPr>
+          <p:grpSpPr>
+            <a:xfrm>
+              <a:off x="128952" y="1865060"/>
+              <a:ext cx="2213084" cy="841172"/>
+              <a:chOff x="128952" y="59040"/>
+              <a:chExt cx="2178838" cy="1595175"/>
+            </a:xfrm>
+          </p:grpSpPr>
+          <p:sp>
+            <p:nvSpPr>
+              <p:cNvPr id="18" name="矩形 17"/>
+              <p:cNvSpPr/>
+              <p:nvPr/>
+            </p:nvSpPr>
+            <p:spPr>
+              <a:xfrm>
+                <a:off x="128952" y="187570"/>
+                <a:ext cx="2178838" cy="1466645"/>
+              </a:xfrm>
+              <a:prstGeom prst="rect">
+                <a:avLst/>
+              </a:prstGeom>
+              <a:noFill/>
+              <a:ln w="38100"/>
+            </p:spPr>
+            <p:style>
+              <a:lnRef idx="2">
+                <a:schemeClr val="accent1">
+                  <a:shade val="50000"/>
+                </a:schemeClr>
+              </a:lnRef>
+              <a:fillRef idx="1">
+                <a:schemeClr val="accent1"/>
+              </a:fillRef>
+              <a:effectRef idx="0">
+                <a:schemeClr val="accent1"/>
+              </a:effectRef>
+              <a:fontRef idx="minor">
+                <a:schemeClr val="lt1"/>
+              </a:fontRef>
+            </p:style>
+            <p:txBody>
+              <a:bodyPr rtlCol="0" anchor="ctr"/>
+              <a:lstStyle/>
+              <a:p>
+                <a:pPr algn="ctr"/>
+                <a:endParaRPr kumimoji="1" lang="zh-TW" altLang="en-US" dirty="0">
+                  <a:solidFill>
+                    <a:schemeClr val="tx1"/>
+                  </a:solidFill>
+                </a:endParaRPr>
+              </a:p>
+            </p:txBody>
+          </p:sp>
+          <p:sp>
+            <p:nvSpPr>
+              <p:cNvPr id="19" name="矩形 18"/>
+              <p:cNvSpPr/>
+              <p:nvPr/>
+            </p:nvSpPr>
+            <p:spPr>
+              <a:xfrm>
+                <a:off x="267452" y="59040"/>
+                <a:ext cx="1786423" cy="425189"/>
+              </a:xfrm>
+              <a:prstGeom prst="rect">
+                <a:avLst/>
+              </a:prstGeom>
+              <a:solidFill>
+                <a:schemeClr val="bg1"/>
+              </a:solidFill>
+              <a:ln>
+                <a:noFill/>
+              </a:ln>
+            </p:spPr>
+            <p:style>
+              <a:lnRef idx="2">
+                <a:schemeClr val="accent1">
+                  <a:shade val="50000"/>
+                </a:schemeClr>
+              </a:lnRef>
+              <a:fillRef idx="1">
+                <a:schemeClr val="accent1"/>
+              </a:fillRef>
+              <a:effectRef idx="0">
+                <a:schemeClr val="accent1"/>
+              </a:effectRef>
+              <a:fontRef idx="minor">
+                <a:schemeClr val="lt1"/>
+              </a:fontRef>
+            </p:style>
+            <p:txBody>
+              <a:bodyPr rtlCol="0" anchor="ctr"/>
+              <a:lstStyle/>
+              <a:p>
+                <a:pPr algn="ctr"/>
+                <a:r>
+                  <a:rPr kumimoji="1" lang="en-US" altLang="zh-TW" smtClean="0">
+                    <a:solidFill>
+                      <a:sysClr val="windowText" lastClr="000000"/>
+                    </a:solidFill>
+                  </a:rPr>
+                  <a:t>OperationScreen</a:t>
+                </a:r>
+                <a:endParaRPr kumimoji="1" lang="zh-TW" altLang="en-US" dirty="0">
+                  <a:solidFill>
+                    <a:sysClr val="windowText" lastClr="000000"/>
+                  </a:solidFill>
+                </a:endParaRPr>
+              </a:p>
+            </p:txBody>
+          </p:sp>
+        </p:grpSp>
+        <p:sp>
+          <p:nvSpPr>
+            <p:cNvPr id="17" name="矩形 16"/>
+            <p:cNvSpPr/>
+            <p:nvPr/>
+          </p:nvSpPr>
+          <p:spPr>
+            <a:xfrm>
+              <a:off x="269629" y="2021494"/>
+              <a:ext cx="2072407" cy="684738"/>
+            </a:xfrm>
+            <a:prstGeom prst="rect">
+              <a:avLst/>
+            </a:prstGeom>
+            <a:noFill/>
+            <a:ln>
+              <a:noFill/>
+            </a:ln>
+          </p:spPr>
+          <p:style>
+            <a:lnRef idx="2">
+              <a:schemeClr val="accent1">
+                <a:shade val="50000"/>
+              </a:schemeClr>
+            </a:lnRef>
+            <a:fillRef idx="1">
+              <a:schemeClr val="accent1"/>
+            </a:fillRef>
+            <a:effectRef idx="0">
+              <a:schemeClr val="accent1"/>
+            </a:effectRef>
+            <a:fontRef idx="minor">
+              <a:schemeClr val="lt1"/>
+            </a:fontRef>
+          </p:style>
+          <p:txBody>
+            <a:bodyPr rtlCol="0" anchor="ctr"/>
+            <a:lstStyle/>
+            <a:p>
+              <a:pPr marL="342900" indent="-342900">
+                <a:buFont typeface="+mj-lt"/>
+                <a:buAutoNum type="arabicPeriod"/>
+              </a:pPr>
+              <a:r>
+                <a:rPr kumimoji="1" lang="zh-TW" altLang="en-US" smtClean="0">
+                  <a:solidFill>
+                    <a:sysClr val="windowText" lastClr="000000"/>
+                  </a:solidFill>
+                </a:rPr>
+                <a:t>遊戲說明畫面</a:t>
+              </a:r>
+              <a:endParaRPr kumimoji="1" lang="zh-TW" altLang="en-US" dirty="0">
+                <a:solidFill>
+                  <a:sysClr val="windowText" lastClr="000000"/>
+                </a:solidFill>
+              </a:endParaRPr>
+            </a:p>
+          </p:txBody>
+        </p:sp>
+      </p:grpSp>
+      <p:grpSp>
+        <p:nvGrpSpPr>
+          <p:cNvPr id="21" name="群組 20"/>
+          <p:cNvGrpSpPr/>
+          <p:nvPr/>
+        </p:nvGrpSpPr>
+        <p:grpSpPr>
+          <a:xfrm>
+            <a:off x="2760782" y="839525"/>
+            <a:ext cx="2213084" cy="841172"/>
+            <a:chOff x="128952" y="1865060"/>
+            <a:chExt cx="2213084" cy="841172"/>
+          </a:xfrm>
+        </p:grpSpPr>
+        <p:grpSp>
+          <p:nvGrpSpPr>
+            <p:cNvPr id="22" name="群組 21"/>
+            <p:cNvGrpSpPr/>
+            <p:nvPr/>
+          </p:nvGrpSpPr>
+          <p:grpSpPr>
+            <a:xfrm>
+              <a:off x="128952" y="1865060"/>
+              <a:ext cx="2213084" cy="841172"/>
+              <a:chOff x="128952" y="59040"/>
+              <a:chExt cx="2178838" cy="1595175"/>
+            </a:xfrm>
+          </p:grpSpPr>
+          <p:sp>
+            <p:nvSpPr>
+              <p:cNvPr id="24" name="矩形 23"/>
+              <p:cNvSpPr/>
+              <p:nvPr/>
+            </p:nvSpPr>
+            <p:spPr>
+              <a:xfrm>
+                <a:off x="128952" y="187570"/>
+                <a:ext cx="2178838" cy="1466645"/>
+              </a:xfrm>
+              <a:prstGeom prst="rect">
+                <a:avLst/>
+              </a:prstGeom>
+              <a:noFill/>
+              <a:ln w="38100"/>
+            </p:spPr>
+            <p:style>
+              <a:lnRef idx="2">
+                <a:schemeClr val="accent1">
+                  <a:shade val="50000"/>
+                </a:schemeClr>
+              </a:lnRef>
+              <a:fillRef idx="1">
+                <a:schemeClr val="accent1"/>
+              </a:fillRef>
+              <a:effectRef idx="0">
+                <a:schemeClr val="accent1"/>
+              </a:effectRef>
+              <a:fontRef idx="minor">
+                <a:schemeClr val="lt1"/>
+              </a:fontRef>
+            </p:style>
+            <p:txBody>
+              <a:bodyPr rtlCol="0" anchor="ctr"/>
+              <a:lstStyle/>
+              <a:p>
+                <a:pPr algn="ctr"/>
+                <a:endParaRPr kumimoji="1" lang="zh-TW" altLang="en-US" dirty="0">
+                  <a:solidFill>
+                    <a:schemeClr val="tx1"/>
+                  </a:solidFill>
+                </a:endParaRPr>
+              </a:p>
+            </p:txBody>
+          </p:sp>
+          <p:sp>
+            <p:nvSpPr>
+              <p:cNvPr id="25" name="矩形 24"/>
+              <p:cNvSpPr/>
+              <p:nvPr/>
+            </p:nvSpPr>
+            <p:spPr>
+              <a:xfrm>
+                <a:off x="267453" y="59040"/>
+                <a:ext cx="938109" cy="356884"/>
+              </a:xfrm>
+              <a:prstGeom prst="rect">
+                <a:avLst/>
+              </a:prstGeom>
+              <a:solidFill>
+                <a:schemeClr val="bg1"/>
+              </a:solidFill>
+              <a:ln>
+                <a:noFill/>
+              </a:ln>
+            </p:spPr>
+            <p:style>
+              <a:lnRef idx="2">
+                <a:schemeClr val="accent1">
+                  <a:shade val="50000"/>
+                </a:schemeClr>
+              </a:lnRef>
+              <a:fillRef idx="1">
+                <a:schemeClr val="accent1"/>
+              </a:fillRef>
+              <a:effectRef idx="0">
+                <a:schemeClr val="accent1"/>
+              </a:effectRef>
+              <a:fontRef idx="minor">
+                <a:schemeClr val="lt1"/>
+              </a:fontRef>
+            </p:style>
+            <p:txBody>
+              <a:bodyPr rtlCol="0" anchor="ctr"/>
+              <a:lstStyle/>
+              <a:p>
+                <a:pPr algn="ctr"/>
+                <a:r>
+                  <a:rPr kumimoji="1" lang="en-US" altLang="zh-TW" dirty="0" smtClean="0">
+                    <a:solidFill>
+                      <a:sysClr val="windowText" lastClr="000000"/>
+                    </a:solidFill>
+                  </a:rPr>
+                  <a:t>Level3</a:t>
+                </a:r>
+                <a:endParaRPr kumimoji="1" lang="zh-TW" altLang="en-US" dirty="0">
+                  <a:solidFill>
+                    <a:sysClr val="windowText" lastClr="000000"/>
+                  </a:solidFill>
+                </a:endParaRPr>
+              </a:p>
+            </p:txBody>
+          </p:sp>
+        </p:grpSp>
+        <p:sp>
+          <p:nvSpPr>
+            <p:cNvPr id="23" name="矩形 22"/>
+            <p:cNvSpPr/>
+            <p:nvPr/>
+          </p:nvSpPr>
+          <p:spPr>
+            <a:xfrm>
+              <a:off x="269629" y="2021494"/>
+              <a:ext cx="2072407" cy="684738"/>
+            </a:xfrm>
+            <a:prstGeom prst="rect">
+              <a:avLst/>
+            </a:prstGeom>
+            <a:noFill/>
+            <a:ln>
+              <a:noFill/>
+            </a:ln>
+          </p:spPr>
+          <p:style>
+            <a:lnRef idx="2">
+              <a:schemeClr val="accent1">
+                <a:shade val="50000"/>
+              </a:schemeClr>
+            </a:lnRef>
+            <a:fillRef idx="1">
+              <a:schemeClr val="accent1"/>
+            </a:fillRef>
+            <a:effectRef idx="0">
+              <a:schemeClr val="accent1"/>
+            </a:effectRef>
+            <a:fontRef idx="minor">
+              <a:schemeClr val="lt1"/>
+            </a:fontRef>
+          </p:style>
+          <p:txBody>
+            <a:bodyPr rtlCol="0" anchor="ctr"/>
+            <a:lstStyle/>
+            <a:p>
+              <a:pPr marL="342900" indent="-342900">
+                <a:buFont typeface="+mj-lt"/>
+                <a:buAutoNum type="arabicPeriod"/>
+              </a:pPr>
+              <a:r>
+                <a:rPr kumimoji="1" lang="en-US" altLang="zh-TW" dirty="0" smtClean="0">
+                  <a:solidFill>
+                    <a:sysClr val="windowText" lastClr="000000"/>
+                  </a:solidFill>
+                </a:rPr>
+                <a:t>Boss</a:t>
+              </a:r>
+            </a:p>
+            <a:p>
+              <a:pPr marL="342900" indent="-342900">
+                <a:buFont typeface="+mj-lt"/>
+                <a:buAutoNum type="arabicPeriod"/>
+              </a:pPr>
+              <a:r>
+                <a:rPr kumimoji="1" lang="zh-TW" altLang="en-US" dirty="0" smtClean="0">
+                  <a:solidFill>
+                    <a:sysClr val="windowText" lastClr="000000"/>
+                  </a:solidFill>
+                </a:rPr>
+                <a:t>發射武器</a:t>
+              </a:r>
+              <a:endParaRPr kumimoji="1" lang="zh-TW" altLang="en-US" dirty="0">
+                <a:solidFill>
+                  <a:sysClr val="windowText" lastClr="000000"/>
+                </a:solidFill>
+              </a:endParaRPr>
+            </a:p>
+          </p:txBody>
+        </p:sp>
+      </p:grpSp>
+      <p:grpSp>
+        <p:nvGrpSpPr>
+          <p:cNvPr id="26" name="群組 25"/>
+          <p:cNvGrpSpPr/>
+          <p:nvPr/>
+        </p:nvGrpSpPr>
+        <p:grpSpPr>
+          <a:xfrm>
+            <a:off x="4642335" y="3408608"/>
+            <a:ext cx="2546400" cy="964100"/>
+            <a:chOff x="128951" y="1865060"/>
+            <a:chExt cx="2625974" cy="841172"/>
+          </a:xfrm>
+        </p:grpSpPr>
+        <p:grpSp>
+          <p:nvGrpSpPr>
+            <p:cNvPr id="27" name="群組 26"/>
+            <p:cNvGrpSpPr/>
+            <p:nvPr/>
+          </p:nvGrpSpPr>
+          <p:grpSpPr>
+            <a:xfrm>
+              <a:off x="128951" y="1865060"/>
+              <a:ext cx="2625974" cy="841172"/>
+              <a:chOff x="128951" y="59040"/>
+              <a:chExt cx="2585339" cy="1595175"/>
+            </a:xfrm>
+          </p:grpSpPr>
+          <p:sp>
+            <p:nvSpPr>
+              <p:cNvPr id="29" name="矩形 28"/>
+              <p:cNvSpPr/>
+              <p:nvPr/>
+            </p:nvSpPr>
+            <p:spPr>
+              <a:xfrm>
+                <a:off x="128951" y="187571"/>
+                <a:ext cx="2585339" cy="1466644"/>
+              </a:xfrm>
+              <a:prstGeom prst="rect">
+                <a:avLst/>
+              </a:prstGeom>
+              <a:noFill/>
+              <a:ln w="38100"/>
+            </p:spPr>
+            <p:style>
+              <a:lnRef idx="2">
+                <a:schemeClr val="accent1">
+                  <a:shade val="50000"/>
+                </a:schemeClr>
+              </a:lnRef>
+              <a:fillRef idx="1">
+                <a:schemeClr val="accent1"/>
+              </a:fillRef>
+              <a:effectRef idx="0">
+                <a:schemeClr val="accent1"/>
+              </a:effectRef>
+              <a:fontRef idx="minor">
+                <a:schemeClr val="lt1"/>
+              </a:fontRef>
+            </p:style>
+            <p:txBody>
+              <a:bodyPr rtlCol="0" anchor="ctr"/>
+              <a:lstStyle/>
+              <a:p>
+                <a:pPr algn="ctr"/>
+                <a:endParaRPr kumimoji="1" lang="zh-TW" altLang="en-US" dirty="0">
+                  <a:solidFill>
+                    <a:schemeClr val="tx1"/>
+                  </a:solidFill>
+                </a:endParaRPr>
+              </a:p>
+            </p:txBody>
+          </p:sp>
+          <p:sp>
+            <p:nvSpPr>
+              <p:cNvPr id="30" name="矩形 29"/>
+              <p:cNvSpPr/>
+              <p:nvPr/>
+            </p:nvSpPr>
+            <p:spPr>
+              <a:xfrm>
+                <a:off x="267452" y="59040"/>
+                <a:ext cx="773295" cy="296657"/>
+              </a:xfrm>
+              <a:prstGeom prst="rect">
+                <a:avLst/>
+              </a:prstGeom>
+              <a:solidFill>
+                <a:schemeClr val="bg1"/>
+              </a:solidFill>
+              <a:ln>
+                <a:noFill/>
+              </a:ln>
+            </p:spPr>
+            <p:style>
+              <a:lnRef idx="2">
+                <a:schemeClr val="accent1">
+                  <a:shade val="50000"/>
+                </a:schemeClr>
+              </a:lnRef>
+              <a:fillRef idx="1">
+                <a:schemeClr val="accent1"/>
+              </a:fillRef>
+              <a:effectRef idx="0">
+                <a:schemeClr val="accent1"/>
+              </a:effectRef>
+              <a:fontRef idx="minor">
+                <a:schemeClr val="lt1"/>
+              </a:fontRef>
+            </p:style>
+            <p:txBody>
+              <a:bodyPr rtlCol="0" anchor="ctr"/>
+              <a:lstStyle/>
+              <a:p>
+                <a:pPr algn="ctr"/>
+                <a:r>
+                  <a:rPr kumimoji="1" lang="en-US" altLang="zh-TW" smtClean="0">
+                    <a:solidFill>
+                      <a:sysClr val="windowText" lastClr="000000"/>
+                    </a:solidFill>
+                  </a:rPr>
+                  <a:t>Bag</a:t>
+                </a:r>
+                <a:endParaRPr kumimoji="1" lang="zh-TW" altLang="en-US" dirty="0">
+                  <a:solidFill>
+                    <a:sysClr val="windowText" lastClr="000000"/>
+                  </a:solidFill>
+                </a:endParaRPr>
+              </a:p>
+            </p:txBody>
+          </p:sp>
+        </p:grpSp>
+        <p:sp>
+          <p:nvSpPr>
+            <p:cNvPr id="28" name="矩形 27"/>
+            <p:cNvSpPr/>
+            <p:nvPr/>
+          </p:nvSpPr>
+          <p:spPr>
+            <a:xfrm>
+              <a:off x="269629" y="2021494"/>
+              <a:ext cx="2485295" cy="684738"/>
+            </a:xfrm>
+            <a:prstGeom prst="rect">
+              <a:avLst/>
+            </a:prstGeom>
+            <a:noFill/>
+            <a:ln>
+              <a:noFill/>
+            </a:ln>
+          </p:spPr>
+          <p:style>
+            <a:lnRef idx="2">
+              <a:schemeClr val="accent1">
+                <a:shade val="50000"/>
+              </a:schemeClr>
+            </a:lnRef>
+            <a:fillRef idx="1">
+              <a:schemeClr val="accent1"/>
+            </a:fillRef>
+            <a:effectRef idx="0">
+              <a:schemeClr val="accent1"/>
+            </a:effectRef>
+            <a:fontRef idx="minor">
+              <a:schemeClr val="lt1"/>
+            </a:fontRef>
+          </p:style>
+          <p:txBody>
+            <a:bodyPr rtlCol="0" anchor="ctr"/>
+            <a:lstStyle/>
+            <a:p>
+              <a:pPr marL="342900" indent="-342900">
+                <a:buFont typeface="+mj-lt"/>
+                <a:buAutoNum type="arabicPeriod"/>
+              </a:pPr>
+              <a:r>
+                <a:rPr kumimoji="1" lang="zh-TW" altLang="en-US" dirty="0" smtClean="0">
+                  <a:solidFill>
+                    <a:sysClr val="windowText" lastClr="000000"/>
+                  </a:solidFill>
+                </a:rPr>
+                <a:t>顯示獲得的道具</a:t>
+              </a:r>
+              <a:endParaRPr kumimoji="1" lang="en-US" altLang="zh-TW" dirty="0" smtClean="0">
+                <a:solidFill>
+                  <a:sysClr val="windowText" lastClr="000000"/>
+                </a:solidFill>
+              </a:endParaRPr>
+            </a:p>
+            <a:p>
+              <a:pPr marL="342900" indent="-342900">
+                <a:buFont typeface="+mj-lt"/>
+                <a:buAutoNum type="arabicPeriod"/>
+              </a:pPr>
+              <a:r>
+                <a:rPr kumimoji="1" lang="zh-TW" altLang="en-US" dirty="0" smtClean="0">
+                  <a:solidFill>
+                    <a:sysClr val="windowText" lastClr="000000"/>
+                  </a:solidFill>
+                </a:rPr>
+                <a:t>可以查看道具訊息</a:t>
+              </a:r>
+              <a:endParaRPr kumimoji="1" lang="zh-TW" altLang="en-US" dirty="0">
+                <a:solidFill>
+                  <a:sysClr val="windowText" lastClr="000000"/>
+                </a:solidFill>
+              </a:endParaRPr>
+            </a:p>
+          </p:txBody>
+        </p:sp>
+      </p:grpSp>
+      <p:grpSp>
+        <p:nvGrpSpPr>
+          <p:cNvPr id="31" name="群組 30"/>
+          <p:cNvGrpSpPr/>
+          <p:nvPr/>
+        </p:nvGrpSpPr>
+        <p:grpSpPr>
+          <a:xfrm>
+            <a:off x="4642334" y="5087816"/>
+            <a:ext cx="2297728" cy="672581"/>
+            <a:chOff x="128951" y="1835313"/>
+            <a:chExt cx="2369531" cy="586823"/>
+          </a:xfrm>
+        </p:grpSpPr>
+        <p:grpSp>
+          <p:nvGrpSpPr>
+            <p:cNvPr id="32" name="群組 31"/>
+            <p:cNvGrpSpPr/>
+            <p:nvPr/>
+          </p:nvGrpSpPr>
+          <p:grpSpPr>
+            <a:xfrm>
+              <a:off x="128951" y="1835313"/>
+              <a:ext cx="2369531" cy="586823"/>
+              <a:chOff x="128951" y="2629"/>
+              <a:chExt cx="2332864" cy="1112834"/>
+            </a:xfrm>
+          </p:grpSpPr>
+          <p:sp>
+            <p:nvSpPr>
+              <p:cNvPr id="34" name="矩形 33"/>
+              <p:cNvSpPr/>
+              <p:nvPr/>
+            </p:nvSpPr>
+            <p:spPr>
+              <a:xfrm>
+                <a:off x="128951" y="187571"/>
+                <a:ext cx="2332864" cy="927892"/>
+              </a:xfrm>
+              <a:prstGeom prst="rect">
+                <a:avLst/>
+              </a:prstGeom>
+              <a:noFill/>
+              <a:ln w="38100"/>
+            </p:spPr>
+            <p:style>
+              <a:lnRef idx="2">
+                <a:schemeClr val="accent1">
+                  <a:shade val="50000"/>
+                </a:schemeClr>
+              </a:lnRef>
+              <a:fillRef idx="1">
+                <a:schemeClr val="accent1"/>
+              </a:fillRef>
+              <a:effectRef idx="0">
+                <a:schemeClr val="accent1"/>
+              </a:effectRef>
+              <a:fontRef idx="minor">
+                <a:schemeClr val="lt1"/>
+              </a:fontRef>
+            </p:style>
+            <p:txBody>
+              <a:bodyPr rtlCol="0" anchor="ctr"/>
+              <a:lstStyle/>
+              <a:p>
+                <a:pPr algn="ctr"/>
+                <a:endParaRPr kumimoji="1" lang="zh-TW" altLang="en-US" dirty="0">
+                  <a:solidFill>
+                    <a:schemeClr val="tx1"/>
+                  </a:solidFill>
+                </a:endParaRPr>
+              </a:p>
+            </p:txBody>
+          </p:sp>
+          <p:sp>
+            <p:nvSpPr>
+              <p:cNvPr id="35" name="矩形 34"/>
+              <p:cNvSpPr/>
+              <p:nvPr/>
+            </p:nvSpPr>
+            <p:spPr>
+              <a:xfrm>
+                <a:off x="267451" y="2629"/>
+                <a:ext cx="1575441" cy="353070"/>
+              </a:xfrm>
+              <a:prstGeom prst="rect">
+                <a:avLst/>
+              </a:prstGeom>
+              <a:solidFill>
+                <a:schemeClr val="bg1"/>
+              </a:solidFill>
+              <a:ln>
+                <a:noFill/>
+              </a:ln>
+            </p:spPr>
+            <p:style>
+              <a:lnRef idx="2">
+                <a:schemeClr val="accent1">
+                  <a:shade val="50000"/>
+                </a:schemeClr>
+              </a:lnRef>
+              <a:fillRef idx="1">
+                <a:schemeClr val="accent1"/>
+              </a:fillRef>
+              <a:effectRef idx="0">
+                <a:schemeClr val="accent1"/>
+              </a:effectRef>
+              <a:fontRef idx="minor">
+                <a:schemeClr val="lt1"/>
+              </a:fontRef>
+            </p:style>
+            <p:txBody>
+              <a:bodyPr rtlCol="0" anchor="ctr"/>
+              <a:lstStyle/>
+              <a:p>
+                <a:pPr algn="ctr"/>
+                <a:r>
+                  <a:rPr kumimoji="1" lang="en-US" altLang="zh-TW" smtClean="0">
+                    <a:solidFill>
+                      <a:sysClr val="windowText" lastClr="000000"/>
+                    </a:solidFill>
+                  </a:rPr>
+                  <a:t>RecordScreen</a:t>
+                </a:r>
+                <a:endParaRPr kumimoji="1" lang="zh-TW" altLang="en-US" dirty="0">
+                  <a:solidFill>
+                    <a:sysClr val="windowText" lastClr="000000"/>
+                  </a:solidFill>
+                </a:endParaRPr>
+              </a:p>
+            </p:txBody>
+          </p:sp>
+        </p:grpSp>
+        <p:sp>
+          <p:nvSpPr>
+            <p:cNvPr id="33" name="矩形 32"/>
+            <p:cNvSpPr/>
+            <p:nvPr/>
+          </p:nvSpPr>
+          <p:spPr>
+            <a:xfrm>
+              <a:off x="269629" y="2021494"/>
+              <a:ext cx="2083780" cy="400642"/>
+            </a:xfrm>
+            <a:prstGeom prst="rect">
+              <a:avLst/>
+            </a:prstGeom>
+            <a:noFill/>
+            <a:ln>
+              <a:noFill/>
+            </a:ln>
+          </p:spPr>
+          <p:style>
+            <a:lnRef idx="2">
+              <a:schemeClr val="accent1">
+                <a:shade val="50000"/>
+              </a:schemeClr>
+            </a:lnRef>
+            <a:fillRef idx="1">
+              <a:schemeClr val="accent1"/>
+            </a:fillRef>
+            <a:effectRef idx="0">
+              <a:schemeClr val="accent1"/>
+            </a:effectRef>
+            <a:fontRef idx="minor">
+              <a:schemeClr val="lt1"/>
+            </a:fontRef>
+          </p:style>
+          <p:txBody>
+            <a:bodyPr rtlCol="0" anchor="ctr"/>
+            <a:lstStyle/>
+            <a:p>
+              <a:pPr marL="342900" indent="-342900">
+                <a:buFont typeface="+mj-lt"/>
+                <a:buAutoNum type="arabicPeriod"/>
+              </a:pPr>
+              <a:r>
+                <a:rPr kumimoji="1" lang="zh-TW" altLang="en-US" dirty="0" smtClean="0">
+                  <a:solidFill>
+                    <a:sysClr val="windowText" lastClr="000000"/>
+                  </a:solidFill>
+                </a:rPr>
+                <a:t>顯示通關紀錄</a:t>
+              </a:r>
+              <a:endParaRPr kumimoji="1" lang="zh-TW" altLang="en-US" dirty="0">
+                <a:solidFill>
+                  <a:sysClr val="windowText" lastClr="000000"/>
+                </a:solidFill>
+              </a:endParaRPr>
+            </a:p>
+          </p:txBody>
+        </p:sp>
+      </p:grpSp>
+      <p:grpSp>
+        <p:nvGrpSpPr>
+          <p:cNvPr id="36" name="群組 35"/>
+          <p:cNvGrpSpPr/>
+          <p:nvPr/>
+        </p:nvGrpSpPr>
+        <p:grpSpPr>
+          <a:xfrm>
+            <a:off x="6054080" y="2005708"/>
+            <a:ext cx="3246770" cy="964100"/>
+            <a:chOff x="128951" y="1865060"/>
+            <a:chExt cx="3348230" cy="841172"/>
+          </a:xfrm>
+        </p:grpSpPr>
+        <p:grpSp>
+          <p:nvGrpSpPr>
+            <p:cNvPr id="37" name="群組 36"/>
+            <p:cNvGrpSpPr/>
+            <p:nvPr/>
+          </p:nvGrpSpPr>
+          <p:grpSpPr>
+            <a:xfrm>
+              <a:off x="128951" y="1865060"/>
+              <a:ext cx="3348230" cy="841172"/>
+              <a:chOff x="128951" y="59040"/>
+              <a:chExt cx="3296419" cy="1595175"/>
+            </a:xfrm>
+          </p:grpSpPr>
+          <p:sp>
+            <p:nvSpPr>
+              <p:cNvPr id="39" name="矩形 38"/>
+              <p:cNvSpPr/>
+              <p:nvPr/>
+            </p:nvSpPr>
+            <p:spPr>
+              <a:xfrm>
+                <a:off x="128951" y="187571"/>
+                <a:ext cx="3296419" cy="1466644"/>
+              </a:xfrm>
+              <a:prstGeom prst="rect">
+                <a:avLst/>
+              </a:prstGeom>
+              <a:noFill/>
+              <a:ln w="38100"/>
+            </p:spPr>
+            <p:style>
+              <a:lnRef idx="2">
+                <a:schemeClr val="accent1">
+                  <a:shade val="50000"/>
+                </a:schemeClr>
+              </a:lnRef>
+              <a:fillRef idx="1">
+                <a:schemeClr val="accent1"/>
+              </a:fillRef>
+              <a:effectRef idx="0">
+                <a:schemeClr val="accent1"/>
+              </a:effectRef>
+              <a:fontRef idx="minor">
+                <a:schemeClr val="lt1"/>
+              </a:fontRef>
+            </p:style>
+            <p:txBody>
+              <a:bodyPr rtlCol="0" anchor="ctr"/>
+              <a:lstStyle/>
+              <a:p>
+                <a:pPr algn="ctr"/>
+                <a:endParaRPr kumimoji="1" lang="zh-TW" altLang="en-US" dirty="0">
+                  <a:solidFill>
+                    <a:schemeClr val="tx1"/>
+                  </a:solidFill>
+                </a:endParaRPr>
+              </a:p>
+            </p:txBody>
+          </p:sp>
+          <p:sp>
+            <p:nvSpPr>
+              <p:cNvPr id="40" name="矩形 39"/>
+              <p:cNvSpPr/>
+              <p:nvPr/>
+            </p:nvSpPr>
+            <p:spPr>
+              <a:xfrm>
+                <a:off x="267452" y="59040"/>
+                <a:ext cx="1332341" cy="296657"/>
+              </a:xfrm>
+              <a:prstGeom prst="rect">
+                <a:avLst/>
+              </a:prstGeom>
+              <a:solidFill>
+                <a:schemeClr val="bg1"/>
+              </a:solidFill>
+              <a:ln>
+                <a:noFill/>
+              </a:ln>
+            </p:spPr>
+            <p:style>
+              <a:lnRef idx="2">
+                <a:schemeClr val="accent1">
+                  <a:shade val="50000"/>
+                </a:schemeClr>
+              </a:lnRef>
+              <a:fillRef idx="1">
+                <a:schemeClr val="accent1"/>
+              </a:fillRef>
+              <a:effectRef idx="0">
+                <a:schemeClr val="accent1"/>
+              </a:effectRef>
+              <a:fontRef idx="minor">
+                <a:schemeClr val="lt1"/>
+              </a:fontRef>
+            </p:style>
+            <p:txBody>
+              <a:bodyPr rtlCol="0" anchor="ctr"/>
+              <a:lstStyle/>
+              <a:p>
+                <a:pPr algn="ctr"/>
+                <a:r>
+                  <a:rPr kumimoji="1" lang="en-US" altLang="zh-TW" dirty="0" err="1" smtClean="0">
+                    <a:solidFill>
+                      <a:sysClr val="windowText" lastClr="000000"/>
+                    </a:solidFill>
+                  </a:rPr>
+                  <a:t>DieScreen</a:t>
+                </a:r>
+                <a:endParaRPr kumimoji="1" lang="zh-TW" altLang="en-US" dirty="0">
+                  <a:solidFill>
+                    <a:sysClr val="windowText" lastClr="000000"/>
+                  </a:solidFill>
+                </a:endParaRPr>
+              </a:p>
+            </p:txBody>
+          </p:sp>
+        </p:grpSp>
+        <p:sp>
+          <p:nvSpPr>
+            <p:cNvPr id="38" name="矩形 37"/>
+            <p:cNvSpPr/>
+            <p:nvPr/>
+          </p:nvSpPr>
+          <p:spPr>
+            <a:xfrm>
+              <a:off x="269629" y="2021494"/>
+              <a:ext cx="2485295" cy="684738"/>
+            </a:xfrm>
+            <a:prstGeom prst="rect">
+              <a:avLst/>
+            </a:prstGeom>
+            <a:noFill/>
+            <a:ln>
+              <a:noFill/>
+            </a:ln>
+          </p:spPr>
+          <p:style>
+            <a:lnRef idx="2">
+              <a:schemeClr val="accent1">
+                <a:shade val="50000"/>
+              </a:schemeClr>
+            </a:lnRef>
+            <a:fillRef idx="1">
+              <a:schemeClr val="accent1"/>
+            </a:fillRef>
+            <a:effectRef idx="0">
+              <a:schemeClr val="accent1"/>
+            </a:effectRef>
+            <a:fontRef idx="minor">
+              <a:schemeClr val="lt1"/>
+            </a:fontRef>
+          </p:style>
+          <p:txBody>
+            <a:bodyPr rtlCol="0" anchor="ctr"/>
+            <a:lstStyle/>
+            <a:p>
+              <a:pPr marL="342900" indent="-342900">
+                <a:buFont typeface="+mj-lt"/>
+                <a:buAutoNum type="arabicPeriod"/>
+              </a:pPr>
+              <a:endParaRPr kumimoji="1" lang="zh-TW" altLang="en-US" dirty="0">
+                <a:solidFill>
+                  <a:sysClr val="windowText" lastClr="000000"/>
+                </a:solidFill>
+              </a:endParaRPr>
+            </a:p>
+          </p:txBody>
+        </p:sp>
+      </p:grpSp>
+      <p:sp>
+        <p:nvSpPr>
+          <p:cNvPr id="41" name="文字方塊 40"/>
+          <p:cNvSpPr txBox="1"/>
+          <p:nvPr/>
+        </p:nvSpPr>
+        <p:spPr>
+          <a:xfrm>
+            <a:off x="6142429" y="2262685"/>
+            <a:ext cx="3070071" cy="646331"/>
+          </a:xfrm>
+          <a:prstGeom prst="rect">
+            <a:avLst/>
+          </a:prstGeom>
+          <a:noFill/>
+        </p:spPr>
+        <p:txBody>
+          <a:bodyPr wrap="none" rtlCol="0">
+            <a:spAutoFit/>
+          </a:bodyPr>
+          <a:lstStyle/>
+          <a:p>
+            <a:pPr marL="342900" indent="-342900">
+              <a:buFont typeface="+mj-lt"/>
+              <a:buAutoNum type="arabicPeriod"/>
+            </a:pPr>
+            <a:r>
+              <a:rPr kumimoji="1" lang="zh-TW" altLang="en-US" dirty="0" smtClean="0"/>
+              <a:t>顯示玩家ＩＱ</a:t>
+            </a:r>
+            <a:endParaRPr kumimoji="1" lang="en-US" altLang="zh-TW" dirty="0" smtClean="0"/>
+          </a:p>
+          <a:p>
+            <a:pPr marL="342900" indent="-342900">
+              <a:buFont typeface="+mj-lt"/>
+              <a:buAutoNum type="arabicPeriod"/>
+            </a:pPr>
+            <a:r>
+              <a:rPr kumimoji="1" lang="zh-TW" altLang="en-US" dirty="0" smtClean="0"/>
+              <a:t>過一段時間返回遊戲畫面</a:t>
+            </a:r>
+            <a:endParaRPr kumimoji="1" lang="zh-TW" altLang="en-US" dirty="0"/>
+          </a:p>
+        </p:txBody>
+      </p:sp>
+    </p:spTree>
+    <p:extLst>
+      <p:ext uri="{BB962C8B-B14F-4D97-AF65-F5344CB8AC3E}">
+        <p14:creationId xmlns:p14="http://schemas.microsoft.com/office/powerpoint/2010/main" val="602723006"/>
       </p:ext>
     </p:extLst>
   </p:cSld>

--- a/images/簡報1.pptx
+++ b/images/簡報1.pptx
@@ -15529,7 +15529,7 @@
           <a:p>
             <a:fld id="{717A0F8B-93E4-D94C-A23F-3BFE25CA288E}" type="datetimeFigureOut">
               <a:rPr kumimoji="1" lang="zh-TW" altLang="en-US" smtClean="0"/>
-              <a:t>2018/6/10</a:t>
+              <a:t>2018/6/11</a:t>
             </a:fld>
             <a:endParaRPr kumimoji="1" lang="zh-TW" altLang="en-US"/>
           </a:p>
@@ -15928,7 +15928,7 @@
           <a:p>
             <a:fld id="{C5A3AF4C-25B1-F44B-852B-3193A0C807C6}" type="datetimeFigureOut">
               <a:rPr kumimoji="1" lang="zh-TW" altLang="en-US" smtClean="0"/>
-              <a:t>2018/6/10</a:t>
+              <a:t>2018/6/11</a:t>
             </a:fld>
             <a:endParaRPr kumimoji="1" lang="zh-TW" altLang="en-US"/>
           </a:p>
@@ -16093,7 +16093,7 @@
           <a:p>
             <a:fld id="{C5A3AF4C-25B1-F44B-852B-3193A0C807C6}" type="datetimeFigureOut">
               <a:rPr kumimoji="1" lang="zh-TW" altLang="en-US" smtClean="0"/>
-              <a:t>2018/6/10</a:t>
+              <a:t>2018/6/11</a:t>
             </a:fld>
             <a:endParaRPr kumimoji="1" lang="zh-TW" altLang="en-US"/>
           </a:p>
@@ -16268,7 +16268,7 @@
           <a:p>
             <a:fld id="{C5A3AF4C-25B1-F44B-852B-3193A0C807C6}" type="datetimeFigureOut">
               <a:rPr kumimoji="1" lang="zh-TW" altLang="en-US" smtClean="0"/>
-              <a:t>2018/6/10</a:t>
+              <a:t>2018/6/11</a:t>
             </a:fld>
             <a:endParaRPr kumimoji="1" lang="zh-TW" altLang="en-US"/>
           </a:p>
@@ -16433,7 +16433,7 @@
           <a:p>
             <a:fld id="{C5A3AF4C-25B1-F44B-852B-3193A0C807C6}" type="datetimeFigureOut">
               <a:rPr kumimoji="1" lang="zh-TW" altLang="en-US" smtClean="0"/>
-              <a:t>2018/6/10</a:t>
+              <a:t>2018/6/11</a:t>
             </a:fld>
             <a:endParaRPr kumimoji="1" lang="zh-TW" altLang="en-US"/>
           </a:p>
@@ -16672,7 +16672,7 @@
           <a:p>
             <a:fld id="{C5A3AF4C-25B1-F44B-852B-3193A0C807C6}" type="datetimeFigureOut">
               <a:rPr kumimoji="1" lang="zh-TW" altLang="en-US" smtClean="0"/>
-              <a:t>2018/6/10</a:t>
+              <a:t>2018/6/11</a:t>
             </a:fld>
             <a:endParaRPr kumimoji="1" lang="zh-TW" altLang="en-US"/>
           </a:p>
@@ -16899,7 +16899,7 @@
           <a:p>
             <a:fld id="{C5A3AF4C-25B1-F44B-852B-3193A0C807C6}" type="datetimeFigureOut">
               <a:rPr kumimoji="1" lang="zh-TW" altLang="en-US" smtClean="0"/>
-              <a:t>2018/6/10</a:t>
+              <a:t>2018/6/11</a:t>
             </a:fld>
             <a:endParaRPr kumimoji="1" lang="zh-TW" altLang="en-US"/>
           </a:p>
@@ -17261,7 +17261,7 @@
           <a:p>
             <a:fld id="{C5A3AF4C-25B1-F44B-852B-3193A0C807C6}" type="datetimeFigureOut">
               <a:rPr kumimoji="1" lang="zh-TW" altLang="en-US" smtClean="0"/>
-              <a:t>2018/6/10</a:t>
+              <a:t>2018/6/11</a:t>
             </a:fld>
             <a:endParaRPr kumimoji="1" lang="zh-TW" altLang="en-US"/>
           </a:p>
@@ -17374,7 +17374,7 @@
           <a:p>
             <a:fld id="{C5A3AF4C-25B1-F44B-852B-3193A0C807C6}" type="datetimeFigureOut">
               <a:rPr kumimoji="1" lang="zh-TW" altLang="en-US" smtClean="0"/>
-              <a:t>2018/6/10</a:t>
+              <a:t>2018/6/11</a:t>
             </a:fld>
             <a:endParaRPr kumimoji="1" lang="zh-TW" altLang="en-US"/>
           </a:p>
@@ -17464,7 +17464,7 @@
           <a:p>
             <a:fld id="{C5A3AF4C-25B1-F44B-852B-3193A0C807C6}" type="datetimeFigureOut">
               <a:rPr kumimoji="1" lang="zh-TW" altLang="en-US" smtClean="0"/>
-              <a:t>2018/6/10</a:t>
+              <a:t>2018/6/11</a:t>
             </a:fld>
             <a:endParaRPr kumimoji="1" lang="zh-TW" altLang="en-US"/>
           </a:p>
@@ -17736,7 +17736,7 @@
           <a:p>
             <a:fld id="{C5A3AF4C-25B1-F44B-852B-3193A0C807C6}" type="datetimeFigureOut">
               <a:rPr kumimoji="1" lang="zh-TW" altLang="en-US" smtClean="0"/>
-              <a:t>2018/6/10</a:t>
+              <a:t>2018/6/11</a:t>
             </a:fld>
             <a:endParaRPr kumimoji="1" lang="zh-TW" altLang="en-US"/>
           </a:p>
@@ -17988,7 +17988,7 @@
           <a:p>
             <a:fld id="{C5A3AF4C-25B1-F44B-852B-3193A0C807C6}" type="datetimeFigureOut">
               <a:rPr kumimoji="1" lang="zh-TW" altLang="en-US" smtClean="0"/>
-              <a:t>2018/6/10</a:t>
+              <a:t>2018/6/11</a:t>
             </a:fld>
             <a:endParaRPr kumimoji="1" lang="zh-TW" altLang="en-US"/>
           </a:p>
@@ -18196,7 +18196,7 @@
           <a:p>
             <a:fld id="{C5A3AF4C-25B1-F44B-852B-3193A0C807C6}" type="datetimeFigureOut">
               <a:rPr kumimoji="1" lang="zh-TW" altLang="en-US" smtClean="0"/>
-              <a:t>2018/6/10</a:t>
+              <a:t>2018/6/11</a:t>
             </a:fld>
             <a:endParaRPr kumimoji="1" lang="zh-TW" altLang="en-US"/>
           </a:p>
@@ -20167,6 +20167,66 @@
                 <a:cs typeface="Microsoft JhengHei" charset="-120"/>
               </a:rPr>
               <a:t>作弊</a:t>
+            </a:r>
+            <a:endParaRPr kumimoji="1" lang="zh-TW" altLang="en-US" sz="2925" b="1" dirty="0">
+              <a:solidFill>
+                <a:schemeClr val="tx1"/>
+              </a:solidFill>
+              <a:latin typeface="Microsoft JhengHei" charset="-120"/>
+              <a:ea typeface="Microsoft JhengHei" charset="-120"/>
+              <a:cs typeface="Microsoft JhengHei" charset="-120"/>
+            </a:endParaRPr>
+          </a:p>
+        </p:txBody>
+      </p:sp>
+      <p:sp>
+        <p:nvSpPr>
+          <p:cNvPr id="50" name="橢圓 49"/>
+          <p:cNvSpPr/>
+          <p:nvPr/>
+        </p:nvSpPr>
+        <p:spPr>
+          <a:xfrm>
+            <a:off x="3004250" y="4783459"/>
+            <a:ext cx="1483077" cy="954729"/>
+          </a:xfrm>
+          <a:prstGeom prst="ellipse">
+            <a:avLst/>
+          </a:prstGeom>
+          <a:noFill/>
+          <a:ln w="57150"/>
+        </p:spPr>
+        <p:style>
+          <a:lnRef idx="2">
+            <a:schemeClr val="accent1">
+              <a:shade val="50000"/>
+            </a:schemeClr>
+          </a:lnRef>
+          <a:fillRef idx="1">
+            <a:schemeClr val="accent1"/>
+          </a:fillRef>
+          <a:effectRef idx="0">
+            <a:schemeClr val="accent1"/>
+          </a:effectRef>
+          <a:fontRef idx="minor">
+            <a:schemeClr val="lt1"/>
+          </a:fontRef>
+        </p:style>
+        <p:txBody>
+          <a:bodyPr rtlCol="0" anchor="ctr"/>
+          <a:lstStyle/>
+          <a:p>
+            <a:pPr algn="ctr"/>
+            <a:r>
+              <a:rPr kumimoji="1" lang="zh-TW" altLang="en-US" sz="2925" b="1" dirty="0" smtClean="0">
+                <a:solidFill>
+                  <a:schemeClr val="tx1"/>
+                </a:solidFill>
+                <a:latin typeface="Microsoft JhengHei" charset="-120"/>
+                <a:ea typeface="Microsoft JhengHei" charset="-120"/>
+                <a:cs typeface="Microsoft JhengHei" charset="-120"/>
+              </a:rPr>
+              <a:t>開始</a:t>
             </a:r>
             <a:endParaRPr kumimoji="1" lang="zh-TW" altLang="en-US" sz="2925" b="1" dirty="0">
               <a:solidFill>
@@ -23031,7 +23091,7 @@
         </p:nvGrpSpPr>
         <p:grpSpPr>
           <a:xfrm>
-            <a:off x="0" y="117247"/>
+            <a:off x="0" y="187585"/>
             <a:ext cx="9906000" cy="5280437"/>
             <a:chOff x="0" y="339985"/>
             <a:chExt cx="9906000" cy="5280437"/>
@@ -24034,6 +24094,128 @@
           </p:sp>
         </p:grpSp>
       </p:grpSp>
+      <p:sp>
+        <p:nvSpPr>
+          <p:cNvPr id="30" name="矩形 29"/>
+          <p:cNvSpPr/>
+          <p:nvPr/>
+        </p:nvSpPr>
+        <p:spPr>
+          <a:xfrm>
+            <a:off x="2403231" y="5901761"/>
+            <a:ext cx="1008184" cy="299747"/>
+          </a:xfrm>
+          <a:prstGeom prst="rect">
+            <a:avLst/>
+          </a:prstGeom>
+          <a:solidFill>
+            <a:schemeClr val="accent1">
+              <a:lumMod val="20000"/>
+              <a:lumOff val="80000"/>
+            </a:schemeClr>
+          </a:solidFill>
+          <a:ln>
+            <a:noFill/>
+          </a:ln>
+        </p:spPr>
+        <p:style>
+          <a:lnRef idx="2">
+            <a:schemeClr val="accent1">
+              <a:shade val="50000"/>
+            </a:schemeClr>
+          </a:lnRef>
+          <a:fillRef idx="1">
+            <a:schemeClr val="accent1"/>
+          </a:fillRef>
+          <a:effectRef idx="0">
+            <a:schemeClr val="accent1"/>
+          </a:effectRef>
+          <a:fontRef idx="minor">
+            <a:schemeClr val="lt1"/>
+          </a:fontRef>
+        </p:style>
+        <p:txBody>
+          <a:bodyPr rtlCol="0" anchor="ctr"/>
+          <a:lstStyle/>
+          <a:p>
+            <a:pPr algn="ctr"/>
+            <a:r>
+              <a:rPr kumimoji="1" lang="zh-TW" altLang="en-US" dirty="0" smtClean="0">
+                <a:solidFill>
+                  <a:sysClr val="windowText" lastClr="000000"/>
+                </a:solidFill>
+              </a:rPr>
+              <a:t>未通過</a:t>
+            </a:r>
+            <a:endParaRPr kumimoji="1" lang="zh-TW" altLang="en-US" dirty="0">
+              <a:solidFill>
+                <a:sysClr val="windowText" lastClr="000000"/>
+              </a:solidFill>
+            </a:endParaRPr>
+          </a:p>
+        </p:txBody>
+      </p:sp>
+      <p:sp>
+        <p:nvSpPr>
+          <p:cNvPr id="31" name="矩形 30"/>
+          <p:cNvSpPr/>
+          <p:nvPr/>
+        </p:nvSpPr>
+        <p:spPr>
+          <a:xfrm>
+            <a:off x="3599641" y="5923737"/>
+            <a:ext cx="1008184" cy="299747"/>
+          </a:xfrm>
+          <a:prstGeom prst="rect">
+            <a:avLst/>
+          </a:prstGeom>
+          <a:solidFill>
+            <a:schemeClr val="accent1">
+              <a:lumMod val="20000"/>
+              <a:lumOff val="80000"/>
+            </a:schemeClr>
+          </a:solidFill>
+          <a:ln>
+            <a:noFill/>
+          </a:ln>
+        </p:spPr>
+        <p:style>
+          <a:lnRef idx="2">
+            <a:schemeClr val="accent1">
+              <a:shade val="50000"/>
+            </a:schemeClr>
+          </a:lnRef>
+          <a:fillRef idx="1">
+            <a:schemeClr val="accent1"/>
+          </a:fillRef>
+          <a:effectRef idx="0">
+            <a:schemeClr val="accent1"/>
+          </a:effectRef>
+          <a:fontRef idx="minor">
+            <a:schemeClr val="lt1"/>
+          </a:fontRef>
+        </p:style>
+        <p:txBody>
+          <a:bodyPr rtlCol="0" anchor="ctr"/>
+          <a:lstStyle/>
+          <a:p>
+            <a:pPr algn="ctr"/>
+            <a:r>
+              <a:rPr kumimoji="1" lang="zh-TW" altLang="en-US" smtClean="0">
+                <a:solidFill>
+                  <a:sysClr val="windowText" lastClr="000000"/>
+                </a:solidFill>
+              </a:rPr>
+              <a:t>通過</a:t>
+            </a:r>
+            <a:endParaRPr kumimoji="1" lang="zh-TW" altLang="en-US" dirty="0">
+              <a:solidFill>
+                <a:sysClr val="windowText" lastClr="000000"/>
+              </a:solidFill>
+            </a:endParaRPr>
+          </a:p>
+        </p:txBody>
+      </p:sp>
     </p:spTree>
     <p:extLst>
       <p:ext uri="{BB962C8B-B14F-4D97-AF65-F5344CB8AC3E}">

--- a/images/簡報1.pptx
+++ b/images/簡報1.pptx
@@ -4912,66 +4912,66 @@
     </dgm:pt>
   </dgm:ptLst>
   <dgm:cxnLst>
+    <dgm:cxn modelId="{9FA280BF-A210-9A4F-BFFA-889D5ECCBE97}" type="presOf" srcId="{0856A3C7-E4A8-5141-A50D-3168D91ED601}" destId="{F492C2A0-D535-5A49-B715-B16C213DFE91}" srcOrd="0" destOrd="0" presId="urn:microsoft.com/office/officeart/2005/8/layout/orgChart1"/>
+    <dgm:cxn modelId="{966CFF4D-3F0E-E642-9CEE-C66F0A22A8A3}" type="presOf" srcId="{5A77C950-58ED-E548-A254-D4EA97B8DB15}" destId="{83000BA2-0869-A64A-985B-FD0145E6032E}" srcOrd="0" destOrd="0" presId="urn:microsoft.com/office/officeart/2005/8/layout/orgChart1"/>
+    <dgm:cxn modelId="{9A0D6A79-FAB9-B14C-AA2A-50DFEAF4F582}" type="presOf" srcId="{005A96A6-7D03-F048-AE18-D87857054C9B}" destId="{706ABE28-3B9D-004B-A68F-FA1089A611C6}" srcOrd="0" destOrd="0" presId="urn:microsoft.com/office/officeart/2005/8/layout/orgChart1"/>
+    <dgm:cxn modelId="{69E1AC7A-D514-A94A-8DE9-9C6DD9735311}" srcId="{1E4E5730-1D62-424B-88DC-A598FAA90032}" destId="{F9CD00FE-3567-AE46-85C7-48884CD17D00}" srcOrd="1" destOrd="0" parTransId="{D58907CA-3CBD-F14B-BADB-F5DBAF578C77}" sibTransId="{454D586C-2CFE-9F47-B0C4-E971D79F7C80}"/>
+    <dgm:cxn modelId="{BE57780E-005F-364F-AAAC-40A6E16EFF08}" srcId="{71163973-4991-8548-A614-1741D0E7A526}" destId="{A73FFB69-14B0-804E-97F0-BB38C83B0F5A}" srcOrd="0" destOrd="0" parTransId="{B89227FD-4289-6947-B555-D133AAFB6088}" sibTransId="{63C64FD1-6A45-0243-A6DC-2B961EE6D0B7}"/>
+    <dgm:cxn modelId="{0F08C517-F8E1-A440-9CFE-889924E408F4}" type="presOf" srcId="{CBC573EF-E90D-6347-809E-E401648278E2}" destId="{7FE06AB2-EA71-9641-A603-15234D0AE5DE}" srcOrd="0" destOrd="0" presId="urn:microsoft.com/office/officeart/2005/8/layout/orgChart1"/>
+    <dgm:cxn modelId="{AFC1E998-57F3-3F4B-9A38-8FD08FF468EE}" type="presOf" srcId="{71163973-4991-8548-A614-1741D0E7A526}" destId="{CEFBC386-D7DB-A64B-AE2B-1E2E225A5FA2}" srcOrd="1" destOrd="0" presId="urn:microsoft.com/office/officeart/2005/8/layout/orgChart1"/>
+    <dgm:cxn modelId="{DDE3EFDC-CAA2-6948-97AC-EE589DA05485}" type="presOf" srcId="{A73FFB69-14B0-804E-97F0-BB38C83B0F5A}" destId="{7791F5FA-0C0E-0A4F-8160-FC27C2C4D6AD}" srcOrd="0" destOrd="0" presId="urn:microsoft.com/office/officeart/2005/8/layout/orgChart1"/>
+    <dgm:cxn modelId="{2AD14E94-FD63-9944-86B2-015FB068BFAD}" srcId="{1E4E5730-1D62-424B-88DC-A598FAA90032}" destId="{CBC573EF-E90D-6347-809E-E401648278E2}" srcOrd="0" destOrd="0" parTransId="{BAF56933-C328-BA4B-9221-814B34620281}" sibTransId="{75CC5AD2-2569-7640-B749-106D40BA14D4}"/>
+    <dgm:cxn modelId="{9EF51639-3A77-524B-98C4-5F8564558747}" type="presOf" srcId="{89314E86-60EE-5045-899C-E7417C09B90D}" destId="{128C9672-596B-C947-97FA-F938099189E1}" srcOrd="0" destOrd="0" presId="urn:microsoft.com/office/officeart/2005/8/layout/orgChart1"/>
+    <dgm:cxn modelId="{394BCA51-E9B2-1D4F-870C-32609B34323F}" type="presOf" srcId="{A73FFB69-14B0-804E-97F0-BB38C83B0F5A}" destId="{624BD0AB-AD37-A640-921B-C26138EEAC16}" srcOrd="1" destOrd="0" presId="urn:microsoft.com/office/officeart/2005/8/layout/orgChart1"/>
+    <dgm:cxn modelId="{C152F498-E377-834E-925A-B2160F36BA81}" type="presOf" srcId="{11BE08E0-8BD3-8241-AA31-5D3C8BAE883E}" destId="{EDE66430-21B6-8D4B-8624-309DA73F0538}" srcOrd="0" destOrd="0" presId="urn:microsoft.com/office/officeart/2005/8/layout/orgChart1"/>
+    <dgm:cxn modelId="{DF7D91D5-7A8C-B74E-91BE-A2F3C01C84BC}" srcId="{6C2963A9-6D37-B34C-A33B-8170001BC95A}" destId="{89314E86-60EE-5045-899C-E7417C09B90D}" srcOrd="0" destOrd="0" parTransId="{6552183B-C175-EF46-8F8D-A2C8D24C07F5}" sibTransId="{45C2A3D9-A4CD-A24C-BF57-B7FDB6C29B5E}"/>
+    <dgm:cxn modelId="{2B122204-117C-9C4A-BA3B-41FDC37B137C}" type="presOf" srcId="{005A96A6-7D03-F048-AE18-D87857054C9B}" destId="{AA84DF84-70A7-324A-84C2-0E440BA96E4E}" srcOrd="1" destOrd="0" presId="urn:microsoft.com/office/officeart/2005/8/layout/orgChart1"/>
+    <dgm:cxn modelId="{6C1BAB4F-1F68-F442-9582-BCD3D464CC8B}" type="presOf" srcId="{48AA78DC-6E73-1946-8BE8-6F2203654B7C}" destId="{55101633-7750-6248-B6C0-5F8DCCD35719}" srcOrd="0" destOrd="0" presId="urn:microsoft.com/office/officeart/2005/8/layout/orgChart1"/>
+    <dgm:cxn modelId="{3A41FA98-02B3-804B-B5D6-99000F96F8DF}" srcId="{050449A4-EB5B-644F-ACCE-25A388C40F65}" destId="{48AA78DC-6E73-1946-8BE8-6F2203654B7C}" srcOrd="0" destOrd="0" parTransId="{9E28A5D1-B308-D544-A128-464446C84491}" sibTransId="{0B17B36B-7FBF-DE47-8513-555429420C1F}"/>
+    <dgm:cxn modelId="{F40CAC78-D80E-BA4E-9308-B94F02B928BA}" type="presOf" srcId="{DB470F67-F9F6-C04F-A5A8-D006899BBC48}" destId="{6A262A8B-7DC7-7246-A71C-744ED839A856}" srcOrd="0" destOrd="0" presId="urn:microsoft.com/office/officeart/2005/8/layout/orgChart1"/>
+    <dgm:cxn modelId="{D0AC6144-39BC-8045-ACBA-632187CD82D7}" srcId="{5A77C950-58ED-E548-A254-D4EA97B8DB15}" destId="{B7DE1BDB-6633-A442-9076-6077D2DB73F9}" srcOrd="0" destOrd="0" parTransId="{380FE599-D771-7347-837E-5040B6D7859B}" sibTransId="{15CDF2B6-A1AB-C54E-A2C7-C3EF48721D00}"/>
+    <dgm:cxn modelId="{2FF3FB59-79B0-7F4B-8A48-7E0A60516525}" type="presOf" srcId="{050449A4-EB5B-644F-ACCE-25A388C40F65}" destId="{CB6DDF3B-79E1-6743-80EC-104FB86CFD6A}" srcOrd="0" destOrd="0" presId="urn:microsoft.com/office/officeart/2005/8/layout/orgChart1"/>
+    <dgm:cxn modelId="{7CB14844-CB6B-A14B-AEA9-47210F3DA93B}" srcId="{89314E86-60EE-5045-899C-E7417C09B90D}" destId="{1E4E5730-1D62-424B-88DC-A598FAA90032}" srcOrd="2" destOrd="0" parTransId="{D7FF67C8-1A43-E240-9F32-8CC5AF65C090}" sibTransId="{AD44BBC5-53E7-CF4E-90A3-518B900FA1C7}"/>
+    <dgm:cxn modelId="{EF7B882C-FF2D-B745-A830-20CE4DBD0FA2}" srcId="{5A77C950-58ED-E548-A254-D4EA97B8DB15}" destId="{FF11A2BF-9380-DC4E-A16D-B170C89A5F01}" srcOrd="3" destOrd="0" parTransId="{DB470F67-F9F6-C04F-A5A8-D006899BBC48}" sibTransId="{0862A5FE-A8EA-2E4E-8EF2-8DD38674E1A6}"/>
+    <dgm:cxn modelId="{95BD88AF-2A02-B14B-9ACB-143C6ED5F21D}" type="presOf" srcId="{B7DE1BDB-6633-A442-9076-6077D2DB73F9}" destId="{7BE81116-1A67-F947-B03E-A96F3A736855}" srcOrd="0" destOrd="0" presId="urn:microsoft.com/office/officeart/2005/8/layout/orgChart1"/>
+    <dgm:cxn modelId="{C484AEE4-E429-CD4C-A54C-1612195107B3}" type="presOf" srcId="{1E4E5730-1D62-424B-88DC-A598FAA90032}" destId="{0DFBCC65-40E4-B340-B677-A3DBC0B288DB}" srcOrd="1" destOrd="0" presId="urn:microsoft.com/office/officeart/2005/8/layout/orgChart1"/>
+    <dgm:cxn modelId="{92882340-D9C4-3444-A3CB-D34C8A064CBC}" type="presOf" srcId="{5A77C950-58ED-E548-A254-D4EA97B8DB15}" destId="{65B1000F-16D1-7642-A8B7-9272DD88B9B1}" srcOrd="1" destOrd="0" presId="urn:microsoft.com/office/officeart/2005/8/layout/orgChart1"/>
+    <dgm:cxn modelId="{374AF65D-2DF7-FC42-A859-EB455BB48ACE}" srcId="{89314E86-60EE-5045-899C-E7417C09B90D}" destId="{5A77C950-58ED-E548-A254-D4EA97B8DB15}" srcOrd="0" destOrd="0" parTransId="{B749F862-2D6B-B745-B049-A2997DD78459}" sibTransId="{73E67987-3BE7-BE41-945D-2BE72A56575A}"/>
+    <dgm:cxn modelId="{EF9E56A3-F16B-F645-BC06-D9B906E35C49}" srcId="{89314E86-60EE-5045-899C-E7417C09B90D}" destId="{050449A4-EB5B-644F-ACCE-25A388C40F65}" srcOrd="1" destOrd="0" parTransId="{0856A3C7-E4A8-5141-A50D-3168D91ED601}" sibTransId="{12E35422-6A60-5E43-96F0-C18D8EB08785}"/>
+    <dgm:cxn modelId="{DDDD2EE8-155D-7F41-90EB-016EF7D4EA80}" type="presOf" srcId="{24818FBC-AEF6-9448-82AE-EAE149309BFC}" destId="{44596B05-93D3-7146-88F3-77AD5CF63CD4}" srcOrd="0" destOrd="0" presId="urn:microsoft.com/office/officeart/2005/8/layout/orgChart1"/>
+    <dgm:cxn modelId="{6B6B2669-FC45-6740-ACDD-E2808395DFF5}" type="presOf" srcId="{9E28A5D1-B308-D544-A128-464446C84491}" destId="{388624FC-1E86-734B-B8C6-A10CB975BDC3}" srcOrd="0" destOrd="0" presId="urn:microsoft.com/office/officeart/2005/8/layout/orgChart1"/>
+    <dgm:cxn modelId="{6E35AF57-B407-C84E-B45F-6C89A7305214}" type="presOf" srcId="{B89227FD-4289-6947-B555-D133AAFB6088}" destId="{08E95A04-6C00-AD46-BA0D-93623E8A7438}" srcOrd="0" destOrd="0" presId="urn:microsoft.com/office/officeart/2005/8/layout/orgChart1"/>
+    <dgm:cxn modelId="{3AD2D59A-2CA6-2140-B09F-07ED2D050449}" type="presOf" srcId="{11BE08E0-8BD3-8241-AA31-5D3C8BAE883E}" destId="{EC42C478-3B14-3A43-AD41-CD4F28BC5D3D}" srcOrd="1" destOrd="0" presId="urn:microsoft.com/office/officeart/2005/8/layout/orgChart1"/>
+    <dgm:cxn modelId="{AD28F11A-718D-E247-B1B8-8C4561CEA86B}" type="presOf" srcId="{6839F260-6BA1-4346-B3A0-03DA9D6E30F9}" destId="{53E79E27-8301-6D41-B26D-17F46A72DE7D}" srcOrd="0" destOrd="0" presId="urn:microsoft.com/office/officeart/2005/8/layout/orgChart1"/>
+    <dgm:cxn modelId="{4B405B9F-4843-694F-919C-C9DCF13D73FD}" type="presOf" srcId="{BAF56933-C328-BA4B-9221-814B34620281}" destId="{06EFD6FF-1C9C-E245-952A-796D107C5434}" srcOrd="0" destOrd="0" presId="urn:microsoft.com/office/officeart/2005/8/layout/orgChart1"/>
+    <dgm:cxn modelId="{A2158EAE-AE31-4A42-A1B8-FCD131DA59BB}" type="presOf" srcId="{B7DE1BDB-6633-A442-9076-6077D2DB73F9}" destId="{EB26B174-9B20-834F-8856-9BB58900F541}" srcOrd="1" destOrd="0" presId="urn:microsoft.com/office/officeart/2005/8/layout/orgChart1"/>
+    <dgm:cxn modelId="{AC3D5F69-692C-A548-B647-AA3C2BBE2EDA}" type="presOf" srcId="{6155CF2C-7977-D14D-99D6-F5A1262B6548}" destId="{CD77DF7A-9D93-7741-BECC-8DB44EFD3EF3}" srcOrd="1" destOrd="0" presId="urn:microsoft.com/office/officeart/2005/8/layout/orgChart1"/>
+    <dgm:cxn modelId="{D9B9CB26-4B30-974A-903D-1590319DDC6F}" type="presOf" srcId="{71163973-4991-8548-A614-1741D0E7A526}" destId="{B4E24BE5-47F4-B24C-9630-08523CC43C14}" srcOrd="0" destOrd="0" presId="urn:microsoft.com/office/officeart/2005/8/layout/orgChart1"/>
+    <dgm:cxn modelId="{CFD32C9A-F2D0-124E-B713-45378EAFB799}" type="presOf" srcId="{D7FF67C8-1A43-E240-9F32-8CC5AF65C090}" destId="{07EF9321-D2E9-A943-9556-8A863B7941ED}" srcOrd="0" destOrd="0" presId="urn:microsoft.com/office/officeart/2005/8/layout/orgChart1"/>
+    <dgm:cxn modelId="{BCA17466-0F2F-ED4F-AE7E-21D0895EE5D5}" type="presOf" srcId="{DA7A2C20-F115-3946-8138-BF6A2E13B90A}" destId="{8213B168-DF4E-F043-9D3B-6DC5B1000FCA}" srcOrd="1" destOrd="0" presId="urn:microsoft.com/office/officeart/2005/8/layout/orgChart1"/>
+    <dgm:cxn modelId="{F5E2EECA-1F45-974C-AB77-46FD6D659C61}" srcId="{89314E86-60EE-5045-899C-E7417C09B90D}" destId="{DA7A2C20-F115-3946-8138-BF6A2E13B90A}" srcOrd="4" destOrd="0" parTransId="{BDB10FF1-16F5-B943-AD2A-7BE14FB1775D}" sibTransId="{3CF6DEA3-9EFC-2741-8815-AEBD149F37E0}"/>
     <dgm:cxn modelId="{2AB6984F-8346-5941-8AF6-F57DFF00D21D}" type="presOf" srcId="{1E4E5730-1D62-424B-88DC-A598FAA90032}" destId="{7CC73BFE-A525-1841-9C46-B24530BAED35}" srcOrd="0" destOrd="0" presId="urn:microsoft.com/office/officeart/2005/8/layout/orgChart1"/>
-    <dgm:cxn modelId="{9EF51639-3A77-524B-98C4-5F8564558747}" type="presOf" srcId="{89314E86-60EE-5045-899C-E7417C09B90D}" destId="{128C9672-596B-C947-97FA-F938099189E1}" srcOrd="0" destOrd="0" presId="urn:microsoft.com/office/officeart/2005/8/layout/orgChart1"/>
-    <dgm:cxn modelId="{A2158EAE-AE31-4A42-A1B8-FCD131DA59BB}" type="presOf" srcId="{B7DE1BDB-6633-A442-9076-6077D2DB73F9}" destId="{EB26B174-9B20-834F-8856-9BB58900F541}" srcOrd="1" destOrd="0" presId="urn:microsoft.com/office/officeart/2005/8/layout/orgChart1"/>
+    <dgm:cxn modelId="{3AF43ABE-6F58-2F4E-9BA4-2BED33B2EFAD}" type="presOf" srcId="{050449A4-EB5B-644F-ACCE-25A388C40F65}" destId="{7D5AA04B-9F18-654E-AEF4-9063D72014D0}" srcOrd="1" destOrd="0" presId="urn:microsoft.com/office/officeart/2005/8/layout/orgChart1"/>
+    <dgm:cxn modelId="{E6287AE7-1D3C-E947-A758-7F29C4F35EED}" type="presOf" srcId="{89314E86-60EE-5045-899C-E7417C09B90D}" destId="{7609B86B-45C5-724B-9A55-D21D4F7EA93F}" srcOrd="1" destOrd="0" presId="urn:microsoft.com/office/officeart/2005/8/layout/orgChart1"/>
+    <dgm:cxn modelId="{993D77C6-FB7B-4B40-9D15-1BDC7B5462B0}" srcId="{5A77C950-58ED-E548-A254-D4EA97B8DB15}" destId="{005A96A6-7D03-F048-AE18-D87857054C9B}" srcOrd="4" destOrd="0" parTransId="{3B092136-6835-304E-AC51-D9BC322545E9}" sibTransId="{3CCE1415-DA2F-BF4D-9D68-F2B470E71518}"/>
+    <dgm:cxn modelId="{F64E0F6E-D58E-9645-9536-F40DE2128E9F}" type="presOf" srcId="{CBC573EF-E90D-6347-809E-E401648278E2}" destId="{65799993-F98E-F941-9623-93A3736C5ECC}" srcOrd="1" destOrd="0" presId="urn:microsoft.com/office/officeart/2005/8/layout/orgChart1"/>
+    <dgm:cxn modelId="{DFAA279C-A2DE-A94A-A9C5-3C325FA0F705}" type="presOf" srcId="{FF11A2BF-9380-DC4E-A16D-B170C89A5F01}" destId="{8F5D0854-A50A-2A4B-B05F-04FE902D5672}" srcOrd="0" destOrd="0" presId="urn:microsoft.com/office/officeart/2005/8/layout/orgChart1"/>
+    <dgm:cxn modelId="{6321E819-770A-E141-A957-FCF974A6E00A}" type="presOf" srcId="{3B092136-6835-304E-AC51-D9BC322545E9}" destId="{7401CD6B-2EC8-8B49-B706-725F8DBDACBF}" srcOrd="0" destOrd="0" presId="urn:microsoft.com/office/officeart/2005/8/layout/orgChart1"/>
+    <dgm:cxn modelId="{18DD4A98-99CA-3C4A-AF7C-AC03105468B5}" type="presOf" srcId="{BDB10FF1-16F5-B943-AD2A-7BE14FB1775D}" destId="{7E4A15C2-BADE-FD4F-955B-C7C3148A56CF}" srcOrd="0" destOrd="0" presId="urn:microsoft.com/office/officeart/2005/8/layout/orgChart1"/>
+    <dgm:cxn modelId="{70C10195-21B8-F740-83F4-7BF30C3965F3}" type="presOf" srcId="{48AA78DC-6E73-1946-8BE8-6F2203654B7C}" destId="{5733AAED-D4F4-DA44-9984-54986C9D5363}" srcOrd="1" destOrd="0" presId="urn:microsoft.com/office/officeart/2005/8/layout/orgChart1"/>
+    <dgm:cxn modelId="{619C11C0-FB3F-5744-8982-5A7BC6B37F05}" type="presOf" srcId="{DA7A2C20-F115-3946-8138-BF6A2E13B90A}" destId="{A99EF92C-53D6-FD40-B2DC-FD21D32A0E3A}" srcOrd="0" destOrd="0" presId="urn:microsoft.com/office/officeart/2005/8/layout/orgChart1"/>
+    <dgm:cxn modelId="{D86C74A1-0FE2-3448-8D16-BB96AB698C62}" type="presOf" srcId="{FF11A2BF-9380-DC4E-A16D-B170C89A5F01}" destId="{81E158C6-78CE-C349-82EF-C1864BF10A73}" srcOrd="1" destOrd="0" presId="urn:microsoft.com/office/officeart/2005/8/layout/orgChart1"/>
+    <dgm:cxn modelId="{0574C2D1-4B5E-6146-9A9C-903707C6FCA4}" type="presOf" srcId="{6C2963A9-6D37-B34C-A33B-8170001BC95A}" destId="{6BE4A84B-0547-CE4C-91EE-C9155EE950C4}" srcOrd="0" destOrd="0" presId="urn:microsoft.com/office/officeart/2005/8/layout/orgChart1"/>
+    <dgm:cxn modelId="{1FDBBCEA-D110-8F4A-88BA-B81D02BD0D1A}" type="presOf" srcId="{6155CF2C-7977-D14D-99D6-F5A1262B6548}" destId="{C16F8266-96DA-4348-827B-FB5031B737D0}" srcOrd="0" destOrd="0" presId="urn:microsoft.com/office/officeart/2005/8/layout/orgChart1"/>
+    <dgm:cxn modelId="{7C5E6207-54AE-164B-8EA7-B5497C590C00}" srcId="{5A77C950-58ED-E548-A254-D4EA97B8DB15}" destId="{6155CF2C-7977-D14D-99D6-F5A1262B6548}" srcOrd="1" destOrd="0" parTransId="{6839F260-6BA1-4346-B3A0-03DA9D6E30F9}" sibTransId="{226B18D8-A509-9041-AC01-CC2DC39DDE8C}"/>
+    <dgm:cxn modelId="{FA992485-F5DD-3246-BC1B-2A25B157D81D}" srcId="{89314E86-60EE-5045-899C-E7417C09B90D}" destId="{71163973-4991-8548-A614-1741D0E7A526}" srcOrd="3" destOrd="0" parTransId="{71B89020-FC18-8440-984C-03FD01C87E6A}" sibTransId="{91987DF1-43A3-3647-A8EC-A2A0B84551E4}"/>
+    <dgm:cxn modelId="{EA397EB9-2820-A348-80E6-65FF17E6D57D}" type="presOf" srcId="{71B89020-FC18-8440-984C-03FD01C87E6A}" destId="{A0022CAE-76FC-8A49-96C0-2437950F7D9A}" srcOrd="0" destOrd="0" presId="urn:microsoft.com/office/officeart/2005/8/layout/orgChart1"/>
+    <dgm:cxn modelId="{856FD226-A739-094F-8A7E-859E6FFDE5EC}" type="presOf" srcId="{B749F862-2D6B-B745-B049-A2997DD78459}" destId="{D1ADB443-DC5D-7A4D-9FC2-F94CD67C1EAE}" srcOrd="0" destOrd="0" presId="urn:microsoft.com/office/officeart/2005/8/layout/orgChart1"/>
+    <dgm:cxn modelId="{16AD03D0-4909-724F-9665-E7E2510B8393}" type="presOf" srcId="{380FE599-D771-7347-837E-5040B6D7859B}" destId="{0C9F4A48-45F6-AA4D-96BF-688E71308A31}" srcOrd="0" destOrd="0" presId="urn:microsoft.com/office/officeart/2005/8/layout/orgChart1"/>
+    <dgm:cxn modelId="{FA038F80-5A99-2B4E-BE4A-DFA2A0C25100}" srcId="{5A77C950-58ED-E548-A254-D4EA97B8DB15}" destId="{11BE08E0-8BD3-8241-AA31-5D3C8BAE883E}" srcOrd="2" destOrd="0" parTransId="{24818FBC-AEF6-9448-82AE-EAE149309BFC}" sibTransId="{74BD77DC-5D13-8140-9438-2D10771BB41C}"/>
     <dgm:cxn modelId="{C28C2704-3596-DA47-8583-178BFF3EAC08}" type="presOf" srcId="{D58907CA-3CBD-F14B-BADB-F5DBAF578C77}" destId="{15FFE189-9009-F643-878C-0386AFB1963B}" srcOrd="0" destOrd="0" presId="urn:microsoft.com/office/officeart/2005/8/layout/orgChart1"/>
-    <dgm:cxn modelId="{1FDBBCEA-D110-8F4A-88BA-B81D02BD0D1A}" type="presOf" srcId="{6155CF2C-7977-D14D-99D6-F5A1262B6548}" destId="{C16F8266-96DA-4348-827B-FB5031B737D0}" srcOrd="0" destOrd="0" presId="urn:microsoft.com/office/officeart/2005/8/layout/orgChart1"/>
-    <dgm:cxn modelId="{F64E0F6E-D58E-9645-9536-F40DE2128E9F}" type="presOf" srcId="{CBC573EF-E90D-6347-809E-E401648278E2}" destId="{65799993-F98E-F941-9623-93A3736C5ECC}" srcOrd="1" destOrd="0" presId="urn:microsoft.com/office/officeart/2005/8/layout/orgChart1"/>
-    <dgm:cxn modelId="{F5E2EECA-1F45-974C-AB77-46FD6D659C61}" srcId="{89314E86-60EE-5045-899C-E7417C09B90D}" destId="{DA7A2C20-F115-3946-8138-BF6A2E13B90A}" srcOrd="4" destOrd="0" parTransId="{BDB10FF1-16F5-B943-AD2A-7BE14FB1775D}" sibTransId="{3CF6DEA3-9EFC-2741-8815-AEBD149F37E0}"/>
-    <dgm:cxn modelId="{4B405B9F-4843-694F-919C-C9DCF13D73FD}" type="presOf" srcId="{BAF56933-C328-BA4B-9221-814B34620281}" destId="{06EFD6FF-1C9C-E245-952A-796D107C5434}" srcOrd="0" destOrd="0" presId="urn:microsoft.com/office/officeart/2005/8/layout/orgChart1"/>
-    <dgm:cxn modelId="{9FA280BF-A210-9A4F-BFFA-889D5ECCBE97}" type="presOf" srcId="{0856A3C7-E4A8-5141-A50D-3168D91ED601}" destId="{F492C2A0-D535-5A49-B715-B16C213DFE91}" srcOrd="0" destOrd="0" presId="urn:microsoft.com/office/officeart/2005/8/layout/orgChart1"/>
-    <dgm:cxn modelId="{CFD32C9A-F2D0-124E-B713-45378EAFB799}" type="presOf" srcId="{D7FF67C8-1A43-E240-9F32-8CC5AF65C090}" destId="{07EF9321-D2E9-A943-9556-8A863B7941ED}" srcOrd="0" destOrd="0" presId="urn:microsoft.com/office/officeart/2005/8/layout/orgChart1"/>
-    <dgm:cxn modelId="{9A0D6A79-FAB9-B14C-AA2A-50DFEAF4F582}" type="presOf" srcId="{005A96A6-7D03-F048-AE18-D87857054C9B}" destId="{706ABE28-3B9D-004B-A68F-FA1089A611C6}" srcOrd="0" destOrd="0" presId="urn:microsoft.com/office/officeart/2005/8/layout/orgChart1"/>
-    <dgm:cxn modelId="{394BCA51-E9B2-1D4F-870C-32609B34323F}" type="presOf" srcId="{A73FFB69-14B0-804E-97F0-BB38C83B0F5A}" destId="{624BD0AB-AD37-A640-921B-C26138EEAC16}" srcOrd="1" destOrd="0" presId="urn:microsoft.com/office/officeart/2005/8/layout/orgChart1"/>
-    <dgm:cxn modelId="{FA992485-F5DD-3246-BC1B-2A25B157D81D}" srcId="{89314E86-60EE-5045-899C-E7417C09B90D}" destId="{71163973-4991-8548-A614-1741D0E7A526}" srcOrd="3" destOrd="0" parTransId="{71B89020-FC18-8440-984C-03FD01C87E6A}" sibTransId="{91987DF1-43A3-3647-A8EC-A2A0B84551E4}"/>
-    <dgm:cxn modelId="{7CB14844-CB6B-A14B-AEA9-47210F3DA93B}" srcId="{89314E86-60EE-5045-899C-E7417C09B90D}" destId="{1E4E5730-1D62-424B-88DC-A598FAA90032}" srcOrd="2" destOrd="0" parTransId="{D7FF67C8-1A43-E240-9F32-8CC5AF65C090}" sibTransId="{AD44BBC5-53E7-CF4E-90A3-518B900FA1C7}"/>
-    <dgm:cxn modelId="{D86C74A1-0FE2-3448-8D16-BB96AB698C62}" type="presOf" srcId="{FF11A2BF-9380-DC4E-A16D-B170C89A5F01}" destId="{81E158C6-78CE-C349-82EF-C1864BF10A73}" srcOrd="1" destOrd="0" presId="urn:microsoft.com/office/officeart/2005/8/layout/orgChart1"/>
-    <dgm:cxn modelId="{2AD14E94-FD63-9944-86B2-015FB068BFAD}" srcId="{1E4E5730-1D62-424B-88DC-A598FAA90032}" destId="{CBC573EF-E90D-6347-809E-E401648278E2}" srcOrd="0" destOrd="0" parTransId="{BAF56933-C328-BA4B-9221-814B34620281}" sibTransId="{75CC5AD2-2569-7640-B749-106D40BA14D4}"/>
-    <dgm:cxn modelId="{C484AEE4-E429-CD4C-A54C-1612195107B3}" type="presOf" srcId="{1E4E5730-1D62-424B-88DC-A598FAA90032}" destId="{0DFBCC65-40E4-B340-B677-A3DBC0B288DB}" srcOrd="1" destOrd="0" presId="urn:microsoft.com/office/officeart/2005/8/layout/orgChart1"/>
+    <dgm:cxn modelId="{AB98B083-7CF6-564B-A729-D7771E8907FC}" type="presOf" srcId="{F9CD00FE-3567-AE46-85C7-48884CD17D00}" destId="{A842BD50-3E72-5C41-816A-55632D43A99D}" srcOrd="0" destOrd="0" presId="urn:microsoft.com/office/officeart/2005/8/layout/orgChart1"/>
     <dgm:cxn modelId="{6D765F58-1097-1047-867B-93A741C46466}" type="presOf" srcId="{F9CD00FE-3567-AE46-85C7-48884CD17D00}" destId="{68290C39-F1B2-7A42-8EE8-6922B493C2EB}" srcOrd="1" destOrd="0" presId="urn:microsoft.com/office/officeart/2005/8/layout/orgChart1"/>
-    <dgm:cxn modelId="{D0AC6144-39BC-8045-ACBA-632187CD82D7}" srcId="{5A77C950-58ED-E548-A254-D4EA97B8DB15}" destId="{B7DE1BDB-6633-A442-9076-6077D2DB73F9}" srcOrd="0" destOrd="0" parTransId="{380FE599-D771-7347-837E-5040B6D7859B}" sibTransId="{15CDF2B6-A1AB-C54E-A2C7-C3EF48721D00}"/>
-    <dgm:cxn modelId="{AFC1E998-57F3-3F4B-9A38-8FD08FF468EE}" type="presOf" srcId="{71163973-4991-8548-A614-1741D0E7A526}" destId="{CEFBC386-D7DB-A64B-AE2B-1E2E225A5FA2}" srcOrd="1" destOrd="0" presId="urn:microsoft.com/office/officeart/2005/8/layout/orgChart1"/>
-    <dgm:cxn modelId="{966CFF4D-3F0E-E642-9CEE-C66F0A22A8A3}" type="presOf" srcId="{5A77C950-58ED-E548-A254-D4EA97B8DB15}" destId="{83000BA2-0869-A64A-985B-FD0145E6032E}" srcOrd="0" destOrd="0" presId="urn:microsoft.com/office/officeart/2005/8/layout/orgChart1"/>
-    <dgm:cxn modelId="{2FF3FB59-79B0-7F4B-8A48-7E0A60516525}" type="presOf" srcId="{050449A4-EB5B-644F-ACCE-25A388C40F65}" destId="{CB6DDF3B-79E1-6743-80EC-104FB86CFD6A}" srcOrd="0" destOrd="0" presId="urn:microsoft.com/office/officeart/2005/8/layout/orgChart1"/>
-    <dgm:cxn modelId="{70C10195-21B8-F740-83F4-7BF30C3965F3}" type="presOf" srcId="{48AA78DC-6E73-1946-8BE8-6F2203654B7C}" destId="{5733AAED-D4F4-DA44-9984-54986C9D5363}" srcOrd="1" destOrd="0" presId="urn:microsoft.com/office/officeart/2005/8/layout/orgChart1"/>
-    <dgm:cxn modelId="{EF7B882C-FF2D-B745-A830-20CE4DBD0FA2}" srcId="{5A77C950-58ED-E548-A254-D4EA97B8DB15}" destId="{FF11A2BF-9380-DC4E-A16D-B170C89A5F01}" srcOrd="3" destOrd="0" parTransId="{DB470F67-F9F6-C04F-A5A8-D006899BBC48}" sibTransId="{0862A5FE-A8EA-2E4E-8EF2-8DD38674E1A6}"/>
-    <dgm:cxn modelId="{EF9E56A3-F16B-F645-BC06-D9B906E35C49}" srcId="{89314E86-60EE-5045-899C-E7417C09B90D}" destId="{050449A4-EB5B-644F-ACCE-25A388C40F65}" srcOrd="1" destOrd="0" parTransId="{0856A3C7-E4A8-5141-A50D-3168D91ED601}" sibTransId="{12E35422-6A60-5E43-96F0-C18D8EB08785}"/>
-    <dgm:cxn modelId="{7C5E6207-54AE-164B-8EA7-B5497C590C00}" srcId="{5A77C950-58ED-E548-A254-D4EA97B8DB15}" destId="{6155CF2C-7977-D14D-99D6-F5A1262B6548}" srcOrd="1" destOrd="0" parTransId="{6839F260-6BA1-4346-B3A0-03DA9D6E30F9}" sibTransId="{226B18D8-A509-9041-AC01-CC2DC39DDE8C}"/>
-    <dgm:cxn modelId="{E6287AE7-1D3C-E947-A758-7F29C4F35EED}" type="presOf" srcId="{89314E86-60EE-5045-899C-E7417C09B90D}" destId="{7609B86B-45C5-724B-9A55-D21D4F7EA93F}" srcOrd="1" destOrd="0" presId="urn:microsoft.com/office/officeart/2005/8/layout/orgChart1"/>
-    <dgm:cxn modelId="{AD28F11A-718D-E247-B1B8-8C4561CEA86B}" type="presOf" srcId="{6839F260-6BA1-4346-B3A0-03DA9D6E30F9}" destId="{53E79E27-8301-6D41-B26D-17F46A72DE7D}" srcOrd="0" destOrd="0" presId="urn:microsoft.com/office/officeart/2005/8/layout/orgChart1"/>
-    <dgm:cxn modelId="{FA038F80-5A99-2B4E-BE4A-DFA2A0C25100}" srcId="{5A77C950-58ED-E548-A254-D4EA97B8DB15}" destId="{11BE08E0-8BD3-8241-AA31-5D3C8BAE883E}" srcOrd="2" destOrd="0" parTransId="{24818FBC-AEF6-9448-82AE-EAE149309BFC}" sibTransId="{74BD77DC-5D13-8140-9438-2D10771BB41C}"/>
-    <dgm:cxn modelId="{EA397EB9-2820-A348-80E6-65FF17E6D57D}" type="presOf" srcId="{71B89020-FC18-8440-984C-03FD01C87E6A}" destId="{A0022CAE-76FC-8A49-96C0-2437950F7D9A}" srcOrd="0" destOrd="0" presId="urn:microsoft.com/office/officeart/2005/8/layout/orgChart1"/>
-    <dgm:cxn modelId="{2B122204-117C-9C4A-BA3B-41FDC37B137C}" type="presOf" srcId="{005A96A6-7D03-F048-AE18-D87857054C9B}" destId="{AA84DF84-70A7-324A-84C2-0E440BA96E4E}" srcOrd="1" destOrd="0" presId="urn:microsoft.com/office/officeart/2005/8/layout/orgChart1"/>
-    <dgm:cxn modelId="{BCA17466-0F2F-ED4F-AE7E-21D0895EE5D5}" type="presOf" srcId="{DA7A2C20-F115-3946-8138-BF6A2E13B90A}" destId="{8213B168-DF4E-F043-9D3B-6DC5B1000FCA}" srcOrd="1" destOrd="0" presId="urn:microsoft.com/office/officeart/2005/8/layout/orgChart1"/>
-    <dgm:cxn modelId="{18DD4A98-99CA-3C4A-AF7C-AC03105468B5}" type="presOf" srcId="{BDB10FF1-16F5-B943-AD2A-7BE14FB1775D}" destId="{7E4A15C2-BADE-FD4F-955B-C7C3148A56CF}" srcOrd="0" destOrd="0" presId="urn:microsoft.com/office/officeart/2005/8/layout/orgChart1"/>
-    <dgm:cxn modelId="{16AD03D0-4909-724F-9665-E7E2510B8393}" type="presOf" srcId="{380FE599-D771-7347-837E-5040B6D7859B}" destId="{0C9F4A48-45F6-AA4D-96BF-688E71308A31}" srcOrd="0" destOrd="0" presId="urn:microsoft.com/office/officeart/2005/8/layout/orgChart1"/>
-    <dgm:cxn modelId="{3AD2D59A-2CA6-2140-B09F-07ED2D050449}" type="presOf" srcId="{11BE08E0-8BD3-8241-AA31-5D3C8BAE883E}" destId="{EC42C478-3B14-3A43-AD41-CD4F28BC5D3D}" srcOrd="1" destOrd="0" presId="urn:microsoft.com/office/officeart/2005/8/layout/orgChart1"/>
-    <dgm:cxn modelId="{374AF65D-2DF7-FC42-A859-EB455BB48ACE}" srcId="{89314E86-60EE-5045-899C-E7417C09B90D}" destId="{5A77C950-58ED-E548-A254-D4EA97B8DB15}" srcOrd="0" destOrd="0" parTransId="{B749F862-2D6B-B745-B049-A2997DD78459}" sibTransId="{73E67987-3BE7-BE41-945D-2BE72A56575A}"/>
-    <dgm:cxn modelId="{DDE3EFDC-CAA2-6948-97AC-EE589DA05485}" type="presOf" srcId="{A73FFB69-14B0-804E-97F0-BB38C83B0F5A}" destId="{7791F5FA-0C0E-0A4F-8160-FC27C2C4D6AD}" srcOrd="0" destOrd="0" presId="urn:microsoft.com/office/officeart/2005/8/layout/orgChart1"/>
-    <dgm:cxn modelId="{856FD226-A739-094F-8A7E-859E6FFDE5EC}" type="presOf" srcId="{B749F862-2D6B-B745-B049-A2997DD78459}" destId="{D1ADB443-DC5D-7A4D-9FC2-F94CD67C1EAE}" srcOrd="0" destOrd="0" presId="urn:microsoft.com/office/officeart/2005/8/layout/orgChart1"/>
-    <dgm:cxn modelId="{95BD88AF-2A02-B14B-9ACB-143C6ED5F21D}" type="presOf" srcId="{B7DE1BDB-6633-A442-9076-6077D2DB73F9}" destId="{7BE81116-1A67-F947-B03E-A96F3A736855}" srcOrd="0" destOrd="0" presId="urn:microsoft.com/office/officeart/2005/8/layout/orgChart1"/>
-    <dgm:cxn modelId="{0F08C517-F8E1-A440-9CFE-889924E408F4}" type="presOf" srcId="{CBC573EF-E90D-6347-809E-E401648278E2}" destId="{7FE06AB2-EA71-9641-A603-15234D0AE5DE}" srcOrd="0" destOrd="0" presId="urn:microsoft.com/office/officeart/2005/8/layout/orgChart1"/>
-    <dgm:cxn modelId="{AC3D5F69-692C-A548-B647-AA3C2BBE2EDA}" type="presOf" srcId="{6155CF2C-7977-D14D-99D6-F5A1262B6548}" destId="{CD77DF7A-9D93-7741-BECC-8DB44EFD3EF3}" srcOrd="1" destOrd="0" presId="urn:microsoft.com/office/officeart/2005/8/layout/orgChart1"/>
-    <dgm:cxn modelId="{BE57780E-005F-364F-AAAC-40A6E16EFF08}" srcId="{71163973-4991-8548-A614-1741D0E7A526}" destId="{A73FFB69-14B0-804E-97F0-BB38C83B0F5A}" srcOrd="0" destOrd="0" parTransId="{B89227FD-4289-6947-B555-D133AAFB6088}" sibTransId="{63C64FD1-6A45-0243-A6DC-2B961EE6D0B7}"/>
-    <dgm:cxn modelId="{DFAA279C-A2DE-A94A-A9C5-3C325FA0F705}" type="presOf" srcId="{FF11A2BF-9380-DC4E-A16D-B170C89A5F01}" destId="{8F5D0854-A50A-2A4B-B05F-04FE902D5672}" srcOrd="0" destOrd="0" presId="urn:microsoft.com/office/officeart/2005/8/layout/orgChart1"/>
-    <dgm:cxn modelId="{C152F498-E377-834E-925A-B2160F36BA81}" type="presOf" srcId="{11BE08E0-8BD3-8241-AA31-5D3C8BAE883E}" destId="{EDE66430-21B6-8D4B-8624-309DA73F0538}" srcOrd="0" destOrd="0" presId="urn:microsoft.com/office/officeart/2005/8/layout/orgChart1"/>
-    <dgm:cxn modelId="{6321E819-770A-E141-A957-FCF974A6E00A}" type="presOf" srcId="{3B092136-6835-304E-AC51-D9BC322545E9}" destId="{7401CD6B-2EC8-8B49-B706-725F8DBDACBF}" srcOrd="0" destOrd="0" presId="urn:microsoft.com/office/officeart/2005/8/layout/orgChart1"/>
-    <dgm:cxn modelId="{993D77C6-FB7B-4B40-9D15-1BDC7B5462B0}" srcId="{5A77C950-58ED-E548-A254-D4EA97B8DB15}" destId="{005A96A6-7D03-F048-AE18-D87857054C9B}" srcOrd="4" destOrd="0" parTransId="{3B092136-6835-304E-AC51-D9BC322545E9}" sibTransId="{3CCE1415-DA2F-BF4D-9D68-F2B470E71518}"/>
-    <dgm:cxn modelId="{D9B9CB26-4B30-974A-903D-1590319DDC6F}" type="presOf" srcId="{71163973-4991-8548-A614-1741D0E7A526}" destId="{B4E24BE5-47F4-B24C-9630-08523CC43C14}" srcOrd="0" destOrd="0" presId="urn:microsoft.com/office/officeart/2005/8/layout/orgChart1"/>
-    <dgm:cxn modelId="{69E1AC7A-D514-A94A-8DE9-9C6DD9735311}" srcId="{1E4E5730-1D62-424B-88DC-A598FAA90032}" destId="{F9CD00FE-3567-AE46-85C7-48884CD17D00}" srcOrd="1" destOrd="0" parTransId="{D58907CA-3CBD-F14B-BADB-F5DBAF578C77}" sibTransId="{454D586C-2CFE-9F47-B0C4-E971D79F7C80}"/>
-    <dgm:cxn modelId="{DDDD2EE8-155D-7F41-90EB-016EF7D4EA80}" type="presOf" srcId="{24818FBC-AEF6-9448-82AE-EAE149309BFC}" destId="{44596B05-93D3-7146-88F3-77AD5CF63CD4}" srcOrd="0" destOrd="0" presId="urn:microsoft.com/office/officeart/2005/8/layout/orgChart1"/>
-    <dgm:cxn modelId="{F40CAC78-D80E-BA4E-9308-B94F02B928BA}" type="presOf" srcId="{DB470F67-F9F6-C04F-A5A8-D006899BBC48}" destId="{6A262A8B-7DC7-7246-A71C-744ED839A856}" srcOrd="0" destOrd="0" presId="urn:microsoft.com/office/officeart/2005/8/layout/orgChart1"/>
-    <dgm:cxn modelId="{3AF43ABE-6F58-2F4E-9BA4-2BED33B2EFAD}" type="presOf" srcId="{050449A4-EB5B-644F-ACCE-25A388C40F65}" destId="{7D5AA04B-9F18-654E-AEF4-9063D72014D0}" srcOrd="1" destOrd="0" presId="urn:microsoft.com/office/officeart/2005/8/layout/orgChart1"/>
-    <dgm:cxn modelId="{DF7D91D5-7A8C-B74E-91BE-A2F3C01C84BC}" srcId="{6C2963A9-6D37-B34C-A33B-8170001BC95A}" destId="{89314E86-60EE-5045-899C-E7417C09B90D}" srcOrd="0" destOrd="0" parTransId="{6552183B-C175-EF46-8F8D-A2C8D24C07F5}" sibTransId="{45C2A3D9-A4CD-A24C-BF57-B7FDB6C29B5E}"/>
-    <dgm:cxn modelId="{92882340-D9C4-3444-A3CB-D34C8A064CBC}" type="presOf" srcId="{5A77C950-58ED-E548-A254-D4EA97B8DB15}" destId="{65B1000F-16D1-7642-A8B7-9272DD88B9B1}" srcOrd="1" destOrd="0" presId="urn:microsoft.com/office/officeart/2005/8/layout/orgChart1"/>
-    <dgm:cxn modelId="{6E35AF57-B407-C84E-B45F-6C89A7305214}" type="presOf" srcId="{B89227FD-4289-6947-B555-D133AAFB6088}" destId="{08E95A04-6C00-AD46-BA0D-93623E8A7438}" srcOrd="0" destOrd="0" presId="urn:microsoft.com/office/officeart/2005/8/layout/orgChart1"/>
-    <dgm:cxn modelId="{0574C2D1-4B5E-6146-9A9C-903707C6FCA4}" type="presOf" srcId="{6C2963A9-6D37-B34C-A33B-8170001BC95A}" destId="{6BE4A84B-0547-CE4C-91EE-C9155EE950C4}" srcOrd="0" destOrd="0" presId="urn:microsoft.com/office/officeart/2005/8/layout/orgChart1"/>
-    <dgm:cxn modelId="{6B6B2669-FC45-6740-ACDD-E2808395DFF5}" type="presOf" srcId="{9E28A5D1-B308-D544-A128-464446C84491}" destId="{388624FC-1E86-734B-B8C6-A10CB975BDC3}" srcOrd="0" destOrd="0" presId="urn:microsoft.com/office/officeart/2005/8/layout/orgChart1"/>
-    <dgm:cxn modelId="{3A41FA98-02B3-804B-B5D6-99000F96F8DF}" srcId="{050449A4-EB5B-644F-ACCE-25A388C40F65}" destId="{48AA78DC-6E73-1946-8BE8-6F2203654B7C}" srcOrd="0" destOrd="0" parTransId="{9E28A5D1-B308-D544-A128-464446C84491}" sibTransId="{0B17B36B-7FBF-DE47-8513-555429420C1F}"/>
-    <dgm:cxn modelId="{619C11C0-FB3F-5744-8982-5A7BC6B37F05}" type="presOf" srcId="{DA7A2C20-F115-3946-8138-BF6A2E13B90A}" destId="{A99EF92C-53D6-FD40-B2DC-FD21D32A0E3A}" srcOrd="0" destOrd="0" presId="urn:microsoft.com/office/officeart/2005/8/layout/orgChart1"/>
-    <dgm:cxn modelId="{6C1BAB4F-1F68-F442-9582-BCD3D464CC8B}" type="presOf" srcId="{48AA78DC-6E73-1946-8BE8-6F2203654B7C}" destId="{55101633-7750-6248-B6C0-5F8DCCD35719}" srcOrd="0" destOrd="0" presId="urn:microsoft.com/office/officeart/2005/8/layout/orgChart1"/>
-    <dgm:cxn modelId="{AB98B083-7CF6-564B-A729-D7771E8907FC}" type="presOf" srcId="{F9CD00FE-3567-AE46-85C7-48884CD17D00}" destId="{A842BD50-3E72-5C41-816A-55632D43A99D}" srcOrd="0" destOrd="0" presId="urn:microsoft.com/office/officeart/2005/8/layout/orgChart1"/>
     <dgm:cxn modelId="{123BE9B5-2564-DE46-9348-3D89DC164D60}" type="presParOf" srcId="{6BE4A84B-0547-CE4C-91EE-C9155EE950C4}" destId="{978B9AA7-B086-144F-B08F-C544A11231A4}" srcOrd="0" destOrd="0" presId="urn:microsoft.com/office/officeart/2005/8/layout/orgChart1"/>
     <dgm:cxn modelId="{7805C1D8-4387-0044-9EC4-61A06578F50A}" type="presParOf" srcId="{978B9AA7-B086-144F-B08F-C544A11231A4}" destId="{C78C0631-9A2C-1A4C-90AF-96F3A7B69B61}" srcOrd="0" destOrd="0" presId="urn:microsoft.com/office/officeart/2005/8/layout/orgChart1"/>
     <dgm:cxn modelId="{9C9B3B25-78C5-F84E-B54F-D67479E1458F}" type="presParOf" srcId="{C78C0631-9A2C-1A4C-90AF-96F3A7B69B61}" destId="{128C9672-596B-C947-97FA-F938099189E1}" srcOrd="0" destOrd="0" presId="urn:microsoft.com/office/officeart/2005/8/layout/orgChart1"/>
@@ -15529,7 +15529,7 @@
           <a:p>
             <a:fld id="{717A0F8B-93E4-D94C-A23F-3BFE25CA288E}" type="datetimeFigureOut">
               <a:rPr kumimoji="1" lang="zh-TW" altLang="en-US" smtClean="0"/>
-              <a:t>2018/6/11</a:t>
+              <a:t>2018/6/14</a:t>
             </a:fld>
             <a:endParaRPr kumimoji="1" lang="zh-TW" altLang="en-US"/>
           </a:p>
@@ -15928,7 +15928,7 @@
           <a:p>
             <a:fld id="{C5A3AF4C-25B1-F44B-852B-3193A0C807C6}" type="datetimeFigureOut">
               <a:rPr kumimoji="1" lang="zh-TW" altLang="en-US" smtClean="0"/>
-              <a:t>2018/6/11</a:t>
+              <a:t>2018/6/14</a:t>
             </a:fld>
             <a:endParaRPr kumimoji="1" lang="zh-TW" altLang="en-US"/>
           </a:p>
@@ -16093,7 +16093,7 @@
           <a:p>
             <a:fld id="{C5A3AF4C-25B1-F44B-852B-3193A0C807C6}" type="datetimeFigureOut">
               <a:rPr kumimoji="1" lang="zh-TW" altLang="en-US" smtClean="0"/>
-              <a:t>2018/6/11</a:t>
+              <a:t>2018/6/14</a:t>
             </a:fld>
             <a:endParaRPr kumimoji="1" lang="zh-TW" altLang="en-US"/>
           </a:p>
@@ -16268,7 +16268,7 @@
           <a:p>
             <a:fld id="{C5A3AF4C-25B1-F44B-852B-3193A0C807C6}" type="datetimeFigureOut">
               <a:rPr kumimoji="1" lang="zh-TW" altLang="en-US" smtClean="0"/>
-              <a:t>2018/6/11</a:t>
+              <a:t>2018/6/14</a:t>
             </a:fld>
             <a:endParaRPr kumimoji="1" lang="zh-TW" altLang="en-US"/>
           </a:p>
@@ -16433,7 +16433,7 @@
           <a:p>
             <a:fld id="{C5A3AF4C-25B1-F44B-852B-3193A0C807C6}" type="datetimeFigureOut">
               <a:rPr kumimoji="1" lang="zh-TW" altLang="en-US" smtClean="0"/>
-              <a:t>2018/6/11</a:t>
+              <a:t>2018/6/14</a:t>
             </a:fld>
             <a:endParaRPr kumimoji="1" lang="zh-TW" altLang="en-US"/>
           </a:p>
@@ -16672,7 +16672,7 @@
           <a:p>
             <a:fld id="{C5A3AF4C-25B1-F44B-852B-3193A0C807C6}" type="datetimeFigureOut">
               <a:rPr kumimoji="1" lang="zh-TW" altLang="en-US" smtClean="0"/>
-              <a:t>2018/6/11</a:t>
+              <a:t>2018/6/14</a:t>
             </a:fld>
             <a:endParaRPr kumimoji="1" lang="zh-TW" altLang="en-US"/>
           </a:p>
@@ -16899,7 +16899,7 @@
           <a:p>
             <a:fld id="{C5A3AF4C-25B1-F44B-852B-3193A0C807C6}" type="datetimeFigureOut">
               <a:rPr kumimoji="1" lang="zh-TW" altLang="en-US" smtClean="0"/>
-              <a:t>2018/6/11</a:t>
+              <a:t>2018/6/14</a:t>
             </a:fld>
             <a:endParaRPr kumimoji="1" lang="zh-TW" altLang="en-US"/>
           </a:p>
@@ -17261,7 +17261,7 @@
           <a:p>
             <a:fld id="{C5A3AF4C-25B1-F44B-852B-3193A0C807C6}" type="datetimeFigureOut">
               <a:rPr kumimoji="1" lang="zh-TW" altLang="en-US" smtClean="0"/>
-              <a:t>2018/6/11</a:t>
+              <a:t>2018/6/14</a:t>
             </a:fld>
             <a:endParaRPr kumimoji="1" lang="zh-TW" altLang="en-US"/>
           </a:p>
@@ -17374,7 +17374,7 @@
           <a:p>
             <a:fld id="{C5A3AF4C-25B1-F44B-852B-3193A0C807C6}" type="datetimeFigureOut">
               <a:rPr kumimoji="1" lang="zh-TW" altLang="en-US" smtClean="0"/>
-              <a:t>2018/6/11</a:t>
+              <a:t>2018/6/14</a:t>
             </a:fld>
             <a:endParaRPr kumimoji="1" lang="zh-TW" altLang="en-US"/>
           </a:p>
@@ -17464,7 +17464,7 @@
           <a:p>
             <a:fld id="{C5A3AF4C-25B1-F44B-852B-3193A0C807C6}" type="datetimeFigureOut">
               <a:rPr kumimoji="1" lang="zh-TW" altLang="en-US" smtClean="0"/>
-              <a:t>2018/6/11</a:t>
+              <a:t>2018/6/14</a:t>
             </a:fld>
             <a:endParaRPr kumimoji="1" lang="zh-TW" altLang="en-US"/>
           </a:p>
@@ -17736,7 +17736,7 @@
           <a:p>
             <a:fld id="{C5A3AF4C-25B1-F44B-852B-3193A0C807C6}" type="datetimeFigureOut">
               <a:rPr kumimoji="1" lang="zh-TW" altLang="en-US" smtClean="0"/>
-              <a:t>2018/6/11</a:t>
+              <a:t>2018/6/14</a:t>
             </a:fld>
             <a:endParaRPr kumimoji="1" lang="zh-TW" altLang="en-US"/>
           </a:p>
@@ -17988,7 +17988,7 @@
           <a:p>
             <a:fld id="{C5A3AF4C-25B1-F44B-852B-3193A0C807C6}" type="datetimeFigureOut">
               <a:rPr kumimoji="1" lang="zh-TW" altLang="en-US" smtClean="0"/>
-              <a:t>2018/6/11</a:t>
+              <a:t>2018/6/14</a:t>
             </a:fld>
             <a:endParaRPr kumimoji="1" lang="zh-TW" altLang="en-US"/>
           </a:p>
@@ -18196,7 +18196,7 @@
           <a:p>
             <a:fld id="{C5A3AF4C-25B1-F44B-852B-3193A0C807C6}" type="datetimeFigureOut">
               <a:rPr kumimoji="1" lang="zh-TW" altLang="en-US" smtClean="0"/>
-              <a:t>2018/6/11</a:t>
+              <a:t>2018/6/14</a:t>
             </a:fld>
             <a:endParaRPr kumimoji="1" lang="zh-TW" altLang="en-US"/>
           </a:p>
@@ -18722,7 +18722,7 @@
           <a:p>
             <a:pPr algn="ctr"/>
             <a:r>
-              <a:rPr kumimoji="1" lang="zh-TW" altLang="en-US" sz="2925" b="1" dirty="0">
+              <a:rPr kumimoji="1" lang="zh-TW" altLang="en-US" sz="2925" b="1" smtClean="0">
                 <a:solidFill>
                   <a:schemeClr val="tx1"/>
                 </a:solidFill>
@@ -18730,8 +18730,16 @@
                 <a:ea typeface="Microsoft JhengHei" charset="-120"/>
                 <a:cs typeface="Microsoft JhengHei" charset="-120"/>
               </a:rPr>
-              <a:t>設定</a:t>
+              <a:t>說明</a:t>
             </a:r>
+            <a:endParaRPr kumimoji="1" lang="zh-TW" altLang="en-US" sz="2925" b="1" dirty="0">
+              <a:solidFill>
+                <a:schemeClr val="tx1"/>
+              </a:solidFill>
+              <a:latin typeface="Microsoft JhengHei" charset="-120"/>
+              <a:ea typeface="Microsoft JhengHei" charset="-120"/>
+              <a:cs typeface="Microsoft JhengHei" charset="-120"/>
+            </a:endParaRPr>
           </a:p>
         </p:txBody>
       </p:sp>
@@ -22176,7 +22184,7 @@
         </p:blipFill>
         <p:spPr>
           <a:xfrm>
-            <a:off x="7593166" y="3379569"/>
+            <a:off x="5097316" y="3711040"/>
             <a:ext cx="1035257" cy="675606"/>
           </a:xfrm>
           <a:prstGeom prst="rect">
@@ -22424,198 +22432,243 @@
           <a:chExt cx="0" cy="0"/>
         </a:xfrm>
       </p:grpSpPr>
-      <p:sp>
-        <p:nvSpPr>
-          <p:cNvPr id="4" name="圓角矩形 3"/>
-          <p:cNvSpPr/>
+      <p:grpSp>
+        <p:nvGrpSpPr>
+          <p:cNvPr id="8" name="群組 7"/>
+          <p:cNvGrpSpPr/>
           <p:nvPr/>
-        </p:nvSpPr>
-        <p:spPr>
+        </p:nvGrpSpPr>
+        <p:grpSpPr>
           <a:xfrm>
-            <a:off x="0" y="691661"/>
-            <a:ext cx="9905999" cy="4970584"/>
+            <a:off x="0" y="487485"/>
+            <a:ext cx="9905999" cy="5174760"/>
+            <a:chOff x="0" y="487485"/>
+            <a:chExt cx="9905999" cy="5174760"/>
           </a:xfrm>
-          <a:prstGeom prst="roundRect">
-            <a:avLst/>
-          </a:prstGeom>
-          <a:gradFill>
-            <a:gsLst>
-              <a:gs pos="0">
+        </p:grpSpPr>
+        <p:grpSp>
+          <p:nvGrpSpPr>
+            <p:cNvPr id="3" name="群組 2"/>
+            <p:cNvGrpSpPr/>
+            <p:nvPr/>
+          </p:nvGrpSpPr>
+          <p:grpSpPr>
+            <a:xfrm>
+              <a:off x="0" y="487485"/>
+              <a:ext cx="9905999" cy="5174760"/>
+              <a:chOff x="0" y="487485"/>
+              <a:chExt cx="9905999" cy="5174760"/>
+            </a:xfrm>
+          </p:grpSpPr>
+          <p:grpSp>
+            <p:nvGrpSpPr>
+              <p:cNvPr id="2" name="群組 1"/>
+              <p:cNvGrpSpPr/>
+              <p:nvPr/>
+            </p:nvGrpSpPr>
+            <p:grpSpPr>
+              <a:xfrm>
+                <a:off x="0" y="487485"/>
+                <a:ext cx="9905999" cy="5174760"/>
+                <a:chOff x="0" y="487485"/>
+                <a:chExt cx="9905999" cy="5174760"/>
+              </a:xfrm>
+            </p:grpSpPr>
+            <p:sp>
+              <p:nvSpPr>
+                <p:cNvPr id="4" name="圓角矩形 3"/>
+                <p:cNvSpPr/>
+                <p:nvPr/>
+              </p:nvSpPr>
+              <p:spPr>
+                <a:xfrm>
+                  <a:off x="0" y="691661"/>
+                  <a:ext cx="9905999" cy="4970584"/>
+                </a:xfrm>
+                <a:prstGeom prst="roundRect">
+                  <a:avLst/>
+                </a:prstGeom>
+                <a:gradFill>
+                  <a:gsLst>
+                    <a:gs pos="0">
+                      <a:schemeClr val="accent1">
+                        <a:lumMod val="5000"/>
+                        <a:lumOff val="95000"/>
+                      </a:schemeClr>
+                    </a:gs>
+                    <a:gs pos="74000">
+                      <a:schemeClr val="accent1">
+                        <a:lumMod val="45000"/>
+                        <a:lumOff val="55000"/>
+                      </a:schemeClr>
+                    </a:gs>
+                    <a:gs pos="83000">
+                      <a:schemeClr val="accent1">
+                        <a:lumMod val="45000"/>
+                        <a:lumOff val="55000"/>
+                      </a:schemeClr>
+                    </a:gs>
+                    <a:gs pos="100000">
+                      <a:schemeClr val="accent1">
+                        <a:lumMod val="30000"/>
+                        <a:lumOff val="70000"/>
+                      </a:schemeClr>
+                    </a:gs>
+                  </a:gsLst>
+                  <a:lin ang="5400000" scaled="1"/>
+                </a:gradFill>
+              </p:spPr>
+              <p:style>
+                <a:lnRef idx="2">
+                  <a:schemeClr val="accent1">
+                    <a:shade val="50000"/>
+                  </a:schemeClr>
+                </a:lnRef>
+                <a:fillRef idx="1">
+                  <a:schemeClr val="accent1"/>
+                </a:fillRef>
+                <a:effectRef idx="0">
+                  <a:schemeClr val="accent1"/>
+                </a:effectRef>
+                <a:fontRef idx="minor">
+                  <a:schemeClr val="lt1"/>
+                </a:fontRef>
+              </p:style>
+              <p:txBody>
+                <a:bodyPr rtlCol="0" anchor="ctr"/>
+                <a:lstStyle/>
+                <a:p>
+                  <a:pPr algn="ctr"/>
+                  <a:endParaRPr kumimoji="1" lang="zh-TW" altLang="en-US" dirty="0"/>
+                </a:p>
+              </p:txBody>
+            </p:sp>
+            <p:sp>
+              <p:nvSpPr>
+                <p:cNvPr id="5" name="橢圓 4"/>
+                <p:cNvSpPr/>
+                <p:nvPr/>
+              </p:nvSpPr>
+              <p:spPr>
+                <a:xfrm>
+                  <a:off x="9050215" y="487485"/>
+                  <a:ext cx="855784" cy="855784"/>
+                </a:xfrm>
+                <a:prstGeom prst="ellipse">
+                  <a:avLst/>
+                </a:prstGeom>
+                <a:solidFill>
+                  <a:schemeClr val="bg2">
+                    <a:lumMod val="90000"/>
+                  </a:schemeClr>
+                </a:solidFill>
+              </p:spPr>
+              <p:style>
+                <a:lnRef idx="2">
+                  <a:schemeClr val="accent1">
+                    <a:shade val="50000"/>
+                  </a:schemeClr>
+                </a:lnRef>
+                <a:fillRef idx="1">
+                  <a:schemeClr val="accent1"/>
+                </a:fillRef>
+                <a:effectRef idx="0">
+                  <a:schemeClr val="accent1"/>
+                </a:effectRef>
+                <a:fontRef idx="minor">
+                  <a:schemeClr val="lt1"/>
+                </a:fontRef>
+              </p:style>
+              <p:txBody>
+                <a:bodyPr rtlCol="0" anchor="ctr"/>
+                <a:lstStyle/>
+                <a:p>
+                  <a:pPr algn="ctr"/>
+                  <a:endParaRPr kumimoji="1" lang="zh-TW" altLang="en-US"/>
+                </a:p>
+              </p:txBody>
+            </p:sp>
+          </p:grpSp>
+          <p:sp>
+            <p:nvSpPr>
+              <p:cNvPr id="6" name="十字形 5"/>
+              <p:cNvSpPr/>
+              <p:nvPr/>
+            </p:nvSpPr>
+            <p:spPr>
+              <a:xfrm rot="2688835">
+                <a:off x="9140311" y="577582"/>
+                <a:ext cx="675593" cy="675593"/>
+              </a:xfrm>
+              <a:prstGeom prst="plus">
+                <a:avLst>
+                  <a:gd name="adj" fmla="val 34876"/>
+                </a:avLst>
+              </a:prstGeom>
+              <a:solidFill>
+                <a:schemeClr val="tx1">
+                  <a:lumMod val="50000"/>
+                  <a:lumOff val="50000"/>
+                </a:schemeClr>
+              </a:solidFill>
+            </p:spPr>
+            <p:style>
+              <a:lnRef idx="2">
                 <a:schemeClr val="accent1">
-                  <a:lumMod val="5000"/>
-                  <a:lumOff val="95000"/>
+                  <a:shade val="50000"/>
                 </a:schemeClr>
-              </a:gs>
-              <a:gs pos="74000">
-                <a:schemeClr val="accent1">
-                  <a:lumMod val="45000"/>
-                  <a:lumOff val="55000"/>
-                </a:schemeClr>
-              </a:gs>
-              <a:gs pos="83000">
-                <a:schemeClr val="accent1">
-                  <a:lumMod val="45000"/>
-                  <a:lumOff val="55000"/>
-                </a:schemeClr>
-              </a:gs>
-              <a:gs pos="100000">
-                <a:schemeClr val="accent1">
-                  <a:lumMod val="30000"/>
-                  <a:lumOff val="70000"/>
-                </a:schemeClr>
-              </a:gs>
-            </a:gsLst>
-            <a:lin ang="5400000" scaled="1"/>
-          </a:gradFill>
-        </p:spPr>
-        <p:style>
-          <a:lnRef idx="2">
-            <a:schemeClr val="accent1">
-              <a:shade val="50000"/>
-            </a:schemeClr>
-          </a:lnRef>
-          <a:fillRef idx="1">
-            <a:schemeClr val="accent1"/>
-          </a:fillRef>
-          <a:effectRef idx="0">
-            <a:schemeClr val="accent1"/>
-          </a:effectRef>
-          <a:fontRef idx="minor">
-            <a:schemeClr val="lt1"/>
-          </a:fontRef>
-        </p:style>
-        <p:txBody>
-          <a:bodyPr rtlCol="0" anchor="ctr"/>
-          <a:lstStyle/>
-          <a:p>
-            <a:pPr algn="ctr"/>
-            <a:endParaRPr kumimoji="1" lang="zh-TW" altLang="en-US" dirty="0"/>
-          </a:p>
-        </p:txBody>
-      </p:sp>
-      <p:sp>
-        <p:nvSpPr>
-          <p:cNvPr id="5" name="橢圓 4"/>
-          <p:cNvSpPr/>
-          <p:nvPr/>
-        </p:nvSpPr>
-        <p:spPr>
-          <a:xfrm>
-            <a:off x="9050215" y="487485"/>
-            <a:ext cx="855784" cy="855784"/>
-          </a:xfrm>
-          <a:prstGeom prst="ellipse">
-            <a:avLst/>
-          </a:prstGeom>
-          <a:solidFill>
-            <a:schemeClr val="bg2">
-              <a:lumMod val="90000"/>
-            </a:schemeClr>
-          </a:solidFill>
-        </p:spPr>
-        <p:style>
-          <a:lnRef idx="2">
-            <a:schemeClr val="accent1">
-              <a:shade val="50000"/>
-            </a:schemeClr>
-          </a:lnRef>
-          <a:fillRef idx="1">
-            <a:schemeClr val="accent1"/>
-          </a:fillRef>
-          <a:effectRef idx="0">
-            <a:schemeClr val="accent1"/>
-          </a:effectRef>
-          <a:fontRef idx="minor">
-            <a:schemeClr val="lt1"/>
-          </a:fontRef>
-        </p:style>
-        <p:txBody>
-          <a:bodyPr rtlCol="0" anchor="ctr"/>
-          <a:lstStyle/>
-          <a:p>
-            <a:pPr algn="ctr"/>
-            <a:endParaRPr kumimoji="1" lang="zh-TW" altLang="en-US"/>
-          </a:p>
-        </p:txBody>
-      </p:sp>
-      <p:sp>
-        <p:nvSpPr>
-          <p:cNvPr id="6" name="十字形 5"/>
-          <p:cNvSpPr/>
-          <p:nvPr/>
-        </p:nvSpPr>
-        <p:spPr>
-          <a:xfrm rot="2688835">
-            <a:off x="9140311" y="577582"/>
-            <a:ext cx="675593" cy="675593"/>
-          </a:xfrm>
-          <a:prstGeom prst="plus">
-            <a:avLst>
-              <a:gd name="adj" fmla="val 34876"/>
-            </a:avLst>
-          </a:prstGeom>
-          <a:solidFill>
-            <a:schemeClr val="tx1">
-              <a:lumMod val="50000"/>
-              <a:lumOff val="50000"/>
-            </a:schemeClr>
-          </a:solidFill>
-        </p:spPr>
-        <p:style>
-          <a:lnRef idx="2">
-            <a:schemeClr val="accent1">
-              <a:shade val="50000"/>
-            </a:schemeClr>
-          </a:lnRef>
-          <a:fillRef idx="1">
-            <a:schemeClr val="accent1"/>
-          </a:fillRef>
-          <a:effectRef idx="0">
-            <a:schemeClr val="accent1"/>
-          </a:effectRef>
-          <a:fontRef idx="minor">
-            <a:schemeClr val="lt1"/>
-          </a:fontRef>
-        </p:style>
-        <p:txBody>
-          <a:bodyPr rtlCol="0" anchor="ctr"/>
-          <a:lstStyle/>
-          <a:p>
-            <a:pPr algn="ctr"/>
-            <a:endParaRPr kumimoji="1" lang="zh-TW" altLang="en-US"/>
-          </a:p>
-        </p:txBody>
-      </p:sp>
-      <p:sp>
-        <p:nvSpPr>
-          <p:cNvPr id="7" name="文字方塊 6"/>
-          <p:cNvSpPr txBox="1"/>
-          <p:nvPr/>
-        </p:nvSpPr>
-        <p:spPr>
-          <a:xfrm>
-            <a:off x="973015" y="1100705"/>
-            <a:ext cx="4288353" cy="584775"/>
-          </a:xfrm>
-          <a:prstGeom prst="rect">
-            <a:avLst/>
-          </a:prstGeom>
-          <a:noFill/>
-        </p:spPr>
-        <p:txBody>
-          <a:bodyPr wrap="none" rtlCol="0">
-            <a:spAutoFit/>
-          </a:bodyPr>
-          <a:lstStyle/>
-          <a:p>
-            <a:r>
-              <a:rPr kumimoji="1" lang="zh-TW" altLang="en-US" sz="3200" dirty="0" smtClean="0"/>
-              <a:t>作者：楊永健、芮嘉輝</a:t>
-            </a:r>
-            <a:endParaRPr kumimoji="1" lang="en-US" altLang="zh-TW" sz="3200" dirty="0" smtClean="0"/>
-          </a:p>
-        </p:txBody>
-      </p:sp>
+              </a:lnRef>
+              <a:fillRef idx="1">
+                <a:schemeClr val="accent1"/>
+              </a:fillRef>
+              <a:effectRef idx="0">
+                <a:schemeClr val="accent1"/>
+              </a:effectRef>
+              <a:fontRef idx="minor">
+                <a:schemeClr val="lt1"/>
+              </a:fontRef>
+            </p:style>
+            <p:txBody>
+              <a:bodyPr rtlCol="0" anchor="ctr"/>
+              <a:lstStyle/>
+              <a:p>
+                <a:pPr algn="ctr"/>
+                <a:endParaRPr kumimoji="1" lang="zh-TW" altLang="en-US"/>
+              </a:p>
+            </p:txBody>
+          </p:sp>
+        </p:grpSp>
+        <p:sp>
+          <p:nvSpPr>
+            <p:cNvPr id="7" name="文字方塊 6"/>
+            <p:cNvSpPr txBox="1"/>
+            <p:nvPr/>
+          </p:nvSpPr>
+          <p:spPr>
+            <a:xfrm>
+              <a:off x="973015" y="1100705"/>
+              <a:ext cx="4288353" cy="584775"/>
+            </a:xfrm>
+            <a:prstGeom prst="rect">
+              <a:avLst/>
+            </a:prstGeom>
+            <a:noFill/>
+          </p:spPr>
+          <p:txBody>
+            <a:bodyPr wrap="none" rtlCol="0">
+              <a:spAutoFit/>
+            </a:bodyPr>
+            <a:lstStyle/>
+            <a:p>
+              <a:r>
+                <a:rPr kumimoji="1" lang="zh-TW" altLang="en-US" sz="3200" dirty="0" smtClean="0"/>
+                <a:t>作者：楊永健、芮嘉輝</a:t>
+              </a:r>
+              <a:endParaRPr kumimoji="1" lang="en-US" altLang="zh-TW" sz="3200" dirty="0" smtClean="0"/>
+            </a:p>
+          </p:txBody>
+        </p:sp>
+      </p:grpSp>
     </p:spTree>
     <p:extLst>
       <p:ext uri="{BB962C8B-B14F-4D97-AF65-F5344CB8AC3E}">

--- a/images/簡報1.pptx
+++ b/images/簡報1.pptx
@@ -3337,6 +3337,13 @@
         </dgm:presLayoutVars>
       </dgm:prSet>
       <dgm:spPr/>
+      <dgm:t>
+        <a:bodyPr/>
+        <a:lstStyle/>
+        <a:p>
+          <a:endParaRPr lang="zh-TW" altLang="en-US"/>
+        </a:p>
+      </dgm:t>
     </dgm:pt>
     <dgm:pt modelId="{D1E4DA8E-5A4F-B44A-9A6F-188C5D02BB22}" type="pres">
       <dgm:prSet presAssocID="{601B5E7F-A2DB-8B49-A3A5-A74B4267B353}" presName="node" presStyleLbl="node1" presStyleIdx="0" presStyleCnt="3">
@@ -3356,10 +3363,24 @@
     <dgm:pt modelId="{3E7A2398-FCF4-E24B-BB07-684A7DE72AE2}" type="pres">
       <dgm:prSet presAssocID="{3EDF6B3D-DDB5-1343-9A25-0195C8F29AA1}" presName="sibTrans" presStyleLbl="sibTrans2D1" presStyleIdx="0" presStyleCnt="2"/>
       <dgm:spPr/>
+      <dgm:t>
+        <a:bodyPr/>
+        <a:lstStyle/>
+        <a:p>
+          <a:endParaRPr lang="zh-TW" altLang="en-US"/>
+        </a:p>
+      </dgm:t>
     </dgm:pt>
     <dgm:pt modelId="{37B087B6-EFB8-8940-8303-A81EFD3C2D19}" type="pres">
       <dgm:prSet presAssocID="{3EDF6B3D-DDB5-1343-9A25-0195C8F29AA1}" presName="connectorText" presStyleLbl="sibTrans2D1" presStyleIdx="0" presStyleCnt="2"/>
       <dgm:spPr/>
+      <dgm:t>
+        <a:bodyPr/>
+        <a:lstStyle/>
+        <a:p>
+          <a:endParaRPr lang="zh-TW" altLang="en-US"/>
+        </a:p>
+      </dgm:t>
     </dgm:pt>
     <dgm:pt modelId="{F6961EB5-CC00-6F40-A6C6-C8CE792E9EC6}" type="pres">
       <dgm:prSet presAssocID="{AAACD4F2-0B85-3A47-8C7B-A6E6B366249A}" presName="node" presStyleLbl="node1" presStyleIdx="1" presStyleCnt="3">
@@ -3379,10 +3400,24 @@
     <dgm:pt modelId="{2FA01C97-806E-B444-9329-84FC57CAF115}" type="pres">
       <dgm:prSet presAssocID="{1FE5A838-784E-2049-97F4-79DD9B5C3DFE}" presName="sibTrans" presStyleLbl="sibTrans2D1" presStyleIdx="1" presStyleCnt="2"/>
       <dgm:spPr/>
+      <dgm:t>
+        <a:bodyPr/>
+        <a:lstStyle/>
+        <a:p>
+          <a:endParaRPr lang="zh-TW" altLang="en-US"/>
+        </a:p>
+      </dgm:t>
     </dgm:pt>
     <dgm:pt modelId="{AC7F5CD4-5674-D14E-BD9E-10D4DDAE29F9}" type="pres">
       <dgm:prSet presAssocID="{1FE5A838-784E-2049-97F4-79DD9B5C3DFE}" presName="connectorText" presStyleLbl="sibTrans2D1" presStyleIdx="1" presStyleCnt="2"/>
       <dgm:spPr/>
+      <dgm:t>
+        <a:bodyPr/>
+        <a:lstStyle/>
+        <a:p>
+          <a:endParaRPr lang="zh-TW" altLang="en-US"/>
+        </a:p>
+      </dgm:t>
     </dgm:pt>
     <dgm:pt modelId="{D74FEC6B-C99D-5D42-8FE3-650718DE4246}" type="pres">
       <dgm:prSet presAssocID="{CE9B40D7-4F29-3248-9F69-0786BC158F27}" presName="node" presStyleLbl="node1" presStyleIdx="2" presStyleCnt="3">
@@ -3401,17 +3436,17 @@
     </dgm:pt>
   </dgm:ptLst>
   <dgm:cxnLst>
+    <dgm:cxn modelId="{42817828-7109-214D-9594-CFA4D0D58D24}" type="presOf" srcId="{1FE5A838-784E-2049-97F4-79DD9B5C3DFE}" destId="{AC7F5CD4-5674-D14E-BD9E-10D4DDAE29F9}" srcOrd="1" destOrd="0" presId="urn:microsoft.com/office/officeart/2005/8/layout/process1"/>
+    <dgm:cxn modelId="{F4F85467-2552-B74C-BE7B-5EAC95F8DE48}" srcId="{57A7CE29-7BF9-5C49-98FF-276315973208}" destId="{CE9B40D7-4F29-3248-9F69-0786BC158F27}" srcOrd="2" destOrd="0" parTransId="{C1B41480-8C2B-634B-A6A4-11907C373714}" sibTransId="{802B9B64-C319-0249-A137-96900173F227}"/>
+    <dgm:cxn modelId="{D530C267-9633-4340-BE34-F262BC19879A}" type="presOf" srcId="{57A7CE29-7BF9-5C49-98FF-276315973208}" destId="{FB01F27D-5A58-9B41-B332-64D5B3DFADF7}" srcOrd="0" destOrd="0" presId="urn:microsoft.com/office/officeart/2005/8/layout/process1"/>
     <dgm:cxn modelId="{6559564E-BE5D-7D45-B777-30F01BAA73E3}" srcId="{57A7CE29-7BF9-5C49-98FF-276315973208}" destId="{601B5E7F-A2DB-8B49-A3A5-A74B4267B353}" srcOrd="0" destOrd="0" parTransId="{4E4E7B17-1751-8B42-8F9C-18577AD6F086}" sibTransId="{3EDF6B3D-DDB5-1343-9A25-0195C8F29AA1}"/>
+    <dgm:cxn modelId="{A764726D-B6AF-3A42-8392-5B2A01507A25}" type="presOf" srcId="{3EDF6B3D-DDB5-1343-9A25-0195C8F29AA1}" destId="{3E7A2398-FCF4-E24B-BB07-684A7DE72AE2}" srcOrd="0" destOrd="0" presId="urn:microsoft.com/office/officeart/2005/8/layout/process1"/>
     <dgm:cxn modelId="{A7C7BBF6-4646-524C-8E5D-3159F5C56008}" type="presOf" srcId="{601B5E7F-A2DB-8B49-A3A5-A74B4267B353}" destId="{D1E4DA8E-5A4F-B44A-9A6F-188C5D02BB22}" srcOrd="0" destOrd="0" presId="urn:microsoft.com/office/officeart/2005/8/layout/process1"/>
-    <dgm:cxn modelId="{32B06495-16A9-BE4C-ABCB-71962234EFBE}" type="presOf" srcId="{AAACD4F2-0B85-3A47-8C7B-A6E6B366249A}" destId="{F6961EB5-CC00-6F40-A6C6-C8CE792E9EC6}" srcOrd="0" destOrd="0" presId="urn:microsoft.com/office/officeart/2005/8/layout/process1"/>
-    <dgm:cxn modelId="{42817828-7109-214D-9594-CFA4D0D58D24}" type="presOf" srcId="{1FE5A838-784E-2049-97F4-79DD9B5C3DFE}" destId="{AC7F5CD4-5674-D14E-BD9E-10D4DDAE29F9}" srcOrd="1" destOrd="0" presId="urn:microsoft.com/office/officeart/2005/8/layout/process1"/>
-    <dgm:cxn modelId="{EDCFC172-0C6B-CF48-A67D-8E0D6F812458}" srcId="{57A7CE29-7BF9-5C49-98FF-276315973208}" destId="{AAACD4F2-0B85-3A47-8C7B-A6E6B366249A}" srcOrd="1" destOrd="0" parTransId="{681C7584-73C6-DF40-AB3F-907B9F347BD0}" sibTransId="{1FE5A838-784E-2049-97F4-79DD9B5C3DFE}"/>
-    <dgm:cxn modelId="{D530C267-9633-4340-BE34-F262BC19879A}" type="presOf" srcId="{57A7CE29-7BF9-5C49-98FF-276315973208}" destId="{FB01F27D-5A58-9B41-B332-64D5B3DFADF7}" srcOrd="0" destOrd="0" presId="urn:microsoft.com/office/officeart/2005/8/layout/process1"/>
     <dgm:cxn modelId="{5BFACC1F-17D4-5744-AC49-E131AB0E6910}" type="presOf" srcId="{3EDF6B3D-DDB5-1343-9A25-0195C8F29AA1}" destId="{37B087B6-EFB8-8940-8303-A81EFD3C2D19}" srcOrd="1" destOrd="0" presId="urn:microsoft.com/office/officeart/2005/8/layout/process1"/>
     <dgm:cxn modelId="{6BF36AA4-77D0-664A-89A4-DA963D58F979}" type="presOf" srcId="{1FE5A838-784E-2049-97F4-79DD9B5C3DFE}" destId="{2FA01C97-806E-B444-9329-84FC57CAF115}" srcOrd="0" destOrd="0" presId="urn:microsoft.com/office/officeart/2005/8/layout/process1"/>
-    <dgm:cxn modelId="{A764726D-B6AF-3A42-8392-5B2A01507A25}" type="presOf" srcId="{3EDF6B3D-DDB5-1343-9A25-0195C8F29AA1}" destId="{3E7A2398-FCF4-E24B-BB07-684A7DE72AE2}" srcOrd="0" destOrd="0" presId="urn:microsoft.com/office/officeart/2005/8/layout/process1"/>
     <dgm:cxn modelId="{2DBEB5D0-18AF-4A49-8C38-D21BFCA36A13}" type="presOf" srcId="{CE9B40D7-4F29-3248-9F69-0786BC158F27}" destId="{D74FEC6B-C99D-5D42-8FE3-650718DE4246}" srcOrd="0" destOrd="0" presId="urn:microsoft.com/office/officeart/2005/8/layout/process1"/>
-    <dgm:cxn modelId="{F4F85467-2552-B74C-BE7B-5EAC95F8DE48}" srcId="{57A7CE29-7BF9-5C49-98FF-276315973208}" destId="{CE9B40D7-4F29-3248-9F69-0786BC158F27}" srcOrd="2" destOrd="0" parTransId="{C1B41480-8C2B-634B-A6A4-11907C373714}" sibTransId="{802B9B64-C319-0249-A137-96900173F227}"/>
+    <dgm:cxn modelId="{EDCFC172-0C6B-CF48-A67D-8E0D6F812458}" srcId="{57A7CE29-7BF9-5C49-98FF-276315973208}" destId="{AAACD4F2-0B85-3A47-8C7B-A6E6B366249A}" srcOrd="1" destOrd="0" parTransId="{681C7584-73C6-DF40-AB3F-907B9F347BD0}" sibTransId="{1FE5A838-784E-2049-97F4-79DD9B5C3DFE}"/>
+    <dgm:cxn modelId="{32B06495-16A9-BE4C-ABCB-71962234EFBE}" type="presOf" srcId="{AAACD4F2-0B85-3A47-8C7B-A6E6B366249A}" destId="{F6961EB5-CC00-6F40-A6C6-C8CE792E9EC6}" srcOrd="0" destOrd="0" presId="urn:microsoft.com/office/officeart/2005/8/layout/process1"/>
     <dgm:cxn modelId="{1BAAB60D-F21D-9043-AB0F-04108708823D}" type="presParOf" srcId="{FB01F27D-5A58-9B41-B332-64D5B3DFADF7}" destId="{D1E4DA8E-5A4F-B44A-9A6F-188C5D02BB22}" srcOrd="0" destOrd="0" presId="urn:microsoft.com/office/officeart/2005/8/layout/process1"/>
     <dgm:cxn modelId="{196953A8-BC49-B44D-A3B6-CB3D7543C509}" type="presParOf" srcId="{FB01F27D-5A58-9B41-B332-64D5B3DFADF7}" destId="{3E7A2398-FCF4-E24B-BB07-684A7DE72AE2}" srcOrd="1" destOrd="0" presId="urn:microsoft.com/office/officeart/2005/8/layout/process1"/>
     <dgm:cxn modelId="{CE3896EA-35D1-7B48-A6F1-8296A7520E7E}" type="presParOf" srcId="{3E7A2398-FCF4-E24B-BB07-684A7DE72AE2}" destId="{37B087B6-EFB8-8940-8303-A81EFD3C2D19}" srcOrd="0" destOrd="0" presId="urn:microsoft.com/office/officeart/2005/8/layout/process1"/>
@@ -5972,66 +6007,66 @@
     </dgm:pt>
   </dgm:ptLst>
   <dgm:cxnLst>
+    <dgm:cxn modelId="{9FA280BF-A210-9A4F-BFFA-889D5ECCBE97}" type="presOf" srcId="{0856A3C7-E4A8-5141-A50D-3168D91ED601}" destId="{F492C2A0-D535-5A49-B715-B16C213DFE91}" srcOrd="0" destOrd="0" presId="urn:microsoft.com/office/officeart/2005/8/layout/orgChart1"/>
+    <dgm:cxn modelId="{966CFF4D-3F0E-E642-9CEE-C66F0A22A8A3}" type="presOf" srcId="{5A77C950-58ED-E548-A254-D4EA97B8DB15}" destId="{83000BA2-0869-A64A-985B-FD0145E6032E}" srcOrd="0" destOrd="0" presId="urn:microsoft.com/office/officeart/2005/8/layout/orgChart1"/>
+    <dgm:cxn modelId="{9A0D6A79-FAB9-B14C-AA2A-50DFEAF4F582}" type="presOf" srcId="{005A96A6-7D03-F048-AE18-D87857054C9B}" destId="{706ABE28-3B9D-004B-A68F-FA1089A611C6}" srcOrd="0" destOrd="0" presId="urn:microsoft.com/office/officeart/2005/8/layout/orgChart1"/>
+    <dgm:cxn modelId="{69E1AC7A-D514-A94A-8DE9-9C6DD9735311}" srcId="{1E4E5730-1D62-424B-88DC-A598FAA90032}" destId="{F9CD00FE-3567-AE46-85C7-48884CD17D00}" srcOrd="1" destOrd="0" parTransId="{D58907CA-3CBD-F14B-BADB-F5DBAF578C77}" sibTransId="{454D586C-2CFE-9F47-B0C4-E971D79F7C80}"/>
+    <dgm:cxn modelId="{BE57780E-005F-364F-AAAC-40A6E16EFF08}" srcId="{71163973-4991-8548-A614-1741D0E7A526}" destId="{A73FFB69-14B0-804E-97F0-BB38C83B0F5A}" srcOrd="0" destOrd="0" parTransId="{B89227FD-4289-6947-B555-D133AAFB6088}" sibTransId="{63C64FD1-6A45-0243-A6DC-2B961EE6D0B7}"/>
+    <dgm:cxn modelId="{0F08C517-F8E1-A440-9CFE-889924E408F4}" type="presOf" srcId="{CBC573EF-E90D-6347-809E-E401648278E2}" destId="{7FE06AB2-EA71-9641-A603-15234D0AE5DE}" srcOrd="0" destOrd="0" presId="urn:microsoft.com/office/officeart/2005/8/layout/orgChart1"/>
+    <dgm:cxn modelId="{AFC1E998-57F3-3F4B-9A38-8FD08FF468EE}" type="presOf" srcId="{71163973-4991-8548-A614-1741D0E7A526}" destId="{CEFBC386-D7DB-A64B-AE2B-1E2E225A5FA2}" srcOrd="1" destOrd="0" presId="urn:microsoft.com/office/officeart/2005/8/layout/orgChart1"/>
+    <dgm:cxn modelId="{DDE3EFDC-CAA2-6948-97AC-EE589DA05485}" type="presOf" srcId="{A73FFB69-14B0-804E-97F0-BB38C83B0F5A}" destId="{7791F5FA-0C0E-0A4F-8160-FC27C2C4D6AD}" srcOrd="0" destOrd="0" presId="urn:microsoft.com/office/officeart/2005/8/layout/orgChart1"/>
+    <dgm:cxn modelId="{2AD14E94-FD63-9944-86B2-015FB068BFAD}" srcId="{1E4E5730-1D62-424B-88DC-A598FAA90032}" destId="{CBC573EF-E90D-6347-809E-E401648278E2}" srcOrd="0" destOrd="0" parTransId="{BAF56933-C328-BA4B-9221-814B34620281}" sibTransId="{75CC5AD2-2569-7640-B749-106D40BA14D4}"/>
+    <dgm:cxn modelId="{9EF51639-3A77-524B-98C4-5F8564558747}" type="presOf" srcId="{89314E86-60EE-5045-899C-E7417C09B90D}" destId="{128C9672-596B-C947-97FA-F938099189E1}" srcOrd="0" destOrd="0" presId="urn:microsoft.com/office/officeart/2005/8/layout/orgChart1"/>
+    <dgm:cxn modelId="{394BCA51-E9B2-1D4F-870C-32609B34323F}" type="presOf" srcId="{A73FFB69-14B0-804E-97F0-BB38C83B0F5A}" destId="{624BD0AB-AD37-A640-921B-C26138EEAC16}" srcOrd="1" destOrd="0" presId="urn:microsoft.com/office/officeart/2005/8/layout/orgChart1"/>
+    <dgm:cxn modelId="{C152F498-E377-834E-925A-B2160F36BA81}" type="presOf" srcId="{11BE08E0-8BD3-8241-AA31-5D3C8BAE883E}" destId="{EDE66430-21B6-8D4B-8624-309DA73F0538}" srcOrd="0" destOrd="0" presId="urn:microsoft.com/office/officeart/2005/8/layout/orgChart1"/>
+    <dgm:cxn modelId="{DF7D91D5-7A8C-B74E-91BE-A2F3C01C84BC}" srcId="{6C2963A9-6D37-B34C-A33B-8170001BC95A}" destId="{89314E86-60EE-5045-899C-E7417C09B90D}" srcOrd="0" destOrd="0" parTransId="{6552183B-C175-EF46-8F8D-A2C8D24C07F5}" sibTransId="{45C2A3D9-A4CD-A24C-BF57-B7FDB6C29B5E}"/>
+    <dgm:cxn modelId="{2B122204-117C-9C4A-BA3B-41FDC37B137C}" type="presOf" srcId="{005A96A6-7D03-F048-AE18-D87857054C9B}" destId="{AA84DF84-70A7-324A-84C2-0E440BA96E4E}" srcOrd="1" destOrd="0" presId="urn:microsoft.com/office/officeart/2005/8/layout/orgChart1"/>
+    <dgm:cxn modelId="{6C1BAB4F-1F68-F442-9582-BCD3D464CC8B}" type="presOf" srcId="{48AA78DC-6E73-1946-8BE8-6F2203654B7C}" destId="{55101633-7750-6248-B6C0-5F8DCCD35719}" srcOrd="0" destOrd="0" presId="urn:microsoft.com/office/officeart/2005/8/layout/orgChart1"/>
+    <dgm:cxn modelId="{3A41FA98-02B3-804B-B5D6-99000F96F8DF}" srcId="{050449A4-EB5B-644F-ACCE-25A388C40F65}" destId="{48AA78DC-6E73-1946-8BE8-6F2203654B7C}" srcOrd="0" destOrd="0" parTransId="{9E28A5D1-B308-D544-A128-464446C84491}" sibTransId="{0B17B36B-7FBF-DE47-8513-555429420C1F}"/>
+    <dgm:cxn modelId="{F40CAC78-D80E-BA4E-9308-B94F02B928BA}" type="presOf" srcId="{DB470F67-F9F6-C04F-A5A8-D006899BBC48}" destId="{6A262A8B-7DC7-7246-A71C-744ED839A856}" srcOrd="0" destOrd="0" presId="urn:microsoft.com/office/officeart/2005/8/layout/orgChart1"/>
+    <dgm:cxn modelId="{D0AC6144-39BC-8045-ACBA-632187CD82D7}" srcId="{5A77C950-58ED-E548-A254-D4EA97B8DB15}" destId="{B7DE1BDB-6633-A442-9076-6077D2DB73F9}" srcOrd="0" destOrd="0" parTransId="{380FE599-D771-7347-837E-5040B6D7859B}" sibTransId="{15CDF2B6-A1AB-C54E-A2C7-C3EF48721D00}"/>
+    <dgm:cxn modelId="{2FF3FB59-79B0-7F4B-8A48-7E0A60516525}" type="presOf" srcId="{050449A4-EB5B-644F-ACCE-25A388C40F65}" destId="{CB6DDF3B-79E1-6743-80EC-104FB86CFD6A}" srcOrd="0" destOrd="0" presId="urn:microsoft.com/office/officeart/2005/8/layout/orgChart1"/>
+    <dgm:cxn modelId="{7CB14844-CB6B-A14B-AEA9-47210F3DA93B}" srcId="{89314E86-60EE-5045-899C-E7417C09B90D}" destId="{1E4E5730-1D62-424B-88DC-A598FAA90032}" srcOrd="2" destOrd="0" parTransId="{D7FF67C8-1A43-E240-9F32-8CC5AF65C090}" sibTransId="{AD44BBC5-53E7-CF4E-90A3-518B900FA1C7}"/>
+    <dgm:cxn modelId="{EF7B882C-FF2D-B745-A830-20CE4DBD0FA2}" srcId="{5A77C950-58ED-E548-A254-D4EA97B8DB15}" destId="{FF11A2BF-9380-DC4E-A16D-B170C89A5F01}" srcOrd="3" destOrd="0" parTransId="{DB470F67-F9F6-C04F-A5A8-D006899BBC48}" sibTransId="{0862A5FE-A8EA-2E4E-8EF2-8DD38674E1A6}"/>
+    <dgm:cxn modelId="{95BD88AF-2A02-B14B-9ACB-143C6ED5F21D}" type="presOf" srcId="{B7DE1BDB-6633-A442-9076-6077D2DB73F9}" destId="{7BE81116-1A67-F947-B03E-A96F3A736855}" srcOrd="0" destOrd="0" presId="urn:microsoft.com/office/officeart/2005/8/layout/orgChart1"/>
+    <dgm:cxn modelId="{C484AEE4-E429-CD4C-A54C-1612195107B3}" type="presOf" srcId="{1E4E5730-1D62-424B-88DC-A598FAA90032}" destId="{0DFBCC65-40E4-B340-B677-A3DBC0B288DB}" srcOrd="1" destOrd="0" presId="urn:microsoft.com/office/officeart/2005/8/layout/orgChart1"/>
+    <dgm:cxn modelId="{92882340-D9C4-3444-A3CB-D34C8A064CBC}" type="presOf" srcId="{5A77C950-58ED-E548-A254-D4EA97B8DB15}" destId="{65B1000F-16D1-7642-A8B7-9272DD88B9B1}" srcOrd="1" destOrd="0" presId="urn:microsoft.com/office/officeart/2005/8/layout/orgChart1"/>
+    <dgm:cxn modelId="{374AF65D-2DF7-FC42-A859-EB455BB48ACE}" srcId="{89314E86-60EE-5045-899C-E7417C09B90D}" destId="{5A77C950-58ED-E548-A254-D4EA97B8DB15}" srcOrd="0" destOrd="0" parTransId="{B749F862-2D6B-B745-B049-A2997DD78459}" sibTransId="{73E67987-3BE7-BE41-945D-2BE72A56575A}"/>
+    <dgm:cxn modelId="{EF9E56A3-F16B-F645-BC06-D9B906E35C49}" srcId="{89314E86-60EE-5045-899C-E7417C09B90D}" destId="{050449A4-EB5B-644F-ACCE-25A388C40F65}" srcOrd="1" destOrd="0" parTransId="{0856A3C7-E4A8-5141-A50D-3168D91ED601}" sibTransId="{12E35422-6A60-5E43-96F0-C18D8EB08785}"/>
+    <dgm:cxn modelId="{DDDD2EE8-155D-7F41-90EB-016EF7D4EA80}" type="presOf" srcId="{24818FBC-AEF6-9448-82AE-EAE149309BFC}" destId="{44596B05-93D3-7146-88F3-77AD5CF63CD4}" srcOrd="0" destOrd="0" presId="urn:microsoft.com/office/officeart/2005/8/layout/orgChart1"/>
+    <dgm:cxn modelId="{6B6B2669-FC45-6740-ACDD-E2808395DFF5}" type="presOf" srcId="{9E28A5D1-B308-D544-A128-464446C84491}" destId="{388624FC-1E86-734B-B8C6-A10CB975BDC3}" srcOrd="0" destOrd="0" presId="urn:microsoft.com/office/officeart/2005/8/layout/orgChart1"/>
+    <dgm:cxn modelId="{6E35AF57-B407-C84E-B45F-6C89A7305214}" type="presOf" srcId="{B89227FD-4289-6947-B555-D133AAFB6088}" destId="{08E95A04-6C00-AD46-BA0D-93623E8A7438}" srcOrd="0" destOrd="0" presId="urn:microsoft.com/office/officeart/2005/8/layout/orgChart1"/>
+    <dgm:cxn modelId="{3AD2D59A-2CA6-2140-B09F-07ED2D050449}" type="presOf" srcId="{11BE08E0-8BD3-8241-AA31-5D3C8BAE883E}" destId="{EC42C478-3B14-3A43-AD41-CD4F28BC5D3D}" srcOrd="1" destOrd="0" presId="urn:microsoft.com/office/officeart/2005/8/layout/orgChart1"/>
+    <dgm:cxn modelId="{AD28F11A-718D-E247-B1B8-8C4561CEA86B}" type="presOf" srcId="{6839F260-6BA1-4346-B3A0-03DA9D6E30F9}" destId="{53E79E27-8301-6D41-B26D-17F46A72DE7D}" srcOrd="0" destOrd="0" presId="urn:microsoft.com/office/officeart/2005/8/layout/orgChart1"/>
+    <dgm:cxn modelId="{4B405B9F-4843-694F-919C-C9DCF13D73FD}" type="presOf" srcId="{BAF56933-C328-BA4B-9221-814B34620281}" destId="{06EFD6FF-1C9C-E245-952A-796D107C5434}" srcOrd="0" destOrd="0" presId="urn:microsoft.com/office/officeart/2005/8/layout/orgChart1"/>
+    <dgm:cxn modelId="{A2158EAE-AE31-4A42-A1B8-FCD131DA59BB}" type="presOf" srcId="{B7DE1BDB-6633-A442-9076-6077D2DB73F9}" destId="{EB26B174-9B20-834F-8856-9BB58900F541}" srcOrd="1" destOrd="0" presId="urn:microsoft.com/office/officeart/2005/8/layout/orgChart1"/>
+    <dgm:cxn modelId="{AC3D5F69-692C-A548-B647-AA3C2BBE2EDA}" type="presOf" srcId="{6155CF2C-7977-D14D-99D6-F5A1262B6548}" destId="{CD77DF7A-9D93-7741-BECC-8DB44EFD3EF3}" srcOrd="1" destOrd="0" presId="urn:microsoft.com/office/officeart/2005/8/layout/orgChart1"/>
+    <dgm:cxn modelId="{D9B9CB26-4B30-974A-903D-1590319DDC6F}" type="presOf" srcId="{71163973-4991-8548-A614-1741D0E7A526}" destId="{B4E24BE5-47F4-B24C-9630-08523CC43C14}" srcOrd="0" destOrd="0" presId="urn:microsoft.com/office/officeart/2005/8/layout/orgChart1"/>
+    <dgm:cxn modelId="{CFD32C9A-F2D0-124E-B713-45378EAFB799}" type="presOf" srcId="{D7FF67C8-1A43-E240-9F32-8CC5AF65C090}" destId="{07EF9321-D2E9-A943-9556-8A863B7941ED}" srcOrd="0" destOrd="0" presId="urn:microsoft.com/office/officeart/2005/8/layout/orgChart1"/>
+    <dgm:cxn modelId="{BCA17466-0F2F-ED4F-AE7E-21D0895EE5D5}" type="presOf" srcId="{DA7A2C20-F115-3946-8138-BF6A2E13B90A}" destId="{8213B168-DF4E-F043-9D3B-6DC5B1000FCA}" srcOrd="1" destOrd="0" presId="urn:microsoft.com/office/officeart/2005/8/layout/orgChart1"/>
+    <dgm:cxn modelId="{F5E2EECA-1F45-974C-AB77-46FD6D659C61}" srcId="{89314E86-60EE-5045-899C-E7417C09B90D}" destId="{DA7A2C20-F115-3946-8138-BF6A2E13B90A}" srcOrd="4" destOrd="0" parTransId="{BDB10FF1-16F5-B943-AD2A-7BE14FB1775D}" sibTransId="{3CF6DEA3-9EFC-2741-8815-AEBD149F37E0}"/>
     <dgm:cxn modelId="{2AB6984F-8346-5941-8AF6-F57DFF00D21D}" type="presOf" srcId="{1E4E5730-1D62-424B-88DC-A598FAA90032}" destId="{7CC73BFE-A525-1841-9C46-B24530BAED35}" srcOrd="0" destOrd="0" presId="urn:microsoft.com/office/officeart/2005/8/layout/orgChart1"/>
-    <dgm:cxn modelId="{9EF51639-3A77-524B-98C4-5F8564558747}" type="presOf" srcId="{89314E86-60EE-5045-899C-E7417C09B90D}" destId="{128C9672-596B-C947-97FA-F938099189E1}" srcOrd="0" destOrd="0" presId="urn:microsoft.com/office/officeart/2005/8/layout/orgChart1"/>
-    <dgm:cxn modelId="{A2158EAE-AE31-4A42-A1B8-FCD131DA59BB}" type="presOf" srcId="{B7DE1BDB-6633-A442-9076-6077D2DB73F9}" destId="{EB26B174-9B20-834F-8856-9BB58900F541}" srcOrd="1" destOrd="0" presId="urn:microsoft.com/office/officeart/2005/8/layout/orgChart1"/>
+    <dgm:cxn modelId="{3AF43ABE-6F58-2F4E-9BA4-2BED33B2EFAD}" type="presOf" srcId="{050449A4-EB5B-644F-ACCE-25A388C40F65}" destId="{7D5AA04B-9F18-654E-AEF4-9063D72014D0}" srcOrd="1" destOrd="0" presId="urn:microsoft.com/office/officeart/2005/8/layout/orgChart1"/>
+    <dgm:cxn modelId="{E6287AE7-1D3C-E947-A758-7F29C4F35EED}" type="presOf" srcId="{89314E86-60EE-5045-899C-E7417C09B90D}" destId="{7609B86B-45C5-724B-9A55-D21D4F7EA93F}" srcOrd="1" destOrd="0" presId="urn:microsoft.com/office/officeart/2005/8/layout/orgChart1"/>
+    <dgm:cxn modelId="{993D77C6-FB7B-4B40-9D15-1BDC7B5462B0}" srcId="{5A77C950-58ED-E548-A254-D4EA97B8DB15}" destId="{005A96A6-7D03-F048-AE18-D87857054C9B}" srcOrd="4" destOrd="0" parTransId="{3B092136-6835-304E-AC51-D9BC322545E9}" sibTransId="{3CCE1415-DA2F-BF4D-9D68-F2B470E71518}"/>
+    <dgm:cxn modelId="{F64E0F6E-D58E-9645-9536-F40DE2128E9F}" type="presOf" srcId="{CBC573EF-E90D-6347-809E-E401648278E2}" destId="{65799993-F98E-F941-9623-93A3736C5ECC}" srcOrd="1" destOrd="0" presId="urn:microsoft.com/office/officeart/2005/8/layout/orgChart1"/>
+    <dgm:cxn modelId="{DFAA279C-A2DE-A94A-A9C5-3C325FA0F705}" type="presOf" srcId="{FF11A2BF-9380-DC4E-A16D-B170C89A5F01}" destId="{8F5D0854-A50A-2A4B-B05F-04FE902D5672}" srcOrd="0" destOrd="0" presId="urn:microsoft.com/office/officeart/2005/8/layout/orgChart1"/>
+    <dgm:cxn modelId="{6321E819-770A-E141-A957-FCF974A6E00A}" type="presOf" srcId="{3B092136-6835-304E-AC51-D9BC322545E9}" destId="{7401CD6B-2EC8-8B49-B706-725F8DBDACBF}" srcOrd="0" destOrd="0" presId="urn:microsoft.com/office/officeart/2005/8/layout/orgChart1"/>
+    <dgm:cxn modelId="{18DD4A98-99CA-3C4A-AF7C-AC03105468B5}" type="presOf" srcId="{BDB10FF1-16F5-B943-AD2A-7BE14FB1775D}" destId="{7E4A15C2-BADE-FD4F-955B-C7C3148A56CF}" srcOrd="0" destOrd="0" presId="urn:microsoft.com/office/officeart/2005/8/layout/orgChart1"/>
+    <dgm:cxn modelId="{70C10195-21B8-F740-83F4-7BF30C3965F3}" type="presOf" srcId="{48AA78DC-6E73-1946-8BE8-6F2203654B7C}" destId="{5733AAED-D4F4-DA44-9984-54986C9D5363}" srcOrd="1" destOrd="0" presId="urn:microsoft.com/office/officeart/2005/8/layout/orgChart1"/>
+    <dgm:cxn modelId="{619C11C0-FB3F-5744-8982-5A7BC6B37F05}" type="presOf" srcId="{DA7A2C20-F115-3946-8138-BF6A2E13B90A}" destId="{A99EF92C-53D6-FD40-B2DC-FD21D32A0E3A}" srcOrd="0" destOrd="0" presId="urn:microsoft.com/office/officeart/2005/8/layout/orgChart1"/>
+    <dgm:cxn modelId="{D86C74A1-0FE2-3448-8D16-BB96AB698C62}" type="presOf" srcId="{FF11A2BF-9380-DC4E-A16D-B170C89A5F01}" destId="{81E158C6-78CE-C349-82EF-C1864BF10A73}" srcOrd="1" destOrd="0" presId="urn:microsoft.com/office/officeart/2005/8/layout/orgChart1"/>
+    <dgm:cxn modelId="{0574C2D1-4B5E-6146-9A9C-903707C6FCA4}" type="presOf" srcId="{6C2963A9-6D37-B34C-A33B-8170001BC95A}" destId="{6BE4A84B-0547-CE4C-91EE-C9155EE950C4}" srcOrd="0" destOrd="0" presId="urn:microsoft.com/office/officeart/2005/8/layout/orgChart1"/>
+    <dgm:cxn modelId="{1FDBBCEA-D110-8F4A-88BA-B81D02BD0D1A}" type="presOf" srcId="{6155CF2C-7977-D14D-99D6-F5A1262B6548}" destId="{C16F8266-96DA-4348-827B-FB5031B737D0}" srcOrd="0" destOrd="0" presId="urn:microsoft.com/office/officeart/2005/8/layout/orgChart1"/>
+    <dgm:cxn modelId="{7C5E6207-54AE-164B-8EA7-B5497C590C00}" srcId="{5A77C950-58ED-E548-A254-D4EA97B8DB15}" destId="{6155CF2C-7977-D14D-99D6-F5A1262B6548}" srcOrd="1" destOrd="0" parTransId="{6839F260-6BA1-4346-B3A0-03DA9D6E30F9}" sibTransId="{226B18D8-A509-9041-AC01-CC2DC39DDE8C}"/>
+    <dgm:cxn modelId="{FA992485-F5DD-3246-BC1B-2A25B157D81D}" srcId="{89314E86-60EE-5045-899C-E7417C09B90D}" destId="{71163973-4991-8548-A614-1741D0E7A526}" srcOrd="3" destOrd="0" parTransId="{71B89020-FC18-8440-984C-03FD01C87E6A}" sibTransId="{91987DF1-43A3-3647-A8EC-A2A0B84551E4}"/>
+    <dgm:cxn modelId="{EA397EB9-2820-A348-80E6-65FF17E6D57D}" type="presOf" srcId="{71B89020-FC18-8440-984C-03FD01C87E6A}" destId="{A0022CAE-76FC-8A49-96C0-2437950F7D9A}" srcOrd="0" destOrd="0" presId="urn:microsoft.com/office/officeart/2005/8/layout/orgChart1"/>
+    <dgm:cxn modelId="{856FD226-A739-094F-8A7E-859E6FFDE5EC}" type="presOf" srcId="{B749F862-2D6B-B745-B049-A2997DD78459}" destId="{D1ADB443-DC5D-7A4D-9FC2-F94CD67C1EAE}" srcOrd="0" destOrd="0" presId="urn:microsoft.com/office/officeart/2005/8/layout/orgChart1"/>
+    <dgm:cxn modelId="{16AD03D0-4909-724F-9665-E7E2510B8393}" type="presOf" srcId="{380FE599-D771-7347-837E-5040B6D7859B}" destId="{0C9F4A48-45F6-AA4D-96BF-688E71308A31}" srcOrd="0" destOrd="0" presId="urn:microsoft.com/office/officeart/2005/8/layout/orgChart1"/>
+    <dgm:cxn modelId="{FA038F80-5A99-2B4E-BE4A-DFA2A0C25100}" srcId="{5A77C950-58ED-E548-A254-D4EA97B8DB15}" destId="{11BE08E0-8BD3-8241-AA31-5D3C8BAE883E}" srcOrd="2" destOrd="0" parTransId="{24818FBC-AEF6-9448-82AE-EAE149309BFC}" sibTransId="{74BD77DC-5D13-8140-9438-2D10771BB41C}"/>
     <dgm:cxn modelId="{C28C2704-3596-DA47-8583-178BFF3EAC08}" type="presOf" srcId="{D58907CA-3CBD-F14B-BADB-F5DBAF578C77}" destId="{15FFE189-9009-F643-878C-0386AFB1963B}" srcOrd="0" destOrd="0" presId="urn:microsoft.com/office/officeart/2005/8/layout/orgChart1"/>
-    <dgm:cxn modelId="{1FDBBCEA-D110-8F4A-88BA-B81D02BD0D1A}" type="presOf" srcId="{6155CF2C-7977-D14D-99D6-F5A1262B6548}" destId="{C16F8266-96DA-4348-827B-FB5031B737D0}" srcOrd="0" destOrd="0" presId="urn:microsoft.com/office/officeart/2005/8/layout/orgChart1"/>
-    <dgm:cxn modelId="{F64E0F6E-D58E-9645-9536-F40DE2128E9F}" type="presOf" srcId="{CBC573EF-E90D-6347-809E-E401648278E2}" destId="{65799993-F98E-F941-9623-93A3736C5ECC}" srcOrd="1" destOrd="0" presId="urn:microsoft.com/office/officeart/2005/8/layout/orgChart1"/>
-    <dgm:cxn modelId="{F5E2EECA-1F45-974C-AB77-46FD6D659C61}" srcId="{89314E86-60EE-5045-899C-E7417C09B90D}" destId="{DA7A2C20-F115-3946-8138-BF6A2E13B90A}" srcOrd="4" destOrd="0" parTransId="{BDB10FF1-16F5-B943-AD2A-7BE14FB1775D}" sibTransId="{3CF6DEA3-9EFC-2741-8815-AEBD149F37E0}"/>
-    <dgm:cxn modelId="{4B405B9F-4843-694F-919C-C9DCF13D73FD}" type="presOf" srcId="{BAF56933-C328-BA4B-9221-814B34620281}" destId="{06EFD6FF-1C9C-E245-952A-796D107C5434}" srcOrd="0" destOrd="0" presId="urn:microsoft.com/office/officeart/2005/8/layout/orgChart1"/>
-    <dgm:cxn modelId="{9FA280BF-A210-9A4F-BFFA-889D5ECCBE97}" type="presOf" srcId="{0856A3C7-E4A8-5141-A50D-3168D91ED601}" destId="{F492C2A0-D535-5A49-B715-B16C213DFE91}" srcOrd="0" destOrd="0" presId="urn:microsoft.com/office/officeart/2005/8/layout/orgChart1"/>
-    <dgm:cxn modelId="{CFD32C9A-F2D0-124E-B713-45378EAFB799}" type="presOf" srcId="{D7FF67C8-1A43-E240-9F32-8CC5AF65C090}" destId="{07EF9321-D2E9-A943-9556-8A863B7941ED}" srcOrd="0" destOrd="0" presId="urn:microsoft.com/office/officeart/2005/8/layout/orgChart1"/>
-    <dgm:cxn modelId="{9A0D6A79-FAB9-B14C-AA2A-50DFEAF4F582}" type="presOf" srcId="{005A96A6-7D03-F048-AE18-D87857054C9B}" destId="{706ABE28-3B9D-004B-A68F-FA1089A611C6}" srcOrd="0" destOrd="0" presId="urn:microsoft.com/office/officeart/2005/8/layout/orgChart1"/>
-    <dgm:cxn modelId="{394BCA51-E9B2-1D4F-870C-32609B34323F}" type="presOf" srcId="{A73FFB69-14B0-804E-97F0-BB38C83B0F5A}" destId="{624BD0AB-AD37-A640-921B-C26138EEAC16}" srcOrd="1" destOrd="0" presId="urn:microsoft.com/office/officeart/2005/8/layout/orgChart1"/>
-    <dgm:cxn modelId="{FA992485-F5DD-3246-BC1B-2A25B157D81D}" srcId="{89314E86-60EE-5045-899C-E7417C09B90D}" destId="{71163973-4991-8548-A614-1741D0E7A526}" srcOrd="3" destOrd="0" parTransId="{71B89020-FC18-8440-984C-03FD01C87E6A}" sibTransId="{91987DF1-43A3-3647-A8EC-A2A0B84551E4}"/>
-    <dgm:cxn modelId="{7CB14844-CB6B-A14B-AEA9-47210F3DA93B}" srcId="{89314E86-60EE-5045-899C-E7417C09B90D}" destId="{1E4E5730-1D62-424B-88DC-A598FAA90032}" srcOrd="2" destOrd="0" parTransId="{D7FF67C8-1A43-E240-9F32-8CC5AF65C090}" sibTransId="{AD44BBC5-53E7-CF4E-90A3-518B900FA1C7}"/>
-    <dgm:cxn modelId="{D86C74A1-0FE2-3448-8D16-BB96AB698C62}" type="presOf" srcId="{FF11A2BF-9380-DC4E-A16D-B170C89A5F01}" destId="{81E158C6-78CE-C349-82EF-C1864BF10A73}" srcOrd="1" destOrd="0" presId="urn:microsoft.com/office/officeart/2005/8/layout/orgChart1"/>
-    <dgm:cxn modelId="{2AD14E94-FD63-9944-86B2-015FB068BFAD}" srcId="{1E4E5730-1D62-424B-88DC-A598FAA90032}" destId="{CBC573EF-E90D-6347-809E-E401648278E2}" srcOrd="0" destOrd="0" parTransId="{BAF56933-C328-BA4B-9221-814B34620281}" sibTransId="{75CC5AD2-2569-7640-B749-106D40BA14D4}"/>
-    <dgm:cxn modelId="{C484AEE4-E429-CD4C-A54C-1612195107B3}" type="presOf" srcId="{1E4E5730-1D62-424B-88DC-A598FAA90032}" destId="{0DFBCC65-40E4-B340-B677-A3DBC0B288DB}" srcOrd="1" destOrd="0" presId="urn:microsoft.com/office/officeart/2005/8/layout/orgChart1"/>
+    <dgm:cxn modelId="{AB98B083-7CF6-564B-A729-D7771E8907FC}" type="presOf" srcId="{F9CD00FE-3567-AE46-85C7-48884CD17D00}" destId="{A842BD50-3E72-5C41-816A-55632D43A99D}" srcOrd="0" destOrd="0" presId="urn:microsoft.com/office/officeart/2005/8/layout/orgChart1"/>
     <dgm:cxn modelId="{6D765F58-1097-1047-867B-93A741C46466}" type="presOf" srcId="{F9CD00FE-3567-AE46-85C7-48884CD17D00}" destId="{68290C39-F1B2-7A42-8EE8-6922B493C2EB}" srcOrd="1" destOrd="0" presId="urn:microsoft.com/office/officeart/2005/8/layout/orgChart1"/>
-    <dgm:cxn modelId="{D0AC6144-39BC-8045-ACBA-632187CD82D7}" srcId="{5A77C950-58ED-E548-A254-D4EA97B8DB15}" destId="{B7DE1BDB-6633-A442-9076-6077D2DB73F9}" srcOrd="0" destOrd="0" parTransId="{380FE599-D771-7347-837E-5040B6D7859B}" sibTransId="{15CDF2B6-A1AB-C54E-A2C7-C3EF48721D00}"/>
-    <dgm:cxn modelId="{AFC1E998-57F3-3F4B-9A38-8FD08FF468EE}" type="presOf" srcId="{71163973-4991-8548-A614-1741D0E7A526}" destId="{CEFBC386-D7DB-A64B-AE2B-1E2E225A5FA2}" srcOrd="1" destOrd="0" presId="urn:microsoft.com/office/officeart/2005/8/layout/orgChart1"/>
-    <dgm:cxn modelId="{966CFF4D-3F0E-E642-9CEE-C66F0A22A8A3}" type="presOf" srcId="{5A77C950-58ED-E548-A254-D4EA97B8DB15}" destId="{83000BA2-0869-A64A-985B-FD0145E6032E}" srcOrd="0" destOrd="0" presId="urn:microsoft.com/office/officeart/2005/8/layout/orgChart1"/>
-    <dgm:cxn modelId="{2FF3FB59-79B0-7F4B-8A48-7E0A60516525}" type="presOf" srcId="{050449A4-EB5B-644F-ACCE-25A388C40F65}" destId="{CB6DDF3B-79E1-6743-80EC-104FB86CFD6A}" srcOrd="0" destOrd="0" presId="urn:microsoft.com/office/officeart/2005/8/layout/orgChart1"/>
-    <dgm:cxn modelId="{70C10195-21B8-F740-83F4-7BF30C3965F3}" type="presOf" srcId="{48AA78DC-6E73-1946-8BE8-6F2203654B7C}" destId="{5733AAED-D4F4-DA44-9984-54986C9D5363}" srcOrd="1" destOrd="0" presId="urn:microsoft.com/office/officeart/2005/8/layout/orgChart1"/>
-    <dgm:cxn modelId="{EF7B882C-FF2D-B745-A830-20CE4DBD0FA2}" srcId="{5A77C950-58ED-E548-A254-D4EA97B8DB15}" destId="{FF11A2BF-9380-DC4E-A16D-B170C89A5F01}" srcOrd="3" destOrd="0" parTransId="{DB470F67-F9F6-C04F-A5A8-D006899BBC48}" sibTransId="{0862A5FE-A8EA-2E4E-8EF2-8DD38674E1A6}"/>
-    <dgm:cxn modelId="{EF9E56A3-F16B-F645-BC06-D9B906E35C49}" srcId="{89314E86-60EE-5045-899C-E7417C09B90D}" destId="{050449A4-EB5B-644F-ACCE-25A388C40F65}" srcOrd="1" destOrd="0" parTransId="{0856A3C7-E4A8-5141-A50D-3168D91ED601}" sibTransId="{12E35422-6A60-5E43-96F0-C18D8EB08785}"/>
-    <dgm:cxn modelId="{7C5E6207-54AE-164B-8EA7-B5497C590C00}" srcId="{5A77C950-58ED-E548-A254-D4EA97B8DB15}" destId="{6155CF2C-7977-D14D-99D6-F5A1262B6548}" srcOrd="1" destOrd="0" parTransId="{6839F260-6BA1-4346-B3A0-03DA9D6E30F9}" sibTransId="{226B18D8-A509-9041-AC01-CC2DC39DDE8C}"/>
-    <dgm:cxn modelId="{E6287AE7-1D3C-E947-A758-7F29C4F35EED}" type="presOf" srcId="{89314E86-60EE-5045-899C-E7417C09B90D}" destId="{7609B86B-45C5-724B-9A55-D21D4F7EA93F}" srcOrd="1" destOrd="0" presId="urn:microsoft.com/office/officeart/2005/8/layout/orgChart1"/>
-    <dgm:cxn modelId="{AD28F11A-718D-E247-B1B8-8C4561CEA86B}" type="presOf" srcId="{6839F260-6BA1-4346-B3A0-03DA9D6E30F9}" destId="{53E79E27-8301-6D41-B26D-17F46A72DE7D}" srcOrd="0" destOrd="0" presId="urn:microsoft.com/office/officeart/2005/8/layout/orgChart1"/>
-    <dgm:cxn modelId="{FA038F80-5A99-2B4E-BE4A-DFA2A0C25100}" srcId="{5A77C950-58ED-E548-A254-D4EA97B8DB15}" destId="{11BE08E0-8BD3-8241-AA31-5D3C8BAE883E}" srcOrd="2" destOrd="0" parTransId="{24818FBC-AEF6-9448-82AE-EAE149309BFC}" sibTransId="{74BD77DC-5D13-8140-9438-2D10771BB41C}"/>
-    <dgm:cxn modelId="{EA397EB9-2820-A348-80E6-65FF17E6D57D}" type="presOf" srcId="{71B89020-FC18-8440-984C-03FD01C87E6A}" destId="{A0022CAE-76FC-8A49-96C0-2437950F7D9A}" srcOrd="0" destOrd="0" presId="urn:microsoft.com/office/officeart/2005/8/layout/orgChart1"/>
-    <dgm:cxn modelId="{2B122204-117C-9C4A-BA3B-41FDC37B137C}" type="presOf" srcId="{005A96A6-7D03-F048-AE18-D87857054C9B}" destId="{AA84DF84-70A7-324A-84C2-0E440BA96E4E}" srcOrd="1" destOrd="0" presId="urn:microsoft.com/office/officeart/2005/8/layout/orgChart1"/>
-    <dgm:cxn modelId="{BCA17466-0F2F-ED4F-AE7E-21D0895EE5D5}" type="presOf" srcId="{DA7A2C20-F115-3946-8138-BF6A2E13B90A}" destId="{8213B168-DF4E-F043-9D3B-6DC5B1000FCA}" srcOrd="1" destOrd="0" presId="urn:microsoft.com/office/officeart/2005/8/layout/orgChart1"/>
-    <dgm:cxn modelId="{18DD4A98-99CA-3C4A-AF7C-AC03105468B5}" type="presOf" srcId="{BDB10FF1-16F5-B943-AD2A-7BE14FB1775D}" destId="{7E4A15C2-BADE-FD4F-955B-C7C3148A56CF}" srcOrd="0" destOrd="0" presId="urn:microsoft.com/office/officeart/2005/8/layout/orgChart1"/>
-    <dgm:cxn modelId="{16AD03D0-4909-724F-9665-E7E2510B8393}" type="presOf" srcId="{380FE599-D771-7347-837E-5040B6D7859B}" destId="{0C9F4A48-45F6-AA4D-96BF-688E71308A31}" srcOrd="0" destOrd="0" presId="urn:microsoft.com/office/officeart/2005/8/layout/orgChart1"/>
-    <dgm:cxn modelId="{3AD2D59A-2CA6-2140-B09F-07ED2D050449}" type="presOf" srcId="{11BE08E0-8BD3-8241-AA31-5D3C8BAE883E}" destId="{EC42C478-3B14-3A43-AD41-CD4F28BC5D3D}" srcOrd="1" destOrd="0" presId="urn:microsoft.com/office/officeart/2005/8/layout/orgChart1"/>
-    <dgm:cxn modelId="{374AF65D-2DF7-FC42-A859-EB455BB48ACE}" srcId="{89314E86-60EE-5045-899C-E7417C09B90D}" destId="{5A77C950-58ED-E548-A254-D4EA97B8DB15}" srcOrd="0" destOrd="0" parTransId="{B749F862-2D6B-B745-B049-A2997DD78459}" sibTransId="{73E67987-3BE7-BE41-945D-2BE72A56575A}"/>
-    <dgm:cxn modelId="{DDE3EFDC-CAA2-6948-97AC-EE589DA05485}" type="presOf" srcId="{A73FFB69-14B0-804E-97F0-BB38C83B0F5A}" destId="{7791F5FA-0C0E-0A4F-8160-FC27C2C4D6AD}" srcOrd="0" destOrd="0" presId="urn:microsoft.com/office/officeart/2005/8/layout/orgChart1"/>
-    <dgm:cxn modelId="{856FD226-A739-094F-8A7E-859E6FFDE5EC}" type="presOf" srcId="{B749F862-2D6B-B745-B049-A2997DD78459}" destId="{D1ADB443-DC5D-7A4D-9FC2-F94CD67C1EAE}" srcOrd="0" destOrd="0" presId="urn:microsoft.com/office/officeart/2005/8/layout/orgChart1"/>
-    <dgm:cxn modelId="{95BD88AF-2A02-B14B-9ACB-143C6ED5F21D}" type="presOf" srcId="{B7DE1BDB-6633-A442-9076-6077D2DB73F9}" destId="{7BE81116-1A67-F947-B03E-A96F3A736855}" srcOrd="0" destOrd="0" presId="urn:microsoft.com/office/officeart/2005/8/layout/orgChart1"/>
-    <dgm:cxn modelId="{0F08C517-F8E1-A440-9CFE-889924E408F4}" type="presOf" srcId="{CBC573EF-E90D-6347-809E-E401648278E2}" destId="{7FE06AB2-EA71-9641-A603-15234D0AE5DE}" srcOrd="0" destOrd="0" presId="urn:microsoft.com/office/officeart/2005/8/layout/orgChart1"/>
-    <dgm:cxn modelId="{AC3D5F69-692C-A548-B647-AA3C2BBE2EDA}" type="presOf" srcId="{6155CF2C-7977-D14D-99D6-F5A1262B6548}" destId="{CD77DF7A-9D93-7741-BECC-8DB44EFD3EF3}" srcOrd="1" destOrd="0" presId="urn:microsoft.com/office/officeart/2005/8/layout/orgChart1"/>
-    <dgm:cxn modelId="{BE57780E-005F-364F-AAAC-40A6E16EFF08}" srcId="{71163973-4991-8548-A614-1741D0E7A526}" destId="{A73FFB69-14B0-804E-97F0-BB38C83B0F5A}" srcOrd="0" destOrd="0" parTransId="{B89227FD-4289-6947-B555-D133AAFB6088}" sibTransId="{63C64FD1-6A45-0243-A6DC-2B961EE6D0B7}"/>
-    <dgm:cxn modelId="{DFAA279C-A2DE-A94A-A9C5-3C325FA0F705}" type="presOf" srcId="{FF11A2BF-9380-DC4E-A16D-B170C89A5F01}" destId="{8F5D0854-A50A-2A4B-B05F-04FE902D5672}" srcOrd="0" destOrd="0" presId="urn:microsoft.com/office/officeart/2005/8/layout/orgChart1"/>
-    <dgm:cxn modelId="{C152F498-E377-834E-925A-B2160F36BA81}" type="presOf" srcId="{11BE08E0-8BD3-8241-AA31-5D3C8BAE883E}" destId="{EDE66430-21B6-8D4B-8624-309DA73F0538}" srcOrd="0" destOrd="0" presId="urn:microsoft.com/office/officeart/2005/8/layout/orgChart1"/>
-    <dgm:cxn modelId="{6321E819-770A-E141-A957-FCF974A6E00A}" type="presOf" srcId="{3B092136-6835-304E-AC51-D9BC322545E9}" destId="{7401CD6B-2EC8-8B49-B706-725F8DBDACBF}" srcOrd="0" destOrd="0" presId="urn:microsoft.com/office/officeart/2005/8/layout/orgChart1"/>
-    <dgm:cxn modelId="{993D77C6-FB7B-4B40-9D15-1BDC7B5462B0}" srcId="{5A77C950-58ED-E548-A254-D4EA97B8DB15}" destId="{005A96A6-7D03-F048-AE18-D87857054C9B}" srcOrd="4" destOrd="0" parTransId="{3B092136-6835-304E-AC51-D9BC322545E9}" sibTransId="{3CCE1415-DA2F-BF4D-9D68-F2B470E71518}"/>
-    <dgm:cxn modelId="{D9B9CB26-4B30-974A-903D-1590319DDC6F}" type="presOf" srcId="{71163973-4991-8548-A614-1741D0E7A526}" destId="{B4E24BE5-47F4-B24C-9630-08523CC43C14}" srcOrd="0" destOrd="0" presId="urn:microsoft.com/office/officeart/2005/8/layout/orgChart1"/>
-    <dgm:cxn modelId="{69E1AC7A-D514-A94A-8DE9-9C6DD9735311}" srcId="{1E4E5730-1D62-424B-88DC-A598FAA90032}" destId="{F9CD00FE-3567-AE46-85C7-48884CD17D00}" srcOrd="1" destOrd="0" parTransId="{D58907CA-3CBD-F14B-BADB-F5DBAF578C77}" sibTransId="{454D586C-2CFE-9F47-B0C4-E971D79F7C80}"/>
-    <dgm:cxn modelId="{DDDD2EE8-155D-7F41-90EB-016EF7D4EA80}" type="presOf" srcId="{24818FBC-AEF6-9448-82AE-EAE149309BFC}" destId="{44596B05-93D3-7146-88F3-77AD5CF63CD4}" srcOrd="0" destOrd="0" presId="urn:microsoft.com/office/officeart/2005/8/layout/orgChart1"/>
-    <dgm:cxn modelId="{F40CAC78-D80E-BA4E-9308-B94F02B928BA}" type="presOf" srcId="{DB470F67-F9F6-C04F-A5A8-D006899BBC48}" destId="{6A262A8B-7DC7-7246-A71C-744ED839A856}" srcOrd="0" destOrd="0" presId="urn:microsoft.com/office/officeart/2005/8/layout/orgChart1"/>
-    <dgm:cxn modelId="{3AF43ABE-6F58-2F4E-9BA4-2BED33B2EFAD}" type="presOf" srcId="{050449A4-EB5B-644F-ACCE-25A388C40F65}" destId="{7D5AA04B-9F18-654E-AEF4-9063D72014D0}" srcOrd="1" destOrd="0" presId="urn:microsoft.com/office/officeart/2005/8/layout/orgChart1"/>
-    <dgm:cxn modelId="{DF7D91D5-7A8C-B74E-91BE-A2F3C01C84BC}" srcId="{6C2963A9-6D37-B34C-A33B-8170001BC95A}" destId="{89314E86-60EE-5045-899C-E7417C09B90D}" srcOrd="0" destOrd="0" parTransId="{6552183B-C175-EF46-8F8D-A2C8D24C07F5}" sibTransId="{45C2A3D9-A4CD-A24C-BF57-B7FDB6C29B5E}"/>
-    <dgm:cxn modelId="{92882340-D9C4-3444-A3CB-D34C8A064CBC}" type="presOf" srcId="{5A77C950-58ED-E548-A254-D4EA97B8DB15}" destId="{65B1000F-16D1-7642-A8B7-9272DD88B9B1}" srcOrd="1" destOrd="0" presId="urn:microsoft.com/office/officeart/2005/8/layout/orgChart1"/>
-    <dgm:cxn modelId="{6E35AF57-B407-C84E-B45F-6C89A7305214}" type="presOf" srcId="{B89227FD-4289-6947-B555-D133AAFB6088}" destId="{08E95A04-6C00-AD46-BA0D-93623E8A7438}" srcOrd="0" destOrd="0" presId="urn:microsoft.com/office/officeart/2005/8/layout/orgChart1"/>
-    <dgm:cxn modelId="{0574C2D1-4B5E-6146-9A9C-903707C6FCA4}" type="presOf" srcId="{6C2963A9-6D37-B34C-A33B-8170001BC95A}" destId="{6BE4A84B-0547-CE4C-91EE-C9155EE950C4}" srcOrd="0" destOrd="0" presId="urn:microsoft.com/office/officeart/2005/8/layout/orgChart1"/>
-    <dgm:cxn modelId="{6B6B2669-FC45-6740-ACDD-E2808395DFF5}" type="presOf" srcId="{9E28A5D1-B308-D544-A128-464446C84491}" destId="{388624FC-1E86-734B-B8C6-A10CB975BDC3}" srcOrd="0" destOrd="0" presId="urn:microsoft.com/office/officeart/2005/8/layout/orgChart1"/>
-    <dgm:cxn modelId="{3A41FA98-02B3-804B-B5D6-99000F96F8DF}" srcId="{050449A4-EB5B-644F-ACCE-25A388C40F65}" destId="{48AA78DC-6E73-1946-8BE8-6F2203654B7C}" srcOrd="0" destOrd="0" parTransId="{9E28A5D1-B308-D544-A128-464446C84491}" sibTransId="{0B17B36B-7FBF-DE47-8513-555429420C1F}"/>
-    <dgm:cxn modelId="{619C11C0-FB3F-5744-8982-5A7BC6B37F05}" type="presOf" srcId="{DA7A2C20-F115-3946-8138-BF6A2E13B90A}" destId="{A99EF92C-53D6-FD40-B2DC-FD21D32A0E3A}" srcOrd="0" destOrd="0" presId="urn:microsoft.com/office/officeart/2005/8/layout/orgChart1"/>
-    <dgm:cxn modelId="{6C1BAB4F-1F68-F442-9582-BCD3D464CC8B}" type="presOf" srcId="{48AA78DC-6E73-1946-8BE8-6F2203654B7C}" destId="{55101633-7750-6248-B6C0-5F8DCCD35719}" srcOrd="0" destOrd="0" presId="urn:microsoft.com/office/officeart/2005/8/layout/orgChart1"/>
-    <dgm:cxn modelId="{AB98B083-7CF6-564B-A729-D7771E8907FC}" type="presOf" srcId="{F9CD00FE-3567-AE46-85C7-48884CD17D00}" destId="{A842BD50-3E72-5C41-816A-55632D43A99D}" srcOrd="0" destOrd="0" presId="urn:microsoft.com/office/officeart/2005/8/layout/orgChart1"/>
     <dgm:cxn modelId="{123BE9B5-2564-DE46-9348-3D89DC164D60}" type="presParOf" srcId="{6BE4A84B-0547-CE4C-91EE-C9155EE950C4}" destId="{978B9AA7-B086-144F-B08F-C544A11231A4}" srcOrd="0" destOrd="0" presId="urn:microsoft.com/office/officeart/2005/8/layout/orgChart1"/>
     <dgm:cxn modelId="{7805C1D8-4387-0044-9EC4-61A06578F50A}" type="presParOf" srcId="{978B9AA7-B086-144F-B08F-C544A11231A4}" destId="{C78C0631-9A2C-1A4C-90AF-96F3A7B69B61}" srcOrd="0" destOrd="0" presId="urn:microsoft.com/office/officeart/2005/8/layout/orgChart1"/>
     <dgm:cxn modelId="{9C9B3B25-78C5-F84E-B54F-D67479E1458F}" type="presParOf" srcId="{C78C0631-9A2C-1A4C-90AF-96F3A7B69B61}" destId="{128C9672-596B-C947-97FA-F938099189E1}" srcOrd="0" destOrd="0" presId="urn:microsoft.com/office/officeart/2005/8/layout/orgChart1"/>
@@ -6234,12 +6269,12 @@
         </a:fontRef>
       </dsp:style>
       <dsp:txBody>
-        <a:bodyPr spcFirstLastPara="0" vert="horz" wrap="square" lIns="80010" tIns="80010" rIns="80010" bIns="80010" numCol="1" spcCol="1270" anchor="ctr" anchorCtr="0">
+        <a:bodyPr spcFirstLastPara="0" vert="horz" wrap="square" lIns="72390" tIns="72390" rIns="72390" bIns="72390" numCol="1" spcCol="1270" anchor="ctr" anchorCtr="0">
           <a:noAutofit/>
         </a:bodyPr>
         <a:lstStyle/>
         <a:p>
-          <a:pPr lvl="0" algn="ctr" defTabSz="933450">
+          <a:pPr lvl="0" algn="ctr" defTabSz="844550">
             <a:lnSpc>
               <a:spcPct val="90000"/>
             </a:lnSpc>
@@ -6251,14 +6286,14 @@
             </a:spcAft>
           </a:pPr>
           <a:r>
-            <a:rPr lang="en-US" altLang="zh-TW" sz="2100" kern="1200" smtClean="0">
+            <a:rPr lang="en-US" altLang="zh-TW" sz="1900" kern="1200" smtClean="0">
               <a:latin typeface="Farah" charset="-78"/>
               <a:ea typeface="Farah" charset="-78"/>
               <a:cs typeface="Farah" charset="-78"/>
             </a:rPr>
             <a:t>index.html</a:t>
           </a:r>
-          <a:endParaRPr lang="zh-TW" altLang="en-US" sz="2100" kern="1200" dirty="0">
+          <a:endParaRPr lang="zh-TW" altLang="en-US" sz="1900" kern="1200" dirty="0">
             <a:latin typeface="Farah" charset="-78"/>
             <a:ea typeface="Farah" charset="-78"/>
             <a:cs typeface="Farah" charset="-78"/>
@@ -6358,7 +6393,7 @@
         </a:bodyPr>
         <a:lstStyle/>
         <a:p>
-          <a:pPr lvl="0" algn="ctr" defTabSz="755650">
+          <a:pPr lvl="0" algn="ctr" defTabSz="666750">
             <a:lnSpc>
               <a:spcPct val="90000"/>
             </a:lnSpc>
@@ -6369,7 +6404,7 @@
               <a:spcPct val="35000"/>
             </a:spcAft>
           </a:pPr>
-          <a:endParaRPr lang="zh-TW" altLang="en-US" sz="1700" kern="1200">
+          <a:endParaRPr lang="zh-TW" altLang="en-US" sz="1500" kern="1200">
             <a:solidFill>
               <a:schemeClr val="tx1"/>
             </a:solidFill>
@@ -6463,12 +6498,12 @@
         </a:fontRef>
       </dsp:style>
       <dsp:txBody>
-        <a:bodyPr spcFirstLastPara="0" vert="horz" wrap="square" lIns="80010" tIns="80010" rIns="80010" bIns="80010" numCol="1" spcCol="1270" anchor="ctr" anchorCtr="0">
+        <a:bodyPr spcFirstLastPara="0" vert="horz" wrap="square" lIns="72390" tIns="72390" rIns="72390" bIns="72390" numCol="1" spcCol="1270" anchor="ctr" anchorCtr="0">
           <a:noAutofit/>
         </a:bodyPr>
         <a:lstStyle/>
         <a:p>
-          <a:pPr lvl="0" algn="ctr" defTabSz="933450">
+          <a:pPr lvl="0" algn="ctr" defTabSz="844550">
             <a:lnSpc>
               <a:spcPct val="90000"/>
             </a:lnSpc>
@@ -6480,14 +6515,14 @@
             </a:spcAft>
           </a:pPr>
           <a:r>
-            <a:rPr lang="en-US" altLang="zh-TW" sz="2100" kern="1200" smtClean="0">
+            <a:rPr lang="en-US" altLang="zh-TW" sz="1900" kern="1200" smtClean="0">
               <a:latin typeface="Farah" charset="-78"/>
               <a:ea typeface="Farah" charset="-78"/>
               <a:cs typeface="Farah" charset="-78"/>
             </a:rPr>
             <a:t>load.js</a:t>
           </a:r>
-          <a:endParaRPr lang="zh-TW" altLang="en-US" sz="2100" kern="1200" dirty="0">
+          <a:endParaRPr lang="zh-TW" altLang="en-US" sz="1900" kern="1200" dirty="0">
             <a:latin typeface="Farah" charset="-78"/>
             <a:ea typeface="Farah" charset="-78"/>
             <a:cs typeface="Farah" charset="-78"/>
@@ -6587,7 +6622,7 @@
         </a:bodyPr>
         <a:lstStyle/>
         <a:p>
-          <a:pPr lvl="0" algn="ctr" defTabSz="755650">
+          <a:pPr lvl="0" algn="ctr" defTabSz="666750">
             <a:lnSpc>
               <a:spcPct val="90000"/>
             </a:lnSpc>
@@ -6598,7 +6633,7 @@
               <a:spcPct val="35000"/>
             </a:spcAft>
           </a:pPr>
-          <a:endParaRPr lang="zh-TW" altLang="en-US" sz="1700" kern="1200">
+          <a:endParaRPr lang="zh-TW" altLang="en-US" sz="1500" kern="1200">
             <a:solidFill>
               <a:schemeClr val="tx1"/>
             </a:solidFill>
@@ -6692,12 +6727,12 @@
         </a:fontRef>
       </dsp:style>
       <dsp:txBody>
-        <a:bodyPr spcFirstLastPara="0" vert="horz" wrap="square" lIns="80010" tIns="80010" rIns="80010" bIns="80010" numCol="1" spcCol="1270" anchor="ctr" anchorCtr="0">
+        <a:bodyPr spcFirstLastPara="0" vert="horz" wrap="square" lIns="72390" tIns="72390" rIns="72390" bIns="72390" numCol="1" spcCol="1270" anchor="ctr" anchorCtr="0">
           <a:noAutofit/>
         </a:bodyPr>
         <a:lstStyle/>
         <a:p>
-          <a:pPr lvl="0" algn="ctr" defTabSz="933450">
+          <a:pPr lvl="0" algn="ctr" defTabSz="844550">
             <a:lnSpc>
               <a:spcPct val="90000"/>
             </a:lnSpc>
@@ -6709,21 +6744,21 @@
             </a:spcAft>
           </a:pPr>
           <a:r>
-            <a:rPr lang="en-US" altLang="zh-TW" sz="2100" kern="1200" dirty="0" err="1" smtClean="0">
+            <a:rPr lang="en-US" altLang="zh-TW" sz="1900" kern="1200" dirty="0" err="1" smtClean="0">
               <a:latin typeface="Farah" charset="-78"/>
               <a:ea typeface="Farah" charset="-78"/>
               <a:cs typeface="Farah" charset="-78"/>
             </a:rPr>
             <a:t>loadFramework.js</a:t>
           </a:r>
-          <a:endParaRPr lang="zh-TW" altLang="en-US" sz="2100" kern="1200" dirty="0" smtClean="0">
+          <a:endParaRPr lang="zh-TW" altLang="en-US" sz="1900" kern="1200" dirty="0" smtClean="0">
             <a:latin typeface="Farah" charset="-78"/>
             <a:ea typeface="Farah" charset="-78"/>
             <a:cs typeface="Farah" charset="-78"/>
           </a:endParaRPr>
         </a:p>
         <a:p>
-          <a:pPr lvl="0" algn="ctr" defTabSz="933450">
+          <a:pPr lvl="0" algn="ctr" defTabSz="844550">
             <a:lnSpc>
               <a:spcPct val="90000"/>
             </a:lnSpc>
@@ -6735,14 +6770,14 @@
             </a:spcAft>
           </a:pPr>
           <a:r>
-            <a:rPr lang="en-US" altLang="zh-TW" sz="2100" kern="1200" dirty="0" err="1" smtClean="0">
+            <a:rPr lang="en-US" altLang="zh-TW" sz="1900" kern="1200" dirty="0" err="1" smtClean="0">
               <a:latin typeface="Farah" charset="-78"/>
               <a:ea typeface="Farah" charset="-78"/>
               <a:cs typeface="Farah" charset="-78"/>
             </a:rPr>
             <a:t>loadGame.js</a:t>
           </a:r>
-          <a:endParaRPr lang="zh-TW" altLang="en-US" sz="2100" kern="1200" dirty="0">
+          <a:endParaRPr lang="zh-TW" altLang="en-US" sz="1900" kern="1200" dirty="0">
             <a:latin typeface="Farah" charset="-78"/>
             <a:ea typeface="Farah" charset="-78"/>
             <a:cs typeface="Farah" charset="-78"/>
@@ -18380,7 +18415,7 @@
           <a:p>
             <a:fld id="{717A0F8B-93E4-D94C-A23F-3BFE25CA288E}" type="datetimeFigureOut">
               <a:rPr kumimoji="1" lang="zh-TW" altLang="en-US" smtClean="0"/>
-              <a:t>2018/6/18</a:t>
+              <a:t>2018/6/19</a:t>
             </a:fld>
             <a:endParaRPr kumimoji="1" lang="zh-TW" altLang="en-US"/>
           </a:p>
@@ -18779,7 +18814,7 @@
           <a:p>
             <a:fld id="{C5A3AF4C-25B1-F44B-852B-3193A0C807C6}" type="datetimeFigureOut">
               <a:rPr kumimoji="1" lang="zh-TW" altLang="en-US" smtClean="0"/>
-              <a:t>2018/6/18</a:t>
+              <a:t>2018/6/19</a:t>
             </a:fld>
             <a:endParaRPr kumimoji="1" lang="zh-TW" altLang="en-US"/>
           </a:p>
@@ -18944,7 +18979,7 @@
           <a:p>
             <a:fld id="{C5A3AF4C-25B1-F44B-852B-3193A0C807C6}" type="datetimeFigureOut">
               <a:rPr kumimoji="1" lang="zh-TW" altLang="en-US" smtClean="0"/>
-              <a:t>2018/6/18</a:t>
+              <a:t>2018/6/19</a:t>
             </a:fld>
             <a:endParaRPr kumimoji="1" lang="zh-TW" altLang="en-US"/>
           </a:p>
@@ -19119,7 +19154,7 @@
           <a:p>
             <a:fld id="{C5A3AF4C-25B1-F44B-852B-3193A0C807C6}" type="datetimeFigureOut">
               <a:rPr kumimoji="1" lang="zh-TW" altLang="en-US" smtClean="0"/>
-              <a:t>2018/6/18</a:t>
+              <a:t>2018/6/19</a:t>
             </a:fld>
             <a:endParaRPr kumimoji="1" lang="zh-TW" altLang="en-US"/>
           </a:p>
@@ -19284,7 +19319,7 @@
           <a:p>
             <a:fld id="{C5A3AF4C-25B1-F44B-852B-3193A0C807C6}" type="datetimeFigureOut">
               <a:rPr kumimoji="1" lang="zh-TW" altLang="en-US" smtClean="0"/>
-              <a:t>2018/6/18</a:t>
+              <a:t>2018/6/19</a:t>
             </a:fld>
             <a:endParaRPr kumimoji="1" lang="zh-TW" altLang="en-US"/>
           </a:p>
@@ -19523,7 +19558,7 @@
           <a:p>
             <a:fld id="{C5A3AF4C-25B1-F44B-852B-3193A0C807C6}" type="datetimeFigureOut">
               <a:rPr kumimoji="1" lang="zh-TW" altLang="en-US" smtClean="0"/>
-              <a:t>2018/6/18</a:t>
+              <a:t>2018/6/19</a:t>
             </a:fld>
             <a:endParaRPr kumimoji="1" lang="zh-TW" altLang="en-US"/>
           </a:p>
@@ -19750,7 +19785,7 @@
           <a:p>
             <a:fld id="{C5A3AF4C-25B1-F44B-852B-3193A0C807C6}" type="datetimeFigureOut">
               <a:rPr kumimoji="1" lang="zh-TW" altLang="en-US" smtClean="0"/>
-              <a:t>2018/6/18</a:t>
+              <a:t>2018/6/19</a:t>
             </a:fld>
             <a:endParaRPr kumimoji="1" lang="zh-TW" altLang="en-US"/>
           </a:p>
@@ -20112,7 +20147,7 @@
           <a:p>
             <a:fld id="{C5A3AF4C-25B1-F44B-852B-3193A0C807C6}" type="datetimeFigureOut">
               <a:rPr kumimoji="1" lang="zh-TW" altLang="en-US" smtClean="0"/>
-              <a:t>2018/6/18</a:t>
+              <a:t>2018/6/19</a:t>
             </a:fld>
             <a:endParaRPr kumimoji="1" lang="zh-TW" altLang="en-US"/>
           </a:p>
@@ -20225,7 +20260,7 @@
           <a:p>
             <a:fld id="{C5A3AF4C-25B1-F44B-852B-3193A0C807C6}" type="datetimeFigureOut">
               <a:rPr kumimoji="1" lang="zh-TW" altLang="en-US" smtClean="0"/>
-              <a:t>2018/6/18</a:t>
+              <a:t>2018/6/19</a:t>
             </a:fld>
             <a:endParaRPr kumimoji="1" lang="zh-TW" altLang="en-US"/>
           </a:p>
@@ -20315,7 +20350,7 @@
           <a:p>
             <a:fld id="{C5A3AF4C-25B1-F44B-852B-3193A0C807C6}" type="datetimeFigureOut">
               <a:rPr kumimoji="1" lang="zh-TW" altLang="en-US" smtClean="0"/>
-              <a:t>2018/6/18</a:t>
+              <a:t>2018/6/19</a:t>
             </a:fld>
             <a:endParaRPr kumimoji="1" lang="zh-TW" altLang="en-US"/>
           </a:p>
@@ -20587,7 +20622,7 @@
           <a:p>
             <a:fld id="{C5A3AF4C-25B1-F44B-852B-3193A0C807C6}" type="datetimeFigureOut">
               <a:rPr kumimoji="1" lang="zh-TW" altLang="en-US" smtClean="0"/>
-              <a:t>2018/6/18</a:t>
+              <a:t>2018/6/19</a:t>
             </a:fld>
             <a:endParaRPr kumimoji="1" lang="zh-TW" altLang="en-US"/>
           </a:p>
@@ -20839,7 +20874,7 @@
           <a:p>
             <a:fld id="{C5A3AF4C-25B1-F44B-852B-3193A0C807C6}" type="datetimeFigureOut">
               <a:rPr kumimoji="1" lang="zh-TW" altLang="en-US" smtClean="0"/>
-              <a:t>2018/6/18</a:t>
+              <a:t>2018/6/19</a:t>
             </a:fld>
             <a:endParaRPr kumimoji="1" lang="zh-TW" altLang="en-US"/>
           </a:p>
@@ -21047,7 +21082,7 @@
           <a:p>
             <a:fld id="{C5A3AF4C-25B1-F44B-852B-3193A0C807C6}" type="datetimeFigureOut">
               <a:rPr kumimoji="1" lang="zh-TW" altLang="en-US" smtClean="0"/>
-              <a:t>2018/6/18</a:t>
+              <a:t>2018/6/19</a:t>
             </a:fld>
             <a:endParaRPr kumimoji="1" lang="zh-TW" altLang="en-US"/>
           </a:p>
@@ -23191,9 +23226,9 @@
                 <a:solidFill>
                   <a:schemeClr val="tx1"/>
                 </a:solidFill>
-                <a:latin typeface="Times New Roman" charset="0"/>
-                <a:ea typeface="Times New Roman" charset="0"/>
-                <a:cs typeface="Times New Roman" charset="0"/>
+                <a:latin typeface="Times New Roman" panose="02020603050405020304" pitchFamily="18" charset="0"/>
+                <a:ea typeface="標楷體" panose="03000509000000000000" pitchFamily="65" charset="-120"/>
+                <a:cs typeface="Times New Roman" panose="02020603050405020304" pitchFamily="18" charset="0"/>
               </a:endParaRPr>
             </a:p>
           </p:txBody>
@@ -23245,9 +23280,9 @@
                   <a:solidFill>
                     <a:sysClr val="windowText" lastClr="000000"/>
                   </a:solidFill>
-                  <a:latin typeface="Times New Roman" charset="0"/>
-                  <a:ea typeface="Times New Roman" charset="0"/>
-                  <a:cs typeface="Times New Roman" charset="0"/>
+                  <a:latin typeface="Times New Roman" panose="02020603050405020304" pitchFamily="18" charset="0"/>
+                  <a:ea typeface="標楷體" panose="03000509000000000000" pitchFamily="65" charset="-120"/>
+                  <a:cs typeface="Times New Roman" panose="02020603050405020304" pitchFamily="18" charset="0"/>
                 </a:rPr>
                 <a:t>MyMneu</a:t>
               </a:r>
@@ -23255,9 +23290,9 @@
                 <a:solidFill>
                   <a:sysClr val="windowText" lastClr="000000"/>
                 </a:solidFill>
-                <a:latin typeface="Times New Roman" charset="0"/>
-                <a:ea typeface="Times New Roman" charset="0"/>
-                <a:cs typeface="Times New Roman" charset="0"/>
+                <a:latin typeface="Times New Roman" panose="02020603050405020304" pitchFamily="18" charset="0"/>
+                <a:ea typeface="標楷體" panose="03000509000000000000" pitchFamily="65" charset="-120"/>
+                <a:cs typeface="Times New Roman" panose="02020603050405020304" pitchFamily="18" charset="0"/>
               </a:endParaRPr>
             </a:p>
           </p:txBody>
@@ -23311,9 +23346,9 @@
                 <a:solidFill>
                   <a:sysClr val="windowText" lastClr="000000"/>
                 </a:solidFill>
-                <a:latin typeface="Times New Roman" charset="0"/>
-                <a:ea typeface="Times New Roman" charset="0"/>
-                <a:cs typeface="Times New Roman" charset="0"/>
+                <a:latin typeface="Times New Roman" panose="02020603050405020304" pitchFamily="18" charset="0"/>
+                <a:ea typeface="標楷體" panose="03000509000000000000" pitchFamily="65" charset="-120"/>
+                <a:cs typeface="Times New Roman" panose="02020603050405020304" pitchFamily="18" charset="0"/>
               </a:rPr>
               <a:t>開始（</a:t>
             </a:r>
@@ -23322,9 +23357,9 @@
                 <a:solidFill>
                   <a:sysClr val="windowText" lastClr="000000"/>
                 </a:solidFill>
-                <a:latin typeface="Times New Roman" charset="0"/>
-                <a:ea typeface="Times New Roman" charset="0"/>
-                <a:cs typeface="Times New Roman" charset="0"/>
+                <a:latin typeface="Times New Roman" panose="02020603050405020304" pitchFamily="18" charset="0"/>
+                <a:ea typeface="標楷體" panose="03000509000000000000" pitchFamily="65" charset="-120"/>
+                <a:cs typeface="Times New Roman" panose="02020603050405020304" pitchFamily="18" charset="0"/>
               </a:rPr>
               <a:t>C</a:t>
             </a:r>
@@ -23333,9 +23368,9 @@
                 <a:solidFill>
                   <a:sysClr val="windowText" lastClr="000000"/>
                 </a:solidFill>
-                <a:latin typeface="Times New Roman" charset="0"/>
-                <a:ea typeface="Times New Roman" charset="0"/>
-                <a:cs typeface="Times New Roman" charset="0"/>
+                <a:latin typeface="Times New Roman" panose="02020603050405020304" pitchFamily="18" charset="0"/>
+                <a:ea typeface="標楷體" panose="03000509000000000000" pitchFamily="65" charset="-120"/>
+                <a:cs typeface="Times New Roman" panose="02020603050405020304" pitchFamily="18" charset="0"/>
               </a:rPr>
               <a:t>hooseLevel</a:t>
             </a:r>
@@ -23344,9 +23379,9 @@
                 <a:solidFill>
                   <a:sysClr val="windowText" lastClr="000000"/>
                 </a:solidFill>
-                <a:latin typeface="Times New Roman" charset="0"/>
-                <a:ea typeface="Times New Roman" charset="0"/>
-                <a:cs typeface="Times New Roman" charset="0"/>
+                <a:latin typeface="Times New Roman" panose="02020603050405020304" pitchFamily="18" charset="0"/>
+                <a:ea typeface="標楷體" panose="03000509000000000000" pitchFamily="65" charset="-120"/>
+                <a:cs typeface="Times New Roman" panose="02020603050405020304" pitchFamily="18" charset="0"/>
               </a:rPr>
               <a:t>）</a:t>
             </a:r>
@@ -23354,9 +23389,9 @@
               <a:solidFill>
                 <a:sysClr val="windowText" lastClr="000000"/>
               </a:solidFill>
-              <a:latin typeface="Times New Roman" charset="0"/>
-              <a:ea typeface="Times New Roman" charset="0"/>
-              <a:cs typeface="Times New Roman" charset="0"/>
+              <a:latin typeface="Times New Roman" panose="02020603050405020304" pitchFamily="18" charset="0"/>
+              <a:ea typeface="標楷體" panose="03000509000000000000" pitchFamily="65" charset="-120"/>
+              <a:cs typeface="Times New Roman" panose="02020603050405020304" pitchFamily="18" charset="0"/>
             </a:endParaRPr>
           </a:p>
           <a:p>
@@ -23369,9 +23404,9 @@
                 <a:solidFill>
                   <a:sysClr val="windowText" lastClr="000000"/>
                 </a:solidFill>
-                <a:latin typeface="Times New Roman" charset="0"/>
-                <a:ea typeface="Times New Roman" charset="0"/>
-                <a:cs typeface="Times New Roman" charset="0"/>
+                <a:latin typeface="Times New Roman" panose="02020603050405020304" pitchFamily="18" charset="0"/>
+                <a:ea typeface="標楷體" panose="03000509000000000000" pitchFamily="65" charset="-120"/>
+                <a:cs typeface="Times New Roman" panose="02020603050405020304" pitchFamily="18" charset="0"/>
               </a:rPr>
               <a:t>操作</a:t>
             </a:r>
@@ -23379,9 +23414,9 @@
               <a:solidFill>
                 <a:sysClr val="windowText" lastClr="000000"/>
               </a:solidFill>
-              <a:latin typeface="Times New Roman" charset="0"/>
-              <a:ea typeface="Times New Roman" charset="0"/>
-              <a:cs typeface="Times New Roman" charset="0"/>
+              <a:latin typeface="Times New Roman" panose="02020603050405020304" pitchFamily="18" charset="0"/>
+              <a:ea typeface="標楷體" panose="03000509000000000000" pitchFamily="65" charset="-120"/>
+              <a:cs typeface="Times New Roman" panose="02020603050405020304" pitchFamily="18" charset="0"/>
             </a:endParaRPr>
           </a:p>
           <a:p>
@@ -23394,9 +23429,9 @@
                 <a:solidFill>
                   <a:sysClr val="windowText" lastClr="000000"/>
                 </a:solidFill>
-                <a:latin typeface="Times New Roman" charset="0"/>
-                <a:ea typeface="Times New Roman" charset="0"/>
-                <a:cs typeface="Times New Roman" charset="0"/>
+                <a:latin typeface="Times New Roman" panose="02020603050405020304" pitchFamily="18" charset="0"/>
+                <a:ea typeface="標楷體" panose="03000509000000000000" pitchFamily="65" charset="-120"/>
+                <a:cs typeface="Times New Roman" panose="02020603050405020304" pitchFamily="18" charset="0"/>
               </a:rPr>
               <a:t>作弊</a:t>
             </a:r>
@@ -23404,9 +23439,9 @@
               <a:solidFill>
                 <a:sysClr val="windowText" lastClr="000000"/>
               </a:solidFill>
-              <a:latin typeface="Times New Roman" charset="0"/>
-              <a:ea typeface="Times New Roman" charset="0"/>
-              <a:cs typeface="Times New Roman" charset="0"/>
+              <a:latin typeface="Times New Roman" panose="02020603050405020304" pitchFamily="18" charset="0"/>
+              <a:ea typeface="標楷體" panose="03000509000000000000" pitchFamily="65" charset="-120"/>
+              <a:cs typeface="Times New Roman" panose="02020603050405020304" pitchFamily="18" charset="0"/>
             </a:endParaRPr>
           </a:p>
         </p:txBody>
@@ -23481,9 +23516,9 @@
                   <a:solidFill>
                     <a:schemeClr val="tx1"/>
                   </a:solidFill>
-                  <a:latin typeface="Times New Roman" charset="0"/>
-                  <a:ea typeface="Times New Roman" charset="0"/>
-                  <a:cs typeface="Times New Roman" charset="0"/>
+                  <a:latin typeface="Times New Roman" panose="02020603050405020304" pitchFamily="18" charset="0"/>
+                  <a:ea typeface="標楷體" panose="03000509000000000000" pitchFamily="65" charset="-120"/>
+                  <a:cs typeface="Times New Roman" panose="02020603050405020304" pitchFamily="18" charset="0"/>
                 </a:endParaRPr>
               </a:p>
             </p:txBody>
@@ -23535,9 +23570,9 @@
                     <a:solidFill>
                       <a:sysClr val="windowText" lastClr="000000"/>
                     </a:solidFill>
-                    <a:latin typeface="Times New Roman" charset="0"/>
-                    <a:ea typeface="Times New Roman" charset="0"/>
-                    <a:cs typeface="Times New Roman" charset="0"/>
+                    <a:latin typeface="Times New Roman" panose="02020603050405020304" pitchFamily="18" charset="0"/>
+                    <a:ea typeface="標楷體" panose="03000509000000000000" pitchFamily="65" charset="-120"/>
+                    <a:cs typeface="Times New Roman" panose="02020603050405020304" pitchFamily="18" charset="0"/>
                   </a:rPr>
                   <a:t>ChooseLevel</a:t>
                 </a:r>
@@ -23545,9 +23580,9 @@
                   <a:solidFill>
                     <a:sysClr val="windowText" lastClr="000000"/>
                   </a:solidFill>
-                  <a:latin typeface="Times New Roman" charset="0"/>
-                  <a:ea typeface="Times New Roman" charset="0"/>
-                  <a:cs typeface="Times New Roman" charset="0"/>
+                  <a:latin typeface="Times New Roman" panose="02020603050405020304" pitchFamily="18" charset="0"/>
+                  <a:ea typeface="標楷體" panose="03000509000000000000" pitchFamily="65" charset="-120"/>
+                  <a:cs typeface="Times New Roman" panose="02020603050405020304" pitchFamily="18" charset="0"/>
                 </a:endParaRPr>
               </a:p>
             </p:txBody>
@@ -23601,9 +23636,9 @@
                   <a:solidFill>
                     <a:sysClr val="windowText" lastClr="000000"/>
                   </a:solidFill>
-                  <a:latin typeface="Times New Roman" charset="0"/>
-                  <a:ea typeface="Times New Roman" charset="0"/>
-                  <a:cs typeface="Times New Roman" charset="0"/>
+                  <a:latin typeface="Times New Roman" panose="02020603050405020304" pitchFamily="18" charset="0"/>
+                  <a:ea typeface="標楷體" panose="03000509000000000000" pitchFamily="65" charset="-120"/>
+                  <a:cs typeface="Times New Roman" panose="02020603050405020304" pitchFamily="18" charset="0"/>
                 </a:rPr>
                 <a:t>Level1_button</a:t>
               </a:r>
@@ -23612,9 +23647,9 @@
                   <a:solidFill>
                     <a:sysClr val="windowText" lastClr="000000"/>
                   </a:solidFill>
-                  <a:latin typeface="Times New Roman" charset="0"/>
-                  <a:ea typeface="Times New Roman" charset="0"/>
-                  <a:cs typeface="Times New Roman" charset="0"/>
+                  <a:latin typeface="Times New Roman" panose="02020603050405020304" pitchFamily="18" charset="0"/>
+                  <a:ea typeface="標楷體" panose="03000509000000000000" pitchFamily="65" charset="-120"/>
+                  <a:cs typeface="Times New Roman" panose="02020603050405020304" pitchFamily="18" charset="0"/>
                 </a:rPr>
                 <a:t>（</a:t>
               </a:r>
@@ -23623,9 +23658,9 @@
                   <a:solidFill>
                     <a:sysClr val="windowText" lastClr="000000"/>
                   </a:solidFill>
-                  <a:latin typeface="Times New Roman" charset="0"/>
-                  <a:ea typeface="Times New Roman" charset="0"/>
-                  <a:cs typeface="Times New Roman" charset="0"/>
+                  <a:latin typeface="Times New Roman" panose="02020603050405020304" pitchFamily="18" charset="0"/>
+                  <a:ea typeface="標楷體" panose="03000509000000000000" pitchFamily="65" charset="-120"/>
+                  <a:cs typeface="Times New Roman" panose="02020603050405020304" pitchFamily="18" charset="0"/>
                 </a:rPr>
                 <a:t>Level1</a:t>
               </a:r>
@@ -23634,9 +23669,9 @@
                   <a:solidFill>
                     <a:sysClr val="windowText" lastClr="000000"/>
                   </a:solidFill>
-                  <a:latin typeface="Times New Roman" charset="0"/>
-                  <a:ea typeface="Times New Roman" charset="0"/>
-                  <a:cs typeface="Times New Roman" charset="0"/>
+                  <a:latin typeface="Times New Roman" panose="02020603050405020304" pitchFamily="18" charset="0"/>
+                  <a:ea typeface="標楷體" panose="03000509000000000000" pitchFamily="65" charset="-120"/>
+                  <a:cs typeface="Times New Roman" panose="02020603050405020304" pitchFamily="18" charset="0"/>
                 </a:rPr>
                 <a:t>）</a:t>
               </a:r>
@@ -23644,9 +23679,9 @@
                 <a:solidFill>
                   <a:sysClr val="windowText" lastClr="000000"/>
                 </a:solidFill>
-                <a:latin typeface="Times New Roman" charset="0"/>
-                <a:ea typeface="Times New Roman" charset="0"/>
-                <a:cs typeface="Times New Roman" charset="0"/>
+                <a:latin typeface="Times New Roman" panose="02020603050405020304" pitchFamily="18" charset="0"/>
+                <a:ea typeface="標楷體" panose="03000509000000000000" pitchFamily="65" charset="-120"/>
+                <a:cs typeface="Times New Roman" panose="02020603050405020304" pitchFamily="18" charset="0"/>
               </a:endParaRPr>
             </a:p>
             <a:p>
@@ -23659,9 +23694,9 @@
                   <a:solidFill>
                     <a:sysClr val="windowText" lastClr="000000"/>
                   </a:solidFill>
-                  <a:latin typeface="Times New Roman" charset="0"/>
-                  <a:ea typeface="Times New Roman" charset="0"/>
-                  <a:cs typeface="Times New Roman" charset="0"/>
+                  <a:latin typeface="Times New Roman" panose="02020603050405020304" pitchFamily="18" charset="0"/>
+                  <a:ea typeface="標楷體" panose="03000509000000000000" pitchFamily="65" charset="-120"/>
+                  <a:cs typeface="Times New Roman" panose="02020603050405020304" pitchFamily="18" charset="0"/>
                 </a:rPr>
                 <a:t>Level2_button</a:t>
               </a:r>
@@ -23670,9 +23705,9 @@
                   <a:solidFill>
                     <a:sysClr val="windowText" lastClr="000000"/>
                   </a:solidFill>
-                  <a:latin typeface="Times New Roman" charset="0"/>
-                  <a:ea typeface="Times New Roman" charset="0"/>
-                  <a:cs typeface="Times New Roman" charset="0"/>
+                  <a:latin typeface="Times New Roman" panose="02020603050405020304" pitchFamily="18" charset="0"/>
+                  <a:ea typeface="標楷體" panose="03000509000000000000" pitchFamily="65" charset="-120"/>
+                  <a:cs typeface="Times New Roman" panose="02020603050405020304" pitchFamily="18" charset="0"/>
                 </a:rPr>
                 <a:t>（</a:t>
               </a:r>
@@ -23681,9 +23716,9 @@
                   <a:solidFill>
                     <a:sysClr val="windowText" lastClr="000000"/>
                   </a:solidFill>
-                  <a:latin typeface="Times New Roman" charset="0"/>
-                  <a:ea typeface="Times New Roman" charset="0"/>
-                  <a:cs typeface="Times New Roman" charset="0"/>
+                  <a:latin typeface="Times New Roman" panose="02020603050405020304" pitchFamily="18" charset="0"/>
+                  <a:ea typeface="標楷體" panose="03000509000000000000" pitchFamily="65" charset="-120"/>
+                  <a:cs typeface="Times New Roman" panose="02020603050405020304" pitchFamily="18" charset="0"/>
                 </a:rPr>
                 <a:t>Level2</a:t>
               </a:r>
@@ -23692,9 +23727,9 @@
                   <a:solidFill>
                     <a:sysClr val="windowText" lastClr="000000"/>
                   </a:solidFill>
-                  <a:latin typeface="Times New Roman" charset="0"/>
-                  <a:ea typeface="Times New Roman" charset="0"/>
-                  <a:cs typeface="Times New Roman" charset="0"/>
+                  <a:latin typeface="Times New Roman" panose="02020603050405020304" pitchFamily="18" charset="0"/>
+                  <a:ea typeface="標楷體" panose="03000509000000000000" pitchFamily="65" charset="-120"/>
+                  <a:cs typeface="Times New Roman" panose="02020603050405020304" pitchFamily="18" charset="0"/>
                 </a:rPr>
                 <a:t>）</a:t>
               </a:r>
@@ -23702,9 +23737,9 @@
                 <a:solidFill>
                   <a:sysClr val="windowText" lastClr="000000"/>
                 </a:solidFill>
-                <a:latin typeface="Times New Roman" charset="0"/>
-                <a:ea typeface="Times New Roman" charset="0"/>
-                <a:cs typeface="Times New Roman" charset="0"/>
+                <a:latin typeface="Times New Roman" panose="02020603050405020304" pitchFamily="18" charset="0"/>
+                <a:ea typeface="標楷體" panose="03000509000000000000" pitchFamily="65" charset="-120"/>
+                <a:cs typeface="Times New Roman" panose="02020603050405020304" pitchFamily="18" charset="0"/>
               </a:endParaRPr>
             </a:p>
             <a:p>
@@ -23717,9 +23752,9 @@
                   <a:solidFill>
                     <a:sysClr val="windowText" lastClr="000000"/>
                   </a:solidFill>
-                  <a:latin typeface="Times New Roman" charset="0"/>
-                  <a:ea typeface="Times New Roman" charset="0"/>
-                  <a:cs typeface="Times New Roman" charset="0"/>
+                  <a:latin typeface="Times New Roman" panose="02020603050405020304" pitchFamily="18" charset="0"/>
+                  <a:ea typeface="標楷體" panose="03000509000000000000" pitchFamily="65" charset="-120"/>
+                  <a:cs typeface="Times New Roman" panose="02020603050405020304" pitchFamily="18" charset="0"/>
                 </a:rPr>
                 <a:t>Level3_button</a:t>
               </a:r>
@@ -23728,9 +23763,9 @@
                   <a:solidFill>
                     <a:sysClr val="windowText" lastClr="000000"/>
                   </a:solidFill>
-                  <a:latin typeface="Times New Roman" charset="0"/>
-                  <a:ea typeface="Times New Roman" charset="0"/>
-                  <a:cs typeface="Times New Roman" charset="0"/>
+                  <a:latin typeface="Times New Roman" panose="02020603050405020304" pitchFamily="18" charset="0"/>
+                  <a:ea typeface="標楷體" panose="03000509000000000000" pitchFamily="65" charset="-120"/>
+                  <a:cs typeface="Times New Roman" panose="02020603050405020304" pitchFamily="18" charset="0"/>
                 </a:rPr>
                 <a:t>（</a:t>
               </a:r>
@@ -23739,9 +23774,9 @@
                   <a:solidFill>
                     <a:sysClr val="windowText" lastClr="000000"/>
                   </a:solidFill>
-                  <a:latin typeface="Times New Roman" charset="0"/>
-                  <a:ea typeface="Times New Roman" charset="0"/>
-                  <a:cs typeface="Times New Roman" charset="0"/>
+                  <a:latin typeface="Times New Roman" panose="02020603050405020304" pitchFamily="18" charset="0"/>
+                  <a:ea typeface="標楷體" panose="03000509000000000000" pitchFamily="65" charset="-120"/>
+                  <a:cs typeface="Times New Roman" panose="02020603050405020304" pitchFamily="18" charset="0"/>
                 </a:rPr>
                 <a:t>Level3</a:t>
               </a:r>
@@ -23750,9 +23785,9 @@
                   <a:solidFill>
                     <a:sysClr val="windowText" lastClr="000000"/>
                   </a:solidFill>
-                  <a:latin typeface="Times New Roman" charset="0"/>
-                  <a:ea typeface="Times New Roman" charset="0"/>
-                  <a:cs typeface="Times New Roman" charset="0"/>
+                  <a:latin typeface="Times New Roman" panose="02020603050405020304" pitchFamily="18" charset="0"/>
+                  <a:ea typeface="標楷體" panose="03000509000000000000" pitchFamily="65" charset="-120"/>
+                  <a:cs typeface="Times New Roman" panose="02020603050405020304" pitchFamily="18" charset="0"/>
                 </a:rPr>
                 <a:t>）</a:t>
               </a:r>
@@ -23760,9 +23795,9 @@
                 <a:solidFill>
                   <a:sysClr val="windowText" lastClr="000000"/>
                 </a:solidFill>
-                <a:latin typeface="Times New Roman" charset="0"/>
-                <a:ea typeface="Times New Roman" charset="0"/>
-                <a:cs typeface="Times New Roman" charset="0"/>
+                <a:latin typeface="Times New Roman" panose="02020603050405020304" pitchFamily="18" charset="0"/>
+                <a:ea typeface="標楷體" panose="03000509000000000000" pitchFamily="65" charset="-120"/>
+                <a:cs typeface="Times New Roman" panose="02020603050405020304" pitchFamily="18" charset="0"/>
               </a:endParaRPr>
             </a:p>
             <a:p>
@@ -23775,9 +23810,9 @@
                   <a:solidFill>
                     <a:sysClr val="windowText" lastClr="000000"/>
                   </a:solidFill>
-                  <a:latin typeface="Times New Roman" charset="0"/>
-                  <a:ea typeface="Times New Roman" charset="0"/>
-                  <a:cs typeface="Times New Roman" charset="0"/>
+                  <a:latin typeface="Times New Roman" panose="02020603050405020304" pitchFamily="18" charset="0"/>
+                  <a:ea typeface="標楷體" panose="03000509000000000000" pitchFamily="65" charset="-120"/>
+                  <a:cs typeface="Times New Roman" panose="02020603050405020304" pitchFamily="18" charset="0"/>
                 </a:rPr>
                 <a:t>背包</a:t>
               </a:r>
@@ -23786,9 +23821,9 @@
                   <a:solidFill>
                     <a:sysClr val="windowText" lastClr="000000"/>
                   </a:solidFill>
-                  <a:latin typeface="Times New Roman" charset="0"/>
-                  <a:ea typeface="Times New Roman" charset="0"/>
-                  <a:cs typeface="Times New Roman" charset="0"/>
+                  <a:latin typeface="Times New Roman" panose="02020603050405020304" pitchFamily="18" charset="0"/>
+                  <a:ea typeface="標楷體" panose="03000509000000000000" pitchFamily="65" charset="-120"/>
+                  <a:cs typeface="Times New Roman" panose="02020603050405020304" pitchFamily="18" charset="0"/>
                 </a:rPr>
                 <a:t>_button</a:t>
               </a:r>
@@ -23797,9 +23832,9 @@
                   <a:solidFill>
                     <a:sysClr val="windowText" lastClr="000000"/>
                   </a:solidFill>
-                  <a:latin typeface="Times New Roman" charset="0"/>
-                  <a:ea typeface="Times New Roman" charset="0"/>
-                  <a:cs typeface="Times New Roman" charset="0"/>
+                  <a:latin typeface="Times New Roman" panose="02020603050405020304" pitchFamily="18" charset="0"/>
+                  <a:ea typeface="標楷體" panose="03000509000000000000" pitchFamily="65" charset="-120"/>
+                  <a:cs typeface="Times New Roman" panose="02020603050405020304" pitchFamily="18" charset="0"/>
                 </a:rPr>
                 <a:t>（</a:t>
               </a:r>
@@ -23808,9 +23843,9 @@
                   <a:solidFill>
                     <a:sysClr val="windowText" lastClr="000000"/>
                   </a:solidFill>
-                  <a:latin typeface="Times New Roman" charset="0"/>
-                  <a:ea typeface="Times New Roman" charset="0"/>
-                  <a:cs typeface="Times New Roman" charset="0"/>
+                  <a:latin typeface="Times New Roman" panose="02020603050405020304" pitchFamily="18" charset="0"/>
+                  <a:ea typeface="標楷體" panose="03000509000000000000" pitchFamily="65" charset="-120"/>
+                  <a:cs typeface="Times New Roman" panose="02020603050405020304" pitchFamily="18" charset="0"/>
                 </a:rPr>
                 <a:t>Bag</a:t>
               </a:r>
@@ -23819,9 +23854,9 @@
                   <a:solidFill>
                     <a:sysClr val="windowText" lastClr="000000"/>
                   </a:solidFill>
-                  <a:latin typeface="Times New Roman" charset="0"/>
-                  <a:ea typeface="Times New Roman" charset="0"/>
-                  <a:cs typeface="Times New Roman" charset="0"/>
+                  <a:latin typeface="Times New Roman" panose="02020603050405020304" pitchFamily="18" charset="0"/>
+                  <a:ea typeface="標楷體" panose="03000509000000000000" pitchFamily="65" charset="-120"/>
+                  <a:cs typeface="Times New Roman" panose="02020603050405020304" pitchFamily="18" charset="0"/>
                 </a:rPr>
                 <a:t>）</a:t>
               </a:r>
@@ -23829,9 +23864,9 @@
                 <a:solidFill>
                   <a:sysClr val="windowText" lastClr="000000"/>
                 </a:solidFill>
-                <a:latin typeface="Times New Roman" charset="0"/>
-                <a:ea typeface="Times New Roman" charset="0"/>
-                <a:cs typeface="Times New Roman" charset="0"/>
+                <a:latin typeface="Times New Roman" panose="02020603050405020304" pitchFamily="18" charset="0"/>
+                <a:ea typeface="標楷體" panose="03000509000000000000" pitchFamily="65" charset="-120"/>
+                <a:cs typeface="Times New Roman" panose="02020603050405020304" pitchFamily="18" charset="0"/>
               </a:endParaRPr>
             </a:p>
             <a:p>
@@ -23844,9 +23879,9 @@
                   <a:solidFill>
                     <a:sysClr val="windowText" lastClr="000000"/>
                   </a:solidFill>
-                  <a:latin typeface="Times New Roman" charset="0"/>
-                  <a:ea typeface="Times New Roman" charset="0"/>
-                  <a:cs typeface="Times New Roman" charset="0"/>
+                  <a:latin typeface="Times New Roman" panose="02020603050405020304" pitchFamily="18" charset="0"/>
+                  <a:ea typeface="標楷體" panose="03000509000000000000" pitchFamily="65" charset="-120"/>
+                  <a:cs typeface="Times New Roman" panose="02020603050405020304" pitchFamily="18" charset="0"/>
                 </a:rPr>
                 <a:t>紀錄</a:t>
               </a:r>
@@ -23855,9 +23890,9 @@
                   <a:solidFill>
                     <a:sysClr val="windowText" lastClr="000000"/>
                   </a:solidFill>
-                  <a:latin typeface="Times New Roman" charset="0"/>
-                  <a:ea typeface="Times New Roman" charset="0"/>
-                  <a:cs typeface="Times New Roman" charset="0"/>
+                  <a:latin typeface="Times New Roman" panose="02020603050405020304" pitchFamily="18" charset="0"/>
+                  <a:ea typeface="標楷體" panose="03000509000000000000" pitchFamily="65" charset="-120"/>
+                  <a:cs typeface="Times New Roman" panose="02020603050405020304" pitchFamily="18" charset="0"/>
                 </a:rPr>
                 <a:t>_button</a:t>
               </a:r>
@@ -23866,9 +23901,9 @@
                   <a:solidFill>
                     <a:sysClr val="windowText" lastClr="000000"/>
                   </a:solidFill>
-                  <a:latin typeface="Times New Roman" charset="0"/>
-                  <a:ea typeface="Times New Roman" charset="0"/>
-                  <a:cs typeface="Times New Roman" charset="0"/>
+                  <a:latin typeface="Times New Roman" panose="02020603050405020304" pitchFamily="18" charset="0"/>
+                  <a:ea typeface="標楷體" panose="03000509000000000000" pitchFamily="65" charset="-120"/>
+                  <a:cs typeface="Times New Roman" panose="02020603050405020304" pitchFamily="18" charset="0"/>
                 </a:rPr>
                 <a:t>（</a:t>
               </a:r>
@@ -23877,9 +23912,9 @@
                   <a:solidFill>
                     <a:sysClr val="windowText" lastClr="000000"/>
                   </a:solidFill>
-                  <a:latin typeface="Times New Roman" charset="0"/>
-                  <a:ea typeface="Times New Roman" charset="0"/>
-                  <a:cs typeface="Times New Roman" charset="0"/>
+                  <a:latin typeface="Times New Roman" panose="02020603050405020304" pitchFamily="18" charset="0"/>
+                  <a:ea typeface="標楷體" panose="03000509000000000000" pitchFamily="65" charset="-120"/>
+                  <a:cs typeface="Times New Roman" panose="02020603050405020304" pitchFamily="18" charset="0"/>
                 </a:rPr>
                 <a:t>Record</a:t>
               </a:r>
@@ -23888,9 +23923,9 @@
                   <a:solidFill>
                     <a:sysClr val="windowText" lastClr="000000"/>
                   </a:solidFill>
-                  <a:latin typeface="Times New Roman" charset="0"/>
-                  <a:ea typeface="Times New Roman" charset="0"/>
-                  <a:cs typeface="Times New Roman" charset="0"/>
+                  <a:latin typeface="Times New Roman" panose="02020603050405020304" pitchFamily="18" charset="0"/>
+                  <a:ea typeface="標楷體" panose="03000509000000000000" pitchFamily="65" charset="-120"/>
+                  <a:cs typeface="Times New Roman" panose="02020603050405020304" pitchFamily="18" charset="0"/>
                 </a:rPr>
                 <a:t>）</a:t>
               </a:r>
@@ -23898,9 +23933,9 @@
                 <a:solidFill>
                   <a:sysClr val="windowText" lastClr="000000"/>
                 </a:solidFill>
-                <a:latin typeface="Times New Roman" charset="0"/>
-                <a:ea typeface="Times New Roman" charset="0"/>
-                <a:cs typeface="Times New Roman" charset="0"/>
+                <a:latin typeface="Times New Roman" panose="02020603050405020304" pitchFamily="18" charset="0"/>
+                <a:ea typeface="標楷體" panose="03000509000000000000" pitchFamily="65" charset="-120"/>
+                <a:cs typeface="Times New Roman" panose="02020603050405020304" pitchFamily="18" charset="0"/>
               </a:endParaRPr>
             </a:p>
           </p:txBody>
@@ -23976,9 +24011,9 @@
                   <a:solidFill>
                     <a:schemeClr val="tx1"/>
                   </a:solidFill>
-                  <a:latin typeface="Times New Roman" charset="0"/>
-                  <a:ea typeface="Times New Roman" charset="0"/>
-                  <a:cs typeface="Times New Roman" charset="0"/>
+                  <a:latin typeface="Times New Roman" panose="02020603050405020304" pitchFamily="18" charset="0"/>
+                  <a:ea typeface="標楷體" panose="03000509000000000000" pitchFamily="65" charset="-120"/>
+                  <a:cs typeface="Times New Roman" panose="02020603050405020304" pitchFamily="18" charset="0"/>
                 </a:endParaRPr>
               </a:p>
             </p:txBody>
@@ -24030,9 +24065,9 @@
                     <a:solidFill>
                       <a:sysClr val="windowText" lastClr="000000"/>
                     </a:solidFill>
-                    <a:latin typeface="Times New Roman" charset="0"/>
-                    <a:ea typeface="Times New Roman" charset="0"/>
-                    <a:cs typeface="Times New Roman" charset="0"/>
+                    <a:latin typeface="Times New Roman" panose="02020603050405020304" pitchFamily="18" charset="0"/>
+                    <a:ea typeface="標楷體" panose="03000509000000000000" pitchFamily="65" charset="-120"/>
+                    <a:cs typeface="Times New Roman" panose="02020603050405020304" pitchFamily="18" charset="0"/>
                   </a:rPr>
                   <a:t>MainGame</a:t>
                 </a:r>
@@ -24040,9 +24075,9 @@
                   <a:solidFill>
                     <a:sysClr val="windowText" lastClr="000000"/>
                   </a:solidFill>
-                  <a:latin typeface="Times New Roman" charset="0"/>
-                  <a:ea typeface="Times New Roman" charset="0"/>
-                  <a:cs typeface="Times New Roman" charset="0"/>
+                  <a:latin typeface="Times New Roman" panose="02020603050405020304" pitchFamily="18" charset="0"/>
+                  <a:ea typeface="標楷體" panose="03000509000000000000" pitchFamily="65" charset="-120"/>
+                  <a:cs typeface="Times New Roman" panose="02020603050405020304" pitchFamily="18" charset="0"/>
                 </a:endParaRPr>
               </a:p>
             </p:txBody>
@@ -24096,9 +24131,9 @@
                   <a:solidFill>
                     <a:sysClr val="windowText" lastClr="000000"/>
                   </a:solidFill>
-                  <a:latin typeface="Times New Roman" charset="0"/>
-                  <a:ea typeface="Times New Roman" charset="0"/>
-                  <a:cs typeface="Times New Roman" charset="0"/>
+                  <a:latin typeface="Times New Roman" panose="02020603050405020304" pitchFamily="18" charset="0"/>
+                  <a:ea typeface="標楷體" panose="03000509000000000000" pitchFamily="65" charset="-120"/>
+                  <a:cs typeface="Times New Roman" panose="02020603050405020304" pitchFamily="18" charset="0"/>
                 </a:rPr>
                 <a:t>MyMenu</a:t>
               </a:r>
@@ -24106,9 +24141,9 @@
                 <a:solidFill>
                   <a:sysClr val="windowText" lastClr="000000"/>
                 </a:solidFill>
-                <a:latin typeface="Times New Roman" charset="0"/>
-                <a:ea typeface="Times New Roman" charset="0"/>
-                <a:cs typeface="Times New Roman" charset="0"/>
+                <a:latin typeface="Times New Roman" panose="02020603050405020304" pitchFamily="18" charset="0"/>
+                <a:ea typeface="標楷體" panose="03000509000000000000" pitchFamily="65" charset="-120"/>
+                <a:cs typeface="Times New Roman" panose="02020603050405020304" pitchFamily="18" charset="0"/>
               </a:endParaRPr>
             </a:p>
             <a:p>
@@ -24121,9 +24156,9 @@
                   <a:solidFill>
                     <a:sysClr val="windowText" lastClr="000000"/>
                   </a:solidFill>
-                  <a:latin typeface="Times New Roman" charset="0"/>
-                  <a:ea typeface="Times New Roman" charset="0"/>
-                  <a:cs typeface="Times New Roman" charset="0"/>
+                  <a:latin typeface="Times New Roman" panose="02020603050405020304" pitchFamily="18" charset="0"/>
+                  <a:ea typeface="標楷體" panose="03000509000000000000" pitchFamily="65" charset="-120"/>
+                  <a:cs typeface="Times New Roman" panose="02020603050405020304" pitchFamily="18" charset="0"/>
                 </a:rPr>
                 <a:t>AboutScreen</a:t>
               </a:r>
@@ -24131,9 +24166,9 @@
                 <a:solidFill>
                   <a:sysClr val="windowText" lastClr="000000"/>
                 </a:solidFill>
-                <a:latin typeface="Times New Roman" charset="0"/>
-                <a:ea typeface="Times New Roman" charset="0"/>
-                <a:cs typeface="Times New Roman" charset="0"/>
+                <a:latin typeface="Times New Roman" panose="02020603050405020304" pitchFamily="18" charset="0"/>
+                <a:ea typeface="標楷體" panose="03000509000000000000" pitchFamily="65" charset="-120"/>
+                <a:cs typeface="Times New Roman" panose="02020603050405020304" pitchFamily="18" charset="0"/>
               </a:endParaRPr>
             </a:p>
             <a:p>
@@ -24146,9 +24181,9 @@
                   <a:solidFill>
                     <a:sysClr val="windowText" lastClr="000000"/>
                   </a:solidFill>
-                  <a:latin typeface="Times New Roman" charset="0"/>
-                  <a:ea typeface="Times New Roman" charset="0"/>
-                  <a:cs typeface="Times New Roman" charset="0"/>
+                  <a:latin typeface="Times New Roman" panose="02020603050405020304" pitchFamily="18" charset="0"/>
+                  <a:ea typeface="標楷體" panose="03000509000000000000" pitchFamily="65" charset="-120"/>
+                  <a:cs typeface="Times New Roman" panose="02020603050405020304" pitchFamily="18" charset="0"/>
                 </a:rPr>
                 <a:t>ChooseLevel</a:t>
               </a:r>
@@ -24156,9 +24191,9 @@
                 <a:solidFill>
                   <a:sysClr val="windowText" lastClr="000000"/>
                 </a:solidFill>
-                <a:latin typeface="Times New Roman" charset="0"/>
-                <a:ea typeface="Times New Roman" charset="0"/>
-                <a:cs typeface="Times New Roman" charset="0"/>
+                <a:latin typeface="Times New Roman" panose="02020603050405020304" pitchFamily="18" charset="0"/>
+                <a:ea typeface="標楷體" panose="03000509000000000000" pitchFamily="65" charset="-120"/>
+                <a:cs typeface="Times New Roman" panose="02020603050405020304" pitchFamily="18" charset="0"/>
               </a:endParaRPr>
             </a:p>
             <a:p>
@@ -24171,9 +24206,9 @@
                   <a:solidFill>
                     <a:sysClr val="windowText" lastClr="000000"/>
                   </a:solidFill>
-                  <a:latin typeface="Times New Roman" charset="0"/>
-                  <a:ea typeface="Times New Roman" charset="0"/>
-                  <a:cs typeface="Times New Roman" charset="0"/>
+                  <a:latin typeface="Times New Roman" panose="02020603050405020304" pitchFamily="18" charset="0"/>
+                  <a:ea typeface="標楷體" panose="03000509000000000000" pitchFamily="65" charset="-120"/>
+                  <a:cs typeface="Times New Roman" panose="02020603050405020304" pitchFamily="18" charset="0"/>
                 </a:rPr>
                 <a:t>CheatScreen</a:t>
               </a:r>
@@ -24181,9 +24216,9 @@
                 <a:solidFill>
                   <a:sysClr val="windowText" lastClr="000000"/>
                 </a:solidFill>
-                <a:latin typeface="Times New Roman" charset="0"/>
-                <a:ea typeface="Times New Roman" charset="0"/>
-                <a:cs typeface="Times New Roman" charset="0"/>
+                <a:latin typeface="Times New Roman" panose="02020603050405020304" pitchFamily="18" charset="0"/>
+                <a:ea typeface="標楷體" panose="03000509000000000000" pitchFamily="65" charset="-120"/>
+                <a:cs typeface="Times New Roman" panose="02020603050405020304" pitchFamily="18" charset="0"/>
               </a:endParaRPr>
             </a:p>
             <a:p>
@@ -24196,9 +24231,9 @@
                   <a:solidFill>
                     <a:sysClr val="windowText" lastClr="000000"/>
                   </a:solidFill>
-                  <a:latin typeface="Times New Roman" charset="0"/>
-                  <a:ea typeface="Times New Roman" charset="0"/>
-                  <a:cs typeface="Times New Roman" charset="0"/>
+                  <a:latin typeface="Times New Roman" panose="02020603050405020304" pitchFamily="18" charset="0"/>
+                  <a:ea typeface="標楷體" panose="03000509000000000000" pitchFamily="65" charset="-120"/>
+                  <a:cs typeface="Times New Roman" panose="02020603050405020304" pitchFamily="18" charset="0"/>
                 </a:rPr>
                 <a:t>OperationScreen</a:t>
               </a:r>
@@ -24206,9 +24241,9 @@
                 <a:solidFill>
                   <a:sysClr val="windowText" lastClr="000000"/>
                 </a:solidFill>
-                <a:latin typeface="Times New Roman" charset="0"/>
-                <a:ea typeface="Times New Roman" charset="0"/>
-                <a:cs typeface="Times New Roman" charset="0"/>
+                <a:latin typeface="Times New Roman" panose="02020603050405020304" pitchFamily="18" charset="0"/>
+                <a:ea typeface="標楷體" panose="03000509000000000000" pitchFamily="65" charset="-120"/>
+                <a:cs typeface="Times New Roman" panose="02020603050405020304" pitchFamily="18" charset="0"/>
               </a:endParaRPr>
             </a:p>
             <a:p>
@@ -24221,9 +24256,9 @@
                   <a:solidFill>
                     <a:sysClr val="windowText" lastClr="000000"/>
                   </a:solidFill>
-                  <a:latin typeface="Times New Roman" charset="0"/>
-                  <a:ea typeface="Times New Roman" charset="0"/>
-                  <a:cs typeface="Times New Roman" charset="0"/>
+                  <a:latin typeface="Times New Roman" panose="02020603050405020304" pitchFamily="18" charset="0"/>
+                  <a:ea typeface="標楷體" panose="03000509000000000000" pitchFamily="65" charset="-120"/>
+                  <a:cs typeface="Times New Roman" panose="02020603050405020304" pitchFamily="18" charset="0"/>
                 </a:rPr>
                 <a:t>Level1</a:t>
               </a:r>
@@ -24238,9 +24273,9 @@
                   <a:solidFill>
                     <a:sysClr val="windowText" lastClr="000000"/>
                   </a:solidFill>
-                  <a:latin typeface="Times New Roman" charset="0"/>
-                  <a:ea typeface="Times New Roman" charset="0"/>
-                  <a:cs typeface="Times New Roman" charset="0"/>
+                  <a:latin typeface="Times New Roman" panose="02020603050405020304" pitchFamily="18" charset="0"/>
+                  <a:ea typeface="標楷體" panose="03000509000000000000" pitchFamily="65" charset="-120"/>
+                  <a:cs typeface="Times New Roman" panose="02020603050405020304" pitchFamily="18" charset="0"/>
                 </a:rPr>
                 <a:t>Level2</a:t>
               </a:r>
@@ -24255,9 +24290,9 @@
                   <a:solidFill>
                     <a:sysClr val="windowText" lastClr="000000"/>
                   </a:solidFill>
-                  <a:latin typeface="Times New Roman" charset="0"/>
-                  <a:ea typeface="Times New Roman" charset="0"/>
-                  <a:cs typeface="Times New Roman" charset="0"/>
+                  <a:latin typeface="Times New Roman" panose="02020603050405020304" pitchFamily="18" charset="0"/>
+                  <a:ea typeface="標楷體" panose="03000509000000000000" pitchFamily="65" charset="-120"/>
+                  <a:cs typeface="Times New Roman" panose="02020603050405020304" pitchFamily="18" charset="0"/>
                 </a:rPr>
                 <a:t>Level3</a:t>
               </a:r>
@@ -24272,9 +24307,9 @@
                   <a:solidFill>
                     <a:sysClr val="windowText" lastClr="000000"/>
                   </a:solidFill>
-                  <a:latin typeface="Times New Roman" charset="0"/>
-                  <a:ea typeface="Times New Roman" charset="0"/>
-                  <a:cs typeface="Times New Roman" charset="0"/>
+                  <a:latin typeface="Times New Roman" panose="02020603050405020304" pitchFamily="18" charset="0"/>
+                  <a:ea typeface="標楷體" panose="03000509000000000000" pitchFamily="65" charset="-120"/>
+                  <a:cs typeface="Times New Roman" panose="02020603050405020304" pitchFamily="18" charset="0"/>
                 </a:rPr>
                 <a:t>Bag</a:t>
               </a:r>
@@ -24289,9 +24324,9 @@
                   <a:solidFill>
                     <a:sysClr val="windowText" lastClr="000000"/>
                   </a:solidFill>
-                  <a:latin typeface="Times New Roman" charset="0"/>
-                  <a:ea typeface="Times New Roman" charset="0"/>
-                  <a:cs typeface="Times New Roman" charset="0"/>
+                  <a:latin typeface="Times New Roman" panose="02020603050405020304" pitchFamily="18" charset="0"/>
+                  <a:ea typeface="標楷體" panose="03000509000000000000" pitchFamily="65" charset="-120"/>
+                  <a:cs typeface="Times New Roman" panose="02020603050405020304" pitchFamily="18" charset="0"/>
                 </a:rPr>
                 <a:t>RecordScreen</a:t>
               </a:r>
@@ -24299,9 +24334,9 @@
                 <a:solidFill>
                   <a:sysClr val="windowText" lastClr="000000"/>
                 </a:solidFill>
-                <a:latin typeface="Times New Roman" charset="0"/>
-                <a:ea typeface="Times New Roman" charset="0"/>
-                <a:cs typeface="Times New Roman" charset="0"/>
+                <a:latin typeface="Times New Roman" panose="02020603050405020304" pitchFamily="18" charset="0"/>
+                <a:ea typeface="標楷體" panose="03000509000000000000" pitchFamily="65" charset="-120"/>
+                <a:cs typeface="Times New Roman" panose="02020603050405020304" pitchFamily="18" charset="0"/>
               </a:endParaRPr>
             </a:p>
             <a:p>
@@ -24314,9 +24349,9 @@
                   <a:solidFill>
                     <a:sysClr val="windowText" lastClr="000000"/>
                   </a:solidFill>
-                  <a:latin typeface="Times New Roman" charset="0"/>
-                  <a:ea typeface="Times New Roman" charset="0"/>
-                  <a:cs typeface="Times New Roman" charset="0"/>
+                  <a:latin typeface="Times New Roman" panose="02020603050405020304" pitchFamily="18" charset="0"/>
+                  <a:ea typeface="標楷體" panose="03000509000000000000" pitchFamily="65" charset="-120"/>
+                  <a:cs typeface="Times New Roman" panose="02020603050405020304" pitchFamily="18" charset="0"/>
                 </a:rPr>
                 <a:t>DieScreen</a:t>
               </a:r>
@@ -24324,9 +24359,9 @@
                 <a:solidFill>
                   <a:sysClr val="windowText" lastClr="000000"/>
                 </a:solidFill>
-                <a:latin typeface="Times New Roman" charset="0"/>
-                <a:ea typeface="Times New Roman" charset="0"/>
-                <a:cs typeface="Times New Roman" charset="0"/>
+                <a:latin typeface="Times New Roman" panose="02020603050405020304" pitchFamily="18" charset="0"/>
+                <a:ea typeface="標楷體" panose="03000509000000000000" pitchFamily="65" charset="-120"/>
+                <a:cs typeface="Times New Roman" panose="02020603050405020304" pitchFamily="18" charset="0"/>
               </a:endParaRPr>
             </a:p>
           </p:txBody>
@@ -24402,9 +24437,9 @@
                   <a:solidFill>
                     <a:schemeClr val="tx1"/>
                   </a:solidFill>
-                  <a:latin typeface="Times New Roman" charset="0"/>
-                  <a:ea typeface="Times New Roman" charset="0"/>
-                  <a:cs typeface="Times New Roman" charset="0"/>
+                  <a:latin typeface="Times New Roman" panose="02020603050405020304" pitchFamily="18" charset="0"/>
+                  <a:ea typeface="標楷體" panose="03000509000000000000" pitchFamily="65" charset="-120"/>
+                  <a:cs typeface="Times New Roman" panose="02020603050405020304" pitchFamily="18" charset="0"/>
                 </a:endParaRPr>
               </a:p>
             </p:txBody>
@@ -24456,9 +24491,9 @@
                     <a:solidFill>
                       <a:sysClr val="windowText" lastClr="000000"/>
                     </a:solidFill>
-                    <a:latin typeface="Times New Roman" charset="0"/>
-                    <a:ea typeface="Times New Roman" charset="0"/>
-                    <a:cs typeface="Times New Roman" charset="0"/>
+                    <a:latin typeface="Times New Roman" panose="02020603050405020304" pitchFamily="18" charset="0"/>
+                    <a:ea typeface="標楷體" panose="03000509000000000000" pitchFamily="65" charset="-120"/>
+                    <a:cs typeface="Times New Roman" panose="02020603050405020304" pitchFamily="18" charset="0"/>
                   </a:rPr>
                   <a:t>CheatScreen</a:t>
                 </a:r>
@@ -24466,9 +24501,9 @@
                   <a:solidFill>
                     <a:sysClr val="windowText" lastClr="000000"/>
                   </a:solidFill>
-                  <a:latin typeface="Times New Roman" charset="0"/>
-                  <a:ea typeface="Times New Roman" charset="0"/>
-                  <a:cs typeface="Times New Roman" charset="0"/>
+                  <a:latin typeface="Times New Roman" panose="02020603050405020304" pitchFamily="18" charset="0"/>
+                  <a:ea typeface="標楷體" panose="03000509000000000000" pitchFamily="65" charset="-120"/>
+                  <a:cs typeface="Times New Roman" panose="02020603050405020304" pitchFamily="18" charset="0"/>
                 </a:endParaRPr>
               </a:p>
             </p:txBody>
@@ -24522,9 +24557,9 @@
                   <a:solidFill>
                     <a:sysClr val="windowText" lastClr="000000"/>
                   </a:solidFill>
-                  <a:latin typeface="Times New Roman" charset="0"/>
-                  <a:ea typeface="Times New Roman" charset="0"/>
-                  <a:cs typeface="Times New Roman" charset="0"/>
+                  <a:latin typeface="Times New Roman" panose="02020603050405020304" pitchFamily="18" charset="0"/>
+                  <a:ea typeface="標楷體" panose="03000509000000000000" pitchFamily="65" charset="-120"/>
+                  <a:cs typeface="Times New Roman" panose="02020603050405020304" pitchFamily="18" charset="0"/>
                 </a:rPr>
                 <a:t>通過第一關</a:t>
               </a:r>
@@ -24532,9 +24567,9 @@
                 <a:solidFill>
                   <a:sysClr val="windowText" lastClr="000000"/>
                 </a:solidFill>
-                <a:latin typeface="Times New Roman" charset="0"/>
-                <a:ea typeface="Times New Roman" charset="0"/>
-                <a:cs typeface="Times New Roman" charset="0"/>
+                <a:latin typeface="Times New Roman" panose="02020603050405020304" pitchFamily="18" charset="0"/>
+                <a:ea typeface="標楷體" panose="03000509000000000000" pitchFamily="65" charset="-120"/>
+                <a:cs typeface="Times New Roman" panose="02020603050405020304" pitchFamily="18" charset="0"/>
               </a:endParaRPr>
             </a:p>
             <a:p>
@@ -24547,9 +24582,9 @@
                   <a:solidFill>
                     <a:sysClr val="windowText" lastClr="000000"/>
                   </a:solidFill>
-                  <a:latin typeface="Times New Roman" charset="0"/>
-                  <a:ea typeface="Times New Roman" charset="0"/>
-                  <a:cs typeface="Times New Roman" charset="0"/>
+                  <a:latin typeface="Times New Roman" panose="02020603050405020304" pitchFamily="18" charset="0"/>
+                  <a:ea typeface="標楷體" panose="03000509000000000000" pitchFamily="65" charset="-120"/>
+                  <a:cs typeface="Times New Roman" panose="02020603050405020304" pitchFamily="18" charset="0"/>
                 </a:rPr>
                 <a:t>通過第二關</a:t>
               </a:r>
@@ -24557,9 +24592,9 @@
                 <a:solidFill>
                   <a:sysClr val="windowText" lastClr="000000"/>
                 </a:solidFill>
-                <a:latin typeface="Times New Roman" charset="0"/>
-                <a:ea typeface="Times New Roman" charset="0"/>
-                <a:cs typeface="Times New Roman" charset="0"/>
+                <a:latin typeface="Times New Roman" panose="02020603050405020304" pitchFamily="18" charset="0"/>
+                <a:ea typeface="標楷體" panose="03000509000000000000" pitchFamily="65" charset="-120"/>
+                <a:cs typeface="Times New Roman" panose="02020603050405020304" pitchFamily="18" charset="0"/>
               </a:endParaRPr>
             </a:p>
             <a:p>
@@ -24572,9 +24607,9 @@
                   <a:solidFill>
                     <a:sysClr val="windowText" lastClr="000000"/>
                   </a:solidFill>
-                  <a:latin typeface="Times New Roman" charset="0"/>
-                  <a:ea typeface="Times New Roman" charset="0"/>
-                  <a:cs typeface="Times New Roman" charset="0"/>
+                  <a:latin typeface="Times New Roman" panose="02020603050405020304" pitchFamily="18" charset="0"/>
+                  <a:ea typeface="標楷體" panose="03000509000000000000" pitchFamily="65" charset="-120"/>
+                  <a:cs typeface="Times New Roman" panose="02020603050405020304" pitchFamily="18" charset="0"/>
                 </a:rPr>
                 <a:t>通過第三關</a:t>
               </a:r>
@@ -24582,9 +24617,9 @@
                 <a:solidFill>
                   <a:sysClr val="windowText" lastClr="000000"/>
                 </a:solidFill>
-                <a:latin typeface="Times New Roman" charset="0"/>
-                <a:ea typeface="Times New Roman" charset="0"/>
-                <a:cs typeface="Times New Roman" charset="0"/>
+                <a:latin typeface="Times New Roman" panose="02020603050405020304" pitchFamily="18" charset="0"/>
+                <a:ea typeface="標楷體" panose="03000509000000000000" pitchFamily="65" charset="-120"/>
+                <a:cs typeface="Times New Roman" panose="02020603050405020304" pitchFamily="18" charset="0"/>
               </a:endParaRPr>
             </a:p>
             <a:p>
@@ -24597,9 +24632,9 @@
                   <a:solidFill>
                     <a:sysClr val="windowText" lastClr="000000"/>
                   </a:solidFill>
-                  <a:latin typeface="Times New Roman" charset="0"/>
-                  <a:ea typeface="Times New Roman" charset="0"/>
-                  <a:cs typeface="Times New Roman" charset="0"/>
+                  <a:latin typeface="Times New Roman" panose="02020603050405020304" pitchFamily="18" charset="0"/>
+                  <a:ea typeface="標楷體" panose="03000509000000000000" pitchFamily="65" charset="-120"/>
+                  <a:cs typeface="Times New Roman" panose="02020603050405020304" pitchFamily="18" charset="0"/>
                 </a:rPr>
                 <a:t>設定子彈數量及攻擊力</a:t>
               </a:r>
@@ -24607,9 +24642,9 @@
                 <a:solidFill>
                   <a:sysClr val="windowText" lastClr="000000"/>
                 </a:solidFill>
-                <a:latin typeface="Times New Roman" charset="0"/>
-                <a:ea typeface="Times New Roman" charset="0"/>
-                <a:cs typeface="Times New Roman" charset="0"/>
+                <a:latin typeface="Times New Roman" panose="02020603050405020304" pitchFamily="18" charset="0"/>
+                <a:ea typeface="標楷體" panose="03000509000000000000" pitchFamily="65" charset="-120"/>
+                <a:cs typeface="Times New Roman" panose="02020603050405020304" pitchFamily="18" charset="0"/>
               </a:endParaRPr>
             </a:p>
           </p:txBody>
@@ -24685,9 +24720,9 @@
                   <a:solidFill>
                     <a:schemeClr val="tx1"/>
                   </a:solidFill>
-                  <a:latin typeface="Times New Roman" charset="0"/>
-                  <a:ea typeface="Times New Roman" charset="0"/>
-                  <a:cs typeface="Times New Roman" charset="0"/>
+                  <a:latin typeface="Times New Roman" panose="02020603050405020304" pitchFamily="18" charset="0"/>
+                  <a:ea typeface="標楷體" panose="03000509000000000000" pitchFamily="65" charset="-120"/>
+                  <a:cs typeface="Times New Roman" panose="02020603050405020304" pitchFamily="18" charset="0"/>
                 </a:endParaRPr>
               </a:p>
             </p:txBody>
@@ -24739,9 +24774,9 @@
                     <a:solidFill>
                       <a:sysClr val="windowText" lastClr="000000"/>
                     </a:solidFill>
-                    <a:latin typeface="Times New Roman" charset="0"/>
-                    <a:ea typeface="Times New Roman" charset="0"/>
-                    <a:cs typeface="Times New Roman" charset="0"/>
+                    <a:latin typeface="Times New Roman" panose="02020603050405020304" pitchFamily="18" charset="0"/>
+                    <a:ea typeface="標楷體" panose="03000509000000000000" pitchFamily="65" charset="-120"/>
+                    <a:cs typeface="Times New Roman" panose="02020603050405020304" pitchFamily="18" charset="0"/>
                   </a:rPr>
                   <a:t>AboutScreen</a:t>
                 </a:r>
@@ -24749,9 +24784,9 @@
                   <a:solidFill>
                     <a:sysClr val="windowText" lastClr="000000"/>
                   </a:solidFill>
-                  <a:latin typeface="Times New Roman" charset="0"/>
-                  <a:ea typeface="Times New Roman" charset="0"/>
-                  <a:cs typeface="Times New Roman" charset="0"/>
+                  <a:latin typeface="Times New Roman" panose="02020603050405020304" pitchFamily="18" charset="0"/>
+                  <a:ea typeface="標楷體" panose="03000509000000000000" pitchFamily="65" charset="-120"/>
+                  <a:cs typeface="Times New Roman" panose="02020603050405020304" pitchFamily="18" charset="0"/>
                 </a:endParaRPr>
               </a:p>
             </p:txBody>
@@ -24805,9 +24840,9 @@
                   <a:solidFill>
                     <a:sysClr val="windowText" lastClr="000000"/>
                   </a:solidFill>
-                  <a:latin typeface="Times New Roman" charset="0"/>
-                  <a:ea typeface="Times New Roman" charset="0"/>
-                  <a:cs typeface="Times New Roman" charset="0"/>
+                  <a:latin typeface="Times New Roman" panose="02020603050405020304" pitchFamily="18" charset="0"/>
+                  <a:ea typeface="標楷體" panose="03000509000000000000" pitchFamily="65" charset="-120"/>
+                  <a:cs typeface="Times New Roman" panose="02020603050405020304" pitchFamily="18" charset="0"/>
                 </a:rPr>
                 <a:t>開發者說明</a:t>
               </a:r>
@@ -24815,9 +24850,250 @@
                 <a:solidFill>
                   <a:sysClr val="windowText" lastClr="000000"/>
                 </a:solidFill>
-                <a:latin typeface="Times New Roman" charset="0"/>
-                <a:ea typeface="Times New Roman" charset="0"/>
-                <a:cs typeface="Times New Roman" charset="0"/>
+                <a:latin typeface="Times New Roman" panose="02020603050405020304" pitchFamily="18" charset="0"/>
+                <a:ea typeface="標楷體" panose="03000509000000000000" pitchFamily="65" charset="-120"/>
+                <a:cs typeface="Times New Roman" panose="02020603050405020304" pitchFamily="18" charset="0"/>
+              </a:endParaRPr>
+            </a:p>
+          </p:txBody>
+        </p:sp>
+      </p:grpSp>
+      <p:grpSp>
+        <p:nvGrpSpPr>
+          <p:cNvPr id="26" name="群組 25"/>
+          <p:cNvGrpSpPr/>
+          <p:nvPr/>
+        </p:nvGrpSpPr>
+        <p:grpSpPr>
+          <a:xfrm>
+            <a:off x="5128844" y="4988905"/>
+            <a:ext cx="2215664" cy="979616"/>
+            <a:chOff x="128952" y="1828800"/>
+            <a:chExt cx="2215664" cy="979616"/>
+          </a:xfrm>
+        </p:grpSpPr>
+        <p:grpSp>
+          <p:nvGrpSpPr>
+            <p:cNvPr id="27" name="群組 26"/>
+            <p:cNvGrpSpPr/>
+            <p:nvPr/>
+          </p:nvGrpSpPr>
+          <p:grpSpPr>
+            <a:xfrm>
+              <a:off x="128952" y="1828800"/>
+              <a:ext cx="2215664" cy="979616"/>
+              <a:chOff x="128952" y="-9723"/>
+              <a:chExt cx="2181378" cy="1857717"/>
+            </a:xfrm>
+          </p:grpSpPr>
+          <p:sp>
+            <p:nvSpPr>
+              <p:cNvPr id="29" name="矩形 28"/>
+              <p:cNvSpPr/>
+              <p:nvPr/>
+            </p:nvSpPr>
+            <p:spPr>
+              <a:xfrm>
+                <a:off x="128952" y="187570"/>
+                <a:ext cx="2181378" cy="1660424"/>
+              </a:xfrm>
+              <a:prstGeom prst="rect">
+                <a:avLst/>
+              </a:prstGeom>
+              <a:noFill/>
+              <a:ln w="38100"/>
+            </p:spPr>
+            <p:style>
+              <a:lnRef idx="2">
+                <a:schemeClr val="accent1">
+                  <a:shade val="50000"/>
+                </a:schemeClr>
+              </a:lnRef>
+              <a:fillRef idx="1">
+                <a:schemeClr val="accent1"/>
+              </a:fillRef>
+              <a:effectRef idx="0">
+                <a:schemeClr val="accent1"/>
+              </a:effectRef>
+              <a:fontRef idx="minor">
+                <a:schemeClr val="lt1"/>
+              </a:fontRef>
+            </p:style>
+            <p:txBody>
+              <a:bodyPr rtlCol="0" anchor="ctr"/>
+              <a:lstStyle/>
+              <a:p>
+                <a:pPr algn="ctr"/>
+                <a:endParaRPr kumimoji="1" lang="zh-TW" altLang="en-US" dirty="0">
+                  <a:solidFill>
+                    <a:schemeClr val="tx1"/>
+                  </a:solidFill>
+                  <a:latin typeface="Times New Roman" panose="02020603050405020304" pitchFamily="18" charset="0"/>
+                  <a:ea typeface="標楷體" panose="03000509000000000000" pitchFamily="65" charset="-120"/>
+                  <a:cs typeface="Times New Roman" panose="02020603050405020304" pitchFamily="18" charset="0"/>
+                </a:endParaRPr>
+              </a:p>
+            </p:txBody>
+          </p:sp>
+          <p:sp>
+            <p:nvSpPr>
+              <p:cNvPr id="30" name="矩形 29"/>
+              <p:cNvSpPr/>
+              <p:nvPr/>
+            </p:nvSpPr>
+            <p:spPr>
+              <a:xfrm>
+                <a:off x="293074" y="-9723"/>
+                <a:ext cx="1867213" cy="384859"/>
+              </a:xfrm>
+              <a:prstGeom prst="rect">
+                <a:avLst/>
+              </a:prstGeom>
+              <a:solidFill>
+                <a:schemeClr val="bg1"/>
+              </a:solidFill>
+              <a:ln>
+                <a:noFill/>
+              </a:ln>
+            </p:spPr>
+            <p:style>
+              <a:lnRef idx="2">
+                <a:schemeClr val="accent1">
+                  <a:shade val="50000"/>
+                </a:schemeClr>
+              </a:lnRef>
+              <a:fillRef idx="1">
+                <a:schemeClr val="accent1"/>
+              </a:fillRef>
+              <a:effectRef idx="0">
+                <a:schemeClr val="accent1"/>
+              </a:effectRef>
+              <a:fontRef idx="minor">
+                <a:schemeClr val="lt1"/>
+              </a:fontRef>
+            </p:style>
+            <p:txBody>
+              <a:bodyPr rtlCol="0" anchor="ctr"/>
+              <a:lstStyle/>
+              <a:p>
+                <a:pPr algn="ctr"/>
+                <a:r>
+                  <a:rPr kumimoji="1" lang="en-US" altLang="zh-TW" dirty="0" err="1" smtClean="0">
+                    <a:solidFill>
+                      <a:sysClr val="windowText" lastClr="000000"/>
+                    </a:solidFill>
+                    <a:latin typeface="Times New Roman" panose="02020603050405020304" pitchFamily="18" charset="0"/>
+                    <a:ea typeface="標楷體" panose="03000509000000000000" pitchFamily="65" charset="-120"/>
+                    <a:cs typeface="Times New Roman" panose="02020603050405020304" pitchFamily="18" charset="0"/>
+                  </a:rPr>
+                  <a:t>Instruction</a:t>
+                </a:r>
+                <a:r>
+                  <a:rPr kumimoji="1" lang="en-US" altLang="zh-TW" dirty="0" err="1" smtClean="0">
+                    <a:solidFill>
+                      <a:sysClr val="windowText" lastClr="000000"/>
+                    </a:solidFill>
+                    <a:latin typeface="Times New Roman" panose="02020603050405020304" pitchFamily="18" charset="0"/>
+                    <a:ea typeface="標楷體" panose="03000509000000000000" pitchFamily="65" charset="-120"/>
+                    <a:cs typeface="Times New Roman" panose="02020603050405020304" pitchFamily="18" charset="0"/>
+                  </a:rPr>
+                  <a:t>Screen</a:t>
+                </a:r>
+                <a:endParaRPr kumimoji="1" lang="zh-TW" altLang="en-US" dirty="0">
+                  <a:solidFill>
+                    <a:sysClr val="windowText" lastClr="000000"/>
+                  </a:solidFill>
+                  <a:latin typeface="Times New Roman" panose="02020603050405020304" pitchFamily="18" charset="0"/>
+                  <a:ea typeface="標楷體" panose="03000509000000000000" pitchFamily="65" charset="-120"/>
+                  <a:cs typeface="Times New Roman" panose="02020603050405020304" pitchFamily="18" charset="0"/>
+                </a:endParaRPr>
+              </a:p>
+            </p:txBody>
+          </p:sp>
+        </p:grpSp>
+        <p:sp>
+          <p:nvSpPr>
+            <p:cNvPr id="28" name="矩形 27"/>
+            <p:cNvSpPr/>
+            <p:nvPr/>
+          </p:nvSpPr>
+          <p:spPr>
+            <a:xfrm>
+              <a:off x="269629" y="2021494"/>
+              <a:ext cx="1922587" cy="657968"/>
+            </a:xfrm>
+            <a:prstGeom prst="rect">
+              <a:avLst/>
+            </a:prstGeom>
+            <a:noFill/>
+            <a:ln>
+              <a:noFill/>
+            </a:ln>
+          </p:spPr>
+          <p:style>
+            <a:lnRef idx="2">
+              <a:schemeClr val="accent1">
+                <a:shade val="50000"/>
+              </a:schemeClr>
+            </a:lnRef>
+            <a:fillRef idx="1">
+              <a:schemeClr val="accent1"/>
+            </a:fillRef>
+            <a:effectRef idx="0">
+              <a:schemeClr val="accent1"/>
+            </a:effectRef>
+            <a:fontRef idx="minor">
+              <a:schemeClr val="lt1"/>
+            </a:fontRef>
+          </p:style>
+          <p:txBody>
+            <a:bodyPr rtlCol="0" anchor="ctr"/>
+            <a:lstStyle/>
+            <a:p>
+              <a:pPr marL="342900" indent="-342900">
+                <a:buFont typeface="+mj-lt"/>
+                <a:buAutoNum type="arabicPeriod"/>
+              </a:pPr>
+              <a:r>
+                <a:rPr kumimoji="1" lang="zh-TW" altLang="en-US" dirty="0" smtClean="0">
+                  <a:solidFill>
+                    <a:sysClr val="windowText" lastClr="000000"/>
+                  </a:solidFill>
+                  <a:latin typeface="Times New Roman" panose="02020603050405020304" pitchFamily="18" charset="0"/>
+                  <a:ea typeface="標楷體" panose="03000509000000000000" pitchFamily="65" charset="-120"/>
+                  <a:cs typeface="Times New Roman" panose="02020603050405020304" pitchFamily="18" charset="0"/>
+                </a:rPr>
+                <a:t>操</a:t>
+              </a:r>
+              <a:r>
+                <a:rPr kumimoji="1" lang="zh-TW" altLang="en-US" dirty="0">
+                  <a:solidFill>
+                    <a:sysClr val="windowText" lastClr="000000"/>
+                  </a:solidFill>
+                  <a:latin typeface="Times New Roman" panose="02020603050405020304" pitchFamily="18" charset="0"/>
+                  <a:ea typeface="標楷體" panose="03000509000000000000" pitchFamily="65" charset="-120"/>
+                  <a:cs typeface="Times New Roman" panose="02020603050405020304" pitchFamily="18" charset="0"/>
+                </a:rPr>
+                <a:t>作</a:t>
+              </a:r>
+              <a:r>
+                <a:rPr kumimoji="1" lang="zh-TW" altLang="en-US" dirty="0" smtClean="0">
+                  <a:solidFill>
+                    <a:sysClr val="windowText" lastClr="000000"/>
+                  </a:solidFill>
+                  <a:latin typeface="Times New Roman" panose="02020603050405020304" pitchFamily="18" charset="0"/>
+                  <a:ea typeface="標楷體" panose="03000509000000000000" pitchFamily="65" charset="-120"/>
+                  <a:cs typeface="Times New Roman" panose="02020603050405020304" pitchFamily="18" charset="0"/>
+                </a:rPr>
+                <a:t>說明</a:t>
+              </a:r>
+              <a:endParaRPr kumimoji="1" lang="zh-TW" altLang="en-US" dirty="0">
+                <a:solidFill>
+                  <a:sysClr val="windowText" lastClr="000000"/>
+                </a:solidFill>
+                <a:latin typeface="Times New Roman" panose="02020603050405020304" pitchFamily="18" charset="0"/>
+                <a:ea typeface="標楷體" panose="03000509000000000000" pitchFamily="65" charset="-120"/>
+                <a:cs typeface="Times New Roman" panose="02020603050405020304" pitchFamily="18" charset="0"/>
               </a:endParaRPr>
             </a:p>
           </p:txBody>
@@ -24909,6 +25185,9 @@
                 <a:solidFill>
                   <a:schemeClr val="tx1"/>
                 </a:solidFill>
+                <a:latin typeface="Times New Roman" panose="02020603050405020304" pitchFamily="18" charset="0"/>
+                <a:ea typeface="標楷體" panose="03000509000000000000" pitchFamily="65" charset="-120"/>
+                <a:cs typeface="Times New Roman" panose="02020603050405020304" pitchFamily="18" charset="0"/>
               </a:endParaRPr>
             </a:p>
           </p:txBody>
@@ -24960,6 +25239,9 @@
                   <a:solidFill>
                     <a:sysClr val="windowText" lastClr="000000"/>
                   </a:solidFill>
+                  <a:latin typeface="Times New Roman" panose="02020603050405020304" pitchFamily="18" charset="0"/>
+                  <a:ea typeface="標楷體" panose="03000509000000000000" pitchFamily="65" charset="-120"/>
+                  <a:cs typeface="Times New Roman" panose="02020603050405020304" pitchFamily="18" charset="0"/>
                 </a:rPr>
                 <a:t>Matter.js</a:t>
               </a:r>
@@ -24967,6 +25249,9 @@
                 <a:solidFill>
                   <a:sysClr val="windowText" lastClr="000000"/>
                 </a:solidFill>
+                <a:latin typeface="Times New Roman" panose="02020603050405020304" pitchFamily="18" charset="0"/>
+                <a:ea typeface="標楷體" panose="03000509000000000000" pitchFamily="65" charset="-120"/>
+                <a:cs typeface="Times New Roman" panose="02020603050405020304" pitchFamily="18" charset="0"/>
               </a:endParaRPr>
             </a:p>
           </p:txBody>
@@ -25028,6 +25313,9 @@
                 <a:solidFill>
                   <a:schemeClr val="tx1"/>
                 </a:solidFill>
+                <a:latin typeface="Times New Roman" panose="02020603050405020304" pitchFamily="18" charset="0"/>
+                <a:ea typeface="標楷體" panose="03000509000000000000" pitchFamily="65" charset="-120"/>
+                <a:cs typeface="Times New Roman" panose="02020603050405020304" pitchFamily="18" charset="0"/>
               </a:endParaRPr>
             </a:p>
           </p:txBody>
@@ -25079,6 +25367,9 @@
                   <a:solidFill>
                     <a:sysClr val="windowText" lastClr="000000"/>
                   </a:solidFill>
+                  <a:latin typeface="Times New Roman" panose="02020603050405020304" pitchFamily="18" charset="0"/>
+                  <a:ea typeface="標楷體" panose="03000509000000000000" pitchFamily="65" charset="-120"/>
+                  <a:cs typeface="Times New Roman" panose="02020603050405020304" pitchFamily="18" charset="0"/>
                 </a:rPr>
                 <a:t>Level1</a:t>
               </a:r>
@@ -25087,6 +25378,9 @@
                   <a:solidFill>
                     <a:sysClr val="windowText" lastClr="000000"/>
                   </a:solidFill>
+                  <a:latin typeface="Times New Roman" panose="02020603050405020304" pitchFamily="18" charset="0"/>
+                  <a:ea typeface="標楷體" panose="03000509000000000000" pitchFamily="65" charset="-120"/>
+                  <a:cs typeface="Times New Roman" panose="02020603050405020304" pitchFamily="18" charset="0"/>
                 </a:rPr>
                 <a:t>、</a:t>
               </a:r>
@@ -25095,6 +25389,9 @@
                   <a:solidFill>
                     <a:sysClr val="windowText" lastClr="000000"/>
                   </a:solidFill>
+                  <a:latin typeface="Times New Roman" panose="02020603050405020304" pitchFamily="18" charset="0"/>
+                  <a:ea typeface="標楷體" panose="03000509000000000000" pitchFamily="65" charset="-120"/>
+                  <a:cs typeface="Times New Roman" panose="02020603050405020304" pitchFamily="18" charset="0"/>
                 </a:rPr>
                 <a:t>2</a:t>
               </a:r>
@@ -25103,6 +25400,9 @@
                   <a:solidFill>
                     <a:sysClr val="windowText" lastClr="000000"/>
                   </a:solidFill>
+                  <a:latin typeface="Times New Roman" panose="02020603050405020304" pitchFamily="18" charset="0"/>
+                  <a:ea typeface="標楷體" panose="03000509000000000000" pitchFamily="65" charset="-120"/>
+                  <a:cs typeface="Times New Roman" panose="02020603050405020304" pitchFamily="18" charset="0"/>
                 </a:rPr>
                 <a:t>、</a:t>
               </a:r>
@@ -25111,6 +25411,9 @@
                   <a:solidFill>
                     <a:sysClr val="windowText" lastClr="000000"/>
                   </a:solidFill>
+                  <a:latin typeface="Times New Roman" panose="02020603050405020304" pitchFamily="18" charset="0"/>
+                  <a:ea typeface="標楷體" panose="03000509000000000000" pitchFamily="65" charset="-120"/>
+                  <a:cs typeface="Times New Roman" panose="02020603050405020304" pitchFamily="18" charset="0"/>
                 </a:rPr>
                 <a:t>3</a:t>
               </a:r>
@@ -25118,6 +25421,9 @@
                 <a:solidFill>
                   <a:sysClr val="windowText" lastClr="000000"/>
                 </a:solidFill>
+                <a:latin typeface="Times New Roman" panose="02020603050405020304" pitchFamily="18" charset="0"/>
+                <a:ea typeface="標楷體" panose="03000509000000000000" pitchFamily="65" charset="-120"/>
+                <a:cs typeface="Times New Roman" panose="02020603050405020304" pitchFamily="18" charset="0"/>
               </a:endParaRPr>
             </a:p>
           </p:txBody>
@@ -25132,7 +25438,7 @@
         <p:spPr>
           <a:xfrm>
             <a:off x="604446" y="959269"/>
-            <a:ext cx="2398605" cy="1754326"/>
+            <a:ext cx="2492990" cy="1754326"/>
           </a:xfrm>
           <a:prstGeom prst="rect">
             <a:avLst/>
@@ -25150,10 +25456,18 @@
               <a:buAutoNum type="arabicPeriod"/>
             </a:pPr>
             <a:r>
-              <a:rPr kumimoji="1" lang="zh-TW" altLang="en-US" dirty="0" smtClean="0"/>
+              <a:rPr kumimoji="1" lang="zh-TW" altLang="en-US" dirty="0" smtClean="0">
+                <a:latin typeface="Times New Roman" panose="02020603050405020304" pitchFamily="18" charset="0"/>
+                <a:ea typeface="標楷體" panose="03000509000000000000" pitchFamily="65" charset="-120"/>
+                <a:cs typeface="Times New Roman" panose="02020603050405020304" pitchFamily="18" charset="0"/>
+              </a:rPr>
               <a:t>英雄</a:t>
             </a:r>
-            <a:endParaRPr kumimoji="1" lang="en-US" altLang="zh-TW" dirty="0" smtClean="0"/>
+            <a:endParaRPr kumimoji="1" lang="en-US" altLang="zh-TW" dirty="0" smtClean="0">
+              <a:latin typeface="Times New Roman" panose="02020603050405020304" pitchFamily="18" charset="0"/>
+              <a:ea typeface="標楷體" panose="03000509000000000000" pitchFamily="65" charset="-120"/>
+              <a:cs typeface="Times New Roman" panose="02020603050405020304" pitchFamily="18" charset="0"/>
+            </a:endParaRPr>
           </a:p>
           <a:p>
             <a:pPr marL="342900" indent="-342900">
@@ -25161,10 +25475,18 @@
               <a:buAutoNum type="arabicPeriod"/>
             </a:pPr>
             <a:r>
-              <a:rPr kumimoji="1" lang="zh-TW" altLang="en-US" dirty="0" smtClean="0"/>
+              <a:rPr kumimoji="1" lang="zh-TW" altLang="en-US" dirty="0" smtClean="0">
+                <a:latin typeface="Times New Roman" panose="02020603050405020304" pitchFamily="18" charset="0"/>
+                <a:ea typeface="標楷體" panose="03000509000000000000" pitchFamily="65" charset="-120"/>
+                <a:cs typeface="Times New Roman" panose="02020603050405020304" pitchFamily="18" charset="0"/>
+              </a:rPr>
               <a:t>公主</a:t>
             </a:r>
-            <a:endParaRPr kumimoji="1" lang="en-US" altLang="zh-TW" dirty="0" smtClean="0"/>
+            <a:endParaRPr kumimoji="1" lang="en-US" altLang="zh-TW" dirty="0" smtClean="0">
+              <a:latin typeface="Times New Roman" panose="02020603050405020304" pitchFamily="18" charset="0"/>
+              <a:ea typeface="標楷體" panose="03000509000000000000" pitchFamily="65" charset="-120"/>
+              <a:cs typeface="Times New Roman" panose="02020603050405020304" pitchFamily="18" charset="0"/>
+            </a:endParaRPr>
           </a:p>
           <a:p>
             <a:pPr marL="342900" indent="-342900">
@@ -25172,10 +25494,18 @@
               <a:buAutoNum type="arabicPeriod"/>
             </a:pPr>
             <a:r>
-              <a:rPr kumimoji="1" lang="zh-TW" altLang="en-US" dirty="0" smtClean="0"/>
+              <a:rPr kumimoji="1" lang="zh-TW" altLang="en-US" dirty="0" smtClean="0">
+                <a:latin typeface="Times New Roman" panose="02020603050405020304" pitchFamily="18" charset="0"/>
+                <a:ea typeface="標楷體" panose="03000509000000000000" pitchFamily="65" charset="-120"/>
+                <a:cs typeface="Times New Roman" panose="02020603050405020304" pitchFamily="18" charset="0"/>
+              </a:rPr>
               <a:t>地圖</a:t>
             </a:r>
-            <a:endParaRPr kumimoji="1" lang="en-US" altLang="zh-TW" dirty="0" smtClean="0"/>
+            <a:endParaRPr kumimoji="1" lang="en-US" altLang="zh-TW" dirty="0" smtClean="0">
+              <a:latin typeface="Times New Roman" panose="02020603050405020304" pitchFamily="18" charset="0"/>
+              <a:ea typeface="標楷體" panose="03000509000000000000" pitchFamily="65" charset="-120"/>
+              <a:cs typeface="Times New Roman" panose="02020603050405020304" pitchFamily="18" charset="0"/>
+            </a:endParaRPr>
           </a:p>
           <a:p>
             <a:pPr marL="342900" indent="-342900">
@@ -25183,18 +25513,34 @@
               <a:buAutoNum type="arabicPeriod"/>
             </a:pPr>
             <a:r>
-              <a:rPr kumimoji="1" lang="zh-TW" altLang="en-US" dirty="0" smtClean="0"/>
+              <a:rPr kumimoji="1" lang="zh-TW" altLang="en-US" dirty="0" smtClean="0">
+                <a:latin typeface="Times New Roman" panose="02020603050405020304" pitchFamily="18" charset="0"/>
+                <a:ea typeface="標楷體" panose="03000509000000000000" pitchFamily="65" charset="-120"/>
+                <a:cs typeface="Times New Roman" panose="02020603050405020304" pitchFamily="18" charset="0"/>
+              </a:rPr>
               <a:t>死亡（</a:t>
             </a:r>
             <a:r>
-              <a:rPr kumimoji="1" lang="en-US" altLang="zh-TW" dirty="0" err="1" smtClean="0"/>
+              <a:rPr kumimoji="1" lang="en-US" altLang="zh-TW" dirty="0" err="1" smtClean="0">
+                <a:latin typeface="Times New Roman" panose="02020603050405020304" pitchFamily="18" charset="0"/>
+                <a:ea typeface="標楷體" panose="03000509000000000000" pitchFamily="65" charset="-120"/>
+                <a:cs typeface="Times New Roman" panose="02020603050405020304" pitchFamily="18" charset="0"/>
+              </a:rPr>
               <a:t>DieScreen</a:t>
             </a:r>
             <a:r>
-              <a:rPr kumimoji="1" lang="zh-TW" altLang="en-US" dirty="0" smtClean="0"/>
+              <a:rPr kumimoji="1" lang="zh-TW" altLang="en-US" dirty="0" smtClean="0">
+                <a:latin typeface="Times New Roman" panose="02020603050405020304" pitchFamily="18" charset="0"/>
+                <a:ea typeface="標楷體" panose="03000509000000000000" pitchFamily="65" charset="-120"/>
+                <a:cs typeface="Times New Roman" panose="02020603050405020304" pitchFamily="18" charset="0"/>
+              </a:rPr>
               <a:t>）</a:t>
             </a:r>
-            <a:endParaRPr kumimoji="1" lang="en-US" altLang="zh-TW" dirty="0" smtClean="0"/>
+            <a:endParaRPr kumimoji="1" lang="en-US" altLang="zh-TW" dirty="0" smtClean="0">
+              <a:latin typeface="Times New Roman" panose="02020603050405020304" pitchFamily="18" charset="0"/>
+              <a:ea typeface="標楷體" panose="03000509000000000000" pitchFamily="65" charset="-120"/>
+              <a:cs typeface="Times New Roman" panose="02020603050405020304" pitchFamily="18" charset="0"/>
+            </a:endParaRPr>
           </a:p>
           <a:p>
             <a:pPr marL="342900" indent="-342900">
@@ -25202,21 +25548,37 @@
               <a:buAutoNum type="arabicPeriod"/>
             </a:pPr>
             <a:r>
-              <a:rPr kumimoji="1" lang="zh-TW" altLang="en-US" dirty="0" smtClean="0"/>
+              <a:rPr kumimoji="1" lang="zh-TW" altLang="en-US" dirty="0" smtClean="0">
+                <a:latin typeface="Times New Roman" panose="02020603050405020304" pitchFamily="18" charset="0"/>
+                <a:ea typeface="標楷體" panose="03000509000000000000" pitchFamily="65" charset="-120"/>
+                <a:cs typeface="Times New Roman" panose="02020603050405020304" pitchFamily="18" charset="0"/>
+              </a:rPr>
               <a:t>返回</a:t>
             </a:r>
             <a:r>
-              <a:rPr kumimoji="1" lang="en-US" altLang="zh-TW" dirty="0" err="1" smtClean="0"/>
+              <a:rPr kumimoji="1" lang="en-US" altLang="zh-TW" dirty="0" err="1" smtClean="0">
+                <a:latin typeface="Times New Roman" panose="02020603050405020304" pitchFamily="18" charset="0"/>
+                <a:ea typeface="標楷體" panose="03000509000000000000" pitchFamily="65" charset="-120"/>
+                <a:cs typeface="Times New Roman" panose="02020603050405020304" pitchFamily="18" charset="0"/>
+              </a:rPr>
               <a:t>ChooseLevel</a:t>
             </a:r>
-            <a:endParaRPr kumimoji="1" lang="en-US" altLang="zh-TW" dirty="0" smtClean="0"/>
+            <a:endParaRPr kumimoji="1" lang="en-US" altLang="zh-TW" dirty="0" smtClean="0">
+              <a:latin typeface="Times New Roman" panose="02020603050405020304" pitchFamily="18" charset="0"/>
+              <a:ea typeface="標楷體" panose="03000509000000000000" pitchFamily="65" charset="-120"/>
+              <a:cs typeface="Times New Roman" panose="02020603050405020304" pitchFamily="18" charset="0"/>
+            </a:endParaRPr>
           </a:p>
           <a:p>
             <a:pPr marL="342900" indent="-342900">
               <a:buFont typeface="+mj-lt"/>
               <a:buAutoNum type="arabicPeriod"/>
             </a:pPr>
-            <a:endParaRPr kumimoji="1" lang="en-US" altLang="zh-TW" dirty="0" smtClean="0"/>
+            <a:endParaRPr kumimoji="1" lang="en-US" altLang="zh-TW" dirty="0" smtClean="0">
+              <a:latin typeface="Times New Roman" panose="02020603050405020304" pitchFamily="18" charset="0"/>
+              <a:ea typeface="標楷體" panose="03000509000000000000" pitchFamily="65" charset="-120"/>
+              <a:cs typeface="Times New Roman" panose="02020603050405020304" pitchFamily="18" charset="0"/>
+            </a:endParaRPr>
           </a:p>
         </p:txBody>
       </p:sp>
@@ -25290,6 +25652,9 @@
                   <a:solidFill>
                     <a:schemeClr val="tx1"/>
                   </a:solidFill>
+                  <a:latin typeface="Times New Roman" panose="02020603050405020304" pitchFamily="18" charset="0"/>
+                  <a:ea typeface="標楷體" panose="03000509000000000000" pitchFamily="65" charset="-120"/>
+                  <a:cs typeface="Times New Roman" panose="02020603050405020304" pitchFamily="18" charset="0"/>
                 </a:endParaRPr>
               </a:p>
             </p:txBody>
@@ -25341,6 +25706,9 @@
                     <a:solidFill>
                       <a:sysClr val="windowText" lastClr="000000"/>
                     </a:solidFill>
+                    <a:latin typeface="Times New Roman" panose="02020603050405020304" pitchFamily="18" charset="0"/>
+                    <a:ea typeface="標楷體" panose="03000509000000000000" pitchFamily="65" charset="-120"/>
+                    <a:cs typeface="Times New Roman" panose="02020603050405020304" pitchFamily="18" charset="0"/>
                   </a:rPr>
                   <a:t>OperationScreen</a:t>
                 </a:r>
@@ -25348,6 +25716,9 @@
                   <a:solidFill>
                     <a:sysClr val="windowText" lastClr="000000"/>
                   </a:solidFill>
+                  <a:latin typeface="Times New Roman" panose="02020603050405020304" pitchFamily="18" charset="0"/>
+                  <a:ea typeface="標楷體" panose="03000509000000000000" pitchFamily="65" charset="-120"/>
+                  <a:cs typeface="Times New Roman" panose="02020603050405020304" pitchFamily="18" charset="0"/>
                 </a:endParaRPr>
               </a:p>
             </p:txBody>
@@ -25401,6 +25772,9 @@
                   <a:solidFill>
                     <a:sysClr val="windowText" lastClr="000000"/>
                   </a:solidFill>
+                  <a:latin typeface="Times New Roman" panose="02020603050405020304" pitchFamily="18" charset="0"/>
+                  <a:ea typeface="標楷體" panose="03000509000000000000" pitchFamily="65" charset="-120"/>
+                  <a:cs typeface="Times New Roman" panose="02020603050405020304" pitchFamily="18" charset="0"/>
                 </a:rPr>
                 <a:t>遊戲說明畫面</a:t>
               </a:r>
@@ -25408,6 +25782,9 @@
                 <a:solidFill>
                   <a:sysClr val="windowText" lastClr="000000"/>
                 </a:solidFill>
+                <a:latin typeface="Times New Roman" panose="02020603050405020304" pitchFamily="18" charset="0"/>
+                <a:ea typeface="標楷體" panose="03000509000000000000" pitchFamily="65" charset="-120"/>
+                <a:cs typeface="Times New Roman" panose="02020603050405020304" pitchFamily="18" charset="0"/>
               </a:endParaRPr>
             </a:p>
           </p:txBody>
@@ -25483,6 +25860,9 @@
                   <a:solidFill>
                     <a:schemeClr val="tx1"/>
                   </a:solidFill>
+                  <a:latin typeface="Times New Roman" panose="02020603050405020304" pitchFamily="18" charset="0"/>
+                  <a:ea typeface="標楷體" panose="03000509000000000000" pitchFamily="65" charset="-120"/>
+                  <a:cs typeface="Times New Roman" panose="02020603050405020304" pitchFamily="18" charset="0"/>
                 </a:endParaRPr>
               </a:p>
             </p:txBody>
@@ -25534,6 +25914,9 @@
                     <a:solidFill>
                       <a:sysClr val="windowText" lastClr="000000"/>
                     </a:solidFill>
+                    <a:latin typeface="Times New Roman" panose="02020603050405020304" pitchFamily="18" charset="0"/>
+                    <a:ea typeface="標楷體" panose="03000509000000000000" pitchFamily="65" charset="-120"/>
+                    <a:cs typeface="Times New Roman" panose="02020603050405020304" pitchFamily="18" charset="0"/>
                   </a:rPr>
                   <a:t>Level3</a:t>
                 </a:r>
@@ -25541,6 +25924,9 @@
                   <a:solidFill>
                     <a:sysClr val="windowText" lastClr="000000"/>
                   </a:solidFill>
+                  <a:latin typeface="Times New Roman" panose="02020603050405020304" pitchFamily="18" charset="0"/>
+                  <a:ea typeface="標楷體" panose="03000509000000000000" pitchFamily="65" charset="-120"/>
+                  <a:cs typeface="Times New Roman" panose="02020603050405020304" pitchFamily="18" charset="0"/>
                 </a:endParaRPr>
               </a:p>
             </p:txBody>
@@ -25594,6 +25980,9 @@
                   <a:solidFill>
                     <a:sysClr val="windowText" lastClr="000000"/>
                   </a:solidFill>
+                  <a:latin typeface="Times New Roman" panose="02020603050405020304" pitchFamily="18" charset="0"/>
+                  <a:ea typeface="標楷體" panose="03000509000000000000" pitchFamily="65" charset="-120"/>
+                  <a:cs typeface="Times New Roman" panose="02020603050405020304" pitchFamily="18" charset="0"/>
                 </a:rPr>
                 <a:t>Boss</a:t>
               </a:r>
@@ -25608,6 +25997,9 @@
                   <a:solidFill>
                     <a:sysClr val="windowText" lastClr="000000"/>
                   </a:solidFill>
+                  <a:latin typeface="Times New Roman" panose="02020603050405020304" pitchFamily="18" charset="0"/>
+                  <a:ea typeface="標楷體" panose="03000509000000000000" pitchFamily="65" charset="-120"/>
+                  <a:cs typeface="Times New Roman" panose="02020603050405020304" pitchFamily="18" charset="0"/>
                 </a:rPr>
                 <a:t>發射武器</a:t>
               </a:r>
@@ -25615,6 +26007,9 @@
                 <a:solidFill>
                   <a:sysClr val="windowText" lastClr="000000"/>
                 </a:solidFill>
+                <a:latin typeface="Times New Roman" panose="02020603050405020304" pitchFamily="18" charset="0"/>
+                <a:ea typeface="標楷體" panose="03000509000000000000" pitchFamily="65" charset="-120"/>
+                <a:cs typeface="Times New Roman" panose="02020603050405020304" pitchFamily="18" charset="0"/>
               </a:endParaRPr>
             </a:p>
           </p:txBody>
@@ -25690,6 +26085,9 @@
                   <a:solidFill>
                     <a:schemeClr val="tx1"/>
                   </a:solidFill>
+                  <a:latin typeface="Times New Roman" panose="02020603050405020304" pitchFamily="18" charset="0"/>
+                  <a:ea typeface="標楷體" panose="03000509000000000000" pitchFamily="65" charset="-120"/>
+                  <a:cs typeface="Times New Roman" panose="02020603050405020304" pitchFamily="18" charset="0"/>
                 </a:endParaRPr>
               </a:p>
             </p:txBody>
@@ -25741,6 +26139,9 @@
                     <a:solidFill>
                       <a:sysClr val="windowText" lastClr="000000"/>
                     </a:solidFill>
+                    <a:latin typeface="Times New Roman" panose="02020603050405020304" pitchFamily="18" charset="0"/>
+                    <a:ea typeface="標楷體" panose="03000509000000000000" pitchFamily="65" charset="-120"/>
+                    <a:cs typeface="Times New Roman" panose="02020603050405020304" pitchFamily="18" charset="0"/>
                   </a:rPr>
                   <a:t>Bag</a:t>
                 </a:r>
@@ -25748,6 +26149,9 @@
                   <a:solidFill>
                     <a:sysClr val="windowText" lastClr="000000"/>
                   </a:solidFill>
+                  <a:latin typeface="Times New Roman" panose="02020603050405020304" pitchFamily="18" charset="0"/>
+                  <a:ea typeface="標楷體" panose="03000509000000000000" pitchFamily="65" charset="-120"/>
+                  <a:cs typeface="Times New Roman" panose="02020603050405020304" pitchFamily="18" charset="0"/>
                 </a:endParaRPr>
               </a:p>
             </p:txBody>
@@ -25801,6 +26205,9 @@
                   <a:solidFill>
                     <a:sysClr val="windowText" lastClr="000000"/>
                   </a:solidFill>
+                  <a:latin typeface="Times New Roman" panose="02020603050405020304" pitchFamily="18" charset="0"/>
+                  <a:ea typeface="標楷體" panose="03000509000000000000" pitchFamily="65" charset="-120"/>
+                  <a:cs typeface="Times New Roman" panose="02020603050405020304" pitchFamily="18" charset="0"/>
                 </a:rPr>
                 <a:t>顯示獲得的道具</a:t>
               </a:r>
@@ -25808,6 +26215,9 @@
                 <a:solidFill>
                   <a:sysClr val="windowText" lastClr="000000"/>
                 </a:solidFill>
+                <a:latin typeface="Times New Roman" panose="02020603050405020304" pitchFamily="18" charset="0"/>
+                <a:ea typeface="標楷體" panose="03000509000000000000" pitchFamily="65" charset="-120"/>
+                <a:cs typeface="Times New Roman" panose="02020603050405020304" pitchFamily="18" charset="0"/>
               </a:endParaRPr>
             </a:p>
             <a:p>
@@ -25820,6 +26230,9 @@
                   <a:solidFill>
                     <a:sysClr val="windowText" lastClr="000000"/>
                   </a:solidFill>
+                  <a:latin typeface="Times New Roman" panose="02020603050405020304" pitchFamily="18" charset="0"/>
+                  <a:ea typeface="標楷體" panose="03000509000000000000" pitchFamily="65" charset="-120"/>
+                  <a:cs typeface="Times New Roman" panose="02020603050405020304" pitchFamily="18" charset="0"/>
                 </a:rPr>
                 <a:t>可以查看道具訊息</a:t>
               </a:r>
@@ -25827,6 +26240,9 @@
                 <a:solidFill>
                   <a:sysClr val="windowText" lastClr="000000"/>
                 </a:solidFill>
+                <a:latin typeface="Times New Roman" panose="02020603050405020304" pitchFamily="18" charset="0"/>
+                <a:ea typeface="標楷體" panose="03000509000000000000" pitchFamily="65" charset="-120"/>
+                <a:cs typeface="Times New Roman" panose="02020603050405020304" pitchFamily="18" charset="0"/>
               </a:endParaRPr>
             </a:p>
           </p:txBody>
@@ -25902,6 +26318,9 @@
                   <a:solidFill>
                     <a:schemeClr val="tx1"/>
                   </a:solidFill>
+                  <a:latin typeface="Times New Roman" panose="02020603050405020304" pitchFamily="18" charset="0"/>
+                  <a:ea typeface="標楷體" panose="03000509000000000000" pitchFamily="65" charset="-120"/>
+                  <a:cs typeface="Times New Roman" panose="02020603050405020304" pitchFamily="18" charset="0"/>
                 </a:endParaRPr>
               </a:p>
             </p:txBody>
@@ -25953,6 +26372,9 @@
                     <a:solidFill>
                       <a:sysClr val="windowText" lastClr="000000"/>
                     </a:solidFill>
+                    <a:latin typeface="Times New Roman" panose="02020603050405020304" pitchFamily="18" charset="0"/>
+                    <a:ea typeface="標楷體" panose="03000509000000000000" pitchFamily="65" charset="-120"/>
+                    <a:cs typeface="Times New Roman" panose="02020603050405020304" pitchFamily="18" charset="0"/>
                   </a:rPr>
                   <a:t>RecordScreen</a:t>
                 </a:r>
@@ -25960,6 +26382,9 @@
                   <a:solidFill>
                     <a:sysClr val="windowText" lastClr="000000"/>
                   </a:solidFill>
+                  <a:latin typeface="Times New Roman" panose="02020603050405020304" pitchFamily="18" charset="0"/>
+                  <a:ea typeface="標楷體" panose="03000509000000000000" pitchFamily="65" charset="-120"/>
+                  <a:cs typeface="Times New Roman" panose="02020603050405020304" pitchFamily="18" charset="0"/>
                 </a:endParaRPr>
               </a:p>
             </p:txBody>
@@ -26013,6 +26438,9 @@
                   <a:solidFill>
                     <a:sysClr val="windowText" lastClr="000000"/>
                   </a:solidFill>
+                  <a:latin typeface="Times New Roman" panose="02020603050405020304" pitchFamily="18" charset="0"/>
+                  <a:ea typeface="標楷體" panose="03000509000000000000" pitchFamily="65" charset="-120"/>
+                  <a:cs typeface="Times New Roman" panose="02020603050405020304" pitchFamily="18" charset="0"/>
                 </a:rPr>
                 <a:t>顯示通關紀錄</a:t>
               </a:r>
@@ -26020,6 +26448,9 @@
                 <a:solidFill>
                   <a:sysClr val="windowText" lastClr="000000"/>
                 </a:solidFill>
+                <a:latin typeface="Times New Roman" panose="02020603050405020304" pitchFamily="18" charset="0"/>
+                <a:ea typeface="標楷體" panose="03000509000000000000" pitchFamily="65" charset="-120"/>
+                <a:cs typeface="Times New Roman" panose="02020603050405020304" pitchFamily="18" charset="0"/>
               </a:endParaRPr>
             </a:p>
           </p:txBody>
@@ -26095,6 +26526,9 @@
                   <a:solidFill>
                     <a:schemeClr val="tx1"/>
                   </a:solidFill>
+                  <a:latin typeface="Times New Roman" panose="02020603050405020304" pitchFamily="18" charset="0"/>
+                  <a:ea typeface="標楷體" panose="03000509000000000000" pitchFamily="65" charset="-120"/>
+                  <a:cs typeface="Times New Roman" panose="02020603050405020304" pitchFamily="18" charset="0"/>
                 </a:endParaRPr>
               </a:p>
             </p:txBody>
@@ -26146,6 +26580,9 @@
                     <a:solidFill>
                       <a:sysClr val="windowText" lastClr="000000"/>
                     </a:solidFill>
+                    <a:latin typeface="Times New Roman" panose="02020603050405020304" pitchFamily="18" charset="0"/>
+                    <a:ea typeface="標楷體" panose="03000509000000000000" pitchFamily="65" charset="-120"/>
+                    <a:cs typeface="Times New Roman" panose="02020603050405020304" pitchFamily="18" charset="0"/>
                   </a:rPr>
                   <a:t>DieScreen</a:t>
                 </a:r>
@@ -26153,6 +26590,9 @@
                   <a:solidFill>
                     <a:sysClr val="windowText" lastClr="000000"/>
                   </a:solidFill>
+                  <a:latin typeface="Times New Roman" panose="02020603050405020304" pitchFamily="18" charset="0"/>
+                  <a:ea typeface="標楷體" panose="03000509000000000000" pitchFamily="65" charset="-120"/>
+                  <a:cs typeface="Times New Roman" panose="02020603050405020304" pitchFamily="18" charset="0"/>
                 </a:endParaRPr>
               </a:p>
             </p:txBody>
@@ -26205,6 +26645,9 @@
                 <a:solidFill>
                   <a:sysClr val="windowText" lastClr="000000"/>
                 </a:solidFill>
+                <a:latin typeface="Times New Roman" panose="02020603050405020304" pitchFamily="18" charset="0"/>
+                <a:ea typeface="標楷體" panose="03000509000000000000" pitchFamily="65" charset="-120"/>
+                <a:cs typeface="Times New Roman" panose="02020603050405020304" pitchFamily="18" charset="0"/>
               </a:endParaRPr>
             </a:p>
           </p:txBody>
@@ -26237,10 +26680,18 @@
               <a:buAutoNum type="arabicPeriod"/>
             </a:pPr>
             <a:r>
-              <a:rPr kumimoji="1" lang="zh-TW" altLang="en-US" dirty="0" smtClean="0"/>
+              <a:rPr kumimoji="1" lang="zh-TW" altLang="en-US" dirty="0" smtClean="0">
+                <a:latin typeface="Times New Roman" panose="02020603050405020304" pitchFamily="18" charset="0"/>
+                <a:ea typeface="標楷體" panose="03000509000000000000" pitchFamily="65" charset="-120"/>
+                <a:cs typeface="Times New Roman" panose="02020603050405020304" pitchFamily="18" charset="0"/>
+              </a:rPr>
               <a:t>顯示玩家ＩＱ</a:t>
             </a:r>
-            <a:endParaRPr kumimoji="1" lang="en-US" altLang="zh-TW" dirty="0" smtClean="0"/>
+            <a:endParaRPr kumimoji="1" lang="en-US" altLang="zh-TW" dirty="0" smtClean="0">
+              <a:latin typeface="Times New Roman" panose="02020603050405020304" pitchFamily="18" charset="0"/>
+              <a:ea typeface="標楷體" panose="03000509000000000000" pitchFamily="65" charset="-120"/>
+              <a:cs typeface="Times New Roman" panose="02020603050405020304" pitchFamily="18" charset="0"/>
+            </a:endParaRPr>
           </a:p>
           <a:p>
             <a:pPr marL="342900" indent="-342900">
@@ -26248,10 +26699,18 @@
               <a:buAutoNum type="arabicPeriod"/>
             </a:pPr>
             <a:r>
-              <a:rPr kumimoji="1" lang="zh-TW" altLang="en-US" dirty="0" smtClean="0"/>
+              <a:rPr kumimoji="1" lang="zh-TW" altLang="en-US" dirty="0" smtClean="0">
+                <a:latin typeface="Times New Roman" panose="02020603050405020304" pitchFamily="18" charset="0"/>
+                <a:ea typeface="標楷體" panose="03000509000000000000" pitchFamily="65" charset="-120"/>
+                <a:cs typeface="Times New Roman" panose="02020603050405020304" pitchFamily="18" charset="0"/>
+              </a:rPr>
               <a:t>過一段時間返回遊戲畫面</a:t>
             </a:r>
-            <a:endParaRPr kumimoji="1" lang="zh-TW" altLang="en-US" dirty="0"/>
+            <a:endParaRPr kumimoji="1" lang="zh-TW" altLang="en-US" dirty="0">
+              <a:latin typeface="Times New Roman" panose="02020603050405020304" pitchFamily="18" charset="0"/>
+              <a:ea typeface="標楷體" panose="03000509000000000000" pitchFamily="65" charset="-120"/>
+              <a:cs typeface="Times New Roman" panose="02020603050405020304" pitchFamily="18" charset="0"/>
+            </a:endParaRPr>
           </a:p>
         </p:txBody>
       </p:sp>
@@ -30619,7 +31078,7 @@
           <p:nvPr>
             <p:extLst>
               <p:ext uri="{D42A27DB-BD31-4B8C-83A1-F6EECF244321}">
-                <p14:modId xmlns:p14="http://schemas.microsoft.com/office/powerpoint/2010/main" val="895717902"/>
+                <p14:modId xmlns:p14="http://schemas.microsoft.com/office/powerpoint/2010/main" val="866139162"/>
               </p:ext>
             </p:extLst>
           </p:nvPr>
@@ -30662,16 +31121,16 @@
             </a:pPr>
             <a:r>
               <a:rPr kumimoji="1" lang="zh-TW" altLang="en-US" dirty="0" smtClean="0">
-                <a:latin typeface="Hannotate TC" charset="-120"/>
-                <a:ea typeface="Hannotate TC" charset="-120"/>
-                <a:cs typeface="Hannotate TC" charset="-120"/>
+                <a:latin typeface="Times New Roman" panose="02020603050405020304" pitchFamily="18" charset="0"/>
+                <a:ea typeface="標楷體" panose="03000509000000000000" pitchFamily="65" charset="-120"/>
+                <a:cs typeface="Times New Roman" panose="02020603050405020304" pitchFamily="18" charset="0"/>
               </a:rPr>
               <a:t>進入網頁</a:t>
             </a:r>
             <a:endParaRPr kumimoji="1" lang="en-US" altLang="zh-TW" dirty="0" smtClean="0">
-              <a:latin typeface="Hannotate TC" charset="-120"/>
-              <a:ea typeface="Hannotate TC" charset="-120"/>
-              <a:cs typeface="Hannotate TC" charset="-120"/>
+              <a:latin typeface="Times New Roman" panose="02020603050405020304" pitchFamily="18" charset="0"/>
+              <a:ea typeface="標楷體" panose="03000509000000000000" pitchFamily="65" charset="-120"/>
+              <a:cs typeface="Times New Roman" panose="02020603050405020304" pitchFamily="18" charset="0"/>
             </a:endParaRPr>
           </a:p>
           <a:p>
@@ -30681,24 +31140,24 @@
             </a:pPr>
             <a:r>
               <a:rPr kumimoji="1" lang="zh-TW" altLang="en-US" dirty="0" smtClean="0">
-                <a:latin typeface="Hannotate TC" charset="-120"/>
-                <a:ea typeface="Hannotate TC" charset="-120"/>
-                <a:cs typeface="Hannotate TC" charset="-120"/>
+                <a:latin typeface="Times New Roman" panose="02020603050405020304" pitchFamily="18" charset="0"/>
+                <a:ea typeface="標楷體" panose="03000509000000000000" pitchFamily="65" charset="-120"/>
+                <a:cs typeface="Times New Roman" panose="02020603050405020304" pitchFamily="18" charset="0"/>
               </a:rPr>
               <a:t>載入</a:t>
             </a:r>
             <a:r>
               <a:rPr kumimoji="1" lang="en-US" altLang="zh-TW" dirty="0" err="1" smtClean="0">
-                <a:latin typeface="Hannotate TC" charset="-120"/>
-                <a:ea typeface="Hannotate TC" charset="-120"/>
-                <a:cs typeface="Hannotate TC" charset="-120"/>
+                <a:latin typeface="Times New Roman" panose="02020603050405020304" pitchFamily="18" charset="0"/>
+                <a:ea typeface="標楷體" panose="03000509000000000000" pitchFamily="65" charset="-120"/>
+                <a:cs typeface="Times New Roman" panose="02020603050405020304" pitchFamily="18" charset="0"/>
               </a:rPr>
               <a:t>js</a:t>
             </a:r>
             <a:endParaRPr kumimoji="1" lang="zh-TW" altLang="en-US" dirty="0">
-              <a:latin typeface="Hannotate TC" charset="-120"/>
-              <a:ea typeface="Hannotate TC" charset="-120"/>
-              <a:cs typeface="Hannotate TC" charset="-120"/>
+              <a:latin typeface="Times New Roman" panose="02020603050405020304" pitchFamily="18" charset="0"/>
+              <a:ea typeface="標楷體" panose="03000509000000000000" pitchFamily="65" charset="-120"/>
+              <a:cs typeface="Times New Roman" panose="02020603050405020304" pitchFamily="18" charset="0"/>
             </a:endParaRPr>
           </a:p>
         </p:txBody>
@@ -30731,16 +31190,16 @@
             </a:pPr>
             <a:r>
               <a:rPr kumimoji="1" lang="zh-TW" altLang="en-US" dirty="0" smtClean="0">
-                <a:latin typeface="Hannotate TC" charset="-120"/>
-                <a:ea typeface="Hannotate TC" charset="-120"/>
-                <a:cs typeface="Hannotate TC" charset="-120"/>
+                <a:latin typeface="Times New Roman" panose="02020603050405020304" pitchFamily="18" charset="0"/>
+                <a:ea typeface="標楷體" panose="03000509000000000000" pitchFamily="65" charset="-120"/>
+                <a:cs typeface="Times New Roman" panose="02020603050405020304" pitchFamily="18" charset="0"/>
               </a:rPr>
               <a:t>載入框架</a:t>
             </a:r>
             <a:endParaRPr kumimoji="1" lang="en-US" altLang="zh-TW" dirty="0" smtClean="0">
-              <a:latin typeface="Hannotate TC" charset="-120"/>
-              <a:ea typeface="Hannotate TC" charset="-120"/>
-              <a:cs typeface="Hannotate TC" charset="-120"/>
+              <a:latin typeface="Times New Roman" panose="02020603050405020304" pitchFamily="18" charset="0"/>
+              <a:ea typeface="標楷體" panose="03000509000000000000" pitchFamily="65" charset="-120"/>
+              <a:cs typeface="Times New Roman" panose="02020603050405020304" pitchFamily="18" charset="0"/>
             </a:endParaRPr>
           </a:p>
           <a:p>
@@ -30750,16 +31209,16 @@
             </a:pPr>
             <a:r>
               <a:rPr kumimoji="1" lang="zh-TW" altLang="en-US" dirty="0" smtClean="0">
-                <a:latin typeface="Hannotate TC" charset="-120"/>
-                <a:ea typeface="Hannotate TC" charset="-120"/>
-                <a:cs typeface="Hannotate TC" charset="-120"/>
+                <a:latin typeface="Times New Roman" panose="02020603050405020304" pitchFamily="18" charset="0"/>
+                <a:ea typeface="標楷體" panose="03000509000000000000" pitchFamily="65" charset="-120"/>
+                <a:cs typeface="Times New Roman" panose="02020603050405020304" pitchFamily="18" charset="0"/>
               </a:rPr>
               <a:t>載入遊戲程式</a:t>
             </a:r>
             <a:endParaRPr kumimoji="1" lang="zh-TW" altLang="en-US" dirty="0">
-              <a:latin typeface="Hannotate TC" charset="-120"/>
-              <a:ea typeface="Hannotate TC" charset="-120"/>
-              <a:cs typeface="Hannotate TC" charset="-120"/>
+              <a:latin typeface="Times New Roman" panose="02020603050405020304" pitchFamily="18" charset="0"/>
+              <a:ea typeface="標楷體" panose="03000509000000000000" pitchFamily="65" charset="-120"/>
+              <a:cs typeface="Times New Roman" panose="02020603050405020304" pitchFamily="18" charset="0"/>
             </a:endParaRPr>
           </a:p>
         </p:txBody>
@@ -30773,7 +31232,7 @@
         <p:spPr>
           <a:xfrm>
             <a:off x="6720930" y="2485288"/>
-            <a:ext cx="2699778" cy="646331"/>
+            <a:ext cx="2646878" cy="646331"/>
           </a:xfrm>
           <a:prstGeom prst="rect">
             <a:avLst/>
@@ -30792,32 +31251,32 @@
             </a:pPr>
             <a:r>
               <a:rPr kumimoji="1" lang="zh-TW" altLang="en-US" dirty="0" smtClean="0">
-                <a:latin typeface="Hannotate TC" charset="-120"/>
-                <a:ea typeface="Hannotate TC" charset="-120"/>
-                <a:cs typeface="Hannotate TC" charset="-120"/>
+                <a:latin typeface="Times New Roman" panose="02020603050405020304" pitchFamily="18" charset="0"/>
+                <a:ea typeface="標楷體" panose="03000509000000000000" pitchFamily="65" charset="-120"/>
+                <a:cs typeface="Times New Roman" panose="02020603050405020304" pitchFamily="18" charset="0"/>
               </a:rPr>
               <a:t>載入框架所需</a:t>
             </a:r>
             <a:r>
               <a:rPr kumimoji="1" lang="en-US" altLang="zh-TW" dirty="0" smtClean="0">
-                <a:latin typeface="Hannotate TC" charset="-120"/>
-                <a:ea typeface="Hannotate TC" charset="-120"/>
-                <a:cs typeface="Hannotate TC" charset="-120"/>
+                <a:latin typeface="Times New Roman" panose="02020603050405020304" pitchFamily="18" charset="0"/>
+                <a:ea typeface="標楷體" panose="03000509000000000000" pitchFamily="65" charset="-120"/>
+                <a:cs typeface="Times New Roman" panose="02020603050405020304" pitchFamily="18" charset="0"/>
               </a:rPr>
               <a:t>. </a:t>
             </a:r>
             <a:r>
               <a:rPr kumimoji="1" lang="en-US" altLang="zh-TW" dirty="0" err="1" smtClean="0">
-                <a:latin typeface="Hannotate TC" charset="-120"/>
-                <a:ea typeface="Hannotate TC" charset="-120"/>
-                <a:cs typeface="Hannotate TC" charset="-120"/>
+                <a:latin typeface="Times New Roman" panose="02020603050405020304" pitchFamily="18" charset="0"/>
+                <a:ea typeface="標楷體" panose="03000509000000000000" pitchFamily="65" charset="-120"/>
+                <a:cs typeface="Times New Roman" panose="02020603050405020304" pitchFamily="18" charset="0"/>
               </a:rPr>
               <a:t>js</a:t>
             </a:r>
             <a:endParaRPr kumimoji="1" lang="en-US" altLang="zh-TW" dirty="0" smtClean="0">
-              <a:latin typeface="Hannotate TC" charset="-120"/>
-              <a:ea typeface="Hannotate TC" charset="-120"/>
-              <a:cs typeface="Hannotate TC" charset="-120"/>
+              <a:latin typeface="Times New Roman" panose="02020603050405020304" pitchFamily="18" charset="0"/>
+              <a:ea typeface="標楷體" panose="03000509000000000000" pitchFamily="65" charset="-120"/>
+              <a:cs typeface="Times New Roman" panose="02020603050405020304" pitchFamily="18" charset="0"/>
             </a:endParaRPr>
           </a:p>
           <a:p>
@@ -30827,32 +31286,32 @@
             </a:pPr>
             <a:r>
               <a:rPr kumimoji="1" lang="zh-TW" altLang="en-US" dirty="0" smtClean="0">
-                <a:latin typeface="Hannotate TC" charset="-120"/>
-                <a:ea typeface="Hannotate TC" charset="-120"/>
-                <a:cs typeface="Hannotate TC" charset="-120"/>
+                <a:latin typeface="Times New Roman" panose="02020603050405020304" pitchFamily="18" charset="0"/>
+                <a:ea typeface="標楷體" panose="03000509000000000000" pitchFamily="65" charset="-120"/>
+                <a:cs typeface="Times New Roman" panose="02020603050405020304" pitchFamily="18" charset="0"/>
               </a:rPr>
               <a:t>載入遊戲程式所需 </a:t>
             </a:r>
             <a:r>
               <a:rPr kumimoji="1" lang="en-US" altLang="zh-TW" dirty="0" smtClean="0">
-                <a:latin typeface="Hannotate TC" charset="-120"/>
-                <a:ea typeface="Hannotate TC" charset="-120"/>
-                <a:cs typeface="Hannotate TC" charset="-120"/>
+                <a:latin typeface="Times New Roman" panose="02020603050405020304" pitchFamily="18" charset="0"/>
+                <a:ea typeface="標楷體" panose="03000509000000000000" pitchFamily="65" charset="-120"/>
+                <a:cs typeface="Times New Roman" panose="02020603050405020304" pitchFamily="18" charset="0"/>
               </a:rPr>
               <a:t>.</a:t>
             </a:r>
             <a:r>
               <a:rPr kumimoji="1" lang="en-US" altLang="zh-TW" dirty="0" err="1" smtClean="0">
-                <a:latin typeface="Hannotate TC" charset="-120"/>
-                <a:ea typeface="Hannotate TC" charset="-120"/>
-                <a:cs typeface="Hannotate TC" charset="-120"/>
+                <a:latin typeface="Times New Roman" panose="02020603050405020304" pitchFamily="18" charset="0"/>
+                <a:ea typeface="標楷體" panose="03000509000000000000" pitchFamily="65" charset="-120"/>
+                <a:cs typeface="Times New Roman" panose="02020603050405020304" pitchFamily="18" charset="0"/>
               </a:rPr>
               <a:t>js</a:t>
             </a:r>
             <a:endParaRPr kumimoji="1" lang="zh-TW" altLang="en-US" dirty="0">
-              <a:latin typeface="Hannotate TC" charset="-120"/>
-              <a:ea typeface="Hannotate TC" charset="-120"/>
-              <a:cs typeface="Hannotate TC" charset="-120"/>
+              <a:latin typeface="Times New Roman" panose="02020603050405020304" pitchFamily="18" charset="0"/>
+              <a:ea typeface="標楷體" panose="03000509000000000000" pitchFamily="65" charset="-120"/>
+              <a:cs typeface="Times New Roman" panose="02020603050405020304" pitchFamily="18" charset="0"/>
             </a:endParaRPr>
           </a:p>
         </p:txBody>
